--- a/Presentacion/Fuga de Información en los Siglos XIX y.pptx
+++ b/Presentacion/Fuga de Información en los Siglos XIX y.pptx
@@ -5,25 +5,27 @@
     <p:sldMasterId id="2147483648" r:id="rId2"/>
   </p:sldMasterIdLst>
   <p:notesMasterIdLst>
-    <p:notesMasterId r:id="rId11"/>
+    <p:notesMasterId r:id="rId13"/>
   </p:notesMasterIdLst>
   <p:handoutMasterIdLst>
-    <p:handoutMasterId r:id="rId12"/>
+    <p:handoutMasterId r:id="rId14"/>
   </p:handoutMasterIdLst>
   <p:sldIdLst>
     <p:sldId id="265" r:id="rId3"/>
     <p:sldId id="310" r:id="rId4"/>
     <p:sldId id="311" r:id="rId5"/>
-    <p:sldId id="313" r:id="rId6"/>
+    <p:sldId id="324" r:id="rId6"/>
     <p:sldId id="321" r:id="rId7"/>
-    <p:sldId id="322" r:id="rId8"/>
-    <p:sldId id="323" r:id="rId9"/>
-    <p:sldId id="319" r:id="rId10"/>
+    <p:sldId id="325" r:id="rId8"/>
+    <p:sldId id="326" r:id="rId9"/>
+    <p:sldId id="322" r:id="rId10"/>
+    <p:sldId id="323" r:id="rId11"/>
+    <p:sldId id="319" r:id="rId12"/>
   </p:sldIdLst>
   <p:sldSz cx="12188825" cy="6858000"/>
   <p:notesSz cx="6858000" cy="9144000"/>
   <p:custDataLst>
-    <p:tags r:id="rId13"/>
+    <p:tags r:id="rId15"/>
   </p:custDataLst>
   <p:defaultTextStyle>
     <a:defPPr>
@@ -654,6 +656,963 @@
     </a:lvl9pPr>
   </p:notesStyle>
 </p:notesMaster>
+</file>
+
+<file path=ppt/notesSlides/notesSlide1.xml><?xml version="1.0" encoding="utf-8"?>
+<p:notes xmlns:a="http://schemas.openxmlformats.org/drawingml/2006/main" xmlns:r="http://schemas.openxmlformats.org/officeDocument/2006/relationships" xmlns:p="http://schemas.openxmlformats.org/presentationml/2006/main">
+  <p:cSld>
+    <p:spTree>
+      <p:nvGrpSpPr>
+        <p:cNvPr id="1" name=""/>
+        <p:cNvGrpSpPr/>
+        <p:nvPr/>
+      </p:nvGrpSpPr>
+      <p:grpSpPr>
+        <a:xfrm>
+          <a:off x="0" y="0"/>
+          <a:ext cx="0" cy="0"/>
+          <a:chOff x="0" y="0"/>
+          <a:chExt cx="0" cy="0"/>
+        </a:xfrm>
+      </p:grpSpPr>
+      <p:sp>
+        <p:nvSpPr>
+          <p:cNvPr id="2" name="Slide Image Placeholder 1"/>
+          <p:cNvSpPr>
+            <a:spLocks noGrp="1" noRot="1" noChangeAspect="1"/>
+          </p:cNvSpPr>
+          <p:nvPr>
+            <p:ph type="sldImg"/>
+          </p:nvPr>
+        </p:nvSpPr>
+        <p:spPr/>
+      </p:sp>
+      <p:sp>
+        <p:nvSpPr>
+          <p:cNvPr id="3" name="Notes Placeholder 2"/>
+          <p:cNvSpPr>
+            <a:spLocks noGrp="1"/>
+          </p:cNvSpPr>
+          <p:nvPr>
+            <p:ph type="body" idx="1"/>
+          </p:nvPr>
+        </p:nvSpPr>
+        <p:spPr/>
+        <p:txBody>
+          <a:bodyPr/>
+          <a:lstStyle/>
+          <a:p>
+            <a:r>
+              <a:rPr lang="en-US" sz="1200" kern="1200" dirty="0" smtClean="0">
+                <a:solidFill>
+                  <a:schemeClr val="tx1"/>
+                </a:solidFill>
+                <a:effectLst/>
+                <a:latin typeface="+mn-lt"/>
+                <a:ea typeface="+mn-ea"/>
+                <a:cs typeface="+mn-cs"/>
+              </a:rPr>
+              <a:t>Schmidt   &gt; - </a:t>
+            </a:r>
+            <a:r>
+              <a:rPr lang="en-US" sz="1200" kern="1200" dirty="0" err="1" smtClean="0">
+                <a:solidFill>
+                  <a:schemeClr val="tx1"/>
+                </a:solidFill>
+                <a:effectLst/>
+                <a:latin typeface="+mn-lt"/>
+                <a:ea typeface="+mn-ea"/>
+                <a:cs typeface="+mn-cs"/>
+              </a:rPr>
+              <a:t>introducción</a:t>
+            </a:r>
+            <a:r>
+              <a:rPr lang="en-US" sz="1200" kern="1200" dirty="0" smtClean="0">
+                <a:solidFill>
+                  <a:schemeClr val="tx1"/>
+                </a:solidFill>
+                <a:effectLst/>
+                <a:latin typeface="+mn-lt"/>
+                <a:ea typeface="+mn-ea"/>
+                <a:cs typeface="+mn-cs"/>
+              </a:rPr>
+              <a:t>, </a:t>
+            </a:r>
+            <a:r>
+              <a:rPr lang="en-US" sz="1200" kern="1200" dirty="0" err="1" smtClean="0">
+                <a:solidFill>
+                  <a:schemeClr val="tx1"/>
+                </a:solidFill>
+                <a:effectLst/>
+                <a:latin typeface="+mn-lt"/>
+                <a:ea typeface="+mn-ea"/>
+                <a:cs typeface="+mn-cs"/>
+              </a:rPr>
+              <a:t>conclusiones</a:t>
+            </a:r>
+            <a:r>
+              <a:rPr lang="en-US" sz="1200" kern="1200" dirty="0" smtClean="0">
+                <a:solidFill>
+                  <a:schemeClr val="tx1"/>
+                </a:solidFill>
+                <a:effectLst/>
+                <a:latin typeface="+mn-lt"/>
+                <a:ea typeface="+mn-ea"/>
+                <a:cs typeface="+mn-cs"/>
+              </a:rPr>
+              <a:t/>
+            </a:r>
+            <a:br>
+              <a:rPr lang="en-US" sz="1200" kern="1200" dirty="0" smtClean="0">
+                <a:solidFill>
+                  <a:schemeClr val="tx1"/>
+                </a:solidFill>
+                <a:effectLst/>
+                <a:latin typeface="+mn-lt"/>
+                <a:ea typeface="+mn-ea"/>
+                <a:cs typeface="+mn-cs"/>
+              </a:rPr>
+            </a:br>
+            <a:r>
+              <a:rPr lang="en-US" sz="1200" kern="1200" dirty="0" smtClean="0">
+                <a:solidFill>
+                  <a:schemeClr val="tx1"/>
+                </a:solidFill>
+                <a:effectLst/>
+                <a:latin typeface="+mn-lt"/>
+                <a:ea typeface="+mn-ea"/>
+                <a:cs typeface="+mn-cs"/>
+              </a:rPr>
+              <a:t>Maraggi   &gt; - xix, </a:t>
+            </a:r>
+            <a:r>
+              <a:rPr lang="en-US" sz="1200" kern="1200" dirty="0" err="1" smtClean="0">
+                <a:solidFill>
+                  <a:schemeClr val="tx1"/>
+                </a:solidFill>
+                <a:effectLst/>
+                <a:latin typeface="+mn-lt"/>
+                <a:ea typeface="+mn-ea"/>
+                <a:cs typeface="+mn-cs"/>
+              </a:rPr>
+              <a:t>riesgos</a:t>
+            </a:r>
+            <a:r>
+              <a:rPr lang="en-US" sz="1200" kern="1200" dirty="0" smtClean="0">
+                <a:solidFill>
+                  <a:schemeClr val="tx1"/>
+                </a:solidFill>
+                <a:effectLst/>
+                <a:latin typeface="+mn-lt"/>
+                <a:ea typeface="+mn-ea"/>
+                <a:cs typeface="+mn-cs"/>
+              </a:rPr>
+              <a:t> y </a:t>
+            </a:r>
+            <a:r>
+              <a:rPr lang="en-US" sz="1200" kern="1200" dirty="0" err="1" smtClean="0">
+                <a:solidFill>
+                  <a:schemeClr val="tx1"/>
+                </a:solidFill>
+                <a:effectLst/>
+                <a:latin typeface="+mn-lt"/>
+                <a:ea typeface="+mn-ea"/>
+                <a:cs typeface="+mn-cs"/>
+              </a:rPr>
+              <a:t>casos</a:t>
+            </a:r>
+            <a:r>
+              <a:rPr lang="en-US" sz="1200" kern="1200" dirty="0" smtClean="0">
+                <a:solidFill>
+                  <a:schemeClr val="tx1"/>
+                </a:solidFill>
+                <a:effectLst/>
+                <a:latin typeface="+mn-lt"/>
+                <a:ea typeface="+mn-ea"/>
+                <a:cs typeface="+mn-cs"/>
+              </a:rPr>
+              <a:t> </a:t>
+            </a:r>
+            <a:r>
+              <a:rPr lang="en-US" sz="1200" kern="1200" dirty="0" err="1" smtClean="0">
+                <a:solidFill>
+                  <a:schemeClr val="tx1"/>
+                </a:solidFill>
+                <a:effectLst/>
+                <a:latin typeface="+mn-lt"/>
+                <a:ea typeface="+mn-ea"/>
+                <a:cs typeface="+mn-cs"/>
+              </a:rPr>
+              <a:t>reales</a:t>
+            </a:r>
+            <a:endParaRPr lang="en-US" sz="1200" kern="1200" dirty="0" smtClean="0">
+              <a:solidFill>
+                <a:schemeClr val="tx1"/>
+              </a:solidFill>
+              <a:effectLst/>
+              <a:latin typeface="+mn-lt"/>
+              <a:ea typeface="+mn-ea"/>
+              <a:cs typeface="+mn-cs"/>
+            </a:endParaRPr>
+          </a:p>
+          <a:p>
+            <a:r>
+              <a:rPr lang="en-US" sz="1200" kern="1200" dirty="0" smtClean="0">
+                <a:solidFill>
+                  <a:schemeClr val="tx1"/>
+                </a:solidFill>
+                <a:effectLst/>
+                <a:latin typeface="+mn-lt"/>
+                <a:ea typeface="+mn-ea"/>
+                <a:cs typeface="+mn-cs"/>
+              </a:rPr>
+              <a:t>Zurita   &gt; - xix, intro y </a:t>
+            </a:r>
+            <a:r>
+              <a:rPr lang="en-US" sz="1200" kern="1200" dirty="0" err="1" smtClean="0">
+                <a:solidFill>
+                  <a:schemeClr val="tx1"/>
+                </a:solidFill>
+                <a:effectLst/>
+                <a:latin typeface="+mn-lt"/>
+                <a:ea typeface="+mn-ea"/>
+                <a:cs typeface="+mn-cs"/>
+              </a:rPr>
+              <a:t>mecanismos</a:t>
+            </a:r>
+            <a:r>
+              <a:rPr lang="en-US" sz="1200" kern="1200" dirty="0" smtClean="0">
+                <a:solidFill>
+                  <a:schemeClr val="tx1"/>
+                </a:solidFill>
+                <a:effectLst/>
+                <a:latin typeface="+mn-lt"/>
+                <a:ea typeface="+mn-ea"/>
+                <a:cs typeface="+mn-cs"/>
+              </a:rPr>
+              <a:t/>
+            </a:r>
+            <a:br>
+              <a:rPr lang="en-US" sz="1200" kern="1200" dirty="0" smtClean="0">
+                <a:solidFill>
+                  <a:schemeClr val="tx1"/>
+                </a:solidFill>
+                <a:effectLst/>
+                <a:latin typeface="+mn-lt"/>
+                <a:ea typeface="+mn-ea"/>
+                <a:cs typeface="+mn-cs"/>
+              </a:rPr>
+            </a:br>
+            <a:r>
+              <a:rPr lang="en-US" sz="1200" kern="1200" dirty="0" smtClean="0">
+                <a:solidFill>
+                  <a:schemeClr val="tx1"/>
+                </a:solidFill>
+                <a:effectLst/>
+                <a:latin typeface="+mn-lt"/>
+                <a:ea typeface="+mn-ea"/>
+                <a:cs typeface="+mn-cs"/>
+              </a:rPr>
+              <a:t>Parnisari   &gt; - xxi, intro y </a:t>
+            </a:r>
+            <a:r>
+              <a:rPr lang="en-US" sz="1200" kern="1200" dirty="0" err="1" smtClean="0">
+                <a:solidFill>
+                  <a:schemeClr val="tx1"/>
+                </a:solidFill>
+                <a:effectLst/>
+                <a:latin typeface="+mn-lt"/>
+                <a:ea typeface="+mn-ea"/>
+                <a:cs typeface="+mn-cs"/>
+              </a:rPr>
+              <a:t>mecanismos</a:t>
+            </a:r>
+            <a:r>
+              <a:rPr lang="en-US" sz="1200" kern="1200" dirty="0" smtClean="0">
+                <a:solidFill>
+                  <a:schemeClr val="tx1"/>
+                </a:solidFill>
+                <a:effectLst/>
+                <a:latin typeface="+mn-lt"/>
+                <a:ea typeface="+mn-ea"/>
+                <a:cs typeface="+mn-cs"/>
+              </a:rPr>
+              <a:t> </a:t>
+            </a:r>
+            <a:br>
+              <a:rPr lang="en-US" sz="1200" kern="1200" dirty="0" smtClean="0">
+                <a:solidFill>
+                  <a:schemeClr val="tx1"/>
+                </a:solidFill>
+                <a:effectLst/>
+                <a:latin typeface="+mn-lt"/>
+                <a:ea typeface="+mn-ea"/>
+                <a:cs typeface="+mn-cs"/>
+              </a:rPr>
+            </a:br>
+            <a:r>
+              <a:rPr lang="en-US" sz="1200" kern="1200" dirty="0" smtClean="0">
+                <a:solidFill>
+                  <a:schemeClr val="tx1"/>
+                </a:solidFill>
+                <a:effectLst/>
+                <a:latin typeface="+mn-lt"/>
+                <a:ea typeface="+mn-ea"/>
+                <a:cs typeface="+mn-cs"/>
+              </a:rPr>
+              <a:t>Zhang   &gt; - xxi, </a:t>
+            </a:r>
+            <a:r>
+              <a:rPr lang="en-US" sz="1200" kern="1200" dirty="0" err="1" smtClean="0">
+                <a:solidFill>
+                  <a:schemeClr val="tx1"/>
+                </a:solidFill>
+                <a:effectLst/>
+                <a:latin typeface="+mn-lt"/>
+                <a:ea typeface="+mn-ea"/>
+                <a:cs typeface="+mn-cs"/>
+              </a:rPr>
+              <a:t>riesgos</a:t>
+            </a:r>
+            <a:r>
+              <a:rPr lang="en-US" sz="1200" kern="1200" dirty="0" smtClean="0">
+                <a:solidFill>
+                  <a:schemeClr val="tx1"/>
+                </a:solidFill>
+                <a:effectLst/>
+                <a:latin typeface="+mn-lt"/>
+                <a:ea typeface="+mn-ea"/>
+                <a:cs typeface="+mn-cs"/>
+              </a:rPr>
+              <a:t> y </a:t>
+            </a:r>
+            <a:r>
+              <a:rPr lang="en-US" sz="1200" kern="1200" dirty="0" err="1" smtClean="0">
+                <a:solidFill>
+                  <a:schemeClr val="tx1"/>
+                </a:solidFill>
+                <a:effectLst/>
+                <a:latin typeface="+mn-lt"/>
+                <a:ea typeface="+mn-ea"/>
+                <a:cs typeface="+mn-cs"/>
+              </a:rPr>
+              <a:t>casos</a:t>
+            </a:r>
+            <a:r>
+              <a:rPr lang="en-US" sz="1200" kern="1200" dirty="0" smtClean="0">
+                <a:solidFill>
+                  <a:schemeClr val="tx1"/>
+                </a:solidFill>
+                <a:effectLst/>
+                <a:latin typeface="+mn-lt"/>
+                <a:ea typeface="+mn-ea"/>
+                <a:cs typeface="+mn-cs"/>
+              </a:rPr>
+              <a:t> </a:t>
+            </a:r>
+            <a:r>
+              <a:rPr lang="en-US" sz="1200" kern="1200" dirty="0" err="1" smtClean="0">
+                <a:solidFill>
+                  <a:schemeClr val="tx1"/>
+                </a:solidFill>
+                <a:effectLst/>
+                <a:latin typeface="+mn-lt"/>
+                <a:ea typeface="+mn-ea"/>
+                <a:cs typeface="+mn-cs"/>
+              </a:rPr>
+              <a:t>reales</a:t>
+            </a:r>
+            <a:endParaRPr lang="en-US" dirty="0"/>
+          </a:p>
+        </p:txBody>
+      </p:sp>
+      <p:sp>
+        <p:nvSpPr>
+          <p:cNvPr id="4" name="Slide Number Placeholder 3"/>
+          <p:cNvSpPr>
+            <a:spLocks noGrp="1"/>
+          </p:cNvSpPr>
+          <p:nvPr>
+            <p:ph type="sldNum" sz="quarter" idx="10"/>
+          </p:nvPr>
+        </p:nvSpPr>
+        <p:spPr/>
+        <p:txBody>
+          <a:bodyPr/>
+          <a:lstStyle/>
+          <a:p>
+            <a:fld id="{F93199CD-3E1B-4AE6-990F-76F925F5EA9F}" type="slidenum">
+              <a:rPr lang="en-US" smtClean="0"/>
+              <a:t>2</a:t>
+            </a:fld>
+            <a:endParaRPr lang="en-US"/>
+          </a:p>
+        </p:txBody>
+      </p:sp>
+    </p:spTree>
+    <p:extLst>
+      <p:ext uri="{BB962C8B-B14F-4D97-AF65-F5344CB8AC3E}">
+        <p14:creationId xmlns:p14="http://schemas.microsoft.com/office/powerpoint/2010/main" val="246766428"/>
+      </p:ext>
+    </p:extLst>
+  </p:cSld>
+  <p:clrMapOvr>
+    <a:masterClrMapping/>
+  </p:clrMapOvr>
+</p:notes>
+</file>
+
+<file path=ppt/notesSlides/notesSlide2.xml><?xml version="1.0" encoding="utf-8"?>
+<p:notes xmlns:a="http://schemas.openxmlformats.org/drawingml/2006/main" xmlns:r="http://schemas.openxmlformats.org/officeDocument/2006/relationships" xmlns:p="http://schemas.openxmlformats.org/presentationml/2006/main">
+  <p:cSld>
+    <p:spTree>
+      <p:nvGrpSpPr>
+        <p:cNvPr id="1" name=""/>
+        <p:cNvGrpSpPr/>
+        <p:nvPr/>
+      </p:nvGrpSpPr>
+      <p:grpSpPr>
+        <a:xfrm>
+          <a:off x="0" y="0"/>
+          <a:ext cx="0" cy="0"/>
+          <a:chOff x="0" y="0"/>
+          <a:chExt cx="0" cy="0"/>
+        </a:xfrm>
+      </p:grpSpPr>
+      <p:sp>
+        <p:nvSpPr>
+          <p:cNvPr id="2" name="Slide Image Placeholder 1"/>
+          <p:cNvSpPr>
+            <a:spLocks noGrp="1" noRot="1" noChangeAspect="1"/>
+          </p:cNvSpPr>
+          <p:nvPr>
+            <p:ph type="sldImg"/>
+          </p:nvPr>
+        </p:nvSpPr>
+        <p:spPr/>
+      </p:sp>
+      <p:sp>
+        <p:nvSpPr>
+          <p:cNvPr id="3" name="Notes Placeholder 2"/>
+          <p:cNvSpPr>
+            <a:spLocks noGrp="1"/>
+          </p:cNvSpPr>
+          <p:nvPr>
+            <p:ph type="body" idx="1"/>
+          </p:nvPr>
+        </p:nvSpPr>
+        <p:spPr/>
+        <p:txBody>
+          <a:bodyPr/>
+          <a:lstStyle/>
+          <a:p>
+            <a:endParaRPr lang="en-US"/>
+          </a:p>
+        </p:txBody>
+      </p:sp>
+      <p:sp>
+        <p:nvSpPr>
+          <p:cNvPr id="4" name="Slide Number Placeholder 3"/>
+          <p:cNvSpPr>
+            <a:spLocks noGrp="1"/>
+          </p:cNvSpPr>
+          <p:nvPr>
+            <p:ph type="sldNum" sz="quarter" idx="10"/>
+          </p:nvPr>
+        </p:nvSpPr>
+        <p:spPr/>
+        <p:txBody>
+          <a:bodyPr/>
+          <a:lstStyle/>
+          <a:p>
+            <a:fld id="{F93199CD-3E1B-4AE6-990F-76F925F5EA9F}" type="slidenum">
+              <a:rPr lang="en-US" smtClean="0"/>
+              <a:t>3</a:t>
+            </a:fld>
+            <a:endParaRPr lang="en-US"/>
+          </a:p>
+        </p:txBody>
+      </p:sp>
+    </p:spTree>
+    <p:extLst>
+      <p:ext uri="{BB962C8B-B14F-4D97-AF65-F5344CB8AC3E}">
+        <p14:creationId xmlns:p14="http://schemas.microsoft.com/office/powerpoint/2010/main" val="2586394931"/>
+      </p:ext>
+    </p:extLst>
+  </p:cSld>
+  <p:clrMapOvr>
+    <a:masterClrMapping/>
+  </p:clrMapOvr>
+</p:notes>
+</file>
+
+<file path=ppt/notesSlides/notesSlide3.xml><?xml version="1.0" encoding="utf-8"?>
+<p:notes xmlns:a="http://schemas.openxmlformats.org/drawingml/2006/main" xmlns:r="http://schemas.openxmlformats.org/officeDocument/2006/relationships" xmlns:p="http://schemas.openxmlformats.org/presentationml/2006/main">
+  <p:cSld>
+    <p:spTree>
+      <p:nvGrpSpPr>
+        <p:cNvPr id="1" name=""/>
+        <p:cNvGrpSpPr/>
+        <p:nvPr/>
+      </p:nvGrpSpPr>
+      <p:grpSpPr>
+        <a:xfrm>
+          <a:off x="0" y="0"/>
+          <a:ext cx="0" cy="0"/>
+          <a:chOff x="0" y="0"/>
+          <a:chExt cx="0" cy="0"/>
+        </a:xfrm>
+      </p:grpSpPr>
+      <p:sp>
+        <p:nvSpPr>
+          <p:cNvPr id="2" name="Slide Image Placeholder 1"/>
+          <p:cNvSpPr>
+            <a:spLocks noGrp="1" noRot="1" noChangeAspect="1"/>
+          </p:cNvSpPr>
+          <p:nvPr>
+            <p:ph type="sldImg"/>
+          </p:nvPr>
+        </p:nvSpPr>
+        <p:spPr/>
+      </p:sp>
+      <p:sp>
+        <p:nvSpPr>
+          <p:cNvPr id="3" name="Notes Placeholder 2"/>
+          <p:cNvSpPr>
+            <a:spLocks noGrp="1"/>
+          </p:cNvSpPr>
+          <p:nvPr>
+            <p:ph type="body" idx="1"/>
+          </p:nvPr>
+        </p:nvSpPr>
+        <p:spPr/>
+        <p:txBody>
+          <a:bodyPr/>
+          <a:lstStyle/>
+          <a:p>
+            <a:endParaRPr lang="en-US"/>
+          </a:p>
+        </p:txBody>
+      </p:sp>
+      <p:sp>
+        <p:nvSpPr>
+          <p:cNvPr id="4" name="Slide Number Placeholder 3"/>
+          <p:cNvSpPr>
+            <a:spLocks noGrp="1"/>
+          </p:cNvSpPr>
+          <p:nvPr>
+            <p:ph type="sldNum" sz="quarter" idx="10"/>
+          </p:nvPr>
+        </p:nvSpPr>
+        <p:spPr/>
+        <p:txBody>
+          <a:bodyPr/>
+          <a:lstStyle/>
+          <a:p>
+            <a:fld id="{F93199CD-3E1B-4AE6-990F-76F925F5EA9F}" type="slidenum">
+              <a:rPr lang="en-US" smtClean="0"/>
+              <a:t>4</a:t>
+            </a:fld>
+            <a:endParaRPr lang="en-US"/>
+          </a:p>
+        </p:txBody>
+      </p:sp>
+    </p:spTree>
+    <p:extLst>
+      <p:ext uri="{BB962C8B-B14F-4D97-AF65-F5344CB8AC3E}">
+        <p14:creationId xmlns:p14="http://schemas.microsoft.com/office/powerpoint/2010/main" val="2554922987"/>
+      </p:ext>
+    </p:extLst>
+  </p:cSld>
+  <p:clrMapOvr>
+    <a:masterClrMapping/>
+  </p:clrMapOvr>
+</p:notes>
+</file>
+
+<file path=ppt/notesSlides/notesSlide4.xml><?xml version="1.0" encoding="utf-8"?>
+<p:notes xmlns:a="http://schemas.openxmlformats.org/drawingml/2006/main" xmlns:r="http://schemas.openxmlformats.org/officeDocument/2006/relationships" xmlns:p="http://schemas.openxmlformats.org/presentationml/2006/main">
+  <p:cSld>
+    <p:spTree>
+      <p:nvGrpSpPr>
+        <p:cNvPr id="1" name=""/>
+        <p:cNvGrpSpPr/>
+        <p:nvPr/>
+      </p:nvGrpSpPr>
+      <p:grpSpPr>
+        <a:xfrm>
+          <a:off x="0" y="0"/>
+          <a:ext cx="0" cy="0"/>
+          <a:chOff x="0" y="0"/>
+          <a:chExt cx="0" cy="0"/>
+        </a:xfrm>
+      </p:grpSpPr>
+      <p:sp>
+        <p:nvSpPr>
+          <p:cNvPr id="2" name="Slide Image Placeholder 1"/>
+          <p:cNvSpPr>
+            <a:spLocks noGrp="1" noRot="1" noChangeAspect="1"/>
+          </p:cNvSpPr>
+          <p:nvPr>
+            <p:ph type="sldImg"/>
+          </p:nvPr>
+        </p:nvSpPr>
+        <p:spPr/>
+      </p:sp>
+      <p:sp>
+        <p:nvSpPr>
+          <p:cNvPr id="3" name="Notes Placeholder 2"/>
+          <p:cNvSpPr>
+            <a:spLocks noGrp="1"/>
+          </p:cNvSpPr>
+          <p:nvPr>
+            <p:ph type="body" idx="1"/>
+          </p:nvPr>
+        </p:nvSpPr>
+        <p:spPr/>
+        <p:txBody>
+          <a:bodyPr/>
+          <a:lstStyle/>
+          <a:p>
+            <a:pPr marL="0" marR="0" indent="0" algn="l" defTabSz="914400" rtl="0" eaLnBrk="1" fontAlgn="auto" latinLnBrk="0" hangingPunct="1">
+              <a:lnSpc>
+                <a:spcPct val="100000"/>
+              </a:lnSpc>
+              <a:spcBef>
+                <a:spcPts val="0"/>
+              </a:spcBef>
+              <a:spcAft>
+                <a:spcPts val="0"/>
+              </a:spcAft>
+              <a:buClrTx/>
+              <a:buSzTx/>
+              <a:buFontTx/>
+              <a:buNone/>
+              <a:tabLst/>
+              <a:defRPr/>
+            </a:pPr>
+            <a:r>
+              <a:rPr lang="es-AR" sz="1200" kern="1200" dirty="0" smtClean="0">
+                <a:solidFill>
+                  <a:schemeClr val="tx1"/>
+                </a:solidFill>
+                <a:effectLst/>
+                <a:latin typeface="+mn-lt"/>
+                <a:ea typeface="+mn-ea"/>
+                <a:cs typeface="+mn-cs"/>
+              </a:rPr>
+              <a:t>El siglo XXI se caracteriza por un cambio de la economía tradicional traída en la revolución industrial hacia una </a:t>
+            </a:r>
+            <a:r>
+              <a:rPr lang="es-AR" sz="1200" b="1" kern="1200" dirty="0" smtClean="0">
+                <a:solidFill>
+                  <a:schemeClr val="tx1"/>
+                </a:solidFill>
+                <a:effectLst/>
+                <a:latin typeface="+mn-lt"/>
+                <a:ea typeface="+mn-ea"/>
+                <a:cs typeface="+mn-cs"/>
+              </a:rPr>
+              <a:t>economía basada en la información.</a:t>
+            </a:r>
+            <a:r>
+              <a:rPr lang="es-AR" sz="1200" kern="1200" dirty="0" smtClean="0">
+                <a:solidFill>
+                  <a:schemeClr val="tx1"/>
+                </a:solidFill>
+                <a:effectLst/>
+                <a:latin typeface="+mn-lt"/>
+                <a:ea typeface="+mn-ea"/>
+                <a:cs typeface="+mn-cs"/>
+              </a:rPr>
+              <a:t> Durante esta era, la industria es capaz de explorar las necesidades personales de los consumidores, lo cual trae aparejado una reducción de costos tanto para los consumidores como para las empresas.</a:t>
+            </a:r>
+            <a:endParaRPr lang="en-US" sz="1200" kern="1200" dirty="0" smtClean="0">
+              <a:solidFill>
+                <a:schemeClr val="tx1"/>
+              </a:solidFill>
+              <a:effectLst/>
+              <a:latin typeface="+mn-lt"/>
+              <a:ea typeface="+mn-ea"/>
+              <a:cs typeface="+mn-cs"/>
+            </a:endParaRPr>
+          </a:p>
+          <a:p>
+            <a:r>
+              <a:rPr lang="es-AR" sz="1200" kern="1200" dirty="0" smtClean="0">
+                <a:solidFill>
+                  <a:schemeClr val="tx1"/>
+                </a:solidFill>
+                <a:effectLst/>
+                <a:latin typeface="+mn-lt"/>
+                <a:ea typeface="+mn-ea"/>
+                <a:cs typeface="+mn-cs"/>
+              </a:rPr>
+              <a:t>Durante este período, caracterizado por la miniaturización de las computadoras y la </a:t>
+            </a:r>
+            <a:r>
+              <a:rPr lang="es-AR" sz="1200" b="1" kern="1200" dirty="0" smtClean="0">
+                <a:solidFill>
+                  <a:schemeClr val="tx1"/>
+                </a:solidFill>
+                <a:effectLst/>
+                <a:latin typeface="+mn-lt"/>
+                <a:ea typeface="+mn-ea"/>
+                <a:cs typeface="+mn-cs"/>
+              </a:rPr>
+              <a:t>proliferación de internet </a:t>
+            </a:r>
+            <a:r>
+              <a:rPr lang="es-AR" sz="1200" kern="1200" dirty="0" smtClean="0">
+                <a:solidFill>
+                  <a:schemeClr val="tx1"/>
+                </a:solidFill>
+                <a:effectLst/>
+                <a:latin typeface="+mn-lt"/>
+                <a:ea typeface="+mn-ea"/>
+                <a:cs typeface="+mn-cs"/>
+              </a:rPr>
+              <a:t>desde el año 1990, la fuga de información se ve incrementada gracias a la rápida expansión de los medios de comunicación. Dado que existen más formas de comunicación que se utilizan dentro de las organizaciones, han emergido nuevas formas de fuga de información, como ser la mensajería instantánea, los correos electrónicos, la ingeniería social, etc.</a:t>
+            </a:r>
+            <a:endParaRPr lang="en-US" sz="1200" kern="1200" dirty="0" smtClean="0">
+              <a:solidFill>
+                <a:schemeClr val="tx1"/>
+              </a:solidFill>
+              <a:effectLst/>
+              <a:latin typeface="+mn-lt"/>
+              <a:ea typeface="+mn-ea"/>
+              <a:cs typeface="+mn-cs"/>
+            </a:endParaRPr>
+          </a:p>
+          <a:p>
+            <a:r>
+              <a:rPr lang="es-AR" sz="1200" kern="1200" dirty="0" smtClean="0">
+                <a:solidFill>
+                  <a:schemeClr val="tx1"/>
+                </a:solidFill>
+                <a:effectLst/>
+                <a:latin typeface="+mn-lt"/>
+                <a:ea typeface="+mn-ea"/>
+                <a:cs typeface="+mn-cs"/>
+              </a:rPr>
+              <a:t>En el campo de la </a:t>
+            </a:r>
+            <a:r>
+              <a:rPr lang="es-AR" sz="1200" b="1" kern="1200" dirty="0" smtClean="0">
+                <a:solidFill>
+                  <a:schemeClr val="tx1"/>
+                </a:solidFill>
+                <a:effectLst/>
+                <a:latin typeface="+mn-lt"/>
+                <a:ea typeface="+mn-ea"/>
+                <a:cs typeface="+mn-cs"/>
+              </a:rPr>
+              <a:t>medicina</a:t>
+            </a:r>
+            <a:r>
+              <a:rPr lang="es-AR" sz="1200" kern="1200" dirty="0" smtClean="0">
+                <a:solidFill>
+                  <a:schemeClr val="tx1"/>
+                </a:solidFill>
+                <a:effectLst/>
+                <a:latin typeface="+mn-lt"/>
+                <a:ea typeface="+mn-ea"/>
+                <a:cs typeface="+mn-cs"/>
+              </a:rPr>
+              <a:t>, la situación es crítica. La información clínica de los pacientes es almacenada electrónicamente, y esto permite que las autoridades envíen registros de enfermedades a investigadores; en muchas ocasiones esto incluye los nombres y direcciones de los pacientes, sin su consentimiento explícito.</a:t>
+            </a:r>
+            <a:endParaRPr lang="en-US" sz="1200" kern="1200" dirty="0" smtClean="0">
+              <a:solidFill>
+                <a:schemeClr val="tx1"/>
+              </a:solidFill>
+              <a:effectLst/>
+              <a:latin typeface="+mn-lt"/>
+              <a:ea typeface="+mn-ea"/>
+              <a:cs typeface="+mn-cs"/>
+            </a:endParaRPr>
+          </a:p>
+          <a:p>
+            <a:r>
+              <a:rPr lang="es-AR" sz="1200" kern="1200" dirty="0" smtClean="0">
+                <a:solidFill>
+                  <a:schemeClr val="tx1"/>
+                </a:solidFill>
+                <a:effectLst/>
+                <a:latin typeface="+mn-lt"/>
+                <a:ea typeface="+mn-ea"/>
+                <a:cs typeface="+mn-cs"/>
+              </a:rPr>
+              <a:t>El </a:t>
+            </a:r>
+            <a:r>
+              <a:rPr lang="es-AR" sz="1200" b="1" kern="1200" dirty="0" smtClean="0">
+                <a:solidFill>
+                  <a:schemeClr val="tx1"/>
+                </a:solidFill>
+                <a:effectLst/>
+                <a:latin typeface="+mn-lt"/>
+                <a:ea typeface="+mn-ea"/>
+                <a:cs typeface="+mn-cs"/>
+              </a:rPr>
+              <a:t>principal capital de las empresas tecnológicas</a:t>
+            </a:r>
+            <a:r>
+              <a:rPr lang="es-AR" sz="1200" kern="1200" dirty="0" smtClean="0">
+                <a:solidFill>
+                  <a:schemeClr val="tx1"/>
+                </a:solidFill>
+                <a:effectLst/>
+                <a:latin typeface="+mn-lt"/>
+                <a:ea typeface="+mn-ea"/>
+                <a:cs typeface="+mn-cs"/>
+              </a:rPr>
+              <a:t> lo conforman los bienes o activos intangibles: información, conocimientos, algoritmos, fórmulas, invenciones, procesos, estrategia comercial y bases de datos, entre otros. Las organizaciones del siglo XXI deben estar preparadas para los siguientes desafíos: </a:t>
+            </a:r>
+            <a:endParaRPr lang="en-US" sz="1200" kern="1200" dirty="0" smtClean="0">
+              <a:solidFill>
+                <a:schemeClr val="tx1"/>
+              </a:solidFill>
+              <a:effectLst/>
+              <a:latin typeface="+mn-lt"/>
+              <a:ea typeface="+mn-ea"/>
+              <a:cs typeface="+mn-cs"/>
+            </a:endParaRPr>
+          </a:p>
+          <a:p>
+            <a:pPr lvl="0"/>
+            <a:r>
+              <a:rPr lang="es-AR" sz="1200" u="none" strike="noStrike" kern="1200" dirty="0" smtClean="0">
+                <a:solidFill>
+                  <a:schemeClr val="tx1"/>
+                </a:solidFill>
+                <a:effectLst/>
+                <a:latin typeface="+mn-lt"/>
+                <a:ea typeface="+mn-ea"/>
+                <a:cs typeface="+mn-cs"/>
+              </a:rPr>
+              <a:t>Manejar y procesar grandes volúmenes de información diversa a alta velocidad. </a:t>
+            </a:r>
+            <a:endParaRPr lang="en-US" sz="1200" u="none" strike="noStrike" kern="1200" dirty="0" smtClean="0">
+              <a:solidFill>
+                <a:schemeClr val="tx1"/>
+              </a:solidFill>
+              <a:effectLst/>
+              <a:latin typeface="+mn-lt"/>
+              <a:ea typeface="+mn-ea"/>
+              <a:cs typeface="+mn-cs"/>
+            </a:endParaRPr>
+          </a:p>
+          <a:p>
+            <a:pPr lvl="0"/>
+            <a:r>
+              <a:rPr lang="es-AR" sz="1200" u="none" strike="noStrike" kern="1200" dirty="0" smtClean="0">
+                <a:solidFill>
+                  <a:schemeClr val="tx1"/>
+                </a:solidFill>
+                <a:effectLst/>
+                <a:latin typeface="+mn-lt"/>
+                <a:ea typeface="+mn-ea"/>
+                <a:cs typeface="+mn-cs"/>
+              </a:rPr>
+              <a:t>Analizar datos estructurados y no estructurados, tanto dentro como fuera de sus redes.</a:t>
+            </a:r>
+            <a:endParaRPr lang="en-US" sz="1200" u="none" strike="noStrike" kern="1200" dirty="0" smtClean="0">
+              <a:solidFill>
+                <a:schemeClr val="tx1"/>
+              </a:solidFill>
+              <a:effectLst/>
+              <a:latin typeface="+mn-lt"/>
+              <a:ea typeface="+mn-ea"/>
+              <a:cs typeface="+mn-cs"/>
+            </a:endParaRPr>
+          </a:p>
+          <a:p>
+            <a:pPr lvl="0"/>
+            <a:r>
+              <a:rPr lang="es-AR" sz="1200" u="none" strike="noStrike" kern="1200" dirty="0" smtClean="0">
+                <a:solidFill>
+                  <a:schemeClr val="tx1"/>
+                </a:solidFill>
+                <a:effectLst/>
+                <a:latin typeface="+mn-lt"/>
+                <a:ea typeface="+mn-ea"/>
+                <a:cs typeface="+mn-cs"/>
+              </a:rPr>
+              <a:t>Monitorear eventos en entornos de nube, móviles y virtuales.</a:t>
+            </a:r>
+            <a:endParaRPr lang="en-US" sz="1200" u="none" strike="noStrike" kern="1200" dirty="0" smtClean="0">
+              <a:solidFill>
+                <a:schemeClr val="tx1"/>
+              </a:solidFill>
+              <a:effectLst/>
+              <a:latin typeface="+mn-lt"/>
+              <a:ea typeface="+mn-ea"/>
+              <a:cs typeface="+mn-cs"/>
+            </a:endParaRPr>
+          </a:p>
+          <a:p>
+            <a:pPr lvl="0"/>
+            <a:r>
+              <a:rPr lang="es-AR" sz="1200" u="none" strike="noStrike" kern="1200" dirty="0" smtClean="0">
+                <a:solidFill>
+                  <a:schemeClr val="tx1"/>
+                </a:solidFill>
+                <a:effectLst/>
+                <a:latin typeface="+mn-lt"/>
+                <a:ea typeface="+mn-ea"/>
+                <a:cs typeface="+mn-cs"/>
+              </a:rPr>
+              <a:t>Adoptar acciones automáticamente cuando se detecta una amenaza.</a:t>
+            </a:r>
+            <a:endParaRPr lang="en-US" sz="1200" u="none" strike="noStrike" kern="1200" dirty="0" smtClean="0">
+              <a:solidFill>
+                <a:schemeClr val="tx1"/>
+              </a:solidFill>
+              <a:effectLst/>
+              <a:latin typeface="+mn-lt"/>
+              <a:ea typeface="+mn-ea"/>
+              <a:cs typeface="+mn-cs"/>
+            </a:endParaRPr>
+          </a:p>
+          <a:p>
+            <a:endParaRPr lang="en-US" dirty="0"/>
+          </a:p>
+        </p:txBody>
+      </p:sp>
+      <p:sp>
+        <p:nvSpPr>
+          <p:cNvPr id="4" name="Slide Number Placeholder 3"/>
+          <p:cNvSpPr>
+            <a:spLocks noGrp="1"/>
+          </p:cNvSpPr>
+          <p:nvPr>
+            <p:ph type="sldNum" sz="quarter" idx="10"/>
+          </p:nvPr>
+        </p:nvSpPr>
+        <p:spPr/>
+        <p:txBody>
+          <a:bodyPr/>
+          <a:lstStyle/>
+          <a:p>
+            <a:fld id="{F93199CD-3E1B-4AE6-990F-76F925F5EA9F}" type="slidenum">
+              <a:rPr lang="en-US" smtClean="0"/>
+              <a:t>5</a:t>
+            </a:fld>
+            <a:endParaRPr lang="en-US"/>
+          </a:p>
+        </p:txBody>
+      </p:sp>
+    </p:spTree>
+    <p:extLst>
+      <p:ext uri="{BB962C8B-B14F-4D97-AF65-F5344CB8AC3E}">
+        <p14:creationId xmlns:p14="http://schemas.microsoft.com/office/powerpoint/2010/main" val="3805029774"/>
+      </p:ext>
+    </p:extLst>
+  </p:cSld>
+  <p:clrMapOvr>
+    <a:masterClrMapping/>
+  </p:clrMapOvr>
+</p:notes>
 </file>
 
 <file path=ppt/slideLayouts/slideLayout1.xml><?xml version="1.0" encoding="utf-8"?>
@@ -4074,10 +5033,16 @@
           <a:lstStyle/>
           <a:p>
             <a:r>
-              <a:rPr lang="es-AR" dirty="0" smtClean="0"/>
+              <a:rPr lang="es-AR" dirty="0" smtClean="0">
+                <a:latin typeface="Segoe UI" panose="020B0502040204020203" pitchFamily="34" charset="0"/>
+                <a:cs typeface="Segoe UI" panose="020B0502040204020203" pitchFamily="34" charset="0"/>
+              </a:rPr>
               <a:t>Fuga de Información en los Siglos XIX y XXI</a:t>
             </a:r>
-            <a:endParaRPr lang="es-AR" dirty="0"/>
+            <a:endParaRPr lang="es-AR" dirty="0">
+              <a:latin typeface="Segoe UI" panose="020B0502040204020203" pitchFamily="34" charset="0"/>
+              <a:cs typeface="Segoe UI" panose="020B0502040204020203" pitchFamily="34" charset="0"/>
+            </a:endParaRPr>
           </a:p>
         </p:txBody>
       </p:sp>
@@ -4097,20 +5062,32 @@
           <a:lstStyle/>
           <a:p>
             <a:r>
-              <a:rPr lang="es-AR" dirty="0" err="1" smtClean="0"/>
+              <a:rPr lang="es-AR" dirty="0" err="1" smtClean="0">
+                <a:latin typeface="Segoe UI" panose="020B0502040204020203" pitchFamily="34" charset="0"/>
+                <a:cs typeface="Segoe UI" panose="020B0502040204020203" pitchFamily="34" charset="0"/>
+              </a:rPr>
               <a:t>Fiuba</a:t>
             </a:r>
             <a:r>
-              <a:rPr lang="es-AR" dirty="0" smtClean="0"/>
+              <a:rPr lang="es-AR" dirty="0" smtClean="0">
+                <a:latin typeface="Segoe UI" panose="020B0502040204020203" pitchFamily="34" charset="0"/>
+                <a:cs typeface="Segoe UI" panose="020B0502040204020203" pitchFamily="34" charset="0"/>
+              </a:rPr>
               <a:t> – implantación de sistemas</a:t>
             </a:r>
           </a:p>
           <a:p>
             <a:r>
-              <a:rPr lang="es-AR" dirty="0" smtClean="0"/>
+              <a:rPr lang="es-AR" dirty="0" smtClean="0">
+                <a:latin typeface="Segoe UI" panose="020B0502040204020203" pitchFamily="34" charset="0"/>
+                <a:cs typeface="Segoe UI" panose="020B0502040204020203" pitchFamily="34" charset="0"/>
+              </a:rPr>
               <a:t>Noviembre de 2014</a:t>
             </a:r>
-            <a:endParaRPr lang="es-AR" dirty="0"/>
+            <a:endParaRPr lang="es-AR" dirty="0">
+              <a:latin typeface="Segoe UI" panose="020B0502040204020203" pitchFamily="34" charset="0"/>
+              <a:cs typeface="Segoe UI" panose="020B0502040204020203" pitchFamily="34" charset="0"/>
+            </a:endParaRPr>
           </a:p>
         </p:txBody>
       </p:sp>
@@ -4118,6 +5095,101 @@
     <p:extLst>
       <p:ext uri="{BB962C8B-B14F-4D97-AF65-F5344CB8AC3E}">
         <p14:creationId xmlns:p14="http://schemas.microsoft.com/office/powerpoint/2010/main" val="2808920126"/>
+      </p:ext>
+    </p:extLst>
+  </p:cSld>
+  <p:clrMapOvr>
+    <a:masterClrMapping/>
+  </p:clrMapOvr>
+  <mc:AlternateContent xmlns:mc="http://schemas.openxmlformats.org/markup-compatibility/2006" xmlns:p14="http://schemas.microsoft.com/office/powerpoint/2010/main">
+    <mc:Choice Requires="p14">
+      <p:transition spd="med" p14:dur="700">
+        <p:fade/>
+      </p:transition>
+    </mc:Choice>
+    <mc:Fallback xmlns="">
+      <p:transition spd="med">
+        <p:fade/>
+      </p:transition>
+    </mc:Fallback>
+  </mc:AlternateContent>
+  <p:timing>
+    <p:tnLst>
+      <p:par>
+        <p:cTn id="1" dur="indefinite" restart="never" nodeType="tmRoot"/>
+      </p:par>
+    </p:tnLst>
+  </p:timing>
+</p:sld>
+</file>
+
+<file path=ppt/slides/slide10.xml><?xml version="1.0" encoding="utf-8"?>
+<p:sld xmlns:a="http://schemas.openxmlformats.org/drawingml/2006/main" xmlns:r="http://schemas.openxmlformats.org/officeDocument/2006/relationships" xmlns:p="http://schemas.openxmlformats.org/presentationml/2006/main">
+  <p:cSld>
+    <p:spTree>
+      <p:nvGrpSpPr>
+        <p:cNvPr id="1" name=""/>
+        <p:cNvGrpSpPr/>
+        <p:nvPr/>
+      </p:nvGrpSpPr>
+      <p:grpSpPr>
+        <a:xfrm>
+          <a:off x="0" y="0"/>
+          <a:ext cx="0" cy="0"/>
+          <a:chOff x="0" y="0"/>
+          <a:chExt cx="0" cy="0"/>
+        </a:xfrm>
+      </p:grpSpPr>
+      <p:sp>
+        <p:nvSpPr>
+          <p:cNvPr id="3" name="Title 2"/>
+          <p:cNvSpPr>
+            <a:spLocks noGrp="1"/>
+          </p:cNvSpPr>
+          <p:nvPr>
+            <p:ph type="title"/>
+          </p:nvPr>
+        </p:nvSpPr>
+        <p:spPr/>
+        <p:txBody>
+          <a:bodyPr/>
+          <a:lstStyle/>
+          <a:p>
+            <a:r>
+              <a:rPr lang="es-AR" dirty="0" smtClean="0"/>
+              <a:t>Fin</a:t>
+            </a:r>
+            <a:endParaRPr lang="en-US" dirty="0"/>
+          </a:p>
+        </p:txBody>
+      </p:sp>
+      <p:sp>
+        <p:nvSpPr>
+          <p:cNvPr id="4" name="Text Placeholder 3"/>
+          <p:cNvSpPr>
+            <a:spLocks noGrp="1"/>
+          </p:cNvSpPr>
+          <p:nvPr>
+            <p:ph type="body" sz="half" idx="2"/>
+          </p:nvPr>
+        </p:nvSpPr>
+        <p:spPr/>
+        <p:txBody>
+          <a:bodyPr/>
+          <a:lstStyle/>
+          <a:p>
+            <a:r>
+              <a:rPr lang="es-AR" dirty="0" smtClean="0"/>
+              <a:t>¿Preguntas?</a:t>
+            </a:r>
+            <a:endParaRPr lang="en-US" dirty="0"/>
+          </a:p>
+        </p:txBody>
+      </p:sp>
+    </p:spTree>
+    <p:extLst>
+      <p:ext uri="{BB962C8B-B14F-4D97-AF65-F5344CB8AC3E}">
+        <p14:creationId xmlns:p14="http://schemas.microsoft.com/office/powerpoint/2010/main" val="1108506989"/>
       </p:ext>
     </p:extLst>
   </p:cSld>
@@ -4179,10 +5251,16 @@
           <a:lstStyle/>
           <a:p>
             <a:r>
-              <a:rPr lang="en-US" dirty="0" err="1" smtClean="0"/>
+              <a:rPr lang="en-US" dirty="0" err="1" smtClean="0">
+                <a:latin typeface="Segoe UI" panose="020B0502040204020203" pitchFamily="34" charset="0"/>
+                <a:cs typeface="Segoe UI" panose="020B0502040204020203" pitchFamily="34" charset="0"/>
+              </a:rPr>
               <a:t>Integrantes</a:t>
             </a:r>
-            <a:endParaRPr lang="en-US" dirty="0"/>
+            <a:endParaRPr lang="en-US" dirty="0">
+              <a:latin typeface="Segoe UI" panose="020B0502040204020203" pitchFamily="34" charset="0"/>
+              <a:cs typeface="Segoe UI" panose="020B0502040204020203" pitchFamily="34" charset="0"/>
+            </a:endParaRPr>
           </a:p>
         </p:txBody>
       </p:sp>
@@ -4202,34 +5280,52 @@
           <a:lstStyle/>
           <a:p>
             <a:r>
-              <a:rPr lang="en-US" dirty="0" smtClean="0"/>
+              <a:rPr lang="en-US" dirty="0" smtClean="0">
+                <a:latin typeface="Segoe UI" panose="020B0502040204020203" pitchFamily="34" charset="0"/>
+                <a:cs typeface="Segoe UI" panose="020B0502040204020203" pitchFamily="34" charset="0"/>
+              </a:rPr>
               <a:t>Stephanie Zurita</a:t>
             </a:r>
           </a:p>
           <a:p>
             <a:r>
-              <a:rPr lang="en-US" dirty="0" smtClean="0"/>
+              <a:rPr lang="en-US" dirty="0" smtClean="0">
+                <a:latin typeface="Segoe UI" panose="020B0502040204020203" pitchFamily="34" charset="0"/>
+                <a:cs typeface="Segoe UI" panose="020B0502040204020203" pitchFamily="34" charset="0"/>
+              </a:rPr>
               <a:t>Santiago Maraggi</a:t>
             </a:r>
           </a:p>
           <a:p>
             <a:r>
-              <a:rPr lang="en-US" dirty="0" smtClean="0"/>
+              <a:rPr lang="en-US" dirty="0" smtClean="0">
+                <a:latin typeface="Segoe UI" panose="020B0502040204020203" pitchFamily="34" charset="0"/>
+                <a:cs typeface="Segoe UI" panose="020B0502040204020203" pitchFamily="34" charset="0"/>
+              </a:rPr>
               <a:t>Yi Cheng Zhang</a:t>
             </a:r>
           </a:p>
           <a:p>
             <a:r>
-              <a:rPr lang="es-AR" dirty="0" smtClean="0"/>
+              <a:rPr lang="es-AR" dirty="0" smtClean="0">
+                <a:latin typeface="Segoe UI" panose="020B0502040204020203" pitchFamily="34" charset="0"/>
+                <a:cs typeface="Segoe UI" panose="020B0502040204020203" pitchFamily="34" charset="0"/>
+              </a:rPr>
               <a:t>Miguel Angel Schmidt</a:t>
             </a:r>
           </a:p>
           <a:p>
             <a:r>
-              <a:rPr lang="es-AR" dirty="0" smtClean="0"/>
+              <a:rPr lang="es-AR" dirty="0" smtClean="0">
+                <a:latin typeface="Segoe UI" panose="020B0502040204020203" pitchFamily="34" charset="0"/>
+                <a:cs typeface="Segoe UI" panose="020B0502040204020203" pitchFamily="34" charset="0"/>
+              </a:rPr>
               <a:t>María Inés Parnisari</a:t>
             </a:r>
-            <a:endParaRPr lang="en-US" dirty="0" smtClean="0"/>
+            <a:endParaRPr lang="en-US" dirty="0" smtClean="0">
+              <a:latin typeface="Segoe UI" panose="020B0502040204020203" pitchFamily="34" charset="0"/>
+              <a:cs typeface="Segoe UI" panose="020B0502040204020203" pitchFamily="34" charset="0"/>
+            </a:endParaRPr>
           </a:p>
         </p:txBody>
       </p:sp>
@@ -4298,10 +5394,16 @@
           <a:lstStyle/>
           <a:p>
             <a:r>
-              <a:rPr lang="en-US" dirty="0" err="1" smtClean="0"/>
+              <a:rPr lang="en-US" dirty="0" err="1" smtClean="0">
+                <a:latin typeface="Segoe UI" panose="020B0502040204020203" pitchFamily="34" charset="0"/>
+                <a:cs typeface="Segoe UI" panose="020B0502040204020203" pitchFamily="34" charset="0"/>
+              </a:rPr>
               <a:t>Introducción</a:t>
             </a:r>
-            <a:endParaRPr lang="en-US" dirty="0"/>
+            <a:endParaRPr lang="en-US" dirty="0">
+              <a:latin typeface="Segoe UI" panose="020B0502040204020203" pitchFamily="34" charset="0"/>
+              <a:cs typeface="Segoe UI" panose="020B0502040204020203" pitchFamily="34" charset="0"/>
+            </a:endParaRPr>
           </a:p>
         </p:txBody>
       </p:sp>
@@ -4321,28 +5423,43 @@
           <a:lstStyle/>
           <a:p>
             <a:r>
-              <a:rPr lang="es-AR" dirty="0" smtClean="0"/>
+              <a:rPr lang="es-AR" dirty="0" smtClean="0">
+                <a:latin typeface="Segoe UI" panose="020B0502040204020203" pitchFamily="34" charset="0"/>
+                <a:cs typeface="Segoe UI" panose="020B0502040204020203" pitchFamily="34" charset="0"/>
+              </a:rPr>
               <a:t>La información como activo intangible de las organizaciones</a:t>
             </a:r>
           </a:p>
           <a:p>
             <a:r>
-              <a:rPr lang="es-AR" dirty="0" smtClean="0"/>
+              <a:rPr lang="es-AR" dirty="0" smtClean="0">
+                <a:latin typeface="Segoe UI" panose="020B0502040204020203" pitchFamily="34" charset="0"/>
+                <a:cs typeface="Segoe UI" panose="020B0502040204020203" pitchFamily="34" charset="0"/>
+              </a:rPr>
               <a:t>Fuga de información</a:t>
             </a:r>
           </a:p>
           <a:p>
             <a:r>
-              <a:rPr lang="es-AR" dirty="0" smtClean="0"/>
+              <a:rPr lang="es-AR" dirty="0" smtClean="0">
+                <a:latin typeface="Segoe UI" panose="020B0502040204020203" pitchFamily="34" charset="0"/>
+                <a:cs typeface="Segoe UI" panose="020B0502040204020203" pitchFamily="34" charset="0"/>
+              </a:rPr>
               <a:t>Riesgos existentes</a:t>
             </a:r>
           </a:p>
           <a:p>
             <a:r>
-              <a:rPr lang="es-AR" dirty="0" smtClean="0"/>
+              <a:rPr lang="es-AR" dirty="0" smtClean="0">
+                <a:latin typeface="Segoe UI" panose="020B0502040204020203" pitchFamily="34" charset="0"/>
+                <a:cs typeface="Segoe UI" panose="020B0502040204020203" pitchFamily="34" charset="0"/>
+              </a:rPr>
               <a:t>Tipos de controles</a:t>
             </a:r>
-            <a:endParaRPr lang="en-US" dirty="0"/>
+            <a:endParaRPr lang="en-US" dirty="0">
+              <a:latin typeface="Segoe UI" panose="020B0502040204020203" pitchFamily="34" charset="0"/>
+              <a:cs typeface="Segoe UI" panose="020B0502040204020203" pitchFamily="34" charset="0"/>
+            </a:endParaRPr>
           </a:p>
         </p:txBody>
       </p:sp>
@@ -4397,7 +5514,7 @@
       </p:grpSpPr>
       <p:sp>
         <p:nvSpPr>
-          <p:cNvPr id="2" name="Title 1"/>
+          <p:cNvPr id="13" name="Title 12"/>
           <p:cNvSpPr>
             <a:spLocks noGrp="1"/>
           </p:cNvSpPr>
@@ -4411,25 +5528,34 @@
           <a:lstStyle/>
           <a:p>
             <a:r>
-              <a:rPr lang="en-US" dirty="0" err="1" smtClean="0"/>
+              <a:rPr lang="en-US" dirty="0" err="1">
+                <a:latin typeface="Segoe UI" panose="020B0502040204020203" pitchFamily="34" charset="0"/>
+                <a:cs typeface="Segoe UI" panose="020B0502040204020203" pitchFamily="34" charset="0"/>
+              </a:rPr>
               <a:t>Siglo</a:t>
             </a:r>
             <a:r>
-              <a:rPr lang="en-US" dirty="0" smtClean="0"/>
+              <a:rPr lang="en-US" dirty="0">
+                <a:latin typeface="Segoe UI" panose="020B0502040204020203" pitchFamily="34" charset="0"/>
+                <a:cs typeface="Segoe UI" panose="020B0502040204020203" pitchFamily="34" charset="0"/>
+              </a:rPr>
               <a:t> XIX</a:t>
             </a:r>
-            <a:endParaRPr lang="en-US" dirty="0"/>
-          </a:p>
-        </p:txBody>
-      </p:sp>
-      <p:sp>
-        <p:nvSpPr>
-          <p:cNvPr id="3" name="Content Placeholder 2"/>
-          <p:cNvSpPr>
-            <a:spLocks noGrp="1"/>
-          </p:cNvSpPr>
-          <p:nvPr>
-            <p:ph sz="half" idx="1"/>
+            <a:endParaRPr lang="en-US" dirty="0">
+              <a:latin typeface="Segoe UI" panose="020B0502040204020203" pitchFamily="34" charset="0"/>
+              <a:cs typeface="Segoe UI" panose="020B0502040204020203" pitchFamily="34" charset="0"/>
+            </a:endParaRPr>
+          </a:p>
+        </p:txBody>
+      </p:sp>
+      <p:sp>
+        <p:nvSpPr>
+          <p:cNvPr id="2" name="Content Placeholder 1"/>
+          <p:cNvSpPr>
+            <a:spLocks noGrp="1"/>
+          </p:cNvSpPr>
+          <p:nvPr>
+            <p:ph idx="1"/>
           </p:nvPr>
         </p:nvSpPr>
         <p:spPr/>
@@ -4437,33 +5563,17 @@
           <a:bodyPr/>
           <a:lstStyle/>
           <a:p>
-            <a:endParaRPr lang="en-US" dirty="0"/>
-          </a:p>
-        </p:txBody>
-      </p:sp>
-      <p:sp>
-        <p:nvSpPr>
-          <p:cNvPr id="4" name="Content Placeholder 3"/>
-          <p:cNvSpPr>
-            <a:spLocks noGrp="1"/>
-          </p:cNvSpPr>
-          <p:nvPr>
-            <p:ph sz="half" idx="2"/>
-          </p:nvPr>
-        </p:nvSpPr>
-        <p:spPr/>
-        <p:txBody>
-          <a:bodyPr/>
-          <a:lstStyle/>
-          <a:p>
-            <a:endParaRPr lang="en-US"/>
+            <a:endParaRPr lang="en-US" dirty="0">
+              <a:latin typeface="Segoe UI" panose="020B0502040204020203" pitchFamily="34" charset="0"/>
+              <a:cs typeface="Segoe UI" panose="020B0502040204020203" pitchFamily="34" charset="0"/>
+            </a:endParaRPr>
           </a:p>
         </p:txBody>
       </p:sp>
     </p:spTree>
     <p:extLst>
       <p:ext uri="{BB962C8B-B14F-4D97-AF65-F5344CB8AC3E}">
-        <p14:creationId xmlns:p14="http://schemas.microsoft.com/office/powerpoint/2010/main" val="4206988261"/>
+        <p14:creationId xmlns:p14="http://schemas.microsoft.com/office/powerpoint/2010/main" val="1838456528"/>
       </p:ext>
     </p:extLst>
   </p:cSld>
@@ -4525,18 +5635,23 @@
           <a:lstStyle/>
           <a:p>
             <a:r>
-              <a:rPr lang="en-US" dirty="0" err="1" smtClean="0"/>
+              <a:rPr lang="en-US" dirty="0" err="1" smtClean="0">
+                <a:latin typeface="Segoe UI" panose="020B0502040204020203" pitchFamily="34" charset="0"/>
+                <a:cs typeface="Segoe UI" panose="020B0502040204020203" pitchFamily="34" charset="0"/>
+              </a:rPr>
               <a:t>Siglo</a:t>
             </a:r>
             <a:r>
-              <a:rPr lang="en-US" dirty="0" smtClean="0"/>
-              <a:t> XXI - </a:t>
-            </a:r>
-            <a:r>
-              <a:rPr lang="en-US" dirty="0" err="1" smtClean="0"/>
-              <a:t>Eventos</a:t>
-            </a:r>
-            <a:endParaRPr lang="en-US" dirty="0"/>
+              <a:rPr lang="en-US" dirty="0" smtClean="0">
+                <a:latin typeface="Segoe UI" panose="020B0502040204020203" pitchFamily="34" charset="0"/>
+                <a:cs typeface="Segoe UI" panose="020B0502040204020203" pitchFamily="34" charset="0"/>
+              </a:rPr>
+              <a:t> XXI</a:t>
+            </a:r>
+            <a:endParaRPr lang="en-US" dirty="0">
+              <a:latin typeface="Segoe UI" panose="020B0502040204020203" pitchFamily="34" charset="0"/>
+              <a:cs typeface="Segoe UI" panose="020B0502040204020203" pitchFamily="34" charset="0"/>
+            </a:endParaRPr>
           </a:p>
         </p:txBody>
       </p:sp>
@@ -4559,175 +5674,52 @@
           <a:p>
             <a:pPr lvl="0"/>
             <a:r>
-              <a:rPr lang="es-AR" sz="1800" dirty="0"/>
-              <a:t>2001: Nace </a:t>
-            </a:r>
-            <a:r>
-              <a:rPr lang="es-AR" sz="1800" b="1" dirty="0" smtClean="0"/>
-              <a:t>Wikipedia</a:t>
+              <a:rPr lang="es-AR" sz="3200" dirty="0" smtClean="0">
+                <a:latin typeface="Segoe UI" panose="020B0502040204020203" pitchFamily="34" charset="0"/>
+                <a:cs typeface="Segoe UI" panose="020B0502040204020203" pitchFamily="34" charset="0"/>
+              </a:rPr>
+              <a:t>Economía basada en la información</a:t>
+            </a:r>
+          </a:p>
+          <a:p>
+            <a:pPr lvl="1"/>
+            <a:r>
+              <a:rPr lang="es-AR" sz="2800" dirty="0" smtClean="0">
+                <a:latin typeface="Segoe UI" panose="020B0502040204020203" pitchFamily="34" charset="0"/>
+                <a:cs typeface="Segoe UI" panose="020B0502040204020203" pitchFamily="34" charset="0"/>
+              </a:rPr>
+              <a:t>Nuevos desafíos: </a:t>
+            </a:r>
+          </a:p>
+          <a:p>
+            <a:pPr lvl="2"/>
+            <a:r>
+              <a:rPr lang="es-AR" sz="2600" dirty="0" smtClean="0">
+                <a:latin typeface="Segoe UI" panose="020B0502040204020203" pitchFamily="34" charset="0"/>
+                <a:cs typeface="Segoe UI" panose="020B0502040204020203" pitchFamily="34" charset="0"/>
+              </a:rPr>
+              <a:t>Manejar y procesar información de diversa índole, en grandes cantidades, a alta velocidad</a:t>
             </a:r>
           </a:p>
           <a:p>
             <a:pPr lvl="0"/>
             <a:r>
-              <a:rPr lang="es-AR" sz="1800" dirty="0" smtClean="0"/>
-              <a:t>2004</a:t>
-            </a:r>
-            <a:r>
-              <a:rPr lang="es-AR" sz="1800" dirty="0"/>
-              <a:t>: Nacen </a:t>
-            </a:r>
-            <a:r>
-              <a:rPr lang="es-AR" sz="1800" b="1" dirty="0"/>
-              <a:t>Gmail</a:t>
-            </a:r>
-            <a:r>
-              <a:rPr lang="es-AR" sz="1800" dirty="0"/>
-              <a:t> y </a:t>
-            </a:r>
-            <a:r>
-              <a:rPr lang="es-AR" sz="1800" b="1" dirty="0"/>
-              <a:t>Facebook</a:t>
-            </a:r>
-            <a:r>
-              <a:rPr lang="es-AR" sz="1800" dirty="0"/>
-              <a:t>.</a:t>
-            </a:r>
-            <a:endParaRPr lang="en-US" sz="1800" dirty="0"/>
-          </a:p>
-          <a:p>
-            <a:pPr lvl="0"/>
-            <a:r>
-              <a:rPr lang="es-AR" sz="1800" dirty="0"/>
-              <a:t>2005: Nace </a:t>
-            </a:r>
-            <a:r>
-              <a:rPr lang="es-AR" sz="1800" b="1" dirty="0" smtClean="0"/>
-              <a:t>YouTube</a:t>
-            </a:r>
-          </a:p>
-          <a:p>
-            <a:pPr lvl="0"/>
-            <a:r>
-              <a:rPr lang="es-AR" sz="1800" dirty="0" smtClean="0"/>
-              <a:t>2006</a:t>
-            </a:r>
-            <a:r>
-              <a:rPr lang="es-AR" sz="1800" dirty="0"/>
-              <a:t>: Nace </a:t>
-            </a:r>
-            <a:r>
-              <a:rPr lang="es-AR" sz="1800" b="1" dirty="0"/>
-              <a:t>WikiLeaks</a:t>
-            </a:r>
-            <a:r>
-              <a:rPr lang="es-AR" sz="1800" dirty="0"/>
-              <a:t>, un proyecto cuyo objetivo es publicar documentos confidenciales.</a:t>
-            </a:r>
-            <a:endParaRPr lang="en-US" sz="1800" dirty="0"/>
-          </a:p>
-          <a:p>
-            <a:pPr lvl="0"/>
-            <a:r>
-              <a:rPr lang="es-AR" sz="1800" dirty="0"/>
-              <a:t>2007: Apple lanza el teléfono </a:t>
-            </a:r>
-            <a:r>
-              <a:rPr lang="es-AR" sz="1800" b="1" dirty="0"/>
-              <a:t>iPhone</a:t>
-            </a:r>
-            <a:r>
-              <a:rPr lang="es-AR" sz="1800" dirty="0"/>
-              <a:t>.</a:t>
-            </a:r>
-            <a:endParaRPr lang="en-US" sz="1800" dirty="0"/>
-          </a:p>
-          <a:p>
-            <a:pPr lvl="0"/>
-            <a:r>
-              <a:rPr lang="es-AR" sz="1800" dirty="0"/>
-              <a:t>2011: </a:t>
-            </a:r>
-            <a:r>
-              <a:rPr lang="es-AR" sz="1800" dirty="0" smtClean="0"/>
-              <a:t>Egipto </a:t>
-            </a:r>
-            <a:r>
-              <a:rPr lang="es-AR" sz="1800" dirty="0"/>
-              <a:t>bloquea todo acceso a internet, en un intento de evitar que activistas organicen protestas contra el presidente Hosni Mubarak. El bloqueo es temporal y no tiene éxito</a:t>
-            </a:r>
-            <a:r>
-              <a:rPr lang="es-AR" sz="1800" dirty="0" smtClean="0"/>
-              <a:t>.</a:t>
-            </a:r>
-            <a:r>
-              <a:rPr lang="en-US" sz="1800" dirty="0" smtClean="0"/>
-              <a:t> </a:t>
-            </a:r>
-          </a:p>
-          <a:p>
-            <a:pPr lvl="0"/>
-            <a:r>
-              <a:rPr lang="es-AR" sz="1800" dirty="0" smtClean="0"/>
-              <a:t>2013</a:t>
-            </a:r>
-            <a:r>
-              <a:rPr lang="es-AR" sz="1800" dirty="0"/>
-              <a:t>: </a:t>
-            </a:r>
-            <a:r>
-              <a:rPr lang="es-AR" sz="1800" b="1" dirty="0"/>
-              <a:t>B</a:t>
-            </a:r>
-            <a:r>
-              <a:rPr lang="es-AR" sz="1800" b="1" dirty="0" smtClean="0"/>
-              <a:t>atalla </a:t>
-            </a:r>
-            <a:r>
-              <a:rPr lang="es-AR" sz="1800" b="1" dirty="0"/>
-              <a:t>legal entre Samsung y Apple </a:t>
-            </a:r>
-            <a:r>
-              <a:rPr lang="es-AR" sz="1800" dirty="0"/>
-              <a:t>por divulgación de información </a:t>
-            </a:r>
-            <a:r>
-              <a:rPr lang="es-AR" sz="1800" dirty="0" smtClean="0"/>
-              <a:t>sobre </a:t>
-            </a:r>
-            <a:r>
-              <a:rPr lang="es-AR" sz="1800" dirty="0"/>
-              <a:t>un acuerdo de patentes entre Apple y Nokia.</a:t>
-            </a:r>
-            <a:endParaRPr lang="en-US" sz="1800" dirty="0"/>
-          </a:p>
-          <a:p>
-            <a:pPr lvl="0"/>
-            <a:r>
-              <a:rPr lang="es-AR" sz="1800" dirty="0"/>
-              <a:t>2014: </a:t>
-            </a:r>
-            <a:r>
-              <a:rPr lang="es-AR" sz="1800" b="1" dirty="0" smtClean="0"/>
-              <a:t>Divulgación </a:t>
-            </a:r>
-            <a:r>
-              <a:rPr lang="es-AR" sz="1800" b="1" dirty="0"/>
-              <a:t>de fotos privadas </a:t>
-            </a:r>
-            <a:r>
-              <a:rPr lang="es-AR" sz="1800" dirty="0" smtClean="0"/>
-              <a:t>de </a:t>
-            </a:r>
-            <a:r>
-              <a:rPr lang="es-AR" sz="1800" dirty="0"/>
-              <a:t>26 celebridades mediante la plataforma iCloud de Apple</a:t>
-            </a:r>
-            <a:r>
-              <a:rPr lang="es-AR" sz="1800" dirty="0" smtClean="0"/>
-              <a:t>.</a:t>
-            </a:r>
-            <a:endParaRPr lang="en-US" sz="1800" dirty="0"/>
+              <a:rPr lang="es-AR" sz="3200" dirty="0" smtClean="0">
+                <a:latin typeface="Segoe UI" panose="020B0502040204020203" pitchFamily="34" charset="0"/>
+                <a:cs typeface="Segoe UI" panose="020B0502040204020203" pitchFamily="34" charset="0"/>
+              </a:rPr>
+              <a:t>Información disponible de forma electrónica </a:t>
+            </a:r>
+          </a:p>
+          <a:p>
+            <a:pPr lvl="1"/>
+            <a:r>
+              <a:rPr lang="es-AR" sz="2800" dirty="0" smtClean="0">
+                <a:latin typeface="Segoe UI" panose="020B0502040204020203" pitchFamily="34" charset="0"/>
+                <a:cs typeface="Segoe UI" panose="020B0502040204020203" pitchFamily="34" charset="0"/>
+              </a:rPr>
+              <a:t>Información personal, datos médicos, datos financieros</a:t>
+            </a:r>
           </a:p>
         </p:txBody>
       </p:sp>
@@ -4796,34 +5788,30 @@
           <a:lstStyle/>
           <a:p>
             <a:r>
-              <a:rPr lang="en-US" dirty="0" err="1" smtClean="0"/>
+              <a:rPr lang="en-US" dirty="0" err="1" smtClean="0">
+                <a:latin typeface="Segoe UI" panose="020B0502040204020203" pitchFamily="34" charset="0"/>
+                <a:cs typeface="Segoe UI" panose="020B0502040204020203" pitchFamily="34" charset="0"/>
+              </a:rPr>
               <a:t>Siglo</a:t>
             </a:r>
             <a:r>
-              <a:rPr lang="en-US" dirty="0" smtClean="0"/>
-              <a:t> XXI – </a:t>
-            </a:r>
-            <a:r>
-              <a:rPr lang="en-US" dirty="0" err="1" smtClean="0"/>
-              <a:t>Estadísticas</a:t>
-            </a:r>
-            <a:r>
-              <a:rPr lang="en-US" dirty="0" smtClean="0"/>
-              <a:t> de </a:t>
-            </a:r>
-            <a:r>
-              <a:rPr lang="en-US" dirty="0" err="1" smtClean="0"/>
-              <a:t>pérdidas</a:t>
-            </a:r>
-            <a:r>
-              <a:rPr lang="en-US" dirty="0" smtClean="0"/>
-              <a:t> de </a:t>
-            </a:r>
-            <a:r>
-              <a:rPr lang="en-US" dirty="0" err="1" smtClean="0"/>
-              <a:t>información</a:t>
-            </a:r>
-            <a:endParaRPr lang="en-US" dirty="0"/>
+              <a:rPr lang="en-US" dirty="0" smtClean="0">
+                <a:latin typeface="Segoe UI" panose="020B0502040204020203" pitchFamily="34" charset="0"/>
+                <a:cs typeface="Segoe UI" panose="020B0502040204020203" pitchFamily="34" charset="0"/>
+              </a:rPr>
+              <a:t> XXI - </a:t>
+            </a:r>
+            <a:r>
+              <a:rPr lang="en-US" dirty="0" err="1" smtClean="0">
+                <a:latin typeface="Segoe UI" panose="020B0502040204020203" pitchFamily="34" charset="0"/>
+                <a:cs typeface="Segoe UI" panose="020B0502040204020203" pitchFamily="34" charset="0"/>
+              </a:rPr>
+              <a:t>Eventos</a:t>
+            </a:r>
+            <a:endParaRPr lang="en-US" dirty="0">
+              <a:latin typeface="Segoe UI" panose="020B0502040204020203" pitchFamily="34" charset="0"/>
+              <a:cs typeface="Segoe UI" panose="020B0502040204020203" pitchFamily="34" charset="0"/>
+            </a:endParaRPr>
           </a:p>
         </p:txBody>
       </p:sp>
@@ -4835,6 +5823,338 @@
           </p:cNvSpPr>
           <p:nvPr>
             <p:ph idx="1"/>
+          </p:nvPr>
+        </p:nvSpPr>
+        <p:spPr/>
+        <p:txBody>
+          <a:bodyPr>
+            <a:noAutofit/>
+          </a:bodyPr>
+          <a:lstStyle/>
+          <a:p>
+            <a:pPr lvl="0"/>
+            <a:r>
+              <a:rPr lang="es-AR" sz="1800" dirty="0">
+                <a:latin typeface="Segoe UI" panose="020B0502040204020203" pitchFamily="34" charset="0"/>
+                <a:cs typeface="Segoe UI" panose="020B0502040204020203" pitchFamily="34" charset="0"/>
+              </a:rPr>
+              <a:t>2001: Nace </a:t>
+            </a:r>
+            <a:r>
+              <a:rPr lang="es-AR" sz="1800" b="1" dirty="0" smtClean="0">
+                <a:latin typeface="Segoe UI" panose="020B0502040204020203" pitchFamily="34" charset="0"/>
+                <a:cs typeface="Segoe UI" panose="020B0502040204020203" pitchFamily="34" charset="0"/>
+              </a:rPr>
+              <a:t>Wikipedia</a:t>
+            </a:r>
+          </a:p>
+          <a:p>
+            <a:pPr lvl="0"/>
+            <a:r>
+              <a:rPr lang="es-AR" sz="1800" dirty="0" smtClean="0">
+                <a:latin typeface="Segoe UI" panose="020B0502040204020203" pitchFamily="34" charset="0"/>
+                <a:cs typeface="Segoe UI" panose="020B0502040204020203" pitchFamily="34" charset="0"/>
+              </a:rPr>
+              <a:t>2004</a:t>
+            </a:r>
+            <a:r>
+              <a:rPr lang="es-AR" sz="1800" dirty="0">
+                <a:latin typeface="Segoe UI" panose="020B0502040204020203" pitchFamily="34" charset="0"/>
+                <a:cs typeface="Segoe UI" panose="020B0502040204020203" pitchFamily="34" charset="0"/>
+              </a:rPr>
+              <a:t>: Nacen </a:t>
+            </a:r>
+            <a:r>
+              <a:rPr lang="es-AR" sz="1800" b="1" dirty="0">
+                <a:latin typeface="Segoe UI" panose="020B0502040204020203" pitchFamily="34" charset="0"/>
+                <a:cs typeface="Segoe UI" panose="020B0502040204020203" pitchFamily="34" charset="0"/>
+              </a:rPr>
+              <a:t>Gmail</a:t>
+            </a:r>
+            <a:r>
+              <a:rPr lang="es-AR" sz="1800" dirty="0">
+                <a:latin typeface="Segoe UI" panose="020B0502040204020203" pitchFamily="34" charset="0"/>
+                <a:cs typeface="Segoe UI" panose="020B0502040204020203" pitchFamily="34" charset="0"/>
+              </a:rPr>
+              <a:t> y </a:t>
+            </a:r>
+            <a:r>
+              <a:rPr lang="es-AR" sz="1800" b="1" dirty="0">
+                <a:latin typeface="Segoe UI" panose="020B0502040204020203" pitchFamily="34" charset="0"/>
+                <a:cs typeface="Segoe UI" panose="020B0502040204020203" pitchFamily="34" charset="0"/>
+              </a:rPr>
+              <a:t>Facebook</a:t>
+            </a:r>
+            <a:r>
+              <a:rPr lang="es-AR" sz="1800" dirty="0">
+                <a:latin typeface="Segoe UI" panose="020B0502040204020203" pitchFamily="34" charset="0"/>
+                <a:cs typeface="Segoe UI" panose="020B0502040204020203" pitchFamily="34" charset="0"/>
+              </a:rPr>
+              <a:t>.</a:t>
+            </a:r>
+            <a:endParaRPr lang="en-US" sz="1800" dirty="0">
+              <a:latin typeface="Segoe UI" panose="020B0502040204020203" pitchFamily="34" charset="0"/>
+              <a:cs typeface="Segoe UI" panose="020B0502040204020203" pitchFamily="34" charset="0"/>
+            </a:endParaRPr>
+          </a:p>
+          <a:p>
+            <a:pPr lvl="0"/>
+            <a:r>
+              <a:rPr lang="es-AR" sz="1800" dirty="0">
+                <a:latin typeface="Segoe UI" panose="020B0502040204020203" pitchFamily="34" charset="0"/>
+                <a:cs typeface="Segoe UI" panose="020B0502040204020203" pitchFamily="34" charset="0"/>
+              </a:rPr>
+              <a:t>2005: Nace </a:t>
+            </a:r>
+            <a:r>
+              <a:rPr lang="es-AR" sz="1800" b="1" dirty="0" smtClean="0">
+                <a:latin typeface="Segoe UI" panose="020B0502040204020203" pitchFamily="34" charset="0"/>
+                <a:cs typeface="Segoe UI" panose="020B0502040204020203" pitchFamily="34" charset="0"/>
+              </a:rPr>
+              <a:t>YouTube</a:t>
+            </a:r>
+          </a:p>
+          <a:p>
+            <a:pPr lvl="0"/>
+            <a:r>
+              <a:rPr lang="es-AR" sz="1800" dirty="0" smtClean="0">
+                <a:latin typeface="Segoe UI" panose="020B0502040204020203" pitchFamily="34" charset="0"/>
+                <a:cs typeface="Segoe UI" panose="020B0502040204020203" pitchFamily="34" charset="0"/>
+              </a:rPr>
+              <a:t>2006</a:t>
+            </a:r>
+            <a:r>
+              <a:rPr lang="es-AR" sz="1800" dirty="0">
+                <a:latin typeface="Segoe UI" panose="020B0502040204020203" pitchFamily="34" charset="0"/>
+                <a:cs typeface="Segoe UI" panose="020B0502040204020203" pitchFamily="34" charset="0"/>
+              </a:rPr>
+              <a:t>: Nace </a:t>
+            </a:r>
+            <a:r>
+              <a:rPr lang="es-AR" sz="1800" b="1" dirty="0">
+                <a:latin typeface="Segoe UI" panose="020B0502040204020203" pitchFamily="34" charset="0"/>
+                <a:cs typeface="Segoe UI" panose="020B0502040204020203" pitchFamily="34" charset="0"/>
+              </a:rPr>
+              <a:t>WikiLeaks</a:t>
+            </a:r>
+            <a:r>
+              <a:rPr lang="es-AR" sz="1800" dirty="0">
+                <a:latin typeface="Segoe UI" panose="020B0502040204020203" pitchFamily="34" charset="0"/>
+                <a:cs typeface="Segoe UI" panose="020B0502040204020203" pitchFamily="34" charset="0"/>
+              </a:rPr>
+              <a:t>, </a:t>
+            </a:r>
+            <a:endParaRPr lang="es-AR" sz="1800" dirty="0" smtClean="0">
+              <a:latin typeface="Segoe UI" panose="020B0502040204020203" pitchFamily="34" charset="0"/>
+              <a:cs typeface="Segoe UI" panose="020B0502040204020203" pitchFamily="34" charset="0"/>
+            </a:endParaRPr>
+          </a:p>
+          <a:p>
+            <a:pPr lvl="0"/>
+            <a:r>
+              <a:rPr lang="es-AR" sz="1800" dirty="0" smtClean="0">
+                <a:latin typeface="Segoe UI" panose="020B0502040204020203" pitchFamily="34" charset="0"/>
+                <a:cs typeface="Segoe UI" panose="020B0502040204020203" pitchFamily="34" charset="0"/>
+              </a:rPr>
+              <a:t>2007</a:t>
+            </a:r>
+            <a:r>
+              <a:rPr lang="es-AR" sz="1800" dirty="0">
+                <a:latin typeface="Segoe UI" panose="020B0502040204020203" pitchFamily="34" charset="0"/>
+                <a:cs typeface="Segoe UI" panose="020B0502040204020203" pitchFamily="34" charset="0"/>
+              </a:rPr>
+              <a:t>: Apple lanza el teléfono </a:t>
+            </a:r>
+            <a:r>
+              <a:rPr lang="es-AR" sz="1800" b="1" dirty="0">
+                <a:latin typeface="Segoe UI" panose="020B0502040204020203" pitchFamily="34" charset="0"/>
+                <a:cs typeface="Segoe UI" panose="020B0502040204020203" pitchFamily="34" charset="0"/>
+              </a:rPr>
+              <a:t>iPhone</a:t>
+            </a:r>
+            <a:r>
+              <a:rPr lang="es-AR" sz="1800" dirty="0">
+                <a:latin typeface="Segoe UI" panose="020B0502040204020203" pitchFamily="34" charset="0"/>
+                <a:cs typeface="Segoe UI" panose="020B0502040204020203" pitchFamily="34" charset="0"/>
+              </a:rPr>
+              <a:t>.</a:t>
+            </a:r>
+            <a:endParaRPr lang="en-US" sz="1800" dirty="0">
+              <a:latin typeface="Segoe UI" panose="020B0502040204020203" pitchFamily="34" charset="0"/>
+              <a:cs typeface="Segoe UI" panose="020B0502040204020203" pitchFamily="34" charset="0"/>
+            </a:endParaRPr>
+          </a:p>
+          <a:p>
+            <a:pPr lvl="0"/>
+            <a:r>
+              <a:rPr lang="es-AR" sz="1800" dirty="0" smtClean="0">
+                <a:latin typeface="Segoe UI" panose="020B0502040204020203" pitchFamily="34" charset="0"/>
+                <a:cs typeface="Segoe UI" panose="020B0502040204020203" pitchFamily="34" charset="0"/>
+              </a:rPr>
+              <a:t>2013</a:t>
+            </a:r>
+            <a:r>
+              <a:rPr lang="es-AR" sz="1800" dirty="0">
+                <a:latin typeface="Segoe UI" panose="020B0502040204020203" pitchFamily="34" charset="0"/>
+                <a:cs typeface="Segoe UI" panose="020B0502040204020203" pitchFamily="34" charset="0"/>
+              </a:rPr>
+              <a:t>: </a:t>
+            </a:r>
+            <a:r>
+              <a:rPr lang="es-AR" sz="1800" b="1" dirty="0">
+                <a:latin typeface="Segoe UI" panose="020B0502040204020203" pitchFamily="34" charset="0"/>
+                <a:cs typeface="Segoe UI" panose="020B0502040204020203" pitchFamily="34" charset="0"/>
+              </a:rPr>
+              <a:t>B</a:t>
+            </a:r>
+            <a:r>
+              <a:rPr lang="es-AR" sz="1800" b="1" dirty="0" smtClean="0">
+                <a:latin typeface="Segoe UI" panose="020B0502040204020203" pitchFamily="34" charset="0"/>
+                <a:cs typeface="Segoe UI" panose="020B0502040204020203" pitchFamily="34" charset="0"/>
+              </a:rPr>
+              <a:t>atalla </a:t>
+            </a:r>
+            <a:r>
+              <a:rPr lang="es-AR" sz="1800" b="1" dirty="0">
+                <a:latin typeface="Segoe UI" panose="020B0502040204020203" pitchFamily="34" charset="0"/>
+                <a:cs typeface="Segoe UI" panose="020B0502040204020203" pitchFamily="34" charset="0"/>
+              </a:rPr>
+              <a:t>legal entre Samsung y Apple </a:t>
+            </a:r>
+            <a:r>
+              <a:rPr lang="es-AR" sz="1800" dirty="0">
+                <a:latin typeface="Segoe UI" panose="020B0502040204020203" pitchFamily="34" charset="0"/>
+                <a:cs typeface="Segoe UI" panose="020B0502040204020203" pitchFamily="34" charset="0"/>
+              </a:rPr>
+              <a:t>por divulgación de información </a:t>
+            </a:r>
+            <a:r>
+              <a:rPr lang="es-AR" sz="1800" dirty="0" smtClean="0">
+                <a:latin typeface="Segoe UI" panose="020B0502040204020203" pitchFamily="34" charset="0"/>
+                <a:cs typeface="Segoe UI" panose="020B0502040204020203" pitchFamily="34" charset="0"/>
+              </a:rPr>
+              <a:t>sobre </a:t>
+            </a:r>
+            <a:r>
+              <a:rPr lang="es-AR" sz="1800" dirty="0">
+                <a:latin typeface="Segoe UI" panose="020B0502040204020203" pitchFamily="34" charset="0"/>
+                <a:cs typeface="Segoe UI" panose="020B0502040204020203" pitchFamily="34" charset="0"/>
+              </a:rPr>
+              <a:t>un acuerdo de patentes entre Apple y Nokia.</a:t>
+            </a:r>
+            <a:endParaRPr lang="en-US" sz="1800" dirty="0">
+              <a:latin typeface="Segoe UI" panose="020B0502040204020203" pitchFamily="34" charset="0"/>
+              <a:cs typeface="Segoe UI" panose="020B0502040204020203" pitchFamily="34" charset="0"/>
+            </a:endParaRPr>
+          </a:p>
+          <a:p>
+            <a:pPr lvl="0"/>
+            <a:r>
+              <a:rPr lang="es-AR" sz="1800" dirty="0">
+                <a:latin typeface="Segoe UI" panose="020B0502040204020203" pitchFamily="34" charset="0"/>
+                <a:cs typeface="Segoe UI" panose="020B0502040204020203" pitchFamily="34" charset="0"/>
+              </a:rPr>
+              <a:t>2014: </a:t>
+            </a:r>
+            <a:r>
+              <a:rPr lang="es-AR" sz="1800" b="1" dirty="0" smtClean="0">
+                <a:latin typeface="Segoe UI" panose="020B0502040204020203" pitchFamily="34" charset="0"/>
+                <a:cs typeface="Segoe UI" panose="020B0502040204020203" pitchFamily="34" charset="0"/>
+              </a:rPr>
+              <a:t>Divulgación </a:t>
+            </a:r>
+            <a:r>
+              <a:rPr lang="es-AR" sz="1800" b="1" dirty="0">
+                <a:latin typeface="Segoe UI" panose="020B0502040204020203" pitchFamily="34" charset="0"/>
+                <a:cs typeface="Segoe UI" panose="020B0502040204020203" pitchFamily="34" charset="0"/>
+              </a:rPr>
+              <a:t>de fotos privadas </a:t>
+            </a:r>
+            <a:r>
+              <a:rPr lang="es-AR" sz="1800" dirty="0" smtClean="0">
+                <a:latin typeface="Segoe UI" panose="020B0502040204020203" pitchFamily="34" charset="0"/>
+                <a:cs typeface="Segoe UI" panose="020B0502040204020203" pitchFamily="34" charset="0"/>
+              </a:rPr>
+              <a:t>de </a:t>
+            </a:r>
+            <a:r>
+              <a:rPr lang="es-AR" sz="1800" dirty="0">
+                <a:latin typeface="Segoe UI" panose="020B0502040204020203" pitchFamily="34" charset="0"/>
+                <a:cs typeface="Segoe UI" panose="020B0502040204020203" pitchFamily="34" charset="0"/>
+              </a:rPr>
+              <a:t>26 celebridades mediante la plataforma iCloud de </a:t>
+            </a:r>
+            <a:r>
+              <a:rPr lang="es-AR" sz="1800" dirty="0" smtClean="0">
+                <a:latin typeface="Segoe UI" panose="020B0502040204020203" pitchFamily="34" charset="0"/>
+                <a:cs typeface="Segoe UI" panose="020B0502040204020203" pitchFamily="34" charset="0"/>
+              </a:rPr>
+              <a:t>Apple.</a:t>
+            </a:r>
+            <a:endParaRPr lang="en-US" sz="1800" dirty="0">
+              <a:latin typeface="Segoe UI" panose="020B0502040204020203" pitchFamily="34" charset="0"/>
+              <a:cs typeface="Segoe UI" panose="020B0502040204020203" pitchFamily="34" charset="0"/>
+            </a:endParaRPr>
+          </a:p>
+        </p:txBody>
+      </p:sp>
+    </p:spTree>
+    <p:extLst>
+      <p:ext uri="{BB962C8B-B14F-4D97-AF65-F5344CB8AC3E}">
+        <p14:creationId xmlns:p14="http://schemas.microsoft.com/office/powerpoint/2010/main" val="2564182459"/>
+      </p:ext>
+    </p:extLst>
+  </p:cSld>
+  <p:clrMapOvr>
+    <a:masterClrMapping/>
+  </p:clrMapOvr>
+  <mc:AlternateContent xmlns:mc="http://schemas.openxmlformats.org/markup-compatibility/2006" xmlns:p14="http://schemas.microsoft.com/office/powerpoint/2010/main">
+    <mc:Choice Requires="p14">
+      <p:transition spd="med" p14:dur="700">
+        <p:fade/>
+      </p:transition>
+    </mc:Choice>
+    <mc:Fallback xmlns="">
+      <p:transition spd="med">
+        <p:fade/>
+      </p:transition>
+    </mc:Fallback>
+  </mc:AlternateContent>
+  <p:timing>
+    <p:tnLst>
+      <p:par>
+        <p:cTn id="1" dur="indefinite" restart="never" nodeType="tmRoot"/>
+      </p:par>
+    </p:tnLst>
+  </p:timing>
+</p:sld>
+</file>
+
+<file path=ppt/slides/slide7.xml><?xml version="1.0" encoding="utf-8"?>
+<p:sld xmlns:a="http://schemas.openxmlformats.org/drawingml/2006/main" xmlns:r="http://schemas.openxmlformats.org/officeDocument/2006/relationships" xmlns:p="http://schemas.openxmlformats.org/presentationml/2006/main">
+  <p:cSld>
+    <p:spTree>
+      <p:nvGrpSpPr>
+        <p:cNvPr id="1" name=""/>
+        <p:cNvGrpSpPr/>
+        <p:nvPr/>
+      </p:nvGrpSpPr>
+      <p:grpSpPr>
+        <a:xfrm>
+          <a:off x="0" y="0"/>
+          <a:ext cx="0" cy="0"/>
+          <a:chOff x="0" y="0"/>
+          <a:chExt cx="0" cy="0"/>
+        </a:xfrm>
+      </p:grpSpPr>
+      <p:sp>
+        <p:nvSpPr>
+          <p:cNvPr id="13" name="Title 12"/>
+          <p:cNvSpPr>
+            <a:spLocks noGrp="1"/>
+          </p:cNvSpPr>
+          <p:nvPr>
+            <p:ph type="title"/>
           </p:nvPr>
         </p:nvSpPr>
         <p:spPr/>
@@ -4843,20 +6163,239 @@
           <a:lstStyle/>
           <a:p>
             <a:r>
-              <a:rPr lang="es-AR" dirty="0" smtClean="0"/>
+              <a:rPr lang="en-US" dirty="0" err="1" smtClean="0">
+                <a:latin typeface="Segoe UI" panose="020B0502040204020203" pitchFamily="34" charset="0"/>
+                <a:cs typeface="Segoe UI" panose="020B0502040204020203" pitchFamily="34" charset="0"/>
+              </a:rPr>
+              <a:t>Siglo</a:t>
+            </a:r>
+            <a:r>
+              <a:rPr lang="en-US" dirty="0" smtClean="0">
+                <a:latin typeface="Segoe UI" panose="020B0502040204020203" pitchFamily="34" charset="0"/>
+                <a:cs typeface="Segoe UI" panose="020B0502040204020203" pitchFamily="34" charset="0"/>
+              </a:rPr>
+              <a:t> XXI – </a:t>
+            </a:r>
+            <a:r>
+              <a:rPr lang="en-US" dirty="0" err="1" smtClean="0">
+                <a:latin typeface="Segoe UI" panose="020B0502040204020203" pitchFamily="34" charset="0"/>
+                <a:cs typeface="Segoe UI" panose="020B0502040204020203" pitchFamily="34" charset="0"/>
+              </a:rPr>
+              <a:t>Mecanismos</a:t>
+            </a:r>
+            <a:r>
+              <a:rPr lang="en-US" dirty="0" smtClean="0">
+                <a:latin typeface="Segoe UI" panose="020B0502040204020203" pitchFamily="34" charset="0"/>
+                <a:cs typeface="Segoe UI" panose="020B0502040204020203" pitchFamily="34" charset="0"/>
+              </a:rPr>
+              <a:t> de </a:t>
+            </a:r>
+            <a:r>
+              <a:rPr lang="en-US" dirty="0" err="1" smtClean="0">
+                <a:latin typeface="Segoe UI" panose="020B0502040204020203" pitchFamily="34" charset="0"/>
+                <a:cs typeface="Segoe UI" panose="020B0502040204020203" pitchFamily="34" charset="0"/>
+              </a:rPr>
+              <a:t>defensa</a:t>
+            </a:r>
+            <a:endParaRPr lang="en-US" dirty="0">
+              <a:latin typeface="Segoe UI" panose="020B0502040204020203" pitchFamily="34" charset="0"/>
+              <a:cs typeface="Segoe UI" panose="020B0502040204020203" pitchFamily="34" charset="0"/>
+            </a:endParaRPr>
+          </a:p>
+        </p:txBody>
+      </p:sp>
+      <p:sp>
+        <p:nvSpPr>
+          <p:cNvPr id="2" name="Content Placeholder 1"/>
+          <p:cNvSpPr>
+            <a:spLocks noGrp="1"/>
+          </p:cNvSpPr>
+          <p:nvPr>
+            <p:ph idx="1"/>
+          </p:nvPr>
+        </p:nvSpPr>
+        <p:spPr/>
+        <p:txBody>
+          <a:bodyPr>
+            <a:noAutofit/>
+          </a:bodyPr>
+          <a:lstStyle/>
+          <a:p>
+            <a:r>
+              <a:rPr lang="es-AR" sz="1800" dirty="0" smtClean="0">
+                <a:latin typeface="Segoe UI" panose="020B0502040204020203" pitchFamily="34" charset="0"/>
+                <a:cs typeface="Segoe UI" panose="020B0502040204020203" pitchFamily="34" charset="0"/>
+              </a:rPr>
+              <a:t>Controles informáticos</a:t>
+            </a:r>
+            <a:endParaRPr lang="en-US" sz="1800" dirty="0">
+              <a:latin typeface="Segoe UI" panose="020B0502040204020203" pitchFamily="34" charset="0"/>
+              <a:cs typeface="Segoe UI" panose="020B0502040204020203" pitchFamily="34" charset="0"/>
+            </a:endParaRPr>
+          </a:p>
+        </p:txBody>
+      </p:sp>
+    </p:spTree>
+    <p:extLst>
+      <p:ext uri="{BB962C8B-B14F-4D97-AF65-F5344CB8AC3E}">
+        <p14:creationId xmlns:p14="http://schemas.microsoft.com/office/powerpoint/2010/main" val="3356351472"/>
+      </p:ext>
+    </p:extLst>
+  </p:cSld>
+  <p:clrMapOvr>
+    <a:masterClrMapping/>
+  </p:clrMapOvr>
+  <mc:AlternateContent xmlns:mc="http://schemas.openxmlformats.org/markup-compatibility/2006" xmlns:p14="http://schemas.microsoft.com/office/powerpoint/2010/main">
+    <mc:Choice Requires="p14">
+      <p:transition spd="med" p14:dur="700">
+        <p:fade/>
+      </p:transition>
+    </mc:Choice>
+    <mc:Fallback xmlns="">
+      <p:transition spd="med">
+        <p:fade/>
+      </p:transition>
+    </mc:Fallback>
+  </mc:AlternateContent>
+  <p:timing>
+    <p:tnLst>
+      <p:par>
+        <p:cTn id="1" dur="indefinite" restart="never" nodeType="tmRoot"/>
+      </p:par>
+    </p:tnLst>
+  </p:timing>
+</p:sld>
+</file>
+
+<file path=ppt/slides/slide8.xml><?xml version="1.0" encoding="utf-8"?>
+<p:sld xmlns:a="http://schemas.openxmlformats.org/drawingml/2006/main" xmlns:r="http://schemas.openxmlformats.org/officeDocument/2006/relationships" xmlns:p="http://schemas.openxmlformats.org/presentationml/2006/main">
+  <p:cSld>
+    <p:spTree>
+      <p:nvGrpSpPr>
+        <p:cNvPr id="1" name=""/>
+        <p:cNvGrpSpPr/>
+        <p:nvPr/>
+      </p:nvGrpSpPr>
+      <p:grpSpPr>
+        <a:xfrm>
+          <a:off x="0" y="0"/>
+          <a:ext cx="0" cy="0"/>
+          <a:chOff x="0" y="0"/>
+          <a:chExt cx="0" cy="0"/>
+        </a:xfrm>
+      </p:grpSpPr>
+      <p:sp>
+        <p:nvSpPr>
+          <p:cNvPr id="13" name="Title 12"/>
+          <p:cNvSpPr>
+            <a:spLocks noGrp="1"/>
+          </p:cNvSpPr>
+          <p:nvPr>
+            <p:ph type="title"/>
+          </p:nvPr>
+        </p:nvSpPr>
+        <p:spPr/>
+        <p:txBody>
+          <a:bodyPr/>
+          <a:lstStyle/>
+          <a:p>
+            <a:r>
+              <a:rPr lang="en-US" dirty="0" err="1" smtClean="0">
+                <a:latin typeface="Segoe UI" panose="020B0502040204020203" pitchFamily="34" charset="0"/>
+                <a:cs typeface="Segoe UI" panose="020B0502040204020203" pitchFamily="34" charset="0"/>
+              </a:rPr>
+              <a:t>Siglo</a:t>
+            </a:r>
+            <a:r>
+              <a:rPr lang="en-US" dirty="0" smtClean="0">
+                <a:latin typeface="Segoe UI" panose="020B0502040204020203" pitchFamily="34" charset="0"/>
+                <a:cs typeface="Segoe UI" panose="020B0502040204020203" pitchFamily="34" charset="0"/>
+              </a:rPr>
+              <a:t> XXI – </a:t>
+            </a:r>
+            <a:r>
+              <a:rPr lang="en-US" dirty="0" err="1" smtClean="0">
+                <a:latin typeface="Segoe UI" panose="020B0502040204020203" pitchFamily="34" charset="0"/>
+                <a:cs typeface="Segoe UI" panose="020B0502040204020203" pitchFamily="34" charset="0"/>
+              </a:rPr>
+              <a:t>Estadísticas</a:t>
+            </a:r>
+            <a:r>
+              <a:rPr lang="en-US" dirty="0" smtClean="0">
+                <a:latin typeface="Segoe UI" panose="020B0502040204020203" pitchFamily="34" charset="0"/>
+                <a:cs typeface="Segoe UI" panose="020B0502040204020203" pitchFamily="34" charset="0"/>
+              </a:rPr>
+              <a:t> de </a:t>
+            </a:r>
+            <a:r>
+              <a:rPr lang="en-US" dirty="0" err="1" smtClean="0">
+                <a:latin typeface="Segoe UI" panose="020B0502040204020203" pitchFamily="34" charset="0"/>
+                <a:cs typeface="Segoe UI" panose="020B0502040204020203" pitchFamily="34" charset="0"/>
+              </a:rPr>
+              <a:t>pérdidas</a:t>
+            </a:r>
+            <a:r>
+              <a:rPr lang="en-US" dirty="0" smtClean="0">
+                <a:latin typeface="Segoe UI" panose="020B0502040204020203" pitchFamily="34" charset="0"/>
+                <a:cs typeface="Segoe UI" panose="020B0502040204020203" pitchFamily="34" charset="0"/>
+              </a:rPr>
+              <a:t> de </a:t>
+            </a:r>
+            <a:r>
+              <a:rPr lang="en-US" dirty="0" err="1" smtClean="0">
+                <a:latin typeface="Segoe UI" panose="020B0502040204020203" pitchFamily="34" charset="0"/>
+                <a:cs typeface="Segoe UI" panose="020B0502040204020203" pitchFamily="34" charset="0"/>
+              </a:rPr>
+              <a:t>información</a:t>
+            </a:r>
+            <a:endParaRPr lang="en-US" dirty="0">
+              <a:latin typeface="Segoe UI" panose="020B0502040204020203" pitchFamily="34" charset="0"/>
+              <a:cs typeface="Segoe UI" panose="020B0502040204020203" pitchFamily="34" charset="0"/>
+            </a:endParaRPr>
+          </a:p>
+        </p:txBody>
+      </p:sp>
+      <p:sp>
+        <p:nvSpPr>
+          <p:cNvPr id="2" name="Content Placeholder 1"/>
+          <p:cNvSpPr>
+            <a:spLocks noGrp="1"/>
+          </p:cNvSpPr>
+          <p:nvPr>
+            <p:ph idx="1"/>
+          </p:nvPr>
+        </p:nvSpPr>
+        <p:spPr/>
+        <p:txBody>
+          <a:bodyPr/>
+          <a:lstStyle/>
+          <a:p>
+            <a:r>
+              <a:rPr lang="es-AR" dirty="0" smtClean="0">
+                <a:latin typeface="Segoe UI" panose="020B0502040204020203" pitchFamily="34" charset="0"/>
+                <a:cs typeface="Segoe UI" panose="020B0502040204020203" pitchFamily="34" charset="0"/>
+              </a:rPr>
               <a:t>Fuente: </a:t>
             </a:r>
             <a:r>
               <a:rPr lang="es-AR" dirty="0" err="1" smtClean="0">
+                <a:latin typeface="Segoe UI" panose="020B0502040204020203" pitchFamily="34" charset="0"/>
+                <a:cs typeface="Segoe UI" panose="020B0502040204020203" pitchFamily="34" charset="0"/>
                 <a:hlinkClick r:id="rId2"/>
               </a:rPr>
               <a:t>InfoWatch</a:t>
             </a:r>
             <a:r>
-              <a:rPr lang="es-AR" dirty="0" smtClean="0"/>
+              <a:rPr lang="es-AR" dirty="0" smtClean="0">
+                <a:latin typeface="Segoe UI" panose="020B0502040204020203" pitchFamily="34" charset="0"/>
+                <a:cs typeface="Segoe UI" panose="020B0502040204020203" pitchFamily="34" charset="0"/>
+              </a:rPr>
               <a:t>, 2013</a:t>
             </a:r>
-            <a:endParaRPr lang="en-US" dirty="0"/>
+            <a:endParaRPr lang="en-US" dirty="0">
+              <a:latin typeface="Segoe UI" panose="020B0502040204020203" pitchFamily="34" charset="0"/>
+              <a:cs typeface="Segoe UI" panose="020B0502040204020203" pitchFamily="34" charset="0"/>
+            </a:endParaRPr>
           </a:p>
         </p:txBody>
       </p:sp>
@@ -4962,7 +6501,7 @@
 </p:sld>
 </file>
 
-<file path=ppt/slides/slide7.xml><?xml version="1.0" encoding="utf-8"?>
+<file path=ppt/slides/slide9.xml><?xml version="1.0" encoding="utf-8"?>
 <p:sld xmlns:a="http://schemas.openxmlformats.org/drawingml/2006/main" xmlns:r="http://schemas.openxmlformats.org/officeDocument/2006/relationships" xmlns:p="http://schemas.openxmlformats.org/presentationml/2006/main">
   <p:cSld>
     <p:spTree>
@@ -4995,46 +6534,79 @@
           <a:lstStyle/>
           <a:p>
             <a:r>
-              <a:rPr lang="en-US" dirty="0" err="1" smtClean="0"/>
+              <a:rPr lang="en-US" dirty="0" err="1" smtClean="0">
+                <a:latin typeface="Segoe UI" panose="020B0502040204020203" pitchFamily="34" charset="0"/>
+                <a:cs typeface="Segoe UI" panose="020B0502040204020203" pitchFamily="34" charset="0"/>
+              </a:rPr>
               <a:t>Siglo</a:t>
             </a:r>
             <a:r>
-              <a:rPr lang="en-US" dirty="0" smtClean="0"/>
+              <a:rPr lang="en-US" dirty="0" smtClean="0">
+                <a:latin typeface="Segoe UI" panose="020B0502040204020203" pitchFamily="34" charset="0"/>
+                <a:cs typeface="Segoe UI" panose="020B0502040204020203" pitchFamily="34" charset="0"/>
+              </a:rPr>
               <a:t> XXI – </a:t>
             </a:r>
             <a:r>
-              <a:rPr lang="en-US" dirty="0" err="1" smtClean="0"/>
+              <a:rPr lang="en-US" dirty="0" err="1" smtClean="0">
+                <a:latin typeface="Segoe UI" panose="020B0502040204020203" pitchFamily="34" charset="0"/>
+                <a:cs typeface="Segoe UI" panose="020B0502040204020203" pitchFamily="34" charset="0"/>
+              </a:rPr>
               <a:t>Países</a:t>
             </a:r>
             <a:r>
-              <a:rPr lang="en-US" dirty="0" smtClean="0"/>
+              <a:rPr lang="en-US" dirty="0" smtClean="0">
+                <a:latin typeface="Segoe UI" panose="020B0502040204020203" pitchFamily="34" charset="0"/>
+                <a:cs typeface="Segoe UI" panose="020B0502040204020203" pitchFamily="34" charset="0"/>
+              </a:rPr>
               <a:t> con mayor </a:t>
             </a:r>
             <a:r>
-              <a:rPr lang="en-US" dirty="0" err="1" smtClean="0"/>
+              <a:rPr lang="en-US" dirty="0" err="1" smtClean="0">
+                <a:latin typeface="Segoe UI" panose="020B0502040204020203" pitchFamily="34" charset="0"/>
+                <a:cs typeface="Segoe UI" panose="020B0502040204020203" pitchFamily="34" charset="0"/>
+              </a:rPr>
               <a:t>cantidad</a:t>
             </a:r>
             <a:r>
-              <a:rPr lang="en-US" dirty="0" smtClean="0"/>
+              <a:rPr lang="en-US" dirty="0" smtClean="0">
+                <a:latin typeface="Segoe UI" panose="020B0502040204020203" pitchFamily="34" charset="0"/>
+                <a:cs typeface="Segoe UI" panose="020B0502040204020203" pitchFamily="34" charset="0"/>
+              </a:rPr>
               <a:t> de </a:t>
             </a:r>
             <a:r>
-              <a:rPr lang="en-US" dirty="0" err="1" smtClean="0"/>
+              <a:rPr lang="en-US" dirty="0" err="1" smtClean="0">
+                <a:latin typeface="Segoe UI" panose="020B0502040204020203" pitchFamily="34" charset="0"/>
+                <a:cs typeface="Segoe UI" panose="020B0502040204020203" pitchFamily="34" charset="0"/>
+              </a:rPr>
               <a:t>patentes</a:t>
             </a:r>
             <a:r>
-              <a:rPr lang="en-US" dirty="0" smtClean="0"/>
+              <a:rPr lang="en-US" dirty="0" smtClean="0">
+                <a:latin typeface="Segoe UI" panose="020B0502040204020203" pitchFamily="34" charset="0"/>
+                <a:cs typeface="Segoe UI" panose="020B0502040204020203" pitchFamily="34" charset="0"/>
+              </a:rPr>
               <a:t> </a:t>
             </a:r>
             <a:r>
-              <a:rPr lang="en-US" dirty="0" err="1" smtClean="0"/>
+              <a:rPr lang="en-US" dirty="0" err="1" smtClean="0">
+                <a:latin typeface="Segoe UI" panose="020B0502040204020203" pitchFamily="34" charset="0"/>
+                <a:cs typeface="Segoe UI" panose="020B0502040204020203" pitchFamily="34" charset="0"/>
+              </a:rPr>
               <a:t>registradas</a:t>
             </a:r>
             <a:r>
-              <a:rPr lang="en-US" dirty="0" smtClean="0"/>
+              <a:rPr lang="en-US" dirty="0" smtClean="0">
+                <a:latin typeface="Segoe UI" panose="020B0502040204020203" pitchFamily="34" charset="0"/>
+                <a:cs typeface="Segoe UI" panose="020B0502040204020203" pitchFamily="34" charset="0"/>
+              </a:rPr>
               <a:t> (1986 – 2005)</a:t>
             </a:r>
-            <a:endParaRPr lang="en-US" dirty="0"/>
+            <a:endParaRPr lang="en-US" dirty="0">
+              <a:latin typeface="Segoe UI" panose="020B0502040204020203" pitchFamily="34" charset="0"/>
+              <a:cs typeface="Segoe UI" panose="020B0502040204020203" pitchFamily="34" charset="0"/>
+            </a:endParaRPr>
           </a:p>
         </p:txBody>
       </p:sp>
@@ -5054,44 +6626,63 @@
           <a:lstStyle/>
           <a:p>
             <a:r>
-              <a:rPr lang="es-AR" dirty="0" smtClean="0"/>
+              <a:rPr lang="es-AR" dirty="0" smtClean="0">
+                <a:latin typeface="Segoe UI" panose="020B0502040204020203" pitchFamily="34" charset="0"/>
+                <a:cs typeface="Segoe UI" panose="020B0502040204020203" pitchFamily="34" charset="0"/>
+              </a:rPr>
               <a:t>Fuente: </a:t>
             </a:r>
             <a:r>
               <a:rPr lang="es-AR" dirty="0" err="1" smtClean="0">
+                <a:latin typeface="Segoe UI" panose="020B0502040204020203" pitchFamily="34" charset="0"/>
+                <a:cs typeface="Segoe UI" panose="020B0502040204020203" pitchFamily="34" charset="0"/>
                 <a:hlinkClick r:id="rId2"/>
               </a:rPr>
               <a:t>Corporate</a:t>
             </a:r>
             <a:r>
               <a:rPr lang="es-AR" dirty="0" smtClean="0">
+                <a:latin typeface="Segoe UI" panose="020B0502040204020203" pitchFamily="34" charset="0"/>
+                <a:cs typeface="Segoe UI" panose="020B0502040204020203" pitchFamily="34" charset="0"/>
                 <a:hlinkClick r:id="rId2"/>
               </a:rPr>
               <a:t> </a:t>
             </a:r>
             <a:r>
               <a:rPr lang="es-AR" dirty="0" err="1" smtClean="0">
+                <a:latin typeface="Segoe UI" panose="020B0502040204020203" pitchFamily="34" charset="0"/>
+                <a:cs typeface="Segoe UI" panose="020B0502040204020203" pitchFamily="34" charset="0"/>
                 <a:hlinkClick r:id="rId2"/>
               </a:rPr>
               <a:t>Invention</a:t>
             </a:r>
             <a:r>
               <a:rPr lang="es-AR" dirty="0" smtClean="0">
+                <a:latin typeface="Segoe UI" panose="020B0502040204020203" pitchFamily="34" charset="0"/>
+                <a:cs typeface="Segoe UI" panose="020B0502040204020203" pitchFamily="34" charset="0"/>
                 <a:hlinkClick r:id="rId2"/>
               </a:rPr>
               <a:t> </a:t>
             </a:r>
             <a:r>
               <a:rPr lang="es-AR" dirty="0" err="1" smtClean="0">
+                <a:latin typeface="Segoe UI" panose="020B0502040204020203" pitchFamily="34" charset="0"/>
+                <a:cs typeface="Segoe UI" panose="020B0502040204020203" pitchFamily="34" charset="0"/>
                 <a:hlinkClick r:id="rId2"/>
               </a:rPr>
               <a:t>Board</a:t>
             </a:r>
             <a:r>
-              <a:rPr lang="es-AR" dirty="0" smtClean="0"/>
+              <a:rPr lang="es-AR" dirty="0" smtClean="0">
+                <a:latin typeface="Segoe UI" panose="020B0502040204020203" pitchFamily="34" charset="0"/>
+                <a:cs typeface="Segoe UI" panose="020B0502040204020203" pitchFamily="34" charset="0"/>
+              </a:rPr>
               <a:t>, 2013</a:t>
             </a:r>
-            <a:endParaRPr lang="en-US" dirty="0"/>
+            <a:endParaRPr lang="en-US" dirty="0">
+              <a:latin typeface="Segoe UI" panose="020B0502040204020203" pitchFamily="34" charset="0"/>
+              <a:cs typeface="Segoe UI" panose="020B0502040204020203" pitchFamily="34" charset="0"/>
+            </a:endParaRPr>
           </a:p>
         </p:txBody>
       </p:sp>
@@ -5140,101 +6731,6 @@
     <p:extLst>
       <p:ext uri="{BB962C8B-B14F-4D97-AF65-F5344CB8AC3E}">
         <p14:creationId xmlns:p14="http://schemas.microsoft.com/office/powerpoint/2010/main" val="1574490164"/>
-      </p:ext>
-    </p:extLst>
-  </p:cSld>
-  <p:clrMapOvr>
-    <a:masterClrMapping/>
-  </p:clrMapOvr>
-  <mc:AlternateContent xmlns:mc="http://schemas.openxmlformats.org/markup-compatibility/2006" xmlns:p14="http://schemas.microsoft.com/office/powerpoint/2010/main">
-    <mc:Choice Requires="p14">
-      <p:transition spd="med" p14:dur="700">
-        <p:fade/>
-      </p:transition>
-    </mc:Choice>
-    <mc:Fallback xmlns="">
-      <p:transition spd="med">
-        <p:fade/>
-      </p:transition>
-    </mc:Fallback>
-  </mc:AlternateContent>
-  <p:timing>
-    <p:tnLst>
-      <p:par>
-        <p:cTn id="1" dur="indefinite" restart="never" nodeType="tmRoot"/>
-      </p:par>
-    </p:tnLst>
-  </p:timing>
-</p:sld>
-</file>
-
-<file path=ppt/slides/slide8.xml><?xml version="1.0" encoding="utf-8"?>
-<p:sld xmlns:a="http://schemas.openxmlformats.org/drawingml/2006/main" xmlns:r="http://schemas.openxmlformats.org/officeDocument/2006/relationships" xmlns:p="http://schemas.openxmlformats.org/presentationml/2006/main">
-  <p:cSld>
-    <p:spTree>
-      <p:nvGrpSpPr>
-        <p:cNvPr id="1" name=""/>
-        <p:cNvGrpSpPr/>
-        <p:nvPr/>
-      </p:nvGrpSpPr>
-      <p:grpSpPr>
-        <a:xfrm>
-          <a:off x="0" y="0"/>
-          <a:ext cx="0" cy="0"/>
-          <a:chOff x="0" y="0"/>
-          <a:chExt cx="0" cy="0"/>
-        </a:xfrm>
-      </p:grpSpPr>
-      <p:sp>
-        <p:nvSpPr>
-          <p:cNvPr id="3" name="Title 2"/>
-          <p:cNvSpPr>
-            <a:spLocks noGrp="1"/>
-          </p:cNvSpPr>
-          <p:nvPr>
-            <p:ph type="title"/>
-          </p:nvPr>
-        </p:nvSpPr>
-        <p:spPr/>
-        <p:txBody>
-          <a:bodyPr/>
-          <a:lstStyle/>
-          <a:p>
-            <a:r>
-              <a:rPr lang="es-AR" dirty="0" smtClean="0"/>
-              <a:t>Fin</a:t>
-            </a:r>
-            <a:endParaRPr lang="en-US" dirty="0"/>
-          </a:p>
-        </p:txBody>
-      </p:sp>
-      <p:sp>
-        <p:nvSpPr>
-          <p:cNvPr id="4" name="Text Placeholder 3"/>
-          <p:cNvSpPr>
-            <a:spLocks noGrp="1"/>
-          </p:cNvSpPr>
-          <p:nvPr>
-            <p:ph type="body" sz="half" idx="2"/>
-          </p:nvPr>
-        </p:nvSpPr>
-        <p:spPr/>
-        <p:txBody>
-          <a:bodyPr/>
-          <a:lstStyle/>
-          <a:p>
-            <a:r>
-              <a:rPr lang="es-AR" dirty="0" smtClean="0"/>
-              <a:t>¿Preguntas?</a:t>
-            </a:r>
-            <a:endParaRPr lang="en-US" dirty="0"/>
-          </a:p>
-        </p:txBody>
-      </p:sp>
-    </p:spTree>
-    <p:extLst>
-      <p:ext uri="{BB962C8B-B14F-4D97-AF65-F5344CB8AC3E}">
-        <p14:creationId xmlns:p14="http://schemas.microsoft.com/office/powerpoint/2010/main" val="1108506989"/>
       </p:ext>
     </p:extLst>
   </p:cSld>

--- a/Presentacion/Fuga de Información en los Siglos XIX y.pptx
+++ b/Presentacion/Fuga de Información en los Siglos XIX y.pptx
@@ -5,10 +5,10 @@
     <p:sldMasterId id="2147483648" r:id="rId2"/>
   </p:sldMasterIdLst>
   <p:notesMasterIdLst>
-    <p:notesMasterId r:id="rId13"/>
+    <p:notesMasterId r:id="rId14"/>
   </p:notesMasterIdLst>
   <p:handoutMasterIdLst>
-    <p:handoutMasterId r:id="rId14"/>
+    <p:handoutMasterId r:id="rId15"/>
   </p:handoutMasterIdLst>
   <p:sldIdLst>
     <p:sldId id="265" r:id="rId3"/>
@@ -18,14 +18,15 @@
     <p:sldId id="321" r:id="rId7"/>
     <p:sldId id="325" r:id="rId8"/>
     <p:sldId id="326" r:id="rId9"/>
-    <p:sldId id="322" r:id="rId10"/>
-    <p:sldId id="323" r:id="rId11"/>
-    <p:sldId id="319" r:id="rId12"/>
+    <p:sldId id="327" r:id="rId10"/>
+    <p:sldId id="322" r:id="rId11"/>
+    <p:sldId id="323" r:id="rId12"/>
+    <p:sldId id="319" r:id="rId13"/>
   </p:sldIdLst>
   <p:sldSz cx="12188825" cy="6858000"/>
   <p:notesSz cx="6858000" cy="9144000"/>
   <p:custDataLst>
-    <p:tags r:id="rId15"/>
+    <p:tags r:id="rId16"/>
   </p:custDataLst>
   <p:defaultTextStyle>
     <a:defPPr>
@@ -712,7 +713,31 @@
                 <a:ea typeface="+mn-ea"/>
                 <a:cs typeface="+mn-cs"/>
               </a:rPr>
-              <a:t>Schmidt   &gt; - </a:t>
+              <a:t>Schmidt  </a:t>
+            </a:r>
+            <a:r>
+              <a:rPr lang="en-US" sz="1200" kern="1200" dirty="0" smtClean="0">
+                <a:solidFill>
+                  <a:schemeClr val="tx1"/>
+                </a:solidFill>
+                <a:effectLst/>
+                <a:latin typeface="+mn-lt"/>
+                <a:ea typeface="+mn-ea"/>
+                <a:cs typeface="+mn-cs"/>
+              </a:rPr>
+              <a:t> </a:t>
+            </a:r>
+            <a:r>
+              <a:rPr lang="en-US" sz="1200" kern="1200" dirty="0" smtClean="0">
+                <a:solidFill>
+                  <a:schemeClr val="tx1"/>
+                </a:solidFill>
+                <a:effectLst/>
+                <a:latin typeface="+mn-lt"/>
+                <a:ea typeface="+mn-ea"/>
+                <a:cs typeface="+mn-cs"/>
+              </a:rPr>
+              <a:t>- </a:t>
             </a:r>
             <a:r>
               <a:rPr lang="en-US" sz="1200" kern="1200" dirty="0" err="1" smtClean="0">
@@ -783,7 +808,31 @@
                 <a:ea typeface="+mn-ea"/>
                 <a:cs typeface="+mn-cs"/>
               </a:rPr>
-              <a:t>Maraggi   &gt; - xix, </a:t>
+              <a:t>Maraggi   </a:t>
+            </a:r>
+            <a:r>
+              <a:rPr lang="en-US" sz="1200" kern="1200" dirty="0" smtClean="0">
+                <a:solidFill>
+                  <a:schemeClr val="tx1"/>
+                </a:solidFill>
+                <a:effectLst/>
+                <a:latin typeface="+mn-lt"/>
+                <a:ea typeface="+mn-ea"/>
+                <a:cs typeface="+mn-cs"/>
+              </a:rPr>
+              <a:t> </a:t>
+            </a:r>
+            <a:r>
+              <a:rPr lang="en-US" sz="1200" kern="1200" dirty="0" smtClean="0">
+                <a:solidFill>
+                  <a:schemeClr val="tx1"/>
+                </a:solidFill>
+                <a:effectLst/>
+                <a:latin typeface="+mn-lt"/>
+                <a:ea typeface="+mn-ea"/>
+                <a:cs typeface="+mn-cs"/>
+              </a:rPr>
+              <a:t>xix, </a:t>
             </a:r>
             <a:r>
               <a:rPr lang="en-US" sz="1200" kern="1200" dirty="0" err="1" smtClean="0">
@@ -866,7 +915,55 @@
                 <a:ea typeface="+mn-ea"/>
                 <a:cs typeface="+mn-cs"/>
               </a:rPr>
-              <a:t>Zurita   &gt; - xix, intro y </a:t>
+              <a:t>Zurita </a:t>
+            </a:r>
+            <a:r>
+              <a:rPr lang="en-US" sz="1200" kern="1200" dirty="0" smtClean="0">
+                <a:solidFill>
+                  <a:schemeClr val="tx1"/>
+                </a:solidFill>
+                <a:effectLst/>
+                <a:latin typeface="+mn-lt"/>
+                <a:ea typeface="+mn-ea"/>
+                <a:cs typeface="+mn-cs"/>
+              </a:rPr>
+              <a:t>-</a:t>
+            </a:r>
+            <a:r>
+              <a:rPr lang="en-US" sz="1200" kern="1200" dirty="0" smtClean="0">
+                <a:solidFill>
+                  <a:schemeClr val="tx1"/>
+                </a:solidFill>
+                <a:effectLst/>
+                <a:latin typeface="+mn-lt"/>
+                <a:ea typeface="+mn-ea"/>
+                <a:cs typeface="+mn-cs"/>
+              </a:rPr>
+              <a:t>  </a:t>
+            </a:r>
+            <a:r>
+              <a:rPr lang="en-US" sz="1200" kern="1200" dirty="0" smtClean="0">
+                <a:solidFill>
+                  <a:schemeClr val="tx1"/>
+                </a:solidFill>
+                <a:effectLst/>
+                <a:latin typeface="+mn-lt"/>
+                <a:ea typeface="+mn-ea"/>
+                <a:cs typeface="+mn-cs"/>
+              </a:rPr>
+              <a:t> </a:t>
+            </a:r>
+            <a:r>
+              <a:rPr lang="en-US" sz="1200" kern="1200" dirty="0" smtClean="0">
+                <a:solidFill>
+                  <a:schemeClr val="tx1"/>
+                </a:solidFill>
+                <a:effectLst/>
+                <a:latin typeface="+mn-lt"/>
+                <a:ea typeface="+mn-ea"/>
+                <a:cs typeface="+mn-cs"/>
+              </a:rPr>
+              <a:t>xix, intro y </a:t>
             </a:r>
             <a:r>
               <a:rPr lang="en-US" sz="1200" kern="1200" dirty="0" err="1" smtClean="0">
@@ -913,7 +1010,31 @@
                 <a:ea typeface="+mn-ea"/>
                 <a:cs typeface="+mn-cs"/>
               </a:rPr>
-              <a:t>Parnisari   &gt; - xxi, intro y </a:t>
+              <a:t>Parnisari  </a:t>
+            </a:r>
+            <a:r>
+              <a:rPr lang="en-US" sz="1200" kern="1200" dirty="0" smtClean="0">
+                <a:solidFill>
+                  <a:schemeClr val="tx1"/>
+                </a:solidFill>
+                <a:effectLst/>
+                <a:latin typeface="+mn-lt"/>
+                <a:ea typeface="+mn-ea"/>
+                <a:cs typeface="+mn-cs"/>
+              </a:rPr>
+              <a:t>-  </a:t>
+            </a:r>
+            <a:r>
+              <a:rPr lang="en-US" sz="1200" kern="1200" dirty="0" smtClean="0">
+                <a:solidFill>
+                  <a:schemeClr val="tx1"/>
+                </a:solidFill>
+                <a:effectLst/>
+                <a:latin typeface="+mn-lt"/>
+                <a:ea typeface="+mn-ea"/>
+                <a:cs typeface="+mn-cs"/>
+              </a:rPr>
+              <a:t>xxi, intro y </a:t>
             </a:r>
             <a:r>
               <a:rPr lang="en-US" sz="1200" kern="1200" dirty="0" err="1" smtClean="0">
@@ -960,7 +1081,31 @@
                 <a:ea typeface="+mn-ea"/>
                 <a:cs typeface="+mn-cs"/>
               </a:rPr>
-              <a:t>Zhang   &gt; - xxi, </a:t>
+              <a:t>Zhang   </a:t>
+            </a:r>
+            <a:r>
+              <a:rPr lang="en-US" sz="1200" kern="1200" dirty="0" smtClean="0">
+                <a:solidFill>
+                  <a:schemeClr val="tx1"/>
+                </a:solidFill>
+                <a:effectLst/>
+                <a:latin typeface="+mn-lt"/>
+                <a:ea typeface="+mn-ea"/>
+                <a:cs typeface="+mn-cs"/>
+              </a:rPr>
+              <a:t>- </a:t>
+            </a:r>
+            <a:r>
+              <a:rPr lang="en-US" sz="1200" kern="1200" dirty="0" smtClean="0">
+                <a:solidFill>
+                  <a:schemeClr val="tx1"/>
+                </a:solidFill>
+                <a:effectLst/>
+                <a:latin typeface="+mn-lt"/>
+                <a:ea typeface="+mn-ea"/>
+                <a:cs typeface="+mn-cs"/>
+              </a:rPr>
+              <a:t>xxi, </a:t>
             </a:r>
             <a:r>
               <a:rPr lang="en-US" sz="1200" kern="1200" dirty="0" err="1" smtClean="0">
@@ -1606,6 +1751,1171 @@
     <p:extLst>
       <p:ext uri="{BB962C8B-B14F-4D97-AF65-F5344CB8AC3E}">
         <p14:creationId xmlns:p14="http://schemas.microsoft.com/office/powerpoint/2010/main" val="3805029774"/>
+      </p:ext>
+    </p:extLst>
+  </p:cSld>
+  <p:clrMapOvr>
+    <a:masterClrMapping/>
+  </p:clrMapOvr>
+</p:notes>
+</file>
+
+<file path=ppt/notesSlides/notesSlide5.xml><?xml version="1.0" encoding="utf-8"?>
+<p:notes xmlns:a="http://schemas.openxmlformats.org/drawingml/2006/main" xmlns:r="http://schemas.openxmlformats.org/officeDocument/2006/relationships" xmlns:p="http://schemas.openxmlformats.org/presentationml/2006/main">
+  <p:cSld>
+    <p:spTree>
+      <p:nvGrpSpPr>
+        <p:cNvPr id="1" name=""/>
+        <p:cNvGrpSpPr/>
+        <p:nvPr/>
+      </p:nvGrpSpPr>
+      <p:grpSpPr>
+        <a:xfrm>
+          <a:off x="0" y="0"/>
+          <a:ext cx="0" cy="0"/>
+          <a:chOff x="0" y="0"/>
+          <a:chExt cx="0" cy="0"/>
+        </a:xfrm>
+      </p:grpSpPr>
+      <p:sp>
+        <p:nvSpPr>
+          <p:cNvPr id="2" name="Slide Image Placeholder 1"/>
+          <p:cNvSpPr>
+            <a:spLocks noGrp="1" noRot="1" noChangeAspect="1"/>
+          </p:cNvSpPr>
+          <p:nvPr>
+            <p:ph type="sldImg"/>
+          </p:nvPr>
+        </p:nvSpPr>
+        <p:spPr/>
+      </p:sp>
+      <p:sp>
+        <p:nvSpPr>
+          <p:cNvPr id="3" name="Notes Placeholder 2"/>
+          <p:cNvSpPr>
+            <a:spLocks noGrp="1"/>
+          </p:cNvSpPr>
+          <p:nvPr>
+            <p:ph type="body" idx="1"/>
+          </p:nvPr>
+        </p:nvSpPr>
+        <p:spPr/>
+        <p:txBody>
+          <a:bodyPr/>
+          <a:lstStyle/>
+          <a:p>
+            <a:endParaRPr lang="en-US" dirty="0"/>
+          </a:p>
+        </p:txBody>
+      </p:sp>
+      <p:sp>
+        <p:nvSpPr>
+          <p:cNvPr id="4" name="Slide Number Placeholder 3"/>
+          <p:cNvSpPr>
+            <a:spLocks noGrp="1"/>
+          </p:cNvSpPr>
+          <p:nvPr>
+            <p:ph type="sldNum" sz="quarter" idx="10"/>
+          </p:nvPr>
+        </p:nvSpPr>
+        <p:spPr/>
+        <p:txBody>
+          <a:bodyPr/>
+          <a:lstStyle/>
+          <a:p>
+            <a:fld id="{F93199CD-3E1B-4AE6-990F-76F925F5EA9F}" type="slidenum">
+              <a:rPr lang="en-US" smtClean="0"/>
+              <a:t>6</a:t>
+            </a:fld>
+            <a:endParaRPr lang="en-US"/>
+          </a:p>
+        </p:txBody>
+      </p:sp>
+    </p:spTree>
+    <p:extLst>
+      <p:ext uri="{BB962C8B-B14F-4D97-AF65-F5344CB8AC3E}">
+        <p14:creationId xmlns:p14="http://schemas.microsoft.com/office/powerpoint/2010/main" val="655676726"/>
+      </p:ext>
+    </p:extLst>
+  </p:cSld>
+  <p:clrMapOvr>
+    <a:masterClrMapping/>
+  </p:clrMapOvr>
+</p:notes>
+</file>
+
+<file path=ppt/notesSlides/notesSlide6.xml><?xml version="1.0" encoding="utf-8"?>
+<p:notes xmlns:a="http://schemas.openxmlformats.org/drawingml/2006/main" xmlns:r="http://schemas.openxmlformats.org/officeDocument/2006/relationships" xmlns:p="http://schemas.openxmlformats.org/presentationml/2006/main">
+  <p:cSld>
+    <p:spTree>
+      <p:nvGrpSpPr>
+        <p:cNvPr id="1" name=""/>
+        <p:cNvGrpSpPr/>
+        <p:nvPr/>
+      </p:nvGrpSpPr>
+      <p:grpSpPr>
+        <a:xfrm>
+          <a:off x="0" y="0"/>
+          <a:ext cx="0" cy="0"/>
+          <a:chOff x="0" y="0"/>
+          <a:chExt cx="0" cy="0"/>
+        </a:xfrm>
+      </p:grpSpPr>
+      <p:sp>
+        <p:nvSpPr>
+          <p:cNvPr id="2" name="Slide Image Placeholder 1"/>
+          <p:cNvSpPr>
+            <a:spLocks noGrp="1" noRot="1" noChangeAspect="1"/>
+          </p:cNvSpPr>
+          <p:nvPr>
+            <p:ph type="sldImg"/>
+          </p:nvPr>
+        </p:nvSpPr>
+        <p:spPr/>
+      </p:sp>
+      <p:sp>
+        <p:nvSpPr>
+          <p:cNvPr id="3" name="Notes Placeholder 2"/>
+          <p:cNvSpPr>
+            <a:spLocks noGrp="1"/>
+          </p:cNvSpPr>
+          <p:nvPr>
+            <p:ph type="body" idx="1"/>
+          </p:nvPr>
+        </p:nvSpPr>
+        <p:spPr/>
+        <p:txBody>
+          <a:bodyPr/>
+          <a:lstStyle/>
+          <a:p>
+            <a:r>
+              <a:rPr lang="es-AR" sz="1200" kern="1200" dirty="0" smtClean="0">
+                <a:solidFill>
+                  <a:schemeClr val="tx1"/>
+                </a:solidFill>
+                <a:effectLst/>
+                <a:latin typeface="+mn-lt"/>
+                <a:ea typeface="+mn-ea"/>
+                <a:cs typeface="+mn-cs"/>
+              </a:rPr>
+              <a:t>Una </a:t>
+            </a:r>
+            <a:r>
+              <a:rPr lang="es-AR" sz="1200" b="1" kern="1200" dirty="0" smtClean="0">
+                <a:solidFill>
+                  <a:schemeClr val="tx1"/>
+                </a:solidFill>
+                <a:effectLst/>
+                <a:latin typeface="+mn-lt"/>
+                <a:ea typeface="+mn-ea"/>
+                <a:cs typeface="+mn-cs"/>
+              </a:rPr>
+              <a:t>patente</a:t>
+            </a:r>
+            <a:r>
+              <a:rPr lang="es-AR" sz="1200" kern="1200" dirty="0" smtClean="0">
+                <a:solidFill>
+                  <a:schemeClr val="tx1"/>
+                </a:solidFill>
+                <a:effectLst/>
+                <a:latin typeface="+mn-lt"/>
+                <a:ea typeface="+mn-ea"/>
+                <a:cs typeface="+mn-cs"/>
+              </a:rPr>
+              <a:t> es un conjunto de derechos que se le otorgan a un inventor por un período limitado de tiempo (20 años), a cambio de la divulgación de los detalles del mismo. Las patentes son una forma de propiedad intelectual, y le proporcionan dueño la garantía de que otras empresas no podrán producir, utilizar o vender el producto patentado sin permiso.</a:t>
+            </a:r>
+            <a:endParaRPr lang="en-US" sz="1200" kern="1200" dirty="0" smtClean="0">
+              <a:solidFill>
+                <a:schemeClr val="tx1"/>
+              </a:solidFill>
+              <a:effectLst/>
+              <a:latin typeface="+mn-lt"/>
+              <a:ea typeface="+mn-ea"/>
+              <a:cs typeface="+mn-cs"/>
+            </a:endParaRPr>
+          </a:p>
+          <a:p>
+            <a:pPr marL="0" marR="0" indent="0" algn="l" defTabSz="914400" rtl="0" eaLnBrk="1" fontAlgn="auto" latinLnBrk="0" hangingPunct="1">
+              <a:lnSpc>
+                <a:spcPct val="100000"/>
+              </a:lnSpc>
+              <a:spcBef>
+                <a:spcPts val="0"/>
+              </a:spcBef>
+              <a:spcAft>
+                <a:spcPts val="0"/>
+              </a:spcAft>
+              <a:buClrTx/>
+              <a:buSzTx/>
+              <a:buFontTx/>
+              <a:buNone/>
+              <a:tabLst/>
+              <a:defRPr/>
+            </a:pPr>
+            <a:r>
+              <a:rPr lang="es-AR" sz="1200" kern="1200" dirty="0" smtClean="0">
+                <a:solidFill>
+                  <a:schemeClr val="tx1"/>
+                </a:solidFill>
+                <a:effectLst/>
+                <a:latin typeface="+mn-lt"/>
+                <a:ea typeface="+mn-ea"/>
+                <a:cs typeface="+mn-cs"/>
+              </a:rPr>
+              <a:t>El sistema de </a:t>
+            </a:r>
+            <a:r>
+              <a:rPr lang="es-AR" sz="1200" kern="1200" dirty="0" err="1" smtClean="0">
+                <a:solidFill>
+                  <a:schemeClr val="tx1"/>
+                </a:solidFill>
+                <a:effectLst/>
+                <a:latin typeface="+mn-lt"/>
+                <a:ea typeface="+mn-ea"/>
+                <a:cs typeface="+mn-cs"/>
+              </a:rPr>
+              <a:t>patentamiento</a:t>
+            </a:r>
+            <a:r>
+              <a:rPr lang="es-AR" sz="1200" kern="1200" dirty="0" smtClean="0">
+                <a:solidFill>
+                  <a:schemeClr val="tx1"/>
+                </a:solidFill>
+                <a:effectLst/>
+                <a:latin typeface="+mn-lt"/>
+                <a:ea typeface="+mn-ea"/>
+                <a:cs typeface="+mn-cs"/>
+              </a:rPr>
+              <a:t> fue creado en 1450, pero fue durante la revolución francesa que se creó el sistema moderno. En general, las patentes sólo pueden materializarse durante litigios, y puede ser dueños de ellas tanto empresas como personas, aunque en ciertos casos los empleadores pueden exigirles a sus empleados que las patentes le sean adjudicadas a ellos. Entre las críticas a este sistema, se encuentran los altos costos asociados al mantenimiento de patentes (por ejemplo, en Estados Unidos el mismo puede alcanzar los 30 mil dólares por patente), y el hecho de que no promueven la innovación, al limitar el uso de las nuevas tecnologías. </a:t>
+            </a:r>
+          </a:p>
+          <a:p>
+            <a:pPr marL="0" marR="0" indent="0" algn="l" defTabSz="914400" rtl="0" eaLnBrk="1" fontAlgn="auto" latinLnBrk="0" hangingPunct="1">
+              <a:lnSpc>
+                <a:spcPct val="100000"/>
+              </a:lnSpc>
+              <a:spcBef>
+                <a:spcPts val="0"/>
+              </a:spcBef>
+              <a:spcAft>
+                <a:spcPts val="0"/>
+              </a:spcAft>
+              <a:buClrTx/>
+              <a:buSzTx/>
+              <a:buFontTx/>
+              <a:buNone/>
+              <a:tabLst/>
+              <a:defRPr/>
+            </a:pPr>
+            <a:endParaRPr lang="es-AR" sz="1200" kern="1200" dirty="0" smtClean="0">
+              <a:solidFill>
+                <a:schemeClr val="tx1"/>
+              </a:solidFill>
+              <a:effectLst/>
+              <a:latin typeface="+mn-lt"/>
+              <a:ea typeface="+mn-ea"/>
+              <a:cs typeface="+mn-cs"/>
+            </a:endParaRPr>
+          </a:p>
+          <a:p>
+            <a:r>
+              <a:rPr lang="es-AR" sz="1200" kern="1200" dirty="0" smtClean="0">
+                <a:solidFill>
+                  <a:schemeClr val="tx1"/>
+                </a:solidFill>
+                <a:effectLst/>
+                <a:latin typeface="+mn-lt"/>
+                <a:ea typeface="+mn-ea"/>
+                <a:cs typeface="+mn-cs"/>
+              </a:rPr>
+              <a:t>Existen varios mecanismos que permiten sustentar </a:t>
+            </a:r>
+            <a:r>
+              <a:rPr lang="es-AR" sz="1200" b="1" kern="1200" dirty="0" smtClean="0">
+                <a:solidFill>
+                  <a:schemeClr val="tx1"/>
+                </a:solidFill>
+                <a:effectLst/>
+                <a:latin typeface="+mn-lt"/>
+                <a:ea typeface="+mn-ea"/>
+                <a:cs typeface="+mn-cs"/>
+              </a:rPr>
+              <a:t>la seguridad informática</a:t>
+            </a:r>
+            <a:r>
+              <a:rPr lang="es-AR" sz="1200" kern="1200" dirty="0" smtClean="0">
+                <a:solidFill>
+                  <a:schemeClr val="tx1"/>
+                </a:solidFill>
+                <a:effectLst/>
+                <a:latin typeface="+mn-lt"/>
+                <a:ea typeface="+mn-ea"/>
+                <a:cs typeface="+mn-cs"/>
+              </a:rPr>
+              <a:t>, donde uno sólo de ellos no es suficiente para garantizar el éxito, ya que es necesario complementarlos para obtener un buen resultado. Entre ellos se destacan:</a:t>
+            </a:r>
+            <a:endParaRPr lang="en-US" sz="1200" kern="1200" dirty="0" smtClean="0">
+              <a:solidFill>
+                <a:schemeClr val="tx1"/>
+              </a:solidFill>
+              <a:effectLst/>
+              <a:latin typeface="+mn-lt"/>
+              <a:ea typeface="+mn-ea"/>
+              <a:cs typeface="+mn-cs"/>
+            </a:endParaRPr>
+          </a:p>
+          <a:p>
+            <a:r>
+              <a:rPr lang="es-AR" sz="1200" kern="1200" dirty="0" smtClean="0">
+                <a:solidFill>
+                  <a:schemeClr val="tx1"/>
+                </a:solidFill>
+                <a:effectLst/>
+                <a:latin typeface="+mn-lt"/>
+                <a:ea typeface="+mn-ea"/>
+                <a:cs typeface="+mn-cs"/>
+              </a:rPr>
+              <a:t> </a:t>
+            </a:r>
+            <a:endParaRPr lang="en-US" sz="1200" kern="1200" dirty="0" smtClean="0">
+              <a:solidFill>
+                <a:schemeClr val="tx1"/>
+              </a:solidFill>
+              <a:effectLst/>
+              <a:latin typeface="+mn-lt"/>
+              <a:ea typeface="+mn-ea"/>
+              <a:cs typeface="+mn-cs"/>
+            </a:endParaRPr>
+          </a:p>
+          <a:p>
+            <a:pPr lvl="0"/>
+            <a:r>
+              <a:rPr lang="es-AR" sz="1200" u="none" strike="noStrike" kern="1200" dirty="0" smtClean="0">
+                <a:solidFill>
+                  <a:schemeClr val="tx1"/>
+                </a:solidFill>
+                <a:effectLst/>
+                <a:latin typeface="+mn-lt"/>
+                <a:ea typeface="+mn-ea"/>
+                <a:cs typeface="+mn-cs"/>
+              </a:rPr>
+              <a:t>Restricciones de acceso físico</a:t>
+            </a:r>
+            <a:endParaRPr lang="en-US" u="none" strike="noStrike" dirty="0" smtClean="0">
+              <a:effectLst/>
+            </a:endParaRPr>
+          </a:p>
+          <a:p>
+            <a:pPr lvl="0"/>
+            <a:r>
+              <a:rPr lang="es-AR" sz="1200" u="none" strike="noStrike" kern="1200" dirty="0" smtClean="0">
+                <a:solidFill>
+                  <a:schemeClr val="tx1"/>
+                </a:solidFill>
+                <a:effectLst/>
+                <a:latin typeface="+mn-lt"/>
+                <a:ea typeface="+mn-ea"/>
+                <a:cs typeface="+mn-cs"/>
+              </a:rPr>
+              <a:t>Utilización de contraseñas seguras</a:t>
+            </a:r>
+            <a:endParaRPr lang="en-US" u="none" strike="noStrike" dirty="0" smtClean="0">
+              <a:effectLst/>
+            </a:endParaRPr>
+          </a:p>
+          <a:p>
+            <a:pPr lvl="0"/>
+            <a:r>
+              <a:rPr lang="es-AR" sz="1200" u="none" strike="noStrike" kern="1200" dirty="0" smtClean="0">
+                <a:solidFill>
+                  <a:schemeClr val="tx1"/>
+                </a:solidFill>
+                <a:effectLst/>
+                <a:latin typeface="+mn-lt"/>
+                <a:ea typeface="+mn-ea"/>
+                <a:cs typeface="+mn-cs"/>
+              </a:rPr>
+              <a:t>Uso de firewalls y software antivirus</a:t>
+            </a:r>
+            <a:endParaRPr lang="en-US" u="none" strike="noStrike" dirty="0" smtClean="0">
+              <a:effectLst/>
+            </a:endParaRPr>
+          </a:p>
+          <a:p>
+            <a:pPr lvl="0"/>
+            <a:r>
+              <a:rPr lang="es-AR" sz="1200" u="none" strike="noStrike" kern="1200" dirty="0" smtClean="0">
+                <a:solidFill>
+                  <a:schemeClr val="tx1"/>
+                </a:solidFill>
+                <a:effectLst/>
+                <a:latin typeface="+mn-lt"/>
+                <a:ea typeface="+mn-ea"/>
+                <a:cs typeface="+mn-cs"/>
+              </a:rPr>
+              <a:t>Encriptación de las comunicaciones confidenciales</a:t>
+            </a:r>
+            <a:endParaRPr lang="en-US" u="none" strike="noStrike" dirty="0" smtClean="0">
+              <a:effectLst/>
+            </a:endParaRPr>
+          </a:p>
+          <a:p>
+            <a:pPr lvl="0"/>
+            <a:r>
+              <a:rPr lang="es-AR" sz="1200" u="none" strike="noStrike" kern="1200" dirty="0" smtClean="0">
+                <a:solidFill>
+                  <a:schemeClr val="tx1"/>
+                </a:solidFill>
+                <a:effectLst/>
+                <a:latin typeface="+mn-lt"/>
+                <a:ea typeface="+mn-ea"/>
+                <a:cs typeface="+mn-cs"/>
+              </a:rPr>
+              <a:t>Copias de seguridad de la información</a:t>
+            </a:r>
+            <a:endParaRPr lang="en-US" u="none" strike="noStrike" dirty="0" smtClean="0">
+              <a:effectLst/>
+            </a:endParaRPr>
+          </a:p>
+          <a:p>
+            <a:pPr lvl="0"/>
+            <a:r>
+              <a:rPr lang="es-AR" sz="1200" u="none" strike="noStrike" kern="1200" dirty="0" smtClean="0">
+                <a:solidFill>
+                  <a:schemeClr val="tx1"/>
+                </a:solidFill>
+                <a:effectLst/>
+                <a:latin typeface="+mn-lt"/>
+                <a:ea typeface="+mn-ea"/>
+                <a:cs typeface="+mn-cs"/>
+              </a:rPr>
+              <a:t>Encriptado de las copias de seguridad</a:t>
+            </a:r>
+            <a:endParaRPr lang="en-US" u="none" strike="noStrike" dirty="0" smtClean="0">
+              <a:effectLst/>
+            </a:endParaRPr>
+          </a:p>
+          <a:p>
+            <a:pPr lvl="0"/>
+            <a:r>
+              <a:rPr lang="es-AR" sz="1200" u="none" strike="noStrike" kern="1200" dirty="0" smtClean="0">
+                <a:solidFill>
+                  <a:schemeClr val="tx1"/>
+                </a:solidFill>
+                <a:effectLst/>
+                <a:latin typeface="+mn-lt"/>
+                <a:ea typeface="+mn-ea"/>
+                <a:cs typeface="+mn-cs"/>
+              </a:rPr>
+              <a:t>Distinción de niveles de acceso según autorización formal en perfiles de usuarios</a:t>
+            </a:r>
+            <a:endParaRPr lang="en-US" u="none" strike="noStrike" dirty="0" smtClean="0">
+              <a:effectLst/>
+            </a:endParaRPr>
+          </a:p>
+          <a:p>
+            <a:pPr lvl="0"/>
+            <a:r>
+              <a:rPr lang="es-AR" sz="1200" u="none" strike="noStrike" kern="1200" dirty="0" smtClean="0">
+                <a:solidFill>
+                  <a:schemeClr val="tx1"/>
+                </a:solidFill>
+                <a:effectLst/>
+                <a:latin typeface="+mn-lt"/>
+                <a:ea typeface="+mn-ea"/>
+                <a:cs typeface="+mn-cs"/>
+              </a:rPr>
+              <a:t>Registro de operaciones en bitácoras automatizadas</a:t>
+            </a:r>
+            <a:endParaRPr lang="en-US" u="none" strike="noStrike" dirty="0" smtClean="0">
+              <a:effectLst/>
+            </a:endParaRPr>
+          </a:p>
+          <a:p>
+            <a:pPr lvl="0"/>
+            <a:r>
+              <a:rPr lang="es-AR" sz="1200" u="none" strike="noStrike" kern="1200" dirty="0" smtClean="0">
+                <a:solidFill>
+                  <a:schemeClr val="tx1"/>
+                </a:solidFill>
+                <a:effectLst/>
+                <a:latin typeface="+mn-lt"/>
+                <a:ea typeface="+mn-ea"/>
+                <a:cs typeface="+mn-cs"/>
+              </a:rPr>
+              <a:t>Registro de accesos en bitácoras automatizadas</a:t>
+            </a:r>
+            <a:endParaRPr lang="en-US" u="none" strike="noStrike" dirty="0" smtClean="0">
+              <a:effectLst/>
+            </a:endParaRPr>
+          </a:p>
+          <a:p>
+            <a:pPr lvl="0"/>
+            <a:r>
+              <a:rPr lang="es-AR" sz="1200" u="none" strike="noStrike" kern="1200" dirty="0" smtClean="0">
+                <a:solidFill>
+                  <a:schemeClr val="tx1"/>
+                </a:solidFill>
+                <a:effectLst/>
+                <a:latin typeface="+mn-lt"/>
+                <a:ea typeface="+mn-ea"/>
+                <a:cs typeface="+mn-cs"/>
+              </a:rPr>
+              <a:t>Redundancia de datos</a:t>
+            </a:r>
+            <a:endParaRPr lang="en-US" u="none" strike="noStrike" dirty="0" smtClean="0">
+              <a:effectLst/>
+            </a:endParaRPr>
+          </a:p>
+          <a:p>
+            <a:pPr lvl="0"/>
+            <a:r>
+              <a:rPr lang="es-AR" sz="1200" u="none" strike="noStrike" kern="1200" dirty="0" smtClean="0">
+                <a:solidFill>
+                  <a:schemeClr val="tx1"/>
+                </a:solidFill>
+                <a:effectLst/>
+                <a:latin typeface="+mn-lt"/>
+                <a:ea typeface="+mn-ea"/>
+                <a:cs typeface="+mn-cs"/>
+              </a:rPr>
+              <a:t>Localización múltiple y distante de estructuras de datos redundantes</a:t>
+            </a:r>
+            <a:endParaRPr lang="en-US" u="none" strike="noStrike" dirty="0" smtClean="0">
+              <a:effectLst/>
+            </a:endParaRPr>
+          </a:p>
+          <a:p>
+            <a:pPr lvl="0"/>
+            <a:r>
+              <a:rPr lang="es-AR" sz="1200" u="none" strike="noStrike" kern="1200" dirty="0" smtClean="0">
+                <a:solidFill>
+                  <a:schemeClr val="tx1"/>
+                </a:solidFill>
+                <a:effectLst/>
+                <a:latin typeface="+mn-lt"/>
+                <a:ea typeface="+mn-ea"/>
+                <a:cs typeface="+mn-cs"/>
+              </a:rPr>
+              <a:t>Políticas de recuperación ante catástrofes</a:t>
+            </a:r>
+            <a:endParaRPr lang="en-US" u="none" strike="noStrike" dirty="0" smtClean="0">
+              <a:effectLst/>
+            </a:endParaRPr>
+          </a:p>
+          <a:p>
+            <a:pPr marL="0" marR="0" indent="0" algn="l" defTabSz="914400" rtl="0" eaLnBrk="1" fontAlgn="auto" latinLnBrk="0" hangingPunct="1">
+              <a:lnSpc>
+                <a:spcPct val="100000"/>
+              </a:lnSpc>
+              <a:spcBef>
+                <a:spcPts val="0"/>
+              </a:spcBef>
+              <a:spcAft>
+                <a:spcPts val="0"/>
+              </a:spcAft>
+              <a:buClrTx/>
+              <a:buSzTx/>
+              <a:buFontTx/>
+              <a:buNone/>
+              <a:tabLst/>
+              <a:defRPr/>
+            </a:pPr>
+            <a:endParaRPr lang="en-US" sz="1200" kern="1200" dirty="0" smtClean="0">
+              <a:solidFill>
+                <a:schemeClr val="tx1"/>
+              </a:solidFill>
+              <a:effectLst/>
+              <a:latin typeface="+mn-lt"/>
+              <a:ea typeface="+mn-ea"/>
+              <a:cs typeface="+mn-cs"/>
+            </a:endParaRPr>
+          </a:p>
+          <a:p>
+            <a:endParaRPr lang="en-US" sz="1200" kern="1200" dirty="0">
+              <a:solidFill>
+                <a:schemeClr val="tx1"/>
+              </a:solidFill>
+              <a:effectLst/>
+              <a:latin typeface="+mn-lt"/>
+              <a:ea typeface="+mn-ea"/>
+              <a:cs typeface="+mn-cs"/>
+            </a:endParaRPr>
+          </a:p>
+        </p:txBody>
+      </p:sp>
+      <p:sp>
+        <p:nvSpPr>
+          <p:cNvPr id="4" name="Slide Number Placeholder 3"/>
+          <p:cNvSpPr>
+            <a:spLocks noGrp="1"/>
+          </p:cNvSpPr>
+          <p:nvPr>
+            <p:ph type="sldNum" sz="quarter" idx="10"/>
+          </p:nvPr>
+        </p:nvSpPr>
+        <p:spPr/>
+        <p:txBody>
+          <a:bodyPr/>
+          <a:lstStyle/>
+          <a:p>
+            <a:fld id="{F93199CD-3E1B-4AE6-990F-76F925F5EA9F}" type="slidenum">
+              <a:rPr lang="en-US" smtClean="0"/>
+              <a:t>7</a:t>
+            </a:fld>
+            <a:endParaRPr lang="en-US"/>
+          </a:p>
+        </p:txBody>
+      </p:sp>
+    </p:spTree>
+    <p:extLst>
+      <p:ext uri="{BB962C8B-B14F-4D97-AF65-F5344CB8AC3E}">
+        <p14:creationId xmlns:p14="http://schemas.microsoft.com/office/powerpoint/2010/main" val="2488318766"/>
+      </p:ext>
+    </p:extLst>
+  </p:cSld>
+  <p:clrMapOvr>
+    <a:masterClrMapping/>
+  </p:clrMapOvr>
+</p:notes>
+</file>
+
+<file path=ppt/notesSlides/notesSlide7.xml><?xml version="1.0" encoding="utf-8"?>
+<p:notes xmlns:a="http://schemas.openxmlformats.org/drawingml/2006/main" xmlns:r="http://schemas.openxmlformats.org/officeDocument/2006/relationships" xmlns:p="http://schemas.openxmlformats.org/presentationml/2006/main">
+  <p:cSld>
+    <p:spTree>
+      <p:nvGrpSpPr>
+        <p:cNvPr id="1" name=""/>
+        <p:cNvGrpSpPr/>
+        <p:nvPr/>
+      </p:nvGrpSpPr>
+      <p:grpSpPr>
+        <a:xfrm>
+          <a:off x="0" y="0"/>
+          <a:ext cx="0" cy="0"/>
+          <a:chOff x="0" y="0"/>
+          <a:chExt cx="0" cy="0"/>
+        </a:xfrm>
+      </p:grpSpPr>
+      <p:sp>
+        <p:nvSpPr>
+          <p:cNvPr id="2" name="Slide Image Placeholder 1"/>
+          <p:cNvSpPr>
+            <a:spLocks noGrp="1" noRot="1" noChangeAspect="1"/>
+          </p:cNvSpPr>
+          <p:nvPr>
+            <p:ph type="sldImg"/>
+          </p:nvPr>
+        </p:nvSpPr>
+        <p:spPr/>
+      </p:sp>
+      <p:sp>
+        <p:nvSpPr>
+          <p:cNvPr id="3" name="Notes Placeholder 2"/>
+          <p:cNvSpPr>
+            <a:spLocks noGrp="1"/>
+          </p:cNvSpPr>
+          <p:nvPr>
+            <p:ph type="body" idx="1"/>
+          </p:nvPr>
+        </p:nvSpPr>
+        <p:spPr/>
+        <p:txBody>
+          <a:bodyPr/>
+          <a:lstStyle/>
+          <a:p>
+            <a:r>
+              <a:rPr lang="es-AR" sz="1200" b="1" kern="1200" dirty="0" smtClean="0">
+                <a:solidFill>
+                  <a:schemeClr val="tx1"/>
+                </a:solidFill>
+                <a:effectLst/>
+                <a:latin typeface="+mn-lt"/>
+                <a:ea typeface="+mn-ea"/>
+                <a:cs typeface="+mn-cs"/>
+              </a:rPr>
+              <a:t>Auditorías</a:t>
+            </a:r>
+            <a:endParaRPr lang="en-US" sz="1200" b="1" kern="1200" dirty="0" smtClean="0">
+              <a:solidFill>
+                <a:schemeClr val="tx1"/>
+              </a:solidFill>
+              <a:effectLst/>
+              <a:latin typeface="+mn-lt"/>
+              <a:ea typeface="+mn-ea"/>
+              <a:cs typeface="+mn-cs"/>
+            </a:endParaRPr>
+          </a:p>
+          <a:p>
+            <a:r>
+              <a:rPr lang="es-AR" sz="1200" kern="1200" dirty="0" smtClean="0">
+                <a:solidFill>
+                  <a:schemeClr val="tx1"/>
+                </a:solidFill>
+                <a:effectLst/>
+                <a:latin typeface="+mn-lt"/>
+                <a:ea typeface="+mn-ea"/>
+                <a:cs typeface="+mn-cs"/>
+              </a:rPr>
+              <a:t> </a:t>
+            </a:r>
+            <a:endParaRPr lang="en-US" sz="1200" kern="1200" dirty="0" smtClean="0">
+              <a:solidFill>
+                <a:schemeClr val="tx1"/>
+              </a:solidFill>
+              <a:effectLst/>
+              <a:latin typeface="+mn-lt"/>
+              <a:ea typeface="+mn-ea"/>
+              <a:cs typeface="+mn-cs"/>
+            </a:endParaRPr>
+          </a:p>
+          <a:p>
+            <a:r>
+              <a:rPr lang="es-AR" sz="1200" kern="1200" dirty="0" smtClean="0">
+                <a:solidFill>
+                  <a:schemeClr val="tx1"/>
+                </a:solidFill>
+                <a:effectLst/>
+                <a:latin typeface="+mn-lt"/>
+                <a:ea typeface="+mn-ea"/>
+                <a:cs typeface="+mn-cs"/>
+              </a:rPr>
+              <a:t>En las empresas, para facilitar la trazabilidad de las acciones de los usuarios, se suelen incluir procedimientos mediante los que se garantiza que el uso de los activos de información es efectivamente auditado y que es posible generar </a:t>
+            </a:r>
+            <a:r>
+              <a:rPr lang="es-AR" sz="1200" b="1" kern="1200" dirty="0" smtClean="0">
+                <a:solidFill>
+                  <a:schemeClr val="tx1"/>
+                </a:solidFill>
+                <a:effectLst/>
+                <a:latin typeface="+mn-lt"/>
+                <a:ea typeface="+mn-ea"/>
+                <a:cs typeface="+mn-cs"/>
+              </a:rPr>
+              <a:t>registros (</a:t>
+            </a:r>
+            <a:r>
+              <a:rPr lang="es-AR" sz="1200" b="1" i="1" kern="1200" dirty="0" err="1" smtClean="0">
+                <a:solidFill>
+                  <a:schemeClr val="tx1"/>
+                </a:solidFill>
+                <a:effectLst/>
+                <a:latin typeface="+mn-lt"/>
+                <a:ea typeface="+mn-ea"/>
+                <a:cs typeface="+mn-cs"/>
+              </a:rPr>
+              <a:t>logs</a:t>
+            </a:r>
+            <a:r>
+              <a:rPr lang="es-AR" sz="1200" b="1" kern="1200" dirty="0" smtClean="0">
+                <a:solidFill>
+                  <a:schemeClr val="tx1"/>
+                </a:solidFill>
+                <a:effectLst/>
+                <a:latin typeface="+mn-lt"/>
+                <a:ea typeface="+mn-ea"/>
+                <a:cs typeface="+mn-cs"/>
+              </a:rPr>
+              <a:t>) de las acciones importantes</a:t>
+            </a:r>
+            <a:r>
+              <a:rPr lang="es-AR" sz="1200" kern="1200" dirty="0" smtClean="0">
+                <a:solidFill>
+                  <a:schemeClr val="tx1"/>
+                </a:solidFill>
+                <a:effectLst/>
+                <a:latin typeface="+mn-lt"/>
+                <a:ea typeface="+mn-ea"/>
+                <a:cs typeface="+mn-cs"/>
+              </a:rPr>
+              <a:t> que se hayan definido, que si bien es un proceso técnico, implica un conocimiento de los individuos respecto a su grado de responsabilidad en lo que realizan dentro de una empresa. El conocimiento de la vinculación entre las personas y sus accesos puede evitar en gran medida la fuga de información, ya que en caso de filtrarse hacia el exterior, se podría señalar de manera directa a todos aquellos que tuvieron acceso y se podría analizar su uso previo al incidente, obteniendo posibles conclusiones y responsables. De cualquier manera, dada la imposibilidad de monitorear a las personas más allá de la esfera laboral, es estrictamente necesario que exista un alto grado de concientización y que las políticas de seguridad estén correctamente aplicadas para garantizar que quienes manejen información confidencial tengan asumidos los riesgos relacionados con su filtración.</a:t>
+            </a:r>
+          </a:p>
+          <a:p>
+            <a:endParaRPr lang="es-AR" sz="1200" b="1" kern="1200" dirty="0" smtClean="0">
+              <a:solidFill>
+                <a:schemeClr val="tx1"/>
+              </a:solidFill>
+              <a:effectLst/>
+              <a:latin typeface="+mn-lt"/>
+              <a:ea typeface="+mn-ea"/>
+              <a:cs typeface="+mn-cs"/>
+            </a:endParaRPr>
+          </a:p>
+          <a:p>
+            <a:r>
+              <a:rPr lang="es-AR" sz="1200" b="1" kern="1200" dirty="0" smtClean="0">
+                <a:solidFill>
+                  <a:schemeClr val="tx1"/>
+                </a:solidFill>
+                <a:effectLst/>
+                <a:latin typeface="+mn-lt"/>
+                <a:ea typeface="+mn-ea"/>
+                <a:cs typeface="+mn-cs"/>
+              </a:rPr>
+              <a:t>Utilización de estándares internacionales</a:t>
+            </a:r>
+            <a:endParaRPr lang="en-US" sz="1200" b="1" kern="1200" dirty="0" smtClean="0">
+              <a:solidFill>
+                <a:schemeClr val="tx1"/>
+              </a:solidFill>
+              <a:effectLst/>
+              <a:latin typeface="+mn-lt"/>
+              <a:ea typeface="+mn-ea"/>
+              <a:cs typeface="+mn-cs"/>
+            </a:endParaRPr>
+          </a:p>
+          <a:p>
+            <a:r>
+              <a:rPr lang="es-AR" sz="1200" kern="1200" dirty="0" smtClean="0">
+                <a:solidFill>
+                  <a:schemeClr val="tx1"/>
+                </a:solidFill>
+                <a:effectLst/>
+                <a:latin typeface="+mn-lt"/>
+                <a:ea typeface="+mn-ea"/>
+                <a:cs typeface="+mn-cs"/>
+              </a:rPr>
+              <a:t> </a:t>
+            </a:r>
+            <a:endParaRPr lang="en-US" sz="1200" kern="1200" dirty="0" smtClean="0">
+              <a:solidFill>
+                <a:schemeClr val="tx1"/>
+              </a:solidFill>
+              <a:effectLst/>
+              <a:latin typeface="+mn-lt"/>
+              <a:ea typeface="+mn-ea"/>
+              <a:cs typeface="+mn-cs"/>
+            </a:endParaRPr>
+          </a:p>
+          <a:p>
+            <a:r>
+              <a:rPr lang="es-AR" sz="1200" kern="1200" dirty="0" smtClean="0">
+                <a:solidFill>
+                  <a:schemeClr val="tx1"/>
+                </a:solidFill>
+                <a:effectLst/>
+                <a:latin typeface="+mn-lt"/>
+                <a:ea typeface="+mn-ea"/>
+                <a:cs typeface="+mn-cs"/>
+              </a:rPr>
+              <a:t>Para la mayoría de las actividades es necesario basarse en estándares, normalmente de alcance internacional, y normativas vinculadas a lo que se quiera organizar. La fuga de información está contemplada dentro de la gestión de la seguridad, y como tal se describen contramedidas y técnicas en distintos estándares. Así pues, se apela con frecuencia a la serie de normas ISO 27000, que está especialmente dedicada a seguridad de la información. Dentro de esta familia se encuentran específicamente algunas normas como lo son la 27001, referida a los requisitos para implementar un sistema de gestión de seguridad, la 27002 que define las mejores prácticas, la 27004 que habla sobre las métricas, la 27005 que trata sobre la gestión de riesgos, entre otras.</a:t>
+            </a:r>
+            <a:endParaRPr lang="en-US" sz="1200" kern="1200" dirty="0" smtClean="0">
+              <a:solidFill>
+                <a:schemeClr val="tx1"/>
+              </a:solidFill>
+              <a:effectLst/>
+              <a:latin typeface="+mn-lt"/>
+              <a:ea typeface="+mn-ea"/>
+              <a:cs typeface="+mn-cs"/>
+            </a:endParaRPr>
+          </a:p>
+          <a:p>
+            <a:r>
+              <a:rPr lang="es-AR" sz="1200" kern="1200" dirty="0" smtClean="0">
+                <a:solidFill>
+                  <a:schemeClr val="tx1"/>
+                </a:solidFill>
+                <a:effectLst/>
+                <a:latin typeface="+mn-lt"/>
+                <a:ea typeface="+mn-ea"/>
+                <a:cs typeface="+mn-cs"/>
+              </a:rPr>
+              <a:t> </a:t>
+            </a:r>
+            <a:endParaRPr lang="en-US" sz="1200" kern="1200" dirty="0" smtClean="0">
+              <a:solidFill>
+                <a:schemeClr val="tx1"/>
+              </a:solidFill>
+              <a:effectLst/>
+              <a:latin typeface="+mn-lt"/>
+              <a:ea typeface="+mn-ea"/>
+              <a:cs typeface="+mn-cs"/>
+            </a:endParaRPr>
+          </a:p>
+          <a:p>
+            <a:r>
+              <a:rPr lang="es-AR" sz="1200" b="1" kern="1200" dirty="0" smtClean="0">
+                <a:solidFill>
+                  <a:schemeClr val="tx1"/>
+                </a:solidFill>
+                <a:effectLst/>
+                <a:latin typeface="+mn-lt"/>
+                <a:ea typeface="+mn-ea"/>
+                <a:cs typeface="+mn-cs"/>
+              </a:rPr>
+              <a:t>Uso de </a:t>
+            </a:r>
+            <a:r>
+              <a:rPr lang="es-AR" sz="1200" b="1" i="1" kern="1200" dirty="0" err="1" smtClean="0">
+                <a:solidFill>
+                  <a:schemeClr val="tx1"/>
+                </a:solidFill>
+                <a:effectLst/>
+                <a:latin typeface="+mn-lt"/>
+                <a:ea typeface="+mn-ea"/>
+                <a:cs typeface="+mn-cs"/>
+              </a:rPr>
+              <a:t>code</a:t>
+            </a:r>
+            <a:r>
+              <a:rPr lang="es-AR" sz="1200" b="1" i="1" kern="1200" dirty="0" smtClean="0">
+                <a:solidFill>
+                  <a:schemeClr val="tx1"/>
+                </a:solidFill>
+                <a:effectLst/>
+                <a:latin typeface="+mn-lt"/>
+                <a:ea typeface="+mn-ea"/>
+                <a:cs typeface="+mn-cs"/>
+              </a:rPr>
+              <a:t> </a:t>
+            </a:r>
+            <a:r>
+              <a:rPr lang="es-AR" sz="1200" b="1" i="1" kern="1200" dirty="0" err="1" smtClean="0">
+                <a:solidFill>
+                  <a:schemeClr val="tx1"/>
+                </a:solidFill>
+                <a:effectLst/>
+                <a:latin typeface="+mn-lt"/>
+                <a:ea typeface="+mn-ea"/>
+                <a:cs typeface="+mn-cs"/>
+              </a:rPr>
+              <a:t>names</a:t>
+            </a:r>
+            <a:r>
+              <a:rPr lang="es-AR" sz="1200" b="1" i="1" kern="1200" dirty="0" smtClean="0">
+                <a:solidFill>
+                  <a:schemeClr val="tx1"/>
+                </a:solidFill>
+                <a:effectLst/>
+                <a:latin typeface="+mn-lt"/>
+                <a:ea typeface="+mn-ea"/>
+                <a:cs typeface="+mn-cs"/>
+              </a:rPr>
+              <a:t> </a:t>
+            </a:r>
+            <a:r>
+              <a:rPr lang="es-AR" sz="1200" b="1" kern="1200" dirty="0" smtClean="0">
+                <a:solidFill>
+                  <a:schemeClr val="tx1"/>
+                </a:solidFill>
+                <a:effectLst/>
+                <a:latin typeface="+mn-lt"/>
+                <a:ea typeface="+mn-ea"/>
+                <a:cs typeface="+mn-cs"/>
+              </a:rPr>
+              <a:t>para los proyectos</a:t>
+            </a:r>
+            <a:endParaRPr lang="en-US" sz="1200" b="1" kern="1200" dirty="0" smtClean="0">
+              <a:solidFill>
+                <a:schemeClr val="tx1"/>
+              </a:solidFill>
+              <a:effectLst/>
+              <a:latin typeface="+mn-lt"/>
+              <a:ea typeface="+mn-ea"/>
+              <a:cs typeface="+mn-cs"/>
+            </a:endParaRPr>
+          </a:p>
+          <a:p>
+            <a:r>
+              <a:rPr lang="es-AR" sz="1200" kern="1200" dirty="0" smtClean="0">
+                <a:solidFill>
+                  <a:schemeClr val="tx1"/>
+                </a:solidFill>
+                <a:effectLst/>
+                <a:latin typeface="+mn-lt"/>
+                <a:ea typeface="+mn-ea"/>
+                <a:cs typeface="+mn-cs"/>
+              </a:rPr>
+              <a:t> </a:t>
+            </a:r>
+            <a:endParaRPr lang="en-US" sz="1200" kern="1200" dirty="0" smtClean="0">
+              <a:solidFill>
+                <a:schemeClr val="tx1"/>
+              </a:solidFill>
+              <a:effectLst/>
+              <a:latin typeface="+mn-lt"/>
+              <a:ea typeface="+mn-ea"/>
+              <a:cs typeface="+mn-cs"/>
+            </a:endParaRPr>
+          </a:p>
+          <a:p>
+            <a:r>
+              <a:rPr lang="es-AR" sz="1200" kern="1200" dirty="0" smtClean="0">
+                <a:solidFill>
+                  <a:schemeClr val="tx1"/>
+                </a:solidFill>
+                <a:effectLst/>
+                <a:latin typeface="+mn-lt"/>
+                <a:ea typeface="+mn-ea"/>
+                <a:cs typeface="+mn-cs"/>
+              </a:rPr>
+              <a:t>Este mecanismo de defensa solo se aplica a empresas comerciales, particularmente tecnológicas. Gigantes como Microsoft y Apple suelen utilizar nombres clave para los productos que están en fase de desarrollo y aún no se han lanzado al mercado. Como ejemplos podemos mencionar al proyecto </a:t>
+            </a:r>
+            <a:r>
+              <a:rPr lang="es-AR" sz="1200" kern="1200" dirty="0" err="1" smtClean="0">
+                <a:solidFill>
+                  <a:schemeClr val="tx1"/>
+                </a:solidFill>
+                <a:effectLst/>
+                <a:latin typeface="+mn-lt"/>
+                <a:ea typeface="+mn-ea"/>
+                <a:cs typeface="+mn-cs"/>
+              </a:rPr>
+              <a:t>Blackcomb</a:t>
+            </a:r>
+            <a:r>
+              <a:rPr lang="es-AR" sz="1200" kern="1200" dirty="0" smtClean="0">
+                <a:solidFill>
+                  <a:schemeClr val="tx1"/>
+                </a:solidFill>
+                <a:effectLst/>
+                <a:latin typeface="+mn-lt"/>
+                <a:ea typeface="+mn-ea"/>
+                <a:cs typeface="+mn-cs"/>
+              </a:rPr>
+              <a:t> (Windows 7).</a:t>
+            </a:r>
+            <a:endParaRPr lang="en-US" sz="1200" kern="1200" dirty="0" smtClean="0">
+              <a:solidFill>
+                <a:schemeClr val="tx1"/>
+              </a:solidFill>
+              <a:effectLst/>
+              <a:latin typeface="+mn-lt"/>
+              <a:ea typeface="+mn-ea"/>
+              <a:cs typeface="+mn-cs"/>
+            </a:endParaRPr>
+          </a:p>
+          <a:p>
+            <a:r>
+              <a:rPr lang="es-AR" sz="1200" kern="1200" dirty="0" smtClean="0">
+                <a:solidFill>
+                  <a:schemeClr val="tx1"/>
+                </a:solidFill>
+                <a:effectLst/>
+                <a:latin typeface="+mn-lt"/>
+                <a:ea typeface="+mn-ea"/>
+                <a:cs typeface="+mn-cs"/>
+              </a:rPr>
+              <a:t> </a:t>
+            </a:r>
+            <a:endParaRPr lang="en-US" sz="1200" kern="1200" dirty="0" smtClean="0">
+              <a:solidFill>
+                <a:schemeClr val="tx1"/>
+              </a:solidFill>
+              <a:effectLst/>
+              <a:latin typeface="+mn-lt"/>
+              <a:ea typeface="+mn-ea"/>
+              <a:cs typeface="+mn-cs"/>
+            </a:endParaRPr>
+          </a:p>
+          <a:p>
+            <a:r>
+              <a:rPr lang="es-AR" sz="1200" kern="1200" dirty="0" smtClean="0">
+                <a:solidFill>
+                  <a:schemeClr val="tx1"/>
+                </a:solidFill>
+                <a:effectLst/>
+                <a:latin typeface="+mn-lt"/>
+                <a:ea typeface="+mn-ea"/>
+                <a:cs typeface="+mn-cs"/>
+              </a:rPr>
+              <a:t>Las razones para su uso son varias:</a:t>
+            </a:r>
+            <a:endParaRPr lang="en-US" sz="1200" kern="1200" dirty="0" smtClean="0">
+              <a:solidFill>
+                <a:schemeClr val="tx1"/>
+              </a:solidFill>
+              <a:effectLst/>
+              <a:latin typeface="+mn-lt"/>
+              <a:ea typeface="+mn-ea"/>
+              <a:cs typeface="+mn-cs"/>
+            </a:endParaRPr>
+          </a:p>
+          <a:p>
+            <a:pPr lvl="0"/>
+            <a:r>
+              <a:rPr lang="es-AR" sz="1200" u="none" strike="noStrike" kern="1200" dirty="0" smtClean="0">
+                <a:solidFill>
+                  <a:schemeClr val="tx1"/>
+                </a:solidFill>
+                <a:effectLst/>
+                <a:latin typeface="+mn-lt"/>
+                <a:ea typeface="+mn-ea"/>
+                <a:cs typeface="+mn-cs"/>
+              </a:rPr>
+              <a:t>Permiten a los trabajadores de dichos productos hablar sobre los mismos sin revelar de qué se trata a terceros. Al utilizar nombres neutrales, se obliga a enfocarse en el producto y prevenir la generación de asociaciones basándose en el nombre.</a:t>
+            </a:r>
+            <a:endParaRPr lang="en-US" u="none" strike="noStrike" dirty="0" smtClean="0">
+              <a:effectLst/>
+            </a:endParaRPr>
+          </a:p>
+          <a:p>
+            <a:pPr lvl="0"/>
+            <a:r>
+              <a:rPr lang="es-AR" sz="1200" u="none" strike="noStrike" kern="1200" dirty="0" smtClean="0">
+                <a:solidFill>
+                  <a:schemeClr val="tx1"/>
+                </a:solidFill>
+                <a:effectLst/>
+                <a:latin typeface="+mn-lt"/>
+                <a:ea typeface="+mn-ea"/>
+                <a:cs typeface="+mn-cs"/>
+              </a:rPr>
+              <a:t>Permiten crear un impacto positivo en los potenciales consumidores, al utilizar nombres que atraen al mercado.</a:t>
+            </a:r>
+            <a:r>
+              <a:rPr lang="es-AR" sz="1200" i="1" u="sng" strike="noStrike" kern="1200" dirty="0" smtClean="0">
+                <a:solidFill>
+                  <a:schemeClr val="tx1"/>
+                </a:solidFill>
+                <a:effectLst/>
+                <a:latin typeface="+mn-lt"/>
+                <a:ea typeface="+mn-ea"/>
+                <a:cs typeface="+mn-cs"/>
+              </a:rPr>
+              <a:t> </a:t>
+            </a:r>
+            <a:endParaRPr lang="en-US" sz="1200" kern="1200" dirty="0">
+              <a:solidFill>
+                <a:schemeClr val="tx1"/>
+              </a:solidFill>
+              <a:effectLst/>
+              <a:latin typeface="+mn-lt"/>
+              <a:ea typeface="+mn-ea"/>
+              <a:cs typeface="+mn-cs"/>
+            </a:endParaRPr>
+          </a:p>
+        </p:txBody>
+      </p:sp>
+      <p:sp>
+        <p:nvSpPr>
+          <p:cNvPr id="4" name="Slide Number Placeholder 3"/>
+          <p:cNvSpPr>
+            <a:spLocks noGrp="1"/>
+          </p:cNvSpPr>
+          <p:nvPr>
+            <p:ph type="sldNum" sz="quarter" idx="10"/>
+          </p:nvPr>
+        </p:nvSpPr>
+        <p:spPr/>
+        <p:txBody>
+          <a:bodyPr/>
+          <a:lstStyle/>
+          <a:p>
+            <a:fld id="{F93199CD-3E1B-4AE6-990F-76F925F5EA9F}" type="slidenum">
+              <a:rPr lang="en-US" smtClean="0"/>
+              <a:t>8</a:t>
+            </a:fld>
+            <a:endParaRPr lang="en-US"/>
+          </a:p>
+        </p:txBody>
+      </p:sp>
+    </p:spTree>
+    <p:extLst>
+      <p:ext uri="{BB962C8B-B14F-4D97-AF65-F5344CB8AC3E}">
+        <p14:creationId xmlns:p14="http://schemas.microsoft.com/office/powerpoint/2010/main" val="707643668"/>
       </p:ext>
     </p:extLst>
   </p:cSld>
@@ -5142,6 +6452,264 @@
       </p:grpSpPr>
       <p:sp>
         <p:nvSpPr>
+          <p:cNvPr id="13" name="Title 12"/>
+          <p:cNvSpPr>
+            <a:spLocks noGrp="1"/>
+          </p:cNvSpPr>
+          <p:nvPr>
+            <p:ph type="title"/>
+          </p:nvPr>
+        </p:nvSpPr>
+        <p:spPr/>
+        <p:txBody>
+          <a:bodyPr/>
+          <a:lstStyle/>
+          <a:p>
+            <a:r>
+              <a:rPr lang="en-US" dirty="0" err="1" smtClean="0">
+                <a:latin typeface="Segoe UI" panose="020B0502040204020203" pitchFamily="34" charset="0"/>
+                <a:cs typeface="Segoe UI" panose="020B0502040204020203" pitchFamily="34" charset="0"/>
+              </a:rPr>
+              <a:t>Siglo</a:t>
+            </a:r>
+            <a:r>
+              <a:rPr lang="en-US" dirty="0" smtClean="0">
+                <a:latin typeface="Segoe UI" panose="020B0502040204020203" pitchFamily="34" charset="0"/>
+                <a:cs typeface="Segoe UI" panose="020B0502040204020203" pitchFamily="34" charset="0"/>
+              </a:rPr>
+              <a:t> XXI – </a:t>
+            </a:r>
+            <a:r>
+              <a:rPr lang="en-US" dirty="0" err="1" smtClean="0">
+                <a:latin typeface="Segoe UI" panose="020B0502040204020203" pitchFamily="34" charset="0"/>
+                <a:cs typeface="Segoe UI" panose="020B0502040204020203" pitchFamily="34" charset="0"/>
+              </a:rPr>
+              <a:t>Países</a:t>
+            </a:r>
+            <a:r>
+              <a:rPr lang="en-US" dirty="0" smtClean="0">
+                <a:latin typeface="Segoe UI" panose="020B0502040204020203" pitchFamily="34" charset="0"/>
+                <a:cs typeface="Segoe UI" panose="020B0502040204020203" pitchFamily="34" charset="0"/>
+              </a:rPr>
+              <a:t> con mayor </a:t>
+            </a:r>
+            <a:r>
+              <a:rPr lang="en-US" dirty="0" err="1" smtClean="0">
+                <a:latin typeface="Segoe UI" panose="020B0502040204020203" pitchFamily="34" charset="0"/>
+                <a:cs typeface="Segoe UI" panose="020B0502040204020203" pitchFamily="34" charset="0"/>
+              </a:rPr>
+              <a:t>cantidad</a:t>
+            </a:r>
+            <a:r>
+              <a:rPr lang="en-US" dirty="0" smtClean="0">
+                <a:latin typeface="Segoe UI" panose="020B0502040204020203" pitchFamily="34" charset="0"/>
+                <a:cs typeface="Segoe UI" panose="020B0502040204020203" pitchFamily="34" charset="0"/>
+              </a:rPr>
+              <a:t> de </a:t>
+            </a:r>
+            <a:r>
+              <a:rPr lang="en-US" dirty="0" err="1" smtClean="0">
+                <a:latin typeface="Segoe UI" panose="020B0502040204020203" pitchFamily="34" charset="0"/>
+                <a:cs typeface="Segoe UI" panose="020B0502040204020203" pitchFamily="34" charset="0"/>
+              </a:rPr>
+              <a:t>patentes</a:t>
+            </a:r>
+            <a:r>
+              <a:rPr lang="en-US" dirty="0" smtClean="0">
+                <a:latin typeface="Segoe UI" panose="020B0502040204020203" pitchFamily="34" charset="0"/>
+                <a:cs typeface="Segoe UI" panose="020B0502040204020203" pitchFamily="34" charset="0"/>
+              </a:rPr>
+              <a:t> </a:t>
+            </a:r>
+            <a:r>
+              <a:rPr lang="en-US" dirty="0" err="1" smtClean="0">
+                <a:latin typeface="Segoe UI" panose="020B0502040204020203" pitchFamily="34" charset="0"/>
+                <a:cs typeface="Segoe UI" panose="020B0502040204020203" pitchFamily="34" charset="0"/>
+              </a:rPr>
+              <a:t>registradas</a:t>
+            </a:r>
+            <a:r>
+              <a:rPr lang="en-US" dirty="0" smtClean="0">
+                <a:latin typeface="Segoe UI" panose="020B0502040204020203" pitchFamily="34" charset="0"/>
+                <a:cs typeface="Segoe UI" panose="020B0502040204020203" pitchFamily="34" charset="0"/>
+              </a:rPr>
+              <a:t> (1986 – 2005)</a:t>
+            </a:r>
+            <a:endParaRPr lang="en-US" dirty="0">
+              <a:latin typeface="Segoe UI" panose="020B0502040204020203" pitchFamily="34" charset="0"/>
+              <a:cs typeface="Segoe UI" panose="020B0502040204020203" pitchFamily="34" charset="0"/>
+            </a:endParaRPr>
+          </a:p>
+        </p:txBody>
+      </p:sp>
+      <p:sp>
+        <p:nvSpPr>
+          <p:cNvPr id="2" name="Content Placeholder 1"/>
+          <p:cNvSpPr>
+            <a:spLocks noGrp="1"/>
+          </p:cNvSpPr>
+          <p:nvPr>
+            <p:ph idx="1"/>
+          </p:nvPr>
+        </p:nvSpPr>
+        <p:spPr/>
+        <p:txBody>
+          <a:bodyPr/>
+          <a:lstStyle/>
+          <a:p>
+            <a:r>
+              <a:rPr lang="es-AR" dirty="0" smtClean="0">
+                <a:latin typeface="Segoe UI" panose="020B0502040204020203" pitchFamily="34" charset="0"/>
+                <a:cs typeface="Segoe UI" panose="020B0502040204020203" pitchFamily="34" charset="0"/>
+              </a:rPr>
+              <a:t>Fuente: </a:t>
+            </a:r>
+            <a:r>
+              <a:rPr lang="es-AR" dirty="0" err="1" smtClean="0">
+                <a:latin typeface="Segoe UI" panose="020B0502040204020203" pitchFamily="34" charset="0"/>
+                <a:cs typeface="Segoe UI" panose="020B0502040204020203" pitchFamily="34" charset="0"/>
+                <a:hlinkClick r:id="rId2"/>
+              </a:rPr>
+              <a:t>Corporate</a:t>
+            </a:r>
+            <a:r>
+              <a:rPr lang="es-AR" dirty="0" smtClean="0">
+                <a:latin typeface="Segoe UI" panose="020B0502040204020203" pitchFamily="34" charset="0"/>
+                <a:cs typeface="Segoe UI" panose="020B0502040204020203" pitchFamily="34" charset="0"/>
+                <a:hlinkClick r:id="rId2"/>
+              </a:rPr>
+              <a:t> </a:t>
+            </a:r>
+            <a:r>
+              <a:rPr lang="es-AR" dirty="0" err="1" smtClean="0">
+                <a:latin typeface="Segoe UI" panose="020B0502040204020203" pitchFamily="34" charset="0"/>
+                <a:cs typeface="Segoe UI" panose="020B0502040204020203" pitchFamily="34" charset="0"/>
+                <a:hlinkClick r:id="rId2"/>
+              </a:rPr>
+              <a:t>Invention</a:t>
+            </a:r>
+            <a:r>
+              <a:rPr lang="es-AR" dirty="0" smtClean="0">
+                <a:latin typeface="Segoe UI" panose="020B0502040204020203" pitchFamily="34" charset="0"/>
+                <a:cs typeface="Segoe UI" panose="020B0502040204020203" pitchFamily="34" charset="0"/>
+                <a:hlinkClick r:id="rId2"/>
+              </a:rPr>
+              <a:t> </a:t>
+            </a:r>
+            <a:r>
+              <a:rPr lang="es-AR" dirty="0" err="1" smtClean="0">
+                <a:latin typeface="Segoe UI" panose="020B0502040204020203" pitchFamily="34" charset="0"/>
+                <a:cs typeface="Segoe UI" panose="020B0502040204020203" pitchFamily="34" charset="0"/>
+                <a:hlinkClick r:id="rId2"/>
+              </a:rPr>
+              <a:t>Board</a:t>
+            </a:r>
+            <a:r>
+              <a:rPr lang="es-AR" dirty="0" smtClean="0">
+                <a:latin typeface="Segoe UI" panose="020B0502040204020203" pitchFamily="34" charset="0"/>
+                <a:cs typeface="Segoe UI" panose="020B0502040204020203" pitchFamily="34" charset="0"/>
+              </a:rPr>
+              <a:t>, 2013</a:t>
+            </a:r>
+            <a:endParaRPr lang="en-US" dirty="0">
+              <a:latin typeface="Segoe UI" panose="020B0502040204020203" pitchFamily="34" charset="0"/>
+              <a:cs typeface="Segoe UI" panose="020B0502040204020203" pitchFamily="34" charset="0"/>
+            </a:endParaRPr>
+          </a:p>
+        </p:txBody>
+      </p:sp>
+      <p:pic>
+        <p:nvPicPr>
+          <p:cNvPr id="2050" name="Picture 2" descr="C:\Users\MIPARN~1\AppData\Local\Temp\SNAGHTML5cb90bb7.PNG"/>
+          <p:cNvPicPr>
+            <a:picLocks noChangeAspect="1" noChangeArrowheads="1"/>
+          </p:cNvPicPr>
+          <p:nvPr/>
+        </p:nvPicPr>
+        <p:blipFill>
+          <a:blip r:embed="rId3">
+            <a:extLst>
+              <a:ext uri="{28A0092B-C50C-407E-A947-70E740481C1C}">
+                <a14:useLocalDpi xmlns:a14="http://schemas.microsoft.com/office/drawing/2010/main" val="0"/>
+              </a:ext>
+            </a:extLst>
+          </a:blip>
+          <a:srcRect/>
+          <a:stretch>
+            <a:fillRect/>
+          </a:stretch>
+        </p:blipFill>
+        <p:spPr bwMode="auto">
+          <a:xfrm>
+            <a:off x="3142084" y="2616110"/>
+            <a:ext cx="5474643" cy="3402856"/>
+          </a:xfrm>
+          <a:prstGeom prst="rect">
+            <a:avLst/>
+          </a:prstGeom>
+          <a:noFill/>
+          <a:extLst>
+            <a:ext uri="{909E8E84-426E-40DD-AFC4-6F175D3DCCD1}">
+              <a14:hiddenFill xmlns:a14="http://schemas.microsoft.com/office/drawing/2010/main">
+                <a:solidFill>
+                  <a:srgbClr val="FFFFFF"/>
+                </a:solidFill>
+              </a14:hiddenFill>
+            </a:ext>
+          </a:extLst>
+        </p:spPr>
+      </p:pic>
+    </p:spTree>
+    <p:extLst>
+      <p:ext uri="{BB962C8B-B14F-4D97-AF65-F5344CB8AC3E}">
+        <p14:creationId xmlns:p14="http://schemas.microsoft.com/office/powerpoint/2010/main" val="1574490164"/>
+      </p:ext>
+    </p:extLst>
+  </p:cSld>
+  <p:clrMapOvr>
+    <a:masterClrMapping/>
+  </p:clrMapOvr>
+  <mc:AlternateContent xmlns:mc="http://schemas.openxmlformats.org/markup-compatibility/2006" xmlns:p14="http://schemas.microsoft.com/office/powerpoint/2010/main">
+    <mc:Choice Requires="p14">
+      <p:transition spd="med" p14:dur="700">
+        <p:fade/>
+      </p:transition>
+    </mc:Choice>
+    <mc:Fallback xmlns="">
+      <p:transition spd="med">
+        <p:fade/>
+      </p:transition>
+    </mc:Fallback>
+  </mc:AlternateContent>
+  <p:timing>
+    <p:tnLst>
+      <p:par>
+        <p:cTn id="1" dur="indefinite" restart="never" nodeType="tmRoot"/>
+      </p:par>
+    </p:tnLst>
+  </p:timing>
+</p:sld>
+</file>
+
+<file path=ppt/slides/slide11.xml><?xml version="1.0" encoding="utf-8"?>
+<p:sld xmlns:a="http://schemas.openxmlformats.org/drawingml/2006/main" xmlns:r="http://schemas.openxmlformats.org/officeDocument/2006/relationships" xmlns:p="http://schemas.openxmlformats.org/presentationml/2006/main">
+  <p:cSld>
+    <p:spTree>
+      <p:nvGrpSpPr>
+        <p:cNvPr id="1" name=""/>
+        <p:cNvGrpSpPr/>
+        <p:nvPr/>
+      </p:nvGrpSpPr>
+      <p:grpSpPr>
+        <a:xfrm>
+          <a:off x="0" y="0"/>
+          <a:ext cx="0" cy="0"/>
+          <a:chOff x="0" y="0"/>
+          <a:chExt cx="0" cy="0"/>
+        </a:xfrm>
+      </p:grpSpPr>
+      <p:sp>
+        <p:nvSpPr>
           <p:cNvPr id="3" name="Title 2"/>
           <p:cNvSpPr>
             <a:spLocks noGrp="1"/>
@@ -5454,8 +7022,30 @@
                 <a:latin typeface="Segoe UI" panose="020B0502040204020203" pitchFamily="34" charset="0"/>
                 <a:cs typeface="Segoe UI" panose="020B0502040204020203" pitchFamily="34" charset="0"/>
               </a:rPr>
-              <a:t>Tipos de controles</a:t>
-            </a:r>
+              <a:t>Tipos de </a:t>
+            </a:r>
+            <a:r>
+              <a:rPr lang="es-AR" dirty="0" smtClean="0">
+                <a:latin typeface="Segoe UI" panose="020B0502040204020203" pitchFamily="34" charset="0"/>
+                <a:cs typeface="Segoe UI" panose="020B0502040204020203" pitchFamily="34" charset="0"/>
+              </a:rPr>
+              <a:t>controles</a:t>
+            </a:r>
+          </a:p>
+          <a:p>
+            <a:r>
+              <a:rPr lang="es-AR" dirty="0">
+                <a:latin typeface="Segoe UI" panose="020B0502040204020203" pitchFamily="34" charset="0"/>
+                <a:cs typeface="Segoe UI" panose="020B0502040204020203" pitchFamily="34" charset="0"/>
+              </a:rPr>
+              <a:t>(COMPLETAR)</a:t>
+            </a:r>
+            <a:endParaRPr lang="en-US" dirty="0">
+              <a:latin typeface="Segoe UI" panose="020B0502040204020203" pitchFamily="34" charset="0"/>
+              <a:cs typeface="Segoe UI" panose="020B0502040204020203" pitchFamily="34" charset="0"/>
+            </a:endParaRPr>
+          </a:p>
+          <a:p>
             <a:endParaRPr lang="en-US" dirty="0">
               <a:latin typeface="Segoe UI" panose="020B0502040204020203" pitchFamily="34" charset="0"/>
               <a:cs typeface="Segoe UI" panose="020B0502040204020203" pitchFamily="34" charset="0"/>
@@ -5541,10 +7131,6 @@
               </a:rPr>
               <a:t> XIX</a:t>
             </a:r>
-            <a:endParaRPr lang="en-US" dirty="0">
-              <a:latin typeface="Segoe UI" panose="020B0502040204020203" pitchFamily="34" charset="0"/>
-              <a:cs typeface="Segoe UI" panose="020B0502040204020203" pitchFamily="34" charset="0"/>
-            </a:endParaRPr>
           </a:p>
         </p:txBody>
       </p:sp>
@@ -5563,6 +7149,13 @@
           <a:bodyPr/>
           <a:lstStyle/>
           <a:p>
+            <a:r>
+              <a:rPr lang="es-AR" dirty="0" smtClean="0">
+                <a:latin typeface="Segoe UI" panose="020B0502040204020203" pitchFamily="34" charset="0"/>
+                <a:cs typeface="Segoe UI" panose="020B0502040204020203" pitchFamily="34" charset="0"/>
+              </a:rPr>
+              <a:t>(COMPLETAR)</a:t>
+            </a:r>
             <a:endParaRPr lang="en-US" dirty="0">
               <a:latin typeface="Segoe UI" panose="020B0502040204020203" pitchFamily="34" charset="0"/>
               <a:cs typeface="Segoe UI" panose="020B0502040204020203" pitchFamily="34" charset="0"/>
@@ -5674,7 +7267,7 @@
           <a:p>
             <a:pPr lvl="0"/>
             <a:r>
-              <a:rPr lang="es-AR" sz="3200" dirty="0" smtClean="0">
+              <a:rPr lang="es-AR" dirty="0" smtClean="0">
                 <a:latin typeface="Segoe UI" panose="020B0502040204020203" pitchFamily="34" charset="0"/>
                 <a:cs typeface="Segoe UI" panose="020B0502040204020203" pitchFamily="34" charset="0"/>
               </a:rPr>
@@ -5684,27 +7277,38 @@
           <a:p>
             <a:pPr lvl="1"/>
             <a:r>
-              <a:rPr lang="es-AR" sz="2800" dirty="0" smtClean="0">
+              <a:rPr lang="es-AR" dirty="0" smtClean="0">
                 <a:latin typeface="Segoe UI" panose="020B0502040204020203" pitchFamily="34" charset="0"/>
                 <a:cs typeface="Segoe UI" panose="020B0502040204020203" pitchFamily="34" charset="0"/>
               </a:rPr>
               <a:t>Nuevos desafíos: </a:t>
             </a:r>
-          </a:p>
-          <a:p>
-            <a:pPr lvl="2"/>
-            <a:r>
-              <a:rPr lang="es-AR" sz="2600" dirty="0" smtClean="0">
-                <a:latin typeface="Segoe UI" panose="020B0502040204020203" pitchFamily="34" charset="0"/>
-                <a:cs typeface="Segoe UI" panose="020B0502040204020203" pitchFamily="34" charset="0"/>
-              </a:rPr>
-              <a:t>Manejar y procesar información de diversa índole, en grandes cantidades, a alta velocidad</a:t>
+            <a:r>
+              <a:rPr lang="es-AR" dirty="0">
+                <a:latin typeface="Segoe UI" panose="020B0502040204020203" pitchFamily="34" charset="0"/>
+                <a:cs typeface="Segoe UI" panose="020B0502040204020203" pitchFamily="34" charset="0"/>
+              </a:rPr>
+              <a:t>m</a:t>
+            </a:r>
+            <a:r>
+              <a:rPr lang="es-AR" dirty="0" smtClean="0">
+                <a:latin typeface="Segoe UI" panose="020B0502040204020203" pitchFamily="34" charset="0"/>
+                <a:cs typeface="Segoe UI" panose="020B0502040204020203" pitchFamily="34" charset="0"/>
+              </a:rPr>
+              <a:t>anejar </a:t>
+            </a:r>
+            <a:r>
+              <a:rPr lang="es-AR" dirty="0" smtClean="0">
+                <a:latin typeface="Segoe UI" panose="020B0502040204020203" pitchFamily="34" charset="0"/>
+                <a:cs typeface="Segoe UI" panose="020B0502040204020203" pitchFamily="34" charset="0"/>
+              </a:rPr>
+              <a:t>y procesar información de diversa índole, en grandes cantidades, a alta velocidad</a:t>
             </a:r>
           </a:p>
           <a:p>
             <a:pPr lvl="0"/>
             <a:r>
-              <a:rPr lang="es-AR" sz="3200" dirty="0" smtClean="0">
+              <a:rPr lang="es-AR" dirty="0" smtClean="0">
                 <a:latin typeface="Segoe UI" panose="020B0502040204020203" pitchFamily="34" charset="0"/>
                 <a:cs typeface="Segoe UI" panose="020B0502040204020203" pitchFamily="34" charset="0"/>
               </a:rPr>
@@ -5714,12 +7318,33 @@
           <a:p>
             <a:pPr lvl="1"/>
             <a:r>
-              <a:rPr lang="es-AR" sz="2800" dirty="0" smtClean="0">
-                <a:latin typeface="Segoe UI" panose="020B0502040204020203" pitchFamily="34" charset="0"/>
-                <a:cs typeface="Segoe UI" panose="020B0502040204020203" pitchFamily="34" charset="0"/>
-              </a:rPr>
-              <a:t>Información personal, datos médicos, datos financieros</a:t>
-            </a:r>
+              <a:rPr lang="es-AR" dirty="0" smtClean="0">
+                <a:latin typeface="Segoe UI" panose="020B0502040204020203" pitchFamily="34" charset="0"/>
+                <a:cs typeface="Segoe UI" panose="020B0502040204020203" pitchFamily="34" charset="0"/>
+              </a:rPr>
+              <a:t>Información personal, datos médicos, datos </a:t>
+            </a:r>
+            <a:r>
+              <a:rPr lang="es-AR" dirty="0" smtClean="0">
+                <a:latin typeface="Segoe UI" panose="020B0502040204020203" pitchFamily="34" charset="0"/>
+                <a:cs typeface="Segoe UI" panose="020B0502040204020203" pitchFamily="34" charset="0"/>
+              </a:rPr>
+              <a:t>financieros</a:t>
+            </a:r>
+          </a:p>
+          <a:p>
+            <a:pPr lvl="1"/>
+            <a:r>
+              <a:rPr lang="es-AR" dirty="0" smtClean="0">
+                <a:latin typeface="Segoe UI" panose="020B0502040204020203" pitchFamily="34" charset="0"/>
+                <a:cs typeface="Segoe UI" panose="020B0502040204020203" pitchFamily="34" charset="0"/>
+              </a:rPr>
+              <a:t>Espionaje informático</a:t>
+            </a:r>
+            <a:endParaRPr lang="es-AR" dirty="0" smtClean="0">
+              <a:latin typeface="Segoe UI" panose="020B0502040204020203" pitchFamily="34" charset="0"/>
+              <a:cs typeface="Segoe UI" panose="020B0502040204020203" pitchFamily="34" charset="0"/>
+            </a:endParaRPr>
           </a:p>
         </p:txBody>
       </p:sp>
@@ -5799,7 +7424,14 @@
                 <a:latin typeface="Segoe UI" panose="020B0502040204020203" pitchFamily="34" charset="0"/>
                 <a:cs typeface="Segoe UI" panose="020B0502040204020203" pitchFamily="34" charset="0"/>
               </a:rPr>
-              <a:t> XXI - </a:t>
+              <a:t> XXI </a:t>
+            </a:r>
+            <a:r>
+              <a:rPr lang="en-US" dirty="0" smtClean="0">
+                <a:latin typeface="Segoe UI" panose="020B0502040204020203" pitchFamily="34" charset="0"/>
+                <a:cs typeface="Segoe UI" panose="020B0502040204020203" pitchFamily="34" charset="0"/>
+              </a:rPr>
+              <a:t>– </a:t>
             </a:r>
             <a:r>
               <a:rPr lang="en-US" dirty="0" err="1" smtClean="0">
@@ -5807,6 +7439,20 @@
                 <a:cs typeface="Segoe UI" panose="020B0502040204020203" pitchFamily="34" charset="0"/>
               </a:rPr>
               <a:t>Eventos</a:t>
+            </a:r>
+            <a:r>
+              <a:rPr lang="en-US" dirty="0" smtClean="0">
+                <a:latin typeface="Segoe UI" panose="020B0502040204020203" pitchFamily="34" charset="0"/>
+                <a:cs typeface="Segoe UI" panose="020B0502040204020203" pitchFamily="34" charset="0"/>
+              </a:rPr>
+              <a:t> </a:t>
+            </a:r>
+            <a:r>
+              <a:rPr lang="en-US" dirty="0" err="1" smtClean="0">
+                <a:latin typeface="Segoe UI" panose="020B0502040204020203" pitchFamily="34" charset="0"/>
+                <a:cs typeface="Segoe UI" panose="020B0502040204020203" pitchFamily="34" charset="0"/>
+              </a:rPr>
+              <a:t>tecnológicos</a:t>
             </a:r>
             <a:endParaRPr lang="en-US" dirty="0">
               <a:latin typeface="Segoe UI" panose="020B0502040204020203" pitchFamily="34" charset="0"/>
@@ -5879,18 +7525,11 @@
               <a:t> y </a:t>
             </a:r>
             <a:r>
-              <a:rPr lang="es-AR" sz="1800" b="1" dirty="0">
+              <a:rPr lang="es-AR" sz="1800" b="1" dirty="0" smtClean="0">
                 <a:latin typeface="Segoe UI" panose="020B0502040204020203" pitchFamily="34" charset="0"/>
                 <a:cs typeface="Segoe UI" panose="020B0502040204020203" pitchFamily="34" charset="0"/>
               </a:rPr>
               <a:t>Facebook</a:t>
-            </a:r>
-            <a:r>
-              <a:rPr lang="es-AR" sz="1800" dirty="0">
-                <a:latin typeface="Segoe UI" panose="020B0502040204020203" pitchFamily="34" charset="0"/>
-                <a:cs typeface="Segoe UI" panose="020B0502040204020203" pitchFamily="34" charset="0"/>
-              </a:rPr>
-              <a:t>.</a:t>
             </a:r>
             <a:endParaRPr lang="en-US" sz="1800" dirty="0">
               <a:latin typeface="Segoe UI" panose="020B0502040204020203" pitchFamily="34" charset="0"/>
@@ -5931,18 +7570,11 @@
               <a:t>: Nace </a:t>
             </a:r>
             <a:r>
-              <a:rPr lang="es-AR" sz="1800" b="1" dirty="0">
+              <a:rPr lang="es-AR" sz="1800" b="1" dirty="0" smtClean="0">
                 <a:latin typeface="Segoe UI" panose="020B0502040204020203" pitchFamily="34" charset="0"/>
                 <a:cs typeface="Segoe UI" panose="020B0502040204020203" pitchFamily="34" charset="0"/>
               </a:rPr>
               <a:t>WikiLeaks</a:t>
-            </a:r>
-            <a:r>
-              <a:rPr lang="es-AR" sz="1800" dirty="0">
-                <a:latin typeface="Segoe UI" panose="020B0502040204020203" pitchFamily="34" charset="0"/>
-                <a:cs typeface="Segoe UI" panose="020B0502040204020203" pitchFamily="34" charset="0"/>
-              </a:rPr>
-              <a:t>, </a:t>
             </a:r>
             <a:endParaRPr lang="es-AR" sz="1800" dirty="0" smtClean="0">
               <a:latin typeface="Segoe UI" panose="020B0502040204020203" pitchFamily="34" charset="0"/>
@@ -5966,18 +7598,39 @@
               <a:t>: Apple lanza el teléfono </a:t>
             </a:r>
             <a:r>
-              <a:rPr lang="es-AR" sz="1800" b="1" dirty="0">
+              <a:rPr lang="es-AR" sz="1800" b="1" dirty="0" smtClean="0">
                 <a:latin typeface="Segoe UI" panose="020B0502040204020203" pitchFamily="34" charset="0"/>
                 <a:cs typeface="Segoe UI" panose="020B0502040204020203" pitchFamily="34" charset="0"/>
               </a:rPr>
               <a:t>iPhone</a:t>
             </a:r>
-            <a:r>
-              <a:rPr lang="es-AR" sz="1800" dirty="0">
-                <a:latin typeface="Segoe UI" panose="020B0502040204020203" pitchFamily="34" charset="0"/>
-                <a:cs typeface="Segoe UI" panose="020B0502040204020203" pitchFamily="34" charset="0"/>
-              </a:rPr>
-              <a:t>.</a:t>
+            <a:endParaRPr lang="es-AR" sz="1800" dirty="0" smtClean="0">
+              <a:latin typeface="Segoe UI" panose="020B0502040204020203" pitchFamily="34" charset="0"/>
+              <a:cs typeface="Segoe UI" panose="020B0502040204020203" pitchFamily="34" charset="0"/>
+            </a:endParaRPr>
+          </a:p>
+          <a:p>
+            <a:pPr lvl="0"/>
+            <a:r>
+              <a:rPr lang="es-AR" sz="1800" dirty="0" smtClean="0">
+                <a:latin typeface="Segoe UI" panose="020B0502040204020203" pitchFamily="34" charset="0"/>
+                <a:cs typeface="Segoe UI" panose="020B0502040204020203" pitchFamily="34" charset="0"/>
+              </a:rPr>
+              <a:t>2012: Activación del gran colisionador de Hadrones (la “</a:t>
+            </a:r>
+            <a:r>
+              <a:rPr lang="es-AR" sz="1800" b="1" dirty="0" smtClean="0">
+                <a:latin typeface="Segoe UI" panose="020B0502040204020203" pitchFamily="34" charset="0"/>
+                <a:cs typeface="Segoe UI" panose="020B0502040204020203" pitchFamily="34" charset="0"/>
+              </a:rPr>
+              <a:t>máquina de Dios</a:t>
+            </a:r>
+            <a:r>
+              <a:rPr lang="es-AR" sz="1800" dirty="0" smtClean="0">
+                <a:latin typeface="Segoe UI" panose="020B0502040204020203" pitchFamily="34" charset="0"/>
+                <a:cs typeface="Segoe UI" panose="020B0502040204020203" pitchFamily="34" charset="0"/>
+              </a:rPr>
+              <a:t>”)</a:t>
             </a:r>
             <a:endParaRPr lang="en-US" sz="1800" dirty="0">
               <a:latin typeface="Segoe UI" panose="020B0502040204020203" pitchFamily="34" charset="0"/>
@@ -6040,9 +7693,47 @@
                 <a:latin typeface="Segoe UI" panose="020B0502040204020203" pitchFamily="34" charset="0"/>
                 <a:cs typeface="Segoe UI" panose="020B0502040204020203" pitchFamily="34" charset="0"/>
               </a:rPr>
-              <a:t>un acuerdo de patentes entre Apple y Nokia.</a:t>
-            </a:r>
-            <a:endParaRPr lang="en-US" sz="1800" dirty="0">
+              <a:t>un acuerdo de patentes entre Apple y Nokia</a:t>
+            </a:r>
+            <a:r>
+              <a:rPr lang="es-AR" sz="1800" dirty="0" smtClean="0">
+                <a:latin typeface="Segoe UI" panose="020B0502040204020203" pitchFamily="34" charset="0"/>
+                <a:cs typeface="Segoe UI" panose="020B0502040204020203" pitchFamily="34" charset="0"/>
+              </a:rPr>
+              <a:t>.</a:t>
+            </a:r>
+          </a:p>
+          <a:p>
+            <a:pPr lvl="1"/>
+            <a:r>
+              <a:rPr lang="es-AR" sz="1400" dirty="0" smtClean="0">
+                <a:latin typeface="Segoe UI" panose="020B0502040204020203" pitchFamily="34" charset="0"/>
+                <a:cs typeface="Segoe UI" panose="020B0502040204020203" pitchFamily="34" charset="0"/>
+              </a:rPr>
+              <a:t>Se publican secretos de varios programas de la NSA (</a:t>
+            </a:r>
+            <a:r>
+              <a:rPr lang="es-AR" sz="1400" i="1" dirty="0" err="1" smtClean="0">
+                <a:latin typeface="Segoe UI" panose="020B0502040204020203" pitchFamily="34" charset="0"/>
+                <a:cs typeface="Segoe UI" panose="020B0502040204020203" pitchFamily="34" charset="0"/>
+              </a:rPr>
+              <a:t>National</a:t>
+            </a:r>
+            <a:r>
+              <a:rPr lang="es-AR" sz="1400" i="1" dirty="0" smtClean="0">
+                <a:latin typeface="Segoe UI" panose="020B0502040204020203" pitchFamily="34" charset="0"/>
+                <a:cs typeface="Segoe UI" panose="020B0502040204020203" pitchFamily="34" charset="0"/>
+              </a:rPr>
+              <a:t> Security Agency</a:t>
+            </a:r>
+            <a:r>
+              <a:rPr lang="es-AR" sz="1400" dirty="0" smtClean="0">
+                <a:latin typeface="Segoe UI" panose="020B0502040204020203" pitchFamily="34" charset="0"/>
+                <a:cs typeface="Segoe UI" panose="020B0502040204020203" pitchFamily="34" charset="0"/>
+              </a:rPr>
+              <a:t>)</a:t>
+            </a:r>
+            <a:endParaRPr lang="en-US" sz="1400" dirty="0">
               <a:latin typeface="Segoe UI" panose="020B0502040204020203" pitchFamily="34" charset="0"/>
               <a:cs typeface="Segoe UI" panose="020B0502040204020203" pitchFamily="34" charset="0"/>
             </a:endParaRPr>
@@ -6222,11 +7913,94 @@
           <a:lstStyle/>
           <a:p>
             <a:r>
+              <a:rPr lang="es-AR" dirty="0" smtClean="0">
+                <a:latin typeface="Segoe UI" panose="020B0502040204020203" pitchFamily="34" charset="0"/>
+                <a:cs typeface="Segoe UI" panose="020B0502040204020203" pitchFamily="34" charset="0"/>
+              </a:rPr>
+              <a:t>Registro de patentes</a:t>
+            </a:r>
+          </a:p>
+          <a:p>
+            <a:r>
+              <a:rPr lang="es-AR" dirty="0" smtClean="0">
+                <a:latin typeface="Segoe UI" panose="020B0502040204020203" pitchFamily="34" charset="0"/>
+                <a:cs typeface="Segoe UI" panose="020B0502040204020203" pitchFamily="34" charset="0"/>
+              </a:rPr>
+              <a:t>Controles informáticos</a:t>
+            </a:r>
+          </a:p>
+          <a:p>
+            <a:pPr lvl="1"/>
+            <a:r>
               <a:rPr lang="es-AR" sz="1800" dirty="0" smtClean="0">
                 <a:latin typeface="Segoe UI" panose="020B0502040204020203" pitchFamily="34" charset="0"/>
                 <a:cs typeface="Segoe UI" panose="020B0502040204020203" pitchFamily="34" charset="0"/>
               </a:rPr>
-              <a:t>Controles informáticos</a:t>
+              <a:t>Software desarrollado siguiendo estándares de seguridad (criptografía)</a:t>
+            </a:r>
+          </a:p>
+          <a:p>
+            <a:pPr lvl="1"/>
+            <a:r>
+              <a:rPr lang="es-AR" sz="1800" dirty="0" smtClean="0">
+                <a:latin typeface="Segoe UI" panose="020B0502040204020203" pitchFamily="34" charset="0"/>
+                <a:cs typeface="Segoe UI" panose="020B0502040204020203" pitchFamily="34" charset="0"/>
+              </a:rPr>
+              <a:t>Controles físicos sobre el hardware</a:t>
+            </a:r>
+          </a:p>
+          <a:p>
+            <a:pPr lvl="1"/>
+            <a:r>
+              <a:rPr lang="es-AR" sz="1800" dirty="0" smtClean="0">
+                <a:latin typeface="Segoe UI" panose="020B0502040204020203" pitchFamily="34" charset="0"/>
+                <a:cs typeface="Segoe UI" panose="020B0502040204020203" pitchFamily="34" charset="0"/>
+              </a:rPr>
+              <a:t>Políticas de contraseñas y perfiles de usuario</a:t>
+            </a:r>
+          </a:p>
+          <a:p>
+            <a:pPr lvl="1"/>
+            <a:r>
+              <a:rPr lang="es-AR" sz="1800" dirty="0" smtClean="0">
+                <a:latin typeface="Segoe UI" panose="020B0502040204020203" pitchFamily="34" charset="0"/>
+                <a:cs typeface="Segoe UI" panose="020B0502040204020203" pitchFamily="34" charset="0"/>
+              </a:rPr>
+              <a:t>Monitoreo de tráfico en las redes</a:t>
+            </a:r>
+          </a:p>
+          <a:p>
+            <a:pPr lvl="1"/>
+            <a:r>
+              <a:rPr lang="es-AR" sz="1800" dirty="0" smtClean="0">
+                <a:latin typeface="Segoe UI" panose="020B0502040204020203" pitchFamily="34" charset="0"/>
+                <a:cs typeface="Segoe UI" panose="020B0502040204020203" pitchFamily="34" charset="0"/>
+              </a:rPr>
+              <a:t>Uso de software de protección</a:t>
+            </a:r>
+          </a:p>
+          <a:p>
+            <a:pPr lvl="1"/>
+            <a:r>
+              <a:rPr lang="es-AR" sz="1800" dirty="0" smtClean="0">
+                <a:latin typeface="Segoe UI" panose="020B0502040204020203" pitchFamily="34" charset="0"/>
+                <a:cs typeface="Segoe UI" panose="020B0502040204020203" pitchFamily="34" charset="0"/>
+              </a:rPr>
+              <a:t>Creación de </a:t>
+            </a:r>
+            <a:r>
+              <a:rPr lang="es-AR" sz="1800" dirty="0" err="1" smtClean="0">
+                <a:latin typeface="Segoe UI" panose="020B0502040204020203" pitchFamily="34" charset="0"/>
+                <a:cs typeface="Segoe UI" panose="020B0502040204020203" pitchFamily="34" charset="0"/>
+              </a:rPr>
+              <a:t>backups</a:t>
+            </a:r>
+            <a:r>
+              <a:rPr lang="es-AR" sz="1800" dirty="0" smtClean="0">
+                <a:latin typeface="Segoe UI" panose="020B0502040204020203" pitchFamily="34" charset="0"/>
+                <a:cs typeface="Segoe UI" panose="020B0502040204020203" pitchFamily="34" charset="0"/>
+              </a:rPr>
+              <a:t> periódicos</a:t>
             </a:r>
             <a:endParaRPr lang="en-US" sz="1800" dirty="0">
               <a:latin typeface="Segoe UI" panose="020B0502040204020203" pitchFamily="34" charset="0"/>
@@ -6268,6 +8042,197 @@
 </file>
 
 <file path=ppt/slides/slide8.xml><?xml version="1.0" encoding="utf-8"?>
+<p:sld xmlns:a="http://schemas.openxmlformats.org/drawingml/2006/main" xmlns:r="http://schemas.openxmlformats.org/officeDocument/2006/relationships" xmlns:p="http://schemas.openxmlformats.org/presentationml/2006/main">
+  <p:cSld>
+    <p:spTree>
+      <p:nvGrpSpPr>
+        <p:cNvPr id="1" name=""/>
+        <p:cNvGrpSpPr/>
+        <p:nvPr/>
+      </p:nvGrpSpPr>
+      <p:grpSpPr>
+        <a:xfrm>
+          <a:off x="0" y="0"/>
+          <a:ext cx="0" cy="0"/>
+          <a:chOff x="0" y="0"/>
+          <a:chExt cx="0" cy="0"/>
+        </a:xfrm>
+      </p:grpSpPr>
+      <p:sp>
+        <p:nvSpPr>
+          <p:cNvPr id="13" name="Title 12"/>
+          <p:cNvSpPr>
+            <a:spLocks noGrp="1"/>
+          </p:cNvSpPr>
+          <p:nvPr>
+            <p:ph type="title"/>
+          </p:nvPr>
+        </p:nvSpPr>
+        <p:spPr/>
+        <p:txBody>
+          <a:bodyPr>
+            <a:normAutofit/>
+          </a:bodyPr>
+          <a:lstStyle/>
+          <a:p>
+            <a:r>
+              <a:rPr lang="en-US" sz="3200" dirty="0" err="1" smtClean="0">
+                <a:latin typeface="Segoe UI" panose="020B0502040204020203" pitchFamily="34" charset="0"/>
+                <a:cs typeface="Segoe UI" panose="020B0502040204020203" pitchFamily="34" charset="0"/>
+              </a:rPr>
+              <a:t>Siglo</a:t>
+            </a:r>
+            <a:r>
+              <a:rPr lang="en-US" sz="3200" dirty="0" smtClean="0">
+                <a:latin typeface="Segoe UI" panose="020B0502040204020203" pitchFamily="34" charset="0"/>
+                <a:cs typeface="Segoe UI" panose="020B0502040204020203" pitchFamily="34" charset="0"/>
+              </a:rPr>
+              <a:t> XXI – </a:t>
+            </a:r>
+            <a:r>
+              <a:rPr lang="en-US" sz="3200" dirty="0" err="1" smtClean="0">
+                <a:latin typeface="Segoe UI" panose="020B0502040204020203" pitchFamily="34" charset="0"/>
+                <a:cs typeface="Segoe UI" panose="020B0502040204020203" pitchFamily="34" charset="0"/>
+              </a:rPr>
+              <a:t>Mecanismos</a:t>
+            </a:r>
+            <a:r>
+              <a:rPr lang="en-US" sz="3200" dirty="0" smtClean="0">
+                <a:latin typeface="Segoe UI" panose="020B0502040204020203" pitchFamily="34" charset="0"/>
+                <a:cs typeface="Segoe UI" panose="020B0502040204020203" pitchFamily="34" charset="0"/>
+              </a:rPr>
+              <a:t> de </a:t>
+            </a:r>
+            <a:r>
+              <a:rPr lang="en-US" sz="3200" dirty="0" err="1" smtClean="0">
+                <a:latin typeface="Segoe UI" panose="020B0502040204020203" pitchFamily="34" charset="0"/>
+                <a:cs typeface="Segoe UI" panose="020B0502040204020203" pitchFamily="34" charset="0"/>
+              </a:rPr>
+              <a:t>defensa</a:t>
+            </a:r>
+            <a:r>
+              <a:rPr lang="en-US" sz="3200" dirty="0" smtClean="0">
+                <a:latin typeface="Segoe UI" panose="020B0502040204020203" pitchFamily="34" charset="0"/>
+                <a:cs typeface="Segoe UI" panose="020B0502040204020203" pitchFamily="34" charset="0"/>
+              </a:rPr>
+              <a:t> (cont.)</a:t>
+            </a:r>
+            <a:endParaRPr lang="en-US" sz="3200" dirty="0">
+              <a:latin typeface="Segoe UI" panose="020B0502040204020203" pitchFamily="34" charset="0"/>
+              <a:cs typeface="Segoe UI" panose="020B0502040204020203" pitchFamily="34" charset="0"/>
+            </a:endParaRPr>
+          </a:p>
+        </p:txBody>
+      </p:sp>
+      <p:sp>
+        <p:nvSpPr>
+          <p:cNvPr id="2" name="Content Placeholder 1"/>
+          <p:cNvSpPr>
+            <a:spLocks noGrp="1"/>
+          </p:cNvSpPr>
+          <p:nvPr>
+            <p:ph idx="1"/>
+          </p:nvPr>
+        </p:nvSpPr>
+        <p:spPr/>
+        <p:txBody>
+          <a:bodyPr>
+            <a:noAutofit/>
+          </a:bodyPr>
+          <a:lstStyle/>
+          <a:p>
+            <a:r>
+              <a:rPr lang="es-AR" dirty="0">
+                <a:latin typeface="Segoe UI" panose="020B0502040204020203" pitchFamily="34" charset="0"/>
+                <a:cs typeface="Segoe UI" panose="020B0502040204020203" pitchFamily="34" charset="0"/>
+              </a:rPr>
+              <a:t>Auditoría de </a:t>
+            </a:r>
+            <a:r>
+              <a:rPr lang="es-AR" dirty="0" smtClean="0">
+                <a:latin typeface="Segoe UI" panose="020B0502040204020203" pitchFamily="34" charset="0"/>
+                <a:cs typeface="Segoe UI" panose="020B0502040204020203" pitchFamily="34" charset="0"/>
+              </a:rPr>
+              <a:t>operaciones</a:t>
+            </a:r>
+          </a:p>
+          <a:p>
+            <a:r>
+              <a:rPr lang="es-AR" dirty="0" smtClean="0">
+                <a:latin typeface="Segoe UI" panose="020B0502040204020203" pitchFamily="34" charset="0"/>
+                <a:cs typeface="Segoe UI" panose="020B0502040204020203" pitchFamily="34" charset="0"/>
+              </a:rPr>
+              <a:t>Normas de control</a:t>
+            </a:r>
+          </a:p>
+          <a:p>
+            <a:pPr lvl="1"/>
+            <a:r>
+              <a:rPr lang="es-AR" sz="1800" dirty="0" smtClean="0">
+                <a:latin typeface="Segoe UI" panose="020B0502040204020203" pitchFamily="34" charset="0"/>
+                <a:cs typeface="Segoe UI" panose="020B0502040204020203" pitchFamily="34" charset="0"/>
+              </a:rPr>
+              <a:t>Normas ISO 2700, especialmente </a:t>
+            </a:r>
+            <a:r>
+              <a:rPr lang="es-AR" sz="1800" dirty="0">
+                <a:latin typeface="Segoe UI" panose="020B0502040204020203" pitchFamily="34" charset="0"/>
+                <a:cs typeface="Segoe UI" panose="020B0502040204020203" pitchFamily="34" charset="0"/>
+              </a:rPr>
+              <a:t>dedicada a seguridad de la </a:t>
+            </a:r>
+            <a:r>
+              <a:rPr lang="es-AR" sz="1800" dirty="0" smtClean="0">
+                <a:latin typeface="Segoe UI" panose="020B0502040204020203" pitchFamily="34" charset="0"/>
+                <a:cs typeface="Segoe UI" panose="020B0502040204020203" pitchFamily="34" charset="0"/>
+              </a:rPr>
+              <a:t>información</a:t>
+            </a:r>
+          </a:p>
+          <a:p>
+            <a:r>
+              <a:rPr lang="es-AR" sz="2200" dirty="0" smtClean="0">
+                <a:latin typeface="Segoe UI" panose="020B0502040204020203" pitchFamily="34" charset="0"/>
+                <a:cs typeface="Segoe UI" panose="020B0502040204020203" pitchFamily="34" charset="0"/>
+              </a:rPr>
+              <a:t>Uso de nombres en clave para los proyectos tecnológicos</a:t>
+            </a:r>
+          </a:p>
+        </p:txBody>
+      </p:sp>
+    </p:spTree>
+    <p:extLst>
+      <p:ext uri="{BB962C8B-B14F-4D97-AF65-F5344CB8AC3E}">
+        <p14:creationId xmlns:p14="http://schemas.microsoft.com/office/powerpoint/2010/main" val="3374507202"/>
+      </p:ext>
+    </p:extLst>
+  </p:cSld>
+  <p:clrMapOvr>
+    <a:masterClrMapping/>
+  </p:clrMapOvr>
+  <mc:AlternateContent xmlns:mc="http://schemas.openxmlformats.org/markup-compatibility/2006" xmlns:p14="http://schemas.microsoft.com/office/powerpoint/2010/main">
+    <mc:Choice Requires="p14">
+      <p:transition spd="med" p14:dur="700">
+        <p:fade/>
+      </p:transition>
+    </mc:Choice>
+    <mc:Fallback xmlns="">
+      <p:transition spd="med">
+        <p:fade/>
+      </p:transition>
+    </mc:Fallback>
+  </mc:AlternateContent>
+  <p:timing>
+    <p:tnLst>
+      <p:par>
+        <p:cTn id="1" dur="indefinite" restart="never" nodeType="tmRoot"/>
+      </p:par>
+    </p:tnLst>
+  </p:timing>
+</p:sld>
+</file>
+
+<file path=ppt/slides/slide9.xml><?xml version="1.0" encoding="utf-8"?>
 <p:sld xmlns:a="http://schemas.openxmlformats.org/drawingml/2006/main" xmlns:r="http://schemas.openxmlformats.org/officeDocument/2006/relationships" xmlns:p="http://schemas.openxmlformats.org/presentationml/2006/main">
   <p:cSld>
     <p:spTree>
@@ -6473,264 +8438,6 @@
     <p:extLst>
       <p:ext uri="{BB962C8B-B14F-4D97-AF65-F5344CB8AC3E}">
         <p14:creationId xmlns:p14="http://schemas.microsoft.com/office/powerpoint/2010/main" val="3650545944"/>
-      </p:ext>
-    </p:extLst>
-  </p:cSld>
-  <p:clrMapOvr>
-    <a:masterClrMapping/>
-  </p:clrMapOvr>
-  <mc:AlternateContent xmlns:mc="http://schemas.openxmlformats.org/markup-compatibility/2006" xmlns:p14="http://schemas.microsoft.com/office/powerpoint/2010/main">
-    <mc:Choice Requires="p14">
-      <p:transition spd="med" p14:dur="700">
-        <p:fade/>
-      </p:transition>
-    </mc:Choice>
-    <mc:Fallback xmlns="">
-      <p:transition spd="med">
-        <p:fade/>
-      </p:transition>
-    </mc:Fallback>
-  </mc:AlternateContent>
-  <p:timing>
-    <p:tnLst>
-      <p:par>
-        <p:cTn id="1" dur="indefinite" restart="never" nodeType="tmRoot"/>
-      </p:par>
-    </p:tnLst>
-  </p:timing>
-</p:sld>
-</file>
-
-<file path=ppt/slides/slide9.xml><?xml version="1.0" encoding="utf-8"?>
-<p:sld xmlns:a="http://schemas.openxmlformats.org/drawingml/2006/main" xmlns:r="http://schemas.openxmlformats.org/officeDocument/2006/relationships" xmlns:p="http://schemas.openxmlformats.org/presentationml/2006/main">
-  <p:cSld>
-    <p:spTree>
-      <p:nvGrpSpPr>
-        <p:cNvPr id="1" name=""/>
-        <p:cNvGrpSpPr/>
-        <p:nvPr/>
-      </p:nvGrpSpPr>
-      <p:grpSpPr>
-        <a:xfrm>
-          <a:off x="0" y="0"/>
-          <a:ext cx="0" cy="0"/>
-          <a:chOff x="0" y="0"/>
-          <a:chExt cx="0" cy="0"/>
-        </a:xfrm>
-      </p:grpSpPr>
-      <p:sp>
-        <p:nvSpPr>
-          <p:cNvPr id="13" name="Title 12"/>
-          <p:cNvSpPr>
-            <a:spLocks noGrp="1"/>
-          </p:cNvSpPr>
-          <p:nvPr>
-            <p:ph type="title"/>
-          </p:nvPr>
-        </p:nvSpPr>
-        <p:spPr/>
-        <p:txBody>
-          <a:bodyPr/>
-          <a:lstStyle/>
-          <a:p>
-            <a:r>
-              <a:rPr lang="en-US" dirty="0" err="1" smtClean="0">
-                <a:latin typeface="Segoe UI" panose="020B0502040204020203" pitchFamily="34" charset="0"/>
-                <a:cs typeface="Segoe UI" panose="020B0502040204020203" pitchFamily="34" charset="0"/>
-              </a:rPr>
-              <a:t>Siglo</a:t>
-            </a:r>
-            <a:r>
-              <a:rPr lang="en-US" dirty="0" smtClean="0">
-                <a:latin typeface="Segoe UI" panose="020B0502040204020203" pitchFamily="34" charset="0"/>
-                <a:cs typeface="Segoe UI" panose="020B0502040204020203" pitchFamily="34" charset="0"/>
-              </a:rPr>
-              <a:t> XXI – </a:t>
-            </a:r>
-            <a:r>
-              <a:rPr lang="en-US" dirty="0" err="1" smtClean="0">
-                <a:latin typeface="Segoe UI" panose="020B0502040204020203" pitchFamily="34" charset="0"/>
-                <a:cs typeface="Segoe UI" panose="020B0502040204020203" pitchFamily="34" charset="0"/>
-              </a:rPr>
-              <a:t>Países</a:t>
-            </a:r>
-            <a:r>
-              <a:rPr lang="en-US" dirty="0" smtClean="0">
-                <a:latin typeface="Segoe UI" panose="020B0502040204020203" pitchFamily="34" charset="0"/>
-                <a:cs typeface="Segoe UI" panose="020B0502040204020203" pitchFamily="34" charset="0"/>
-              </a:rPr>
-              <a:t> con mayor </a:t>
-            </a:r>
-            <a:r>
-              <a:rPr lang="en-US" dirty="0" err="1" smtClean="0">
-                <a:latin typeface="Segoe UI" panose="020B0502040204020203" pitchFamily="34" charset="0"/>
-                <a:cs typeface="Segoe UI" panose="020B0502040204020203" pitchFamily="34" charset="0"/>
-              </a:rPr>
-              <a:t>cantidad</a:t>
-            </a:r>
-            <a:r>
-              <a:rPr lang="en-US" dirty="0" smtClean="0">
-                <a:latin typeface="Segoe UI" panose="020B0502040204020203" pitchFamily="34" charset="0"/>
-                <a:cs typeface="Segoe UI" panose="020B0502040204020203" pitchFamily="34" charset="0"/>
-              </a:rPr>
-              <a:t> de </a:t>
-            </a:r>
-            <a:r>
-              <a:rPr lang="en-US" dirty="0" err="1" smtClean="0">
-                <a:latin typeface="Segoe UI" panose="020B0502040204020203" pitchFamily="34" charset="0"/>
-                <a:cs typeface="Segoe UI" panose="020B0502040204020203" pitchFamily="34" charset="0"/>
-              </a:rPr>
-              <a:t>patentes</a:t>
-            </a:r>
-            <a:r>
-              <a:rPr lang="en-US" dirty="0" smtClean="0">
-                <a:latin typeface="Segoe UI" panose="020B0502040204020203" pitchFamily="34" charset="0"/>
-                <a:cs typeface="Segoe UI" panose="020B0502040204020203" pitchFamily="34" charset="0"/>
-              </a:rPr>
-              <a:t> </a:t>
-            </a:r>
-            <a:r>
-              <a:rPr lang="en-US" dirty="0" err="1" smtClean="0">
-                <a:latin typeface="Segoe UI" panose="020B0502040204020203" pitchFamily="34" charset="0"/>
-                <a:cs typeface="Segoe UI" panose="020B0502040204020203" pitchFamily="34" charset="0"/>
-              </a:rPr>
-              <a:t>registradas</a:t>
-            </a:r>
-            <a:r>
-              <a:rPr lang="en-US" dirty="0" smtClean="0">
-                <a:latin typeface="Segoe UI" panose="020B0502040204020203" pitchFamily="34" charset="0"/>
-                <a:cs typeface="Segoe UI" panose="020B0502040204020203" pitchFamily="34" charset="0"/>
-              </a:rPr>
-              <a:t> (1986 – 2005)</a:t>
-            </a:r>
-            <a:endParaRPr lang="en-US" dirty="0">
-              <a:latin typeface="Segoe UI" panose="020B0502040204020203" pitchFamily="34" charset="0"/>
-              <a:cs typeface="Segoe UI" panose="020B0502040204020203" pitchFamily="34" charset="0"/>
-            </a:endParaRPr>
-          </a:p>
-        </p:txBody>
-      </p:sp>
-      <p:sp>
-        <p:nvSpPr>
-          <p:cNvPr id="2" name="Content Placeholder 1"/>
-          <p:cNvSpPr>
-            <a:spLocks noGrp="1"/>
-          </p:cNvSpPr>
-          <p:nvPr>
-            <p:ph idx="1"/>
-          </p:nvPr>
-        </p:nvSpPr>
-        <p:spPr/>
-        <p:txBody>
-          <a:bodyPr/>
-          <a:lstStyle/>
-          <a:p>
-            <a:r>
-              <a:rPr lang="es-AR" dirty="0" smtClean="0">
-                <a:latin typeface="Segoe UI" panose="020B0502040204020203" pitchFamily="34" charset="0"/>
-                <a:cs typeface="Segoe UI" panose="020B0502040204020203" pitchFamily="34" charset="0"/>
-              </a:rPr>
-              <a:t>Fuente: </a:t>
-            </a:r>
-            <a:r>
-              <a:rPr lang="es-AR" dirty="0" err="1" smtClean="0">
-                <a:latin typeface="Segoe UI" panose="020B0502040204020203" pitchFamily="34" charset="0"/>
-                <a:cs typeface="Segoe UI" panose="020B0502040204020203" pitchFamily="34" charset="0"/>
-                <a:hlinkClick r:id="rId2"/>
-              </a:rPr>
-              <a:t>Corporate</a:t>
-            </a:r>
-            <a:r>
-              <a:rPr lang="es-AR" dirty="0" smtClean="0">
-                <a:latin typeface="Segoe UI" panose="020B0502040204020203" pitchFamily="34" charset="0"/>
-                <a:cs typeface="Segoe UI" panose="020B0502040204020203" pitchFamily="34" charset="0"/>
-                <a:hlinkClick r:id="rId2"/>
-              </a:rPr>
-              <a:t> </a:t>
-            </a:r>
-            <a:r>
-              <a:rPr lang="es-AR" dirty="0" err="1" smtClean="0">
-                <a:latin typeface="Segoe UI" panose="020B0502040204020203" pitchFamily="34" charset="0"/>
-                <a:cs typeface="Segoe UI" panose="020B0502040204020203" pitchFamily="34" charset="0"/>
-                <a:hlinkClick r:id="rId2"/>
-              </a:rPr>
-              <a:t>Invention</a:t>
-            </a:r>
-            <a:r>
-              <a:rPr lang="es-AR" dirty="0" smtClean="0">
-                <a:latin typeface="Segoe UI" panose="020B0502040204020203" pitchFamily="34" charset="0"/>
-                <a:cs typeface="Segoe UI" panose="020B0502040204020203" pitchFamily="34" charset="0"/>
-                <a:hlinkClick r:id="rId2"/>
-              </a:rPr>
-              <a:t> </a:t>
-            </a:r>
-            <a:r>
-              <a:rPr lang="es-AR" dirty="0" err="1" smtClean="0">
-                <a:latin typeface="Segoe UI" panose="020B0502040204020203" pitchFamily="34" charset="0"/>
-                <a:cs typeface="Segoe UI" panose="020B0502040204020203" pitchFamily="34" charset="0"/>
-                <a:hlinkClick r:id="rId2"/>
-              </a:rPr>
-              <a:t>Board</a:t>
-            </a:r>
-            <a:r>
-              <a:rPr lang="es-AR" dirty="0" smtClean="0">
-                <a:latin typeface="Segoe UI" panose="020B0502040204020203" pitchFamily="34" charset="0"/>
-                <a:cs typeface="Segoe UI" panose="020B0502040204020203" pitchFamily="34" charset="0"/>
-              </a:rPr>
-              <a:t>, 2013</a:t>
-            </a:r>
-            <a:endParaRPr lang="en-US" dirty="0">
-              <a:latin typeface="Segoe UI" panose="020B0502040204020203" pitchFamily="34" charset="0"/>
-              <a:cs typeface="Segoe UI" panose="020B0502040204020203" pitchFamily="34" charset="0"/>
-            </a:endParaRPr>
-          </a:p>
-        </p:txBody>
-      </p:sp>
-      <p:pic>
-        <p:nvPicPr>
-          <p:cNvPr id="2050" name="Picture 2" descr="C:\Users\MIPARN~1\AppData\Local\Temp\SNAGHTML5cb90bb7.PNG"/>
-          <p:cNvPicPr>
-            <a:picLocks noChangeAspect="1" noChangeArrowheads="1"/>
-          </p:cNvPicPr>
-          <p:nvPr/>
-        </p:nvPicPr>
-        <p:blipFill>
-          <a:blip r:embed="rId3">
-            <a:extLst>
-              <a:ext uri="{28A0092B-C50C-407E-A947-70E740481C1C}">
-                <a14:useLocalDpi xmlns:a14="http://schemas.microsoft.com/office/drawing/2010/main" val="0"/>
-              </a:ext>
-            </a:extLst>
-          </a:blip>
-          <a:srcRect/>
-          <a:stretch>
-            <a:fillRect/>
-          </a:stretch>
-        </p:blipFill>
-        <p:spPr bwMode="auto">
-          <a:xfrm>
-            <a:off x="3142084" y="2616110"/>
-            <a:ext cx="5474643" cy="3402856"/>
-          </a:xfrm>
-          <a:prstGeom prst="rect">
-            <a:avLst/>
-          </a:prstGeom>
-          <a:noFill/>
-          <a:extLst>
-            <a:ext uri="{909E8E84-426E-40DD-AFC4-6F175D3DCCD1}">
-              <a14:hiddenFill xmlns:a14="http://schemas.microsoft.com/office/drawing/2010/main">
-                <a:solidFill>
-                  <a:srgbClr val="FFFFFF"/>
-                </a:solidFill>
-              </a14:hiddenFill>
-            </a:ext>
-          </a:extLst>
-        </p:spPr>
-      </p:pic>
-    </p:spTree>
-    <p:extLst>
-      <p:ext uri="{BB962C8B-B14F-4D97-AF65-F5344CB8AC3E}">
-        <p14:creationId xmlns:p14="http://schemas.microsoft.com/office/powerpoint/2010/main" val="1574490164"/>
       </p:ext>
     </p:extLst>
   </p:cSld>

--- a/Presentacion/Fuga de Información en los Siglos XIX y.pptx
+++ b/Presentacion/Fuga de Información en los Siglos XIX y.pptx
@@ -5,28 +5,32 @@
     <p:sldMasterId id="2147483648" r:id="rId2"/>
   </p:sldMasterIdLst>
   <p:notesMasterIdLst>
-    <p:notesMasterId r:id="rId14"/>
+    <p:notesMasterId r:id="rId18"/>
   </p:notesMasterIdLst>
   <p:handoutMasterIdLst>
-    <p:handoutMasterId r:id="rId15"/>
+    <p:handoutMasterId r:id="rId19"/>
   </p:handoutMasterIdLst>
   <p:sldIdLst>
     <p:sldId id="265" r:id="rId3"/>
     <p:sldId id="310" r:id="rId4"/>
     <p:sldId id="311" r:id="rId5"/>
     <p:sldId id="324" r:id="rId6"/>
-    <p:sldId id="321" r:id="rId7"/>
-    <p:sldId id="325" r:id="rId8"/>
-    <p:sldId id="326" r:id="rId9"/>
-    <p:sldId id="327" r:id="rId10"/>
-    <p:sldId id="322" r:id="rId11"/>
-    <p:sldId id="323" r:id="rId12"/>
-    <p:sldId id="319" r:id="rId13"/>
+    <p:sldId id="332" r:id="rId7"/>
+    <p:sldId id="328" r:id="rId8"/>
+    <p:sldId id="329" r:id="rId9"/>
+    <p:sldId id="330" r:id="rId10"/>
+    <p:sldId id="321" r:id="rId11"/>
+    <p:sldId id="325" r:id="rId12"/>
+    <p:sldId id="326" r:id="rId13"/>
+    <p:sldId id="327" r:id="rId14"/>
+    <p:sldId id="331" r:id="rId15"/>
+    <p:sldId id="333" r:id="rId16"/>
+    <p:sldId id="319" r:id="rId17"/>
   </p:sldIdLst>
   <p:sldSz cx="12188825" cy="6858000"/>
   <p:notesSz cx="6858000" cy="9144000"/>
   <p:custDataLst>
-    <p:tags r:id="rId16"/>
+    <p:tags r:id="rId20"/>
   </p:custDataLst>
   <p:defaultTextStyle>
     <a:defPPr>
@@ -713,10 +717,10 @@
                 <a:ea typeface="+mn-ea"/>
                 <a:cs typeface="+mn-cs"/>
               </a:rPr>
-              <a:t>Schmidt  </a:t>
-            </a:r>
-            <a:r>
-              <a:rPr lang="en-US" sz="1200" kern="1200" dirty="0" smtClean="0">
+              <a:t>Schmidt   - </a:t>
+            </a:r>
+            <a:r>
+              <a:rPr lang="en-US" sz="1200" kern="1200" dirty="0" err="1" smtClean="0">
                 <a:solidFill>
                   <a:schemeClr val="tx1"/>
                 </a:solidFill>
@@ -725,7 +729,7 @@
                 <a:ea typeface="+mn-ea"/>
                 <a:cs typeface="+mn-cs"/>
               </a:rPr>
-              <a:t> </a:t>
+              <a:t>introducción</a:t>
             </a:r>
             <a:r>
               <a:rPr lang="en-US" sz="1200" kern="1200" dirty="0" smtClean="0">
@@ -737,7 +741,7 @@
                 <a:ea typeface="+mn-ea"/>
                 <a:cs typeface="+mn-cs"/>
               </a:rPr>
-              <a:t>- </a:t>
+              <a:t>, </a:t>
             </a:r>
             <a:r>
               <a:rPr lang="en-US" sz="1200" kern="1200" dirty="0" err="1" smtClean="0">
@@ -749,7 +753,7 @@
                 <a:ea typeface="+mn-ea"/>
                 <a:cs typeface="+mn-cs"/>
               </a:rPr>
-              <a:t>introducción</a:t>
+              <a:t>conclusiones</a:t>
             </a:r>
             <a:r>
               <a:rPr lang="en-US" sz="1200" kern="1200" dirty="0" smtClean="0">
@@ -761,10 +765,10 @@
                 <a:ea typeface="+mn-ea"/>
                 <a:cs typeface="+mn-cs"/>
               </a:rPr>
-              <a:t>, </a:t>
-            </a:r>
-            <a:r>
-              <a:rPr lang="en-US" sz="1200" kern="1200" dirty="0" err="1" smtClean="0">
+              <a:t/>
+            </a:r>
+            <a:br>
+              <a:rPr lang="en-US" sz="1200" kern="1200" dirty="0" smtClean="0">
                 <a:solidFill>
                   <a:schemeClr val="tx1"/>
                 </a:solidFill>
@@ -773,8 +777,7 @@
                 <a:ea typeface="+mn-ea"/>
                 <a:cs typeface="+mn-cs"/>
               </a:rPr>
-              <a:t>conclusiones</a:t>
-            </a:r>
+            </a:br>
             <a:r>
               <a:rPr lang="en-US" sz="1200" kern="1200" dirty="0" smtClean="0">
                 <a:solidFill>
@@ -785,54 +788,7 @@
                 <a:ea typeface="+mn-ea"/>
                 <a:cs typeface="+mn-cs"/>
               </a:rPr>
-              <a:t/>
-            </a:r>
-            <a:br>
-              <a:rPr lang="en-US" sz="1200" kern="1200" dirty="0" smtClean="0">
-                <a:solidFill>
-                  <a:schemeClr val="tx1"/>
-                </a:solidFill>
-                <a:effectLst/>
-                <a:latin typeface="+mn-lt"/>
-                <a:ea typeface="+mn-ea"/>
-                <a:cs typeface="+mn-cs"/>
-              </a:rPr>
-            </a:br>
-            <a:r>
-              <a:rPr lang="en-US" sz="1200" kern="1200" dirty="0" smtClean="0">
-                <a:solidFill>
-                  <a:schemeClr val="tx1"/>
-                </a:solidFill>
-                <a:effectLst/>
-                <a:latin typeface="+mn-lt"/>
-                <a:ea typeface="+mn-ea"/>
-                <a:cs typeface="+mn-cs"/>
-              </a:rPr>
-              <a:t>Maraggi   </a:t>
-            </a:r>
-            <a:r>
-              <a:rPr lang="en-US" sz="1200" kern="1200" dirty="0" smtClean="0">
-                <a:solidFill>
-                  <a:schemeClr val="tx1"/>
-                </a:solidFill>
-                <a:effectLst/>
-                <a:latin typeface="+mn-lt"/>
-                <a:ea typeface="+mn-ea"/>
-                <a:cs typeface="+mn-cs"/>
-              </a:rPr>
-              <a:t> </a:t>
-            </a:r>
-            <a:r>
-              <a:rPr lang="en-US" sz="1200" kern="1200" dirty="0" smtClean="0">
-                <a:solidFill>
-                  <a:schemeClr val="tx1"/>
-                </a:solidFill>
-                <a:effectLst/>
-                <a:latin typeface="+mn-lt"/>
-                <a:ea typeface="+mn-ea"/>
-                <a:cs typeface="+mn-cs"/>
-              </a:rPr>
-              <a:t>xix, </a:t>
+              <a:t>Maraggi    xix, </a:t>
             </a:r>
             <a:r>
               <a:rPr lang="en-US" sz="1200" kern="1200" dirty="0" err="1" smtClean="0">
@@ -915,10 +871,10 @@
                 <a:ea typeface="+mn-ea"/>
                 <a:cs typeface="+mn-cs"/>
               </a:rPr>
-              <a:t>Zurita </a:t>
-            </a:r>
-            <a:r>
-              <a:rPr lang="en-US" sz="1200" kern="1200" dirty="0" smtClean="0">
+              <a:t>Zurita -   xix, intro y </a:t>
+            </a:r>
+            <a:r>
+              <a:rPr lang="en-US" sz="1200" kern="1200" dirty="0" err="1" smtClean="0">
                 <a:solidFill>
                   <a:schemeClr val="tx1"/>
                 </a:solidFill>
@@ -927,7 +883,7 @@
                 <a:ea typeface="+mn-ea"/>
                 <a:cs typeface="+mn-cs"/>
               </a:rPr>
-              <a:t>-</a:t>
+              <a:t>mecanismos</a:t>
             </a:r>
             <a:r>
               <a:rPr lang="en-US" sz="1200" kern="1200" dirty="0" smtClean="0">
@@ -939,9 +895,9 @@
                 <a:ea typeface="+mn-ea"/>
                 <a:cs typeface="+mn-cs"/>
               </a:rPr>
-              <a:t>  </a:t>
-            </a:r>
-            <a:r>
+              <a:t/>
+            </a:r>
+            <a:br>
               <a:rPr lang="en-US" sz="1200" kern="1200" dirty="0" smtClean="0">
                 <a:solidFill>
                   <a:schemeClr val="tx1"/>
@@ -951,8 +907,7 @@
                 <a:ea typeface="+mn-ea"/>
                 <a:cs typeface="+mn-cs"/>
               </a:rPr>
-              <a:t> </a:t>
-            </a:r>
+            </a:br>
             <a:r>
               <a:rPr lang="en-US" sz="1200" kern="1200" dirty="0" smtClean="0">
                 <a:solidFill>
@@ -963,7 +918,7 @@
                 <a:ea typeface="+mn-ea"/>
                 <a:cs typeface="+mn-cs"/>
               </a:rPr>
-              <a:t>xix, intro y </a:t>
+              <a:t>Parnisari  -  xxi, intro y </a:t>
             </a:r>
             <a:r>
               <a:rPr lang="en-US" sz="1200" kern="1200" dirty="0" err="1" smtClean="0">
@@ -987,7 +942,7 @@
                 <a:ea typeface="+mn-ea"/>
                 <a:cs typeface="+mn-cs"/>
               </a:rPr>
-              <a:t/>
+              <a:t> </a:t>
             </a:r>
             <a:br>
               <a:rPr lang="en-US" sz="1200" kern="1200" dirty="0" smtClean="0">
@@ -1010,102 +965,7 @@
                 <a:ea typeface="+mn-ea"/>
                 <a:cs typeface="+mn-cs"/>
               </a:rPr>
-              <a:t>Parnisari  </a:t>
-            </a:r>
-            <a:r>
-              <a:rPr lang="en-US" sz="1200" kern="1200" dirty="0" smtClean="0">
-                <a:solidFill>
-                  <a:schemeClr val="tx1"/>
-                </a:solidFill>
-                <a:effectLst/>
-                <a:latin typeface="+mn-lt"/>
-                <a:ea typeface="+mn-ea"/>
-                <a:cs typeface="+mn-cs"/>
-              </a:rPr>
-              <a:t>-  </a:t>
-            </a:r>
-            <a:r>
-              <a:rPr lang="en-US" sz="1200" kern="1200" dirty="0" smtClean="0">
-                <a:solidFill>
-                  <a:schemeClr val="tx1"/>
-                </a:solidFill>
-                <a:effectLst/>
-                <a:latin typeface="+mn-lt"/>
-                <a:ea typeface="+mn-ea"/>
-                <a:cs typeface="+mn-cs"/>
-              </a:rPr>
-              <a:t>xxi, intro y </a:t>
-            </a:r>
-            <a:r>
-              <a:rPr lang="en-US" sz="1200" kern="1200" dirty="0" err="1" smtClean="0">
-                <a:solidFill>
-                  <a:schemeClr val="tx1"/>
-                </a:solidFill>
-                <a:effectLst/>
-                <a:latin typeface="+mn-lt"/>
-                <a:ea typeface="+mn-ea"/>
-                <a:cs typeface="+mn-cs"/>
-              </a:rPr>
-              <a:t>mecanismos</a:t>
-            </a:r>
-            <a:r>
-              <a:rPr lang="en-US" sz="1200" kern="1200" dirty="0" smtClean="0">
-                <a:solidFill>
-                  <a:schemeClr val="tx1"/>
-                </a:solidFill>
-                <a:effectLst/>
-                <a:latin typeface="+mn-lt"/>
-                <a:ea typeface="+mn-ea"/>
-                <a:cs typeface="+mn-cs"/>
-              </a:rPr>
-              <a:t> </a:t>
-            </a:r>
-            <a:br>
-              <a:rPr lang="en-US" sz="1200" kern="1200" dirty="0" smtClean="0">
-                <a:solidFill>
-                  <a:schemeClr val="tx1"/>
-                </a:solidFill>
-                <a:effectLst/>
-                <a:latin typeface="+mn-lt"/>
-                <a:ea typeface="+mn-ea"/>
-                <a:cs typeface="+mn-cs"/>
-              </a:rPr>
-            </a:br>
-            <a:r>
-              <a:rPr lang="en-US" sz="1200" kern="1200" dirty="0" smtClean="0">
-                <a:solidFill>
-                  <a:schemeClr val="tx1"/>
-                </a:solidFill>
-                <a:effectLst/>
-                <a:latin typeface="+mn-lt"/>
-                <a:ea typeface="+mn-ea"/>
-                <a:cs typeface="+mn-cs"/>
-              </a:rPr>
-              <a:t>Zhang   </a:t>
-            </a:r>
-            <a:r>
-              <a:rPr lang="en-US" sz="1200" kern="1200" dirty="0" smtClean="0">
-                <a:solidFill>
-                  <a:schemeClr val="tx1"/>
-                </a:solidFill>
-                <a:effectLst/>
-                <a:latin typeface="+mn-lt"/>
-                <a:ea typeface="+mn-ea"/>
-                <a:cs typeface="+mn-cs"/>
-              </a:rPr>
-              <a:t>- </a:t>
-            </a:r>
-            <a:r>
-              <a:rPr lang="en-US" sz="1200" kern="1200" dirty="0" smtClean="0">
-                <a:solidFill>
-                  <a:schemeClr val="tx1"/>
-                </a:solidFill>
-                <a:effectLst/>
-                <a:latin typeface="+mn-lt"/>
-                <a:ea typeface="+mn-ea"/>
-                <a:cs typeface="+mn-cs"/>
-              </a:rPr>
-              <a:t>xxi, </a:t>
+              <a:t>Zhang   - xxi, </a:t>
             </a:r>
             <a:r>
               <a:rPr lang="en-US" sz="1200" kern="1200" dirty="0" err="1" smtClean="0">
@@ -1198,6 +1058,1255 @@
     <p:extLst>
       <p:ext uri="{BB962C8B-B14F-4D97-AF65-F5344CB8AC3E}">
         <p14:creationId xmlns:p14="http://schemas.microsoft.com/office/powerpoint/2010/main" val="246766428"/>
+      </p:ext>
+    </p:extLst>
+  </p:cSld>
+  <p:clrMapOvr>
+    <a:masterClrMapping/>
+  </p:clrMapOvr>
+</p:notes>
+</file>
+
+<file path=ppt/notesSlides/notesSlide10.xml><?xml version="1.0" encoding="utf-8"?>
+<p:notes xmlns:a="http://schemas.openxmlformats.org/drawingml/2006/main" xmlns:r="http://schemas.openxmlformats.org/officeDocument/2006/relationships" xmlns:p="http://schemas.openxmlformats.org/presentationml/2006/main">
+  <p:cSld>
+    <p:spTree>
+      <p:nvGrpSpPr>
+        <p:cNvPr id="1" name=""/>
+        <p:cNvGrpSpPr/>
+        <p:nvPr/>
+      </p:nvGrpSpPr>
+      <p:grpSpPr>
+        <a:xfrm>
+          <a:off x="0" y="0"/>
+          <a:ext cx="0" cy="0"/>
+          <a:chOff x="0" y="0"/>
+          <a:chExt cx="0" cy="0"/>
+        </a:xfrm>
+      </p:grpSpPr>
+      <p:sp>
+        <p:nvSpPr>
+          <p:cNvPr id="2" name="Slide Image Placeholder 1"/>
+          <p:cNvSpPr>
+            <a:spLocks noGrp="1" noRot="1" noChangeAspect="1"/>
+          </p:cNvSpPr>
+          <p:nvPr>
+            <p:ph type="sldImg"/>
+          </p:nvPr>
+        </p:nvSpPr>
+        <p:spPr/>
+      </p:sp>
+      <p:sp>
+        <p:nvSpPr>
+          <p:cNvPr id="3" name="Notes Placeholder 2"/>
+          <p:cNvSpPr>
+            <a:spLocks noGrp="1"/>
+          </p:cNvSpPr>
+          <p:nvPr>
+            <p:ph type="body" idx="1"/>
+          </p:nvPr>
+        </p:nvSpPr>
+        <p:spPr/>
+        <p:txBody>
+          <a:bodyPr/>
+          <a:lstStyle/>
+          <a:p>
+            <a:r>
+              <a:rPr lang="es-AR" sz="1200" kern="1200" dirty="0" smtClean="0">
+                <a:solidFill>
+                  <a:schemeClr val="tx1"/>
+                </a:solidFill>
+                <a:effectLst/>
+                <a:latin typeface="+mn-lt"/>
+                <a:ea typeface="+mn-ea"/>
+                <a:cs typeface="+mn-cs"/>
+              </a:rPr>
+              <a:t>Una </a:t>
+            </a:r>
+            <a:r>
+              <a:rPr lang="es-AR" sz="1200" b="1" kern="1200" dirty="0" smtClean="0">
+                <a:solidFill>
+                  <a:schemeClr val="tx1"/>
+                </a:solidFill>
+                <a:effectLst/>
+                <a:latin typeface="+mn-lt"/>
+                <a:ea typeface="+mn-ea"/>
+                <a:cs typeface="+mn-cs"/>
+              </a:rPr>
+              <a:t>patente</a:t>
+            </a:r>
+            <a:r>
+              <a:rPr lang="es-AR" sz="1200" kern="1200" dirty="0" smtClean="0">
+                <a:solidFill>
+                  <a:schemeClr val="tx1"/>
+                </a:solidFill>
+                <a:effectLst/>
+                <a:latin typeface="+mn-lt"/>
+                <a:ea typeface="+mn-ea"/>
+                <a:cs typeface="+mn-cs"/>
+              </a:rPr>
+              <a:t> es un conjunto de derechos que se le otorgan a un inventor por un período limitado de tiempo (20 años), a cambio de la divulgación de los detalles del mismo. Las patentes son una forma de propiedad intelectual, y le proporcionan dueño la garantía de que otras empresas no podrán producir, utilizar o vender el producto patentado sin permiso.</a:t>
+            </a:r>
+            <a:endParaRPr lang="en-US" sz="1200" kern="1200" dirty="0" smtClean="0">
+              <a:solidFill>
+                <a:schemeClr val="tx1"/>
+              </a:solidFill>
+              <a:effectLst/>
+              <a:latin typeface="+mn-lt"/>
+              <a:ea typeface="+mn-ea"/>
+              <a:cs typeface="+mn-cs"/>
+            </a:endParaRPr>
+          </a:p>
+          <a:p>
+            <a:pPr marL="0" marR="0" indent="0" algn="l" defTabSz="914400" rtl="0" eaLnBrk="1" fontAlgn="auto" latinLnBrk="0" hangingPunct="1">
+              <a:lnSpc>
+                <a:spcPct val="100000"/>
+              </a:lnSpc>
+              <a:spcBef>
+                <a:spcPts val="0"/>
+              </a:spcBef>
+              <a:spcAft>
+                <a:spcPts val="0"/>
+              </a:spcAft>
+              <a:buClrTx/>
+              <a:buSzTx/>
+              <a:buFontTx/>
+              <a:buNone/>
+              <a:tabLst/>
+              <a:defRPr/>
+            </a:pPr>
+            <a:r>
+              <a:rPr lang="es-AR" sz="1200" kern="1200" dirty="0" smtClean="0">
+                <a:solidFill>
+                  <a:schemeClr val="tx1"/>
+                </a:solidFill>
+                <a:effectLst/>
+                <a:latin typeface="+mn-lt"/>
+                <a:ea typeface="+mn-ea"/>
+                <a:cs typeface="+mn-cs"/>
+              </a:rPr>
+              <a:t>El sistema de </a:t>
+            </a:r>
+            <a:r>
+              <a:rPr lang="es-AR" sz="1200" kern="1200" dirty="0" err="1" smtClean="0">
+                <a:solidFill>
+                  <a:schemeClr val="tx1"/>
+                </a:solidFill>
+                <a:effectLst/>
+                <a:latin typeface="+mn-lt"/>
+                <a:ea typeface="+mn-ea"/>
+                <a:cs typeface="+mn-cs"/>
+              </a:rPr>
+              <a:t>patentamiento</a:t>
+            </a:r>
+            <a:r>
+              <a:rPr lang="es-AR" sz="1200" kern="1200" dirty="0" smtClean="0">
+                <a:solidFill>
+                  <a:schemeClr val="tx1"/>
+                </a:solidFill>
+                <a:effectLst/>
+                <a:latin typeface="+mn-lt"/>
+                <a:ea typeface="+mn-ea"/>
+                <a:cs typeface="+mn-cs"/>
+              </a:rPr>
+              <a:t> fue creado en 1450, pero fue durante la revolución francesa que se creó el sistema moderno. En general, las patentes sólo pueden materializarse durante litigios, y puede ser dueños de ellas tanto empresas como personas, aunque en ciertos casos los empleadores pueden exigirles a sus empleados que las patentes le sean adjudicadas a ellos. Entre las críticas a este sistema, se encuentran los altos costos asociados al mantenimiento de patentes (por ejemplo, en Estados Unidos el mismo puede alcanzar los 30 mil dólares por patente), y el hecho de que no promueven la innovación, al limitar el uso de las nuevas tecnologías. </a:t>
+            </a:r>
+          </a:p>
+          <a:p>
+            <a:pPr marL="0" marR="0" indent="0" algn="l" defTabSz="914400" rtl="0" eaLnBrk="1" fontAlgn="auto" latinLnBrk="0" hangingPunct="1">
+              <a:lnSpc>
+                <a:spcPct val="100000"/>
+              </a:lnSpc>
+              <a:spcBef>
+                <a:spcPts val="0"/>
+              </a:spcBef>
+              <a:spcAft>
+                <a:spcPts val="0"/>
+              </a:spcAft>
+              <a:buClrTx/>
+              <a:buSzTx/>
+              <a:buFontTx/>
+              <a:buNone/>
+              <a:tabLst/>
+              <a:defRPr/>
+            </a:pPr>
+            <a:endParaRPr lang="es-AR" sz="1200" kern="1200" dirty="0" smtClean="0">
+              <a:solidFill>
+                <a:schemeClr val="tx1"/>
+              </a:solidFill>
+              <a:effectLst/>
+              <a:latin typeface="+mn-lt"/>
+              <a:ea typeface="+mn-ea"/>
+              <a:cs typeface="+mn-cs"/>
+            </a:endParaRPr>
+          </a:p>
+          <a:p>
+            <a:r>
+              <a:rPr lang="es-AR" sz="1200" kern="1200" dirty="0" smtClean="0">
+                <a:solidFill>
+                  <a:schemeClr val="tx1"/>
+                </a:solidFill>
+                <a:effectLst/>
+                <a:latin typeface="+mn-lt"/>
+                <a:ea typeface="+mn-ea"/>
+                <a:cs typeface="+mn-cs"/>
+              </a:rPr>
+              <a:t>Existen varios mecanismos que permiten sustentar </a:t>
+            </a:r>
+            <a:r>
+              <a:rPr lang="es-AR" sz="1200" b="1" kern="1200" dirty="0" smtClean="0">
+                <a:solidFill>
+                  <a:schemeClr val="tx1"/>
+                </a:solidFill>
+                <a:effectLst/>
+                <a:latin typeface="+mn-lt"/>
+                <a:ea typeface="+mn-ea"/>
+                <a:cs typeface="+mn-cs"/>
+              </a:rPr>
+              <a:t>la seguridad informática</a:t>
+            </a:r>
+            <a:r>
+              <a:rPr lang="es-AR" sz="1200" kern="1200" dirty="0" smtClean="0">
+                <a:solidFill>
+                  <a:schemeClr val="tx1"/>
+                </a:solidFill>
+                <a:effectLst/>
+                <a:latin typeface="+mn-lt"/>
+                <a:ea typeface="+mn-ea"/>
+                <a:cs typeface="+mn-cs"/>
+              </a:rPr>
+              <a:t>, donde uno sólo de ellos no es suficiente para garantizar el éxito, ya que es necesario complementarlos para obtener un buen resultado. Entre ellos se destacan:</a:t>
+            </a:r>
+            <a:endParaRPr lang="en-US" sz="1200" kern="1200" dirty="0" smtClean="0">
+              <a:solidFill>
+                <a:schemeClr val="tx1"/>
+              </a:solidFill>
+              <a:effectLst/>
+              <a:latin typeface="+mn-lt"/>
+              <a:ea typeface="+mn-ea"/>
+              <a:cs typeface="+mn-cs"/>
+            </a:endParaRPr>
+          </a:p>
+          <a:p>
+            <a:r>
+              <a:rPr lang="es-AR" sz="1200" kern="1200" dirty="0" smtClean="0">
+                <a:solidFill>
+                  <a:schemeClr val="tx1"/>
+                </a:solidFill>
+                <a:effectLst/>
+                <a:latin typeface="+mn-lt"/>
+                <a:ea typeface="+mn-ea"/>
+                <a:cs typeface="+mn-cs"/>
+              </a:rPr>
+              <a:t> </a:t>
+            </a:r>
+            <a:endParaRPr lang="en-US" sz="1200" kern="1200" dirty="0" smtClean="0">
+              <a:solidFill>
+                <a:schemeClr val="tx1"/>
+              </a:solidFill>
+              <a:effectLst/>
+              <a:latin typeface="+mn-lt"/>
+              <a:ea typeface="+mn-ea"/>
+              <a:cs typeface="+mn-cs"/>
+            </a:endParaRPr>
+          </a:p>
+          <a:p>
+            <a:pPr lvl="0"/>
+            <a:r>
+              <a:rPr lang="es-AR" sz="1200" u="none" strike="noStrike" kern="1200" dirty="0" smtClean="0">
+                <a:solidFill>
+                  <a:schemeClr val="tx1"/>
+                </a:solidFill>
+                <a:effectLst/>
+                <a:latin typeface="+mn-lt"/>
+                <a:ea typeface="+mn-ea"/>
+                <a:cs typeface="+mn-cs"/>
+              </a:rPr>
+              <a:t>Restricciones de acceso físico</a:t>
+            </a:r>
+            <a:endParaRPr lang="en-US" u="none" strike="noStrike" dirty="0" smtClean="0">
+              <a:effectLst/>
+            </a:endParaRPr>
+          </a:p>
+          <a:p>
+            <a:pPr lvl="0"/>
+            <a:r>
+              <a:rPr lang="es-AR" sz="1200" u="none" strike="noStrike" kern="1200" dirty="0" smtClean="0">
+                <a:solidFill>
+                  <a:schemeClr val="tx1"/>
+                </a:solidFill>
+                <a:effectLst/>
+                <a:latin typeface="+mn-lt"/>
+                <a:ea typeface="+mn-ea"/>
+                <a:cs typeface="+mn-cs"/>
+              </a:rPr>
+              <a:t>Utilización de contraseñas seguras</a:t>
+            </a:r>
+            <a:endParaRPr lang="en-US" u="none" strike="noStrike" dirty="0" smtClean="0">
+              <a:effectLst/>
+            </a:endParaRPr>
+          </a:p>
+          <a:p>
+            <a:pPr lvl="0"/>
+            <a:r>
+              <a:rPr lang="es-AR" sz="1200" u="none" strike="noStrike" kern="1200" dirty="0" smtClean="0">
+                <a:solidFill>
+                  <a:schemeClr val="tx1"/>
+                </a:solidFill>
+                <a:effectLst/>
+                <a:latin typeface="+mn-lt"/>
+                <a:ea typeface="+mn-ea"/>
+                <a:cs typeface="+mn-cs"/>
+              </a:rPr>
+              <a:t>Uso de firewalls y software antivirus</a:t>
+            </a:r>
+            <a:endParaRPr lang="en-US" u="none" strike="noStrike" dirty="0" smtClean="0">
+              <a:effectLst/>
+            </a:endParaRPr>
+          </a:p>
+          <a:p>
+            <a:pPr lvl="0"/>
+            <a:r>
+              <a:rPr lang="es-AR" sz="1200" u="none" strike="noStrike" kern="1200" dirty="0" smtClean="0">
+                <a:solidFill>
+                  <a:schemeClr val="tx1"/>
+                </a:solidFill>
+                <a:effectLst/>
+                <a:latin typeface="+mn-lt"/>
+                <a:ea typeface="+mn-ea"/>
+                <a:cs typeface="+mn-cs"/>
+              </a:rPr>
+              <a:t>Encriptación de las comunicaciones confidenciales</a:t>
+            </a:r>
+            <a:endParaRPr lang="en-US" u="none" strike="noStrike" dirty="0" smtClean="0">
+              <a:effectLst/>
+            </a:endParaRPr>
+          </a:p>
+          <a:p>
+            <a:pPr lvl="0"/>
+            <a:r>
+              <a:rPr lang="es-AR" sz="1200" u="none" strike="noStrike" kern="1200" dirty="0" smtClean="0">
+                <a:solidFill>
+                  <a:schemeClr val="tx1"/>
+                </a:solidFill>
+                <a:effectLst/>
+                <a:latin typeface="+mn-lt"/>
+                <a:ea typeface="+mn-ea"/>
+                <a:cs typeface="+mn-cs"/>
+              </a:rPr>
+              <a:t>Copias de seguridad de la información</a:t>
+            </a:r>
+            <a:endParaRPr lang="en-US" u="none" strike="noStrike" dirty="0" smtClean="0">
+              <a:effectLst/>
+            </a:endParaRPr>
+          </a:p>
+          <a:p>
+            <a:pPr lvl="0"/>
+            <a:r>
+              <a:rPr lang="es-AR" sz="1200" u="none" strike="noStrike" kern="1200" dirty="0" smtClean="0">
+                <a:solidFill>
+                  <a:schemeClr val="tx1"/>
+                </a:solidFill>
+                <a:effectLst/>
+                <a:latin typeface="+mn-lt"/>
+                <a:ea typeface="+mn-ea"/>
+                <a:cs typeface="+mn-cs"/>
+              </a:rPr>
+              <a:t>Encriptado de las copias de seguridad</a:t>
+            </a:r>
+            <a:endParaRPr lang="en-US" u="none" strike="noStrike" dirty="0" smtClean="0">
+              <a:effectLst/>
+            </a:endParaRPr>
+          </a:p>
+          <a:p>
+            <a:pPr lvl="0"/>
+            <a:r>
+              <a:rPr lang="es-AR" sz="1200" u="none" strike="noStrike" kern="1200" dirty="0" smtClean="0">
+                <a:solidFill>
+                  <a:schemeClr val="tx1"/>
+                </a:solidFill>
+                <a:effectLst/>
+                <a:latin typeface="+mn-lt"/>
+                <a:ea typeface="+mn-ea"/>
+                <a:cs typeface="+mn-cs"/>
+              </a:rPr>
+              <a:t>Distinción de niveles de acceso según autorización formal en perfiles de usuarios</a:t>
+            </a:r>
+            <a:endParaRPr lang="en-US" u="none" strike="noStrike" dirty="0" smtClean="0">
+              <a:effectLst/>
+            </a:endParaRPr>
+          </a:p>
+          <a:p>
+            <a:pPr lvl="0"/>
+            <a:r>
+              <a:rPr lang="es-AR" sz="1200" u="none" strike="noStrike" kern="1200" dirty="0" smtClean="0">
+                <a:solidFill>
+                  <a:schemeClr val="tx1"/>
+                </a:solidFill>
+                <a:effectLst/>
+                <a:latin typeface="+mn-lt"/>
+                <a:ea typeface="+mn-ea"/>
+                <a:cs typeface="+mn-cs"/>
+              </a:rPr>
+              <a:t>Registro de operaciones en bitácoras automatizadas</a:t>
+            </a:r>
+            <a:endParaRPr lang="en-US" u="none" strike="noStrike" dirty="0" smtClean="0">
+              <a:effectLst/>
+            </a:endParaRPr>
+          </a:p>
+          <a:p>
+            <a:pPr lvl="0"/>
+            <a:r>
+              <a:rPr lang="es-AR" sz="1200" u="none" strike="noStrike" kern="1200" dirty="0" smtClean="0">
+                <a:solidFill>
+                  <a:schemeClr val="tx1"/>
+                </a:solidFill>
+                <a:effectLst/>
+                <a:latin typeface="+mn-lt"/>
+                <a:ea typeface="+mn-ea"/>
+                <a:cs typeface="+mn-cs"/>
+              </a:rPr>
+              <a:t>Registro de accesos en bitácoras automatizadas</a:t>
+            </a:r>
+            <a:endParaRPr lang="en-US" u="none" strike="noStrike" dirty="0" smtClean="0">
+              <a:effectLst/>
+            </a:endParaRPr>
+          </a:p>
+          <a:p>
+            <a:pPr lvl="0"/>
+            <a:r>
+              <a:rPr lang="es-AR" sz="1200" u="none" strike="noStrike" kern="1200" dirty="0" smtClean="0">
+                <a:solidFill>
+                  <a:schemeClr val="tx1"/>
+                </a:solidFill>
+                <a:effectLst/>
+                <a:latin typeface="+mn-lt"/>
+                <a:ea typeface="+mn-ea"/>
+                <a:cs typeface="+mn-cs"/>
+              </a:rPr>
+              <a:t>Redundancia de datos</a:t>
+            </a:r>
+            <a:endParaRPr lang="en-US" u="none" strike="noStrike" dirty="0" smtClean="0">
+              <a:effectLst/>
+            </a:endParaRPr>
+          </a:p>
+          <a:p>
+            <a:pPr lvl="0"/>
+            <a:r>
+              <a:rPr lang="es-AR" sz="1200" u="none" strike="noStrike" kern="1200" dirty="0" smtClean="0">
+                <a:solidFill>
+                  <a:schemeClr val="tx1"/>
+                </a:solidFill>
+                <a:effectLst/>
+                <a:latin typeface="+mn-lt"/>
+                <a:ea typeface="+mn-ea"/>
+                <a:cs typeface="+mn-cs"/>
+              </a:rPr>
+              <a:t>Localización múltiple y distante de estructuras de datos redundantes</a:t>
+            </a:r>
+            <a:endParaRPr lang="en-US" u="none" strike="noStrike" dirty="0" smtClean="0">
+              <a:effectLst/>
+            </a:endParaRPr>
+          </a:p>
+          <a:p>
+            <a:pPr lvl="0"/>
+            <a:r>
+              <a:rPr lang="es-AR" sz="1200" u="none" strike="noStrike" kern="1200" dirty="0" smtClean="0">
+                <a:solidFill>
+                  <a:schemeClr val="tx1"/>
+                </a:solidFill>
+                <a:effectLst/>
+                <a:latin typeface="+mn-lt"/>
+                <a:ea typeface="+mn-ea"/>
+                <a:cs typeface="+mn-cs"/>
+              </a:rPr>
+              <a:t>Políticas de recuperación ante catástrofes</a:t>
+            </a:r>
+            <a:endParaRPr lang="en-US" u="none" strike="noStrike" dirty="0" smtClean="0">
+              <a:effectLst/>
+            </a:endParaRPr>
+          </a:p>
+          <a:p>
+            <a:pPr marL="0" marR="0" indent="0" algn="l" defTabSz="914400" rtl="0" eaLnBrk="1" fontAlgn="auto" latinLnBrk="0" hangingPunct="1">
+              <a:lnSpc>
+                <a:spcPct val="100000"/>
+              </a:lnSpc>
+              <a:spcBef>
+                <a:spcPts val="0"/>
+              </a:spcBef>
+              <a:spcAft>
+                <a:spcPts val="0"/>
+              </a:spcAft>
+              <a:buClrTx/>
+              <a:buSzTx/>
+              <a:buFontTx/>
+              <a:buNone/>
+              <a:tabLst/>
+              <a:defRPr/>
+            </a:pPr>
+            <a:endParaRPr lang="en-US" sz="1200" kern="1200" dirty="0" smtClean="0">
+              <a:solidFill>
+                <a:schemeClr val="tx1"/>
+              </a:solidFill>
+              <a:effectLst/>
+              <a:latin typeface="+mn-lt"/>
+              <a:ea typeface="+mn-ea"/>
+              <a:cs typeface="+mn-cs"/>
+            </a:endParaRPr>
+          </a:p>
+          <a:p>
+            <a:endParaRPr lang="en-US" sz="1200" kern="1200" dirty="0">
+              <a:solidFill>
+                <a:schemeClr val="tx1"/>
+              </a:solidFill>
+              <a:effectLst/>
+              <a:latin typeface="+mn-lt"/>
+              <a:ea typeface="+mn-ea"/>
+              <a:cs typeface="+mn-cs"/>
+            </a:endParaRPr>
+          </a:p>
+        </p:txBody>
+      </p:sp>
+      <p:sp>
+        <p:nvSpPr>
+          <p:cNvPr id="4" name="Slide Number Placeholder 3"/>
+          <p:cNvSpPr>
+            <a:spLocks noGrp="1"/>
+          </p:cNvSpPr>
+          <p:nvPr>
+            <p:ph type="sldNum" sz="quarter" idx="10"/>
+          </p:nvPr>
+        </p:nvSpPr>
+        <p:spPr/>
+        <p:txBody>
+          <a:bodyPr/>
+          <a:lstStyle/>
+          <a:p>
+            <a:fld id="{F93199CD-3E1B-4AE6-990F-76F925F5EA9F}" type="slidenum">
+              <a:rPr lang="en-US" smtClean="0"/>
+              <a:t>11</a:t>
+            </a:fld>
+            <a:endParaRPr lang="en-US"/>
+          </a:p>
+        </p:txBody>
+      </p:sp>
+    </p:spTree>
+    <p:extLst>
+      <p:ext uri="{BB962C8B-B14F-4D97-AF65-F5344CB8AC3E}">
+        <p14:creationId xmlns:p14="http://schemas.microsoft.com/office/powerpoint/2010/main" val="2488318766"/>
+      </p:ext>
+    </p:extLst>
+  </p:cSld>
+  <p:clrMapOvr>
+    <a:masterClrMapping/>
+  </p:clrMapOvr>
+</p:notes>
+</file>
+
+<file path=ppt/notesSlides/notesSlide11.xml><?xml version="1.0" encoding="utf-8"?>
+<p:notes xmlns:a="http://schemas.openxmlformats.org/drawingml/2006/main" xmlns:r="http://schemas.openxmlformats.org/officeDocument/2006/relationships" xmlns:p="http://schemas.openxmlformats.org/presentationml/2006/main">
+  <p:cSld>
+    <p:spTree>
+      <p:nvGrpSpPr>
+        <p:cNvPr id="1" name=""/>
+        <p:cNvGrpSpPr/>
+        <p:nvPr/>
+      </p:nvGrpSpPr>
+      <p:grpSpPr>
+        <a:xfrm>
+          <a:off x="0" y="0"/>
+          <a:ext cx="0" cy="0"/>
+          <a:chOff x="0" y="0"/>
+          <a:chExt cx="0" cy="0"/>
+        </a:xfrm>
+      </p:grpSpPr>
+      <p:sp>
+        <p:nvSpPr>
+          <p:cNvPr id="2" name="Slide Image Placeholder 1"/>
+          <p:cNvSpPr>
+            <a:spLocks noGrp="1" noRot="1" noChangeAspect="1"/>
+          </p:cNvSpPr>
+          <p:nvPr>
+            <p:ph type="sldImg"/>
+          </p:nvPr>
+        </p:nvSpPr>
+        <p:spPr/>
+      </p:sp>
+      <p:sp>
+        <p:nvSpPr>
+          <p:cNvPr id="3" name="Notes Placeholder 2"/>
+          <p:cNvSpPr>
+            <a:spLocks noGrp="1"/>
+          </p:cNvSpPr>
+          <p:nvPr>
+            <p:ph type="body" idx="1"/>
+          </p:nvPr>
+        </p:nvSpPr>
+        <p:spPr/>
+        <p:txBody>
+          <a:bodyPr/>
+          <a:lstStyle/>
+          <a:p>
+            <a:r>
+              <a:rPr lang="es-AR" sz="1200" b="1" kern="1200" dirty="0" smtClean="0">
+                <a:solidFill>
+                  <a:schemeClr val="tx1"/>
+                </a:solidFill>
+                <a:effectLst/>
+                <a:latin typeface="+mn-lt"/>
+                <a:ea typeface="+mn-ea"/>
+                <a:cs typeface="+mn-cs"/>
+              </a:rPr>
+              <a:t>Auditorías</a:t>
+            </a:r>
+            <a:endParaRPr lang="en-US" sz="1200" b="1" kern="1200" dirty="0" smtClean="0">
+              <a:solidFill>
+                <a:schemeClr val="tx1"/>
+              </a:solidFill>
+              <a:effectLst/>
+              <a:latin typeface="+mn-lt"/>
+              <a:ea typeface="+mn-ea"/>
+              <a:cs typeface="+mn-cs"/>
+            </a:endParaRPr>
+          </a:p>
+          <a:p>
+            <a:r>
+              <a:rPr lang="es-AR" sz="1200" kern="1200" dirty="0" smtClean="0">
+                <a:solidFill>
+                  <a:schemeClr val="tx1"/>
+                </a:solidFill>
+                <a:effectLst/>
+                <a:latin typeface="+mn-lt"/>
+                <a:ea typeface="+mn-ea"/>
+                <a:cs typeface="+mn-cs"/>
+              </a:rPr>
+              <a:t> </a:t>
+            </a:r>
+            <a:endParaRPr lang="en-US" sz="1200" kern="1200" dirty="0" smtClean="0">
+              <a:solidFill>
+                <a:schemeClr val="tx1"/>
+              </a:solidFill>
+              <a:effectLst/>
+              <a:latin typeface="+mn-lt"/>
+              <a:ea typeface="+mn-ea"/>
+              <a:cs typeface="+mn-cs"/>
+            </a:endParaRPr>
+          </a:p>
+          <a:p>
+            <a:r>
+              <a:rPr lang="es-AR" sz="1200" kern="1200" dirty="0" smtClean="0">
+                <a:solidFill>
+                  <a:schemeClr val="tx1"/>
+                </a:solidFill>
+                <a:effectLst/>
+                <a:latin typeface="+mn-lt"/>
+                <a:ea typeface="+mn-ea"/>
+                <a:cs typeface="+mn-cs"/>
+              </a:rPr>
+              <a:t>En las empresas, para facilitar la trazabilidad de las acciones de los usuarios, se suelen incluir procedimientos mediante los que se garantiza que el uso de los activos de información es efectivamente auditado y que es posible generar </a:t>
+            </a:r>
+            <a:r>
+              <a:rPr lang="es-AR" sz="1200" b="1" kern="1200" dirty="0" smtClean="0">
+                <a:solidFill>
+                  <a:schemeClr val="tx1"/>
+                </a:solidFill>
+                <a:effectLst/>
+                <a:latin typeface="+mn-lt"/>
+                <a:ea typeface="+mn-ea"/>
+                <a:cs typeface="+mn-cs"/>
+              </a:rPr>
+              <a:t>registros (</a:t>
+            </a:r>
+            <a:r>
+              <a:rPr lang="es-AR" sz="1200" b="1" i="1" kern="1200" dirty="0" err="1" smtClean="0">
+                <a:solidFill>
+                  <a:schemeClr val="tx1"/>
+                </a:solidFill>
+                <a:effectLst/>
+                <a:latin typeface="+mn-lt"/>
+                <a:ea typeface="+mn-ea"/>
+                <a:cs typeface="+mn-cs"/>
+              </a:rPr>
+              <a:t>logs</a:t>
+            </a:r>
+            <a:r>
+              <a:rPr lang="es-AR" sz="1200" b="1" kern="1200" dirty="0" smtClean="0">
+                <a:solidFill>
+                  <a:schemeClr val="tx1"/>
+                </a:solidFill>
+                <a:effectLst/>
+                <a:latin typeface="+mn-lt"/>
+                <a:ea typeface="+mn-ea"/>
+                <a:cs typeface="+mn-cs"/>
+              </a:rPr>
+              <a:t>) de las acciones importantes</a:t>
+            </a:r>
+            <a:r>
+              <a:rPr lang="es-AR" sz="1200" kern="1200" dirty="0" smtClean="0">
+                <a:solidFill>
+                  <a:schemeClr val="tx1"/>
+                </a:solidFill>
+                <a:effectLst/>
+                <a:latin typeface="+mn-lt"/>
+                <a:ea typeface="+mn-ea"/>
+                <a:cs typeface="+mn-cs"/>
+              </a:rPr>
+              <a:t> que se hayan definido, que si bien es un proceso técnico, implica un conocimiento de los individuos respecto a su grado de responsabilidad en lo que realizan dentro de una empresa. El conocimiento de la vinculación entre las personas y sus accesos puede evitar en gran medida la fuga de información, ya que en caso de filtrarse hacia el exterior, se podría señalar de manera directa a todos aquellos que tuvieron acceso y se podría analizar su uso previo al incidente, obteniendo posibles conclusiones y responsables. De cualquier manera, dada la imposibilidad de monitorear a las personas más allá de la esfera laboral, es estrictamente necesario que exista un alto grado de concientización y que las políticas de seguridad estén correctamente aplicadas para garantizar que quienes manejen información confidencial tengan asumidos los riesgos relacionados con su filtración.</a:t>
+            </a:r>
+          </a:p>
+          <a:p>
+            <a:endParaRPr lang="es-AR" sz="1200" b="1" kern="1200" dirty="0" smtClean="0">
+              <a:solidFill>
+                <a:schemeClr val="tx1"/>
+              </a:solidFill>
+              <a:effectLst/>
+              <a:latin typeface="+mn-lt"/>
+              <a:ea typeface="+mn-ea"/>
+              <a:cs typeface="+mn-cs"/>
+            </a:endParaRPr>
+          </a:p>
+          <a:p>
+            <a:r>
+              <a:rPr lang="es-AR" sz="1200" b="1" kern="1200" dirty="0" smtClean="0">
+                <a:solidFill>
+                  <a:schemeClr val="tx1"/>
+                </a:solidFill>
+                <a:effectLst/>
+                <a:latin typeface="+mn-lt"/>
+                <a:ea typeface="+mn-ea"/>
+                <a:cs typeface="+mn-cs"/>
+              </a:rPr>
+              <a:t>Utilización de estándares internacionales</a:t>
+            </a:r>
+            <a:endParaRPr lang="en-US" sz="1200" b="1" kern="1200" dirty="0" smtClean="0">
+              <a:solidFill>
+                <a:schemeClr val="tx1"/>
+              </a:solidFill>
+              <a:effectLst/>
+              <a:latin typeface="+mn-lt"/>
+              <a:ea typeface="+mn-ea"/>
+              <a:cs typeface="+mn-cs"/>
+            </a:endParaRPr>
+          </a:p>
+          <a:p>
+            <a:r>
+              <a:rPr lang="es-AR" sz="1200" kern="1200" dirty="0" smtClean="0">
+                <a:solidFill>
+                  <a:schemeClr val="tx1"/>
+                </a:solidFill>
+                <a:effectLst/>
+                <a:latin typeface="+mn-lt"/>
+                <a:ea typeface="+mn-ea"/>
+                <a:cs typeface="+mn-cs"/>
+              </a:rPr>
+              <a:t> </a:t>
+            </a:r>
+            <a:endParaRPr lang="en-US" sz="1200" kern="1200" dirty="0" smtClean="0">
+              <a:solidFill>
+                <a:schemeClr val="tx1"/>
+              </a:solidFill>
+              <a:effectLst/>
+              <a:latin typeface="+mn-lt"/>
+              <a:ea typeface="+mn-ea"/>
+              <a:cs typeface="+mn-cs"/>
+            </a:endParaRPr>
+          </a:p>
+          <a:p>
+            <a:r>
+              <a:rPr lang="es-AR" sz="1200" kern="1200" dirty="0" smtClean="0">
+                <a:solidFill>
+                  <a:schemeClr val="tx1"/>
+                </a:solidFill>
+                <a:effectLst/>
+                <a:latin typeface="+mn-lt"/>
+                <a:ea typeface="+mn-ea"/>
+                <a:cs typeface="+mn-cs"/>
+              </a:rPr>
+              <a:t>Para la mayoría de las actividades es necesario basarse en estándares, normalmente de alcance internacional, y normativas vinculadas a lo que se quiera organizar. La fuga de información está contemplada dentro de la gestión de la seguridad, y como tal se describen contramedidas y técnicas en distintos estándares. Así pues, se apela con frecuencia a la serie de normas ISO 27000, que está especialmente dedicada a seguridad de la información. Dentro de esta familia se encuentran específicamente algunas normas como lo son la 27001, referida a los requisitos para implementar un sistema de gestión de seguridad, la 27002 que define las mejores prácticas, la 27004 que habla sobre las métricas, la 27005 que trata sobre la gestión de riesgos, entre otras.</a:t>
+            </a:r>
+            <a:endParaRPr lang="en-US" sz="1200" kern="1200" dirty="0" smtClean="0">
+              <a:solidFill>
+                <a:schemeClr val="tx1"/>
+              </a:solidFill>
+              <a:effectLst/>
+              <a:latin typeface="+mn-lt"/>
+              <a:ea typeface="+mn-ea"/>
+              <a:cs typeface="+mn-cs"/>
+            </a:endParaRPr>
+          </a:p>
+          <a:p>
+            <a:r>
+              <a:rPr lang="es-AR" sz="1200" kern="1200" dirty="0" smtClean="0">
+                <a:solidFill>
+                  <a:schemeClr val="tx1"/>
+                </a:solidFill>
+                <a:effectLst/>
+                <a:latin typeface="+mn-lt"/>
+                <a:ea typeface="+mn-ea"/>
+                <a:cs typeface="+mn-cs"/>
+              </a:rPr>
+              <a:t> </a:t>
+            </a:r>
+            <a:endParaRPr lang="en-US" sz="1200" kern="1200" dirty="0" smtClean="0">
+              <a:solidFill>
+                <a:schemeClr val="tx1"/>
+              </a:solidFill>
+              <a:effectLst/>
+              <a:latin typeface="+mn-lt"/>
+              <a:ea typeface="+mn-ea"/>
+              <a:cs typeface="+mn-cs"/>
+            </a:endParaRPr>
+          </a:p>
+          <a:p>
+            <a:r>
+              <a:rPr lang="es-AR" sz="1200" b="1" kern="1200" dirty="0" smtClean="0">
+                <a:solidFill>
+                  <a:schemeClr val="tx1"/>
+                </a:solidFill>
+                <a:effectLst/>
+                <a:latin typeface="+mn-lt"/>
+                <a:ea typeface="+mn-ea"/>
+                <a:cs typeface="+mn-cs"/>
+              </a:rPr>
+              <a:t>Uso de </a:t>
+            </a:r>
+            <a:r>
+              <a:rPr lang="es-AR" sz="1200" b="1" i="1" kern="1200" dirty="0" err="1" smtClean="0">
+                <a:solidFill>
+                  <a:schemeClr val="tx1"/>
+                </a:solidFill>
+                <a:effectLst/>
+                <a:latin typeface="+mn-lt"/>
+                <a:ea typeface="+mn-ea"/>
+                <a:cs typeface="+mn-cs"/>
+              </a:rPr>
+              <a:t>code</a:t>
+            </a:r>
+            <a:r>
+              <a:rPr lang="es-AR" sz="1200" b="1" i="1" kern="1200" dirty="0" smtClean="0">
+                <a:solidFill>
+                  <a:schemeClr val="tx1"/>
+                </a:solidFill>
+                <a:effectLst/>
+                <a:latin typeface="+mn-lt"/>
+                <a:ea typeface="+mn-ea"/>
+                <a:cs typeface="+mn-cs"/>
+              </a:rPr>
+              <a:t> </a:t>
+            </a:r>
+            <a:r>
+              <a:rPr lang="es-AR" sz="1200" b="1" i="1" kern="1200" dirty="0" err="1" smtClean="0">
+                <a:solidFill>
+                  <a:schemeClr val="tx1"/>
+                </a:solidFill>
+                <a:effectLst/>
+                <a:latin typeface="+mn-lt"/>
+                <a:ea typeface="+mn-ea"/>
+                <a:cs typeface="+mn-cs"/>
+              </a:rPr>
+              <a:t>names</a:t>
+            </a:r>
+            <a:r>
+              <a:rPr lang="es-AR" sz="1200" b="1" i="1" kern="1200" dirty="0" smtClean="0">
+                <a:solidFill>
+                  <a:schemeClr val="tx1"/>
+                </a:solidFill>
+                <a:effectLst/>
+                <a:latin typeface="+mn-lt"/>
+                <a:ea typeface="+mn-ea"/>
+                <a:cs typeface="+mn-cs"/>
+              </a:rPr>
+              <a:t> </a:t>
+            </a:r>
+            <a:r>
+              <a:rPr lang="es-AR" sz="1200" b="1" kern="1200" dirty="0" smtClean="0">
+                <a:solidFill>
+                  <a:schemeClr val="tx1"/>
+                </a:solidFill>
+                <a:effectLst/>
+                <a:latin typeface="+mn-lt"/>
+                <a:ea typeface="+mn-ea"/>
+                <a:cs typeface="+mn-cs"/>
+              </a:rPr>
+              <a:t>para los proyectos</a:t>
+            </a:r>
+            <a:endParaRPr lang="en-US" sz="1200" b="1" kern="1200" dirty="0" smtClean="0">
+              <a:solidFill>
+                <a:schemeClr val="tx1"/>
+              </a:solidFill>
+              <a:effectLst/>
+              <a:latin typeface="+mn-lt"/>
+              <a:ea typeface="+mn-ea"/>
+              <a:cs typeface="+mn-cs"/>
+            </a:endParaRPr>
+          </a:p>
+          <a:p>
+            <a:r>
+              <a:rPr lang="es-AR" sz="1200" kern="1200" dirty="0" smtClean="0">
+                <a:solidFill>
+                  <a:schemeClr val="tx1"/>
+                </a:solidFill>
+                <a:effectLst/>
+                <a:latin typeface="+mn-lt"/>
+                <a:ea typeface="+mn-ea"/>
+                <a:cs typeface="+mn-cs"/>
+              </a:rPr>
+              <a:t> </a:t>
+            </a:r>
+            <a:endParaRPr lang="en-US" sz="1200" kern="1200" dirty="0" smtClean="0">
+              <a:solidFill>
+                <a:schemeClr val="tx1"/>
+              </a:solidFill>
+              <a:effectLst/>
+              <a:latin typeface="+mn-lt"/>
+              <a:ea typeface="+mn-ea"/>
+              <a:cs typeface="+mn-cs"/>
+            </a:endParaRPr>
+          </a:p>
+          <a:p>
+            <a:r>
+              <a:rPr lang="es-AR" sz="1200" kern="1200" dirty="0" smtClean="0">
+                <a:solidFill>
+                  <a:schemeClr val="tx1"/>
+                </a:solidFill>
+                <a:effectLst/>
+                <a:latin typeface="+mn-lt"/>
+                <a:ea typeface="+mn-ea"/>
+                <a:cs typeface="+mn-cs"/>
+              </a:rPr>
+              <a:t>Este mecanismo de defensa solo se aplica a empresas comerciales, particularmente tecnológicas. Gigantes como Microsoft y Apple suelen utilizar nombres clave para los productos que están en fase de desarrollo y aún no se han lanzado al mercado. Como ejemplos podemos mencionar al proyecto </a:t>
+            </a:r>
+            <a:r>
+              <a:rPr lang="es-AR" sz="1200" kern="1200" dirty="0" err="1" smtClean="0">
+                <a:solidFill>
+                  <a:schemeClr val="tx1"/>
+                </a:solidFill>
+                <a:effectLst/>
+                <a:latin typeface="+mn-lt"/>
+                <a:ea typeface="+mn-ea"/>
+                <a:cs typeface="+mn-cs"/>
+              </a:rPr>
+              <a:t>Blackcomb</a:t>
+            </a:r>
+            <a:r>
+              <a:rPr lang="es-AR" sz="1200" kern="1200" dirty="0" smtClean="0">
+                <a:solidFill>
+                  <a:schemeClr val="tx1"/>
+                </a:solidFill>
+                <a:effectLst/>
+                <a:latin typeface="+mn-lt"/>
+                <a:ea typeface="+mn-ea"/>
+                <a:cs typeface="+mn-cs"/>
+              </a:rPr>
+              <a:t> (Windows 7).</a:t>
+            </a:r>
+            <a:endParaRPr lang="en-US" sz="1200" kern="1200" dirty="0" smtClean="0">
+              <a:solidFill>
+                <a:schemeClr val="tx1"/>
+              </a:solidFill>
+              <a:effectLst/>
+              <a:latin typeface="+mn-lt"/>
+              <a:ea typeface="+mn-ea"/>
+              <a:cs typeface="+mn-cs"/>
+            </a:endParaRPr>
+          </a:p>
+          <a:p>
+            <a:r>
+              <a:rPr lang="es-AR" sz="1200" kern="1200" dirty="0" smtClean="0">
+                <a:solidFill>
+                  <a:schemeClr val="tx1"/>
+                </a:solidFill>
+                <a:effectLst/>
+                <a:latin typeface="+mn-lt"/>
+                <a:ea typeface="+mn-ea"/>
+                <a:cs typeface="+mn-cs"/>
+              </a:rPr>
+              <a:t> </a:t>
+            </a:r>
+            <a:endParaRPr lang="en-US" sz="1200" kern="1200" dirty="0" smtClean="0">
+              <a:solidFill>
+                <a:schemeClr val="tx1"/>
+              </a:solidFill>
+              <a:effectLst/>
+              <a:latin typeface="+mn-lt"/>
+              <a:ea typeface="+mn-ea"/>
+              <a:cs typeface="+mn-cs"/>
+            </a:endParaRPr>
+          </a:p>
+          <a:p>
+            <a:r>
+              <a:rPr lang="es-AR" sz="1200" kern="1200" dirty="0" smtClean="0">
+                <a:solidFill>
+                  <a:schemeClr val="tx1"/>
+                </a:solidFill>
+                <a:effectLst/>
+                <a:latin typeface="+mn-lt"/>
+                <a:ea typeface="+mn-ea"/>
+                <a:cs typeface="+mn-cs"/>
+              </a:rPr>
+              <a:t>Las razones para su uso son varias:</a:t>
+            </a:r>
+            <a:endParaRPr lang="en-US" sz="1200" kern="1200" dirty="0" smtClean="0">
+              <a:solidFill>
+                <a:schemeClr val="tx1"/>
+              </a:solidFill>
+              <a:effectLst/>
+              <a:latin typeface="+mn-lt"/>
+              <a:ea typeface="+mn-ea"/>
+              <a:cs typeface="+mn-cs"/>
+            </a:endParaRPr>
+          </a:p>
+          <a:p>
+            <a:pPr lvl="0"/>
+            <a:r>
+              <a:rPr lang="es-AR" sz="1200" u="none" strike="noStrike" kern="1200" dirty="0" smtClean="0">
+                <a:solidFill>
+                  <a:schemeClr val="tx1"/>
+                </a:solidFill>
+                <a:effectLst/>
+                <a:latin typeface="+mn-lt"/>
+                <a:ea typeface="+mn-ea"/>
+                <a:cs typeface="+mn-cs"/>
+              </a:rPr>
+              <a:t>Permiten a los trabajadores de dichos productos hablar sobre los mismos sin revelar de qué se trata a terceros. Al utilizar nombres neutrales, se obliga a enfocarse en el producto y prevenir la generación de asociaciones basándose en el nombre.</a:t>
+            </a:r>
+            <a:endParaRPr lang="en-US" u="none" strike="noStrike" dirty="0" smtClean="0">
+              <a:effectLst/>
+            </a:endParaRPr>
+          </a:p>
+          <a:p>
+            <a:pPr lvl="0"/>
+            <a:r>
+              <a:rPr lang="es-AR" sz="1200" u="none" strike="noStrike" kern="1200" dirty="0" smtClean="0">
+                <a:solidFill>
+                  <a:schemeClr val="tx1"/>
+                </a:solidFill>
+                <a:effectLst/>
+                <a:latin typeface="+mn-lt"/>
+                <a:ea typeface="+mn-ea"/>
+                <a:cs typeface="+mn-cs"/>
+              </a:rPr>
+              <a:t>Permiten crear un impacto positivo en los potenciales consumidores, al utilizar nombres que atraen al mercado.</a:t>
+            </a:r>
+            <a:r>
+              <a:rPr lang="es-AR" sz="1200" i="1" u="sng" strike="noStrike" kern="1200" dirty="0" smtClean="0">
+                <a:solidFill>
+                  <a:schemeClr val="tx1"/>
+                </a:solidFill>
+                <a:effectLst/>
+                <a:latin typeface="+mn-lt"/>
+                <a:ea typeface="+mn-ea"/>
+                <a:cs typeface="+mn-cs"/>
+              </a:rPr>
+              <a:t> </a:t>
+            </a:r>
+            <a:endParaRPr lang="en-US" sz="1200" kern="1200" dirty="0">
+              <a:solidFill>
+                <a:schemeClr val="tx1"/>
+              </a:solidFill>
+              <a:effectLst/>
+              <a:latin typeface="+mn-lt"/>
+              <a:ea typeface="+mn-ea"/>
+              <a:cs typeface="+mn-cs"/>
+            </a:endParaRPr>
+          </a:p>
+        </p:txBody>
+      </p:sp>
+      <p:sp>
+        <p:nvSpPr>
+          <p:cNvPr id="4" name="Slide Number Placeholder 3"/>
+          <p:cNvSpPr>
+            <a:spLocks noGrp="1"/>
+          </p:cNvSpPr>
+          <p:nvPr>
+            <p:ph type="sldNum" sz="quarter" idx="10"/>
+          </p:nvPr>
+        </p:nvSpPr>
+        <p:spPr/>
+        <p:txBody>
+          <a:bodyPr/>
+          <a:lstStyle/>
+          <a:p>
+            <a:fld id="{F93199CD-3E1B-4AE6-990F-76F925F5EA9F}" type="slidenum">
+              <a:rPr lang="en-US" smtClean="0"/>
+              <a:t>12</a:t>
+            </a:fld>
+            <a:endParaRPr lang="en-US"/>
+          </a:p>
+        </p:txBody>
+      </p:sp>
+    </p:spTree>
+    <p:extLst>
+      <p:ext uri="{BB962C8B-B14F-4D97-AF65-F5344CB8AC3E}">
+        <p14:creationId xmlns:p14="http://schemas.microsoft.com/office/powerpoint/2010/main" val="707643668"/>
+      </p:ext>
+    </p:extLst>
+  </p:cSld>
+  <p:clrMapOvr>
+    <a:masterClrMapping/>
+  </p:clrMapOvr>
+</p:notes>
+</file>
+
+<file path=ppt/notesSlides/notesSlide12.xml><?xml version="1.0" encoding="utf-8"?>
+<p:notes xmlns:a="http://schemas.openxmlformats.org/drawingml/2006/main" xmlns:r="http://schemas.openxmlformats.org/officeDocument/2006/relationships" xmlns:p="http://schemas.openxmlformats.org/presentationml/2006/main">
+  <p:cSld>
+    <p:spTree>
+      <p:nvGrpSpPr>
+        <p:cNvPr id="1" name=""/>
+        <p:cNvGrpSpPr/>
+        <p:nvPr/>
+      </p:nvGrpSpPr>
+      <p:grpSpPr>
+        <a:xfrm>
+          <a:off x="0" y="0"/>
+          <a:ext cx="0" cy="0"/>
+          <a:chOff x="0" y="0"/>
+          <a:chExt cx="0" cy="0"/>
+        </a:xfrm>
+      </p:grpSpPr>
+      <p:sp>
+        <p:nvSpPr>
+          <p:cNvPr id="2" name="Slide Image Placeholder 1"/>
+          <p:cNvSpPr>
+            <a:spLocks noGrp="1" noRot="1" noChangeAspect="1"/>
+          </p:cNvSpPr>
+          <p:nvPr>
+            <p:ph type="sldImg"/>
+          </p:nvPr>
+        </p:nvSpPr>
+        <p:spPr/>
+      </p:sp>
+      <p:sp>
+        <p:nvSpPr>
+          <p:cNvPr id="3" name="Notes Placeholder 2"/>
+          <p:cNvSpPr>
+            <a:spLocks noGrp="1"/>
+          </p:cNvSpPr>
+          <p:nvPr>
+            <p:ph type="body" idx="1"/>
+          </p:nvPr>
+        </p:nvSpPr>
+        <p:spPr/>
+        <p:txBody>
+          <a:bodyPr/>
+          <a:lstStyle/>
+          <a:p>
+            <a:endParaRPr lang="en-US"/>
+          </a:p>
+        </p:txBody>
+      </p:sp>
+      <p:sp>
+        <p:nvSpPr>
+          <p:cNvPr id="4" name="Slide Number Placeholder 3"/>
+          <p:cNvSpPr>
+            <a:spLocks noGrp="1"/>
+          </p:cNvSpPr>
+          <p:nvPr>
+            <p:ph type="sldNum" sz="quarter" idx="10"/>
+          </p:nvPr>
+        </p:nvSpPr>
+        <p:spPr/>
+        <p:txBody>
+          <a:bodyPr/>
+          <a:lstStyle/>
+          <a:p>
+            <a:fld id="{F93199CD-3E1B-4AE6-990F-76F925F5EA9F}" type="slidenum">
+              <a:rPr lang="en-US" smtClean="0"/>
+              <a:t>13</a:t>
+            </a:fld>
+            <a:endParaRPr lang="en-US"/>
+          </a:p>
+        </p:txBody>
+      </p:sp>
+    </p:spTree>
+    <p:extLst>
+      <p:ext uri="{BB962C8B-B14F-4D97-AF65-F5344CB8AC3E}">
+        <p14:creationId xmlns:p14="http://schemas.microsoft.com/office/powerpoint/2010/main" val="1014212789"/>
+      </p:ext>
+    </p:extLst>
+  </p:cSld>
+  <p:clrMapOvr>
+    <a:masterClrMapping/>
+  </p:clrMapOvr>
+</p:notes>
+</file>
+
+<file path=ppt/notesSlides/notesSlide13.xml><?xml version="1.0" encoding="utf-8"?>
+<p:notes xmlns:a="http://schemas.openxmlformats.org/drawingml/2006/main" xmlns:r="http://schemas.openxmlformats.org/officeDocument/2006/relationships" xmlns:p="http://schemas.openxmlformats.org/presentationml/2006/main">
+  <p:cSld>
+    <p:spTree>
+      <p:nvGrpSpPr>
+        <p:cNvPr id="1" name=""/>
+        <p:cNvGrpSpPr/>
+        <p:nvPr/>
+      </p:nvGrpSpPr>
+      <p:grpSpPr>
+        <a:xfrm>
+          <a:off x="0" y="0"/>
+          <a:ext cx="0" cy="0"/>
+          <a:chOff x="0" y="0"/>
+          <a:chExt cx="0" cy="0"/>
+        </a:xfrm>
+      </p:grpSpPr>
+      <p:sp>
+        <p:nvSpPr>
+          <p:cNvPr id="2" name="Slide Image Placeholder 1"/>
+          <p:cNvSpPr>
+            <a:spLocks noGrp="1" noRot="1" noChangeAspect="1"/>
+          </p:cNvSpPr>
+          <p:nvPr>
+            <p:ph type="sldImg"/>
+          </p:nvPr>
+        </p:nvSpPr>
+        <p:spPr/>
+      </p:sp>
+      <p:sp>
+        <p:nvSpPr>
+          <p:cNvPr id="3" name="Notes Placeholder 2"/>
+          <p:cNvSpPr>
+            <a:spLocks noGrp="1"/>
+          </p:cNvSpPr>
+          <p:nvPr>
+            <p:ph type="body" idx="1"/>
+          </p:nvPr>
+        </p:nvSpPr>
+        <p:spPr/>
+        <p:txBody>
+          <a:bodyPr/>
+          <a:lstStyle/>
+          <a:p>
+            <a:endParaRPr lang="en-US"/>
+          </a:p>
+        </p:txBody>
+      </p:sp>
+      <p:sp>
+        <p:nvSpPr>
+          <p:cNvPr id="4" name="Slide Number Placeholder 3"/>
+          <p:cNvSpPr>
+            <a:spLocks noGrp="1"/>
+          </p:cNvSpPr>
+          <p:nvPr>
+            <p:ph type="sldNum" sz="quarter" idx="10"/>
+          </p:nvPr>
+        </p:nvSpPr>
+        <p:spPr/>
+        <p:txBody>
+          <a:bodyPr/>
+          <a:lstStyle/>
+          <a:p>
+            <a:fld id="{F93199CD-3E1B-4AE6-990F-76F925F5EA9F}" type="slidenum">
+              <a:rPr lang="en-US" smtClean="0"/>
+              <a:t>14</a:t>
+            </a:fld>
+            <a:endParaRPr lang="en-US"/>
+          </a:p>
+        </p:txBody>
+      </p:sp>
+    </p:spTree>
+    <p:extLst>
+      <p:ext uri="{BB962C8B-B14F-4D97-AF65-F5344CB8AC3E}">
+        <p14:creationId xmlns:p14="http://schemas.microsoft.com/office/powerpoint/2010/main" val="127681626"/>
       </p:ext>
     </p:extLst>
   </p:cSld>
@@ -1419,308 +2528,7 @@
           <a:bodyPr/>
           <a:lstStyle/>
           <a:p>
-            <a:pPr marL="0" marR="0" indent="0" algn="l" defTabSz="914400" rtl="0" eaLnBrk="1" fontAlgn="auto" latinLnBrk="0" hangingPunct="1">
-              <a:lnSpc>
-                <a:spcPct val="100000"/>
-              </a:lnSpc>
-              <a:spcBef>
-                <a:spcPts val="0"/>
-              </a:spcBef>
-              <a:spcAft>
-                <a:spcPts val="0"/>
-              </a:spcAft>
-              <a:buClrTx/>
-              <a:buSzTx/>
-              <a:buFontTx/>
-              <a:buNone/>
-              <a:tabLst/>
-              <a:defRPr/>
-            </a:pPr>
-            <a:r>
-              <a:rPr lang="es-AR" sz="1200" kern="1200" dirty="0" smtClean="0">
-                <a:solidFill>
-                  <a:schemeClr val="tx1"/>
-                </a:solidFill>
-                <a:effectLst/>
-                <a:latin typeface="+mn-lt"/>
-                <a:ea typeface="+mn-ea"/>
-                <a:cs typeface="+mn-cs"/>
-              </a:rPr>
-              <a:t>El siglo XXI se caracteriza por un cambio de la economía tradicional traída en la revolución industrial hacia una </a:t>
-            </a:r>
-            <a:r>
-              <a:rPr lang="es-AR" sz="1200" b="1" kern="1200" dirty="0" smtClean="0">
-                <a:solidFill>
-                  <a:schemeClr val="tx1"/>
-                </a:solidFill>
-                <a:effectLst/>
-                <a:latin typeface="+mn-lt"/>
-                <a:ea typeface="+mn-ea"/>
-                <a:cs typeface="+mn-cs"/>
-              </a:rPr>
-              <a:t>economía basada en la información.</a:t>
-            </a:r>
-            <a:r>
-              <a:rPr lang="es-AR" sz="1200" kern="1200" dirty="0" smtClean="0">
-                <a:solidFill>
-                  <a:schemeClr val="tx1"/>
-                </a:solidFill>
-                <a:effectLst/>
-                <a:latin typeface="+mn-lt"/>
-                <a:ea typeface="+mn-ea"/>
-                <a:cs typeface="+mn-cs"/>
-              </a:rPr>
-              <a:t> Durante esta era, la industria es capaz de explorar las necesidades personales de los consumidores, lo cual trae aparejado una reducción de costos tanto para los consumidores como para las empresas.</a:t>
-            </a:r>
-            <a:endParaRPr lang="en-US" sz="1200" kern="1200" dirty="0" smtClean="0">
-              <a:solidFill>
-                <a:schemeClr val="tx1"/>
-              </a:solidFill>
-              <a:effectLst/>
-              <a:latin typeface="+mn-lt"/>
-              <a:ea typeface="+mn-ea"/>
-              <a:cs typeface="+mn-cs"/>
-            </a:endParaRPr>
-          </a:p>
-          <a:p>
-            <a:r>
-              <a:rPr lang="es-AR" sz="1200" kern="1200" dirty="0" smtClean="0">
-                <a:solidFill>
-                  <a:schemeClr val="tx1"/>
-                </a:solidFill>
-                <a:effectLst/>
-                <a:latin typeface="+mn-lt"/>
-                <a:ea typeface="+mn-ea"/>
-                <a:cs typeface="+mn-cs"/>
-              </a:rPr>
-              <a:t>Durante este período, caracterizado por la miniaturización de las computadoras y la </a:t>
-            </a:r>
-            <a:r>
-              <a:rPr lang="es-AR" sz="1200" b="1" kern="1200" dirty="0" smtClean="0">
-                <a:solidFill>
-                  <a:schemeClr val="tx1"/>
-                </a:solidFill>
-                <a:effectLst/>
-                <a:latin typeface="+mn-lt"/>
-                <a:ea typeface="+mn-ea"/>
-                <a:cs typeface="+mn-cs"/>
-              </a:rPr>
-              <a:t>proliferación de internet </a:t>
-            </a:r>
-            <a:r>
-              <a:rPr lang="es-AR" sz="1200" kern="1200" dirty="0" smtClean="0">
-                <a:solidFill>
-                  <a:schemeClr val="tx1"/>
-                </a:solidFill>
-                <a:effectLst/>
-                <a:latin typeface="+mn-lt"/>
-                <a:ea typeface="+mn-ea"/>
-                <a:cs typeface="+mn-cs"/>
-              </a:rPr>
-              <a:t>desde el año 1990, la fuga de información se ve incrementada gracias a la rápida expansión de los medios de comunicación. Dado que existen más formas de comunicación que se utilizan dentro de las organizaciones, han emergido nuevas formas de fuga de información, como ser la mensajería instantánea, los correos electrónicos, la ingeniería social, etc.</a:t>
-            </a:r>
-            <a:endParaRPr lang="en-US" sz="1200" kern="1200" dirty="0" smtClean="0">
-              <a:solidFill>
-                <a:schemeClr val="tx1"/>
-              </a:solidFill>
-              <a:effectLst/>
-              <a:latin typeface="+mn-lt"/>
-              <a:ea typeface="+mn-ea"/>
-              <a:cs typeface="+mn-cs"/>
-            </a:endParaRPr>
-          </a:p>
-          <a:p>
-            <a:r>
-              <a:rPr lang="es-AR" sz="1200" kern="1200" dirty="0" smtClean="0">
-                <a:solidFill>
-                  <a:schemeClr val="tx1"/>
-                </a:solidFill>
-                <a:effectLst/>
-                <a:latin typeface="+mn-lt"/>
-                <a:ea typeface="+mn-ea"/>
-                <a:cs typeface="+mn-cs"/>
-              </a:rPr>
-              <a:t>En el campo de la </a:t>
-            </a:r>
-            <a:r>
-              <a:rPr lang="es-AR" sz="1200" b="1" kern="1200" dirty="0" smtClean="0">
-                <a:solidFill>
-                  <a:schemeClr val="tx1"/>
-                </a:solidFill>
-                <a:effectLst/>
-                <a:latin typeface="+mn-lt"/>
-                <a:ea typeface="+mn-ea"/>
-                <a:cs typeface="+mn-cs"/>
-              </a:rPr>
-              <a:t>medicina</a:t>
-            </a:r>
-            <a:r>
-              <a:rPr lang="es-AR" sz="1200" kern="1200" dirty="0" smtClean="0">
-                <a:solidFill>
-                  <a:schemeClr val="tx1"/>
-                </a:solidFill>
-                <a:effectLst/>
-                <a:latin typeface="+mn-lt"/>
-                <a:ea typeface="+mn-ea"/>
-                <a:cs typeface="+mn-cs"/>
-              </a:rPr>
-              <a:t>, la situación es crítica. La información clínica de los pacientes es almacenada electrónicamente, y esto permite que las autoridades envíen registros de enfermedades a investigadores; en muchas ocasiones esto incluye los nombres y direcciones de los pacientes, sin su consentimiento explícito.</a:t>
-            </a:r>
-            <a:endParaRPr lang="en-US" sz="1200" kern="1200" dirty="0" smtClean="0">
-              <a:solidFill>
-                <a:schemeClr val="tx1"/>
-              </a:solidFill>
-              <a:effectLst/>
-              <a:latin typeface="+mn-lt"/>
-              <a:ea typeface="+mn-ea"/>
-              <a:cs typeface="+mn-cs"/>
-            </a:endParaRPr>
-          </a:p>
-          <a:p>
-            <a:r>
-              <a:rPr lang="es-AR" sz="1200" kern="1200" dirty="0" smtClean="0">
-                <a:solidFill>
-                  <a:schemeClr val="tx1"/>
-                </a:solidFill>
-                <a:effectLst/>
-                <a:latin typeface="+mn-lt"/>
-                <a:ea typeface="+mn-ea"/>
-                <a:cs typeface="+mn-cs"/>
-              </a:rPr>
-              <a:t>El </a:t>
-            </a:r>
-            <a:r>
-              <a:rPr lang="es-AR" sz="1200" b="1" kern="1200" dirty="0" smtClean="0">
-                <a:solidFill>
-                  <a:schemeClr val="tx1"/>
-                </a:solidFill>
-                <a:effectLst/>
-                <a:latin typeface="+mn-lt"/>
-                <a:ea typeface="+mn-ea"/>
-                <a:cs typeface="+mn-cs"/>
-              </a:rPr>
-              <a:t>principal capital de las empresas tecnológicas</a:t>
-            </a:r>
-            <a:r>
-              <a:rPr lang="es-AR" sz="1200" kern="1200" dirty="0" smtClean="0">
-                <a:solidFill>
-                  <a:schemeClr val="tx1"/>
-                </a:solidFill>
-                <a:effectLst/>
-                <a:latin typeface="+mn-lt"/>
-                <a:ea typeface="+mn-ea"/>
-                <a:cs typeface="+mn-cs"/>
-              </a:rPr>
-              <a:t> lo conforman los bienes o activos intangibles: información, conocimientos, algoritmos, fórmulas, invenciones, procesos, estrategia comercial y bases de datos, entre otros. Las organizaciones del siglo XXI deben estar preparadas para los siguientes desafíos: </a:t>
-            </a:r>
-            <a:endParaRPr lang="en-US" sz="1200" kern="1200" dirty="0" smtClean="0">
-              <a:solidFill>
-                <a:schemeClr val="tx1"/>
-              </a:solidFill>
-              <a:effectLst/>
-              <a:latin typeface="+mn-lt"/>
-              <a:ea typeface="+mn-ea"/>
-              <a:cs typeface="+mn-cs"/>
-            </a:endParaRPr>
-          </a:p>
-          <a:p>
-            <a:pPr lvl="0"/>
-            <a:r>
-              <a:rPr lang="es-AR" sz="1200" u="none" strike="noStrike" kern="1200" dirty="0" smtClean="0">
-                <a:solidFill>
-                  <a:schemeClr val="tx1"/>
-                </a:solidFill>
-                <a:effectLst/>
-                <a:latin typeface="+mn-lt"/>
-                <a:ea typeface="+mn-ea"/>
-                <a:cs typeface="+mn-cs"/>
-              </a:rPr>
-              <a:t>Manejar y procesar grandes volúmenes de información diversa a alta velocidad. </a:t>
-            </a:r>
-            <a:endParaRPr lang="en-US" sz="1200" u="none" strike="noStrike" kern="1200" dirty="0" smtClean="0">
-              <a:solidFill>
-                <a:schemeClr val="tx1"/>
-              </a:solidFill>
-              <a:effectLst/>
-              <a:latin typeface="+mn-lt"/>
-              <a:ea typeface="+mn-ea"/>
-              <a:cs typeface="+mn-cs"/>
-            </a:endParaRPr>
-          </a:p>
-          <a:p>
-            <a:pPr lvl="0"/>
-            <a:r>
-              <a:rPr lang="es-AR" sz="1200" u="none" strike="noStrike" kern="1200" dirty="0" smtClean="0">
-                <a:solidFill>
-                  <a:schemeClr val="tx1"/>
-                </a:solidFill>
-                <a:effectLst/>
-                <a:latin typeface="+mn-lt"/>
-                <a:ea typeface="+mn-ea"/>
-                <a:cs typeface="+mn-cs"/>
-              </a:rPr>
-              <a:t>Analizar datos estructurados y no estructurados, tanto dentro como fuera de sus redes.</a:t>
-            </a:r>
-            <a:endParaRPr lang="en-US" sz="1200" u="none" strike="noStrike" kern="1200" dirty="0" smtClean="0">
-              <a:solidFill>
-                <a:schemeClr val="tx1"/>
-              </a:solidFill>
-              <a:effectLst/>
-              <a:latin typeface="+mn-lt"/>
-              <a:ea typeface="+mn-ea"/>
-              <a:cs typeface="+mn-cs"/>
-            </a:endParaRPr>
-          </a:p>
-          <a:p>
-            <a:pPr lvl="0"/>
-            <a:r>
-              <a:rPr lang="es-AR" sz="1200" u="none" strike="noStrike" kern="1200" dirty="0" smtClean="0">
-                <a:solidFill>
-                  <a:schemeClr val="tx1"/>
-                </a:solidFill>
-                <a:effectLst/>
-                <a:latin typeface="+mn-lt"/>
-                <a:ea typeface="+mn-ea"/>
-                <a:cs typeface="+mn-cs"/>
-              </a:rPr>
-              <a:t>Monitorear eventos en entornos de nube, móviles y virtuales.</a:t>
-            </a:r>
-            <a:endParaRPr lang="en-US" sz="1200" u="none" strike="noStrike" kern="1200" dirty="0" smtClean="0">
-              <a:solidFill>
-                <a:schemeClr val="tx1"/>
-              </a:solidFill>
-              <a:effectLst/>
-              <a:latin typeface="+mn-lt"/>
-              <a:ea typeface="+mn-ea"/>
-              <a:cs typeface="+mn-cs"/>
-            </a:endParaRPr>
-          </a:p>
-          <a:p>
-            <a:pPr lvl="0"/>
-            <a:r>
-              <a:rPr lang="es-AR" sz="1200" u="none" strike="noStrike" kern="1200" dirty="0" smtClean="0">
-                <a:solidFill>
-                  <a:schemeClr val="tx1"/>
-                </a:solidFill>
-                <a:effectLst/>
-                <a:latin typeface="+mn-lt"/>
-                <a:ea typeface="+mn-ea"/>
-                <a:cs typeface="+mn-cs"/>
-              </a:rPr>
-              <a:t>Adoptar acciones automáticamente cuando se detecta una amenaza.</a:t>
-            </a:r>
-            <a:endParaRPr lang="en-US" sz="1200" u="none" strike="noStrike" kern="1200" dirty="0" smtClean="0">
-              <a:solidFill>
-                <a:schemeClr val="tx1"/>
-              </a:solidFill>
-              <a:effectLst/>
-              <a:latin typeface="+mn-lt"/>
-              <a:ea typeface="+mn-ea"/>
-              <a:cs typeface="+mn-cs"/>
-            </a:endParaRPr>
-          </a:p>
-          <a:p>
-            <a:endParaRPr lang="en-US" dirty="0"/>
+            <a:endParaRPr lang="en-US"/>
           </a:p>
         </p:txBody>
       </p:sp>
@@ -1750,7 +2558,7 @@
     </p:spTree>
     <p:extLst>
       <p:ext uri="{BB962C8B-B14F-4D97-AF65-F5344CB8AC3E}">
-        <p14:creationId xmlns:p14="http://schemas.microsoft.com/office/powerpoint/2010/main" val="3805029774"/>
+        <p14:creationId xmlns:p14="http://schemas.microsoft.com/office/powerpoint/2010/main" val="673749994"/>
       </p:ext>
     </p:extLst>
   </p:cSld>
@@ -1834,7 +2642,7 @@
     </p:spTree>
     <p:extLst>
       <p:ext uri="{BB962C8B-B14F-4D97-AF65-F5344CB8AC3E}">
-        <p14:creationId xmlns:p14="http://schemas.microsoft.com/office/powerpoint/2010/main" val="655676726"/>
+        <p14:creationId xmlns:p14="http://schemas.microsoft.com/office/powerpoint/2010/main" val="24731803"/>
       </p:ext>
     </p:extLst>
   </p:cSld>
@@ -2370,7 +3178,7 @@
     </p:spTree>
     <p:extLst>
       <p:ext uri="{BB962C8B-B14F-4D97-AF65-F5344CB8AC3E}">
-        <p14:creationId xmlns:p14="http://schemas.microsoft.com/office/powerpoint/2010/main" val="2488318766"/>
+        <p14:creationId xmlns:p14="http://schemas.microsoft.com/office/powerpoint/2010/main" val="3164564061"/>
       </p:ext>
     </p:extLst>
   </p:cSld>
@@ -2424,8 +3232,109 @@
           <a:bodyPr/>
           <a:lstStyle/>
           <a:p>
-            <a:r>
-              <a:rPr lang="es-AR" sz="1200" b="1" kern="1200" dirty="0" smtClean="0">
+            <a:endParaRPr lang="en-US"/>
+          </a:p>
+        </p:txBody>
+      </p:sp>
+      <p:sp>
+        <p:nvSpPr>
+          <p:cNvPr id="4" name="Slide Number Placeholder 3"/>
+          <p:cNvSpPr>
+            <a:spLocks noGrp="1"/>
+          </p:cNvSpPr>
+          <p:nvPr>
+            <p:ph type="sldNum" sz="quarter" idx="10"/>
+          </p:nvPr>
+        </p:nvSpPr>
+        <p:spPr/>
+        <p:txBody>
+          <a:bodyPr/>
+          <a:lstStyle/>
+          <a:p>
+            <a:fld id="{F93199CD-3E1B-4AE6-990F-76F925F5EA9F}" type="slidenum">
+              <a:rPr lang="en-US" smtClean="0"/>
+              <a:t>8</a:t>
+            </a:fld>
+            <a:endParaRPr lang="en-US"/>
+          </a:p>
+        </p:txBody>
+      </p:sp>
+    </p:spTree>
+    <p:extLst>
+      <p:ext uri="{BB962C8B-B14F-4D97-AF65-F5344CB8AC3E}">
+        <p14:creationId xmlns:p14="http://schemas.microsoft.com/office/powerpoint/2010/main" val="1362585539"/>
+      </p:ext>
+    </p:extLst>
+  </p:cSld>
+  <p:clrMapOvr>
+    <a:masterClrMapping/>
+  </p:clrMapOvr>
+</p:notes>
+</file>
+
+<file path=ppt/notesSlides/notesSlide8.xml><?xml version="1.0" encoding="utf-8"?>
+<p:notes xmlns:a="http://schemas.openxmlformats.org/drawingml/2006/main" xmlns:r="http://schemas.openxmlformats.org/officeDocument/2006/relationships" xmlns:p="http://schemas.openxmlformats.org/presentationml/2006/main">
+  <p:cSld>
+    <p:spTree>
+      <p:nvGrpSpPr>
+        <p:cNvPr id="1" name=""/>
+        <p:cNvGrpSpPr/>
+        <p:nvPr/>
+      </p:nvGrpSpPr>
+      <p:grpSpPr>
+        <a:xfrm>
+          <a:off x="0" y="0"/>
+          <a:ext cx="0" cy="0"/>
+          <a:chOff x="0" y="0"/>
+          <a:chExt cx="0" cy="0"/>
+        </a:xfrm>
+      </p:grpSpPr>
+      <p:sp>
+        <p:nvSpPr>
+          <p:cNvPr id="2" name="Slide Image Placeholder 1"/>
+          <p:cNvSpPr>
+            <a:spLocks noGrp="1" noRot="1" noChangeAspect="1"/>
+          </p:cNvSpPr>
+          <p:nvPr>
+            <p:ph type="sldImg"/>
+          </p:nvPr>
+        </p:nvSpPr>
+        <p:spPr/>
+      </p:sp>
+      <p:sp>
+        <p:nvSpPr>
+          <p:cNvPr id="3" name="Notes Placeholder 2"/>
+          <p:cNvSpPr>
+            <a:spLocks noGrp="1"/>
+          </p:cNvSpPr>
+          <p:nvPr>
+            <p:ph type="body" idx="1"/>
+          </p:nvPr>
+        </p:nvSpPr>
+        <p:spPr/>
+        <p:txBody>
+          <a:bodyPr/>
+          <a:lstStyle/>
+          <a:p>
+            <a:pPr marL="0" marR="0" indent="0" algn="l" defTabSz="914400" rtl="0" eaLnBrk="1" fontAlgn="auto" latinLnBrk="0" hangingPunct="1">
+              <a:lnSpc>
+                <a:spcPct val="100000"/>
+              </a:lnSpc>
+              <a:spcBef>
+                <a:spcPts val="0"/>
+              </a:spcBef>
+              <a:spcAft>
+                <a:spcPts val="0"/>
+              </a:spcAft>
+              <a:buClrTx/>
+              <a:buSzTx/>
+              <a:buFontTx/>
+              <a:buNone/>
+              <a:tabLst/>
+              <a:defRPr/>
+            </a:pPr>
+            <a:r>
+              <a:rPr lang="es-AR" sz="1200" kern="1200" dirty="0" smtClean="0">
                 <a:solidFill>
                   <a:schemeClr val="tx1"/>
                 </a:solidFill>
@@ -2434,21 +3343,10 @@
                 <a:ea typeface="+mn-ea"/>
                 <a:cs typeface="+mn-cs"/>
               </a:rPr>
-              <a:t>Auditorías</a:t>
-            </a:r>
-            <a:endParaRPr lang="en-US" sz="1200" b="1" kern="1200" dirty="0" smtClean="0">
-              <a:solidFill>
-                <a:schemeClr val="tx1"/>
-              </a:solidFill>
-              <a:effectLst/>
-              <a:latin typeface="+mn-lt"/>
-              <a:ea typeface="+mn-ea"/>
-              <a:cs typeface="+mn-cs"/>
-            </a:endParaRPr>
-          </a:p>
-          <a:p>
-            <a:r>
-              <a:rPr lang="es-AR" sz="1200" kern="1200" dirty="0" smtClean="0">
+              <a:t>El siglo XXI se caracteriza por un cambio de la economía tradicional traída en la revolución industrial hacia una </a:t>
+            </a:r>
+            <a:r>
+              <a:rPr lang="es-AR" sz="1200" b="1" kern="1200" dirty="0" smtClean="0">
                 <a:solidFill>
                   <a:schemeClr val="tx1"/>
                 </a:solidFill>
@@ -2457,7 +3355,19 @@
                 <a:ea typeface="+mn-ea"/>
                 <a:cs typeface="+mn-cs"/>
               </a:rPr>
-              <a:t> </a:t>
+              <a:t>economía basada en la información.</a:t>
+            </a:r>
+            <a:r>
+              <a:rPr lang="es-AR" sz="1200" kern="1200" dirty="0" smtClean="0">
+                <a:solidFill>
+                  <a:schemeClr val="tx1"/>
+                </a:solidFill>
+                <a:effectLst/>
+                <a:latin typeface="+mn-lt"/>
+                <a:ea typeface="+mn-ea"/>
+                <a:cs typeface="+mn-cs"/>
+              </a:rPr>
+              <a:t> Durante esta era, la industria es capaz de explorar las necesidades personales de los consumidores, lo cual trae aparejado una reducción de costos tanto para los consumidores como para las empresas.</a:t>
             </a:r>
             <a:endParaRPr lang="en-US" sz="1200" kern="1200" dirty="0" smtClean="0">
               <a:solidFill>
@@ -2480,7 +3390,7 @@
                 <a:ea typeface="+mn-ea"/>
                 <a:cs typeface="+mn-cs"/>
               </a:rPr>
-              <a:t>En las empresas, para facilitar la trazabilidad de las acciones de los usuarios, se suelen incluir procedimientos mediante los que se garantiza que el uso de los activos de información es efectivamente auditado y que es posible generar </a:t>
+              <a:t>Durante este período, caracterizado por la miniaturización de las computadoras y la </a:t>
             </a:r>
             <a:r>
               <a:rPr lang="es-AR" sz="1200" b="1" kern="1200" dirty="0" smtClean="0">
@@ -2492,10 +3402,10 @@
                 <a:ea typeface="+mn-ea"/>
                 <a:cs typeface="+mn-cs"/>
               </a:rPr>
-              <a:t>registros (</a:t>
-            </a:r>
-            <a:r>
-              <a:rPr lang="es-AR" sz="1200" b="1" i="1" kern="1200" dirty="0" err="1" smtClean="0">
+              <a:t>proliferación de internet </a:t>
+            </a:r>
+            <a:r>
+              <a:rPr lang="es-AR" sz="1200" kern="1200" dirty="0" smtClean="0">
                 <a:solidFill>
                   <a:schemeClr val="tx1"/>
                 </a:solidFill>
@@ -2504,79 +3414,7 @@
                 <a:ea typeface="+mn-ea"/>
                 <a:cs typeface="+mn-cs"/>
               </a:rPr>
-              <a:t>logs</a:t>
-            </a:r>
-            <a:r>
-              <a:rPr lang="es-AR" sz="1200" b="1" kern="1200" dirty="0" smtClean="0">
-                <a:solidFill>
-                  <a:schemeClr val="tx1"/>
-                </a:solidFill>
-                <a:effectLst/>
-                <a:latin typeface="+mn-lt"/>
-                <a:ea typeface="+mn-ea"/>
-                <a:cs typeface="+mn-cs"/>
-              </a:rPr>
-              <a:t>) de las acciones importantes</a:t>
-            </a:r>
-            <a:r>
-              <a:rPr lang="es-AR" sz="1200" kern="1200" dirty="0" smtClean="0">
-                <a:solidFill>
-                  <a:schemeClr val="tx1"/>
-                </a:solidFill>
-                <a:effectLst/>
-                <a:latin typeface="+mn-lt"/>
-                <a:ea typeface="+mn-ea"/>
-                <a:cs typeface="+mn-cs"/>
-              </a:rPr>
-              <a:t> que se hayan definido, que si bien es un proceso técnico, implica un conocimiento de los individuos respecto a su grado de responsabilidad en lo que realizan dentro de una empresa. El conocimiento de la vinculación entre las personas y sus accesos puede evitar en gran medida la fuga de información, ya que en caso de filtrarse hacia el exterior, se podría señalar de manera directa a todos aquellos que tuvieron acceso y se podría analizar su uso previo al incidente, obteniendo posibles conclusiones y responsables. De cualquier manera, dada la imposibilidad de monitorear a las personas más allá de la esfera laboral, es estrictamente necesario que exista un alto grado de concientización y que las políticas de seguridad estén correctamente aplicadas para garantizar que quienes manejen información confidencial tengan asumidos los riesgos relacionados con su filtración.</a:t>
-            </a:r>
-          </a:p>
-          <a:p>
-            <a:endParaRPr lang="es-AR" sz="1200" b="1" kern="1200" dirty="0" smtClean="0">
-              <a:solidFill>
-                <a:schemeClr val="tx1"/>
-              </a:solidFill>
-              <a:effectLst/>
-              <a:latin typeface="+mn-lt"/>
-              <a:ea typeface="+mn-ea"/>
-              <a:cs typeface="+mn-cs"/>
-            </a:endParaRPr>
-          </a:p>
-          <a:p>
-            <a:r>
-              <a:rPr lang="es-AR" sz="1200" b="1" kern="1200" dirty="0" smtClean="0">
-                <a:solidFill>
-                  <a:schemeClr val="tx1"/>
-                </a:solidFill>
-                <a:effectLst/>
-                <a:latin typeface="+mn-lt"/>
-                <a:ea typeface="+mn-ea"/>
-                <a:cs typeface="+mn-cs"/>
-              </a:rPr>
-              <a:t>Utilización de estándares internacionales</a:t>
-            </a:r>
-            <a:endParaRPr lang="en-US" sz="1200" b="1" kern="1200" dirty="0" smtClean="0">
-              <a:solidFill>
-                <a:schemeClr val="tx1"/>
-              </a:solidFill>
-              <a:effectLst/>
-              <a:latin typeface="+mn-lt"/>
-              <a:ea typeface="+mn-ea"/>
-              <a:cs typeface="+mn-cs"/>
-            </a:endParaRPr>
-          </a:p>
-          <a:p>
-            <a:r>
-              <a:rPr lang="es-AR" sz="1200" kern="1200" dirty="0" smtClean="0">
-                <a:solidFill>
-                  <a:schemeClr val="tx1"/>
-                </a:solidFill>
-                <a:effectLst/>
-                <a:latin typeface="+mn-lt"/>
-                <a:ea typeface="+mn-ea"/>
-                <a:cs typeface="+mn-cs"/>
-              </a:rPr>
-              <a:t> </a:t>
+              <a:t>desde el año 1990, la fuga de información se ve incrementada gracias a la rápida expansión de los medios de comunicación. Dado que existen más formas de comunicación que se utilizan dentro de las organizaciones, han emergido nuevas formas de fuga de información, como ser la mensajería instantánea, los correos electrónicos, la ingeniería social, etc.</a:t>
             </a:r>
             <a:endParaRPr lang="en-US" sz="1200" kern="1200" dirty="0" smtClean="0">
               <a:solidFill>
@@ -2599,7 +3437,31 @@
                 <a:ea typeface="+mn-ea"/>
                 <a:cs typeface="+mn-cs"/>
               </a:rPr>
-              <a:t>Para la mayoría de las actividades es necesario basarse en estándares, normalmente de alcance internacional, y normativas vinculadas a lo que se quiera organizar. La fuga de información está contemplada dentro de la gestión de la seguridad, y como tal se describen contramedidas y técnicas en distintos estándares. Así pues, se apela con frecuencia a la serie de normas ISO 27000, que está especialmente dedicada a seguridad de la información. Dentro de esta familia se encuentran específicamente algunas normas como lo son la 27001, referida a los requisitos para implementar un sistema de gestión de seguridad, la 27002 que define las mejores prácticas, la 27004 que habla sobre las métricas, la 27005 que trata sobre la gestión de riesgos, entre otras.</a:t>
+              <a:t>En el campo de la </a:t>
+            </a:r>
+            <a:r>
+              <a:rPr lang="es-AR" sz="1200" b="1" kern="1200" dirty="0" smtClean="0">
+                <a:solidFill>
+                  <a:schemeClr val="tx1"/>
+                </a:solidFill>
+                <a:effectLst/>
+                <a:latin typeface="+mn-lt"/>
+                <a:ea typeface="+mn-ea"/>
+                <a:cs typeface="+mn-cs"/>
+              </a:rPr>
+              <a:t>medicina</a:t>
+            </a:r>
+            <a:r>
+              <a:rPr lang="es-AR" sz="1200" kern="1200" dirty="0" smtClean="0">
+                <a:solidFill>
+                  <a:schemeClr val="tx1"/>
+                </a:solidFill>
+                <a:effectLst/>
+                <a:latin typeface="+mn-lt"/>
+                <a:ea typeface="+mn-ea"/>
+                <a:cs typeface="+mn-cs"/>
+              </a:rPr>
+              <a:t>, la situación es crítica. La información clínica de los pacientes es almacenada electrónicamente, y esto permite que las autoridades envíen registros de enfermedades a investigadores; en muchas ocasiones esto incluye los nombres y direcciones de los pacientes, sin su consentimiento explícito.</a:t>
             </a:r>
             <a:endParaRPr lang="en-US" sz="1200" kern="1200" dirty="0" smtClean="0">
               <a:solidFill>
@@ -2622,7 +3484,31 @@
                 <a:ea typeface="+mn-ea"/>
                 <a:cs typeface="+mn-cs"/>
               </a:rPr>
-              <a:t> </a:t>
+              <a:t>El </a:t>
+            </a:r>
+            <a:r>
+              <a:rPr lang="es-AR" sz="1200" b="1" kern="1200" dirty="0" smtClean="0">
+                <a:solidFill>
+                  <a:schemeClr val="tx1"/>
+                </a:solidFill>
+                <a:effectLst/>
+                <a:latin typeface="+mn-lt"/>
+                <a:ea typeface="+mn-ea"/>
+                <a:cs typeface="+mn-cs"/>
+              </a:rPr>
+              <a:t>principal capital de las empresas tecnológicas</a:t>
+            </a:r>
+            <a:r>
+              <a:rPr lang="es-AR" sz="1200" kern="1200" dirty="0" smtClean="0">
+                <a:solidFill>
+                  <a:schemeClr val="tx1"/>
+                </a:solidFill>
+                <a:effectLst/>
+                <a:latin typeface="+mn-lt"/>
+                <a:ea typeface="+mn-ea"/>
+                <a:cs typeface="+mn-cs"/>
+              </a:rPr>
+              <a:t> lo conforman los bienes o activos intangibles: información, conocimientos, algoritmos, fórmulas, invenciones, procesos, estrategia comercial y bases de datos, entre otros. Las organizaciones del siglo XXI deben estar preparadas para los siguientes desafíos: </a:t>
             </a:r>
             <a:endParaRPr lang="en-US" sz="1200" kern="1200" dirty="0" smtClean="0">
               <a:solidFill>
@@ -2635,8 +3521,9 @@
             </a:endParaRPr>
           </a:p>
           <a:p>
-            <a:r>
-              <a:rPr lang="es-AR" sz="1200" b="1" kern="1200" dirty="0" smtClean="0">
+            <a:pPr lvl="0"/>
+            <a:r>
+              <a:rPr lang="es-AR" sz="1200" u="none" strike="noStrike" kern="1200" dirty="0" smtClean="0">
                 <a:solidFill>
                   <a:schemeClr val="tx1"/>
                 </a:solidFill>
@@ -2645,69 +3532,9 @@
                 <a:ea typeface="+mn-ea"/>
                 <a:cs typeface="+mn-cs"/>
               </a:rPr>
-              <a:t>Uso de </a:t>
-            </a:r>
-            <a:r>
-              <a:rPr lang="es-AR" sz="1200" b="1" i="1" kern="1200" dirty="0" err="1" smtClean="0">
-                <a:solidFill>
-                  <a:schemeClr val="tx1"/>
-                </a:solidFill>
-                <a:effectLst/>
-                <a:latin typeface="+mn-lt"/>
-                <a:ea typeface="+mn-ea"/>
-                <a:cs typeface="+mn-cs"/>
-              </a:rPr>
-              <a:t>code</a:t>
-            </a:r>
-            <a:r>
-              <a:rPr lang="es-AR" sz="1200" b="1" i="1" kern="1200" dirty="0" smtClean="0">
-                <a:solidFill>
-                  <a:schemeClr val="tx1"/>
-                </a:solidFill>
-                <a:effectLst/>
-                <a:latin typeface="+mn-lt"/>
-                <a:ea typeface="+mn-ea"/>
-                <a:cs typeface="+mn-cs"/>
-              </a:rPr>
-              <a:t> </a:t>
-            </a:r>
-            <a:r>
-              <a:rPr lang="es-AR" sz="1200" b="1" i="1" kern="1200" dirty="0" err="1" smtClean="0">
-                <a:solidFill>
-                  <a:schemeClr val="tx1"/>
-                </a:solidFill>
-                <a:effectLst/>
-                <a:latin typeface="+mn-lt"/>
-                <a:ea typeface="+mn-ea"/>
-                <a:cs typeface="+mn-cs"/>
-              </a:rPr>
-              <a:t>names</a:t>
-            </a:r>
-            <a:r>
-              <a:rPr lang="es-AR" sz="1200" b="1" i="1" kern="1200" dirty="0" smtClean="0">
-                <a:solidFill>
-                  <a:schemeClr val="tx1"/>
-                </a:solidFill>
-                <a:effectLst/>
-                <a:latin typeface="+mn-lt"/>
-                <a:ea typeface="+mn-ea"/>
-                <a:cs typeface="+mn-cs"/>
-              </a:rPr>
-              <a:t> </a:t>
-            </a:r>
-            <a:r>
-              <a:rPr lang="es-AR" sz="1200" b="1" kern="1200" dirty="0" smtClean="0">
-                <a:solidFill>
-                  <a:schemeClr val="tx1"/>
-                </a:solidFill>
-                <a:effectLst/>
-                <a:latin typeface="+mn-lt"/>
-                <a:ea typeface="+mn-ea"/>
-                <a:cs typeface="+mn-cs"/>
-              </a:rPr>
-              <a:t>para los proyectos</a:t>
-            </a:r>
-            <a:endParaRPr lang="en-US" sz="1200" b="1" kern="1200" dirty="0" smtClean="0">
+              <a:t>Manejar y procesar grandes volúmenes de información diversa a alta velocidad. </a:t>
+            </a:r>
+            <a:endParaRPr lang="en-US" sz="1200" u="none" strike="noStrike" kern="1200" dirty="0" smtClean="0">
               <a:solidFill>
                 <a:schemeClr val="tx1"/>
               </a:solidFill>
@@ -2718,8 +3545,9 @@
             </a:endParaRPr>
           </a:p>
           <a:p>
-            <a:r>
-              <a:rPr lang="es-AR" sz="1200" kern="1200" dirty="0" smtClean="0">
+            <a:pPr lvl="0"/>
+            <a:r>
+              <a:rPr lang="es-AR" sz="1200" u="none" strike="noStrike" kern="1200" dirty="0" smtClean="0">
                 <a:solidFill>
                   <a:schemeClr val="tx1"/>
                 </a:solidFill>
@@ -2728,9 +3556,9 @@
                 <a:ea typeface="+mn-ea"/>
                 <a:cs typeface="+mn-cs"/>
               </a:rPr>
-              <a:t> </a:t>
-            </a:r>
-            <a:endParaRPr lang="en-US" sz="1200" kern="1200" dirty="0" smtClean="0">
+              <a:t>Analizar datos estructurados y no estructurados, tanto dentro como fuera de sus redes.</a:t>
+            </a:r>
+            <a:endParaRPr lang="en-US" sz="1200" u="none" strike="noStrike" kern="1200" dirty="0" smtClean="0">
               <a:solidFill>
                 <a:schemeClr val="tx1"/>
               </a:solidFill>
@@ -2741,8 +3569,9 @@
             </a:endParaRPr>
           </a:p>
           <a:p>
-            <a:r>
-              <a:rPr lang="es-AR" sz="1200" kern="1200" dirty="0" smtClean="0">
+            <a:pPr lvl="0"/>
+            <a:r>
+              <a:rPr lang="es-AR" sz="1200" u="none" strike="noStrike" kern="1200" dirty="0" smtClean="0">
                 <a:solidFill>
                   <a:schemeClr val="tx1"/>
                 </a:solidFill>
@@ -2751,33 +3580,9 @@
                 <a:ea typeface="+mn-ea"/>
                 <a:cs typeface="+mn-cs"/>
               </a:rPr>
-              <a:t>Este mecanismo de defensa solo se aplica a empresas comerciales, particularmente tecnológicas. Gigantes como Microsoft y Apple suelen utilizar nombres clave para los productos que están en fase de desarrollo y aún no se han lanzado al mercado. Como ejemplos podemos mencionar al proyecto </a:t>
-            </a:r>
-            <a:r>
-              <a:rPr lang="es-AR" sz="1200" kern="1200" dirty="0" err="1" smtClean="0">
-                <a:solidFill>
-                  <a:schemeClr val="tx1"/>
-                </a:solidFill>
-                <a:effectLst/>
-                <a:latin typeface="+mn-lt"/>
-                <a:ea typeface="+mn-ea"/>
-                <a:cs typeface="+mn-cs"/>
-              </a:rPr>
-              <a:t>Blackcomb</a:t>
-            </a:r>
-            <a:r>
-              <a:rPr lang="es-AR" sz="1200" kern="1200" dirty="0" smtClean="0">
-                <a:solidFill>
-                  <a:schemeClr val="tx1"/>
-                </a:solidFill>
-                <a:effectLst/>
-                <a:latin typeface="+mn-lt"/>
-                <a:ea typeface="+mn-ea"/>
-                <a:cs typeface="+mn-cs"/>
-              </a:rPr>
-              <a:t> (Windows 7).</a:t>
-            </a:r>
-            <a:endParaRPr lang="en-US" sz="1200" kern="1200" dirty="0" smtClean="0">
+              <a:t>Monitorear eventos en entornos de nube, móviles y virtuales.</a:t>
+            </a:r>
+            <a:endParaRPr lang="en-US" sz="1200" u="none" strike="noStrike" kern="1200" dirty="0" smtClean="0">
               <a:solidFill>
                 <a:schemeClr val="tx1"/>
               </a:solidFill>
@@ -2788,8 +3593,9 @@
             </a:endParaRPr>
           </a:p>
           <a:p>
-            <a:r>
-              <a:rPr lang="es-AR" sz="1200" kern="1200" dirty="0" smtClean="0">
+            <a:pPr lvl="0"/>
+            <a:r>
+              <a:rPr lang="es-AR" sz="1200" u="none" strike="noStrike" kern="1200" dirty="0" smtClean="0">
                 <a:solidFill>
                   <a:schemeClr val="tx1"/>
                 </a:solidFill>
@@ -2798,9 +3604,9 @@
                 <a:ea typeface="+mn-ea"/>
                 <a:cs typeface="+mn-cs"/>
               </a:rPr>
-              <a:t> </a:t>
-            </a:r>
-            <a:endParaRPr lang="en-US" sz="1200" kern="1200" dirty="0" smtClean="0">
+              <a:t>Adoptar acciones automáticamente cuando se detecta una amenaza.</a:t>
+            </a:r>
+            <a:endParaRPr lang="en-US" sz="1200" u="none" strike="noStrike" kern="1200" dirty="0" smtClean="0">
               <a:solidFill>
                 <a:schemeClr val="tx1"/>
               </a:solidFill>
@@ -2811,81 +3617,7 @@
             </a:endParaRPr>
           </a:p>
           <a:p>
-            <a:r>
-              <a:rPr lang="es-AR" sz="1200" kern="1200" dirty="0" smtClean="0">
-                <a:solidFill>
-                  <a:schemeClr val="tx1"/>
-                </a:solidFill>
-                <a:effectLst/>
-                <a:latin typeface="+mn-lt"/>
-                <a:ea typeface="+mn-ea"/>
-                <a:cs typeface="+mn-cs"/>
-              </a:rPr>
-              <a:t>Las razones para su uso son varias:</a:t>
-            </a:r>
-            <a:endParaRPr lang="en-US" sz="1200" kern="1200" dirty="0" smtClean="0">
-              <a:solidFill>
-                <a:schemeClr val="tx1"/>
-              </a:solidFill>
-              <a:effectLst/>
-              <a:latin typeface="+mn-lt"/>
-              <a:ea typeface="+mn-ea"/>
-              <a:cs typeface="+mn-cs"/>
-            </a:endParaRPr>
-          </a:p>
-          <a:p>
-            <a:pPr lvl="0"/>
-            <a:r>
-              <a:rPr lang="es-AR" sz="1200" u="none" strike="noStrike" kern="1200" dirty="0" smtClean="0">
-                <a:solidFill>
-                  <a:schemeClr val="tx1"/>
-                </a:solidFill>
-                <a:effectLst/>
-                <a:latin typeface="+mn-lt"/>
-                <a:ea typeface="+mn-ea"/>
-                <a:cs typeface="+mn-cs"/>
-              </a:rPr>
-              <a:t>Permiten a los trabajadores de dichos productos hablar sobre los mismos sin revelar de qué se trata a terceros. Al utilizar nombres neutrales, se obliga a enfocarse en el producto y prevenir la generación de asociaciones basándose en el nombre.</a:t>
-            </a:r>
-            <a:endParaRPr lang="en-US" u="none" strike="noStrike" dirty="0" smtClean="0">
-              <a:effectLst/>
-            </a:endParaRPr>
-          </a:p>
-          <a:p>
-            <a:pPr lvl="0"/>
-            <a:r>
-              <a:rPr lang="es-AR" sz="1200" u="none" strike="noStrike" kern="1200" dirty="0" smtClean="0">
-                <a:solidFill>
-                  <a:schemeClr val="tx1"/>
-                </a:solidFill>
-                <a:effectLst/>
-                <a:latin typeface="+mn-lt"/>
-                <a:ea typeface="+mn-ea"/>
-                <a:cs typeface="+mn-cs"/>
-              </a:rPr>
-              <a:t>Permiten crear un impacto positivo en los potenciales consumidores, al utilizar nombres que atraen al mercado.</a:t>
-            </a:r>
-            <a:r>
-              <a:rPr lang="es-AR" sz="1200" i="1" u="sng" strike="noStrike" kern="1200" dirty="0" smtClean="0">
-                <a:solidFill>
-                  <a:schemeClr val="tx1"/>
-                </a:solidFill>
-                <a:effectLst/>
-                <a:latin typeface="+mn-lt"/>
-                <a:ea typeface="+mn-ea"/>
-                <a:cs typeface="+mn-cs"/>
-              </a:rPr>
-              <a:t> </a:t>
-            </a:r>
-            <a:endParaRPr lang="en-US" sz="1200" kern="1200" dirty="0">
-              <a:solidFill>
-                <a:schemeClr val="tx1"/>
-              </a:solidFill>
-              <a:effectLst/>
-              <a:latin typeface="+mn-lt"/>
-              <a:ea typeface="+mn-ea"/>
-              <a:cs typeface="+mn-cs"/>
-            </a:endParaRPr>
+            <a:endParaRPr lang="en-US" dirty="0"/>
           </a:p>
         </p:txBody>
       </p:sp>
@@ -2906,7 +3638,7 @@
           <a:p>
             <a:fld id="{F93199CD-3E1B-4AE6-990F-76F925F5EA9F}" type="slidenum">
               <a:rPr lang="en-US" smtClean="0"/>
-              <a:t>8</a:t>
+              <a:t>9</a:t>
             </a:fld>
             <a:endParaRPr lang="en-US"/>
           </a:p>
@@ -2915,7 +3647,91 @@
     </p:spTree>
     <p:extLst>
       <p:ext uri="{BB962C8B-B14F-4D97-AF65-F5344CB8AC3E}">
-        <p14:creationId xmlns:p14="http://schemas.microsoft.com/office/powerpoint/2010/main" val="707643668"/>
+        <p14:creationId xmlns:p14="http://schemas.microsoft.com/office/powerpoint/2010/main" val="3805029774"/>
+      </p:ext>
+    </p:extLst>
+  </p:cSld>
+  <p:clrMapOvr>
+    <a:masterClrMapping/>
+  </p:clrMapOvr>
+</p:notes>
+</file>
+
+<file path=ppt/notesSlides/notesSlide9.xml><?xml version="1.0" encoding="utf-8"?>
+<p:notes xmlns:a="http://schemas.openxmlformats.org/drawingml/2006/main" xmlns:r="http://schemas.openxmlformats.org/officeDocument/2006/relationships" xmlns:p="http://schemas.openxmlformats.org/presentationml/2006/main">
+  <p:cSld>
+    <p:spTree>
+      <p:nvGrpSpPr>
+        <p:cNvPr id="1" name=""/>
+        <p:cNvGrpSpPr/>
+        <p:nvPr/>
+      </p:nvGrpSpPr>
+      <p:grpSpPr>
+        <a:xfrm>
+          <a:off x="0" y="0"/>
+          <a:ext cx="0" cy="0"/>
+          <a:chOff x="0" y="0"/>
+          <a:chExt cx="0" cy="0"/>
+        </a:xfrm>
+      </p:grpSpPr>
+      <p:sp>
+        <p:nvSpPr>
+          <p:cNvPr id="2" name="Slide Image Placeholder 1"/>
+          <p:cNvSpPr>
+            <a:spLocks noGrp="1" noRot="1" noChangeAspect="1"/>
+          </p:cNvSpPr>
+          <p:nvPr>
+            <p:ph type="sldImg"/>
+          </p:nvPr>
+        </p:nvSpPr>
+        <p:spPr/>
+      </p:sp>
+      <p:sp>
+        <p:nvSpPr>
+          <p:cNvPr id="3" name="Notes Placeholder 2"/>
+          <p:cNvSpPr>
+            <a:spLocks noGrp="1"/>
+          </p:cNvSpPr>
+          <p:nvPr>
+            <p:ph type="body" idx="1"/>
+          </p:nvPr>
+        </p:nvSpPr>
+        <p:spPr/>
+        <p:txBody>
+          <a:bodyPr/>
+          <a:lstStyle/>
+          <a:p>
+            <a:endParaRPr lang="en-US" dirty="0"/>
+          </a:p>
+        </p:txBody>
+      </p:sp>
+      <p:sp>
+        <p:nvSpPr>
+          <p:cNvPr id="4" name="Slide Number Placeholder 3"/>
+          <p:cNvSpPr>
+            <a:spLocks noGrp="1"/>
+          </p:cNvSpPr>
+          <p:nvPr>
+            <p:ph type="sldNum" sz="quarter" idx="10"/>
+          </p:nvPr>
+        </p:nvSpPr>
+        <p:spPr/>
+        <p:txBody>
+          <a:bodyPr/>
+          <a:lstStyle/>
+          <a:p>
+            <a:fld id="{F93199CD-3E1B-4AE6-990F-76F925F5EA9F}" type="slidenum">
+              <a:rPr lang="en-US" smtClean="0"/>
+              <a:t>10</a:t>
+            </a:fld>
+            <a:endParaRPr lang="en-US"/>
+          </a:p>
+        </p:txBody>
+      </p:sp>
+    </p:spTree>
+    <p:extLst>
+      <p:ext uri="{BB962C8B-B14F-4D97-AF65-F5344CB8AC3E}">
+        <p14:creationId xmlns:p14="http://schemas.microsoft.com/office/powerpoint/2010/main" val="655676726"/>
       </p:ext>
     </p:extLst>
   </p:cSld>
@@ -6339,15 +7155,62 @@
         </p:nvSpPr>
         <p:spPr/>
         <p:txBody>
+          <a:bodyPr>
+            <a:normAutofit/>
+          </a:bodyPr>
+          <a:lstStyle/>
+          <a:p>
+            <a:r>
+              <a:rPr lang="es-AR" sz="6000" dirty="0" smtClean="0">
+                <a:latin typeface="Segoe UI" panose="020B0502040204020203" pitchFamily="34" charset="0"/>
+                <a:cs typeface="Segoe UI" panose="020B0502040204020203" pitchFamily="34" charset="0"/>
+              </a:rPr>
+              <a:t>Fuga de Información en los Siglos XIX y XXI</a:t>
+            </a:r>
+            <a:endParaRPr lang="es-AR" sz="6000" dirty="0">
+              <a:latin typeface="Segoe UI" panose="020B0502040204020203" pitchFamily="34" charset="0"/>
+              <a:cs typeface="Segoe UI" panose="020B0502040204020203" pitchFamily="34" charset="0"/>
+            </a:endParaRPr>
+          </a:p>
+        </p:txBody>
+      </p:sp>
+      <p:sp>
+        <p:nvSpPr>
+          <p:cNvPr id="4" name="Subtitle 3"/>
+          <p:cNvSpPr>
+            <a:spLocks noGrp="1"/>
+          </p:cNvSpPr>
+          <p:nvPr>
+            <p:ph type="subTitle" idx="1"/>
+          </p:nvPr>
+        </p:nvSpPr>
+        <p:spPr/>
+        <p:txBody>
           <a:bodyPr/>
           <a:lstStyle/>
           <a:p>
             <a:r>
+              <a:rPr lang="es-AR" dirty="0" err="1" smtClean="0">
+                <a:latin typeface="Segoe UI" panose="020B0502040204020203" pitchFamily="34" charset="0"/>
+                <a:cs typeface="Segoe UI" panose="020B0502040204020203" pitchFamily="34" charset="0"/>
+              </a:rPr>
+              <a:t>Fiuba</a:t>
+            </a:r>
+            <a:r>
               <a:rPr lang="es-AR" dirty="0" smtClean="0">
                 <a:latin typeface="Segoe UI" panose="020B0502040204020203" pitchFamily="34" charset="0"/>
                 <a:cs typeface="Segoe UI" panose="020B0502040204020203" pitchFamily="34" charset="0"/>
               </a:rPr>
-              <a:t>Fuga de Información en los Siglos XIX y XXI</a:t>
+              <a:t> – implantación de sistemas</a:t>
+            </a:r>
+          </a:p>
+          <a:p>
+            <a:r>
+              <a:rPr lang="es-AR" dirty="0" smtClean="0">
+                <a:latin typeface="Segoe UI" panose="020B0502040204020203" pitchFamily="34" charset="0"/>
+                <a:cs typeface="Segoe UI" panose="020B0502040204020203" pitchFamily="34" charset="0"/>
+              </a:rPr>
+              <a:t>Noviembre de 2014</a:t>
             </a:r>
             <a:endParaRPr lang="es-AR" dirty="0">
               <a:latin typeface="Segoe UI" panose="020B0502040204020203" pitchFamily="34" charset="0"/>
@@ -6356,51 +7219,47 @@
           </a:p>
         </p:txBody>
       </p:sp>
-      <p:sp>
-        <p:nvSpPr>
-          <p:cNvPr id="4" name="Subtitle 3"/>
-          <p:cNvSpPr>
-            <a:spLocks noGrp="1"/>
-          </p:cNvSpPr>
-          <p:nvPr>
-            <p:ph type="subTitle" idx="1"/>
-          </p:nvPr>
-        </p:nvSpPr>
-        <p:spPr/>
-        <p:txBody>
-          <a:bodyPr/>
-          <a:lstStyle/>
-          <a:p>
-            <a:r>
-              <a:rPr lang="es-AR" dirty="0" err="1" smtClean="0">
-                <a:latin typeface="Segoe UI" panose="020B0502040204020203" pitchFamily="34" charset="0"/>
-                <a:cs typeface="Segoe UI" panose="020B0502040204020203" pitchFamily="34" charset="0"/>
-              </a:rPr>
-              <a:t>Fiuba</a:t>
-            </a:r>
-            <a:r>
-              <a:rPr lang="es-AR" dirty="0" smtClean="0">
-                <a:latin typeface="Segoe UI" panose="020B0502040204020203" pitchFamily="34" charset="0"/>
-                <a:cs typeface="Segoe UI" panose="020B0502040204020203" pitchFamily="34" charset="0"/>
-              </a:rPr>
-              <a:t> – implantación de sistemas</a:t>
-            </a:r>
-          </a:p>
-          <a:p>
-            <a:r>
-              <a:rPr lang="es-AR" dirty="0" smtClean="0">
-                <a:latin typeface="Segoe UI" panose="020B0502040204020203" pitchFamily="34" charset="0"/>
-                <a:cs typeface="Segoe UI" panose="020B0502040204020203" pitchFamily="34" charset="0"/>
-              </a:rPr>
-              <a:t>Noviembre de 2014</a:t>
-            </a:r>
-            <a:endParaRPr lang="es-AR" dirty="0">
-              <a:latin typeface="Segoe UI" panose="020B0502040204020203" pitchFamily="34" charset="0"/>
-              <a:cs typeface="Segoe UI" panose="020B0502040204020203" pitchFamily="34" charset="0"/>
-            </a:endParaRPr>
-          </a:p>
-        </p:txBody>
-      </p:sp>
+      <p:pic>
+        <p:nvPicPr>
+          <p:cNvPr id="1026" name="Picture 2" descr="Image"/>
+          <p:cNvPicPr>
+            <a:picLocks noChangeAspect="1" noChangeArrowheads="1"/>
+          </p:cNvPicPr>
+          <p:nvPr/>
+        </p:nvPicPr>
+        <p:blipFill>
+          <a:blip r:embed="rId2">
+            <a:extLst>
+              <a:ext uri="{28A0092B-C50C-407E-A947-70E740481C1C}">
+                <a14:useLocalDpi xmlns:a14="http://schemas.microsoft.com/office/drawing/2010/main" val="0"/>
+              </a:ext>
+            </a:extLst>
+          </a:blip>
+          <a:srcRect/>
+          <a:stretch>
+            <a:fillRect/>
+          </a:stretch>
+        </p:blipFill>
+        <p:spPr bwMode="auto">
+          <a:xfrm>
+            <a:off x="1065213" y="836712"/>
+            <a:ext cx="1284783" cy="1284783"/>
+          </a:xfrm>
+          <a:prstGeom prst="rect">
+            <a:avLst/>
+          </a:prstGeom>
+          <a:noFill/>
+          <a:extLst>
+            <a:ext uri="{909E8E84-426E-40DD-AFC4-6F175D3DCCD1}">
+              <a14:hiddenFill xmlns:a14="http://schemas.microsoft.com/office/drawing/2010/main">
+                <a:solidFill>
+                  <a:srgbClr val="FFFFFF"/>
+                </a:solidFill>
+              </a14:hiddenFill>
+            </a:ext>
+          </a:extLst>
+        </p:spPr>
+      </p:pic>
     </p:spTree>
     <p:extLst>
       <p:ext uri="{BB962C8B-B14F-4D97-AF65-F5344CB8AC3E}">
@@ -6466,76 +7325,107 @@
           <a:lstStyle/>
           <a:p>
             <a:r>
-              <a:rPr lang="en-US" dirty="0" err="1" smtClean="0">
+              <a:rPr lang="en-US" spc="0" dirty="0" err="1" smtClean="0">
+                <a:ln w="0"/>
+                <a:solidFill>
+                  <a:schemeClr val="accent1"/>
+                </a:solidFill>
+                <a:effectLst>
+                  <a:outerShdw blurRad="38100" dist="25400" dir="5400000" algn="ctr" rotWithShape="0">
+                    <a:srgbClr val="6E747A">
+                      <a:alpha val="43000"/>
+                    </a:srgbClr>
+                  </a:outerShdw>
+                </a:effectLst>
                 <a:latin typeface="Segoe UI" panose="020B0502040204020203" pitchFamily="34" charset="0"/>
                 <a:cs typeface="Segoe UI" panose="020B0502040204020203" pitchFamily="34" charset="0"/>
               </a:rPr>
               <a:t>Siglo</a:t>
             </a:r>
             <a:r>
-              <a:rPr lang="en-US" dirty="0" smtClean="0">
+              <a:rPr lang="en-US" spc="0" dirty="0" smtClean="0">
+                <a:ln w="0"/>
+                <a:solidFill>
+                  <a:schemeClr val="accent1"/>
+                </a:solidFill>
+                <a:effectLst>
+                  <a:outerShdw blurRad="38100" dist="25400" dir="5400000" algn="ctr" rotWithShape="0">
+                    <a:srgbClr val="6E747A">
+                      <a:alpha val="43000"/>
+                    </a:srgbClr>
+                  </a:outerShdw>
+                </a:effectLst>
                 <a:latin typeface="Segoe UI" panose="020B0502040204020203" pitchFamily="34" charset="0"/>
                 <a:cs typeface="Segoe UI" panose="020B0502040204020203" pitchFamily="34" charset="0"/>
               </a:rPr>
               <a:t> XXI – </a:t>
             </a:r>
             <a:r>
-              <a:rPr lang="en-US" dirty="0" err="1" smtClean="0">
-                <a:latin typeface="Segoe UI" panose="020B0502040204020203" pitchFamily="34" charset="0"/>
-                <a:cs typeface="Segoe UI" panose="020B0502040204020203" pitchFamily="34" charset="0"/>
-              </a:rPr>
-              <a:t>Países</a:t>
-            </a:r>
-            <a:r>
-              <a:rPr lang="en-US" dirty="0" smtClean="0">
-                <a:latin typeface="Segoe UI" panose="020B0502040204020203" pitchFamily="34" charset="0"/>
-                <a:cs typeface="Segoe UI" panose="020B0502040204020203" pitchFamily="34" charset="0"/>
-              </a:rPr>
-              <a:t> con mayor </a:t>
-            </a:r>
-            <a:r>
-              <a:rPr lang="en-US" dirty="0" err="1" smtClean="0">
-                <a:latin typeface="Segoe UI" panose="020B0502040204020203" pitchFamily="34" charset="0"/>
-                <a:cs typeface="Segoe UI" panose="020B0502040204020203" pitchFamily="34" charset="0"/>
-              </a:rPr>
-              <a:t>cantidad</a:t>
-            </a:r>
-            <a:r>
-              <a:rPr lang="en-US" dirty="0" smtClean="0">
-                <a:latin typeface="Segoe UI" panose="020B0502040204020203" pitchFamily="34" charset="0"/>
-                <a:cs typeface="Segoe UI" panose="020B0502040204020203" pitchFamily="34" charset="0"/>
-              </a:rPr>
-              <a:t> de </a:t>
-            </a:r>
-            <a:r>
-              <a:rPr lang="en-US" dirty="0" err="1" smtClean="0">
-                <a:latin typeface="Segoe UI" panose="020B0502040204020203" pitchFamily="34" charset="0"/>
-                <a:cs typeface="Segoe UI" panose="020B0502040204020203" pitchFamily="34" charset="0"/>
-              </a:rPr>
-              <a:t>patentes</a:t>
-            </a:r>
-            <a:r>
-              <a:rPr lang="en-US" dirty="0" smtClean="0">
+              <a:rPr lang="en-US" spc="0" dirty="0" err="1" smtClean="0">
+                <a:ln w="0"/>
+                <a:solidFill>
+                  <a:schemeClr val="accent1"/>
+                </a:solidFill>
+                <a:effectLst>
+                  <a:outerShdw blurRad="38100" dist="25400" dir="5400000" algn="ctr" rotWithShape="0">
+                    <a:srgbClr val="6E747A">
+                      <a:alpha val="43000"/>
+                    </a:srgbClr>
+                  </a:outerShdw>
+                </a:effectLst>
+                <a:latin typeface="Segoe UI" panose="020B0502040204020203" pitchFamily="34" charset="0"/>
+                <a:cs typeface="Segoe UI" panose="020B0502040204020203" pitchFamily="34" charset="0"/>
+              </a:rPr>
+              <a:t>Eventos</a:t>
+            </a:r>
+            <a:r>
+              <a:rPr lang="en-US" spc="0" dirty="0" smtClean="0">
+                <a:ln w="0"/>
+                <a:solidFill>
+                  <a:schemeClr val="accent1"/>
+                </a:solidFill>
+                <a:effectLst>
+                  <a:outerShdw blurRad="38100" dist="25400" dir="5400000" algn="ctr" rotWithShape="0">
+                    <a:srgbClr val="6E747A">
+                      <a:alpha val="43000"/>
+                    </a:srgbClr>
+                  </a:outerShdw>
+                </a:effectLst>
                 <a:latin typeface="Segoe UI" panose="020B0502040204020203" pitchFamily="34" charset="0"/>
                 <a:cs typeface="Segoe UI" panose="020B0502040204020203" pitchFamily="34" charset="0"/>
               </a:rPr>
               <a:t> </a:t>
             </a:r>
             <a:r>
-              <a:rPr lang="en-US" dirty="0" err="1" smtClean="0">
-                <a:latin typeface="Segoe UI" panose="020B0502040204020203" pitchFamily="34" charset="0"/>
-                <a:cs typeface="Segoe UI" panose="020B0502040204020203" pitchFamily="34" charset="0"/>
-              </a:rPr>
-              <a:t>registradas</a:t>
-            </a:r>
-            <a:r>
-              <a:rPr lang="en-US" dirty="0" smtClean="0">
-                <a:latin typeface="Segoe UI" panose="020B0502040204020203" pitchFamily="34" charset="0"/>
-                <a:cs typeface="Segoe UI" panose="020B0502040204020203" pitchFamily="34" charset="0"/>
-              </a:rPr>
-              <a:t> (1986 – 2005)</a:t>
-            </a:r>
-            <a:endParaRPr lang="en-US" dirty="0">
+              <a:rPr lang="en-US" spc="0" dirty="0" err="1" smtClean="0">
+                <a:ln w="0"/>
+                <a:solidFill>
+                  <a:schemeClr val="accent1"/>
+                </a:solidFill>
+                <a:effectLst>
+                  <a:outerShdw blurRad="38100" dist="25400" dir="5400000" algn="ctr" rotWithShape="0">
+                    <a:srgbClr val="6E747A">
+                      <a:alpha val="43000"/>
+                    </a:srgbClr>
+                  </a:outerShdw>
+                </a:effectLst>
+                <a:latin typeface="Segoe UI" panose="020B0502040204020203" pitchFamily="34" charset="0"/>
+                <a:cs typeface="Segoe UI" panose="020B0502040204020203" pitchFamily="34" charset="0"/>
+              </a:rPr>
+              <a:t>tecnológicos</a:t>
+            </a:r>
+            <a:endParaRPr lang="en-US" spc="0" dirty="0">
+              <a:ln w="0"/>
+              <a:solidFill>
+                <a:schemeClr val="accent1"/>
+              </a:solidFill>
+              <a:effectLst>
+                <a:outerShdw blurRad="38100" dist="25400" dir="5400000" algn="ctr" rotWithShape="0">
+                  <a:srgbClr val="6E747A">
+                    <a:alpha val="43000"/>
+                  </a:srgbClr>
+                </a:outerShdw>
+              </a:effectLst>
               <a:latin typeface="Segoe UI" panose="020B0502040204020203" pitchFamily="34" charset="0"/>
               <a:cs typeface="Segoe UI" panose="020B0502040204020203" pitchFamily="34" charset="0"/>
             </a:endParaRPr>
@@ -6552,82 +7442,379 @@
             <p:ph idx="1"/>
           </p:nvPr>
         </p:nvSpPr>
-        <p:spPr/>
-        <p:txBody>
-          <a:bodyPr/>
+        <p:spPr>
+          <a:xfrm>
+            <a:off x="1522413" y="1904999"/>
+            <a:ext cx="7596335" cy="4404321"/>
+          </a:xfrm>
+        </p:spPr>
+        <p:txBody>
+          <a:bodyPr>
+            <a:noAutofit/>
+          </a:bodyPr>
           <a:lstStyle/>
           <a:p>
-            <a:r>
-              <a:rPr lang="es-AR" dirty="0" smtClean="0">
-                <a:latin typeface="Segoe UI" panose="020B0502040204020203" pitchFamily="34" charset="0"/>
-                <a:cs typeface="Segoe UI" panose="020B0502040204020203" pitchFamily="34" charset="0"/>
-              </a:rPr>
-              <a:t>Fuente: </a:t>
-            </a:r>
-            <a:r>
-              <a:rPr lang="es-AR" dirty="0" err="1" smtClean="0">
-                <a:latin typeface="Segoe UI" panose="020B0502040204020203" pitchFamily="34" charset="0"/>
-                <a:cs typeface="Segoe UI" panose="020B0502040204020203" pitchFamily="34" charset="0"/>
-                <a:hlinkClick r:id="rId2"/>
-              </a:rPr>
-              <a:t>Corporate</a:t>
-            </a:r>
-            <a:r>
-              <a:rPr lang="es-AR" dirty="0" smtClean="0">
-                <a:latin typeface="Segoe UI" panose="020B0502040204020203" pitchFamily="34" charset="0"/>
-                <a:cs typeface="Segoe UI" panose="020B0502040204020203" pitchFamily="34" charset="0"/>
-                <a:hlinkClick r:id="rId2"/>
-              </a:rPr>
-              <a:t> </a:t>
-            </a:r>
-            <a:r>
-              <a:rPr lang="es-AR" dirty="0" err="1" smtClean="0">
-                <a:latin typeface="Segoe UI" panose="020B0502040204020203" pitchFamily="34" charset="0"/>
-                <a:cs typeface="Segoe UI" panose="020B0502040204020203" pitchFamily="34" charset="0"/>
-                <a:hlinkClick r:id="rId2"/>
-              </a:rPr>
-              <a:t>Invention</a:t>
-            </a:r>
-            <a:r>
-              <a:rPr lang="es-AR" dirty="0" smtClean="0">
-                <a:latin typeface="Segoe UI" panose="020B0502040204020203" pitchFamily="34" charset="0"/>
-                <a:cs typeface="Segoe UI" panose="020B0502040204020203" pitchFamily="34" charset="0"/>
-                <a:hlinkClick r:id="rId2"/>
-              </a:rPr>
-              <a:t> </a:t>
-            </a:r>
-            <a:r>
-              <a:rPr lang="es-AR" dirty="0" err="1" smtClean="0">
-                <a:latin typeface="Segoe UI" panose="020B0502040204020203" pitchFamily="34" charset="0"/>
-                <a:cs typeface="Segoe UI" panose="020B0502040204020203" pitchFamily="34" charset="0"/>
-                <a:hlinkClick r:id="rId2"/>
-              </a:rPr>
-              <a:t>Board</a:t>
-            </a:r>
-            <a:r>
-              <a:rPr lang="es-AR" dirty="0" smtClean="0">
-                <a:latin typeface="Segoe UI" panose="020B0502040204020203" pitchFamily="34" charset="0"/>
-                <a:cs typeface="Segoe UI" panose="020B0502040204020203" pitchFamily="34" charset="0"/>
-              </a:rPr>
-              <a:t>, 2013</a:t>
-            </a:r>
-            <a:endParaRPr lang="en-US" dirty="0">
+            <a:pPr lvl="0"/>
+            <a:r>
+              <a:rPr lang="es-AR" sz="1800" dirty="0">
+                <a:latin typeface="Segoe UI" panose="020B0502040204020203" pitchFamily="34" charset="0"/>
+                <a:cs typeface="Segoe UI" panose="020B0502040204020203" pitchFamily="34" charset="0"/>
+              </a:rPr>
+              <a:t>2001: Nace </a:t>
+            </a:r>
+            <a:r>
+              <a:rPr lang="es-AR" sz="1800" b="1" dirty="0" smtClean="0">
+                <a:latin typeface="Segoe UI" panose="020B0502040204020203" pitchFamily="34" charset="0"/>
+                <a:cs typeface="Segoe UI" panose="020B0502040204020203" pitchFamily="34" charset="0"/>
+              </a:rPr>
+              <a:t>Wikipedia</a:t>
+            </a:r>
+          </a:p>
+          <a:p>
+            <a:pPr lvl="0"/>
+            <a:r>
+              <a:rPr lang="es-AR" sz="1800" dirty="0" smtClean="0">
+                <a:latin typeface="Segoe UI" panose="020B0502040204020203" pitchFamily="34" charset="0"/>
+                <a:cs typeface="Segoe UI" panose="020B0502040204020203" pitchFamily="34" charset="0"/>
+              </a:rPr>
+              <a:t>2004</a:t>
+            </a:r>
+            <a:r>
+              <a:rPr lang="es-AR" sz="1800" dirty="0">
+                <a:latin typeface="Segoe UI" panose="020B0502040204020203" pitchFamily="34" charset="0"/>
+                <a:cs typeface="Segoe UI" panose="020B0502040204020203" pitchFamily="34" charset="0"/>
+              </a:rPr>
+              <a:t>: Nacen </a:t>
+            </a:r>
+            <a:r>
+              <a:rPr lang="es-AR" sz="1800" b="1" dirty="0">
+                <a:latin typeface="Segoe UI" panose="020B0502040204020203" pitchFamily="34" charset="0"/>
+                <a:cs typeface="Segoe UI" panose="020B0502040204020203" pitchFamily="34" charset="0"/>
+              </a:rPr>
+              <a:t>Gmail</a:t>
+            </a:r>
+            <a:r>
+              <a:rPr lang="es-AR" sz="1800" dirty="0">
+                <a:latin typeface="Segoe UI" panose="020B0502040204020203" pitchFamily="34" charset="0"/>
+                <a:cs typeface="Segoe UI" panose="020B0502040204020203" pitchFamily="34" charset="0"/>
+              </a:rPr>
+              <a:t> y </a:t>
+            </a:r>
+            <a:r>
+              <a:rPr lang="es-AR" sz="1800" b="1" dirty="0" smtClean="0">
+                <a:latin typeface="Segoe UI" panose="020B0502040204020203" pitchFamily="34" charset="0"/>
+                <a:cs typeface="Segoe UI" panose="020B0502040204020203" pitchFamily="34" charset="0"/>
+              </a:rPr>
+              <a:t>Facebook</a:t>
+            </a:r>
+            <a:endParaRPr lang="en-US" sz="1800" dirty="0">
               <a:latin typeface="Segoe UI" panose="020B0502040204020203" pitchFamily="34" charset="0"/>
               <a:cs typeface="Segoe UI" panose="020B0502040204020203" pitchFamily="34" charset="0"/>
             </a:endParaRPr>
           </a:p>
-        </p:txBody>
-      </p:sp>
+          <a:p>
+            <a:pPr lvl="0"/>
+            <a:r>
+              <a:rPr lang="es-AR" sz="1800" dirty="0">
+                <a:latin typeface="Segoe UI" panose="020B0502040204020203" pitchFamily="34" charset="0"/>
+                <a:cs typeface="Segoe UI" panose="020B0502040204020203" pitchFamily="34" charset="0"/>
+              </a:rPr>
+              <a:t>2005: Nace </a:t>
+            </a:r>
+            <a:r>
+              <a:rPr lang="es-AR" sz="1800" b="1" dirty="0" smtClean="0">
+                <a:latin typeface="Segoe UI" panose="020B0502040204020203" pitchFamily="34" charset="0"/>
+                <a:cs typeface="Segoe UI" panose="020B0502040204020203" pitchFamily="34" charset="0"/>
+              </a:rPr>
+              <a:t>YouTube</a:t>
+            </a:r>
+          </a:p>
+          <a:p>
+            <a:pPr lvl="0"/>
+            <a:r>
+              <a:rPr lang="es-AR" sz="1800" dirty="0" smtClean="0">
+                <a:latin typeface="Segoe UI" panose="020B0502040204020203" pitchFamily="34" charset="0"/>
+                <a:cs typeface="Segoe UI" panose="020B0502040204020203" pitchFamily="34" charset="0"/>
+              </a:rPr>
+              <a:t>2006</a:t>
+            </a:r>
+            <a:r>
+              <a:rPr lang="es-AR" sz="1800" dirty="0">
+                <a:latin typeface="Segoe UI" panose="020B0502040204020203" pitchFamily="34" charset="0"/>
+                <a:cs typeface="Segoe UI" panose="020B0502040204020203" pitchFamily="34" charset="0"/>
+              </a:rPr>
+              <a:t>: Nace </a:t>
+            </a:r>
+            <a:r>
+              <a:rPr lang="es-AR" sz="1800" b="1" dirty="0" smtClean="0">
+                <a:latin typeface="Segoe UI" panose="020B0502040204020203" pitchFamily="34" charset="0"/>
+                <a:cs typeface="Segoe UI" panose="020B0502040204020203" pitchFamily="34" charset="0"/>
+              </a:rPr>
+              <a:t>WikiLeaks</a:t>
+            </a:r>
+            <a:endParaRPr lang="es-AR" sz="1800" dirty="0" smtClean="0">
+              <a:latin typeface="Segoe UI" panose="020B0502040204020203" pitchFamily="34" charset="0"/>
+              <a:cs typeface="Segoe UI" panose="020B0502040204020203" pitchFamily="34" charset="0"/>
+            </a:endParaRPr>
+          </a:p>
+          <a:p>
+            <a:pPr lvl="0"/>
+            <a:r>
+              <a:rPr lang="es-AR" sz="1800" dirty="0" smtClean="0">
+                <a:latin typeface="Segoe UI" panose="020B0502040204020203" pitchFamily="34" charset="0"/>
+                <a:cs typeface="Segoe UI" panose="020B0502040204020203" pitchFamily="34" charset="0"/>
+              </a:rPr>
+              <a:t>2007</a:t>
+            </a:r>
+            <a:r>
+              <a:rPr lang="es-AR" sz="1800" dirty="0">
+                <a:latin typeface="Segoe UI" panose="020B0502040204020203" pitchFamily="34" charset="0"/>
+                <a:cs typeface="Segoe UI" panose="020B0502040204020203" pitchFamily="34" charset="0"/>
+              </a:rPr>
+              <a:t>: Apple lanza el teléfono </a:t>
+            </a:r>
+            <a:r>
+              <a:rPr lang="es-AR" sz="1800" b="1" dirty="0" smtClean="0">
+                <a:latin typeface="Segoe UI" panose="020B0502040204020203" pitchFamily="34" charset="0"/>
+                <a:cs typeface="Segoe UI" panose="020B0502040204020203" pitchFamily="34" charset="0"/>
+              </a:rPr>
+              <a:t>iPhone</a:t>
+            </a:r>
+            <a:endParaRPr lang="es-AR" sz="1800" dirty="0" smtClean="0">
+              <a:latin typeface="Segoe UI" panose="020B0502040204020203" pitchFamily="34" charset="0"/>
+              <a:cs typeface="Segoe UI" panose="020B0502040204020203" pitchFamily="34" charset="0"/>
+            </a:endParaRPr>
+          </a:p>
+          <a:p>
+            <a:pPr lvl="0"/>
+            <a:r>
+              <a:rPr lang="es-AR" sz="1800" dirty="0" smtClean="0">
+                <a:latin typeface="Segoe UI" panose="020B0502040204020203" pitchFamily="34" charset="0"/>
+                <a:cs typeface="Segoe UI" panose="020B0502040204020203" pitchFamily="34" charset="0"/>
+              </a:rPr>
+              <a:t>2013</a:t>
+            </a:r>
+            <a:r>
+              <a:rPr lang="es-AR" sz="1800" dirty="0">
+                <a:latin typeface="Segoe UI" panose="020B0502040204020203" pitchFamily="34" charset="0"/>
+                <a:cs typeface="Segoe UI" panose="020B0502040204020203" pitchFamily="34" charset="0"/>
+              </a:rPr>
+              <a:t>: </a:t>
+            </a:r>
+            <a:r>
+              <a:rPr lang="es-AR" sz="1800" dirty="0" smtClean="0">
+                <a:latin typeface="Segoe UI" panose="020B0502040204020203" pitchFamily="34" charset="0"/>
+                <a:cs typeface="Segoe UI" panose="020B0502040204020203" pitchFamily="34" charset="0"/>
+              </a:rPr>
+              <a:t>Se publican secretos de varios programas de la NSA (</a:t>
+            </a:r>
+            <a:r>
+              <a:rPr lang="es-AR" sz="1800" i="1" dirty="0" err="1" smtClean="0">
+                <a:latin typeface="Segoe UI" panose="020B0502040204020203" pitchFamily="34" charset="0"/>
+                <a:cs typeface="Segoe UI" panose="020B0502040204020203" pitchFamily="34" charset="0"/>
+              </a:rPr>
+              <a:t>National</a:t>
+            </a:r>
+            <a:r>
+              <a:rPr lang="es-AR" sz="1800" i="1" dirty="0" smtClean="0">
+                <a:latin typeface="Segoe UI" panose="020B0502040204020203" pitchFamily="34" charset="0"/>
+                <a:cs typeface="Segoe UI" panose="020B0502040204020203" pitchFamily="34" charset="0"/>
+              </a:rPr>
+              <a:t> Security Agency</a:t>
+            </a:r>
+            <a:r>
+              <a:rPr lang="es-AR" sz="1800" dirty="0" smtClean="0">
+                <a:latin typeface="Segoe UI" panose="020B0502040204020203" pitchFamily="34" charset="0"/>
+                <a:cs typeface="Segoe UI" panose="020B0502040204020203" pitchFamily="34" charset="0"/>
+              </a:rPr>
+              <a:t>)</a:t>
+            </a:r>
+            <a:endParaRPr lang="en-US" sz="1800" dirty="0">
+              <a:latin typeface="Segoe UI" panose="020B0502040204020203" pitchFamily="34" charset="0"/>
+              <a:cs typeface="Segoe UI" panose="020B0502040204020203" pitchFamily="34" charset="0"/>
+            </a:endParaRPr>
+          </a:p>
+          <a:p>
+            <a:pPr lvl="0"/>
+            <a:r>
+              <a:rPr lang="es-AR" sz="1800" dirty="0">
+                <a:latin typeface="Segoe UI" panose="020B0502040204020203" pitchFamily="34" charset="0"/>
+                <a:cs typeface="Segoe UI" panose="020B0502040204020203" pitchFamily="34" charset="0"/>
+              </a:rPr>
+              <a:t>2014: </a:t>
+            </a:r>
+            <a:r>
+              <a:rPr lang="es-AR" sz="1800" b="1" dirty="0" smtClean="0">
+                <a:latin typeface="Segoe UI" panose="020B0502040204020203" pitchFamily="34" charset="0"/>
+                <a:cs typeface="Segoe UI" panose="020B0502040204020203" pitchFamily="34" charset="0"/>
+              </a:rPr>
+              <a:t>Divulgación </a:t>
+            </a:r>
+            <a:r>
+              <a:rPr lang="es-AR" sz="1800" b="1" dirty="0">
+                <a:latin typeface="Segoe UI" panose="020B0502040204020203" pitchFamily="34" charset="0"/>
+                <a:cs typeface="Segoe UI" panose="020B0502040204020203" pitchFamily="34" charset="0"/>
+              </a:rPr>
+              <a:t>de fotos privadas </a:t>
+            </a:r>
+            <a:r>
+              <a:rPr lang="es-AR" sz="1800" dirty="0" smtClean="0">
+                <a:latin typeface="Segoe UI" panose="020B0502040204020203" pitchFamily="34" charset="0"/>
+                <a:cs typeface="Segoe UI" panose="020B0502040204020203" pitchFamily="34" charset="0"/>
+              </a:rPr>
+              <a:t>de </a:t>
+            </a:r>
+            <a:r>
+              <a:rPr lang="es-AR" sz="1800" dirty="0">
+                <a:latin typeface="Segoe UI" panose="020B0502040204020203" pitchFamily="34" charset="0"/>
+                <a:cs typeface="Segoe UI" panose="020B0502040204020203" pitchFamily="34" charset="0"/>
+              </a:rPr>
+              <a:t>26 celebridades mediante la plataforma iCloud de </a:t>
+            </a:r>
+            <a:r>
+              <a:rPr lang="es-AR" sz="1800" dirty="0" smtClean="0">
+                <a:latin typeface="Segoe UI" panose="020B0502040204020203" pitchFamily="34" charset="0"/>
+                <a:cs typeface="Segoe UI" panose="020B0502040204020203" pitchFamily="34" charset="0"/>
+              </a:rPr>
+              <a:t>Apple</a:t>
+            </a:r>
+            <a:r>
+              <a:rPr lang="es-AR" sz="1800" dirty="0" smtClean="0">
+                <a:latin typeface="Segoe UI" panose="020B0502040204020203" pitchFamily="34" charset="0"/>
+                <a:cs typeface="Segoe UI" panose="020B0502040204020203" pitchFamily="34" charset="0"/>
+              </a:rPr>
+              <a:t>.</a:t>
+            </a:r>
+          </a:p>
+          <a:p>
+            <a:pPr lvl="1"/>
+            <a:r>
+              <a:rPr lang="es-ES" sz="1400" dirty="0">
+                <a:latin typeface="Segoe UI" panose="020B0502040204020203" pitchFamily="34" charset="0"/>
+                <a:cs typeface="Segoe UI" panose="020B0502040204020203" pitchFamily="34" charset="0"/>
+              </a:rPr>
+              <a:t>La vulnerabilidad “</a:t>
+            </a:r>
+            <a:r>
+              <a:rPr lang="es-ES" sz="1400" dirty="0" err="1">
+                <a:latin typeface="Segoe UI" panose="020B0502040204020203" pitchFamily="34" charset="0"/>
+                <a:cs typeface="Segoe UI" panose="020B0502040204020203" pitchFamily="34" charset="0"/>
+              </a:rPr>
+              <a:t>Heart</a:t>
+            </a:r>
+            <a:r>
+              <a:rPr lang="es-ES" sz="1400" dirty="0">
+                <a:latin typeface="Segoe UI" panose="020B0502040204020203" pitchFamily="34" charset="0"/>
+                <a:cs typeface="Segoe UI" panose="020B0502040204020203" pitchFamily="34" charset="0"/>
+              </a:rPr>
+              <a:t> </a:t>
+            </a:r>
+            <a:r>
+              <a:rPr lang="es-ES" sz="1400" dirty="0" err="1">
+                <a:latin typeface="Segoe UI" panose="020B0502040204020203" pitchFamily="34" charset="0"/>
+                <a:cs typeface="Segoe UI" panose="020B0502040204020203" pitchFamily="34" charset="0"/>
+              </a:rPr>
+              <a:t>Bleed</a:t>
+            </a:r>
+            <a:r>
+              <a:rPr lang="es-ES" sz="1400" dirty="0">
+                <a:latin typeface="Segoe UI" panose="020B0502040204020203" pitchFamily="34" charset="0"/>
+                <a:cs typeface="Segoe UI" panose="020B0502040204020203" pitchFamily="34" charset="0"/>
+              </a:rPr>
+              <a:t>” encontrada en la librería </a:t>
+            </a:r>
+            <a:r>
+              <a:rPr lang="es-ES" sz="1400" dirty="0" err="1">
+                <a:latin typeface="Segoe UI" panose="020B0502040204020203" pitchFamily="34" charset="0"/>
+                <a:cs typeface="Segoe UI" panose="020B0502040204020203" pitchFamily="34" charset="0"/>
+              </a:rPr>
+              <a:t>OpenSSL</a:t>
+            </a:r>
+            <a:r>
+              <a:rPr lang="es-ES" sz="1400" dirty="0">
+                <a:latin typeface="Segoe UI" panose="020B0502040204020203" pitchFamily="34" charset="0"/>
+                <a:cs typeface="Segoe UI" panose="020B0502040204020203" pitchFamily="34" charset="0"/>
+              </a:rPr>
+              <a:t>, que podía ser utilizada para obtener datos sensibles como </a:t>
+            </a:r>
+            <a:r>
+              <a:rPr lang="es-ES" sz="1400" dirty="0" smtClean="0">
+                <a:latin typeface="Segoe UI" panose="020B0502040204020203" pitchFamily="34" charset="0"/>
+                <a:cs typeface="Segoe UI" panose="020B0502040204020203" pitchFamily="34" charset="0"/>
+              </a:rPr>
+              <a:t>contraseñas.</a:t>
+            </a:r>
+            <a:endParaRPr lang="es-ES" sz="1400" dirty="0">
+              <a:latin typeface="Segoe UI" panose="020B0502040204020203" pitchFamily="34" charset="0"/>
+              <a:cs typeface="Segoe UI" panose="020B0502040204020203" pitchFamily="34" charset="0"/>
+            </a:endParaRPr>
+          </a:p>
+          <a:p>
+            <a:pPr lvl="0"/>
+            <a:endParaRPr lang="en-US" sz="1800" dirty="0">
+              <a:latin typeface="Segoe UI" panose="020B0502040204020203" pitchFamily="34" charset="0"/>
+              <a:cs typeface="Segoe UI" panose="020B0502040204020203" pitchFamily="34" charset="0"/>
+            </a:endParaRPr>
+          </a:p>
+        </p:txBody>
+      </p:sp>
+      <p:cxnSp>
+        <p:nvCxnSpPr>
+          <p:cNvPr id="4" name="Straight Arrow Connector 3"/>
+          <p:cNvCxnSpPr/>
+          <p:nvPr/>
+        </p:nvCxnSpPr>
+        <p:spPr>
+          <a:xfrm>
+            <a:off x="1341884" y="1904999"/>
+            <a:ext cx="0" cy="4404321"/>
+          </a:xfrm>
+          <a:prstGeom prst="straightConnector1">
+            <a:avLst/>
+          </a:prstGeom>
+          <a:ln w="76200">
+            <a:tailEnd type="triangle"/>
+          </a:ln>
+          <a:effectLst>
+            <a:outerShdw blurRad="50800" dist="38100" dir="5400000" algn="t" rotWithShape="0">
+              <a:prstClr val="black">
+                <a:alpha val="40000"/>
+              </a:prstClr>
+            </a:outerShdw>
+          </a:effectLst>
+          <a:scene3d>
+            <a:camera prst="orthographicFront"/>
+            <a:lightRig rig="threePt" dir="t"/>
+          </a:scene3d>
+          <a:sp3d>
+            <a:bevelT prst="convex"/>
+          </a:sp3d>
+        </p:spPr>
+        <p:style>
+          <a:lnRef idx="3">
+            <a:schemeClr val="accent1"/>
+          </a:lnRef>
+          <a:fillRef idx="0">
+            <a:schemeClr val="accent1"/>
+          </a:fillRef>
+          <a:effectRef idx="2">
+            <a:schemeClr val="accent1"/>
+          </a:effectRef>
+          <a:fontRef idx="minor">
+            <a:schemeClr val="tx1"/>
+          </a:fontRef>
+        </p:style>
+      </p:cxnSp>
       <p:pic>
         <p:nvPicPr>
-          <p:cNvPr id="2050" name="Picture 2" descr="C:\Users\MIPARN~1\AppData\Local\Temp\SNAGHTML5cb90bb7.PNG"/>
+          <p:cNvPr id="2050" name="Picture 2" descr="http://www.namedevelopment.com/blog/archives/Wikipedia.gif"/>
           <p:cNvPicPr>
             <a:picLocks noChangeAspect="1" noChangeArrowheads="1"/>
           </p:cNvPicPr>
           <p:nvPr/>
         </p:nvPicPr>
         <p:blipFill>
-          <a:blip r:embed="rId3">
+          <a:blip r:embed="rId3" cstate="print">
             <a:extLst>
               <a:ext uri="{28A0092B-C50C-407E-A947-70E740481C1C}">
                 <a14:useLocalDpi xmlns:a14="http://schemas.microsoft.com/office/drawing/2010/main" val="0"/>
@@ -6641,8 +7828,8 @@
         </p:blipFill>
         <p:spPr bwMode="auto">
           <a:xfrm>
-            <a:off x="3142084" y="2616110"/>
-            <a:ext cx="5474643" cy="3402856"/>
+            <a:off x="4222204" y="1752600"/>
+            <a:ext cx="488785" cy="473745"/>
           </a:xfrm>
           <a:prstGeom prst="rect">
             <a:avLst/>
@@ -6659,10 +7846,133 @@
           </a:extLst>
         </p:spPr>
       </p:pic>
+      <p:pic>
+        <p:nvPicPr>
+          <p:cNvPr id="2052" name="Picture 4" descr="http://cumulusglobal.com/cms/wp-content/uploads/2013/08/gmail.png"/>
+          <p:cNvPicPr>
+            <a:picLocks noChangeAspect="1" noChangeArrowheads="1"/>
+          </p:cNvPicPr>
+          <p:nvPr/>
+        </p:nvPicPr>
+        <p:blipFill>
+          <a:blip r:embed="rId4">
+            <a:extLst>
+              <a:ext uri="{28A0092B-C50C-407E-A947-70E740481C1C}">
+                <a14:useLocalDpi xmlns:a14="http://schemas.microsoft.com/office/drawing/2010/main" val="0"/>
+              </a:ext>
+            </a:extLst>
+          </a:blip>
+          <a:srcRect/>
+          <a:stretch>
+            <a:fillRect/>
+          </a:stretch>
+        </p:blipFill>
+        <p:spPr bwMode="auto">
+          <a:xfrm>
+            <a:off x="5302324" y="2226345"/>
+            <a:ext cx="571129" cy="571129"/>
+          </a:xfrm>
+          <a:prstGeom prst="rect">
+            <a:avLst/>
+          </a:prstGeom>
+          <a:noFill/>
+          <a:extLst>
+            <a:ext uri="{909E8E84-426E-40DD-AFC4-6F175D3DCCD1}">
+              <a14:hiddenFill xmlns:a14="http://schemas.microsoft.com/office/drawing/2010/main">
+                <a:solidFill>
+                  <a:srgbClr val="FFFFFF"/>
+                </a:solidFill>
+              </a14:hiddenFill>
+            </a:ext>
+          </a:extLst>
+        </p:spPr>
+      </p:pic>
+      <p:pic>
+        <p:nvPicPr>
+          <p:cNvPr id="2056" name="Picture 8" descr="http://www.curvecowboyreunion.com/CCR2004/images/applelogo.gif"/>
+          <p:cNvPicPr>
+            <a:picLocks noChangeAspect="1" noChangeArrowheads="1"/>
+          </p:cNvPicPr>
+          <p:nvPr/>
+        </p:nvPicPr>
+        <p:blipFill>
+          <a:blip r:embed="rId5" cstate="print">
+            <a:extLst>
+              <a:ext uri="{28A0092B-C50C-407E-A947-70E740481C1C}">
+                <a14:useLocalDpi xmlns:a14="http://schemas.microsoft.com/office/drawing/2010/main" val="0"/>
+              </a:ext>
+            </a:extLst>
+          </a:blip>
+          <a:srcRect/>
+          <a:stretch>
+            <a:fillRect/>
+          </a:stretch>
+        </p:blipFill>
+        <p:spPr bwMode="auto">
+          <a:xfrm>
+            <a:off x="5775418" y="3507492"/>
+            <a:ext cx="628380" cy="628380"/>
+          </a:xfrm>
+          <a:prstGeom prst="rect">
+            <a:avLst/>
+          </a:prstGeom>
+          <a:noFill/>
+          <a:extLst>
+            <a:ext uri="{909E8E84-426E-40DD-AFC4-6F175D3DCCD1}">
+              <a14:hiddenFill xmlns:a14="http://schemas.microsoft.com/office/drawing/2010/main">
+                <a:solidFill>
+                  <a:srgbClr val="FFFFFF"/>
+                </a:solidFill>
+              </a14:hiddenFill>
+            </a:ext>
+          </a:extLst>
+        </p:spPr>
+      </p:pic>
+      <p:pic>
+        <p:nvPicPr>
+          <p:cNvPr id="2058" name="Picture 10" descr="http://edgecast.tech.buscafs.com/uploads/images/16154_614x327.jpg"/>
+          <p:cNvPicPr>
+            <a:picLocks noChangeAspect="1" noChangeArrowheads="1"/>
+          </p:cNvPicPr>
+          <p:nvPr/>
+        </p:nvPicPr>
+        <p:blipFill>
+          <a:blip r:embed="rId6" cstate="print">
+            <a:extLst>
+              <a:ext uri="{28A0092B-C50C-407E-A947-70E740481C1C}">
+                <a14:useLocalDpi xmlns:a14="http://schemas.microsoft.com/office/drawing/2010/main" val="0"/>
+              </a:ext>
+            </a:extLst>
+          </a:blip>
+          <a:srcRect/>
+          <a:stretch>
+            <a:fillRect/>
+          </a:stretch>
+        </p:blipFill>
+        <p:spPr bwMode="auto">
+          <a:xfrm>
+            <a:off x="9063943" y="4135872"/>
+            <a:ext cx="1602471" cy="853434"/>
+          </a:xfrm>
+          <a:prstGeom prst="rect">
+            <a:avLst/>
+          </a:prstGeom>
+          <a:noFill/>
+          <a:extLst>
+            <a:ext uri="{909E8E84-426E-40DD-AFC4-6F175D3DCCD1}">
+              <a14:hiddenFill xmlns:a14="http://schemas.microsoft.com/office/drawing/2010/main">
+                <a:solidFill>
+                  <a:srgbClr val="FFFFFF"/>
+                </a:solidFill>
+              </a14:hiddenFill>
+            </a:ext>
+          </a:extLst>
+        </p:spPr>
+      </p:pic>
     </p:spTree>
     <p:extLst>
       <p:ext uri="{BB962C8B-B14F-4D97-AF65-F5344CB8AC3E}">
-        <p14:creationId xmlns:p14="http://schemas.microsoft.com/office/powerpoint/2010/main" val="1574490164"/>
+        <p14:creationId xmlns:p14="http://schemas.microsoft.com/office/powerpoint/2010/main" val="2564182459"/>
       </p:ext>
     </p:extLst>
   </p:cSld>
@@ -6710,7 +8020,7 @@
       </p:grpSpPr>
       <p:sp>
         <p:nvSpPr>
-          <p:cNvPr id="3" name="Title 2"/>
+          <p:cNvPr id="13" name="Title 12"/>
           <p:cNvSpPr>
             <a:spLocks noGrp="1"/>
           </p:cNvSpPr>
@@ -6724,21 +8034,646 @@
           <a:lstStyle/>
           <a:p>
             <a:r>
-              <a:rPr lang="es-AR" dirty="0" smtClean="0"/>
-              <a:t>Fin</a:t>
-            </a:r>
-            <a:endParaRPr lang="en-US" dirty="0"/>
-          </a:p>
-        </p:txBody>
-      </p:sp>
-      <p:sp>
-        <p:nvSpPr>
-          <p:cNvPr id="4" name="Text Placeholder 3"/>
-          <p:cNvSpPr>
-            <a:spLocks noGrp="1"/>
-          </p:cNvSpPr>
-          <p:nvPr>
-            <p:ph type="body" sz="half" idx="2"/>
+              <a:rPr lang="en-US" spc="0" dirty="0" err="1" smtClean="0">
+                <a:ln w="0"/>
+                <a:solidFill>
+                  <a:schemeClr val="accent1"/>
+                </a:solidFill>
+                <a:effectLst>
+                  <a:outerShdw blurRad="38100" dist="25400" dir="5400000" algn="ctr" rotWithShape="0">
+                    <a:srgbClr val="6E747A">
+                      <a:alpha val="43000"/>
+                    </a:srgbClr>
+                  </a:outerShdw>
+                </a:effectLst>
+                <a:latin typeface="Segoe UI" panose="020B0502040204020203" pitchFamily="34" charset="0"/>
+                <a:cs typeface="Segoe UI" panose="020B0502040204020203" pitchFamily="34" charset="0"/>
+              </a:rPr>
+              <a:t>Siglo</a:t>
+            </a:r>
+            <a:r>
+              <a:rPr lang="en-US" spc="0" dirty="0" smtClean="0">
+                <a:ln w="0"/>
+                <a:solidFill>
+                  <a:schemeClr val="accent1"/>
+                </a:solidFill>
+                <a:effectLst>
+                  <a:outerShdw blurRad="38100" dist="25400" dir="5400000" algn="ctr" rotWithShape="0">
+                    <a:srgbClr val="6E747A">
+                      <a:alpha val="43000"/>
+                    </a:srgbClr>
+                  </a:outerShdw>
+                </a:effectLst>
+                <a:latin typeface="Segoe UI" panose="020B0502040204020203" pitchFamily="34" charset="0"/>
+                <a:cs typeface="Segoe UI" panose="020B0502040204020203" pitchFamily="34" charset="0"/>
+              </a:rPr>
+              <a:t> XXI – </a:t>
+            </a:r>
+            <a:r>
+              <a:rPr lang="en-US" spc="0" dirty="0" err="1" smtClean="0">
+                <a:ln w="0"/>
+                <a:solidFill>
+                  <a:schemeClr val="accent1"/>
+                </a:solidFill>
+                <a:effectLst>
+                  <a:outerShdw blurRad="38100" dist="25400" dir="5400000" algn="ctr" rotWithShape="0">
+                    <a:srgbClr val="6E747A">
+                      <a:alpha val="43000"/>
+                    </a:srgbClr>
+                  </a:outerShdw>
+                </a:effectLst>
+                <a:latin typeface="Segoe UI" panose="020B0502040204020203" pitchFamily="34" charset="0"/>
+                <a:cs typeface="Segoe UI" panose="020B0502040204020203" pitchFamily="34" charset="0"/>
+              </a:rPr>
+              <a:t>Mecanismos</a:t>
+            </a:r>
+            <a:r>
+              <a:rPr lang="en-US" spc="0" dirty="0" smtClean="0">
+                <a:ln w="0"/>
+                <a:solidFill>
+                  <a:schemeClr val="accent1"/>
+                </a:solidFill>
+                <a:effectLst>
+                  <a:outerShdw blurRad="38100" dist="25400" dir="5400000" algn="ctr" rotWithShape="0">
+                    <a:srgbClr val="6E747A">
+                      <a:alpha val="43000"/>
+                    </a:srgbClr>
+                  </a:outerShdw>
+                </a:effectLst>
+                <a:latin typeface="Segoe UI" panose="020B0502040204020203" pitchFamily="34" charset="0"/>
+                <a:cs typeface="Segoe UI" panose="020B0502040204020203" pitchFamily="34" charset="0"/>
+              </a:rPr>
+              <a:t> de </a:t>
+            </a:r>
+            <a:r>
+              <a:rPr lang="en-US" spc="0" dirty="0" err="1" smtClean="0">
+                <a:ln w="0"/>
+                <a:solidFill>
+                  <a:schemeClr val="accent1"/>
+                </a:solidFill>
+                <a:effectLst>
+                  <a:outerShdw blurRad="38100" dist="25400" dir="5400000" algn="ctr" rotWithShape="0">
+                    <a:srgbClr val="6E747A">
+                      <a:alpha val="43000"/>
+                    </a:srgbClr>
+                  </a:outerShdw>
+                </a:effectLst>
+                <a:latin typeface="Segoe UI" panose="020B0502040204020203" pitchFamily="34" charset="0"/>
+                <a:cs typeface="Segoe UI" panose="020B0502040204020203" pitchFamily="34" charset="0"/>
+              </a:rPr>
+              <a:t>defensa</a:t>
+            </a:r>
+            <a:endParaRPr lang="en-US" spc="0" dirty="0">
+              <a:ln w="0"/>
+              <a:solidFill>
+                <a:schemeClr val="accent1"/>
+              </a:solidFill>
+              <a:effectLst>
+                <a:outerShdw blurRad="38100" dist="25400" dir="5400000" algn="ctr" rotWithShape="0">
+                  <a:srgbClr val="6E747A">
+                    <a:alpha val="43000"/>
+                  </a:srgbClr>
+                </a:outerShdw>
+              </a:effectLst>
+              <a:latin typeface="Segoe UI" panose="020B0502040204020203" pitchFamily="34" charset="0"/>
+              <a:cs typeface="Segoe UI" panose="020B0502040204020203" pitchFamily="34" charset="0"/>
+            </a:endParaRPr>
+          </a:p>
+        </p:txBody>
+      </p:sp>
+      <p:sp>
+        <p:nvSpPr>
+          <p:cNvPr id="2" name="Content Placeholder 1"/>
+          <p:cNvSpPr>
+            <a:spLocks noGrp="1"/>
+          </p:cNvSpPr>
+          <p:nvPr>
+            <p:ph idx="1"/>
+          </p:nvPr>
+        </p:nvSpPr>
+        <p:spPr/>
+        <p:txBody>
+          <a:bodyPr>
+            <a:noAutofit/>
+          </a:bodyPr>
+          <a:lstStyle/>
+          <a:p>
+            <a:r>
+              <a:rPr lang="es-AR" dirty="0" smtClean="0">
+                <a:latin typeface="Segoe UI" panose="020B0502040204020203" pitchFamily="34" charset="0"/>
+                <a:cs typeface="Segoe UI" panose="020B0502040204020203" pitchFamily="34" charset="0"/>
+              </a:rPr>
+              <a:t>Registro de patentes</a:t>
+            </a:r>
+          </a:p>
+          <a:p>
+            <a:endParaRPr lang="es-AR" dirty="0" smtClean="0">
+              <a:latin typeface="Segoe UI" panose="020B0502040204020203" pitchFamily="34" charset="0"/>
+              <a:cs typeface="Segoe UI" panose="020B0502040204020203" pitchFamily="34" charset="0"/>
+            </a:endParaRPr>
+          </a:p>
+          <a:p>
+            <a:endParaRPr lang="es-AR" dirty="0" smtClean="0">
+              <a:latin typeface="Segoe UI" panose="020B0502040204020203" pitchFamily="34" charset="0"/>
+              <a:cs typeface="Segoe UI" panose="020B0502040204020203" pitchFamily="34" charset="0"/>
+            </a:endParaRPr>
+          </a:p>
+          <a:p>
+            <a:r>
+              <a:rPr lang="es-AR" dirty="0" smtClean="0">
+                <a:latin typeface="Segoe UI" panose="020B0502040204020203" pitchFamily="34" charset="0"/>
+                <a:cs typeface="Segoe UI" panose="020B0502040204020203" pitchFamily="34" charset="0"/>
+              </a:rPr>
+              <a:t>Controles informáticos</a:t>
+            </a:r>
+          </a:p>
+          <a:p>
+            <a:pPr lvl="1"/>
+            <a:r>
+              <a:rPr lang="es-AR" sz="1800" dirty="0" smtClean="0">
+                <a:latin typeface="Segoe UI" panose="020B0502040204020203" pitchFamily="34" charset="0"/>
+                <a:cs typeface="Segoe UI" panose="020B0502040204020203" pitchFamily="34" charset="0"/>
+              </a:rPr>
+              <a:t>Software desarrollado siguiendo estándares de seguridad (criptografía)</a:t>
+            </a:r>
+          </a:p>
+          <a:p>
+            <a:pPr lvl="1"/>
+            <a:r>
+              <a:rPr lang="es-AR" sz="1800" dirty="0" smtClean="0">
+                <a:latin typeface="Segoe UI" panose="020B0502040204020203" pitchFamily="34" charset="0"/>
+                <a:cs typeface="Segoe UI" panose="020B0502040204020203" pitchFamily="34" charset="0"/>
+              </a:rPr>
+              <a:t>Controles físicos sobre el hardware</a:t>
+            </a:r>
+          </a:p>
+          <a:p>
+            <a:pPr lvl="1"/>
+            <a:r>
+              <a:rPr lang="es-AR" sz="1800" dirty="0" smtClean="0">
+                <a:latin typeface="Segoe UI" panose="020B0502040204020203" pitchFamily="34" charset="0"/>
+                <a:cs typeface="Segoe UI" panose="020B0502040204020203" pitchFamily="34" charset="0"/>
+              </a:rPr>
+              <a:t>Políticas de contraseñas y perfiles de usuario</a:t>
+            </a:r>
+          </a:p>
+          <a:p>
+            <a:pPr lvl="1"/>
+            <a:r>
+              <a:rPr lang="es-AR" sz="1800" dirty="0" smtClean="0">
+                <a:latin typeface="Segoe UI" panose="020B0502040204020203" pitchFamily="34" charset="0"/>
+                <a:cs typeface="Segoe UI" panose="020B0502040204020203" pitchFamily="34" charset="0"/>
+              </a:rPr>
+              <a:t>Monitoreo de tráfico en las redes</a:t>
+            </a:r>
+          </a:p>
+          <a:p>
+            <a:pPr lvl="1"/>
+            <a:r>
+              <a:rPr lang="es-AR" sz="1800" dirty="0" smtClean="0">
+                <a:latin typeface="Segoe UI" panose="020B0502040204020203" pitchFamily="34" charset="0"/>
+                <a:cs typeface="Segoe UI" panose="020B0502040204020203" pitchFamily="34" charset="0"/>
+              </a:rPr>
+              <a:t>Uso de software de protección</a:t>
+            </a:r>
+          </a:p>
+          <a:p>
+            <a:pPr lvl="1"/>
+            <a:r>
+              <a:rPr lang="es-AR" sz="1800" dirty="0" smtClean="0">
+                <a:latin typeface="Segoe UI" panose="020B0502040204020203" pitchFamily="34" charset="0"/>
+                <a:cs typeface="Segoe UI" panose="020B0502040204020203" pitchFamily="34" charset="0"/>
+              </a:rPr>
+              <a:t>Creación de </a:t>
+            </a:r>
+            <a:r>
+              <a:rPr lang="es-AR" sz="1800" dirty="0" err="1" smtClean="0">
+                <a:latin typeface="Segoe UI" panose="020B0502040204020203" pitchFamily="34" charset="0"/>
+                <a:cs typeface="Segoe UI" panose="020B0502040204020203" pitchFamily="34" charset="0"/>
+              </a:rPr>
+              <a:t>backups</a:t>
+            </a:r>
+            <a:r>
+              <a:rPr lang="es-AR" sz="1800" dirty="0" smtClean="0">
+                <a:latin typeface="Segoe UI" panose="020B0502040204020203" pitchFamily="34" charset="0"/>
+                <a:cs typeface="Segoe UI" panose="020B0502040204020203" pitchFamily="34" charset="0"/>
+              </a:rPr>
+              <a:t> periódicos</a:t>
+            </a:r>
+            <a:endParaRPr lang="en-US" sz="1800" dirty="0">
+              <a:latin typeface="Segoe UI" panose="020B0502040204020203" pitchFamily="34" charset="0"/>
+              <a:cs typeface="Segoe UI" panose="020B0502040204020203" pitchFamily="34" charset="0"/>
+            </a:endParaRPr>
+          </a:p>
+        </p:txBody>
+      </p:sp>
+      <p:pic>
+        <p:nvPicPr>
+          <p:cNvPr id="4" name="Picture 2" descr="C:\Users\MIPARN~1\AppData\Local\Temp\SNAGHTML5cb90bb7.PNG"/>
+          <p:cNvPicPr>
+            <a:picLocks noChangeAspect="1" noChangeArrowheads="1"/>
+          </p:cNvPicPr>
+          <p:nvPr/>
+        </p:nvPicPr>
+        <p:blipFill>
+          <a:blip r:embed="rId3" cstate="print">
+            <a:extLst>
+              <a:ext uri="{28A0092B-C50C-407E-A947-70E740481C1C}">
+                <a14:useLocalDpi xmlns:a14="http://schemas.microsoft.com/office/drawing/2010/main" val="0"/>
+              </a:ext>
+            </a:extLst>
+          </a:blip>
+          <a:srcRect/>
+          <a:stretch>
+            <a:fillRect/>
+          </a:stretch>
+        </p:blipFill>
+        <p:spPr bwMode="auto">
+          <a:xfrm>
+            <a:off x="5014292" y="1988840"/>
+            <a:ext cx="2376264" cy="1477007"/>
+          </a:xfrm>
+          <a:prstGeom prst="rect">
+            <a:avLst/>
+          </a:prstGeom>
+          <a:noFill/>
+          <a:extLst>
+            <a:ext uri="{909E8E84-426E-40DD-AFC4-6F175D3DCCD1}">
+              <a14:hiddenFill xmlns:a14="http://schemas.microsoft.com/office/drawing/2010/main">
+                <a:solidFill>
+                  <a:srgbClr val="FFFFFF"/>
+                </a:solidFill>
+              </a14:hiddenFill>
+            </a:ext>
+          </a:extLst>
+        </p:spPr>
+      </p:pic>
+    </p:spTree>
+    <p:extLst>
+      <p:ext uri="{BB962C8B-B14F-4D97-AF65-F5344CB8AC3E}">
+        <p14:creationId xmlns:p14="http://schemas.microsoft.com/office/powerpoint/2010/main" val="3356351472"/>
+      </p:ext>
+    </p:extLst>
+  </p:cSld>
+  <p:clrMapOvr>
+    <a:masterClrMapping/>
+  </p:clrMapOvr>
+  <mc:AlternateContent xmlns:mc="http://schemas.openxmlformats.org/markup-compatibility/2006" xmlns:p14="http://schemas.microsoft.com/office/powerpoint/2010/main">
+    <mc:Choice Requires="p14">
+      <p:transition spd="med" p14:dur="700">
+        <p:fade/>
+      </p:transition>
+    </mc:Choice>
+    <mc:Fallback xmlns="">
+      <p:transition spd="med">
+        <p:fade/>
+      </p:transition>
+    </mc:Fallback>
+  </mc:AlternateContent>
+  <p:timing>
+    <p:tnLst>
+      <p:par>
+        <p:cTn id="1" dur="indefinite" restart="never" nodeType="tmRoot"/>
+      </p:par>
+    </p:tnLst>
+  </p:timing>
+</p:sld>
+</file>
+
+<file path=ppt/slides/slide12.xml><?xml version="1.0" encoding="utf-8"?>
+<p:sld xmlns:a="http://schemas.openxmlformats.org/drawingml/2006/main" xmlns:r="http://schemas.openxmlformats.org/officeDocument/2006/relationships" xmlns:p="http://schemas.openxmlformats.org/presentationml/2006/main">
+  <p:cSld>
+    <p:spTree>
+      <p:nvGrpSpPr>
+        <p:cNvPr id="1" name=""/>
+        <p:cNvGrpSpPr/>
+        <p:nvPr/>
+      </p:nvGrpSpPr>
+      <p:grpSpPr>
+        <a:xfrm>
+          <a:off x="0" y="0"/>
+          <a:ext cx="0" cy="0"/>
+          <a:chOff x="0" y="0"/>
+          <a:chExt cx="0" cy="0"/>
+        </a:xfrm>
+      </p:grpSpPr>
+      <p:sp>
+        <p:nvSpPr>
+          <p:cNvPr id="13" name="Title 12"/>
+          <p:cNvSpPr>
+            <a:spLocks noGrp="1"/>
+          </p:cNvSpPr>
+          <p:nvPr>
+            <p:ph type="title"/>
+          </p:nvPr>
+        </p:nvSpPr>
+        <p:spPr/>
+        <p:txBody>
+          <a:bodyPr>
+            <a:normAutofit/>
+          </a:bodyPr>
+          <a:lstStyle/>
+          <a:p>
+            <a:r>
+              <a:rPr lang="en-US" spc="0" dirty="0" err="1" smtClean="0">
+                <a:ln w="0"/>
+                <a:solidFill>
+                  <a:schemeClr val="accent1"/>
+                </a:solidFill>
+                <a:effectLst>
+                  <a:outerShdw blurRad="38100" dist="25400" dir="5400000" algn="ctr" rotWithShape="0">
+                    <a:srgbClr val="6E747A">
+                      <a:alpha val="43000"/>
+                    </a:srgbClr>
+                  </a:outerShdw>
+                </a:effectLst>
+                <a:latin typeface="Segoe UI" panose="020B0502040204020203" pitchFamily="34" charset="0"/>
+                <a:cs typeface="Segoe UI" panose="020B0502040204020203" pitchFamily="34" charset="0"/>
+              </a:rPr>
+              <a:t>Siglo</a:t>
+            </a:r>
+            <a:r>
+              <a:rPr lang="en-US" spc="0" dirty="0" smtClean="0">
+                <a:ln w="0"/>
+                <a:solidFill>
+                  <a:schemeClr val="accent1"/>
+                </a:solidFill>
+                <a:effectLst>
+                  <a:outerShdw blurRad="38100" dist="25400" dir="5400000" algn="ctr" rotWithShape="0">
+                    <a:srgbClr val="6E747A">
+                      <a:alpha val="43000"/>
+                    </a:srgbClr>
+                  </a:outerShdw>
+                </a:effectLst>
+                <a:latin typeface="Segoe UI" panose="020B0502040204020203" pitchFamily="34" charset="0"/>
+                <a:cs typeface="Segoe UI" panose="020B0502040204020203" pitchFamily="34" charset="0"/>
+              </a:rPr>
+              <a:t> XXI – </a:t>
+            </a:r>
+            <a:r>
+              <a:rPr lang="en-US" spc="0" dirty="0" err="1" smtClean="0">
+                <a:ln w="0"/>
+                <a:solidFill>
+                  <a:schemeClr val="accent1"/>
+                </a:solidFill>
+                <a:effectLst>
+                  <a:outerShdw blurRad="38100" dist="25400" dir="5400000" algn="ctr" rotWithShape="0">
+                    <a:srgbClr val="6E747A">
+                      <a:alpha val="43000"/>
+                    </a:srgbClr>
+                  </a:outerShdw>
+                </a:effectLst>
+                <a:latin typeface="Segoe UI" panose="020B0502040204020203" pitchFamily="34" charset="0"/>
+                <a:cs typeface="Segoe UI" panose="020B0502040204020203" pitchFamily="34" charset="0"/>
+              </a:rPr>
+              <a:t>Mecanismos</a:t>
+            </a:r>
+            <a:r>
+              <a:rPr lang="en-US" spc="0" dirty="0" smtClean="0">
+                <a:ln w="0"/>
+                <a:solidFill>
+                  <a:schemeClr val="accent1"/>
+                </a:solidFill>
+                <a:effectLst>
+                  <a:outerShdw blurRad="38100" dist="25400" dir="5400000" algn="ctr" rotWithShape="0">
+                    <a:srgbClr val="6E747A">
+                      <a:alpha val="43000"/>
+                    </a:srgbClr>
+                  </a:outerShdw>
+                </a:effectLst>
+                <a:latin typeface="Segoe UI" panose="020B0502040204020203" pitchFamily="34" charset="0"/>
+                <a:cs typeface="Segoe UI" panose="020B0502040204020203" pitchFamily="34" charset="0"/>
+              </a:rPr>
+              <a:t> de </a:t>
+            </a:r>
+            <a:r>
+              <a:rPr lang="en-US" spc="0" dirty="0" err="1" smtClean="0">
+                <a:ln w="0"/>
+                <a:solidFill>
+                  <a:schemeClr val="accent1"/>
+                </a:solidFill>
+                <a:effectLst>
+                  <a:outerShdw blurRad="38100" dist="25400" dir="5400000" algn="ctr" rotWithShape="0">
+                    <a:srgbClr val="6E747A">
+                      <a:alpha val="43000"/>
+                    </a:srgbClr>
+                  </a:outerShdw>
+                </a:effectLst>
+                <a:latin typeface="Segoe UI" panose="020B0502040204020203" pitchFamily="34" charset="0"/>
+                <a:cs typeface="Segoe UI" panose="020B0502040204020203" pitchFamily="34" charset="0"/>
+              </a:rPr>
+              <a:t>defensa</a:t>
+            </a:r>
+            <a:r>
+              <a:rPr lang="en-US" spc="0" dirty="0" smtClean="0">
+                <a:ln w="0"/>
+                <a:solidFill>
+                  <a:schemeClr val="accent1"/>
+                </a:solidFill>
+                <a:effectLst>
+                  <a:outerShdw blurRad="38100" dist="25400" dir="5400000" algn="ctr" rotWithShape="0">
+                    <a:srgbClr val="6E747A">
+                      <a:alpha val="43000"/>
+                    </a:srgbClr>
+                  </a:outerShdw>
+                </a:effectLst>
+                <a:latin typeface="Segoe UI" panose="020B0502040204020203" pitchFamily="34" charset="0"/>
+                <a:cs typeface="Segoe UI" panose="020B0502040204020203" pitchFamily="34" charset="0"/>
+              </a:rPr>
+              <a:t> (cont.)</a:t>
+            </a:r>
+            <a:endParaRPr lang="en-US" spc="0" dirty="0">
+              <a:ln w="0"/>
+              <a:solidFill>
+                <a:schemeClr val="accent1"/>
+              </a:solidFill>
+              <a:effectLst>
+                <a:outerShdw blurRad="38100" dist="25400" dir="5400000" algn="ctr" rotWithShape="0">
+                  <a:srgbClr val="6E747A">
+                    <a:alpha val="43000"/>
+                  </a:srgbClr>
+                </a:outerShdw>
+              </a:effectLst>
+              <a:latin typeface="Segoe UI" panose="020B0502040204020203" pitchFamily="34" charset="0"/>
+              <a:cs typeface="Segoe UI" panose="020B0502040204020203" pitchFamily="34" charset="0"/>
+            </a:endParaRPr>
+          </a:p>
+        </p:txBody>
+      </p:sp>
+      <p:sp>
+        <p:nvSpPr>
+          <p:cNvPr id="2" name="Content Placeholder 1"/>
+          <p:cNvSpPr>
+            <a:spLocks noGrp="1"/>
+          </p:cNvSpPr>
+          <p:nvPr>
+            <p:ph idx="1"/>
+          </p:nvPr>
+        </p:nvSpPr>
+        <p:spPr/>
+        <p:txBody>
+          <a:bodyPr>
+            <a:noAutofit/>
+          </a:bodyPr>
+          <a:lstStyle/>
+          <a:p>
+            <a:r>
+              <a:rPr lang="es-AR" dirty="0">
+                <a:latin typeface="Segoe UI" panose="020B0502040204020203" pitchFamily="34" charset="0"/>
+                <a:cs typeface="Segoe UI" panose="020B0502040204020203" pitchFamily="34" charset="0"/>
+              </a:rPr>
+              <a:t>Auditoría de </a:t>
+            </a:r>
+            <a:r>
+              <a:rPr lang="es-AR" dirty="0" smtClean="0">
+                <a:latin typeface="Segoe UI" panose="020B0502040204020203" pitchFamily="34" charset="0"/>
+                <a:cs typeface="Segoe UI" panose="020B0502040204020203" pitchFamily="34" charset="0"/>
+              </a:rPr>
+              <a:t>operaciones</a:t>
+            </a:r>
+          </a:p>
+          <a:p>
+            <a:r>
+              <a:rPr lang="es-AR" dirty="0" smtClean="0">
+                <a:latin typeface="Segoe UI" panose="020B0502040204020203" pitchFamily="34" charset="0"/>
+                <a:cs typeface="Segoe UI" panose="020B0502040204020203" pitchFamily="34" charset="0"/>
+              </a:rPr>
+              <a:t>Normas de control</a:t>
+            </a:r>
+          </a:p>
+          <a:p>
+            <a:pPr lvl="1"/>
+            <a:r>
+              <a:rPr lang="es-AR" sz="1800" dirty="0" smtClean="0">
+                <a:latin typeface="Segoe UI" panose="020B0502040204020203" pitchFamily="34" charset="0"/>
+                <a:cs typeface="Segoe UI" panose="020B0502040204020203" pitchFamily="34" charset="0"/>
+              </a:rPr>
+              <a:t>Normas ISO 2700, especialmente </a:t>
+            </a:r>
+            <a:r>
+              <a:rPr lang="es-AR" sz="1800" dirty="0">
+                <a:latin typeface="Segoe UI" panose="020B0502040204020203" pitchFamily="34" charset="0"/>
+                <a:cs typeface="Segoe UI" panose="020B0502040204020203" pitchFamily="34" charset="0"/>
+              </a:rPr>
+              <a:t>dedicada a seguridad de la </a:t>
+            </a:r>
+            <a:r>
+              <a:rPr lang="es-AR" sz="1800" dirty="0" smtClean="0">
+                <a:latin typeface="Segoe UI" panose="020B0502040204020203" pitchFamily="34" charset="0"/>
+                <a:cs typeface="Segoe UI" panose="020B0502040204020203" pitchFamily="34" charset="0"/>
+              </a:rPr>
+              <a:t>información</a:t>
+            </a:r>
+          </a:p>
+          <a:p>
+            <a:r>
+              <a:rPr lang="es-AR" sz="2200" dirty="0" smtClean="0">
+                <a:latin typeface="Segoe UI" panose="020B0502040204020203" pitchFamily="34" charset="0"/>
+                <a:cs typeface="Segoe UI" panose="020B0502040204020203" pitchFamily="34" charset="0"/>
+              </a:rPr>
+              <a:t>Uso de nombres en clave para los proyectos tecnológicos</a:t>
+            </a:r>
+          </a:p>
+        </p:txBody>
+      </p:sp>
+      <p:pic>
+        <p:nvPicPr>
+          <p:cNvPr id="3074" name="Picture 2" descr="http://www.whoa.com/wp-content/uploads/2014/05/ISO27001.png"/>
+          <p:cNvPicPr>
+            <a:picLocks noChangeAspect="1" noChangeArrowheads="1"/>
+          </p:cNvPicPr>
+          <p:nvPr/>
+        </p:nvPicPr>
+        <p:blipFill>
+          <a:blip r:embed="rId3" cstate="print">
+            <a:extLst>
+              <a:ext uri="{28A0092B-C50C-407E-A947-70E740481C1C}">
+                <a14:useLocalDpi xmlns:a14="http://schemas.microsoft.com/office/drawing/2010/main" val="0"/>
+              </a:ext>
+            </a:extLst>
+          </a:blip>
+          <a:srcRect/>
+          <a:stretch>
+            <a:fillRect/>
+          </a:stretch>
+        </p:blipFill>
+        <p:spPr bwMode="auto">
+          <a:xfrm>
+            <a:off x="2422004" y="3983194"/>
+            <a:ext cx="2204196" cy="2204196"/>
+          </a:xfrm>
+          <a:prstGeom prst="rect">
+            <a:avLst/>
+          </a:prstGeom>
+          <a:noFill/>
+          <a:extLst>
+            <a:ext uri="{909E8E84-426E-40DD-AFC4-6F175D3DCCD1}">
+              <a14:hiddenFill xmlns:a14="http://schemas.microsoft.com/office/drawing/2010/main">
+                <a:solidFill>
+                  <a:srgbClr val="FFFFFF"/>
+                </a:solidFill>
+              </a14:hiddenFill>
+            </a:ext>
+          </a:extLst>
+        </p:spPr>
+      </p:pic>
+    </p:spTree>
+    <p:extLst>
+      <p:ext uri="{BB962C8B-B14F-4D97-AF65-F5344CB8AC3E}">
+        <p14:creationId xmlns:p14="http://schemas.microsoft.com/office/powerpoint/2010/main" val="3374507202"/>
+      </p:ext>
+    </p:extLst>
+  </p:cSld>
+  <p:clrMapOvr>
+    <a:masterClrMapping/>
+  </p:clrMapOvr>
+  <mc:AlternateContent xmlns:mc="http://schemas.openxmlformats.org/markup-compatibility/2006" xmlns:p14="http://schemas.microsoft.com/office/powerpoint/2010/main">
+    <mc:Choice Requires="p14">
+      <p:transition spd="med" p14:dur="700">
+        <p:fade/>
+      </p:transition>
+    </mc:Choice>
+    <mc:Fallback xmlns="">
+      <p:transition spd="med">
+        <p:fade/>
+      </p:transition>
+    </mc:Fallback>
+  </mc:AlternateContent>
+  <p:timing>
+    <p:tnLst>
+      <p:par>
+        <p:cTn id="1" dur="indefinite" restart="never" nodeType="tmRoot"/>
+      </p:par>
+    </p:tnLst>
+  </p:timing>
+</p:sld>
+</file>
+
+<file path=ppt/slides/slide13.xml><?xml version="1.0" encoding="utf-8"?>
+<p:sld xmlns:a="http://schemas.openxmlformats.org/drawingml/2006/main" xmlns:r="http://schemas.openxmlformats.org/officeDocument/2006/relationships" xmlns:p="http://schemas.openxmlformats.org/presentationml/2006/main">
+  <p:cSld>
+    <p:spTree>
+      <p:nvGrpSpPr>
+        <p:cNvPr id="1" name=""/>
+        <p:cNvGrpSpPr/>
+        <p:nvPr/>
+      </p:nvGrpSpPr>
+      <p:grpSpPr>
+        <a:xfrm>
+          <a:off x="0" y="0"/>
+          <a:ext cx="0" cy="0"/>
+          <a:chOff x="0" y="0"/>
+          <a:chExt cx="0" cy="0"/>
+        </a:xfrm>
+      </p:grpSpPr>
+      <p:sp>
+        <p:nvSpPr>
+          <p:cNvPr id="13" name="Title 12"/>
+          <p:cNvSpPr>
+            <a:spLocks noGrp="1"/>
+          </p:cNvSpPr>
+          <p:nvPr>
+            <p:ph type="title"/>
           </p:nvPr>
         </p:nvSpPr>
         <p:spPr/>
@@ -6747,10 +8682,611 @@
           <a:lstStyle/>
           <a:p>
             <a:r>
-              <a:rPr lang="es-AR" dirty="0" smtClean="0"/>
+              <a:rPr lang="en-US" spc="0" dirty="0" err="1">
+                <a:ln w="0"/>
+                <a:solidFill>
+                  <a:schemeClr val="accent1"/>
+                </a:solidFill>
+                <a:effectLst>
+                  <a:outerShdw blurRad="38100" dist="25400" dir="5400000" algn="ctr" rotWithShape="0">
+                    <a:srgbClr val="6E747A">
+                      <a:alpha val="43000"/>
+                    </a:srgbClr>
+                  </a:outerShdw>
+                </a:effectLst>
+                <a:latin typeface="Segoe UI" panose="020B0502040204020203" pitchFamily="34" charset="0"/>
+                <a:cs typeface="Segoe UI" panose="020B0502040204020203" pitchFamily="34" charset="0"/>
+              </a:rPr>
+              <a:t>Siglo</a:t>
+            </a:r>
+            <a:r>
+              <a:rPr lang="en-US" spc="0" dirty="0">
+                <a:ln w="0"/>
+                <a:solidFill>
+                  <a:schemeClr val="accent1"/>
+                </a:solidFill>
+                <a:effectLst>
+                  <a:outerShdw blurRad="38100" dist="25400" dir="5400000" algn="ctr" rotWithShape="0">
+                    <a:srgbClr val="6E747A">
+                      <a:alpha val="43000"/>
+                    </a:srgbClr>
+                  </a:outerShdw>
+                </a:effectLst>
+                <a:latin typeface="Segoe UI" panose="020B0502040204020203" pitchFamily="34" charset="0"/>
+                <a:cs typeface="Segoe UI" panose="020B0502040204020203" pitchFamily="34" charset="0"/>
+              </a:rPr>
+              <a:t> XXI – </a:t>
+            </a:r>
+            <a:r>
+              <a:rPr lang="en-US" spc="0" dirty="0" err="1" smtClean="0">
+                <a:ln w="0"/>
+                <a:solidFill>
+                  <a:schemeClr val="accent1"/>
+                </a:solidFill>
+                <a:effectLst>
+                  <a:outerShdw blurRad="38100" dist="25400" dir="5400000" algn="ctr" rotWithShape="0">
+                    <a:srgbClr val="6E747A">
+                      <a:alpha val="43000"/>
+                    </a:srgbClr>
+                  </a:outerShdw>
+                </a:effectLst>
+                <a:latin typeface="Segoe UI" panose="020B0502040204020203" pitchFamily="34" charset="0"/>
+                <a:cs typeface="Segoe UI" panose="020B0502040204020203" pitchFamily="34" charset="0"/>
+              </a:rPr>
+              <a:t>Riesgos</a:t>
+            </a:r>
+            <a:endParaRPr lang="en-US" spc="0" dirty="0">
+              <a:ln w="0"/>
+              <a:solidFill>
+                <a:schemeClr val="accent1"/>
+              </a:solidFill>
+              <a:effectLst>
+                <a:outerShdw blurRad="38100" dist="25400" dir="5400000" algn="ctr" rotWithShape="0">
+                  <a:srgbClr val="6E747A">
+                    <a:alpha val="43000"/>
+                  </a:srgbClr>
+                </a:outerShdw>
+              </a:effectLst>
+              <a:latin typeface="Segoe UI" panose="020B0502040204020203" pitchFamily="34" charset="0"/>
+              <a:cs typeface="Segoe UI" panose="020B0502040204020203" pitchFamily="34" charset="0"/>
+            </a:endParaRPr>
+          </a:p>
+        </p:txBody>
+      </p:sp>
+      <p:sp>
+        <p:nvSpPr>
+          <p:cNvPr id="2" name="Content Placeholder 1"/>
+          <p:cNvSpPr>
+            <a:spLocks noGrp="1"/>
+          </p:cNvSpPr>
+          <p:nvPr>
+            <p:ph idx="1"/>
+          </p:nvPr>
+        </p:nvSpPr>
+        <p:spPr/>
+        <p:txBody>
+          <a:bodyPr/>
+          <a:lstStyle/>
+          <a:p>
+            <a:r>
+              <a:rPr lang="es-AR" dirty="0" smtClean="0">
+                <a:latin typeface="Segoe UI" panose="020B0502040204020203" pitchFamily="34" charset="0"/>
+                <a:cs typeface="Segoe UI" panose="020B0502040204020203" pitchFamily="34" charset="0"/>
+              </a:rPr>
+              <a:t>(COMPLETAR)</a:t>
+            </a:r>
+            <a:endParaRPr lang="en-US" dirty="0">
+              <a:latin typeface="Segoe UI" panose="020B0502040204020203" pitchFamily="34" charset="0"/>
+              <a:cs typeface="Segoe UI" panose="020B0502040204020203" pitchFamily="34" charset="0"/>
+            </a:endParaRPr>
+          </a:p>
+        </p:txBody>
+      </p:sp>
+    </p:spTree>
+    <p:extLst>
+      <p:ext uri="{BB962C8B-B14F-4D97-AF65-F5344CB8AC3E}">
+        <p14:creationId xmlns:p14="http://schemas.microsoft.com/office/powerpoint/2010/main" val="2283345473"/>
+      </p:ext>
+    </p:extLst>
+  </p:cSld>
+  <p:clrMapOvr>
+    <a:masterClrMapping/>
+  </p:clrMapOvr>
+  <mc:AlternateContent xmlns:mc="http://schemas.openxmlformats.org/markup-compatibility/2006" xmlns:p14="http://schemas.microsoft.com/office/powerpoint/2010/main">
+    <mc:Choice Requires="p14">
+      <p:transition spd="med" p14:dur="700">
+        <p:fade/>
+      </p:transition>
+    </mc:Choice>
+    <mc:Fallback xmlns="">
+      <p:transition spd="med">
+        <p:fade/>
+      </p:transition>
+    </mc:Fallback>
+  </mc:AlternateContent>
+  <p:timing>
+    <p:tnLst>
+      <p:par>
+        <p:cTn id="1" dur="indefinite" restart="never" nodeType="tmRoot"/>
+      </p:par>
+    </p:tnLst>
+  </p:timing>
+</p:sld>
+</file>
+
+<file path=ppt/slides/slide14.xml><?xml version="1.0" encoding="utf-8"?>
+<p:sld xmlns:a="http://schemas.openxmlformats.org/drawingml/2006/main" xmlns:r="http://schemas.openxmlformats.org/officeDocument/2006/relationships" xmlns:p="http://schemas.openxmlformats.org/presentationml/2006/main">
+  <p:cSld>
+    <p:spTree>
+      <p:nvGrpSpPr>
+        <p:cNvPr id="1" name=""/>
+        <p:cNvGrpSpPr/>
+        <p:nvPr/>
+      </p:nvGrpSpPr>
+      <p:grpSpPr>
+        <a:xfrm>
+          <a:off x="0" y="0"/>
+          <a:ext cx="0" cy="0"/>
+          <a:chOff x="0" y="0"/>
+          <a:chExt cx="0" cy="0"/>
+        </a:xfrm>
+      </p:grpSpPr>
+      <p:sp>
+        <p:nvSpPr>
+          <p:cNvPr id="13" name="Title 12"/>
+          <p:cNvSpPr>
+            <a:spLocks noGrp="1"/>
+          </p:cNvSpPr>
+          <p:nvPr>
+            <p:ph type="title"/>
+          </p:nvPr>
+        </p:nvSpPr>
+        <p:spPr/>
+        <p:txBody>
+          <a:bodyPr/>
+          <a:lstStyle/>
+          <a:p>
+            <a:r>
+              <a:rPr lang="en-US" spc="0" dirty="0" err="1">
+                <a:ln w="0"/>
+                <a:solidFill>
+                  <a:schemeClr val="accent1"/>
+                </a:solidFill>
+                <a:effectLst>
+                  <a:outerShdw blurRad="38100" dist="25400" dir="5400000" algn="ctr" rotWithShape="0">
+                    <a:srgbClr val="6E747A">
+                      <a:alpha val="43000"/>
+                    </a:srgbClr>
+                  </a:outerShdw>
+                </a:effectLst>
+                <a:latin typeface="Segoe UI" panose="020B0502040204020203" pitchFamily="34" charset="0"/>
+                <a:cs typeface="Segoe UI" panose="020B0502040204020203" pitchFamily="34" charset="0"/>
+              </a:rPr>
+              <a:t>Siglo</a:t>
+            </a:r>
+            <a:r>
+              <a:rPr lang="en-US" spc="0" dirty="0">
+                <a:ln w="0"/>
+                <a:solidFill>
+                  <a:schemeClr val="accent1"/>
+                </a:solidFill>
+                <a:effectLst>
+                  <a:outerShdw blurRad="38100" dist="25400" dir="5400000" algn="ctr" rotWithShape="0">
+                    <a:srgbClr val="6E747A">
+                      <a:alpha val="43000"/>
+                    </a:srgbClr>
+                  </a:outerShdw>
+                </a:effectLst>
+                <a:latin typeface="Segoe UI" panose="020B0502040204020203" pitchFamily="34" charset="0"/>
+                <a:cs typeface="Segoe UI" panose="020B0502040204020203" pitchFamily="34" charset="0"/>
+              </a:rPr>
+              <a:t> </a:t>
+            </a:r>
+            <a:r>
+              <a:rPr lang="en-US" spc="0" dirty="0" smtClean="0">
+                <a:ln w="0"/>
+                <a:solidFill>
+                  <a:schemeClr val="accent1"/>
+                </a:solidFill>
+                <a:effectLst>
+                  <a:outerShdw blurRad="38100" dist="25400" dir="5400000" algn="ctr" rotWithShape="0">
+                    <a:srgbClr val="6E747A">
+                      <a:alpha val="43000"/>
+                    </a:srgbClr>
+                  </a:outerShdw>
+                </a:effectLst>
+                <a:latin typeface="Segoe UI" panose="020B0502040204020203" pitchFamily="34" charset="0"/>
+                <a:cs typeface="Segoe UI" panose="020B0502040204020203" pitchFamily="34" charset="0"/>
+              </a:rPr>
+              <a:t>XXI – </a:t>
+            </a:r>
+            <a:r>
+              <a:rPr lang="en-US" spc="0" dirty="0" err="1" smtClean="0">
+                <a:ln w="0"/>
+                <a:solidFill>
+                  <a:schemeClr val="accent1"/>
+                </a:solidFill>
+                <a:effectLst>
+                  <a:outerShdw blurRad="38100" dist="25400" dir="5400000" algn="ctr" rotWithShape="0">
+                    <a:srgbClr val="6E747A">
+                      <a:alpha val="43000"/>
+                    </a:srgbClr>
+                  </a:outerShdw>
+                </a:effectLst>
+                <a:latin typeface="Segoe UI" panose="020B0502040204020203" pitchFamily="34" charset="0"/>
+                <a:cs typeface="Segoe UI" panose="020B0502040204020203" pitchFamily="34" charset="0"/>
+              </a:rPr>
+              <a:t>Casos</a:t>
+            </a:r>
+            <a:r>
+              <a:rPr lang="en-US" spc="0" dirty="0" smtClean="0">
+                <a:ln w="0"/>
+                <a:solidFill>
+                  <a:schemeClr val="accent1"/>
+                </a:solidFill>
+                <a:effectLst>
+                  <a:outerShdw blurRad="38100" dist="25400" dir="5400000" algn="ctr" rotWithShape="0">
+                    <a:srgbClr val="6E747A">
+                      <a:alpha val="43000"/>
+                    </a:srgbClr>
+                  </a:outerShdw>
+                </a:effectLst>
+                <a:latin typeface="Segoe UI" panose="020B0502040204020203" pitchFamily="34" charset="0"/>
+                <a:cs typeface="Segoe UI" panose="020B0502040204020203" pitchFamily="34" charset="0"/>
+              </a:rPr>
+              <a:t> </a:t>
+            </a:r>
+            <a:r>
+              <a:rPr lang="en-US" spc="0" dirty="0" err="1" smtClean="0">
+                <a:ln w="0"/>
+                <a:solidFill>
+                  <a:schemeClr val="accent1"/>
+                </a:solidFill>
+                <a:effectLst>
+                  <a:outerShdw blurRad="38100" dist="25400" dir="5400000" algn="ctr" rotWithShape="0">
+                    <a:srgbClr val="6E747A">
+                      <a:alpha val="43000"/>
+                    </a:srgbClr>
+                  </a:outerShdw>
+                </a:effectLst>
+                <a:latin typeface="Segoe UI" panose="020B0502040204020203" pitchFamily="34" charset="0"/>
+                <a:cs typeface="Segoe UI" panose="020B0502040204020203" pitchFamily="34" charset="0"/>
+              </a:rPr>
+              <a:t>reales</a:t>
+            </a:r>
+            <a:endParaRPr lang="en-US" spc="0" dirty="0">
+              <a:ln w="0"/>
+              <a:solidFill>
+                <a:schemeClr val="accent1"/>
+              </a:solidFill>
+              <a:effectLst>
+                <a:outerShdw blurRad="38100" dist="25400" dir="5400000" algn="ctr" rotWithShape="0">
+                  <a:srgbClr val="6E747A">
+                    <a:alpha val="43000"/>
+                  </a:srgbClr>
+                </a:outerShdw>
+              </a:effectLst>
+              <a:latin typeface="Segoe UI" panose="020B0502040204020203" pitchFamily="34" charset="0"/>
+              <a:cs typeface="Segoe UI" panose="020B0502040204020203" pitchFamily="34" charset="0"/>
+            </a:endParaRPr>
+          </a:p>
+        </p:txBody>
+      </p:sp>
+      <p:sp>
+        <p:nvSpPr>
+          <p:cNvPr id="2" name="Content Placeholder 1"/>
+          <p:cNvSpPr>
+            <a:spLocks noGrp="1"/>
+          </p:cNvSpPr>
+          <p:nvPr>
+            <p:ph idx="1"/>
+          </p:nvPr>
+        </p:nvSpPr>
+        <p:spPr/>
+        <p:txBody>
+          <a:bodyPr>
+            <a:noAutofit/>
+          </a:bodyPr>
+          <a:lstStyle/>
+          <a:p>
+            <a:r>
+              <a:rPr lang="es-ES" sz="2000" dirty="0" smtClean="0">
+                <a:latin typeface="Segoe UI" panose="020B0502040204020203" pitchFamily="34" charset="0"/>
+                <a:cs typeface="Segoe UI" panose="020B0502040204020203" pitchFamily="34" charset="0"/>
+              </a:rPr>
+              <a:t>1996: </a:t>
+            </a:r>
+            <a:r>
+              <a:rPr lang="es-ES" sz="2000" dirty="0">
+                <a:latin typeface="Segoe UI" panose="020B0502040204020203" pitchFamily="34" charset="0"/>
+                <a:cs typeface="Segoe UI" panose="020B0502040204020203" pitchFamily="34" charset="0"/>
+              </a:rPr>
+              <a:t>se promulgó en Estados Unidos la ley HIPAA (</a:t>
+            </a:r>
+            <a:r>
+              <a:rPr lang="es-ES" sz="2000" dirty="0" err="1">
+                <a:latin typeface="Segoe UI" panose="020B0502040204020203" pitchFamily="34" charset="0"/>
+                <a:cs typeface="Segoe UI" panose="020B0502040204020203" pitchFamily="34" charset="0"/>
+              </a:rPr>
+              <a:t>Health</a:t>
+            </a:r>
+            <a:r>
+              <a:rPr lang="es-ES" sz="2000" dirty="0">
+                <a:latin typeface="Segoe UI" panose="020B0502040204020203" pitchFamily="34" charset="0"/>
+                <a:cs typeface="Segoe UI" panose="020B0502040204020203" pitchFamily="34" charset="0"/>
+              </a:rPr>
+              <a:t> </a:t>
+            </a:r>
+            <a:r>
+              <a:rPr lang="es-ES" sz="2000" dirty="0" err="1">
+                <a:latin typeface="Segoe UI" panose="020B0502040204020203" pitchFamily="34" charset="0"/>
+                <a:cs typeface="Segoe UI" panose="020B0502040204020203" pitchFamily="34" charset="0"/>
+              </a:rPr>
+              <a:t>Insurance</a:t>
+            </a:r>
+            <a:r>
+              <a:rPr lang="es-ES" sz="2000" dirty="0">
+                <a:latin typeface="Segoe UI" panose="020B0502040204020203" pitchFamily="34" charset="0"/>
+                <a:cs typeface="Segoe UI" panose="020B0502040204020203" pitchFamily="34" charset="0"/>
+              </a:rPr>
+              <a:t> </a:t>
+            </a:r>
+            <a:r>
+              <a:rPr lang="es-ES" sz="2000" dirty="0" err="1" smtClean="0">
+                <a:latin typeface="Segoe UI" panose="020B0502040204020203" pitchFamily="34" charset="0"/>
+                <a:cs typeface="Segoe UI" panose="020B0502040204020203" pitchFamily="34" charset="0"/>
+              </a:rPr>
+              <a:t>Portability</a:t>
+            </a:r>
+            <a:r>
+              <a:rPr lang="es-ES" sz="2000" dirty="0" smtClean="0">
+                <a:latin typeface="Segoe UI" panose="020B0502040204020203" pitchFamily="34" charset="0"/>
+                <a:cs typeface="Segoe UI" panose="020B0502040204020203" pitchFamily="34" charset="0"/>
+              </a:rPr>
+              <a:t> </a:t>
+            </a:r>
+            <a:r>
+              <a:rPr lang="es-ES" sz="2000" dirty="0">
+                <a:latin typeface="Segoe UI" panose="020B0502040204020203" pitchFamily="34" charset="0"/>
+                <a:cs typeface="Segoe UI" panose="020B0502040204020203" pitchFamily="34" charset="0"/>
+              </a:rPr>
+              <a:t>and </a:t>
+            </a:r>
+            <a:r>
+              <a:rPr lang="es-ES" sz="2000" dirty="0" err="1">
+                <a:latin typeface="Segoe UI" panose="020B0502040204020203" pitchFamily="34" charset="0"/>
+                <a:cs typeface="Segoe UI" panose="020B0502040204020203" pitchFamily="34" charset="0"/>
+              </a:rPr>
+              <a:t>Accountability</a:t>
+            </a:r>
+            <a:r>
+              <a:rPr lang="es-ES" sz="2000" dirty="0">
+                <a:latin typeface="Segoe UI" panose="020B0502040204020203" pitchFamily="34" charset="0"/>
+                <a:cs typeface="Segoe UI" panose="020B0502040204020203" pitchFamily="34" charset="0"/>
+              </a:rPr>
+              <a:t> </a:t>
+            </a:r>
+            <a:r>
+              <a:rPr lang="es-ES" sz="2000" dirty="0" err="1">
+                <a:latin typeface="Segoe UI" panose="020B0502040204020203" pitchFamily="34" charset="0"/>
+                <a:cs typeface="Segoe UI" panose="020B0502040204020203" pitchFamily="34" charset="0"/>
+              </a:rPr>
+              <a:t>Act</a:t>
+            </a:r>
+            <a:r>
+              <a:rPr lang="es-ES" sz="2000" dirty="0">
+                <a:latin typeface="Segoe UI" panose="020B0502040204020203" pitchFamily="34" charset="0"/>
+                <a:cs typeface="Segoe UI" panose="020B0502040204020203" pitchFamily="34" charset="0"/>
+              </a:rPr>
+              <a:t>), cuyo objetivo es asegurar la privacidad de los pacientes y la seguridad de la información relacionada a </a:t>
+            </a:r>
+            <a:r>
+              <a:rPr lang="es-ES" sz="2000" dirty="0" smtClean="0">
+                <a:latin typeface="Segoe UI" panose="020B0502040204020203" pitchFamily="34" charset="0"/>
+                <a:cs typeface="Segoe UI" panose="020B0502040204020203" pitchFamily="34" charset="0"/>
+              </a:rPr>
+              <a:t>ellos. </a:t>
+            </a:r>
+            <a:r>
+              <a:rPr lang="es-ES" sz="2000" dirty="0">
+                <a:latin typeface="Segoe UI" panose="020B0502040204020203" pitchFamily="34" charset="0"/>
+                <a:cs typeface="Segoe UI" panose="020B0502040204020203" pitchFamily="34" charset="0"/>
+              </a:rPr>
+              <a:t>En el año 2004 se produjo el primer caso de violación a esta ley, cuando un empleado de una asociación de enfermos de cáncer utilizó información de pacientes para obtener tarjetas de crédito.</a:t>
+            </a:r>
+            <a:endParaRPr lang="es-ES" sz="2000" dirty="0" smtClean="0">
+              <a:latin typeface="Segoe UI" panose="020B0502040204020203" pitchFamily="34" charset="0"/>
+              <a:cs typeface="Segoe UI" panose="020B0502040204020203" pitchFamily="34" charset="0"/>
+            </a:endParaRPr>
+          </a:p>
+          <a:p>
+            <a:r>
+              <a:rPr lang="es-ES" sz="2000" dirty="0" smtClean="0">
+                <a:latin typeface="Segoe UI" panose="020B0502040204020203" pitchFamily="34" charset="0"/>
+                <a:cs typeface="Segoe UI" panose="020B0502040204020203" pitchFamily="34" charset="0"/>
+              </a:rPr>
+              <a:t>2010:  </a:t>
+            </a:r>
+            <a:r>
+              <a:rPr lang="es-ES" sz="2000" dirty="0">
+                <a:latin typeface="Segoe UI" panose="020B0502040204020203" pitchFamily="34" charset="0"/>
+                <a:cs typeface="Segoe UI" panose="020B0502040204020203" pitchFamily="34" charset="0"/>
+              </a:rPr>
+              <a:t>Google detectó que había sido víctima de un ataque desde China, que robó información de su propiedad intelectual. El ataque logró entrar a correos de un grupo de activistas chinos, así como también empresas financieras, tecnológicas, tecnológicas, y medios y químicos.</a:t>
+            </a:r>
+          </a:p>
+          <a:p>
+            <a:r>
+              <a:rPr lang="es-ES" sz="2000" dirty="0" smtClean="0">
+                <a:latin typeface="Segoe UI" panose="020B0502040204020203" pitchFamily="34" charset="0"/>
+                <a:cs typeface="Segoe UI" panose="020B0502040204020203" pitchFamily="34" charset="0"/>
+              </a:rPr>
+              <a:t>2014: </a:t>
+            </a:r>
+            <a:r>
+              <a:rPr lang="es-AR" sz="2000" dirty="0" smtClean="0">
+                <a:latin typeface="Segoe UI" panose="020B0502040204020203" pitchFamily="34" charset="0"/>
+                <a:cs typeface="Segoe UI" panose="020B0502040204020203" pitchFamily="34" charset="0"/>
+              </a:rPr>
+              <a:t>Edward </a:t>
+            </a:r>
+            <a:r>
+              <a:rPr lang="es-AR" sz="2000" dirty="0" err="1" smtClean="0">
+                <a:latin typeface="Segoe UI" panose="020B0502040204020203" pitchFamily="34" charset="0"/>
+                <a:cs typeface="Segoe UI" panose="020B0502040204020203" pitchFamily="34" charset="0"/>
+              </a:rPr>
+              <a:t>Snowden</a:t>
+            </a:r>
+            <a:r>
+              <a:rPr lang="es-AR" sz="2000" dirty="0" smtClean="0">
+                <a:latin typeface="Segoe UI" panose="020B0502040204020203" pitchFamily="34" charset="0"/>
+                <a:cs typeface="Segoe UI" panose="020B0502040204020203" pitchFamily="34" charset="0"/>
+              </a:rPr>
+              <a:t> revela cómo la Casa Blanca y sus organismos espían las comunicaciones en Internet. </a:t>
+            </a:r>
+            <a:r>
+              <a:rPr lang="es-AR" sz="2000" dirty="0" err="1" smtClean="0">
+                <a:latin typeface="Segoe UI" panose="020B0502040204020203" pitchFamily="34" charset="0"/>
+                <a:cs typeface="Segoe UI" panose="020B0502040204020203" pitchFamily="34" charset="0"/>
+              </a:rPr>
+              <a:t>Snowden</a:t>
+            </a:r>
+            <a:r>
+              <a:rPr lang="es-AR" sz="2000" dirty="0">
+                <a:latin typeface="Segoe UI" panose="020B0502040204020203" pitchFamily="34" charset="0"/>
+                <a:cs typeface="Segoe UI" panose="020B0502040204020203" pitchFamily="34" charset="0"/>
+              </a:rPr>
+              <a:t>, asilado político en Rusia, filtró documentos sobre las prácticas de espionaje del Gobierno empleando unidades de memoria USB (“</a:t>
+            </a:r>
+            <a:r>
+              <a:rPr lang="es-AR" sz="2000" dirty="0" err="1">
+                <a:latin typeface="Segoe UI" panose="020B0502040204020203" pitchFamily="34" charset="0"/>
+                <a:cs typeface="Segoe UI" panose="020B0502040204020203" pitchFamily="34" charset="0"/>
+              </a:rPr>
+              <a:t>pendrives</a:t>
+            </a:r>
+            <a:r>
+              <a:rPr lang="es-AR" sz="2000" dirty="0" smtClean="0">
+                <a:latin typeface="Segoe UI" panose="020B0502040204020203" pitchFamily="34" charset="0"/>
+                <a:cs typeface="Segoe UI" panose="020B0502040204020203" pitchFamily="34" charset="0"/>
+              </a:rPr>
+              <a:t>”).</a:t>
+            </a:r>
+            <a:endParaRPr lang="en-US" sz="2000" dirty="0">
+              <a:latin typeface="Segoe UI" panose="020B0502040204020203" pitchFamily="34" charset="0"/>
+              <a:cs typeface="Segoe UI" panose="020B0502040204020203" pitchFamily="34" charset="0"/>
+            </a:endParaRPr>
+          </a:p>
+        </p:txBody>
+      </p:sp>
+    </p:spTree>
+    <p:extLst>
+      <p:ext uri="{BB962C8B-B14F-4D97-AF65-F5344CB8AC3E}">
+        <p14:creationId xmlns:p14="http://schemas.microsoft.com/office/powerpoint/2010/main" val="659291744"/>
+      </p:ext>
+    </p:extLst>
+  </p:cSld>
+  <p:clrMapOvr>
+    <a:masterClrMapping/>
+  </p:clrMapOvr>
+  <mc:AlternateContent xmlns:mc="http://schemas.openxmlformats.org/markup-compatibility/2006" xmlns:p14="http://schemas.microsoft.com/office/powerpoint/2010/main">
+    <mc:Choice Requires="p14">
+      <p:transition spd="med" p14:dur="700">
+        <p:fade/>
+      </p:transition>
+    </mc:Choice>
+    <mc:Fallback xmlns="">
+      <p:transition spd="med">
+        <p:fade/>
+      </p:transition>
+    </mc:Fallback>
+  </mc:AlternateContent>
+  <p:timing>
+    <p:tnLst>
+      <p:par>
+        <p:cTn id="1" dur="indefinite" restart="never" nodeType="tmRoot"/>
+      </p:par>
+    </p:tnLst>
+  </p:timing>
+</p:sld>
+</file>
+
+<file path=ppt/slides/slide15.xml><?xml version="1.0" encoding="utf-8"?>
+<p:sld xmlns:a="http://schemas.openxmlformats.org/drawingml/2006/main" xmlns:r="http://schemas.openxmlformats.org/officeDocument/2006/relationships" xmlns:p="http://schemas.openxmlformats.org/presentationml/2006/main">
+  <p:cSld>
+    <p:spTree>
+      <p:nvGrpSpPr>
+        <p:cNvPr id="1" name=""/>
+        <p:cNvGrpSpPr/>
+        <p:nvPr/>
+      </p:nvGrpSpPr>
+      <p:grpSpPr>
+        <a:xfrm>
+          <a:off x="0" y="0"/>
+          <a:ext cx="0" cy="0"/>
+          <a:chOff x="0" y="0"/>
+          <a:chExt cx="0" cy="0"/>
+        </a:xfrm>
+      </p:grpSpPr>
+      <p:sp>
+        <p:nvSpPr>
+          <p:cNvPr id="3" name="Title 2"/>
+          <p:cNvSpPr>
+            <a:spLocks noGrp="1"/>
+          </p:cNvSpPr>
+          <p:nvPr>
+            <p:ph type="title"/>
+          </p:nvPr>
+        </p:nvSpPr>
+        <p:spPr/>
+        <p:txBody>
+          <a:bodyPr>
+            <a:normAutofit/>
+          </a:bodyPr>
+          <a:lstStyle/>
+          <a:p>
+            <a:r>
+              <a:rPr lang="es-AR" sz="6600" dirty="0" smtClean="0">
+                <a:latin typeface="Segoe UI" panose="020B0502040204020203" pitchFamily="34" charset="0"/>
+                <a:cs typeface="Segoe UI" panose="020B0502040204020203" pitchFamily="34" charset="0"/>
+              </a:rPr>
+              <a:t>Fin</a:t>
+            </a:r>
+            <a:endParaRPr lang="en-US" sz="6600" dirty="0">
+              <a:latin typeface="Segoe UI" panose="020B0502040204020203" pitchFamily="34" charset="0"/>
+              <a:cs typeface="Segoe UI" panose="020B0502040204020203" pitchFamily="34" charset="0"/>
+            </a:endParaRPr>
+          </a:p>
+        </p:txBody>
+      </p:sp>
+      <p:sp>
+        <p:nvSpPr>
+          <p:cNvPr id="4" name="Text Placeholder 3"/>
+          <p:cNvSpPr>
+            <a:spLocks noGrp="1"/>
+          </p:cNvSpPr>
+          <p:nvPr>
+            <p:ph type="body" sz="half" idx="2"/>
+          </p:nvPr>
+        </p:nvSpPr>
+        <p:spPr/>
+        <p:txBody>
+          <a:bodyPr>
+            <a:normAutofit/>
+          </a:bodyPr>
+          <a:lstStyle/>
+          <a:p>
+            <a:r>
+              <a:rPr lang="es-AR" sz="3600" dirty="0" smtClean="0">
+                <a:latin typeface="Segoe UI" panose="020B0502040204020203" pitchFamily="34" charset="0"/>
+                <a:cs typeface="Segoe UI" panose="020B0502040204020203" pitchFamily="34" charset="0"/>
+              </a:rPr>
               <a:t>¿Preguntas?</a:t>
             </a:r>
-            <a:endParaRPr lang="en-US" dirty="0"/>
+            <a:endParaRPr lang="en-US" sz="3600" dirty="0">
+              <a:latin typeface="Segoe UI" panose="020B0502040204020203" pitchFamily="34" charset="0"/>
+              <a:cs typeface="Segoe UI" panose="020B0502040204020203" pitchFamily="34" charset="0"/>
+            </a:endParaRPr>
           </a:p>
         </p:txBody>
       </p:sp>
@@ -6819,13 +9355,35 @@
           <a:lstStyle/>
           <a:p>
             <a:r>
-              <a:rPr lang="en-US" dirty="0" err="1" smtClean="0">
+              <a:rPr lang="en-US" spc="0" dirty="0" err="1" smtClean="0">
+                <a:ln w="0"/>
+                <a:solidFill>
+                  <a:schemeClr val="accent1"/>
+                </a:solidFill>
+                <a:effectLst>
+                  <a:outerShdw blurRad="38100" dist="25400" dir="5400000" algn="ctr" rotWithShape="0">
+                    <a:srgbClr val="6E747A">
+                      <a:alpha val="43000"/>
+                    </a:srgbClr>
+                  </a:outerShdw>
+                </a:effectLst>
                 <a:latin typeface="Segoe UI" panose="020B0502040204020203" pitchFamily="34" charset="0"/>
                 <a:cs typeface="Segoe UI" panose="020B0502040204020203" pitchFamily="34" charset="0"/>
               </a:rPr>
               <a:t>Integrantes</a:t>
             </a:r>
-            <a:endParaRPr lang="en-US" dirty="0">
+            <a:endParaRPr lang="en-US" spc="0" dirty="0">
+              <a:ln w="0"/>
+              <a:solidFill>
+                <a:schemeClr val="accent1"/>
+              </a:solidFill>
+              <a:effectLst>
+                <a:outerShdw blurRad="38100" dist="25400" dir="5400000" algn="ctr" rotWithShape="0">
+                  <a:srgbClr val="6E747A">
+                    <a:alpha val="43000"/>
+                  </a:srgbClr>
+                </a:outerShdw>
+              </a:effectLst>
               <a:latin typeface="Segoe UI" panose="020B0502040204020203" pitchFamily="34" charset="0"/>
               <a:cs typeface="Segoe UI" panose="020B0502040204020203" pitchFamily="34" charset="0"/>
             </a:endParaRPr>
@@ -6962,94 +9520,128 @@
           <a:lstStyle/>
           <a:p>
             <a:r>
-              <a:rPr lang="en-US" dirty="0" err="1" smtClean="0">
+              <a:rPr lang="en-US" spc="0" dirty="0" err="1" smtClean="0">
+                <a:ln w="0"/>
+                <a:solidFill>
+                  <a:schemeClr val="accent1"/>
+                </a:solidFill>
+                <a:effectLst>
+                  <a:outerShdw blurRad="38100" dist="25400" dir="5400000" algn="ctr" rotWithShape="0">
+                    <a:srgbClr val="6E747A">
+                      <a:alpha val="43000"/>
+                    </a:srgbClr>
+                  </a:outerShdw>
+                </a:effectLst>
                 <a:latin typeface="Segoe UI" panose="020B0502040204020203" pitchFamily="34" charset="0"/>
                 <a:cs typeface="Segoe UI" panose="020B0502040204020203" pitchFamily="34" charset="0"/>
               </a:rPr>
               <a:t>Introducción</a:t>
+            </a:r>
+            <a:endParaRPr lang="en-US" spc="0" dirty="0">
+              <a:ln w="0"/>
+              <a:solidFill>
+                <a:schemeClr val="accent1"/>
+              </a:solidFill>
+              <a:effectLst>
+                <a:outerShdw blurRad="38100" dist="25400" dir="5400000" algn="ctr" rotWithShape="0">
+                  <a:srgbClr val="6E747A">
+                    <a:alpha val="43000"/>
+                  </a:srgbClr>
+                </a:outerShdw>
+              </a:effectLst>
+              <a:latin typeface="Segoe UI" panose="020B0502040204020203" pitchFamily="34" charset="0"/>
+              <a:cs typeface="Segoe UI" panose="020B0502040204020203" pitchFamily="34" charset="0"/>
+            </a:endParaRPr>
+          </a:p>
+        </p:txBody>
+      </p:sp>
+      <p:sp>
+        <p:nvSpPr>
+          <p:cNvPr id="2" name="Content Placeholder 1"/>
+          <p:cNvSpPr>
+            <a:spLocks noGrp="1"/>
+          </p:cNvSpPr>
+          <p:nvPr>
+            <p:ph idx="1"/>
+          </p:nvPr>
+        </p:nvSpPr>
+        <p:spPr/>
+        <p:txBody>
+          <a:bodyPr/>
+          <a:lstStyle/>
+          <a:p>
+            <a:r>
+              <a:rPr lang="es-AR" dirty="0" smtClean="0">
+                <a:latin typeface="Segoe UI" panose="020B0502040204020203" pitchFamily="34" charset="0"/>
+                <a:cs typeface="Segoe UI" panose="020B0502040204020203" pitchFamily="34" charset="0"/>
+              </a:rPr>
+              <a:t>La información como activo intangible de las organizaciones</a:t>
+            </a:r>
+          </a:p>
+          <a:p>
+            <a:r>
+              <a:rPr lang="es-AR" dirty="0" smtClean="0">
+                <a:latin typeface="Segoe UI" panose="020B0502040204020203" pitchFamily="34" charset="0"/>
+                <a:cs typeface="Segoe UI" panose="020B0502040204020203" pitchFamily="34" charset="0"/>
+              </a:rPr>
+              <a:t>Fuga de información</a:t>
+            </a:r>
+          </a:p>
+          <a:p>
+            <a:r>
+              <a:rPr lang="es-AR" dirty="0" smtClean="0">
+                <a:latin typeface="Segoe UI" panose="020B0502040204020203" pitchFamily="34" charset="0"/>
+                <a:cs typeface="Segoe UI" panose="020B0502040204020203" pitchFamily="34" charset="0"/>
+              </a:rPr>
+              <a:t>Riesgos existentes</a:t>
+            </a:r>
+          </a:p>
+          <a:p>
+            <a:r>
+              <a:rPr lang="es-AR" dirty="0" smtClean="0">
+                <a:latin typeface="Segoe UI" panose="020B0502040204020203" pitchFamily="34" charset="0"/>
+                <a:cs typeface="Segoe UI" panose="020B0502040204020203" pitchFamily="34" charset="0"/>
+              </a:rPr>
+              <a:t>Tipos de controles</a:t>
             </a:r>
             <a:endParaRPr lang="en-US" dirty="0">
               <a:latin typeface="Segoe UI" panose="020B0502040204020203" pitchFamily="34" charset="0"/>
               <a:cs typeface="Segoe UI" panose="020B0502040204020203" pitchFamily="34" charset="0"/>
             </a:endParaRPr>
           </a:p>
-        </p:txBody>
-      </p:sp>
-      <p:sp>
-        <p:nvSpPr>
-          <p:cNvPr id="2" name="Content Placeholder 1"/>
-          <p:cNvSpPr>
-            <a:spLocks noGrp="1"/>
-          </p:cNvSpPr>
-          <p:nvPr>
-            <p:ph idx="1"/>
-          </p:nvPr>
-        </p:nvSpPr>
-        <p:spPr/>
-        <p:txBody>
-          <a:bodyPr/>
-          <a:lstStyle/>
-          <a:p>
+          <a:p>
+            <a:pPr lvl="1"/>
             <a:r>
               <a:rPr lang="es-AR" dirty="0" smtClean="0">
                 <a:latin typeface="Segoe UI" panose="020B0502040204020203" pitchFamily="34" charset="0"/>
                 <a:cs typeface="Segoe UI" panose="020B0502040204020203" pitchFamily="34" charset="0"/>
               </a:rPr>
-              <a:t>La información como activo intangible de las organizaciones</a:t>
-            </a:r>
-          </a:p>
-          <a:p>
+              <a:t>Preventivos</a:t>
+            </a:r>
+            <a:r>
+              <a:rPr lang="es-AR" i="1" dirty="0" smtClean="0">
+                <a:latin typeface="Segoe UI" panose="020B0502040204020203" pitchFamily="34" charset="0"/>
+                <a:cs typeface="Segoe UI" panose="020B0502040204020203" pitchFamily="34" charset="0"/>
+              </a:rPr>
+              <a:t> (intentan evitar la ocurrencia de situaciones de riesgo)</a:t>
+            </a:r>
+          </a:p>
+          <a:p>
+            <a:pPr lvl="1"/>
             <a:r>
               <a:rPr lang="es-AR" dirty="0" smtClean="0">
                 <a:latin typeface="Segoe UI" panose="020B0502040204020203" pitchFamily="34" charset="0"/>
                 <a:cs typeface="Segoe UI" panose="020B0502040204020203" pitchFamily="34" charset="0"/>
               </a:rPr>
-              <a:t>Fuga de información</a:t>
-            </a:r>
-          </a:p>
-          <a:p>
-            <a:r>
-              <a:rPr lang="es-AR" dirty="0" smtClean="0">
-                <a:latin typeface="Segoe UI" panose="020B0502040204020203" pitchFamily="34" charset="0"/>
-                <a:cs typeface="Segoe UI" panose="020B0502040204020203" pitchFamily="34" charset="0"/>
-              </a:rPr>
-              <a:t>Riesgos existentes</a:t>
-            </a:r>
-          </a:p>
-          <a:p>
-            <a:r>
-              <a:rPr lang="es-AR" dirty="0" smtClean="0">
-                <a:latin typeface="Segoe UI" panose="020B0502040204020203" pitchFamily="34" charset="0"/>
-                <a:cs typeface="Segoe UI" panose="020B0502040204020203" pitchFamily="34" charset="0"/>
-              </a:rPr>
-              <a:t>Tipos de </a:t>
-            </a:r>
-            <a:r>
-              <a:rPr lang="es-AR" dirty="0" smtClean="0">
-                <a:latin typeface="Segoe UI" panose="020B0502040204020203" pitchFamily="34" charset="0"/>
-                <a:cs typeface="Segoe UI" panose="020B0502040204020203" pitchFamily="34" charset="0"/>
-              </a:rPr>
-              <a:t>controles</a:t>
-            </a:r>
-          </a:p>
-          <a:p>
-            <a:r>
-              <a:rPr lang="es-AR" dirty="0">
-                <a:latin typeface="Segoe UI" panose="020B0502040204020203" pitchFamily="34" charset="0"/>
-                <a:cs typeface="Segoe UI" panose="020B0502040204020203" pitchFamily="34" charset="0"/>
-              </a:rPr>
-              <a:t>(COMPLETAR)</a:t>
-            </a:r>
-            <a:endParaRPr lang="en-US" dirty="0">
-              <a:latin typeface="Segoe UI" panose="020B0502040204020203" pitchFamily="34" charset="0"/>
-              <a:cs typeface="Segoe UI" panose="020B0502040204020203" pitchFamily="34" charset="0"/>
-            </a:endParaRPr>
-          </a:p>
-          <a:p>
-            <a:endParaRPr lang="en-US" dirty="0">
-              <a:latin typeface="Segoe UI" panose="020B0502040204020203" pitchFamily="34" charset="0"/>
-              <a:cs typeface="Segoe UI" panose="020B0502040204020203" pitchFamily="34" charset="0"/>
-            </a:endParaRPr>
+              <a:t>Correctivos</a:t>
+            </a:r>
+            <a:r>
+              <a:rPr lang="es-AR" i="1" dirty="0" smtClean="0">
+                <a:latin typeface="Segoe UI" panose="020B0502040204020203" pitchFamily="34" charset="0"/>
+                <a:cs typeface="Segoe UI" panose="020B0502040204020203" pitchFamily="34" charset="0"/>
+              </a:rPr>
+              <a:t> (corrigen la situación de riesgo una vez que ocurrió)</a:t>
+            </a:r>
           </a:p>
         </p:txBody>
       </p:sp>
@@ -7118,19 +9710,74 @@
           <a:lstStyle/>
           <a:p>
             <a:r>
-              <a:rPr lang="en-US" dirty="0" err="1">
+              <a:rPr lang="en-US" spc="0" dirty="0" err="1">
+                <a:ln w="0"/>
+                <a:solidFill>
+                  <a:schemeClr val="accent1"/>
+                </a:solidFill>
+                <a:effectLst>
+                  <a:outerShdw blurRad="38100" dist="25400" dir="5400000" algn="ctr" rotWithShape="0">
+                    <a:srgbClr val="6E747A">
+                      <a:alpha val="43000"/>
+                    </a:srgbClr>
+                  </a:outerShdw>
+                </a:effectLst>
                 <a:latin typeface="Segoe UI" panose="020B0502040204020203" pitchFamily="34" charset="0"/>
                 <a:cs typeface="Segoe UI" panose="020B0502040204020203" pitchFamily="34" charset="0"/>
               </a:rPr>
               <a:t>Siglo</a:t>
             </a:r>
             <a:r>
-              <a:rPr lang="en-US" dirty="0">
-                <a:latin typeface="Segoe UI" panose="020B0502040204020203" pitchFamily="34" charset="0"/>
-                <a:cs typeface="Segoe UI" panose="020B0502040204020203" pitchFamily="34" charset="0"/>
-              </a:rPr>
-              <a:t> XIX</a:t>
-            </a:r>
+              <a:rPr lang="en-US" spc="0" dirty="0">
+                <a:ln w="0"/>
+                <a:solidFill>
+                  <a:schemeClr val="accent1"/>
+                </a:solidFill>
+                <a:effectLst>
+                  <a:outerShdw blurRad="38100" dist="25400" dir="5400000" algn="ctr" rotWithShape="0">
+                    <a:srgbClr val="6E747A">
+                      <a:alpha val="43000"/>
+                    </a:srgbClr>
+                  </a:outerShdw>
+                </a:effectLst>
+                <a:latin typeface="Segoe UI" panose="020B0502040204020203" pitchFamily="34" charset="0"/>
+                <a:cs typeface="Segoe UI" panose="020B0502040204020203" pitchFamily="34" charset="0"/>
+              </a:rPr>
+              <a:t> XIX – </a:t>
+            </a:r>
+            <a:r>
+              <a:rPr lang="en-US" spc="0" dirty="0" err="1" smtClean="0">
+                <a:ln w="0"/>
+                <a:solidFill>
+                  <a:schemeClr val="accent1"/>
+                </a:solidFill>
+                <a:effectLst>
+                  <a:outerShdw blurRad="38100" dist="25400" dir="5400000" algn="ctr" rotWithShape="0">
+                    <a:srgbClr val="6E747A">
+                      <a:alpha val="43000"/>
+                    </a:srgbClr>
+                  </a:outerShdw>
+                </a:effectLst>
+                <a:latin typeface="Segoe UI" panose="020B0502040204020203" pitchFamily="34" charset="0"/>
+                <a:cs typeface="Segoe UI" panose="020B0502040204020203" pitchFamily="34" charset="0"/>
+              </a:rPr>
+              <a:t>Introducción</a:t>
+            </a:r>
+            <a:endParaRPr lang="en-US" spc="0" dirty="0">
+              <a:ln w="0"/>
+              <a:solidFill>
+                <a:schemeClr val="accent1"/>
+              </a:solidFill>
+              <a:effectLst>
+                <a:outerShdw blurRad="38100" dist="25400" dir="5400000" algn="ctr" rotWithShape="0">
+                  <a:srgbClr val="6E747A">
+                    <a:alpha val="43000"/>
+                  </a:srgbClr>
+                </a:outerShdw>
+              </a:effectLst>
+              <a:latin typeface="Segoe UI" panose="020B0502040204020203" pitchFamily="34" charset="0"/>
+              <a:cs typeface="Segoe UI" panose="020B0502040204020203" pitchFamily="34" charset="0"/>
+            </a:endParaRPr>
           </a:p>
         </p:txBody>
       </p:sp>
@@ -7228,18 +9875,134 @@
           <a:lstStyle/>
           <a:p>
             <a:r>
-              <a:rPr lang="en-US" dirty="0" err="1" smtClean="0">
+              <a:rPr lang="en-US" spc="0" dirty="0" err="1">
+                <a:ln w="0"/>
+                <a:solidFill>
+                  <a:schemeClr val="accent1"/>
+                </a:solidFill>
+                <a:effectLst>
+                  <a:outerShdw blurRad="38100" dist="25400" dir="5400000" algn="ctr" rotWithShape="0">
+                    <a:srgbClr val="6E747A">
+                      <a:alpha val="43000"/>
+                    </a:srgbClr>
+                  </a:outerShdw>
+                </a:effectLst>
                 <a:latin typeface="Segoe UI" panose="020B0502040204020203" pitchFamily="34" charset="0"/>
                 <a:cs typeface="Segoe UI" panose="020B0502040204020203" pitchFamily="34" charset="0"/>
               </a:rPr>
               <a:t>Siglo</a:t>
             </a:r>
             <a:r>
-              <a:rPr lang="en-US" dirty="0" smtClean="0">
-                <a:latin typeface="Segoe UI" panose="020B0502040204020203" pitchFamily="34" charset="0"/>
-                <a:cs typeface="Segoe UI" panose="020B0502040204020203" pitchFamily="34" charset="0"/>
-              </a:rPr>
-              <a:t> XXI</a:t>
+              <a:rPr lang="en-US" spc="0" dirty="0">
+                <a:ln w="0"/>
+                <a:solidFill>
+                  <a:schemeClr val="accent1"/>
+                </a:solidFill>
+                <a:effectLst>
+                  <a:outerShdw blurRad="38100" dist="25400" dir="5400000" algn="ctr" rotWithShape="0">
+                    <a:srgbClr val="6E747A">
+                      <a:alpha val="43000"/>
+                    </a:srgbClr>
+                  </a:outerShdw>
+                </a:effectLst>
+                <a:latin typeface="Segoe UI" panose="020B0502040204020203" pitchFamily="34" charset="0"/>
+                <a:cs typeface="Segoe UI" panose="020B0502040204020203" pitchFamily="34" charset="0"/>
+              </a:rPr>
+              <a:t> XIX – </a:t>
+            </a:r>
+            <a:r>
+              <a:rPr lang="en-US" spc="0" dirty="0" err="1" smtClean="0">
+                <a:ln w="0"/>
+                <a:solidFill>
+                  <a:schemeClr val="accent1"/>
+                </a:solidFill>
+                <a:effectLst>
+                  <a:outerShdw blurRad="38100" dist="25400" dir="5400000" algn="ctr" rotWithShape="0">
+                    <a:srgbClr val="6E747A">
+                      <a:alpha val="43000"/>
+                    </a:srgbClr>
+                  </a:outerShdw>
+                </a:effectLst>
+                <a:latin typeface="Segoe UI" panose="020B0502040204020203" pitchFamily="34" charset="0"/>
+                <a:cs typeface="Segoe UI" panose="020B0502040204020203" pitchFamily="34" charset="0"/>
+              </a:rPr>
+              <a:t>Casos</a:t>
+            </a:r>
+            <a:r>
+              <a:rPr lang="en-US" spc="0" dirty="0" smtClean="0">
+                <a:ln w="0"/>
+                <a:solidFill>
+                  <a:schemeClr val="accent1"/>
+                </a:solidFill>
+                <a:effectLst>
+                  <a:outerShdw blurRad="38100" dist="25400" dir="5400000" algn="ctr" rotWithShape="0">
+                    <a:srgbClr val="6E747A">
+                      <a:alpha val="43000"/>
+                    </a:srgbClr>
+                  </a:outerShdw>
+                </a:effectLst>
+                <a:latin typeface="Segoe UI" panose="020B0502040204020203" pitchFamily="34" charset="0"/>
+                <a:cs typeface="Segoe UI" panose="020B0502040204020203" pitchFamily="34" charset="0"/>
+              </a:rPr>
+              <a:t> </a:t>
+            </a:r>
+            <a:r>
+              <a:rPr lang="en-US" spc="0" dirty="0" err="1" smtClean="0">
+                <a:ln w="0"/>
+                <a:solidFill>
+                  <a:schemeClr val="accent1"/>
+                </a:solidFill>
+                <a:effectLst>
+                  <a:outerShdw blurRad="38100" dist="25400" dir="5400000" algn="ctr" rotWithShape="0">
+                    <a:srgbClr val="6E747A">
+                      <a:alpha val="43000"/>
+                    </a:srgbClr>
+                  </a:outerShdw>
+                </a:effectLst>
+                <a:latin typeface="Segoe UI" panose="020B0502040204020203" pitchFamily="34" charset="0"/>
+                <a:cs typeface="Segoe UI" panose="020B0502040204020203" pitchFamily="34" charset="0"/>
+              </a:rPr>
+              <a:t>reales</a:t>
+            </a:r>
+            <a:endParaRPr lang="en-US" spc="0" dirty="0">
+              <a:ln w="0"/>
+              <a:solidFill>
+                <a:schemeClr val="accent1"/>
+              </a:solidFill>
+              <a:effectLst>
+                <a:outerShdw blurRad="38100" dist="25400" dir="5400000" algn="ctr" rotWithShape="0">
+                  <a:srgbClr val="6E747A">
+                    <a:alpha val="43000"/>
+                  </a:srgbClr>
+                </a:outerShdw>
+              </a:effectLst>
+              <a:latin typeface="Segoe UI" panose="020B0502040204020203" pitchFamily="34" charset="0"/>
+              <a:cs typeface="Segoe UI" panose="020B0502040204020203" pitchFamily="34" charset="0"/>
+            </a:endParaRPr>
+          </a:p>
+        </p:txBody>
+      </p:sp>
+      <p:sp>
+        <p:nvSpPr>
+          <p:cNvPr id="2" name="Content Placeholder 1"/>
+          <p:cNvSpPr>
+            <a:spLocks noGrp="1"/>
+          </p:cNvSpPr>
+          <p:nvPr>
+            <p:ph idx="1"/>
+          </p:nvPr>
+        </p:nvSpPr>
+        <p:spPr/>
+        <p:txBody>
+          <a:bodyPr/>
+          <a:lstStyle/>
+          <a:p>
+            <a:r>
+              <a:rPr lang="es-AR" dirty="0" smtClean="0">
+                <a:latin typeface="Segoe UI" panose="020B0502040204020203" pitchFamily="34" charset="0"/>
+                <a:cs typeface="Segoe UI" panose="020B0502040204020203" pitchFamily="34" charset="0"/>
+              </a:rPr>
+              <a:t>(COMPLETAR)</a:t>
             </a:r>
             <a:endParaRPr lang="en-US" dirty="0">
               <a:latin typeface="Segoe UI" panose="020B0502040204020203" pitchFamily="34" charset="0"/>
@@ -7248,110 +10011,10 @@
           </a:p>
         </p:txBody>
       </p:sp>
-      <p:sp>
-        <p:nvSpPr>
-          <p:cNvPr id="2" name="Content Placeholder 1"/>
-          <p:cNvSpPr>
-            <a:spLocks noGrp="1"/>
-          </p:cNvSpPr>
-          <p:nvPr>
-            <p:ph idx="1"/>
-          </p:nvPr>
-        </p:nvSpPr>
-        <p:spPr/>
-        <p:txBody>
-          <a:bodyPr>
-            <a:noAutofit/>
-          </a:bodyPr>
-          <a:lstStyle/>
-          <a:p>
-            <a:pPr lvl="0"/>
-            <a:r>
-              <a:rPr lang="es-AR" dirty="0" smtClean="0">
-                <a:latin typeface="Segoe UI" panose="020B0502040204020203" pitchFamily="34" charset="0"/>
-                <a:cs typeface="Segoe UI" panose="020B0502040204020203" pitchFamily="34" charset="0"/>
-              </a:rPr>
-              <a:t>Economía basada en la información</a:t>
-            </a:r>
-          </a:p>
-          <a:p>
-            <a:pPr lvl="1"/>
-            <a:r>
-              <a:rPr lang="es-AR" dirty="0" smtClean="0">
-                <a:latin typeface="Segoe UI" panose="020B0502040204020203" pitchFamily="34" charset="0"/>
-                <a:cs typeface="Segoe UI" panose="020B0502040204020203" pitchFamily="34" charset="0"/>
-              </a:rPr>
-              <a:t>Nuevos desafíos: </a:t>
-            </a:r>
-            <a:r>
-              <a:rPr lang="es-AR" dirty="0">
-                <a:latin typeface="Segoe UI" panose="020B0502040204020203" pitchFamily="34" charset="0"/>
-                <a:cs typeface="Segoe UI" panose="020B0502040204020203" pitchFamily="34" charset="0"/>
-              </a:rPr>
-              <a:t>m</a:t>
-            </a:r>
-            <a:r>
-              <a:rPr lang="es-AR" dirty="0" smtClean="0">
-                <a:latin typeface="Segoe UI" panose="020B0502040204020203" pitchFamily="34" charset="0"/>
-                <a:cs typeface="Segoe UI" panose="020B0502040204020203" pitchFamily="34" charset="0"/>
-              </a:rPr>
-              <a:t>anejar </a:t>
-            </a:r>
-            <a:r>
-              <a:rPr lang="es-AR" dirty="0" smtClean="0">
-                <a:latin typeface="Segoe UI" panose="020B0502040204020203" pitchFamily="34" charset="0"/>
-                <a:cs typeface="Segoe UI" panose="020B0502040204020203" pitchFamily="34" charset="0"/>
-              </a:rPr>
-              <a:t>y procesar información de diversa índole, en grandes cantidades, a alta velocidad</a:t>
-            </a:r>
-          </a:p>
-          <a:p>
-            <a:pPr lvl="0"/>
-            <a:r>
-              <a:rPr lang="es-AR" dirty="0" smtClean="0">
-                <a:latin typeface="Segoe UI" panose="020B0502040204020203" pitchFamily="34" charset="0"/>
-                <a:cs typeface="Segoe UI" panose="020B0502040204020203" pitchFamily="34" charset="0"/>
-              </a:rPr>
-              <a:t>Información disponible de forma electrónica </a:t>
-            </a:r>
-          </a:p>
-          <a:p>
-            <a:pPr lvl="1"/>
-            <a:r>
-              <a:rPr lang="es-AR" dirty="0" smtClean="0">
-                <a:latin typeface="Segoe UI" panose="020B0502040204020203" pitchFamily="34" charset="0"/>
-                <a:cs typeface="Segoe UI" panose="020B0502040204020203" pitchFamily="34" charset="0"/>
-              </a:rPr>
-              <a:t>Información personal, datos médicos, datos </a:t>
-            </a:r>
-            <a:r>
-              <a:rPr lang="es-AR" dirty="0" smtClean="0">
-                <a:latin typeface="Segoe UI" panose="020B0502040204020203" pitchFamily="34" charset="0"/>
-                <a:cs typeface="Segoe UI" panose="020B0502040204020203" pitchFamily="34" charset="0"/>
-              </a:rPr>
-              <a:t>financieros</a:t>
-            </a:r>
-          </a:p>
-          <a:p>
-            <a:pPr lvl="1"/>
-            <a:r>
-              <a:rPr lang="es-AR" dirty="0" smtClean="0">
-                <a:latin typeface="Segoe UI" panose="020B0502040204020203" pitchFamily="34" charset="0"/>
-                <a:cs typeface="Segoe UI" panose="020B0502040204020203" pitchFamily="34" charset="0"/>
-              </a:rPr>
-              <a:t>Espionaje informático</a:t>
-            </a:r>
-            <a:endParaRPr lang="es-AR" dirty="0" smtClean="0">
-              <a:latin typeface="Segoe UI" panose="020B0502040204020203" pitchFamily="34" charset="0"/>
-              <a:cs typeface="Segoe UI" panose="020B0502040204020203" pitchFamily="34" charset="0"/>
-            </a:endParaRPr>
-          </a:p>
-        </p:txBody>
-      </p:sp>
     </p:spTree>
     <p:extLst>
       <p:ext uri="{BB962C8B-B14F-4D97-AF65-F5344CB8AC3E}">
-        <p14:creationId xmlns:p14="http://schemas.microsoft.com/office/powerpoint/2010/main" val="2675216716"/>
+        <p14:creationId xmlns:p14="http://schemas.microsoft.com/office/powerpoint/2010/main" val="2616027559"/>
       </p:ext>
     </p:extLst>
   </p:cSld>
@@ -7413,48 +10076,71 @@
           <a:lstStyle/>
           <a:p>
             <a:r>
-              <a:rPr lang="en-US" dirty="0" err="1" smtClean="0">
+              <a:rPr lang="en-US" spc="0" dirty="0" err="1" smtClean="0">
+                <a:ln w="0"/>
+                <a:solidFill>
+                  <a:schemeClr val="accent1"/>
+                </a:solidFill>
+                <a:effectLst>
+                  <a:outerShdw blurRad="38100" dist="25400" dir="5400000" algn="ctr" rotWithShape="0">
+                    <a:srgbClr val="6E747A">
+                      <a:alpha val="43000"/>
+                    </a:srgbClr>
+                  </a:outerShdw>
+                </a:effectLst>
                 <a:latin typeface="Segoe UI" panose="020B0502040204020203" pitchFamily="34" charset="0"/>
                 <a:cs typeface="Segoe UI" panose="020B0502040204020203" pitchFamily="34" charset="0"/>
               </a:rPr>
               <a:t>Siglo</a:t>
             </a:r>
             <a:r>
-              <a:rPr lang="en-US" dirty="0" smtClean="0">
-                <a:latin typeface="Segoe UI" panose="020B0502040204020203" pitchFamily="34" charset="0"/>
-                <a:cs typeface="Segoe UI" panose="020B0502040204020203" pitchFamily="34" charset="0"/>
-              </a:rPr>
-              <a:t> XXI </a:t>
-            </a:r>
-            <a:r>
-              <a:rPr lang="en-US" dirty="0" smtClean="0">
-                <a:latin typeface="Segoe UI" panose="020B0502040204020203" pitchFamily="34" charset="0"/>
-                <a:cs typeface="Segoe UI" panose="020B0502040204020203" pitchFamily="34" charset="0"/>
-              </a:rPr>
-              <a:t>– </a:t>
-            </a:r>
-            <a:r>
-              <a:rPr lang="en-US" dirty="0" err="1" smtClean="0">
+              <a:rPr lang="en-US" spc="0" dirty="0" smtClean="0">
+                <a:ln w="0"/>
+                <a:solidFill>
+                  <a:schemeClr val="accent1"/>
+                </a:solidFill>
+                <a:effectLst>
+                  <a:outerShdw blurRad="38100" dist="25400" dir="5400000" algn="ctr" rotWithShape="0">
+                    <a:srgbClr val="6E747A">
+                      <a:alpha val="43000"/>
+                    </a:srgbClr>
+                  </a:outerShdw>
+                </a:effectLst>
+                <a:latin typeface="Segoe UI" panose="020B0502040204020203" pitchFamily="34" charset="0"/>
+                <a:cs typeface="Segoe UI" panose="020B0502040204020203" pitchFamily="34" charset="0"/>
+              </a:rPr>
+              <a:t> XIX – </a:t>
+            </a:r>
+            <a:r>
+              <a:rPr lang="en-US" spc="0" dirty="0" err="1" smtClean="0">
+                <a:ln w="0"/>
+                <a:solidFill>
+                  <a:schemeClr val="accent1"/>
+                </a:solidFill>
+                <a:effectLst>
+                  <a:outerShdw blurRad="38100" dist="25400" dir="5400000" algn="ctr" rotWithShape="0">
+                    <a:srgbClr val="6E747A">
+                      <a:alpha val="43000"/>
+                    </a:srgbClr>
+                  </a:outerShdw>
+                </a:effectLst>
                 <a:latin typeface="Segoe UI" panose="020B0502040204020203" pitchFamily="34" charset="0"/>
                 <a:cs typeface="Segoe UI" panose="020B0502040204020203" pitchFamily="34" charset="0"/>
               </a:rPr>
               <a:t>Eventos</a:t>
             </a:r>
-            <a:r>
-              <a:rPr lang="en-US" dirty="0" smtClean="0">
-                <a:latin typeface="Segoe UI" panose="020B0502040204020203" pitchFamily="34" charset="0"/>
-                <a:cs typeface="Segoe UI" panose="020B0502040204020203" pitchFamily="34" charset="0"/>
-              </a:rPr>
-              <a:t> </a:t>
-            </a:r>
-            <a:r>
-              <a:rPr lang="en-US" dirty="0" err="1" smtClean="0">
-                <a:latin typeface="Segoe UI" panose="020B0502040204020203" pitchFamily="34" charset="0"/>
-                <a:cs typeface="Segoe UI" panose="020B0502040204020203" pitchFamily="34" charset="0"/>
-              </a:rPr>
-              <a:t>tecnológicos</a:t>
-            </a:r>
-            <a:endParaRPr lang="en-US" dirty="0">
+            <a:endParaRPr lang="en-US" spc="0" dirty="0">
+              <a:ln w="0"/>
+              <a:solidFill>
+                <a:schemeClr val="accent1"/>
+              </a:solidFill>
+              <a:effectLst>
+                <a:outerShdw blurRad="38100" dist="25400" dir="5400000" algn="ctr" rotWithShape="0">
+                  <a:srgbClr val="6E747A">
+                    <a:alpha val="43000"/>
+                  </a:srgbClr>
+                </a:outerShdw>
+              </a:effectLst>
               <a:latin typeface="Segoe UI" panose="020B0502040204020203" pitchFamily="34" charset="0"/>
               <a:cs typeface="Segoe UI" panose="020B0502040204020203" pitchFamily="34" charset="0"/>
             </a:endParaRPr>
@@ -7478,321 +10164,313 @@
           </a:bodyPr>
           <a:lstStyle/>
           <a:p>
-            <a:pPr lvl="0"/>
+            <a:pPr>
+              <a:lnSpc>
+                <a:spcPct val="150000"/>
+              </a:lnSpc>
+              <a:spcBef>
+                <a:spcPts val="0"/>
+              </a:spcBef>
+            </a:pPr>
+            <a:r>
+              <a:rPr lang="es-AR" sz="1800" dirty="0" smtClean="0">
+                <a:latin typeface="Segoe UI" panose="020B0502040204020203" pitchFamily="34" charset="0"/>
+                <a:cs typeface="Segoe UI" panose="020B0502040204020203" pitchFamily="34" charset="0"/>
+              </a:rPr>
+              <a:t>1804: Locomotora</a:t>
+            </a:r>
+          </a:p>
+          <a:p>
+            <a:pPr>
+              <a:lnSpc>
+                <a:spcPct val="150000"/>
+              </a:lnSpc>
+              <a:spcBef>
+                <a:spcPts val="0"/>
+              </a:spcBef>
+            </a:pPr>
+            <a:r>
+              <a:rPr lang="es-AR" sz="1800" dirty="0" smtClean="0">
+                <a:latin typeface="Segoe UI" panose="020B0502040204020203" pitchFamily="34" charset="0"/>
+                <a:cs typeface="Segoe UI" panose="020B0502040204020203" pitchFamily="34" charset="0"/>
+              </a:rPr>
+              <a:t>1826</a:t>
+            </a:r>
             <a:r>
               <a:rPr lang="es-AR" sz="1800" dirty="0">
                 <a:latin typeface="Segoe UI" panose="020B0502040204020203" pitchFamily="34" charset="0"/>
                 <a:cs typeface="Segoe UI" panose="020B0502040204020203" pitchFamily="34" charset="0"/>
               </a:rPr>
-              <a:t>2001: Nace </a:t>
-            </a:r>
-            <a:r>
-              <a:rPr lang="es-AR" sz="1800" b="1" dirty="0" smtClean="0">
-                <a:latin typeface="Segoe UI" panose="020B0502040204020203" pitchFamily="34" charset="0"/>
-                <a:cs typeface="Segoe UI" panose="020B0502040204020203" pitchFamily="34" charset="0"/>
-              </a:rPr>
-              <a:t>Wikipedia</a:t>
-            </a:r>
-          </a:p>
-          <a:p>
-            <a:pPr lvl="0"/>
+              <a:t>: </a:t>
+            </a:r>
             <a:r>
               <a:rPr lang="es-AR" sz="1800" dirty="0" smtClean="0">
                 <a:latin typeface="Segoe UI" panose="020B0502040204020203" pitchFamily="34" charset="0"/>
                 <a:cs typeface="Segoe UI" panose="020B0502040204020203" pitchFamily="34" charset="0"/>
               </a:rPr>
-              <a:t>2004</a:t>
-            </a:r>
+              <a:t>Fotografía</a:t>
+            </a:r>
+          </a:p>
+          <a:p>
+            <a:pPr lvl="0">
+              <a:lnSpc>
+                <a:spcPct val="150000"/>
+              </a:lnSpc>
+              <a:spcBef>
+                <a:spcPts val="0"/>
+              </a:spcBef>
+            </a:pPr>
             <a:r>
               <a:rPr lang="es-AR" sz="1800" dirty="0">
                 <a:latin typeface="Segoe UI" panose="020B0502040204020203" pitchFamily="34" charset="0"/>
                 <a:cs typeface="Segoe UI" panose="020B0502040204020203" pitchFamily="34" charset="0"/>
               </a:rPr>
-              <a:t>: Nacen </a:t>
-            </a:r>
-            <a:r>
-              <a:rPr lang="es-AR" sz="1800" b="1" dirty="0">
-                <a:latin typeface="Segoe UI" panose="020B0502040204020203" pitchFamily="34" charset="0"/>
-                <a:cs typeface="Segoe UI" panose="020B0502040204020203" pitchFamily="34" charset="0"/>
-              </a:rPr>
-              <a:t>Gmail</a:t>
+              <a:t>1846: Anestesia</a:t>
+            </a:r>
+          </a:p>
+          <a:p>
+            <a:pPr lvl="0">
+              <a:lnSpc>
+                <a:spcPct val="150000"/>
+              </a:lnSpc>
+              <a:spcBef>
+                <a:spcPts val="0"/>
+              </a:spcBef>
+            </a:pPr>
+            <a:r>
+              <a:rPr lang="es-AR" sz="1800" dirty="0" smtClean="0">
+                <a:latin typeface="Segoe UI" panose="020B0502040204020203" pitchFamily="34" charset="0"/>
+                <a:cs typeface="Segoe UI" panose="020B0502040204020203" pitchFamily="34" charset="0"/>
+              </a:rPr>
+              <a:t>1854</a:t>
             </a:r>
             <a:r>
               <a:rPr lang="es-AR" sz="1800" dirty="0">
                 <a:latin typeface="Segoe UI" panose="020B0502040204020203" pitchFamily="34" charset="0"/>
                 <a:cs typeface="Segoe UI" panose="020B0502040204020203" pitchFamily="34" charset="0"/>
               </a:rPr>
-              <a:t> y </a:t>
-            </a:r>
-            <a:r>
-              <a:rPr lang="es-AR" sz="1800" b="1" dirty="0" smtClean="0">
-                <a:latin typeface="Segoe UI" panose="020B0502040204020203" pitchFamily="34" charset="0"/>
-                <a:cs typeface="Segoe UI" panose="020B0502040204020203" pitchFamily="34" charset="0"/>
-              </a:rPr>
-              <a:t>Facebook</a:t>
-            </a:r>
-            <a:endParaRPr lang="en-US" sz="1800" dirty="0">
+              <a:t>: Lámpara </a:t>
+            </a:r>
+            <a:r>
+              <a:rPr lang="es-AR" sz="1800" dirty="0" smtClean="0">
+                <a:latin typeface="Segoe UI" panose="020B0502040204020203" pitchFamily="34" charset="0"/>
+                <a:cs typeface="Segoe UI" panose="020B0502040204020203" pitchFamily="34" charset="0"/>
+              </a:rPr>
+              <a:t>Incandescente (patentada por Thomas Edison en 1883)</a:t>
+            </a:r>
+          </a:p>
+          <a:p>
+            <a:pPr lvl="1">
+              <a:lnSpc>
+                <a:spcPct val="150000"/>
+              </a:lnSpc>
+              <a:spcBef>
+                <a:spcPts val="0"/>
+              </a:spcBef>
+            </a:pPr>
+            <a:r>
+              <a:rPr lang="es-AR" sz="1400" dirty="0" smtClean="0">
+                <a:latin typeface="Segoe UI" panose="020B0502040204020203" pitchFamily="34" charset="0"/>
+                <a:cs typeface="Segoe UI" panose="020B0502040204020203" pitchFamily="34" charset="0"/>
+              </a:rPr>
+              <a:t>Teléfono (patentada por Alexander Graham Bell)</a:t>
+            </a:r>
+          </a:p>
+          <a:p>
+            <a:pPr lvl="0">
+              <a:lnSpc>
+                <a:spcPct val="150000"/>
+              </a:lnSpc>
+              <a:spcBef>
+                <a:spcPts val="0"/>
+              </a:spcBef>
+            </a:pPr>
+            <a:r>
+              <a:rPr lang="es-AR" sz="1800" dirty="0" smtClean="0">
+                <a:latin typeface="Segoe UI" panose="020B0502040204020203" pitchFamily="34" charset="0"/>
+                <a:cs typeface="Segoe UI" panose="020B0502040204020203" pitchFamily="34" charset="0"/>
+              </a:rPr>
+              <a:t>1863</a:t>
+            </a:r>
+            <a:r>
+              <a:rPr lang="es-AR" sz="1800" dirty="0">
+                <a:latin typeface="Segoe UI" panose="020B0502040204020203" pitchFamily="34" charset="0"/>
+                <a:cs typeface="Segoe UI" panose="020B0502040204020203" pitchFamily="34" charset="0"/>
+              </a:rPr>
+              <a:t>: </a:t>
+            </a:r>
+            <a:r>
+              <a:rPr lang="es-AR" sz="1800" dirty="0" smtClean="0">
+                <a:latin typeface="Segoe UI" panose="020B0502040204020203" pitchFamily="34" charset="0"/>
+                <a:cs typeface="Segoe UI" panose="020B0502040204020203" pitchFamily="34" charset="0"/>
+              </a:rPr>
+              <a:t>Dirigible</a:t>
+            </a:r>
+          </a:p>
+          <a:p>
+            <a:pPr lvl="0">
+              <a:lnSpc>
+                <a:spcPct val="150000"/>
+              </a:lnSpc>
+              <a:spcBef>
+                <a:spcPts val="0"/>
+              </a:spcBef>
+            </a:pPr>
+            <a:r>
+              <a:rPr lang="es-AR" sz="1800" dirty="0" smtClean="0">
+                <a:latin typeface="Segoe UI" panose="020B0502040204020203" pitchFamily="34" charset="0"/>
+                <a:cs typeface="Segoe UI" panose="020B0502040204020203" pitchFamily="34" charset="0"/>
+              </a:rPr>
+              <a:t>1864: Método de la pasteurización</a:t>
+            </a:r>
+          </a:p>
+          <a:p>
+            <a:pPr lvl="0">
+              <a:lnSpc>
+                <a:spcPct val="150000"/>
+              </a:lnSpc>
+              <a:spcBef>
+                <a:spcPts val="0"/>
+              </a:spcBef>
+            </a:pPr>
+            <a:r>
+              <a:rPr lang="es-AR" sz="1800" dirty="0" smtClean="0">
+                <a:latin typeface="Segoe UI" panose="020B0502040204020203" pitchFamily="34" charset="0"/>
+                <a:cs typeface="Segoe UI" panose="020B0502040204020203" pitchFamily="34" charset="0"/>
+              </a:rPr>
+              <a:t>1886</a:t>
+            </a:r>
+            <a:r>
+              <a:rPr lang="es-AR" sz="1800" dirty="0">
+                <a:latin typeface="Segoe UI" panose="020B0502040204020203" pitchFamily="34" charset="0"/>
+                <a:cs typeface="Segoe UI" panose="020B0502040204020203" pitchFamily="34" charset="0"/>
+              </a:rPr>
+              <a:t>: </a:t>
+            </a:r>
+            <a:r>
+              <a:rPr lang="es-AR" sz="1800" dirty="0" smtClean="0">
+                <a:latin typeface="Segoe UI" panose="020B0502040204020203" pitchFamily="34" charset="0"/>
+                <a:cs typeface="Segoe UI" panose="020B0502040204020203" pitchFamily="34" charset="0"/>
+              </a:rPr>
+              <a:t>Coca-Cola</a:t>
+            </a:r>
+          </a:p>
+          <a:p>
+            <a:pPr>
+              <a:lnSpc>
+                <a:spcPct val="150000"/>
+              </a:lnSpc>
+              <a:spcBef>
+                <a:spcPts val="0"/>
+              </a:spcBef>
+            </a:pPr>
+            <a:r>
+              <a:rPr lang="es-AR" sz="1800" dirty="0">
+                <a:latin typeface="Segoe UI" panose="020B0502040204020203" pitchFamily="34" charset="0"/>
+                <a:cs typeface="Segoe UI" panose="020B0502040204020203" pitchFamily="34" charset="0"/>
+              </a:rPr>
+              <a:t>1890: Avión</a:t>
+            </a:r>
+          </a:p>
+          <a:p>
+            <a:pPr>
+              <a:lnSpc>
+                <a:spcPct val="150000"/>
+              </a:lnSpc>
+              <a:spcBef>
+                <a:spcPts val="0"/>
+              </a:spcBef>
+            </a:pPr>
+            <a:r>
+              <a:rPr lang="es-AR" sz="1800" dirty="0">
+                <a:latin typeface="Segoe UI" panose="020B0502040204020203" pitchFamily="34" charset="0"/>
+                <a:cs typeface="Segoe UI" panose="020B0502040204020203" pitchFamily="34" charset="0"/>
+              </a:rPr>
+              <a:t>1894: Cinematógrafo</a:t>
+            </a:r>
+          </a:p>
+          <a:p>
+            <a:pPr lvl="0">
+              <a:lnSpc>
+                <a:spcPct val="150000"/>
+              </a:lnSpc>
+              <a:spcBef>
+                <a:spcPts val="0"/>
+              </a:spcBef>
+            </a:pPr>
+            <a:r>
+              <a:rPr lang="es-AR" sz="1800" dirty="0" smtClean="0">
+                <a:latin typeface="Segoe UI" panose="020B0502040204020203" pitchFamily="34" charset="0"/>
+                <a:cs typeface="Segoe UI" panose="020B0502040204020203" pitchFamily="34" charset="0"/>
+              </a:rPr>
+              <a:t>1899</a:t>
+            </a:r>
+            <a:r>
+              <a:rPr lang="es-AR" sz="1800" dirty="0">
+                <a:latin typeface="Segoe UI" panose="020B0502040204020203" pitchFamily="34" charset="0"/>
+                <a:cs typeface="Segoe UI" panose="020B0502040204020203" pitchFamily="34" charset="0"/>
+              </a:rPr>
+              <a:t>: Aspirina</a:t>
+            </a:r>
+            <a:endParaRPr lang="en-US" sz="1800" u="none" strike="noStrike" dirty="0">
+              <a:effectLst/>
               <a:latin typeface="Segoe UI" panose="020B0502040204020203" pitchFamily="34" charset="0"/>
               <a:cs typeface="Segoe UI" panose="020B0502040204020203" pitchFamily="34" charset="0"/>
             </a:endParaRPr>
           </a:p>
-          <a:p>
-            <a:pPr lvl="0"/>
-            <a:r>
-              <a:rPr lang="es-AR" sz="1800" dirty="0">
-                <a:latin typeface="Segoe UI" panose="020B0502040204020203" pitchFamily="34" charset="0"/>
-                <a:cs typeface="Segoe UI" panose="020B0502040204020203" pitchFamily="34" charset="0"/>
-              </a:rPr>
-              <a:t>2005: Nace </a:t>
-            </a:r>
-            <a:r>
-              <a:rPr lang="es-AR" sz="1800" b="1" dirty="0" smtClean="0">
-                <a:latin typeface="Segoe UI" panose="020B0502040204020203" pitchFamily="34" charset="0"/>
-                <a:cs typeface="Segoe UI" panose="020B0502040204020203" pitchFamily="34" charset="0"/>
-              </a:rPr>
-              <a:t>YouTube</a:t>
-            </a:r>
-          </a:p>
-          <a:p>
-            <a:pPr lvl="0"/>
-            <a:r>
-              <a:rPr lang="es-AR" sz="1800" dirty="0" smtClean="0">
-                <a:latin typeface="Segoe UI" panose="020B0502040204020203" pitchFamily="34" charset="0"/>
-                <a:cs typeface="Segoe UI" panose="020B0502040204020203" pitchFamily="34" charset="0"/>
-              </a:rPr>
-              <a:t>2006</a:t>
-            </a:r>
-            <a:r>
-              <a:rPr lang="es-AR" sz="1800" dirty="0">
-                <a:latin typeface="Segoe UI" panose="020B0502040204020203" pitchFamily="34" charset="0"/>
-                <a:cs typeface="Segoe UI" panose="020B0502040204020203" pitchFamily="34" charset="0"/>
-              </a:rPr>
-              <a:t>: Nace </a:t>
-            </a:r>
-            <a:r>
-              <a:rPr lang="es-AR" sz="1800" b="1" dirty="0" smtClean="0">
-                <a:latin typeface="Segoe UI" panose="020B0502040204020203" pitchFamily="34" charset="0"/>
-                <a:cs typeface="Segoe UI" panose="020B0502040204020203" pitchFamily="34" charset="0"/>
-              </a:rPr>
-              <a:t>WikiLeaks</a:t>
-            </a:r>
-            <a:endParaRPr lang="es-AR" sz="1800" dirty="0" smtClean="0">
-              <a:latin typeface="Segoe UI" panose="020B0502040204020203" pitchFamily="34" charset="0"/>
-              <a:cs typeface="Segoe UI" panose="020B0502040204020203" pitchFamily="34" charset="0"/>
-            </a:endParaRPr>
-          </a:p>
-          <a:p>
-            <a:pPr lvl="0"/>
-            <a:r>
-              <a:rPr lang="es-AR" sz="1800" dirty="0" smtClean="0">
-                <a:latin typeface="Segoe UI" panose="020B0502040204020203" pitchFamily="34" charset="0"/>
-                <a:cs typeface="Segoe UI" panose="020B0502040204020203" pitchFamily="34" charset="0"/>
-              </a:rPr>
-              <a:t>2007</a:t>
-            </a:r>
-            <a:r>
-              <a:rPr lang="es-AR" sz="1800" dirty="0">
-                <a:latin typeface="Segoe UI" panose="020B0502040204020203" pitchFamily="34" charset="0"/>
-                <a:cs typeface="Segoe UI" panose="020B0502040204020203" pitchFamily="34" charset="0"/>
-              </a:rPr>
-              <a:t>: Apple lanza el teléfono </a:t>
-            </a:r>
-            <a:r>
-              <a:rPr lang="es-AR" sz="1800" b="1" dirty="0" smtClean="0">
-                <a:latin typeface="Segoe UI" panose="020B0502040204020203" pitchFamily="34" charset="0"/>
-                <a:cs typeface="Segoe UI" panose="020B0502040204020203" pitchFamily="34" charset="0"/>
-              </a:rPr>
-              <a:t>iPhone</a:t>
-            </a:r>
-            <a:endParaRPr lang="es-AR" sz="1800" dirty="0" smtClean="0">
-              <a:latin typeface="Segoe UI" panose="020B0502040204020203" pitchFamily="34" charset="0"/>
-              <a:cs typeface="Segoe UI" panose="020B0502040204020203" pitchFamily="34" charset="0"/>
-            </a:endParaRPr>
-          </a:p>
-          <a:p>
-            <a:pPr lvl="0"/>
-            <a:r>
-              <a:rPr lang="es-AR" sz="1800" dirty="0" smtClean="0">
-                <a:latin typeface="Segoe UI" panose="020B0502040204020203" pitchFamily="34" charset="0"/>
-                <a:cs typeface="Segoe UI" panose="020B0502040204020203" pitchFamily="34" charset="0"/>
-              </a:rPr>
-              <a:t>2012: Activación del gran colisionador de Hadrones (la “</a:t>
-            </a:r>
-            <a:r>
-              <a:rPr lang="es-AR" sz="1800" b="1" dirty="0" smtClean="0">
-                <a:latin typeface="Segoe UI" panose="020B0502040204020203" pitchFamily="34" charset="0"/>
-                <a:cs typeface="Segoe UI" panose="020B0502040204020203" pitchFamily="34" charset="0"/>
-              </a:rPr>
-              <a:t>máquina de Dios</a:t>
-            </a:r>
-            <a:r>
-              <a:rPr lang="es-AR" sz="1800" dirty="0" smtClean="0">
-                <a:latin typeface="Segoe UI" panose="020B0502040204020203" pitchFamily="34" charset="0"/>
-                <a:cs typeface="Segoe UI" panose="020B0502040204020203" pitchFamily="34" charset="0"/>
-              </a:rPr>
-              <a:t>”)</a:t>
-            </a:r>
-            <a:endParaRPr lang="en-US" sz="1800" dirty="0">
-              <a:latin typeface="Segoe UI" panose="020B0502040204020203" pitchFamily="34" charset="0"/>
-              <a:cs typeface="Segoe UI" panose="020B0502040204020203" pitchFamily="34" charset="0"/>
-            </a:endParaRPr>
-          </a:p>
-          <a:p>
-            <a:pPr lvl="0"/>
-            <a:r>
-              <a:rPr lang="es-AR" sz="1800" dirty="0" smtClean="0">
-                <a:latin typeface="Segoe UI" panose="020B0502040204020203" pitchFamily="34" charset="0"/>
-                <a:cs typeface="Segoe UI" panose="020B0502040204020203" pitchFamily="34" charset="0"/>
-              </a:rPr>
-              <a:t>2013</a:t>
-            </a:r>
-            <a:r>
-              <a:rPr lang="es-AR" sz="1800" dirty="0">
-                <a:latin typeface="Segoe UI" panose="020B0502040204020203" pitchFamily="34" charset="0"/>
-                <a:cs typeface="Segoe UI" panose="020B0502040204020203" pitchFamily="34" charset="0"/>
-              </a:rPr>
-              <a:t>: </a:t>
-            </a:r>
-            <a:r>
-              <a:rPr lang="es-AR" sz="1800" b="1" dirty="0">
-                <a:latin typeface="Segoe UI" panose="020B0502040204020203" pitchFamily="34" charset="0"/>
-                <a:cs typeface="Segoe UI" panose="020B0502040204020203" pitchFamily="34" charset="0"/>
-              </a:rPr>
-              <a:t>B</a:t>
-            </a:r>
-            <a:r>
-              <a:rPr lang="es-AR" sz="1800" b="1" dirty="0" smtClean="0">
-                <a:latin typeface="Segoe UI" panose="020B0502040204020203" pitchFamily="34" charset="0"/>
-                <a:cs typeface="Segoe UI" panose="020B0502040204020203" pitchFamily="34" charset="0"/>
-              </a:rPr>
-              <a:t>atalla </a:t>
-            </a:r>
-            <a:r>
-              <a:rPr lang="es-AR" sz="1800" b="1" dirty="0">
-                <a:latin typeface="Segoe UI" panose="020B0502040204020203" pitchFamily="34" charset="0"/>
-                <a:cs typeface="Segoe UI" panose="020B0502040204020203" pitchFamily="34" charset="0"/>
-              </a:rPr>
-              <a:t>legal entre Samsung y Apple </a:t>
-            </a:r>
-            <a:r>
-              <a:rPr lang="es-AR" sz="1800" dirty="0">
-                <a:latin typeface="Segoe UI" panose="020B0502040204020203" pitchFamily="34" charset="0"/>
-                <a:cs typeface="Segoe UI" panose="020B0502040204020203" pitchFamily="34" charset="0"/>
-              </a:rPr>
-              <a:t>por divulgación de información </a:t>
-            </a:r>
-            <a:r>
-              <a:rPr lang="es-AR" sz="1800" dirty="0" smtClean="0">
-                <a:latin typeface="Segoe UI" panose="020B0502040204020203" pitchFamily="34" charset="0"/>
-                <a:cs typeface="Segoe UI" panose="020B0502040204020203" pitchFamily="34" charset="0"/>
-              </a:rPr>
-              <a:t>sobre </a:t>
-            </a:r>
-            <a:r>
-              <a:rPr lang="es-AR" sz="1800" dirty="0">
-                <a:latin typeface="Segoe UI" panose="020B0502040204020203" pitchFamily="34" charset="0"/>
-                <a:cs typeface="Segoe UI" panose="020B0502040204020203" pitchFamily="34" charset="0"/>
-              </a:rPr>
-              <a:t>un acuerdo de patentes entre Apple y Nokia</a:t>
-            </a:r>
-            <a:r>
-              <a:rPr lang="es-AR" sz="1800" dirty="0" smtClean="0">
-                <a:latin typeface="Segoe UI" panose="020B0502040204020203" pitchFamily="34" charset="0"/>
-                <a:cs typeface="Segoe UI" panose="020B0502040204020203" pitchFamily="34" charset="0"/>
-              </a:rPr>
-              <a:t>.</a:t>
-            </a:r>
-          </a:p>
-          <a:p>
-            <a:pPr lvl="1"/>
-            <a:r>
-              <a:rPr lang="es-AR" sz="1400" dirty="0" smtClean="0">
-                <a:latin typeface="Segoe UI" panose="020B0502040204020203" pitchFamily="34" charset="0"/>
-                <a:cs typeface="Segoe UI" panose="020B0502040204020203" pitchFamily="34" charset="0"/>
-              </a:rPr>
-              <a:t>Se publican secretos de varios programas de la NSA (</a:t>
-            </a:r>
-            <a:r>
-              <a:rPr lang="es-AR" sz="1400" i="1" dirty="0" err="1" smtClean="0">
-                <a:latin typeface="Segoe UI" panose="020B0502040204020203" pitchFamily="34" charset="0"/>
-                <a:cs typeface="Segoe UI" panose="020B0502040204020203" pitchFamily="34" charset="0"/>
-              </a:rPr>
-              <a:t>National</a:t>
-            </a:r>
-            <a:r>
-              <a:rPr lang="es-AR" sz="1400" i="1" dirty="0" smtClean="0">
-                <a:latin typeface="Segoe UI" panose="020B0502040204020203" pitchFamily="34" charset="0"/>
-                <a:cs typeface="Segoe UI" panose="020B0502040204020203" pitchFamily="34" charset="0"/>
-              </a:rPr>
-              <a:t> Security Agency</a:t>
-            </a:r>
-            <a:r>
-              <a:rPr lang="es-AR" sz="1400" dirty="0" smtClean="0">
-                <a:latin typeface="Segoe UI" panose="020B0502040204020203" pitchFamily="34" charset="0"/>
-                <a:cs typeface="Segoe UI" panose="020B0502040204020203" pitchFamily="34" charset="0"/>
-              </a:rPr>
-              <a:t>)</a:t>
-            </a:r>
-            <a:endParaRPr lang="en-US" sz="1400" dirty="0">
-              <a:latin typeface="Segoe UI" panose="020B0502040204020203" pitchFamily="34" charset="0"/>
-              <a:cs typeface="Segoe UI" panose="020B0502040204020203" pitchFamily="34" charset="0"/>
-            </a:endParaRPr>
-          </a:p>
-          <a:p>
-            <a:pPr lvl="0"/>
-            <a:r>
-              <a:rPr lang="es-AR" sz="1800" dirty="0">
-                <a:latin typeface="Segoe UI" panose="020B0502040204020203" pitchFamily="34" charset="0"/>
-                <a:cs typeface="Segoe UI" panose="020B0502040204020203" pitchFamily="34" charset="0"/>
-              </a:rPr>
-              <a:t>2014: </a:t>
-            </a:r>
-            <a:r>
-              <a:rPr lang="es-AR" sz="1800" b="1" dirty="0" smtClean="0">
-                <a:latin typeface="Segoe UI" panose="020B0502040204020203" pitchFamily="34" charset="0"/>
-                <a:cs typeface="Segoe UI" panose="020B0502040204020203" pitchFamily="34" charset="0"/>
-              </a:rPr>
-              <a:t>Divulgación </a:t>
-            </a:r>
-            <a:r>
-              <a:rPr lang="es-AR" sz="1800" b="1" dirty="0">
-                <a:latin typeface="Segoe UI" panose="020B0502040204020203" pitchFamily="34" charset="0"/>
-                <a:cs typeface="Segoe UI" panose="020B0502040204020203" pitchFamily="34" charset="0"/>
-              </a:rPr>
-              <a:t>de fotos privadas </a:t>
-            </a:r>
-            <a:r>
-              <a:rPr lang="es-AR" sz="1800" dirty="0" smtClean="0">
-                <a:latin typeface="Segoe UI" panose="020B0502040204020203" pitchFamily="34" charset="0"/>
-                <a:cs typeface="Segoe UI" panose="020B0502040204020203" pitchFamily="34" charset="0"/>
-              </a:rPr>
-              <a:t>de </a:t>
-            </a:r>
-            <a:r>
-              <a:rPr lang="es-AR" sz="1800" dirty="0">
-                <a:latin typeface="Segoe UI" panose="020B0502040204020203" pitchFamily="34" charset="0"/>
-                <a:cs typeface="Segoe UI" panose="020B0502040204020203" pitchFamily="34" charset="0"/>
-              </a:rPr>
-              <a:t>26 celebridades mediante la plataforma iCloud de </a:t>
-            </a:r>
-            <a:r>
-              <a:rPr lang="es-AR" sz="1800" dirty="0" smtClean="0">
-                <a:latin typeface="Segoe UI" panose="020B0502040204020203" pitchFamily="34" charset="0"/>
-                <a:cs typeface="Segoe UI" panose="020B0502040204020203" pitchFamily="34" charset="0"/>
-              </a:rPr>
-              <a:t>Apple.</a:t>
-            </a:r>
-            <a:endParaRPr lang="en-US" sz="1800" dirty="0">
-              <a:latin typeface="Segoe UI" panose="020B0502040204020203" pitchFamily="34" charset="0"/>
-              <a:cs typeface="Segoe UI" panose="020B0502040204020203" pitchFamily="34" charset="0"/>
-            </a:endParaRPr>
-          </a:p>
-        </p:txBody>
-      </p:sp>
+        </p:txBody>
+      </p:sp>
+      <p:cxnSp>
+        <p:nvCxnSpPr>
+          <p:cNvPr id="4" name="Straight Arrow Connector 3"/>
+          <p:cNvCxnSpPr/>
+          <p:nvPr/>
+        </p:nvCxnSpPr>
+        <p:spPr>
+          <a:xfrm>
+            <a:off x="1341884" y="2060848"/>
+            <a:ext cx="0" cy="4404321"/>
+          </a:xfrm>
+          <a:prstGeom prst="straightConnector1">
+            <a:avLst/>
+          </a:prstGeom>
+          <a:ln w="76200">
+            <a:tailEnd type="triangle"/>
+          </a:ln>
+          <a:effectLst>
+            <a:outerShdw blurRad="50800" dist="38100" dir="5400000" algn="t" rotWithShape="0">
+              <a:prstClr val="black">
+                <a:alpha val="40000"/>
+              </a:prstClr>
+            </a:outerShdw>
+          </a:effectLst>
+          <a:scene3d>
+            <a:camera prst="orthographicFront"/>
+            <a:lightRig rig="threePt" dir="t"/>
+          </a:scene3d>
+          <a:sp3d>
+            <a:bevelT prst="convex"/>
+          </a:sp3d>
+        </p:spPr>
+        <p:style>
+          <a:lnRef idx="3">
+            <a:schemeClr val="accent1"/>
+          </a:lnRef>
+          <a:fillRef idx="0">
+            <a:schemeClr val="accent1"/>
+          </a:fillRef>
+          <a:effectRef idx="2">
+            <a:schemeClr val="accent1"/>
+          </a:effectRef>
+          <a:fontRef idx="minor">
+            <a:schemeClr val="tx1"/>
+          </a:fontRef>
+        </p:style>
+      </p:cxnSp>
     </p:spTree>
     <p:extLst>
       <p:ext uri="{BB962C8B-B14F-4D97-AF65-F5344CB8AC3E}">
-        <p14:creationId xmlns:p14="http://schemas.microsoft.com/office/powerpoint/2010/main" val="2564182459"/>
+        <p14:creationId xmlns:p14="http://schemas.microsoft.com/office/powerpoint/2010/main" val="4013840088"/>
       </p:ext>
     </p:extLst>
   </p:cSld>
@@ -7854,39 +10532,201 @@
           <a:lstStyle/>
           <a:p>
             <a:r>
-              <a:rPr lang="en-US" dirty="0" err="1" smtClean="0">
+              <a:rPr lang="en-US" spc="0" dirty="0" err="1" smtClean="0">
+                <a:ln w="0"/>
+                <a:solidFill>
+                  <a:schemeClr val="accent1"/>
+                </a:solidFill>
+                <a:effectLst>
+                  <a:outerShdw blurRad="38100" dist="25400" dir="5400000" algn="ctr" rotWithShape="0">
+                    <a:srgbClr val="6E747A">
+                      <a:alpha val="43000"/>
+                    </a:srgbClr>
+                  </a:outerShdw>
+                </a:effectLst>
                 <a:latin typeface="Segoe UI" panose="020B0502040204020203" pitchFamily="34" charset="0"/>
                 <a:cs typeface="Segoe UI" panose="020B0502040204020203" pitchFamily="34" charset="0"/>
               </a:rPr>
               <a:t>Siglo</a:t>
             </a:r>
             <a:r>
-              <a:rPr lang="en-US" dirty="0" smtClean="0">
-                <a:latin typeface="Segoe UI" panose="020B0502040204020203" pitchFamily="34" charset="0"/>
-                <a:cs typeface="Segoe UI" panose="020B0502040204020203" pitchFamily="34" charset="0"/>
-              </a:rPr>
-              <a:t> XXI – </a:t>
-            </a:r>
-            <a:r>
-              <a:rPr lang="en-US" dirty="0" err="1" smtClean="0">
+              <a:rPr lang="en-US" spc="0" dirty="0" smtClean="0">
+                <a:ln w="0"/>
+                <a:solidFill>
+                  <a:schemeClr val="accent1"/>
+                </a:solidFill>
+                <a:effectLst>
+                  <a:outerShdw blurRad="38100" dist="25400" dir="5400000" algn="ctr" rotWithShape="0">
+                    <a:srgbClr val="6E747A">
+                      <a:alpha val="43000"/>
+                    </a:srgbClr>
+                  </a:outerShdw>
+                </a:effectLst>
+                <a:latin typeface="Segoe UI" panose="020B0502040204020203" pitchFamily="34" charset="0"/>
+                <a:cs typeface="Segoe UI" panose="020B0502040204020203" pitchFamily="34" charset="0"/>
+              </a:rPr>
+              <a:t> XIX – </a:t>
+            </a:r>
+            <a:r>
+              <a:rPr lang="en-US" spc="0" dirty="0" err="1" smtClean="0">
+                <a:ln w="0"/>
+                <a:solidFill>
+                  <a:schemeClr val="accent1"/>
+                </a:solidFill>
+                <a:effectLst>
+                  <a:outerShdw blurRad="38100" dist="25400" dir="5400000" algn="ctr" rotWithShape="0">
+                    <a:srgbClr val="6E747A">
+                      <a:alpha val="43000"/>
+                    </a:srgbClr>
+                  </a:outerShdw>
+                </a:effectLst>
                 <a:latin typeface="Segoe UI" panose="020B0502040204020203" pitchFamily="34" charset="0"/>
                 <a:cs typeface="Segoe UI" panose="020B0502040204020203" pitchFamily="34" charset="0"/>
               </a:rPr>
               <a:t>Mecanismos</a:t>
             </a:r>
             <a:r>
-              <a:rPr lang="en-US" dirty="0" smtClean="0">
+              <a:rPr lang="en-US" spc="0" dirty="0" smtClean="0">
+                <a:ln w="0"/>
+                <a:solidFill>
+                  <a:schemeClr val="accent1"/>
+                </a:solidFill>
+                <a:effectLst>
+                  <a:outerShdw blurRad="38100" dist="25400" dir="5400000" algn="ctr" rotWithShape="0">
+                    <a:srgbClr val="6E747A">
+                      <a:alpha val="43000"/>
+                    </a:srgbClr>
+                  </a:outerShdw>
+                </a:effectLst>
                 <a:latin typeface="Segoe UI" panose="020B0502040204020203" pitchFamily="34" charset="0"/>
                 <a:cs typeface="Segoe UI" panose="020B0502040204020203" pitchFamily="34" charset="0"/>
               </a:rPr>
               <a:t> de </a:t>
             </a:r>
             <a:r>
-              <a:rPr lang="en-US" dirty="0" err="1" smtClean="0">
+              <a:rPr lang="en-US" spc="0" dirty="0" err="1" smtClean="0">
+                <a:ln w="0"/>
+                <a:solidFill>
+                  <a:schemeClr val="accent1"/>
+                </a:solidFill>
+                <a:effectLst>
+                  <a:outerShdw blurRad="38100" dist="25400" dir="5400000" algn="ctr" rotWithShape="0">
+                    <a:srgbClr val="6E747A">
+                      <a:alpha val="43000"/>
+                    </a:srgbClr>
+                  </a:outerShdw>
+                </a:effectLst>
                 <a:latin typeface="Segoe UI" panose="020B0502040204020203" pitchFamily="34" charset="0"/>
                 <a:cs typeface="Segoe UI" panose="020B0502040204020203" pitchFamily="34" charset="0"/>
               </a:rPr>
               <a:t>defensa</a:t>
+            </a:r>
+            <a:endParaRPr lang="en-US" spc="0" dirty="0">
+              <a:ln w="0"/>
+              <a:solidFill>
+                <a:schemeClr val="accent1"/>
+              </a:solidFill>
+              <a:effectLst>
+                <a:outerShdw blurRad="38100" dist="25400" dir="5400000" algn="ctr" rotWithShape="0">
+                  <a:srgbClr val="6E747A">
+                    <a:alpha val="43000"/>
+                  </a:srgbClr>
+                </a:outerShdw>
+              </a:effectLst>
+              <a:latin typeface="Segoe UI" panose="020B0502040204020203" pitchFamily="34" charset="0"/>
+              <a:cs typeface="Segoe UI" panose="020B0502040204020203" pitchFamily="34" charset="0"/>
+            </a:endParaRPr>
+          </a:p>
+        </p:txBody>
+      </p:sp>
+      <p:sp>
+        <p:nvSpPr>
+          <p:cNvPr id="2" name="Content Placeholder 1"/>
+          <p:cNvSpPr>
+            <a:spLocks noGrp="1"/>
+          </p:cNvSpPr>
+          <p:nvPr>
+            <p:ph idx="1"/>
+          </p:nvPr>
+        </p:nvSpPr>
+        <p:spPr/>
+        <p:txBody>
+          <a:bodyPr>
+            <a:noAutofit/>
+          </a:bodyPr>
+          <a:lstStyle/>
+          <a:p>
+            <a:r>
+              <a:rPr lang="es-AR" dirty="0" smtClean="0">
+                <a:latin typeface="Segoe UI" panose="020B0502040204020203" pitchFamily="34" charset="0"/>
+                <a:cs typeface="Segoe UI" panose="020B0502040204020203" pitchFamily="34" charset="0"/>
+              </a:rPr>
+              <a:t>Esteganografía</a:t>
+            </a:r>
+          </a:p>
+          <a:p>
+            <a:pPr lvl="1"/>
+            <a:r>
+              <a:rPr lang="es-AR" dirty="0" smtClean="0">
+                <a:latin typeface="Segoe UI" panose="020B0502040204020203" pitchFamily="34" charset="0"/>
+                <a:cs typeface="Segoe UI" panose="020B0502040204020203" pitchFamily="34" charset="0"/>
+              </a:rPr>
+              <a:t>Ocultar mensajes dentro de otros mensajes</a:t>
+            </a:r>
+          </a:p>
+          <a:p>
+            <a:r>
+              <a:rPr lang="es-AR" dirty="0" smtClean="0">
+                <a:latin typeface="Segoe UI" panose="020B0502040204020203" pitchFamily="34" charset="0"/>
+                <a:cs typeface="Segoe UI" panose="020B0502040204020203" pitchFamily="34" charset="0"/>
+              </a:rPr>
+              <a:t>Criptografía</a:t>
+            </a:r>
+          </a:p>
+          <a:p>
+            <a:pPr lvl="1"/>
+            <a:r>
+              <a:rPr lang="es-AR" dirty="0" smtClean="0">
+                <a:latin typeface="Segoe UI" panose="020B0502040204020203" pitchFamily="34" charset="0"/>
+                <a:cs typeface="Segoe UI" panose="020B0502040204020203" pitchFamily="34" charset="0"/>
+              </a:rPr>
+              <a:t>Método </a:t>
+            </a:r>
+            <a:r>
+              <a:rPr lang="es-AR" dirty="0" err="1" smtClean="0">
+                <a:latin typeface="Segoe UI" panose="020B0502040204020203" pitchFamily="34" charset="0"/>
+                <a:cs typeface="Segoe UI" panose="020B0502040204020203" pitchFamily="34" charset="0"/>
+              </a:rPr>
+              <a:t>Playfair</a:t>
+            </a:r>
+            <a:r>
+              <a:rPr lang="es-AR" dirty="0" smtClean="0">
+                <a:latin typeface="Segoe UI" panose="020B0502040204020203" pitchFamily="34" charset="0"/>
+                <a:cs typeface="Segoe UI" panose="020B0502040204020203" pitchFamily="34" charset="0"/>
+              </a:rPr>
+              <a:t> (1854)</a:t>
+            </a:r>
+            <a:endParaRPr lang="es-AR" dirty="0">
+              <a:latin typeface="Segoe UI" panose="020B0502040204020203" pitchFamily="34" charset="0"/>
+              <a:cs typeface="Segoe UI" panose="020B0502040204020203" pitchFamily="34" charset="0"/>
+            </a:endParaRPr>
+          </a:p>
+          <a:p>
+            <a:r>
+              <a:rPr lang="es-AR" dirty="0" smtClean="0">
+                <a:latin typeface="Segoe UI" panose="020B0502040204020203" pitchFamily="34" charset="0"/>
+                <a:cs typeface="Segoe UI" panose="020B0502040204020203" pitchFamily="34" charset="0"/>
+              </a:rPr>
+              <a:t>Patentes de invención</a:t>
+            </a:r>
+          </a:p>
+          <a:p>
+            <a:r>
+              <a:rPr lang="es-AR" dirty="0" smtClean="0">
+                <a:latin typeface="Segoe UI" panose="020B0502040204020203" pitchFamily="34" charset="0"/>
+                <a:cs typeface="Segoe UI" panose="020B0502040204020203" pitchFamily="34" charset="0"/>
+              </a:rPr>
+              <a:t>Cajas de seguridad</a:t>
             </a:r>
             <a:endParaRPr lang="en-US" dirty="0">
               <a:latin typeface="Segoe UI" panose="020B0502040204020203" pitchFamily="34" charset="0"/>
@@ -7895,124 +10735,10 @@
           </a:p>
         </p:txBody>
       </p:sp>
-      <p:sp>
-        <p:nvSpPr>
-          <p:cNvPr id="2" name="Content Placeholder 1"/>
-          <p:cNvSpPr>
-            <a:spLocks noGrp="1"/>
-          </p:cNvSpPr>
-          <p:nvPr>
-            <p:ph idx="1"/>
-          </p:nvPr>
-        </p:nvSpPr>
-        <p:spPr/>
-        <p:txBody>
-          <a:bodyPr>
-            <a:noAutofit/>
-          </a:bodyPr>
-          <a:lstStyle/>
-          <a:p>
-            <a:r>
-              <a:rPr lang="es-AR" dirty="0" smtClean="0">
-                <a:latin typeface="Segoe UI" panose="020B0502040204020203" pitchFamily="34" charset="0"/>
-                <a:cs typeface="Segoe UI" panose="020B0502040204020203" pitchFamily="34" charset="0"/>
-              </a:rPr>
-              <a:t>Registro de patentes</a:t>
-            </a:r>
-          </a:p>
-          <a:p>
-            <a:r>
-              <a:rPr lang="es-AR" dirty="0" smtClean="0">
-                <a:latin typeface="Segoe UI" panose="020B0502040204020203" pitchFamily="34" charset="0"/>
-                <a:cs typeface="Segoe UI" panose="020B0502040204020203" pitchFamily="34" charset="0"/>
-              </a:rPr>
-              <a:t>Controles informáticos</a:t>
-            </a:r>
-          </a:p>
-          <a:p>
-            <a:pPr lvl="1"/>
-            <a:r>
-              <a:rPr lang="es-AR" sz="1800" dirty="0" smtClean="0">
-                <a:latin typeface="Segoe UI" panose="020B0502040204020203" pitchFamily="34" charset="0"/>
-                <a:cs typeface="Segoe UI" panose="020B0502040204020203" pitchFamily="34" charset="0"/>
-              </a:rPr>
-              <a:t>Software desarrollado siguiendo estándares de seguridad (criptografía)</a:t>
-            </a:r>
-          </a:p>
-          <a:p>
-            <a:pPr lvl="1"/>
-            <a:r>
-              <a:rPr lang="es-AR" sz="1800" dirty="0" smtClean="0">
-                <a:latin typeface="Segoe UI" panose="020B0502040204020203" pitchFamily="34" charset="0"/>
-                <a:cs typeface="Segoe UI" panose="020B0502040204020203" pitchFamily="34" charset="0"/>
-              </a:rPr>
-              <a:t>Controles físicos sobre el hardware</a:t>
-            </a:r>
-          </a:p>
-          <a:p>
-            <a:pPr lvl="1"/>
-            <a:r>
-              <a:rPr lang="es-AR" sz="1800" dirty="0" smtClean="0">
-                <a:latin typeface="Segoe UI" panose="020B0502040204020203" pitchFamily="34" charset="0"/>
-                <a:cs typeface="Segoe UI" panose="020B0502040204020203" pitchFamily="34" charset="0"/>
-              </a:rPr>
-              <a:t>Políticas de contraseñas y perfiles de usuario</a:t>
-            </a:r>
-          </a:p>
-          <a:p>
-            <a:pPr lvl="1"/>
-            <a:r>
-              <a:rPr lang="es-AR" sz="1800" dirty="0" smtClean="0">
-                <a:latin typeface="Segoe UI" panose="020B0502040204020203" pitchFamily="34" charset="0"/>
-                <a:cs typeface="Segoe UI" panose="020B0502040204020203" pitchFamily="34" charset="0"/>
-              </a:rPr>
-              <a:t>Monitoreo de tráfico en las redes</a:t>
-            </a:r>
-          </a:p>
-          <a:p>
-            <a:pPr lvl="1"/>
-            <a:r>
-              <a:rPr lang="es-AR" sz="1800" dirty="0" smtClean="0">
-                <a:latin typeface="Segoe UI" panose="020B0502040204020203" pitchFamily="34" charset="0"/>
-                <a:cs typeface="Segoe UI" panose="020B0502040204020203" pitchFamily="34" charset="0"/>
-              </a:rPr>
-              <a:t>Uso de software de protección</a:t>
-            </a:r>
-          </a:p>
-          <a:p>
-            <a:pPr lvl="1"/>
-            <a:r>
-              <a:rPr lang="es-AR" sz="1800" dirty="0" smtClean="0">
-                <a:latin typeface="Segoe UI" panose="020B0502040204020203" pitchFamily="34" charset="0"/>
-                <a:cs typeface="Segoe UI" panose="020B0502040204020203" pitchFamily="34" charset="0"/>
-              </a:rPr>
-              <a:t>Creación de </a:t>
-            </a:r>
-            <a:r>
-              <a:rPr lang="es-AR" sz="1800" dirty="0" err="1" smtClean="0">
-                <a:latin typeface="Segoe UI" panose="020B0502040204020203" pitchFamily="34" charset="0"/>
-                <a:cs typeface="Segoe UI" panose="020B0502040204020203" pitchFamily="34" charset="0"/>
-              </a:rPr>
-              <a:t>backups</a:t>
-            </a:r>
-            <a:r>
-              <a:rPr lang="es-AR" sz="1800" dirty="0" smtClean="0">
-                <a:latin typeface="Segoe UI" panose="020B0502040204020203" pitchFamily="34" charset="0"/>
-                <a:cs typeface="Segoe UI" panose="020B0502040204020203" pitchFamily="34" charset="0"/>
-              </a:rPr>
-              <a:t> periódicos</a:t>
-            </a:r>
-            <a:endParaRPr lang="en-US" sz="1800" dirty="0">
-              <a:latin typeface="Segoe UI" panose="020B0502040204020203" pitchFamily="34" charset="0"/>
-              <a:cs typeface="Segoe UI" panose="020B0502040204020203" pitchFamily="34" charset="0"/>
-            </a:endParaRPr>
-          </a:p>
-        </p:txBody>
-      </p:sp>
     </p:spTree>
     <p:extLst>
       <p:ext uri="{BB962C8B-B14F-4D97-AF65-F5344CB8AC3E}">
-        <p14:creationId xmlns:p14="http://schemas.microsoft.com/office/powerpoint/2010/main" val="3356351472"/>
+        <p14:creationId xmlns:p14="http://schemas.microsoft.com/office/powerpoint/2010/main" val="3258954794"/>
       </p:ext>
     </p:extLst>
   </p:cSld>
@@ -8070,54 +10796,75 @@
         </p:nvSpPr>
         <p:spPr/>
         <p:txBody>
-          <a:bodyPr>
-            <a:normAutofit/>
-          </a:bodyPr>
+          <a:bodyPr/>
           <a:lstStyle/>
           <a:p>
             <a:r>
-              <a:rPr lang="en-US" sz="3200" dirty="0" err="1" smtClean="0">
+              <a:rPr lang="en-US" spc="0" dirty="0" err="1">
+                <a:ln w="0"/>
+                <a:solidFill>
+                  <a:schemeClr val="accent1"/>
+                </a:solidFill>
+                <a:effectLst>
+                  <a:outerShdw blurRad="38100" dist="25400" dir="5400000" algn="ctr" rotWithShape="0">
+                    <a:srgbClr val="6E747A">
+                      <a:alpha val="43000"/>
+                    </a:srgbClr>
+                  </a:outerShdw>
+                </a:effectLst>
                 <a:latin typeface="Segoe UI" panose="020B0502040204020203" pitchFamily="34" charset="0"/>
                 <a:cs typeface="Segoe UI" panose="020B0502040204020203" pitchFamily="34" charset="0"/>
               </a:rPr>
               <a:t>Siglo</a:t>
             </a:r>
             <a:r>
-              <a:rPr lang="en-US" sz="3200" dirty="0" smtClean="0">
-                <a:latin typeface="Segoe UI" panose="020B0502040204020203" pitchFamily="34" charset="0"/>
-                <a:cs typeface="Segoe UI" panose="020B0502040204020203" pitchFamily="34" charset="0"/>
-              </a:rPr>
-              <a:t> XXI – </a:t>
-            </a:r>
-            <a:r>
-              <a:rPr lang="en-US" sz="3200" dirty="0" err="1" smtClean="0">
-                <a:latin typeface="Segoe UI" panose="020B0502040204020203" pitchFamily="34" charset="0"/>
-                <a:cs typeface="Segoe UI" panose="020B0502040204020203" pitchFamily="34" charset="0"/>
-              </a:rPr>
-              <a:t>Mecanismos</a:t>
-            </a:r>
-            <a:r>
-              <a:rPr lang="en-US" sz="3200" dirty="0" smtClean="0">
-                <a:latin typeface="Segoe UI" panose="020B0502040204020203" pitchFamily="34" charset="0"/>
-                <a:cs typeface="Segoe UI" panose="020B0502040204020203" pitchFamily="34" charset="0"/>
-              </a:rPr>
-              <a:t> de </a:t>
-            </a:r>
-            <a:r>
-              <a:rPr lang="en-US" sz="3200" dirty="0" err="1" smtClean="0">
-                <a:latin typeface="Segoe UI" panose="020B0502040204020203" pitchFamily="34" charset="0"/>
-                <a:cs typeface="Segoe UI" panose="020B0502040204020203" pitchFamily="34" charset="0"/>
-              </a:rPr>
-              <a:t>defensa</a:t>
-            </a:r>
-            <a:r>
-              <a:rPr lang="en-US" sz="3200" dirty="0" smtClean="0">
-                <a:latin typeface="Segoe UI" panose="020B0502040204020203" pitchFamily="34" charset="0"/>
-                <a:cs typeface="Segoe UI" panose="020B0502040204020203" pitchFamily="34" charset="0"/>
-              </a:rPr>
-              <a:t> (cont.)</a:t>
-            </a:r>
-            <a:endParaRPr lang="en-US" sz="3200" dirty="0">
+              <a:rPr lang="en-US" spc="0" dirty="0">
+                <a:ln w="0"/>
+                <a:solidFill>
+                  <a:schemeClr val="accent1"/>
+                </a:solidFill>
+                <a:effectLst>
+                  <a:outerShdw blurRad="38100" dist="25400" dir="5400000" algn="ctr" rotWithShape="0">
+                    <a:srgbClr val="6E747A">
+                      <a:alpha val="43000"/>
+                    </a:srgbClr>
+                  </a:outerShdw>
+                </a:effectLst>
+                <a:latin typeface="Segoe UI" panose="020B0502040204020203" pitchFamily="34" charset="0"/>
+                <a:cs typeface="Segoe UI" panose="020B0502040204020203" pitchFamily="34" charset="0"/>
+              </a:rPr>
+              <a:t> XIX – </a:t>
+            </a:r>
+            <a:r>
+              <a:rPr lang="en-US" spc="0" dirty="0" err="1" smtClean="0">
+                <a:ln w="0"/>
+                <a:solidFill>
+                  <a:schemeClr val="accent1"/>
+                </a:solidFill>
+                <a:effectLst>
+                  <a:outerShdw blurRad="38100" dist="25400" dir="5400000" algn="ctr" rotWithShape="0">
+                    <a:srgbClr val="6E747A">
+                      <a:alpha val="43000"/>
+                    </a:srgbClr>
+                  </a:outerShdw>
+                </a:effectLst>
+                <a:latin typeface="Segoe UI" panose="020B0502040204020203" pitchFamily="34" charset="0"/>
+                <a:cs typeface="Segoe UI" panose="020B0502040204020203" pitchFamily="34" charset="0"/>
+              </a:rPr>
+              <a:t>Riesgos</a:t>
+            </a:r>
+            <a:endParaRPr lang="en-US" spc="0" dirty="0">
+              <a:ln w="0"/>
+              <a:solidFill>
+                <a:schemeClr val="accent1"/>
+              </a:solidFill>
+              <a:effectLst>
+                <a:outerShdw blurRad="38100" dist="25400" dir="5400000" algn="ctr" rotWithShape="0">
+                  <a:srgbClr val="6E747A">
+                    <a:alpha val="43000"/>
+                  </a:srgbClr>
+                </a:outerShdw>
+              </a:effectLst>
               <a:latin typeface="Segoe UI" panose="020B0502040204020203" pitchFamily="34" charset="0"/>
               <a:cs typeface="Segoe UI" panose="020B0502040204020203" pitchFamily="34" charset="0"/>
             </a:endParaRPr>
@@ -8136,74 +10883,27 @@
         </p:nvSpPr>
         <p:spPr/>
         <p:txBody>
-          <a:bodyPr>
-            <a:noAutofit/>
-          </a:bodyPr>
+          <a:bodyPr/>
           <a:lstStyle/>
           <a:p>
             <a:r>
-              <a:rPr lang="es-AR" dirty="0">
-                <a:latin typeface="Segoe UI" panose="020B0502040204020203" pitchFamily="34" charset="0"/>
-                <a:cs typeface="Segoe UI" panose="020B0502040204020203" pitchFamily="34" charset="0"/>
-              </a:rPr>
-              <a:t>Auditoría de </a:t>
-            </a:r>
-            <a:r>
               <a:rPr lang="es-AR" dirty="0" smtClean="0">
                 <a:latin typeface="Segoe UI" panose="020B0502040204020203" pitchFamily="34" charset="0"/>
                 <a:cs typeface="Segoe UI" panose="020B0502040204020203" pitchFamily="34" charset="0"/>
               </a:rPr>
-              <a:t>operaciones</a:t>
-            </a:r>
-          </a:p>
-          <a:p>
-            <a:r>
-              <a:rPr lang="es-AR" dirty="0" smtClean="0">
-                <a:latin typeface="Segoe UI" panose="020B0502040204020203" pitchFamily="34" charset="0"/>
-                <a:cs typeface="Segoe UI" panose="020B0502040204020203" pitchFamily="34" charset="0"/>
-              </a:rPr>
-              <a:t>Normas de control</a:t>
-            </a:r>
-          </a:p>
-          <a:p>
-            <a:pPr lvl="1"/>
-            <a:r>
-              <a:rPr lang="es-AR" sz="1800" dirty="0" smtClean="0">
-                <a:latin typeface="Segoe UI" panose="020B0502040204020203" pitchFamily="34" charset="0"/>
-                <a:cs typeface="Segoe UI" panose="020B0502040204020203" pitchFamily="34" charset="0"/>
-              </a:rPr>
-              <a:t>Normas ISO 2700, especialmente </a:t>
-            </a:r>
-            <a:r>
-              <a:rPr lang="es-AR" sz="1800" dirty="0">
-                <a:latin typeface="Segoe UI" panose="020B0502040204020203" pitchFamily="34" charset="0"/>
-                <a:cs typeface="Segoe UI" panose="020B0502040204020203" pitchFamily="34" charset="0"/>
-              </a:rPr>
-              <a:t>dedicada a seguridad de la </a:t>
-            </a:r>
-            <a:r>
-              <a:rPr lang="es-AR" sz="1800" dirty="0" smtClean="0">
-                <a:latin typeface="Segoe UI" panose="020B0502040204020203" pitchFamily="34" charset="0"/>
-                <a:cs typeface="Segoe UI" panose="020B0502040204020203" pitchFamily="34" charset="0"/>
-              </a:rPr>
-              <a:t>información</a:t>
-            </a:r>
-          </a:p>
-          <a:p>
-            <a:r>
-              <a:rPr lang="es-AR" sz="2200" dirty="0" smtClean="0">
-                <a:latin typeface="Segoe UI" panose="020B0502040204020203" pitchFamily="34" charset="0"/>
-                <a:cs typeface="Segoe UI" panose="020B0502040204020203" pitchFamily="34" charset="0"/>
-              </a:rPr>
-              <a:t>Uso de nombres en clave para los proyectos tecnológicos</a:t>
-            </a:r>
+              <a:t>(COMPLETAR)</a:t>
+            </a:r>
+            <a:endParaRPr lang="en-US" dirty="0">
+              <a:latin typeface="Segoe UI" panose="020B0502040204020203" pitchFamily="34" charset="0"/>
+              <a:cs typeface="Segoe UI" panose="020B0502040204020203" pitchFamily="34" charset="0"/>
+            </a:endParaRPr>
           </a:p>
         </p:txBody>
       </p:sp>
     </p:spTree>
     <p:extLst>
       <p:ext uri="{BB962C8B-B14F-4D97-AF65-F5344CB8AC3E}">
-        <p14:creationId xmlns:p14="http://schemas.microsoft.com/office/powerpoint/2010/main" val="3374507202"/>
+        <p14:creationId xmlns:p14="http://schemas.microsoft.com/office/powerpoint/2010/main" val="1679218424"/>
       </p:ext>
     </p:extLst>
   </p:cSld>
@@ -8265,55 +10965,89 @@
           <a:lstStyle/>
           <a:p>
             <a:r>
-              <a:rPr lang="en-US" dirty="0" err="1" smtClean="0">
+              <a:rPr lang="en-US" spc="0" dirty="0" err="1" smtClean="0">
+                <a:ln w="0"/>
+                <a:solidFill>
+                  <a:schemeClr val="accent1"/>
+                </a:solidFill>
+                <a:effectLst>
+                  <a:outerShdw blurRad="38100" dist="25400" dir="5400000" algn="ctr" rotWithShape="0">
+                    <a:srgbClr val="6E747A">
+                      <a:alpha val="43000"/>
+                    </a:srgbClr>
+                  </a:outerShdw>
+                </a:effectLst>
                 <a:latin typeface="Segoe UI" panose="020B0502040204020203" pitchFamily="34" charset="0"/>
                 <a:cs typeface="Segoe UI" panose="020B0502040204020203" pitchFamily="34" charset="0"/>
               </a:rPr>
               <a:t>Siglo</a:t>
             </a:r>
             <a:r>
-              <a:rPr lang="en-US" dirty="0" smtClean="0">
-                <a:latin typeface="Segoe UI" panose="020B0502040204020203" pitchFamily="34" charset="0"/>
-                <a:cs typeface="Segoe UI" panose="020B0502040204020203" pitchFamily="34" charset="0"/>
-              </a:rPr>
-              <a:t> XXI – </a:t>
-            </a:r>
-            <a:r>
-              <a:rPr lang="en-US" dirty="0" err="1" smtClean="0">
-                <a:latin typeface="Segoe UI" panose="020B0502040204020203" pitchFamily="34" charset="0"/>
-                <a:cs typeface="Segoe UI" panose="020B0502040204020203" pitchFamily="34" charset="0"/>
-              </a:rPr>
-              <a:t>Estadísticas</a:t>
-            </a:r>
-            <a:r>
-              <a:rPr lang="en-US" dirty="0" smtClean="0">
-                <a:latin typeface="Segoe UI" panose="020B0502040204020203" pitchFamily="34" charset="0"/>
-                <a:cs typeface="Segoe UI" panose="020B0502040204020203" pitchFamily="34" charset="0"/>
-              </a:rPr>
-              <a:t> de </a:t>
-            </a:r>
-            <a:r>
-              <a:rPr lang="en-US" dirty="0" err="1" smtClean="0">
-                <a:latin typeface="Segoe UI" panose="020B0502040204020203" pitchFamily="34" charset="0"/>
-                <a:cs typeface="Segoe UI" panose="020B0502040204020203" pitchFamily="34" charset="0"/>
-              </a:rPr>
-              <a:t>pérdidas</a:t>
-            </a:r>
-            <a:r>
-              <a:rPr lang="en-US" dirty="0" smtClean="0">
-                <a:latin typeface="Segoe UI" panose="020B0502040204020203" pitchFamily="34" charset="0"/>
-                <a:cs typeface="Segoe UI" panose="020B0502040204020203" pitchFamily="34" charset="0"/>
-              </a:rPr>
-              <a:t> de </a:t>
-            </a:r>
-            <a:r>
-              <a:rPr lang="en-US" dirty="0" err="1" smtClean="0">
-                <a:latin typeface="Segoe UI" panose="020B0502040204020203" pitchFamily="34" charset="0"/>
-                <a:cs typeface="Segoe UI" panose="020B0502040204020203" pitchFamily="34" charset="0"/>
-              </a:rPr>
-              <a:t>información</a:t>
-            </a:r>
-            <a:endParaRPr lang="en-US" dirty="0">
+              <a:rPr lang="en-US" spc="0" dirty="0" smtClean="0">
+                <a:ln w="0"/>
+                <a:solidFill>
+                  <a:schemeClr val="accent1"/>
+                </a:solidFill>
+                <a:effectLst>
+                  <a:outerShdw blurRad="38100" dist="25400" dir="5400000" algn="ctr" rotWithShape="0">
+                    <a:srgbClr val="6E747A">
+                      <a:alpha val="43000"/>
+                    </a:srgbClr>
+                  </a:outerShdw>
+                </a:effectLst>
+                <a:latin typeface="Segoe UI" panose="020B0502040204020203" pitchFamily="34" charset="0"/>
+                <a:cs typeface="Segoe UI" panose="020B0502040204020203" pitchFamily="34" charset="0"/>
+              </a:rPr>
+              <a:t> </a:t>
+            </a:r>
+            <a:r>
+              <a:rPr lang="en-US" spc="0" dirty="0">
+                <a:ln w="0"/>
+                <a:solidFill>
+                  <a:schemeClr val="accent1"/>
+                </a:solidFill>
+                <a:effectLst>
+                  <a:outerShdw blurRad="38100" dist="25400" dir="5400000" algn="ctr" rotWithShape="0">
+                    <a:srgbClr val="6E747A">
+                      <a:alpha val="43000"/>
+                    </a:srgbClr>
+                  </a:outerShdw>
+                </a:effectLst>
+                <a:latin typeface="Segoe UI" panose="020B0502040204020203" pitchFamily="34" charset="0"/>
+                <a:cs typeface="Segoe UI" panose="020B0502040204020203" pitchFamily="34" charset="0"/>
+              </a:rPr>
+              <a:t>XXI – </a:t>
+            </a:r>
+            <a:r>
+              <a:rPr lang="en-US" spc="0" dirty="0" err="1" smtClean="0">
+                <a:ln w="0"/>
+                <a:solidFill>
+                  <a:schemeClr val="accent1"/>
+                </a:solidFill>
+                <a:effectLst>
+                  <a:outerShdw blurRad="38100" dist="25400" dir="5400000" algn="ctr" rotWithShape="0">
+                    <a:srgbClr val="6E747A">
+                      <a:alpha val="43000"/>
+                    </a:srgbClr>
+                  </a:outerShdw>
+                </a:effectLst>
+                <a:latin typeface="Segoe UI" panose="020B0502040204020203" pitchFamily="34" charset="0"/>
+                <a:cs typeface="Segoe UI" panose="020B0502040204020203" pitchFamily="34" charset="0"/>
+              </a:rPr>
+              <a:t>Introducción</a:t>
+            </a:r>
+            <a:endParaRPr lang="en-US" spc="0" dirty="0">
+              <a:ln w="0"/>
+              <a:solidFill>
+                <a:schemeClr val="accent1"/>
+              </a:solidFill>
+              <a:effectLst>
+                <a:outerShdw blurRad="38100" dist="25400" dir="5400000" algn="ctr" rotWithShape="0">
+                  <a:srgbClr val="6E747A">
+                    <a:alpha val="43000"/>
+                  </a:srgbClr>
+                </a:outerShdw>
+              </a:effectLst>
               <a:latin typeface="Segoe UI" panose="020B0502040204020203" pitchFamily="34" charset="0"/>
               <a:cs typeface="Segoe UI" panose="020B0502040204020203" pitchFamily="34" charset="0"/>
             </a:endParaRPr>
@@ -8332,112 +11066,80 @@
         </p:nvSpPr>
         <p:spPr/>
         <p:txBody>
-          <a:bodyPr/>
+          <a:bodyPr>
+            <a:noAutofit/>
+          </a:bodyPr>
           <a:lstStyle/>
           <a:p>
+            <a:pPr lvl="0"/>
             <a:r>
               <a:rPr lang="es-AR" dirty="0" smtClean="0">
                 <a:latin typeface="Segoe UI" panose="020B0502040204020203" pitchFamily="34" charset="0"/>
                 <a:cs typeface="Segoe UI" panose="020B0502040204020203" pitchFamily="34" charset="0"/>
               </a:rPr>
-              <a:t>Fuente: </a:t>
-            </a:r>
-            <a:r>
-              <a:rPr lang="es-AR" dirty="0" err="1" smtClean="0">
-                <a:latin typeface="Segoe UI" panose="020B0502040204020203" pitchFamily="34" charset="0"/>
-                <a:cs typeface="Segoe UI" panose="020B0502040204020203" pitchFamily="34" charset="0"/>
-                <a:hlinkClick r:id="rId2"/>
-              </a:rPr>
-              <a:t>InfoWatch</a:t>
-            </a:r>
+              <a:t>Economía basada en la información</a:t>
+            </a:r>
+          </a:p>
+          <a:p>
+            <a:pPr lvl="1"/>
             <a:r>
               <a:rPr lang="es-AR" dirty="0" smtClean="0">
                 <a:latin typeface="Segoe UI" panose="020B0502040204020203" pitchFamily="34" charset="0"/>
                 <a:cs typeface="Segoe UI" panose="020B0502040204020203" pitchFamily="34" charset="0"/>
               </a:rPr>
-              <a:t>, 2013</a:t>
-            </a:r>
-            <a:endParaRPr lang="en-US" dirty="0">
-              <a:latin typeface="Segoe UI" panose="020B0502040204020203" pitchFamily="34" charset="0"/>
-              <a:cs typeface="Segoe UI" panose="020B0502040204020203" pitchFamily="34" charset="0"/>
-            </a:endParaRPr>
-          </a:p>
-        </p:txBody>
-      </p:sp>
-      <p:pic>
-        <p:nvPicPr>
-          <p:cNvPr id="3" name="Picture 2"/>
-          <p:cNvPicPr>
-            <a:picLocks noChangeAspect="1"/>
-          </p:cNvPicPr>
-          <p:nvPr/>
-        </p:nvPicPr>
-        <p:blipFill>
-          <a:blip r:embed="rId3"/>
-          <a:stretch>
-            <a:fillRect/>
-          </a:stretch>
-        </p:blipFill>
-        <p:spPr>
-          <a:xfrm>
-            <a:off x="1989956" y="3212976"/>
-            <a:ext cx="3904762" cy="2466667"/>
-          </a:xfrm>
-          <a:prstGeom prst="rect">
-            <a:avLst/>
-          </a:prstGeom>
-        </p:spPr>
-      </p:pic>
-      <p:pic>
-        <p:nvPicPr>
-          <p:cNvPr id="5" name="Picture 4"/>
-          <p:cNvPicPr>
-            <a:picLocks noChangeAspect="1"/>
-          </p:cNvPicPr>
-          <p:nvPr/>
-        </p:nvPicPr>
-        <p:blipFill rotWithShape="1">
-          <a:blip r:embed="rId4"/>
-          <a:srcRect t="20495"/>
-          <a:stretch/>
-        </p:blipFill>
-        <p:spPr>
-          <a:xfrm>
-            <a:off x="6196630" y="1947767"/>
-            <a:ext cx="3056324" cy="1566478"/>
-          </a:xfrm>
-          <a:prstGeom prst="rect">
-            <a:avLst/>
-          </a:prstGeom>
-        </p:spPr>
-      </p:pic>
-      <p:pic>
-        <p:nvPicPr>
-          <p:cNvPr id="6" name="Picture 5"/>
-          <p:cNvPicPr>
-            <a:picLocks noChangeAspect="1"/>
-          </p:cNvPicPr>
-          <p:nvPr/>
-        </p:nvPicPr>
-        <p:blipFill rotWithShape="1">
-          <a:blip r:embed="rId5"/>
-          <a:srcRect t="11648"/>
-          <a:stretch/>
-        </p:blipFill>
-        <p:spPr>
-          <a:xfrm>
-            <a:off x="6196630" y="3789040"/>
-            <a:ext cx="3304762" cy="2532753"/>
-          </a:xfrm>
-          <a:prstGeom prst="rect">
-            <a:avLst/>
-          </a:prstGeom>
-        </p:spPr>
-      </p:pic>
+              <a:t>Nuevos desafíos: </a:t>
+            </a:r>
+            <a:r>
+              <a:rPr lang="es-AR" dirty="0">
+                <a:latin typeface="Segoe UI" panose="020B0502040204020203" pitchFamily="34" charset="0"/>
+                <a:cs typeface="Segoe UI" panose="020B0502040204020203" pitchFamily="34" charset="0"/>
+              </a:rPr>
+              <a:t>m</a:t>
+            </a:r>
+            <a:r>
+              <a:rPr lang="es-AR" dirty="0" smtClean="0">
+                <a:latin typeface="Segoe UI" panose="020B0502040204020203" pitchFamily="34" charset="0"/>
+                <a:cs typeface="Segoe UI" panose="020B0502040204020203" pitchFamily="34" charset="0"/>
+              </a:rPr>
+              <a:t>anejar y procesar información de diversa índole, en grandes cantidades, a alta velocidad</a:t>
+            </a:r>
+          </a:p>
+          <a:p>
+            <a:pPr lvl="0"/>
+            <a:r>
+              <a:rPr lang="es-AR" dirty="0" smtClean="0">
+                <a:latin typeface="Segoe UI" panose="020B0502040204020203" pitchFamily="34" charset="0"/>
+                <a:cs typeface="Segoe UI" panose="020B0502040204020203" pitchFamily="34" charset="0"/>
+              </a:rPr>
+              <a:t>Información disponible de forma electrónica </a:t>
+            </a:r>
+          </a:p>
+          <a:p>
+            <a:pPr lvl="1"/>
+            <a:r>
+              <a:rPr lang="es-AR" dirty="0" smtClean="0">
+                <a:latin typeface="Segoe UI" panose="020B0502040204020203" pitchFamily="34" charset="0"/>
+                <a:cs typeface="Segoe UI" panose="020B0502040204020203" pitchFamily="34" charset="0"/>
+              </a:rPr>
+              <a:t>Información personal, datos médicos, datos financieros</a:t>
+            </a:r>
+          </a:p>
+          <a:p>
+            <a:pPr lvl="1"/>
+            <a:r>
+              <a:rPr lang="es-AR" dirty="0" smtClean="0">
+                <a:latin typeface="Segoe UI" panose="020B0502040204020203" pitchFamily="34" charset="0"/>
+                <a:cs typeface="Segoe UI" panose="020B0502040204020203" pitchFamily="34" charset="0"/>
+              </a:rPr>
+              <a:t>Espionaje informático</a:t>
+            </a:r>
+          </a:p>
+        </p:txBody>
+      </p:sp>
     </p:spTree>
     <p:extLst>
       <p:ext uri="{BB962C8B-B14F-4D97-AF65-F5344CB8AC3E}">
-        <p14:creationId xmlns:p14="http://schemas.microsoft.com/office/powerpoint/2010/main" val="3650545944"/>
+        <p14:creationId xmlns:p14="http://schemas.microsoft.com/office/powerpoint/2010/main" val="2675216716"/>
       </p:ext>
     </p:extLst>
   </p:cSld>

--- a/Presentacion/Fuga de Información en los Siglos XIX y.pptx
+++ b/Presentacion/Fuga de Información en los Siglos XIX y.pptx
@@ -5,32 +5,33 @@
     <p:sldMasterId id="2147483648" r:id="rId2"/>
   </p:sldMasterIdLst>
   <p:notesMasterIdLst>
-    <p:notesMasterId r:id="rId18"/>
+    <p:notesMasterId r:id="rId19"/>
   </p:notesMasterIdLst>
   <p:handoutMasterIdLst>
-    <p:handoutMasterId r:id="rId19"/>
+    <p:handoutMasterId r:id="rId20"/>
   </p:handoutMasterIdLst>
   <p:sldIdLst>
     <p:sldId id="265" r:id="rId3"/>
     <p:sldId id="310" r:id="rId4"/>
     <p:sldId id="311" r:id="rId5"/>
     <p:sldId id="324" r:id="rId6"/>
-    <p:sldId id="332" r:id="rId7"/>
-    <p:sldId id="328" r:id="rId8"/>
-    <p:sldId id="329" r:id="rId9"/>
-    <p:sldId id="330" r:id="rId10"/>
-    <p:sldId id="321" r:id="rId11"/>
-    <p:sldId id="325" r:id="rId12"/>
-    <p:sldId id="326" r:id="rId13"/>
-    <p:sldId id="327" r:id="rId14"/>
-    <p:sldId id="331" r:id="rId15"/>
-    <p:sldId id="333" r:id="rId16"/>
-    <p:sldId id="319" r:id="rId17"/>
+    <p:sldId id="328" r:id="rId7"/>
+    <p:sldId id="329" r:id="rId8"/>
+    <p:sldId id="330" r:id="rId9"/>
+    <p:sldId id="334" r:id="rId10"/>
+    <p:sldId id="335" r:id="rId11"/>
+    <p:sldId id="321" r:id="rId12"/>
+    <p:sldId id="325" r:id="rId13"/>
+    <p:sldId id="326" r:id="rId14"/>
+    <p:sldId id="327" r:id="rId15"/>
+    <p:sldId id="331" r:id="rId16"/>
+    <p:sldId id="333" r:id="rId17"/>
+    <p:sldId id="319" r:id="rId18"/>
   </p:sldIdLst>
   <p:sldSz cx="12188825" cy="6858000"/>
   <p:notesSz cx="6858000" cy="9144000"/>
   <p:custDataLst>
-    <p:tags r:id="rId20"/>
+    <p:tags r:id="rId21"/>
   </p:custDataLst>
   <p:defaultTextStyle>
     <a:defPPr>
@@ -129,7 +130,7 @@
   </p:defaultTextStyle>
   <p:extLst>
     <p:ext uri="{EFAFB233-063F-42B5-8137-9DF3F51BA10A}">
-      <p15:sldGuideLst xmlns:p15="http://schemas.microsoft.com/office/powerpoint/2012/main">
+      <p15:sldGuideLst xmlns:p15="http://schemas.microsoft.com/office/powerpoint/2012/main" xmlns="">
         <p15:guide id="1" pos="3839" userDrawn="1">
           <p15:clr>
             <a:srgbClr val="A4A3A4"/>
@@ -143,7 +144,7 @@
       </p15:sldGuideLst>
     </p:ext>
     <p:ext uri="{2D200454-40CA-4A62-9FC3-DE9A4176ACB9}">
-      <p15:notesGuideLst xmlns:p15="http://schemas.microsoft.com/office/powerpoint/2012/main"/>
+      <p15:notesGuideLst xmlns:p15="http://schemas.microsoft.com/office/powerpoint/2012/main" xmlns=""/>
     </p:ext>
   </p:extLst>
 </p:presentation>
@@ -231,6 +232,7 @@
           <a:p>
             <a:fld id="{59088EAF-6ECA-4616-85EF-35AA19C641F3}" type="datetimeFigureOut">
               <a:rPr lang="en-US"/>
+              <a:pPr/>
               <a:t>11/9/2014</a:t>
             </a:fld>
             <a:endParaRPr/>
@@ -297,7 +299,8 @@
           <a:p>
             <a:fld id="{D9F912AB-2776-42F2-A957-313FC7EFEDB9}" type="slidenum">
               <a:rPr/>
-              <a:t>‹#›</a:t>
+              <a:pPr/>
+              <a:t>‹Nº›</a:t>
             </a:fld>
             <a:endParaRPr/>
           </a:p>
@@ -306,7 +309,7 @@
     </p:spTree>
     <p:extLst>
       <p:ext uri="{BB962C8B-B14F-4D97-AF65-F5344CB8AC3E}">
-        <p14:creationId xmlns:p14="http://schemas.microsoft.com/office/powerpoint/2010/main" val="3932065745"/>
+        <p14:creationId xmlns:p14="http://schemas.microsoft.com/office/powerpoint/2010/main" xmlns="" val="3932065745"/>
       </p:ext>
     </p:extLst>
   </p:cSld>
@@ -396,6 +399,7 @@
           <a:p>
             <a:fld id="{3ABD2D7A-D230-4F91-BD59-0A39C2703BA8}" type="datetimeFigureOut">
               <a:rPr lang="en-US"/>
+              <a:pPr/>
               <a:t>11/9/2014</a:t>
             </a:fld>
             <a:endParaRPr/>
@@ -554,7 +558,8 @@
           <a:p>
             <a:fld id="{F93199CD-3E1B-4AE6-990F-76F925F5EA9F}" type="slidenum">
               <a:rPr/>
-              <a:t>‹#›</a:t>
+              <a:pPr/>
+              <a:t>‹Nº›</a:t>
             </a:fld>
             <a:endParaRPr/>
           </a:p>
@@ -563,7 +568,7 @@
     </p:spTree>
     <p:extLst>
       <p:ext uri="{BB962C8B-B14F-4D97-AF65-F5344CB8AC3E}">
-        <p14:creationId xmlns:p14="http://schemas.microsoft.com/office/powerpoint/2010/main" val="4276579820"/>
+        <p14:creationId xmlns:p14="http://schemas.microsoft.com/office/powerpoint/2010/main" xmlns="" val="4276579820"/>
       </p:ext>
     </p:extLst>
   </p:cSld>
@@ -1048,6 +1053,7 @@
           <a:p>
             <a:fld id="{F93199CD-3E1B-4AE6-990F-76F925F5EA9F}" type="slidenum">
               <a:rPr lang="en-US" smtClean="0"/>
+              <a:pPr/>
               <a:t>2</a:t>
             </a:fld>
             <a:endParaRPr lang="en-US"/>
@@ -1057,7 +1063,7 @@
     </p:spTree>
     <p:extLst>
       <p:ext uri="{BB962C8B-B14F-4D97-AF65-F5344CB8AC3E}">
-        <p14:creationId xmlns:p14="http://schemas.microsoft.com/office/powerpoint/2010/main" val="246766428"/>
+        <p14:creationId xmlns:p14="http://schemas.microsoft.com/office/powerpoint/2010/main" xmlns="" val="246766428"/>
       </p:ext>
     </p:extLst>
   </p:cSld>
@@ -1112,6 +1118,977 @@
           <a:lstStyle/>
           <a:p>
             <a:r>
+              <a:rPr lang="es-AR" sz="1200" b="1" kern="1200" dirty="0" smtClean="0">
+                <a:solidFill>
+                  <a:schemeClr val="tx1"/>
+                </a:solidFill>
+                <a:effectLst/>
+                <a:latin typeface="+mn-lt"/>
+                <a:ea typeface="+mn-ea"/>
+                <a:cs typeface="+mn-cs"/>
+              </a:rPr>
+              <a:t>Auditorías</a:t>
+            </a:r>
+            <a:endParaRPr lang="en-US" sz="1200" b="1" kern="1200" dirty="0" smtClean="0">
+              <a:solidFill>
+                <a:schemeClr val="tx1"/>
+              </a:solidFill>
+              <a:effectLst/>
+              <a:latin typeface="+mn-lt"/>
+              <a:ea typeface="+mn-ea"/>
+              <a:cs typeface="+mn-cs"/>
+            </a:endParaRPr>
+          </a:p>
+          <a:p>
+            <a:r>
+              <a:rPr lang="es-AR" sz="1200" kern="1200" dirty="0" smtClean="0">
+                <a:solidFill>
+                  <a:schemeClr val="tx1"/>
+                </a:solidFill>
+                <a:effectLst/>
+                <a:latin typeface="+mn-lt"/>
+                <a:ea typeface="+mn-ea"/>
+                <a:cs typeface="+mn-cs"/>
+              </a:rPr>
+              <a:t> </a:t>
+            </a:r>
+            <a:endParaRPr lang="en-US" sz="1200" kern="1200" dirty="0" smtClean="0">
+              <a:solidFill>
+                <a:schemeClr val="tx1"/>
+              </a:solidFill>
+              <a:effectLst/>
+              <a:latin typeface="+mn-lt"/>
+              <a:ea typeface="+mn-ea"/>
+              <a:cs typeface="+mn-cs"/>
+            </a:endParaRPr>
+          </a:p>
+          <a:p>
+            <a:r>
+              <a:rPr lang="es-AR" sz="1200" kern="1200" dirty="0" smtClean="0">
+                <a:solidFill>
+                  <a:schemeClr val="tx1"/>
+                </a:solidFill>
+                <a:effectLst/>
+                <a:latin typeface="+mn-lt"/>
+                <a:ea typeface="+mn-ea"/>
+                <a:cs typeface="+mn-cs"/>
+              </a:rPr>
+              <a:t>En las empresas, para facilitar la trazabilidad de las acciones de los usuarios, se suelen incluir procedimientos mediante los que se garantiza que el uso de los activos de información es efectivamente auditado y que es posible generar </a:t>
+            </a:r>
+            <a:r>
+              <a:rPr lang="es-AR" sz="1200" b="1" kern="1200" dirty="0" smtClean="0">
+                <a:solidFill>
+                  <a:schemeClr val="tx1"/>
+                </a:solidFill>
+                <a:effectLst/>
+                <a:latin typeface="+mn-lt"/>
+                <a:ea typeface="+mn-ea"/>
+                <a:cs typeface="+mn-cs"/>
+              </a:rPr>
+              <a:t>registros (</a:t>
+            </a:r>
+            <a:r>
+              <a:rPr lang="es-AR" sz="1200" b="1" i="1" kern="1200" dirty="0" err="1" smtClean="0">
+                <a:solidFill>
+                  <a:schemeClr val="tx1"/>
+                </a:solidFill>
+                <a:effectLst/>
+                <a:latin typeface="+mn-lt"/>
+                <a:ea typeface="+mn-ea"/>
+                <a:cs typeface="+mn-cs"/>
+              </a:rPr>
+              <a:t>logs</a:t>
+            </a:r>
+            <a:r>
+              <a:rPr lang="es-AR" sz="1200" b="1" kern="1200" dirty="0" smtClean="0">
+                <a:solidFill>
+                  <a:schemeClr val="tx1"/>
+                </a:solidFill>
+                <a:effectLst/>
+                <a:latin typeface="+mn-lt"/>
+                <a:ea typeface="+mn-ea"/>
+                <a:cs typeface="+mn-cs"/>
+              </a:rPr>
+              <a:t>) de las acciones importantes</a:t>
+            </a:r>
+            <a:r>
+              <a:rPr lang="es-AR" sz="1200" kern="1200" dirty="0" smtClean="0">
+                <a:solidFill>
+                  <a:schemeClr val="tx1"/>
+                </a:solidFill>
+                <a:effectLst/>
+                <a:latin typeface="+mn-lt"/>
+                <a:ea typeface="+mn-ea"/>
+                <a:cs typeface="+mn-cs"/>
+              </a:rPr>
+              <a:t> que se hayan definido, que si bien es un proceso técnico, implica un conocimiento de los individuos respecto a su grado de responsabilidad en lo que realizan dentro de una empresa. El conocimiento de la vinculación entre las personas y sus accesos puede evitar en gran medida la fuga de información, ya que en caso de filtrarse hacia el exterior, se podría señalar de manera directa a todos aquellos que tuvieron acceso y se podría analizar su uso previo al incidente, obteniendo posibles conclusiones y responsables. De cualquier manera, dada la imposibilidad de monitorear a las personas más allá de la esfera laboral, es estrictamente necesario que exista un alto grado de concientización y que las políticas de seguridad estén correctamente aplicadas para garantizar que quienes manejen información confidencial tengan asumidos los riesgos relacionados con su filtración.</a:t>
+            </a:r>
+          </a:p>
+          <a:p>
+            <a:endParaRPr lang="es-AR" sz="1200" b="1" kern="1200" dirty="0" smtClean="0">
+              <a:solidFill>
+                <a:schemeClr val="tx1"/>
+              </a:solidFill>
+              <a:effectLst/>
+              <a:latin typeface="+mn-lt"/>
+              <a:ea typeface="+mn-ea"/>
+              <a:cs typeface="+mn-cs"/>
+            </a:endParaRPr>
+          </a:p>
+          <a:p>
+            <a:r>
+              <a:rPr lang="es-AR" sz="1200" b="1" kern="1200" dirty="0" smtClean="0">
+                <a:solidFill>
+                  <a:schemeClr val="tx1"/>
+                </a:solidFill>
+                <a:effectLst/>
+                <a:latin typeface="+mn-lt"/>
+                <a:ea typeface="+mn-ea"/>
+                <a:cs typeface="+mn-cs"/>
+              </a:rPr>
+              <a:t>Utilización de estándares internacionales</a:t>
+            </a:r>
+            <a:endParaRPr lang="en-US" sz="1200" b="1" kern="1200" dirty="0" smtClean="0">
+              <a:solidFill>
+                <a:schemeClr val="tx1"/>
+              </a:solidFill>
+              <a:effectLst/>
+              <a:latin typeface="+mn-lt"/>
+              <a:ea typeface="+mn-ea"/>
+              <a:cs typeface="+mn-cs"/>
+            </a:endParaRPr>
+          </a:p>
+          <a:p>
+            <a:r>
+              <a:rPr lang="es-AR" sz="1200" kern="1200" dirty="0" smtClean="0">
+                <a:solidFill>
+                  <a:schemeClr val="tx1"/>
+                </a:solidFill>
+                <a:effectLst/>
+                <a:latin typeface="+mn-lt"/>
+                <a:ea typeface="+mn-ea"/>
+                <a:cs typeface="+mn-cs"/>
+              </a:rPr>
+              <a:t> </a:t>
+            </a:r>
+            <a:endParaRPr lang="en-US" sz="1200" kern="1200" dirty="0" smtClean="0">
+              <a:solidFill>
+                <a:schemeClr val="tx1"/>
+              </a:solidFill>
+              <a:effectLst/>
+              <a:latin typeface="+mn-lt"/>
+              <a:ea typeface="+mn-ea"/>
+              <a:cs typeface="+mn-cs"/>
+            </a:endParaRPr>
+          </a:p>
+          <a:p>
+            <a:r>
+              <a:rPr lang="es-AR" sz="1200" kern="1200" dirty="0" smtClean="0">
+                <a:solidFill>
+                  <a:schemeClr val="tx1"/>
+                </a:solidFill>
+                <a:effectLst/>
+                <a:latin typeface="+mn-lt"/>
+                <a:ea typeface="+mn-ea"/>
+                <a:cs typeface="+mn-cs"/>
+              </a:rPr>
+              <a:t>Para la mayoría de las actividades es necesario basarse en estándares, normalmente de alcance internacional, y normativas vinculadas a lo que se quiera organizar. La fuga de información está contemplada dentro de la gestión de la seguridad, y como tal se describen contramedidas y técnicas en distintos estándares. Así pues, se apela con frecuencia a la serie de normas ISO 27000, que está especialmente dedicada a seguridad de la información. Dentro de esta familia se encuentran específicamente algunas normas como lo son la 27001, referida a los requisitos para implementar un sistema de gestión de seguridad, la 27002 que define las mejores prácticas, la 27004 que habla sobre las métricas, la 27005 que trata sobre la gestión de riesgos, entre otras.</a:t>
+            </a:r>
+            <a:endParaRPr lang="en-US" sz="1200" kern="1200" dirty="0" smtClean="0">
+              <a:solidFill>
+                <a:schemeClr val="tx1"/>
+              </a:solidFill>
+              <a:effectLst/>
+              <a:latin typeface="+mn-lt"/>
+              <a:ea typeface="+mn-ea"/>
+              <a:cs typeface="+mn-cs"/>
+            </a:endParaRPr>
+          </a:p>
+          <a:p>
+            <a:r>
+              <a:rPr lang="es-AR" sz="1200" kern="1200" dirty="0" smtClean="0">
+                <a:solidFill>
+                  <a:schemeClr val="tx1"/>
+                </a:solidFill>
+                <a:effectLst/>
+                <a:latin typeface="+mn-lt"/>
+                <a:ea typeface="+mn-ea"/>
+                <a:cs typeface="+mn-cs"/>
+              </a:rPr>
+              <a:t> </a:t>
+            </a:r>
+            <a:endParaRPr lang="en-US" sz="1200" kern="1200" dirty="0" smtClean="0">
+              <a:solidFill>
+                <a:schemeClr val="tx1"/>
+              </a:solidFill>
+              <a:effectLst/>
+              <a:latin typeface="+mn-lt"/>
+              <a:ea typeface="+mn-ea"/>
+              <a:cs typeface="+mn-cs"/>
+            </a:endParaRPr>
+          </a:p>
+          <a:p>
+            <a:r>
+              <a:rPr lang="es-AR" sz="1200" b="1" kern="1200" dirty="0" smtClean="0">
+                <a:solidFill>
+                  <a:schemeClr val="tx1"/>
+                </a:solidFill>
+                <a:effectLst/>
+                <a:latin typeface="+mn-lt"/>
+                <a:ea typeface="+mn-ea"/>
+                <a:cs typeface="+mn-cs"/>
+              </a:rPr>
+              <a:t>Uso de </a:t>
+            </a:r>
+            <a:r>
+              <a:rPr lang="es-AR" sz="1200" b="1" i="1" kern="1200" dirty="0" err="1" smtClean="0">
+                <a:solidFill>
+                  <a:schemeClr val="tx1"/>
+                </a:solidFill>
+                <a:effectLst/>
+                <a:latin typeface="+mn-lt"/>
+                <a:ea typeface="+mn-ea"/>
+                <a:cs typeface="+mn-cs"/>
+              </a:rPr>
+              <a:t>code</a:t>
+            </a:r>
+            <a:r>
+              <a:rPr lang="es-AR" sz="1200" b="1" i="1" kern="1200" dirty="0" smtClean="0">
+                <a:solidFill>
+                  <a:schemeClr val="tx1"/>
+                </a:solidFill>
+                <a:effectLst/>
+                <a:latin typeface="+mn-lt"/>
+                <a:ea typeface="+mn-ea"/>
+                <a:cs typeface="+mn-cs"/>
+              </a:rPr>
+              <a:t> </a:t>
+            </a:r>
+            <a:r>
+              <a:rPr lang="es-AR" sz="1200" b="1" i="1" kern="1200" dirty="0" err="1" smtClean="0">
+                <a:solidFill>
+                  <a:schemeClr val="tx1"/>
+                </a:solidFill>
+                <a:effectLst/>
+                <a:latin typeface="+mn-lt"/>
+                <a:ea typeface="+mn-ea"/>
+                <a:cs typeface="+mn-cs"/>
+              </a:rPr>
+              <a:t>names</a:t>
+            </a:r>
+            <a:r>
+              <a:rPr lang="es-AR" sz="1200" b="1" i="1" kern="1200" dirty="0" smtClean="0">
+                <a:solidFill>
+                  <a:schemeClr val="tx1"/>
+                </a:solidFill>
+                <a:effectLst/>
+                <a:latin typeface="+mn-lt"/>
+                <a:ea typeface="+mn-ea"/>
+                <a:cs typeface="+mn-cs"/>
+              </a:rPr>
+              <a:t> </a:t>
+            </a:r>
+            <a:r>
+              <a:rPr lang="es-AR" sz="1200" b="1" kern="1200" dirty="0" smtClean="0">
+                <a:solidFill>
+                  <a:schemeClr val="tx1"/>
+                </a:solidFill>
+                <a:effectLst/>
+                <a:latin typeface="+mn-lt"/>
+                <a:ea typeface="+mn-ea"/>
+                <a:cs typeface="+mn-cs"/>
+              </a:rPr>
+              <a:t>para los proyectos</a:t>
+            </a:r>
+            <a:endParaRPr lang="en-US" sz="1200" b="1" kern="1200" dirty="0" smtClean="0">
+              <a:solidFill>
+                <a:schemeClr val="tx1"/>
+              </a:solidFill>
+              <a:effectLst/>
+              <a:latin typeface="+mn-lt"/>
+              <a:ea typeface="+mn-ea"/>
+              <a:cs typeface="+mn-cs"/>
+            </a:endParaRPr>
+          </a:p>
+          <a:p>
+            <a:r>
+              <a:rPr lang="es-AR" sz="1200" kern="1200" dirty="0" smtClean="0">
+                <a:solidFill>
+                  <a:schemeClr val="tx1"/>
+                </a:solidFill>
+                <a:effectLst/>
+                <a:latin typeface="+mn-lt"/>
+                <a:ea typeface="+mn-ea"/>
+                <a:cs typeface="+mn-cs"/>
+              </a:rPr>
+              <a:t> </a:t>
+            </a:r>
+            <a:endParaRPr lang="en-US" sz="1200" kern="1200" dirty="0" smtClean="0">
+              <a:solidFill>
+                <a:schemeClr val="tx1"/>
+              </a:solidFill>
+              <a:effectLst/>
+              <a:latin typeface="+mn-lt"/>
+              <a:ea typeface="+mn-ea"/>
+              <a:cs typeface="+mn-cs"/>
+            </a:endParaRPr>
+          </a:p>
+          <a:p>
+            <a:r>
+              <a:rPr lang="es-AR" sz="1200" kern="1200" dirty="0" smtClean="0">
+                <a:solidFill>
+                  <a:schemeClr val="tx1"/>
+                </a:solidFill>
+                <a:effectLst/>
+                <a:latin typeface="+mn-lt"/>
+                <a:ea typeface="+mn-ea"/>
+                <a:cs typeface="+mn-cs"/>
+              </a:rPr>
+              <a:t>Este mecanismo de defensa solo se aplica a empresas comerciales, particularmente tecnológicas. Gigantes como Microsoft y Apple suelen utilizar nombres clave para los productos que están en fase de desarrollo y aún no se han lanzado al mercado. Como ejemplos podemos mencionar al proyecto </a:t>
+            </a:r>
+            <a:r>
+              <a:rPr lang="es-AR" sz="1200" kern="1200" dirty="0" err="1" smtClean="0">
+                <a:solidFill>
+                  <a:schemeClr val="tx1"/>
+                </a:solidFill>
+                <a:effectLst/>
+                <a:latin typeface="+mn-lt"/>
+                <a:ea typeface="+mn-ea"/>
+                <a:cs typeface="+mn-cs"/>
+              </a:rPr>
+              <a:t>Blackcomb</a:t>
+            </a:r>
+            <a:r>
+              <a:rPr lang="es-AR" sz="1200" kern="1200" dirty="0" smtClean="0">
+                <a:solidFill>
+                  <a:schemeClr val="tx1"/>
+                </a:solidFill>
+                <a:effectLst/>
+                <a:latin typeface="+mn-lt"/>
+                <a:ea typeface="+mn-ea"/>
+                <a:cs typeface="+mn-cs"/>
+              </a:rPr>
+              <a:t> (Windows 7).</a:t>
+            </a:r>
+            <a:endParaRPr lang="en-US" sz="1200" kern="1200" dirty="0" smtClean="0">
+              <a:solidFill>
+                <a:schemeClr val="tx1"/>
+              </a:solidFill>
+              <a:effectLst/>
+              <a:latin typeface="+mn-lt"/>
+              <a:ea typeface="+mn-ea"/>
+              <a:cs typeface="+mn-cs"/>
+            </a:endParaRPr>
+          </a:p>
+          <a:p>
+            <a:r>
+              <a:rPr lang="es-AR" sz="1200" kern="1200" dirty="0" smtClean="0">
+                <a:solidFill>
+                  <a:schemeClr val="tx1"/>
+                </a:solidFill>
+                <a:effectLst/>
+                <a:latin typeface="+mn-lt"/>
+                <a:ea typeface="+mn-ea"/>
+                <a:cs typeface="+mn-cs"/>
+              </a:rPr>
+              <a:t> </a:t>
+            </a:r>
+            <a:endParaRPr lang="en-US" sz="1200" kern="1200" dirty="0" smtClean="0">
+              <a:solidFill>
+                <a:schemeClr val="tx1"/>
+              </a:solidFill>
+              <a:effectLst/>
+              <a:latin typeface="+mn-lt"/>
+              <a:ea typeface="+mn-ea"/>
+              <a:cs typeface="+mn-cs"/>
+            </a:endParaRPr>
+          </a:p>
+          <a:p>
+            <a:r>
+              <a:rPr lang="es-AR" sz="1200" kern="1200" dirty="0" smtClean="0">
+                <a:solidFill>
+                  <a:schemeClr val="tx1"/>
+                </a:solidFill>
+                <a:effectLst/>
+                <a:latin typeface="+mn-lt"/>
+                <a:ea typeface="+mn-ea"/>
+                <a:cs typeface="+mn-cs"/>
+              </a:rPr>
+              <a:t>Las razones para su uso son varias:</a:t>
+            </a:r>
+            <a:endParaRPr lang="en-US" sz="1200" kern="1200" dirty="0" smtClean="0">
+              <a:solidFill>
+                <a:schemeClr val="tx1"/>
+              </a:solidFill>
+              <a:effectLst/>
+              <a:latin typeface="+mn-lt"/>
+              <a:ea typeface="+mn-ea"/>
+              <a:cs typeface="+mn-cs"/>
+            </a:endParaRPr>
+          </a:p>
+          <a:p>
+            <a:pPr lvl="0"/>
+            <a:r>
+              <a:rPr lang="es-AR" sz="1200" u="none" strike="noStrike" kern="1200" dirty="0" smtClean="0">
+                <a:solidFill>
+                  <a:schemeClr val="tx1"/>
+                </a:solidFill>
+                <a:effectLst/>
+                <a:latin typeface="+mn-lt"/>
+                <a:ea typeface="+mn-ea"/>
+                <a:cs typeface="+mn-cs"/>
+              </a:rPr>
+              <a:t>Permiten a los trabajadores de dichos productos hablar sobre los mismos sin revelar de qué se trata a terceros. Al utilizar nombres neutrales, se obliga a enfocarse en el producto y prevenir la generación de asociaciones basándose en el nombre.</a:t>
+            </a:r>
+            <a:endParaRPr lang="en-US" u="none" strike="noStrike" dirty="0" smtClean="0">
+              <a:effectLst/>
+            </a:endParaRPr>
+          </a:p>
+          <a:p>
+            <a:pPr lvl="0"/>
+            <a:r>
+              <a:rPr lang="es-AR" sz="1200" u="none" strike="noStrike" kern="1200" dirty="0" smtClean="0">
+                <a:solidFill>
+                  <a:schemeClr val="tx1"/>
+                </a:solidFill>
+                <a:effectLst/>
+                <a:latin typeface="+mn-lt"/>
+                <a:ea typeface="+mn-ea"/>
+                <a:cs typeface="+mn-cs"/>
+              </a:rPr>
+              <a:t>Permiten crear un impacto positivo en los potenciales consumidores, al utilizar nombres que atraen al mercado.</a:t>
+            </a:r>
+            <a:r>
+              <a:rPr lang="es-AR" sz="1200" i="1" u="sng" strike="noStrike" kern="1200" dirty="0" smtClean="0">
+                <a:solidFill>
+                  <a:schemeClr val="tx1"/>
+                </a:solidFill>
+                <a:effectLst/>
+                <a:latin typeface="+mn-lt"/>
+                <a:ea typeface="+mn-ea"/>
+                <a:cs typeface="+mn-cs"/>
+              </a:rPr>
+              <a:t> </a:t>
+            </a:r>
+            <a:endParaRPr lang="en-US" sz="1200" kern="1200" dirty="0">
+              <a:solidFill>
+                <a:schemeClr val="tx1"/>
+              </a:solidFill>
+              <a:effectLst/>
+              <a:latin typeface="+mn-lt"/>
+              <a:ea typeface="+mn-ea"/>
+              <a:cs typeface="+mn-cs"/>
+            </a:endParaRPr>
+          </a:p>
+        </p:txBody>
+      </p:sp>
+      <p:sp>
+        <p:nvSpPr>
+          <p:cNvPr id="4" name="Slide Number Placeholder 3"/>
+          <p:cNvSpPr>
+            <a:spLocks noGrp="1"/>
+          </p:cNvSpPr>
+          <p:nvPr>
+            <p:ph type="sldNum" sz="quarter" idx="10"/>
+          </p:nvPr>
+        </p:nvSpPr>
+        <p:spPr/>
+        <p:txBody>
+          <a:bodyPr/>
+          <a:lstStyle/>
+          <a:p>
+            <a:fld id="{F93199CD-3E1B-4AE6-990F-76F925F5EA9F}" type="slidenum">
+              <a:rPr lang="en-US" smtClean="0"/>
+              <a:pPr/>
+              <a:t>13</a:t>
+            </a:fld>
+            <a:endParaRPr lang="en-US"/>
+          </a:p>
+        </p:txBody>
+      </p:sp>
+    </p:spTree>
+    <p:extLst>
+      <p:ext uri="{BB962C8B-B14F-4D97-AF65-F5344CB8AC3E}">
+        <p14:creationId xmlns:p14="http://schemas.microsoft.com/office/powerpoint/2010/main" xmlns="" val="707643668"/>
+      </p:ext>
+    </p:extLst>
+  </p:cSld>
+  <p:clrMapOvr>
+    <a:masterClrMapping/>
+  </p:clrMapOvr>
+</p:notes>
+</file>
+
+<file path=ppt/notesSlides/notesSlide11.xml><?xml version="1.0" encoding="utf-8"?>
+<p:notes xmlns:a="http://schemas.openxmlformats.org/drawingml/2006/main" xmlns:r="http://schemas.openxmlformats.org/officeDocument/2006/relationships" xmlns:p="http://schemas.openxmlformats.org/presentationml/2006/main">
+  <p:cSld>
+    <p:spTree>
+      <p:nvGrpSpPr>
+        <p:cNvPr id="1" name=""/>
+        <p:cNvGrpSpPr/>
+        <p:nvPr/>
+      </p:nvGrpSpPr>
+      <p:grpSpPr>
+        <a:xfrm>
+          <a:off x="0" y="0"/>
+          <a:ext cx="0" cy="0"/>
+          <a:chOff x="0" y="0"/>
+          <a:chExt cx="0" cy="0"/>
+        </a:xfrm>
+      </p:grpSpPr>
+      <p:sp>
+        <p:nvSpPr>
+          <p:cNvPr id="2" name="Slide Image Placeholder 1"/>
+          <p:cNvSpPr>
+            <a:spLocks noGrp="1" noRot="1" noChangeAspect="1"/>
+          </p:cNvSpPr>
+          <p:nvPr>
+            <p:ph type="sldImg"/>
+          </p:nvPr>
+        </p:nvSpPr>
+        <p:spPr/>
+      </p:sp>
+      <p:sp>
+        <p:nvSpPr>
+          <p:cNvPr id="3" name="Notes Placeholder 2"/>
+          <p:cNvSpPr>
+            <a:spLocks noGrp="1"/>
+          </p:cNvSpPr>
+          <p:nvPr>
+            <p:ph type="body" idx="1"/>
+          </p:nvPr>
+        </p:nvSpPr>
+        <p:spPr/>
+        <p:txBody>
+          <a:bodyPr/>
+          <a:lstStyle/>
+          <a:p>
+            <a:endParaRPr lang="en-US"/>
+          </a:p>
+        </p:txBody>
+      </p:sp>
+      <p:sp>
+        <p:nvSpPr>
+          <p:cNvPr id="4" name="Slide Number Placeholder 3"/>
+          <p:cNvSpPr>
+            <a:spLocks noGrp="1"/>
+          </p:cNvSpPr>
+          <p:nvPr>
+            <p:ph type="sldNum" sz="quarter" idx="10"/>
+          </p:nvPr>
+        </p:nvSpPr>
+        <p:spPr/>
+        <p:txBody>
+          <a:bodyPr/>
+          <a:lstStyle/>
+          <a:p>
+            <a:fld id="{F93199CD-3E1B-4AE6-990F-76F925F5EA9F}" type="slidenum">
+              <a:rPr lang="en-US" smtClean="0"/>
+              <a:pPr/>
+              <a:t>14</a:t>
+            </a:fld>
+            <a:endParaRPr lang="en-US"/>
+          </a:p>
+        </p:txBody>
+      </p:sp>
+    </p:spTree>
+    <p:extLst>
+      <p:ext uri="{BB962C8B-B14F-4D97-AF65-F5344CB8AC3E}">
+        <p14:creationId xmlns:p14="http://schemas.microsoft.com/office/powerpoint/2010/main" xmlns="" val="1014212789"/>
+      </p:ext>
+    </p:extLst>
+  </p:cSld>
+  <p:clrMapOvr>
+    <a:masterClrMapping/>
+  </p:clrMapOvr>
+</p:notes>
+</file>
+
+<file path=ppt/notesSlides/notesSlide12.xml><?xml version="1.0" encoding="utf-8"?>
+<p:notes xmlns:a="http://schemas.openxmlformats.org/drawingml/2006/main" xmlns:r="http://schemas.openxmlformats.org/officeDocument/2006/relationships" xmlns:p="http://schemas.openxmlformats.org/presentationml/2006/main">
+  <p:cSld>
+    <p:spTree>
+      <p:nvGrpSpPr>
+        <p:cNvPr id="1" name=""/>
+        <p:cNvGrpSpPr/>
+        <p:nvPr/>
+      </p:nvGrpSpPr>
+      <p:grpSpPr>
+        <a:xfrm>
+          <a:off x="0" y="0"/>
+          <a:ext cx="0" cy="0"/>
+          <a:chOff x="0" y="0"/>
+          <a:chExt cx="0" cy="0"/>
+        </a:xfrm>
+      </p:grpSpPr>
+      <p:sp>
+        <p:nvSpPr>
+          <p:cNvPr id="2" name="Slide Image Placeholder 1"/>
+          <p:cNvSpPr>
+            <a:spLocks noGrp="1" noRot="1" noChangeAspect="1"/>
+          </p:cNvSpPr>
+          <p:nvPr>
+            <p:ph type="sldImg"/>
+          </p:nvPr>
+        </p:nvSpPr>
+        <p:spPr/>
+      </p:sp>
+      <p:sp>
+        <p:nvSpPr>
+          <p:cNvPr id="3" name="Notes Placeholder 2"/>
+          <p:cNvSpPr>
+            <a:spLocks noGrp="1"/>
+          </p:cNvSpPr>
+          <p:nvPr>
+            <p:ph type="body" idx="1"/>
+          </p:nvPr>
+        </p:nvSpPr>
+        <p:spPr/>
+        <p:txBody>
+          <a:bodyPr/>
+          <a:lstStyle/>
+          <a:p>
+            <a:endParaRPr lang="en-US"/>
+          </a:p>
+        </p:txBody>
+      </p:sp>
+      <p:sp>
+        <p:nvSpPr>
+          <p:cNvPr id="4" name="Slide Number Placeholder 3"/>
+          <p:cNvSpPr>
+            <a:spLocks noGrp="1"/>
+          </p:cNvSpPr>
+          <p:nvPr>
+            <p:ph type="sldNum" sz="quarter" idx="10"/>
+          </p:nvPr>
+        </p:nvSpPr>
+        <p:spPr/>
+        <p:txBody>
+          <a:bodyPr/>
+          <a:lstStyle/>
+          <a:p>
+            <a:fld id="{F93199CD-3E1B-4AE6-990F-76F925F5EA9F}" type="slidenum">
+              <a:rPr lang="en-US" smtClean="0"/>
+              <a:pPr/>
+              <a:t>15</a:t>
+            </a:fld>
+            <a:endParaRPr lang="en-US"/>
+          </a:p>
+        </p:txBody>
+      </p:sp>
+    </p:spTree>
+    <p:extLst>
+      <p:ext uri="{BB962C8B-B14F-4D97-AF65-F5344CB8AC3E}">
+        <p14:creationId xmlns:p14="http://schemas.microsoft.com/office/powerpoint/2010/main" xmlns="" val="127681626"/>
+      </p:ext>
+    </p:extLst>
+  </p:cSld>
+  <p:clrMapOvr>
+    <a:masterClrMapping/>
+  </p:clrMapOvr>
+</p:notes>
+</file>
+
+<file path=ppt/notesSlides/notesSlide2.xml><?xml version="1.0" encoding="utf-8"?>
+<p:notes xmlns:a="http://schemas.openxmlformats.org/drawingml/2006/main" xmlns:r="http://schemas.openxmlformats.org/officeDocument/2006/relationships" xmlns:p="http://schemas.openxmlformats.org/presentationml/2006/main">
+  <p:cSld>
+    <p:spTree>
+      <p:nvGrpSpPr>
+        <p:cNvPr id="1" name=""/>
+        <p:cNvGrpSpPr/>
+        <p:nvPr/>
+      </p:nvGrpSpPr>
+      <p:grpSpPr>
+        <a:xfrm>
+          <a:off x="0" y="0"/>
+          <a:ext cx="0" cy="0"/>
+          <a:chOff x="0" y="0"/>
+          <a:chExt cx="0" cy="0"/>
+        </a:xfrm>
+      </p:grpSpPr>
+      <p:sp>
+        <p:nvSpPr>
+          <p:cNvPr id="2" name="Slide Image Placeholder 1"/>
+          <p:cNvSpPr>
+            <a:spLocks noGrp="1" noRot="1" noChangeAspect="1"/>
+          </p:cNvSpPr>
+          <p:nvPr>
+            <p:ph type="sldImg"/>
+          </p:nvPr>
+        </p:nvSpPr>
+        <p:spPr/>
+      </p:sp>
+      <p:sp>
+        <p:nvSpPr>
+          <p:cNvPr id="3" name="Notes Placeholder 2"/>
+          <p:cNvSpPr>
+            <a:spLocks noGrp="1"/>
+          </p:cNvSpPr>
+          <p:nvPr>
+            <p:ph type="body" idx="1"/>
+          </p:nvPr>
+        </p:nvSpPr>
+        <p:spPr/>
+        <p:txBody>
+          <a:bodyPr/>
+          <a:lstStyle/>
+          <a:p>
+            <a:endParaRPr lang="en-US"/>
+          </a:p>
+        </p:txBody>
+      </p:sp>
+      <p:sp>
+        <p:nvSpPr>
+          <p:cNvPr id="4" name="Slide Number Placeholder 3"/>
+          <p:cNvSpPr>
+            <a:spLocks noGrp="1"/>
+          </p:cNvSpPr>
+          <p:nvPr>
+            <p:ph type="sldNum" sz="quarter" idx="10"/>
+          </p:nvPr>
+        </p:nvSpPr>
+        <p:spPr/>
+        <p:txBody>
+          <a:bodyPr/>
+          <a:lstStyle/>
+          <a:p>
+            <a:fld id="{F93199CD-3E1B-4AE6-990F-76F925F5EA9F}" type="slidenum">
+              <a:rPr lang="en-US" smtClean="0"/>
+              <a:pPr/>
+              <a:t>3</a:t>
+            </a:fld>
+            <a:endParaRPr lang="en-US"/>
+          </a:p>
+        </p:txBody>
+      </p:sp>
+    </p:spTree>
+    <p:extLst>
+      <p:ext uri="{BB962C8B-B14F-4D97-AF65-F5344CB8AC3E}">
+        <p14:creationId xmlns:p14="http://schemas.microsoft.com/office/powerpoint/2010/main" xmlns="" val="2586394931"/>
+      </p:ext>
+    </p:extLst>
+  </p:cSld>
+  <p:clrMapOvr>
+    <a:masterClrMapping/>
+  </p:clrMapOvr>
+</p:notes>
+</file>
+
+<file path=ppt/notesSlides/notesSlide3.xml><?xml version="1.0" encoding="utf-8"?>
+<p:notes xmlns:a="http://schemas.openxmlformats.org/drawingml/2006/main" xmlns:r="http://schemas.openxmlformats.org/officeDocument/2006/relationships" xmlns:p="http://schemas.openxmlformats.org/presentationml/2006/main">
+  <p:cSld>
+    <p:spTree>
+      <p:nvGrpSpPr>
+        <p:cNvPr id="1" name=""/>
+        <p:cNvGrpSpPr/>
+        <p:nvPr/>
+      </p:nvGrpSpPr>
+      <p:grpSpPr>
+        <a:xfrm>
+          <a:off x="0" y="0"/>
+          <a:ext cx="0" cy="0"/>
+          <a:chOff x="0" y="0"/>
+          <a:chExt cx="0" cy="0"/>
+        </a:xfrm>
+      </p:grpSpPr>
+      <p:sp>
+        <p:nvSpPr>
+          <p:cNvPr id="2" name="Slide Image Placeholder 1"/>
+          <p:cNvSpPr>
+            <a:spLocks noGrp="1" noRot="1" noChangeAspect="1"/>
+          </p:cNvSpPr>
+          <p:nvPr>
+            <p:ph type="sldImg"/>
+          </p:nvPr>
+        </p:nvSpPr>
+        <p:spPr/>
+      </p:sp>
+      <p:sp>
+        <p:nvSpPr>
+          <p:cNvPr id="3" name="Notes Placeholder 2"/>
+          <p:cNvSpPr>
+            <a:spLocks noGrp="1"/>
+          </p:cNvSpPr>
+          <p:nvPr>
+            <p:ph type="body" idx="1"/>
+          </p:nvPr>
+        </p:nvSpPr>
+        <p:spPr/>
+        <p:txBody>
+          <a:bodyPr/>
+          <a:lstStyle/>
+          <a:p>
+            <a:endParaRPr lang="en-US"/>
+          </a:p>
+        </p:txBody>
+      </p:sp>
+      <p:sp>
+        <p:nvSpPr>
+          <p:cNvPr id="4" name="Slide Number Placeholder 3"/>
+          <p:cNvSpPr>
+            <a:spLocks noGrp="1"/>
+          </p:cNvSpPr>
+          <p:nvPr>
+            <p:ph type="sldNum" sz="quarter" idx="10"/>
+          </p:nvPr>
+        </p:nvSpPr>
+        <p:spPr/>
+        <p:txBody>
+          <a:bodyPr/>
+          <a:lstStyle/>
+          <a:p>
+            <a:fld id="{F93199CD-3E1B-4AE6-990F-76F925F5EA9F}" type="slidenum">
+              <a:rPr lang="en-US" smtClean="0"/>
+              <a:pPr/>
+              <a:t>4</a:t>
+            </a:fld>
+            <a:endParaRPr lang="en-US"/>
+          </a:p>
+        </p:txBody>
+      </p:sp>
+    </p:spTree>
+    <p:extLst>
+      <p:ext uri="{BB962C8B-B14F-4D97-AF65-F5344CB8AC3E}">
+        <p14:creationId xmlns:p14="http://schemas.microsoft.com/office/powerpoint/2010/main" xmlns="" val="2554922987"/>
+      </p:ext>
+    </p:extLst>
+  </p:cSld>
+  <p:clrMapOvr>
+    <a:masterClrMapping/>
+  </p:clrMapOvr>
+</p:notes>
+</file>
+
+<file path=ppt/notesSlides/notesSlide4.xml><?xml version="1.0" encoding="utf-8"?>
+<p:notes xmlns:a="http://schemas.openxmlformats.org/drawingml/2006/main" xmlns:r="http://schemas.openxmlformats.org/officeDocument/2006/relationships" xmlns:p="http://schemas.openxmlformats.org/presentationml/2006/main">
+  <p:cSld>
+    <p:spTree>
+      <p:nvGrpSpPr>
+        <p:cNvPr id="1" name=""/>
+        <p:cNvGrpSpPr/>
+        <p:nvPr/>
+      </p:nvGrpSpPr>
+      <p:grpSpPr>
+        <a:xfrm>
+          <a:off x="0" y="0"/>
+          <a:ext cx="0" cy="0"/>
+          <a:chOff x="0" y="0"/>
+          <a:chExt cx="0" cy="0"/>
+        </a:xfrm>
+      </p:grpSpPr>
+      <p:sp>
+        <p:nvSpPr>
+          <p:cNvPr id="2" name="Slide Image Placeholder 1"/>
+          <p:cNvSpPr>
+            <a:spLocks noGrp="1" noRot="1" noChangeAspect="1"/>
+          </p:cNvSpPr>
+          <p:nvPr>
+            <p:ph type="sldImg"/>
+          </p:nvPr>
+        </p:nvSpPr>
+        <p:spPr/>
+      </p:sp>
+      <p:sp>
+        <p:nvSpPr>
+          <p:cNvPr id="3" name="Notes Placeholder 2"/>
+          <p:cNvSpPr>
+            <a:spLocks noGrp="1"/>
+          </p:cNvSpPr>
+          <p:nvPr>
+            <p:ph type="body" idx="1"/>
+          </p:nvPr>
+        </p:nvSpPr>
+        <p:spPr/>
+        <p:txBody>
+          <a:bodyPr/>
+          <a:lstStyle/>
+          <a:p>
+            <a:endParaRPr lang="en-US" dirty="0"/>
+          </a:p>
+        </p:txBody>
+      </p:sp>
+      <p:sp>
+        <p:nvSpPr>
+          <p:cNvPr id="4" name="Slide Number Placeholder 3"/>
+          <p:cNvSpPr>
+            <a:spLocks noGrp="1"/>
+          </p:cNvSpPr>
+          <p:nvPr>
+            <p:ph type="sldNum" sz="quarter" idx="10"/>
+          </p:nvPr>
+        </p:nvSpPr>
+        <p:spPr/>
+        <p:txBody>
+          <a:bodyPr/>
+          <a:lstStyle/>
+          <a:p>
+            <a:fld id="{F93199CD-3E1B-4AE6-990F-76F925F5EA9F}" type="slidenum">
+              <a:rPr lang="en-US" smtClean="0"/>
+              <a:pPr/>
+              <a:t>5</a:t>
+            </a:fld>
+            <a:endParaRPr lang="en-US"/>
+          </a:p>
+        </p:txBody>
+      </p:sp>
+    </p:spTree>
+    <p:extLst>
+      <p:ext uri="{BB962C8B-B14F-4D97-AF65-F5344CB8AC3E}">
+        <p14:creationId xmlns:p14="http://schemas.microsoft.com/office/powerpoint/2010/main" xmlns="" val="24731803"/>
+      </p:ext>
+    </p:extLst>
+  </p:cSld>
+  <p:clrMapOvr>
+    <a:masterClrMapping/>
+  </p:clrMapOvr>
+</p:notes>
+</file>
+
+<file path=ppt/notesSlides/notesSlide5.xml><?xml version="1.0" encoding="utf-8"?>
+<p:notes xmlns:a="http://schemas.openxmlformats.org/drawingml/2006/main" xmlns:r="http://schemas.openxmlformats.org/officeDocument/2006/relationships" xmlns:p="http://schemas.openxmlformats.org/presentationml/2006/main">
+  <p:cSld>
+    <p:spTree>
+      <p:nvGrpSpPr>
+        <p:cNvPr id="1" name=""/>
+        <p:cNvGrpSpPr/>
+        <p:nvPr/>
+      </p:nvGrpSpPr>
+      <p:grpSpPr>
+        <a:xfrm>
+          <a:off x="0" y="0"/>
+          <a:ext cx="0" cy="0"/>
+          <a:chOff x="0" y="0"/>
+          <a:chExt cx="0" cy="0"/>
+        </a:xfrm>
+      </p:grpSpPr>
+      <p:sp>
+        <p:nvSpPr>
+          <p:cNvPr id="2" name="Slide Image Placeholder 1"/>
+          <p:cNvSpPr>
+            <a:spLocks noGrp="1" noRot="1" noChangeAspect="1"/>
+          </p:cNvSpPr>
+          <p:nvPr>
+            <p:ph type="sldImg"/>
+          </p:nvPr>
+        </p:nvSpPr>
+        <p:spPr/>
+      </p:sp>
+      <p:sp>
+        <p:nvSpPr>
+          <p:cNvPr id="3" name="Notes Placeholder 2"/>
+          <p:cNvSpPr>
+            <a:spLocks noGrp="1"/>
+          </p:cNvSpPr>
+          <p:nvPr>
+            <p:ph type="body" idx="1"/>
+          </p:nvPr>
+        </p:nvSpPr>
+        <p:spPr/>
+        <p:txBody>
+          <a:bodyPr/>
+          <a:lstStyle/>
+          <a:p>
+            <a:r>
               <a:rPr lang="es-AR" sz="1200" kern="1200" dirty="0" smtClean="0">
                 <a:solidFill>
                   <a:schemeClr val="tx1"/>
@@ -1584,7 +2561,8 @@
           <a:p>
             <a:fld id="{F93199CD-3E1B-4AE6-990F-76F925F5EA9F}" type="slidenum">
               <a:rPr lang="en-US" smtClean="0"/>
-              <a:t>11</a:t>
+              <a:pPr/>
+              <a:t>6</a:t>
             </a:fld>
             <a:endParaRPr lang="en-US"/>
           </a:p>
@@ -1593,1056 +2571,7 @@
     </p:spTree>
     <p:extLst>
       <p:ext uri="{BB962C8B-B14F-4D97-AF65-F5344CB8AC3E}">
-        <p14:creationId xmlns:p14="http://schemas.microsoft.com/office/powerpoint/2010/main" val="2488318766"/>
-      </p:ext>
-    </p:extLst>
-  </p:cSld>
-  <p:clrMapOvr>
-    <a:masterClrMapping/>
-  </p:clrMapOvr>
-</p:notes>
-</file>
-
-<file path=ppt/notesSlides/notesSlide11.xml><?xml version="1.0" encoding="utf-8"?>
-<p:notes xmlns:a="http://schemas.openxmlformats.org/drawingml/2006/main" xmlns:r="http://schemas.openxmlformats.org/officeDocument/2006/relationships" xmlns:p="http://schemas.openxmlformats.org/presentationml/2006/main">
-  <p:cSld>
-    <p:spTree>
-      <p:nvGrpSpPr>
-        <p:cNvPr id="1" name=""/>
-        <p:cNvGrpSpPr/>
-        <p:nvPr/>
-      </p:nvGrpSpPr>
-      <p:grpSpPr>
-        <a:xfrm>
-          <a:off x="0" y="0"/>
-          <a:ext cx="0" cy="0"/>
-          <a:chOff x="0" y="0"/>
-          <a:chExt cx="0" cy="0"/>
-        </a:xfrm>
-      </p:grpSpPr>
-      <p:sp>
-        <p:nvSpPr>
-          <p:cNvPr id="2" name="Slide Image Placeholder 1"/>
-          <p:cNvSpPr>
-            <a:spLocks noGrp="1" noRot="1" noChangeAspect="1"/>
-          </p:cNvSpPr>
-          <p:nvPr>
-            <p:ph type="sldImg"/>
-          </p:nvPr>
-        </p:nvSpPr>
-        <p:spPr/>
-      </p:sp>
-      <p:sp>
-        <p:nvSpPr>
-          <p:cNvPr id="3" name="Notes Placeholder 2"/>
-          <p:cNvSpPr>
-            <a:spLocks noGrp="1"/>
-          </p:cNvSpPr>
-          <p:nvPr>
-            <p:ph type="body" idx="1"/>
-          </p:nvPr>
-        </p:nvSpPr>
-        <p:spPr/>
-        <p:txBody>
-          <a:bodyPr/>
-          <a:lstStyle/>
-          <a:p>
-            <a:r>
-              <a:rPr lang="es-AR" sz="1200" b="1" kern="1200" dirty="0" smtClean="0">
-                <a:solidFill>
-                  <a:schemeClr val="tx1"/>
-                </a:solidFill>
-                <a:effectLst/>
-                <a:latin typeface="+mn-lt"/>
-                <a:ea typeface="+mn-ea"/>
-                <a:cs typeface="+mn-cs"/>
-              </a:rPr>
-              <a:t>Auditorías</a:t>
-            </a:r>
-            <a:endParaRPr lang="en-US" sz="1200" b="1" kern="1200" dirty="0" smtClean="0">
-              <a:solidFill>
-                <a:schemeClr val="tx1"/>
-              </a:solidFill>
-              <a:effectLst/>
-              <a:latin typeface="+mn-lt"/>
-              <a:ea typeface="+mn-ea"/>
-              <a:cs typeface="+mn-cs"/>
-            </a:endParaRPr>
-          </a:p>
-          <a:p>
-            <a:r>
-              <a:rPr lang="es-AR" sz="1200" kern="1200" dirty="0" smtClean="0">
-                <a:solidFill>
-                  <a:schemeClr val="tx1"/>
-                </a:solidFill>
-                <a:effectLst/>
-                <a:latin typeface="+mn-lt"/>
-                <a:ea typeface="+mn-ea"/>
-                <a:cs typeface="+mn-cs"/>
-              </a:rPr>
-              <a:t> </a:t>
-            </a:r>
-            <a:endParaRPr lang="en-US" sz="1200" kern="1200" dirty="0" smtClean="0">
-              <a:solidFill>
-                <a:schemeClr val="tx1"/>
-              </a:solidFill>
-              <a:effectLst/>
-              <a:latin typeface="+mn-lt"/>
-              <a:ea typeface="+mn-ea"/>
-              <a:cs typeface="+mn-cs"/>
-            </a:endParaRPr>
-          </a:p>
-          <a:p>
-            <a:r>
-              <a:rPr lang="es-AR" sz="1200" kern="1200" dirty="0" smtClean="0">
-                <a:solidFill>
-                  <a:schemeClr val="tx1"/>
-                </a:solidFill>
-                <a:effectLst/>
-                <a:latin typeface="+mn-lt"/>
-                <a:ea typeface="+mn-ea"/>
-                <a:cs typeface="+mn-cs"/>
-              </a:rPr>
-              <a:t>En las empresas, para facilitar la trazabilidad de las acciones de los usuarios, se suelen incluir procedimientos mediante los que se garantiza que el uso de los activos de información es efectivamente auditado y que es posible generar </a:t>
-            </a:r>
-            <a:r>
-              <a:rPr lang="es-AR" sz="1200" b="1" kern="1200" dirty="0" smtClean="0">
-                <a:solidFill>
-                  <a:schemeClr val="tx1"/>
-                </a:solidFill>
-                <a:effectLst/>
-                <a:latin typeface="+mn-lt"/>
-                <a:ea typeface="+mn-ea"/>
-                <a:cs typeface="+mn-cs"/>
-              </a:rPr>
-              <a:t>registros (</a:t>
-            </a:r>
-            <a:r>
-              <a:rPr lang="es-AR" sz="1200" b="1" i="1" kern="1200" dirty="0" err="1" smtClean="0">
-                <a:solidFill>
-                  <a:schemeClr val="tx1"/>
-                </a:solidFill>
-                <a:effectLst/>
-                <a:latin typeface="+mn-lt"/>
-                <a:ea typeface="+mn-ea"/>
-                <a:cs typeface="+mn-cs"/>
-              </a:rPr>
-              <a:t>logs</a:t>
-            </a:r>
-            <a:r>
-              <a:rPr lang="es-AR" sz="1200" b="1" kern="1200" dirty="0" smtClean="0">
-                <a:solidFill>
-                  <a:schemeClr val="tx1"/>
-                </a:solidFill>
-                <a:effectLst/>
-                <a:latin typeface="+mn-lt"/>
-                <a:ea typeface="+mn-ea"/>
-                <a:cs typeface="+mn-cs"/>
-              </a:rPr>
-              <a:t>) de las acciones importantes</a:t>
-            </a:r>
-            <a:r>
-              <a:rPr lang="es-AR" sz="1200" kern="1200" dirty="0" smtClean="0">
-                <a:solidFill>
-                  <a:schemeClr val="tx1"/>
-                </a:solidFill>
-                <a:effectLst/>
-                <a:latin typeface="+mn-lt"/>
-                <a:ea typeface="+mn-ea"/>
-                <a:cs typeface="+mn-cs"/>
-              </a:rPr>
-              <a:t> que se hayan definido, que si bien es un proceso técnico, implica un conocimiento de los individuos respecto a su grado de responsabilidad en lo que realizan dentro de una empresa. El conocimiento de la vinculación entre las personas y sus accesos puede evitar en gran medida la fuga de información, ya que en caso de filtrarse hacia el exterior, se podría señalar de manera directa a todos aquellos que tuvieron acceso y se podría analizar su uso previo al incidente, obteniendo posibles conclusiones y responsables. De cualquier manera, dada la imposibilidad de monitorear a las personas más allá de la esfera laboral, es estrictamente necesario que exista un alto grado de concientización y que las políticas de seguridad estén correctamente aplicadas para garantizar que quienes manejen información confidencial tengan asumidos los riesgos relacionados con su filtración.</a:t>
-            </a:r>
-          </a:p>
-          <a:p>
-            <a:endParaRPr lang="es-AR" sz="1200" b="1" kern="1200" dirty="0" smtClean="0">
-              <a:solidFill>
-                <a:schemeClr val="tx1"/>
-              </a:solidFill>
-              <a:effectLst/>
-              <a:latin typeface="+mn-lt"/>
-              <a:ea typeface="+mn-ea"/>
-              <a:cs typeface="+mn-cs"/>
-            </a:endParaRPr>
-          </a:p>
-          <a:p>
-            <a:r>
-              <a:rPr lang="es-AR" sz="1200" b="1" kern="1200" dirty="0" smtClean="0">
-                <a:solidFill>
-                  <a:schemeClr val="tx1"/>
-                </a:solidFill>
-                <a:effectLst/>
-                <a:latin typeface="+mn-lt"/>
-                <a:ea typeface="+mn-ea"/>
-                <a:cs typeface="+mn-cs"/>
-              </a:rPr>
-              <a:t>Utilización de estándares internacionales</a:t>
-            </a:r>
-            <a:endParaRPr lang="en-US" sz="1200" b="1" kern="1200" dirty="0" smtClean="0">
-              <a:solidFill>
-                <a:schemeClr val="tx1"/>
-              </a:solidFill>
-              <a:effectLst/>
-              <a:latin typeface="+mn-lt"/>
-              <a:ea typeface="+mn-ea"/>
-              <a:cs typeface="+mn-cs"/>
-            </a:endParaRPr>
-          </a:p>
-          <a:p>
-            <a:r>
-              <a:rPr lang="es-AR" sz="1200" kern="1200" dirty="0" smtClean="0">
-                <a:solidFill>
-                  <a:schemeClr val="tx1"/>
-                </a:solidFill>
-                <a:effectLst/>
-                <a:latin typeface="+mn-lt"/>
-                <a:ea typeface="+mn-ea"/>
-                <a:cs typeface="+mn-cs"/>
-              </a:rPr>
-              <a:t> </a:t>
-            </a:r>
-            <a:endParaRPr lang="en-US" sz="1200" kern="1200" dirty="0" smtClean="0">
-              <a:solidFill>
-                <a:schemeClr val="tx1"/>
-              </a:solidFill>
-              <a:effectLst/>
-              <a:latin typeface="+mn-lt"/>
-              <a:ea typeface="+mn-ea"/>
-              <a:cs typeface="+mn-cs"/>
-            </a:endParaRPr>
-          </a:p>
-          <a:p>
-            <a:r>
-              <a:rPr lang="es-AR" sz="1200" kern="1200" dirty="0" smtClean="0">
-                <a:solidFill>
-                  <a:schemeClr val="tx1"/>
-                </a:solidFill>
-                <a:effectLst/>
-                <a:latin typeface="+mn-lt"/>
-                <a:ea typeface="+mn-ea"/>
-                <a:cs typeface="+mn-cs"/>
-              </a:rPr>
-              <a:t>Para la mayoría de las actividades es necesario basarse en estándares, normalmente de alcance internacional, y normativas vinculadas a lo que se quiera organizar. La fuga de información está contemplada dentro de la gestión de la seguridad, y como tal se describen contramedidas y técnicas en distintos estándares. Así pues, se apela con frecuencia a la serie de normas ISO 27000, que está especialmente dedicada a seguridad de la información. Dentro de esta familia se encuentran específicamente algunas normas como lo son la 27001, referida a los requisitos para implementar un sistema de gestión de seguridad, la 27002 que define las mejores prácticas, la 27004 que habla sobre las métricas, la 27005 que trata sobre la gestión de riesgos, entre otras.</a:t>
-            </a:r>
-            <a:endParaRPr lang="en-US" sz="1200" kern="1200" dirty="0" smtClean="0">
-              <a:solidFill>
-                <a:schemeClr val="tx1"/>
-              </a:solidFill>
-              <a:effectLst/>
-              <a:latin typeface="+mn-lt"/>
-              <a:ea typeface="+mn-ea"/>
-              <a:cs typeface="+mn-cs"/>
-            </a:endParaRPr>
-          </a:p>
-          <a:p>
-            <a:r>
-              <a:rPr lang="es-AR" sz="1200" kern="1200" dirty="0" smtClean="0">
-                <a:solidFill>
-                  <a:schemeClr val="tx1"/>
-                </a:solidFill>
-                <a:effectLst/>
-                <a:latin typeface="+mn-lt"/>
-                <a:ea typeface="+mn-ea"/>
-                <a:cs typeface="+mn-cs"/>
-              </a:rPr>
-              <a:t> </a:t>
-            </a:r>
-            <a:endParaRPr lang="en-US" sz="1200" kern="1200" dirty="0" smtClean="0">
-              <a:solidFill>
-                <a:schemeClr val="tx1"/>
-              </a:solidFill>
-              <a:effectLst/>
-              <a:latin typeface="+mn-lt"/>
-              <a:ea typeface="+mn-ea"/>
-              <a:cs typeface="+mn-cs"/>
-            </a:endParaRPr>
-          </a:p>
-          <a:p>
-            <a:r>
-              <a:rPr lang="es-AR" sz="1200" b="1" kern="1200" dirty="0" smtClean="0">
-                <a:solidFill>
-                  <a:schemeClr val="tx1"/>
-                </a:solidFill>
-                <a:effectLst/>
-                <a:latin typeface="+mn-lt"/>
-                <a:ea typeface="+mn-ea"/>
-                <a:cs typeface="+mn-cs"/>
-              </a:rPr>
-              <a:t>Uso de </a:t>
-            </a:r>
-            <a:r>
-              <a:rPr lang="es-AR" sz="1200" b="1" i="1" kern="1200" dirty="0" err="1" smtClean="0">
-                <a:solidFill>
-                  <a:schemeClr val="tx1"/>
-                </a:solidFill>
-                <a:effectLst/>
-                <a:latin typeface="+mn-lt"/>
-                <a:ea typeface="+mn-ea"/>
-                <a:cs typeface="+mn-cs"/>
-              </a:rPr>
-              <a:t>code</a:t>
-            </a:r>
-            <a:r>
-              <a:rPr lang="es-AR" sz="1200" b="1" i="1" kern="1200" dirty="0" smtClean="0">
-                <a:solidFill>
-                  <a:schemeClr val="tx1"/>
-                </a:solidFill>
-                <a:effectLst/>
-                <a:latin typeface="+mn-lt"/>
-                <a:ea typeface="+mn-ea"/>
-                <a:cs typeface="+mn-cs"/>
-              </a:rPr>
-              <a:t> </a:t>
-            </a:r>
-            <a:r>
-              <a:rPr lang="es-AR" sz="1200" b="1" i="1" kern="1200" dirty="0" err="1" smtClean="0">
-                <a:solidFill>
-                  <a:schemeClr val="tx1"/>
-                </a:solidFill>
-                <a:effectLst/>
-                <a:latin typeface="+mn-lt"/>
-                <a:ea typeface="+mn-ea"/>
-                <a:cs typeface="+mn-cs"/>
-              </a:rPr>
-              <a:t>names</a:t>
-            </a:r>
-            <a:r>
-              <a:rPr lang="es-AR" sz="1200" b="1" i="1" kern="1200" dirty="0" smtClean="0">
-                <a:solidFill>
-                  <a:schemeClr val="tx1"/>
-                </a:solidFill>
-                <a:effectLst/>
-                <a:latin typeface="+mn-lt"/>
-                <a:ea typeface="+mn-ea"/>
-                <a:cs typeface="+mn-cs"/>
-              </a:rPr>
-              <a:t> </a:t>
-            </a:r>
-            <a:r>
-              <a:rPr lang="es-AR" sz="1200" b="1" kern="1200" dirty="0" smtClean="0">
-                <a:solidFill>
-                  <a:schemeClr val="tx1"/>
-                </a:solidFill>
-                <a:effectLst/>
-                <a:latin typeface="+mn-lt"/>
-                <a:ea typeface="+mn-ea"/>
-                <a:cs typeface="+mn-cs"/>
-              </a:rPr>
-              <a:t>para los proyectos</a:t>
-            </a:r>
-            <a:endParaRPr lang="en-US" sz="1200" b="1" kern="1200" dirty="0" smtClean="0">
-              <a:solidFill>
-                <a:schemeClr val="tx1"/>
-              </a:solidFill>
-              <a:effectLst/>
-              <a:latin typeface="+mn-lt"/>
-              <a:ea typeface="+mn-ea"/>
-              <a:cs typeface="+mn-cs"/>
-            </a:endParaRPr>
-          </a:p>
-          <a:p>
-            <a:r>
-              <a:rPr lang="es-AR" sz="1200" kern="1200" dirty="0" smtClean="0">
-                <a:solidFill>
-                  <a:schemeClr val="tx1"/>
-                </a:solidFill>
-                <a:effectLst/>
-                <a:latin typeface="+mn-lt"/>
-                <a:ea typeface="+mn-ea"/>
-                <a:cs typeface="+mn-cs"/>
-              </a:rPr>
-              <a:t> </a:t>
-            </a:r>
-            <a:endParaRPr lang="en-US" sz="1200" kern="1200" dirty="0" smtClean="0">
-              <a:solidFill>
-                <a:schemeClr val="tx1"/>
-              </a:solidFill>
-              <a:effectLst/>
-              <a:latin typeface="+mn-lt"/>
-              <a:ea typeface="+mn-ea"/>
-              <a:cs typeface="+mn-cs"/>
-            </a:endParaRPr>
-          </a:p>
-          <a:p>
-            <a:r>
-              <a:rPr lang="es-AR" sz="1200" kern="1200" dirty="0" smtClean="0">
-                <a:solidFill>
-                  <a:schemeClr val="tx1"/>
-                </a:solidFill>
-                <a:effectLst/>
-                <a:latin typeface="+mn-lt"/>
-                <a:ea typeface="+mn-ea"/>
-                <a:cs typeface="+mn-cs"/>
-              </a:rPr>
-              <a:t>Este mecanismo de defensa solo se aplica a empresas comerciales, particularmente tecnológicas. Gigantes como Microsoft y Apple suelen utilizar nombres clave para los productos que están en fase de desarrollo y aún no se han lanzado al mercado. Como ejemplos podemos mencionar al proyecto </a:t>
-            </a:r>
-            <a:r>
-              <a:rPr lang="es-AR" sz="1200" kern="1200" dirty="0" err="1" smtClean="0">
-                <a:solidFill>
-                  <a:schemeClr val="tx1"/>
-                </a:solidFill>
-                <a:effectLst/>
-                <a:latin typeface="+mn-lt"/>
-                <a:ea typeface="+mn-ea"/>
-                <a:cs typeface="+mn-cs"/>
-              </a:rPr>
-              <a:t>Blackcomb</a:t>
-            </a:r>
-            <a:r>
-              <a:rPr lang="es-AR" sz="1200" kern="1200" dirty="0" smtClean="0">
-                <a:solidFill>
-                  <a:schemeClr val="tx1"/>
-                </a:solidFill>
-                <a:effectLst/>
-                <a:latin typeface="+mn-lt"/>
-                <a:ea typeface="+mn-ea"/>
-                <a:cs typeface="+mn-cs"/>
-              </a:rPr>
-              <a:t> (Windows 7).</a:t>
-            </a:r>
-            <a:endParaRPr lang="en-US" sz="1200" kern="1200" dirty="0" smtClean="0">
-              <a:solidFill>
-                <a:schemeClr val="tx1"/>
-              </a:solidFill>
-              <a:effectLst/>
-              <a:latin typeface="+mn-lt"/>
-              <a:ea typeface="+mn-ea"/>
-              <a:cs typeface="+mn-cs"/>
-            </a:endParaRPr>
-          </a:p>
-          <a:p>
-            <a:r>
-              <a:rPr lang="es-AR" sz="1200" kern="1200" dirty="0" smtClean="0">
-                <a:solidFill>
-                  <a:schemeClr val="tx1"/>
-                </a:solidFill>
-                <a:effectLst/>
-                <a:latin typeface="+mn-lt"/>
-                <a:ea typeface="+mn-ea"/>
-                <a:cs typeface="+mn-cs"/>
-              </a:rPr>
-              <a:t> </a:t>
-            </a:r>
-            <a:endParaRPr lang="en-US" sz="1200" kern="1200" dirty="0" smtClean="0">
-              <a:solidFill>
-                <a:schemeClr val="tx1"/>
-              </a:solidFill>
-              <a:effectLst/>
-              <a:latin typeface="+mn-lt"/>
-              <a:ea typeface="+mn-ea"/>
-              <a:cs typeface="+mn-cs"/>
-            </a:endParaRPr>
-          </a:p>
-          <a:p>
-            <a:r>
-              <a:rPr lang="es-AR" sz="1200" kern="1200" dirty="0" smtClean="0">
-                <a:solidFill>
-                  <a:schemeClr val="tx1"/>
-                </a:solidFill>
-                <a:effectLst/>
-                <a:latin typeface="+mn-lt"/>
-                <a:ea typeface="+mn-ea"/>
-                <a:cs typeface="+mn-cs"/>
-              </a:rPr>
-              <a:t>Las razones para su uso son varias:</a:t>
-            </a:r>
-            <a:endParaRPr lang="en-US" sz="1200" kern="1200" dirty="0" smtClean="0">
-              <a:solidFill>
-                <a:schemeClr val="tx1"/>
-              </a:solidFill>
-              <a:effectLst/>
-              <a:latin typeface="+mn-lt"/>
-              <a:ea typeface="+mn-ea"/>
-              <a:cs typeface="+mn-cs"/>
-            </a:endParaRPr>
-          </a:p>
-          <a:p>
-            <a:pPr lvl="0"/>
-            <a:r>
-              <a:rPr lang="es-AR" sz="1200" u="none" strike="noStrike" kern="1200" dirty="0" smtClean="0">
-                <a:solidFill>
-                  <a:schemeClr val="tx1"/>
-                </a:solidFill>
-                <a:effectLst/>
-                <a:latin typeface="+mn-lt"/>
-                <a:ea typeface="+mn-ea"/>
-                <a:cs typeface="+mn-cs"/>
-              </a:rPr>
-              <a:t>Permiten a los trabajadores de dichos productos hablar sobre los mismos sin revelar de qué se trata a terceros. Al utilizar nombres neutrales, se obliga a enfocarse en el producto y prevenir la generación de asociaciones basándose en el nombre.</a:t>
-            </a:r>
-            <a:endParaRPr lang="en-US" u="none" strike="noStrike" dirty="0" smtClean="0">
-              <a:effectLst/>
-            </a:endParaRPr>
-          </a:p>
-          <a:p>
-            <a:pPr lvl="0"/>
-            <a:r>
-              <a:rPr lang="es-AR" sz="1200" u="none" strike="noStrike" kern="1200" dirty="0" smtClean="0">
-                <a:solidFill>
-                  <a:schemeClr val="tx1"/>
-                </a:solidFill>
-                <a:effectLst/>
-                <a:latin typeface="+mn-lt"/>
-                <a:ea typeface="+mn-ea"/>
-                <a:cs typeface="+mn-cs"/>
-              </a:rPr>
-              <a:t>Permiten crear un impacto positivo en los potenciales consumidores, al utilizar nombres que atraen al mercado.</a:t>
-            </a:r>
-            <a:r>
-              <a:rPr lang="es-AR" sz="1200" i="1" u="sng" strike="noStrike" kern="1200" dirty="0" smtClean="0">
-                <a:solidFill>
-                  <a:schemeClr val="tx1"/>
-                </a:solidFill>
-                <a:effectLst/>
-                <a:latin typeface="+mn-lt"/>
-                <a:ea typeface="+mn-ea"/>
-                <a:cs typeface="+mn-cs"/>
-              </a:rPr>
-              <a:t> </a:t>
-            </a:r>
-            <a:endParaRPr lang="en-US" sz="1200" kern="1200" dirty="0">
-              <a:solidFill>
-                <a:schemeClr val="tx1"/>
-              </a:solidFill>
-              <a:effectLst/>
-              <a:latin typeface="+mn-lt"/>
-              <a:ea typeface="+mn-ea"/>
-              <a:cs typeface="+mn-cs"/>
-            </a:endParaRPr>
-          </a:p>
-        </p:txBody>
-      </p:sp>
-      <p:sp>
-        <p:nvSpPr>
-          <p:cNvPr id="4" name="Slide Number Placeholder 3"/>
-          <p:cNvSpPr>
-            <a:spLocks noGrp="1"/>
-          </p:cNvSpPr>
-          <p:nvPr>
-            <p:ph type="sldNum" sz="quarter" idx="10"/>
-          </p:nvPr>
-        </p:nvSpPr>
-        <p:spPr/>
-        <p:txBody>
-          <a:bodyPr/>
-          <a:lstStyle/>
-          <a:p>
-            <a:fld id="{F93199CD-3E1B-4AE6-990F-76F925F5EA9F}" type="slidenum">
-              <a:rPr lang="en-US" smtClean="0"/>
-              <a:t>12</a:t>
-            </a:fld>
-            <a:endParaRPr lang="en-US"/>
-          </a:p>
-        </p:txBody>
-      </p:sp>
-    </p:spTree>
-    <p:extLst>
-      <p:ext uri="{BB962C8B-B14F-4D97-AF65-F5344CB8AC3E}">
-        <p14:creationId xmlns:p14="http://schemas.microsoft.com/office/powerpoint/2010/main" val="707643668"/>
-      </p:ext>
-    </p:extLst>
-  </p:cSld>
-  <p:clrMapOvr>
-    <a:masterClrMapping/>
-  </p:clrMapOvr>
-</p:notes>
-</file>
-
-<file path=ppt/notesSlides/notesSlide12.xml><?xml version="1.0" encoding="utf-8"?>
-<p:notes xmlns:a="http://schemas.openxmlformats.org/drawingml/2006/main" xmlns:r="http://schemas.openxmlformats.org/officeDocument/2006/relationships" xmlns:p="http://schemas.openxmlformats.org/presentationml/2006/main">
-  <p:cSld>
-    <p:spTree>
-      <p:nvGrpSpPr>
-        <p:cNvPr id="1" name=""/>
-        <p:cNvGrpSpPr/>
-        <p:nvPr/>
-      </p:nvGrpSpPr>
-      <p:grpSpPr>
-        <a:xfrm>
-          <a:off x="0" y="0"/>
-          <a:ext cx="0" cy="0"/>
-          <a:chOff x="0" y="0"/>
-          <a:chExt cx="0" cy="0"/>
-        </a:xfrm>
-      </p:grpSpPr>
-      <p:sp>
-        <p:nvSpPr>
-          <p:cNvPr id="2" name="Slide Image Placeholder 1"/>
-          <p:cNvSpPr>
-            <a:spLocks noGrp="1" noRot="1" noChangeAspect="1"/>
-          </p:cNvSpPr>
-          <p:nvPr>
-            <p:ph type="sldImg"/>
-          </p:nvPr>
-        </p:nvSpPr>
-        <p:spPr/>
-      </p:sp>
-      <p:sp>
-        <p:nvSpPr>
-          <p:cNvPr id="3" name="Notes Placeholder 2"/>
-          <p:cNvSpPr>
-            <a:spLocks noGrp="1"/>
-          </p:cNvSpPr>
-          <p:nvPr>
-            <p:ph type="body" idx="1"/>
-          </p:nvPr>
-        </p:nvSpPr>
-        <p:spPr/>
-        <p:txBody>
-          <a:bodyPr/>
-          <a:lstStyle/>
-          <a:p>
-            <a:endParaRPr lang="en-US"/>
-          </a:p>
-        </p:txBody>
-      </p:sp>
-      <p:sp>
-        <p:nvSpPr>
-          <p:cNvPr id="4" name="Slide Number Placeholder 3"/>
-          <p:cNvSpPr>
-            <a:spLocks noGrp="1"/>
-          </p:cNvSpPr>
-          <p:nvPr>
-            <p:ph type="sldNum" sz="quarter" idx="10"/>
-          </p:nvPr>
-        </p:nvSpPr>
-        <p:spPr/>
-        <p:txBody>
-          <a:bodyPr/>
-          <a:lstStyle/>
-          <a:p>
-            <a:fld id="{F93199CD-3E1B-4AE6-990F-76F925F5EA9F}" type="slidenum">
-              <a:rPr lang="en-US" smtClean="0"/>
-              <a:t>13</a:t>
-            </a:fld>
-            <a:endParaRPr lang="en-US"/>
-          </a:p>
-        </p:txBody>
-      </p:sp>
-    </p:spTree>
-    <p:extLst>
-      <p:ext uri="{BB962C8B-B14F-4D97-AF65-F5344CB8AC3E}">
-        <p14:creationId xmlns:p14="http://schemas.microsoft.com/office/powerpoint/2010/main" val="1014212789"/>
-      </p:ext>
-    </p:extLst>
-  </p:cSld>
-  <p:clrMapOvr>
-    <a:masterClrMapping/>
-  </p:clrMapOvr>
-</p:notes>
-</file>
-
-<file path=ppt/notesSlides/notesSlide13.xml><?xml version="1.0" encoding="utf-8"?>
-<p:notes xmlns:a="http://schemas.openxmlformats.org/drawingml/2006/main" xmlns:r="http://schemas.openxmlformats.org/officeDocument/2006/relationships" xmlns:p="http://schemas.openxmlformats.org/presentationml/2006/main">
-  <p:cSld>
-    <p:spTree>
-      <p:nvGrpSpPr>
-        <p:cNvPr id="1" name=""/>
-        <p:cNvGrpSpPr/>
-        <p:nvPr/>
-      </p:nvGrpSpPr>
-      <p:grpSpPr>
-        <a:xfrm>
-          <a:off x="0" y="0"/>
-          <a:ext cx="0" cy="0"/>
-          <a:chOff x="0" y="0"/>
-          <a:chExt cx="0" cy="0"/>
-        </a:xfrm>
-      </p:grpSpPr>
-      <p:sp>
-        <p:nvSpPr>
-          <p:cNvPr id="2" name="Slide Image Placeholder 1"/>
-          <p:cNvSpPr>
-            <a:spLocks noGrp="1" noRot="1" noChangeAspect="1"/>
-          </p:cNvSpPr>
-          <p:nvPr>
-            <p:ph type="sldImg"/>
-          </p:nvPr>
-        </p:nvSpPr>
-        <p:spPr/>
-      </p:sp>
-      <p:sp>
-        <p:nvSpPr>
-          <p:cNvPr id="3" name="Notes Placeholder 2"/>
-          <p:cNvSpPr>
-            <a:spLocks noGrp="1"/>
-          </p:cNvSpPr>
-          <p:nvPr>
-            <p:ph type="body" idx="1"/>
-          </p:nvPr>
-        </p:nvSpPr>
-        <p:spPr/>
-        <p:txBody>
-          <a:bodyPr/>
-          <a:lstStyle/>
-          <a:p>
-            <a:endParaRPr lang="en-US"/>
-          </a:p>
-        </p:txBody>
-      </p:sp>
-      <p:sp>
-        <p:nvSpPr>
-          <p:cNvPr id="4" name="Slide Number Placeholder 3"/>
-          <p:cNvSpPr>
-            <a:spLocks noGrp="1"/>
-          </p:cNvSpPr>
-          <p:nvPr>
-            <p:ph type="sldNum" sz="quarter" idx="10"/>
-          </p:nvPr>
-        </p:nvSpPr>
-        <p:spPr/>
-        <p:txBody>
-          <a:bodyPr/>
-          <a:lstStyle/>
-          <a:p>
-            <a:fld id="{F93199CD-3E1B-4AE6-990F-76F925F5EA9F}" type="slidenum">
-              <a:rPr lang="en-US" smtClean="0"/>
-              <a:t>14</a:t>
-            </a:fld>
-            <a:endParaRPr lang="en-US"/>
-          </a:p>
-        </p:txBody>
-      </p:sp>
-    </p:spTree>
-    <p:extLst>
-      <p:ext uri="{BB962C8B-B14F-4D97-AF65-F5344CB8AC3E}">
-        <p14:creationId xmlns:p14="http://schemas.microsoft.com/office/powerpoint/2010/main" val="127681626"/>
-      </p:ext>
-    </p:extLst>
-  </p:cSld>
-  <p:clrMapOvr>
-    <a:masterClrMapping/>
-  </p:clrMapOvr>
-</p:notes>
-</file>
-
-<file path=ppt/notesSlides/notesSlide2.xml><?xml version="1.0" encoding="utf-8"?>
-<p:notes xmlns:a="http://schemas.openxmlformats.org/drawingml/2006/main" xmlns:r="http://schemas.openxmlformats.org/officeDocument/2006/relationships" xmlns:p="http://schemas.openxmlformats.org/presentationml/2006/main">
-  <p:cSld>
-    <p:spTree>
-      <p:nvGrpSpPr>
-        <p:cNvPr id="1" name=""/>
-        <p:cNvGrpSpPr/>
-        <p:nvPr/>
-      </p:nvGrpSpPr>
-      <p:grpSpPr>
-        <a:xfrm>
-          <a:off x="0" y="0"/>
-          <a:ext cx="0" cy="0"/>
-          <a:chOff x="0" y="0"/>
-          <a:chExt cx="0" cy="0"/>
-        </a:xfrm>
-      </p:grpSpPr>
-      <p:sp>
-        <p:nvSpPr>
-          <p:cNvPr id="2" name="Slide Image Placeholder 1"/>
-          <p:cNvSpPr>
-            <a:spLocks noGrp="1" noRot="1" noChangeAspect="1"/>
-          </p:cNvSpPr>
-          <p:nvPr>
-            <p:ph type="sldImg"/>
-          </p:nvPr>
-        </p:nvSpPr>
-        <p:spPr/>
-      </p:sp>
-      <p:sp>
-        <p:nvSpPr>
-          <p:cNvPr id="3" name="Notes Placeholder 2"/>
-          <p:cNvSpPr>
-            <a:spLocks noGrp="1"/>
-          </p:cNvSpPr>
-          <p:nvPr>
-            <p:ph type="body" idx="1"/>
-          </p:nvPr>
-        </p:nvSpPr>
-        <p:spPr/>
-        <p:txBody>
-          <a:bodyPr/>
-          <a:lstStyle/>
-          <a:p>
-            <a:endParaRPr lang="en-US"/>
-          </a:p>
-        </p:txBody>
-      </p:sp>
-      <p:sp>
-        <p:nvSpPr>
-          <p:cNvPr id="4" name="Slide Number Placeholder 3"/>
-          <p:cNvSpPr>
-            <a:spLocks noGrp="1"/>
-          </p:cNvSpPr>
-          <p:nvPr>
-            <p:ph type="sldNum" sz="quarter" idx="10"/>
-          </p:nvPr>
-        </p:nvSpPr>
-        <p:spPr/>
-        <p:txBody>
-          <a:bodyPr/>
-          <a:lstStyle/>
-          <a:p>
-            <a:fld id="{F93199CD-3E1B-4AE6-990F-76F925F5EA9F}" type="slidenum">
-              <a:rPr lang="en-US" smtClean="0"/>
-              <a:t>3</a:t>
-            </a:fld>
-            <a:endParaRPr lang="en-US"/>
-          </a:p>
-        </p:txBody>
-      </p:sp>
-    </p:spTree>
-    <p:extLst>
-      <p:ext uri="{BB962C8B-B14F-4D97-AF65-F5344CB8AC3E}">
-        <p14:creationId xmlns:p14="http://schemas.microsoft.com/office/powerpoint/2010/main" val="2586394931"/>
-      </p:ext>
-    </p:extLst>
-  </p:cSld>
-  <p:clrMapOvr>
-    <a:masterClrMapping/>
-  </p:clrMapOvr>
-</p:notes>
-</file>
-
-<file path=ppt/notesSlides/notesSlide3.xml><?xml version="1.0" encoding="utf-8"?>
-<p:notes xmlns:a="http://schemas.openxmlformats.org/drawingml/2006/main" xmlns:r="http://schemas.openxmlformats.org/officeDocument/2006/relationships" xmlns:p="http://schemas.openxmlformats.org/presentationml/2006/main">
-  <p:cSld>
-    <p:spTree>
-      <p:nvGrpSpPr>
-        <p:cNvPr id="1" name=""/>
-        <p:cNvGrpSpPr/>
-        <p:nvPr/>
-      </p:nvGrpSpPr>
-      <p:grpSpPr>
-        <a:xfrm>
-          <a:off x="0" y="0"/>
-          <a:ext cx="0" cy="0"/>
-          <a:chOff x="0" y="0"/>
-          <a:chExt cx="0" cy="0"/>
-        </a:xfrm>
-      </p:grpSpPr>
-      <p:sp>
-        <p:nvSpPr>
-          <p:cNvPr id="2" name="Slide Image Placeholder 1"/>
-          <p:cNvSpPr>
-            <a:spLocks noGrp="1" noRot="1" noChangeAspect="1"/>
-          </p:cNvSpPr>
-          <p:nvPr>
-            <p:ph type="sldImg"/>
-          </p:nvPr>
-        </p:nvSpPr>
-        <p:spPr/>
-      </p:sp>
-      <p:sp>
-        <p:nvSpPr>
-          <p:cNvPr id="3" name="Notes Placeholder 2"/>
-          <p:cNvSpPr>
-            <a:spLocks noGrp="1"/>
-          </p:cNvSpPr>
-          <p:nvPr>
-            <p:ph type="body" idx="1"/>
-          </p:nvPr>
-        </p:nvSpPr>
-        <p:spPr/>
-        <p:txBody>
-          <a:bodyPr/>
-          <a:lstStyle/>
-          <a:p>
-            <a:endParaRPr lang="en-US"/>
-          </a:p>
-        </p:txBody>
-      </p:sp>
-      <p:sp>
-        <p:nvSpPr>
-          <p:cNvPr id="4" name="Slide Number Placeholder 3"/>
-          <p:cNvSpPr>
-            <a:spLocks noGrp="1"/>
-          </p:cNvSpPr>
-          <p:nvPr>
-            <p:ph type="sldNum" sz="quarter" idx="10"/>
-          </p:nvPr>
-        </p:nvSpPr>
-        <p:spPr/>
-        <p:txBody>
-          <a:bodyPr/>
-          <a:lstStyle/>
-          <a:p>
-            <a:fld id="{F93199CD-3E1B-4AE6-990F-76F925F5EA9F}" type="slidenum">
-              <a:rPr lang="en-US" smtClean="0"/>
-              <a:t>4</a:t>
-            </a:fld>
-            <a:endParaRPr lang="en-US"/>
-          </a:p>
-        </p:txBody>
-      </p:sp>
-    </p:spTree>
-    <p:extLst>
-      <p:ext uri="{BB962C8B-B14F-4D97-AF65-F5344CB8AC3E}">
-        <p14:creationId xmlns:p14="http://schemas.microsoft.com/office/powerpoint/2010/main" val="2554922987"/>
-      </p:ext>
-    </p:extLst>
-  </p:cSld>
-  <p:clrMapOvr>
-    <a:masterClrMapping/>
-  </p:clrMapOvr>
-</p:notes>
-</file>
-
-<file path=ppt/notesSlides/notesSlide4.xml><?xml version="1.0" encoding="utf-8"?>
-<p:notes xmlns:a="http://schemas.openxmlformats.org/drawingml/2006/main" xmlns:r="http://schemas.openxmlformats.org/officeDocument/2006/relationships" xmlns:p="http://schemas.openxmlformats.org/presentationml/2006/main">
-  <p:cSld>
-    <p:spTree>
-      <p:nvGrpSpPr>
-        <p:cNvPr id="1" name=""/>
-        <p:cNvGrpSpPr/>
-        <p:nvPr/>
-      </p:nvGrpSpPr>
-      <p:grpSpPr>
-        <a:xfrm>
-          <a:off x="0" y="0"/>
-          <a:ext cx="0" cy="0"/>
-          <a:chOff x="0" y="0"/>
-          <a:chExt cx="0" cy="0"/>
-        </a:xfrm>
-      </p:grpSpPr>
-      <p:sp>
-        <p:nvSpPr>
-          <p:cNvPr id="2" name="Slide Image Placeholder 1"/>
-          <p:cNvSpPr>
-            <a:spLocks noGrp="1" noRot="1" noChangeAspect="1"/>
-          </p:cNvSpPr>
-          <p:nvPr>
-            <p:ph type="sldImg"/>
-          </p:nvPr>
-        </p:nvSpPr>
-        <p:spPr/>
-      </p:sp>
-      <p:sp>
-        <p:nvSpPr>
-          <p:cNvPr id="3" name="Notes Placeholder 2"/>
-          <p:cNvSpPr>
-            <a:spLocks noGrp="1"/>
-          </p:cNvSpPr>
-          <p:nvPr>
-            <p:ph type="body" idx="1"/>
-          </p:nvPr>
-        </p:nvSpPr>
-        <p:spPr/>
-        <p:txBody>
-          <a:bodyPr/>
-          <a:lstStyle/>
-          <a:p>
-            <a:endParaRPr lang="en-US"/>
-          </a:p>
-        </p:txBody>
-      </p:sp>
-      <p:sp>
-        <p:nvSpPr>
-          <p:cNvPr id="4" name="Slide Number Placeholder 3"/>
-          <p:cNvSpPr>
-            <a:spLocks noGrp="1"/>
-          </p:cNvSpPr>
-          <p:nvPr>
-            <p:ph type="sldNum" sz="quarter" idx="10"/>
-          </p:nvPr>
-        </p:nvSpPr>
-        <p:spPr/>
-        <p:txBody>
-          <a:bodyPr/>
-          <a:lstStyle/>
-          <a:p>
-            <a:fld id="{F93199CD-3E1B-4AE6-990F-76F925F5EA9F}" type="slidenum">
-              <a:rPr lang="en-US" smtClean="0"/>
-              <a:t>5</a:t>
-            </a:fld>
-            <a:endParaRPr lang="en-US"/>
-          </a:p>
-        </p:txBody>
-      </p:sp>
-    </p:spTree>
-    <p:extLst>
-      <p:ext uri="{BB962C8B-B14F-4D97-AF65-F5344CB8AC3E}">
-        <p14:creationId xmlns:p14="http://schemas.microsoft.com/office/powerpoint/2010/main" val="673749994"/>
-      </p:ext>
-    </p:extLst>
-  </p:cSld>
-  <p:clrMapOvr>
-    <a:masterClrMapping/>
-  </p:clrMapOvr>
-</p:notes>
-</file>
-
-<file path=ppt/notesSlides/notesSlide5.xml><?xml version="1.0" encoding="utf-8"?>
-<p:notes xmlns:a="http://schemas.openxmlformats.org/drawingml/2006/main" xmlns:r="http://schemas.openxmlformats.org/officeDocument/2006/relationships" xmlns:p="http://schemas.openxmlformats.org/presentationml/2006/main">
-  <p:cSld>
-    <p:spTree>
-      <p:nvGrpSpPr>
-        <p:cNvPr id="1" name=""/>
-        <p:cNvGrpSpPr/>
-        <p:nvPr/>
-      </p:nvGrpSpPr>
-      <p:grpSpPr>
-        <a:xfrm>
-          <a:off x="0" y="0"/>
-          <a:ext cx="0" cy="0"/>
-          <a:chOff x="0" y="0"/>
-          <a:chExt cx="0" cy="0"/>
-        </a:xfrm>
-      </p:grpSpPr>
-      <p:sp>
-        <p:nvSpPr>
-          <p:cNvPr id="2" name="Slide Image Placeholder 1"/>
-          <p:cNvSpPr>
-            <a:spLocks noGrp="1" noRot="1" noChangeAspect="1"/>
-          </p:cNvSpPr>
-          <p:nvPr>
-            <p:ph type="sldImg"/>
-          </p:nvPr>
-        </p:nvSpPr>
-        <p:spPr/>
-      </p:sp>
-      <p:sp>
-        <p:nvSpPr>
-          <p:cNvPr id="3" name="Notes Placeholder 2"/>
-          <p:cNvSpPr>
-            <a:spLocks noGrp="1"/>
-          </p:cNvSpPr>
-          <p:nvPr>
-            <p:ph type="body" idx="1"/>
-          </p:nvPr>
-        </p:nvSpPr>
-        <p:spPr/>
-        <p:txBody>
-          <a:bodyPr/>
-          <a:lstStyle/>
-          <a:p>
-            <a:endParaRPr lang="en-US" dirty="0"/>
-          </a:p>
-        </p:txBody>
-      </p:sp>
-      <p:sp>
-        <p:nvSpPr>
-          <p:cNvPr id="4" name="Slide Number Placeholder 3"/>
-          <p:cNvSpPr>
-            <a:spLocks noGrp="1"/>
-          </p:cNvSpPr>
-          <p:nvPr>
-            <p:ph type="sldNum" sz="quarter" idx="10"/>
-          </p:nvPr>
-        </p:nvSpPr>
-        <p:spPr/>
-        <p:txBody>
-          <a:bodyPr/>
-          <a:lstStyle/>
-          <a:p>
-            <a:fld id="{F93199CD-3E1B-4AE6-990F-76F925F5EA9F}" type="slidenum">
-              <a:rPr lang="en-US" smtClean="0"/>
-              <a:t>6</a:t>
-            </a:fld>
-            <a:endParaRPr lang="en-US"/>
-          </a:p>
-        </p:txBody>
-      </p:sp>
-    </p:spTree>
-    <p:extLst>
-      <p:ext uri="{BB962C8B-B14F-4D97-AF65-F5344CB8AC3E}">
-        <p14:creationId xmlns:p14="http://schemas.microsoft.com/office/powerpoint/2010/main" val="24731803"/>
+        <p14:creationId xmlns:p14="http://schemas.microsoft.com/office/powerpoint/2010/main" xmlns="" val="3164564061"/>
       </p:ext>
     </p:extLst>
   </p:cSld>
@@ -2696,6 +2625,562 @@
           <a:bodyPr/>
           <a:lstStyle/>
           <a:p>
+            <a:endParaRPr lang="en-US"/>
+          </a:p>
+        </p:txBody>
+      </p:sp>
+      <p:sp>
+        <p:nvSpPr>
+          <p:cNvPr id="4" name="Slide Number Placeholder 3"/>
+          <p:cNvSpPr>
+            <a:spLocks noGrp="1"/>
+          </p:cNvSpPr>
+          <p:nvPr>
+            <p:ph type="sldNum" sz="quarter" idx="10"/>
+          </p:nvPr>
+        </p:nvSpPr>
+        <p:spPr/>
+        <p:txBody>
+          <a:bodyPr/>
+          <a:lstStyle/>
+          <a:p>
+            <a:fld id="{F93199CD-3E1B-4AE6-990F-76F925F5EA9F}" type="slidenum">
+              <a:rPr lang="en-US" smtClean="0"/>
+              <a:pPr/>
+              <a:t>7</a:t>
+            </a:fld>
+            <a:endParaRPr lang="en-US"/>
+          </a:p>
+        </p:txBody>
+      </p:sp>
+    </p:spTree>
+    <p:extLst>
+      <p:ext uri="{BB962C8B-B14F-4D97-AF65-F5344CB8AC3E}">
+        <p14:creationId xmlns:p14="http://schemas.microsoft.com/office/powerpoint/2010/main" xmlns="" val="1362585539"/>
+      </p:ext>
+    </p:extLst>
+  </p:cSld>
+  <p:clrMapOvr>
+    <a:masterClrMapping/>
+  </p:clrMapOvr>
+</p:notes>
+</file>
+
+<file path=ppt/notesSlides/notesSlide7.xml><?xml version="1.0" encoding="utf-8"?>
+<p:notes xmlns:a="http://schemas.openxmlformats.org/drawingml/2006/main" xmlns:r="http://schemas.openxmlformats.org/officeDocument/2006/relationships" xmlns:p="http://schemas.openxmlformats.org/presentationml/2006/main">
+  <p:cSld>
+    <p:spTree>
+      <p:nvGrpSpPr>
+        <p:cNvPr id="1" name=""/>
+        <p:cNvGrpSpPr/>
+        <p:nvPr/>
+      </p:nvGrpSpPr>
+      <p:grpSpPr>
+        <a:xfrm>
+          <a:off x="0" y="0"/>
+          <a:ext cx="0" cy="0"/>
+          <a:chOff x="0" y="0"/>
+          <a:chExt cx="0" cy="0"/>
+        </a:xfrm>
+      </p:grpSpPr>
+      <p:sp>
+        <p:nvSpPr>
+          <p:cNvPr id="2" name="Slide Image Placeholder 1"/>
+          <p:cNvSpPr>
+            <a:spLocks noGrp="1" noRot="1" noChangeAspect="1"/>
+          </p:cNvSpPr>
+          <p:nvPr>
+            <p:ph type="sldImg"/>
+          </p:nvPr>
+        </p:nvSpPr>
+        <p:spPr/>
+      </p:sp>
+      <p:sp>
+        <p:nvSpPr>
+          <p:cNvPr id="3" name="Notes Placeholder 2"/>
+          <p:cNvSpPr>
+            <a:spLocks noGrp="1"/>
+          </p:cNvSpPr>
+          <p:nvPr>
+            <p:ph type="body" idx="1"/>
+          </p:nvPr>
+        </p:nvSpPr>
+        <p:spPr/>
+        <p:txBody>
+          <a:bodyPr/>
+          <a:lstStyle/>
+          <a:p>
+            <a:pPr marL="0" marR="0" indent="0" algn="l" defTabSz="914400" rtl="0" eaLnBrk="1" fontAlgn="auto" latinLnBrk="0" hangingPunct="1">
+              <a:lnSpc>
+                <a:spcPct val="100000"/>
+              </a:lnSpc>
+              <a:spcBef>
+                <a:spcPts val="0"/>
+              </a:spcBef>
+              <a:spcAft>
+                <a:spcPts val="0"/>
+              </a:spcAft>
+              <a:buClrTx/>
+              <a:buSzTx/>
+              <a:buFontTx/>
+              <a:buNone/>
+              <a:tabLst/>
+              <a:defRPr/>
+            </a:pPr>
+            <a:r>
+              <a:rPr lang="es-AR" sz="1200" kern="1200" dirty="0" smtClean="0">
+                <a:solidFill>
+                  <a:schemeClr val="tx1"/>
+                </a:solidFill>
+                <a:effectLst/>
+                <a:latin typeface="+mn-lt"/>
+                <a:ea typeface="+mn-ea"/>
+                <a:cs typeface="+mn-cs"/>
+              </a:rPr>
+              <a:t>El siglo XXI se caracteriza por un cambio de la economía tradicional traída en la revolución industrial hacia una </a:t>
+            </a:r>
+            <a:r>
+              <a:rPr lang="es-AR" sz="1200" b="1" kern="1200" dirty="0" smtClean="0">
+                <a:solidFill>
+                  <a:schemeClr val="tx1"/>
+                </a:solidFill>
+                <a:effectLst/>
+                <a:latin typeface="+mn-lt"/>
+                <a:ea typeface="+mn-ea"/>
+                <a:cs typeface="+mn-cs"/>
+              </a:rPr>
+              <a:t>economía basada en la información.</a:t>
+            </a:r>
+            <a:r>
+              <a:rPr lang="es-AR" sz="1200" kern="1200" dirty="0" smtClean="0">
+                <a:solidFill>
+                  <a:schemeClr val="tx1"/>
+                </a:solidFill>
+                <a:effectLst/>
+                <a:latin typeface="+mn-lt"/>
+                <a:ea typeface="+mn-ea"/>
+                <a:cs typeface="+mn-cs"/>
+              </a:rPr>
+              <a:t> Durante esta era, la industria es capaz de explorar las necesidades personales de los consumidores, lo cual trae aparejado una reducción de costos tanto para los consumidores como para las empresas.</a:t>
+            </a:r>
+            <a:endParaRPr lang="en-US" sz="1200" kern="1200" dirty="0" smtClean="0">
+              <a:solidFill>
+                <a:schemeClr val="tx1"/>
+              </a:solidFill>
+              <a:effectLst/>
+              <a:latin typeface="+mn-lt"/>
+              <a:ea typeface="+mn-ea"/>
+              <a:cs typeface="+mn-cs"/>
+            </a:endParaRPr>
+          </a:p>
+          <a:p>
+            <a:r>
+              <a:rPr lang="es-AR" sz="1200" kern="1200" dirty="0" smtClean="0">
+                <a:solidFill>
+                  <a:schemeClr val="tx1"/>
+                </a:solidFill>
+                <a:effectLst/>
+                <a:latin typeface="+mn-lt"/>
+                <a:ea typeface="+mn-ea"/>
+                <a:cs typeface="+mn-cs"/>
+              </a:rPr>
+              <a:t>Durante este período, caracterizado por la miniaturización de las computadoras y la </a:t>
+            </a:r>
+            <a:r>
+              <a:rPr lang="es-AR" sz="1200" b="1" kern="1200" dirty="0" smtClean="0">
+                <a:solidFill>
+                  <a:schemeClr val="tx1"/>
+                </a:solidFill>
+                <a:effectLst/>
+                <a:latin typeface="+mn-lt"/>
+                <a:ea typeface="+mn-ea"/>
+                <a:cs typeface="+mn-cs"/>
+              </a:rPr>
+              <a:t>proliferación de internet </a:t>
+            </a:r>
+            <a:r>
+              <a:rPr lang="es-AR" sz="1200" kern="1200" dirty="0" smtClean="0">
+                <a:solidFill>
+                  <a:schemeClr val="tx1"/>
+                </a:solidFill>
+                <a:effectLst/>
+                <a:latin typeface="+mn-lt"/>
+                <a:ea typeface="+mn-ea"/>
+                <a:cs typeface="+mn-cs"/>
+              </a:rPr>
+              <a:t>desde el año 1990, la fuga de información se ve incrementada gracias a la rápida expansión de los medios de comunicación. Dado que existen más formas de comunicación que se utilizan dentro de las organizaciones, han emergido nuevas formas de fuga de información, como ser la mensajería instantánea, los correos electrónicos, la ingeniería social, etc.</a:t>
+            </a:r>
+            <a:endParaRPr lang="en-US" sz="1200" kern="1200" dirty="0" smtClean="0">
+              <a:solidFill>
+                <a:schemeClr val="tx1"/>
+              </a:solidFill>
+              <a:effectLst/>
+              <a:latin typeface="+mn-lt"/>
+              <a:ea typeface="+mn-ea"/>
+              <a:cs typeface="+mn-cs"/>
+            </a:endParaRPr>
+          </a:p>
+          <a:p>
+            <a:r>
+              <a:rPr lang="es-AR" sz="1200" kern="1200" dirty="0" smtClean="0">
+                <a:solidFill>
+                  <a:schemeClr val="tx1"/>
+                </a:solidFill>
+                <a:effectLst/>
+                <a:latin typeface="+mn-lt"/>
+                <a:ea typeface="+mn-ea"/>
+                <a:cs typeface="+mn-cs"/>
+              </a:rPr>
+              <a:t>En el campo de la </a:t>
+            </a:r>
+            <a:r>
+              <a:rPr lang="es-AR" sz="1200" b="1" kern="1200" dirty="0" smtClean="0">
+                <a:solidFill>
+                  <a:schemeClr val="tx1"/>
+                </a:solidFill>
+                <a:effectLst/>
+                <a:latin typeface="+mn-lt"/>
+                <a:ea typeface="+mn-ea"/>
+                <a:cs typeface="+mn-cs"/>
+              </a:rPr>
+              <a:t>medicina</a:t>
+            </a:r>
+            <a:r>
+              <a:rPr lang="es-AR" sz="1200" kern="1200" dirty="0" smtClean="0">
+                <a:solidFill>
+                  <a:schemeClr val="tx1"/>
+                </a:solidFill>
+                <a:effectLst/>
+                <a:latin typeface="+mn-lt"/>
+                <a:ea typeface="+mn-ea"/>
+                <a:cs typeface="+mn-cs"/>
+              </a:rPr>
+              <a:t>, la situación es crítica. La información clínica de los pacientes es almacenada electrónicamente, y esto permite que las autoridades envíen registros de enfermedades a investigadores; en muchas ocasiones esto incluye los nombres y direcciones de los pacientes, sin su consentimiento explícito.</a:t>
+            </a:r>
+            <a:endParaRPr lang="en-US" sz="1200" kern="1200" dirty="0" smtClean="0">
+              <a:solidFill>
+                <a:schemeClr val="tx1"/>
+              </a:solidFill>
+              <a:effectLst/>
+              <a:latin typeface="+mn-lt"/>
+              <a:ea typeface="+mn-ea"/>
+              <a:cs typeface="+mn-cs"/>
+            </a:endParaRPr>
+          </a:p>
+          <a:p>
+            <a:r>
+              <a:rPr lang="es-AR" sz="1200" kern="1200" dirty="0" smtClean="0">
+                <a:solidFill>
+                  <a:schemeClr val="tx1"/>
+                </a:solidFill>
+                <a:effectLst/>
+                <a:latin typeface="+mn-lt"/>
+                <a:ea typeface="+mn-ea"/>
+                <a:cs typeface="+mn-cs"/>
+              </a:rPr>
+              <a:t>El </a:t>
+            </a:r>
+            <a:r>
+              <a:rPr lang="es-AR" sz="1200" b="1" kern="1200" dirty="0" smtClean="0">
+                <a:solidFill>
+                  <a:schemeClr val="tx1"/>
+                </a:solidFill>
+                <a:effectLst/>
+                <a:latin typeface="+mn-lt"/>
+                <a:ea typeface="+mn-ea"/>
+                <a:cs typeface="+mn-cs"/>
+              </a:rPr>
+              <a:t>principal capital de las empresas tecnológicas</a:t>
+            </a:r>
+            <a:r>
+              <a:rPr lang="es-AR" sz="1200" kern="1200" dirty="0" smtClean="0">
+                <a:solidFill>
+                  <a:schemeClr val="tx1"/>
+                </a:solidFill>
+                <a:effectLst/>
+                <a:latin typeface="+mn-lt"/>
+                <a:ea typeface="+mn-ea"/>
+                <a:cs typeface="+mn-cs"/>
+              </a:rPr>
+              <a:t> lo conforman los bienes o activos intangibles: información, conocimientos, algoritmos, fórmulas, invenciones, procesos, estrategia comercial y bases de datos, entre otros. Las organizaciones del siglo XXI deben estar preparadas para los siguientes desafíos: </a:t>
+            </a:r>
+            <a:endParaRPr lang="en-US" sz="1200" kern="1200" dirty="0" smtClean="0">
+              <a:solidFill>
+                <a:schemeClr val="tx1"/>
+              </a:solidFill>
+              <a:effectLst/>
+              <a:latin typeface="+mn-lt"/>
+              <a:ea typeface="+mn-ea"/>
+              <a:cs typeface="+mn-cs"/>
+            </a:endParaRPr>
+          </a:p>
+          <a:p>
+            <a:pPr lvl="0"/>
+            <a:r>
+              <a:rPr lang="es-AR" sz="1200" u="none" strike="noStrike" kern="1200" dirty="0" smtClean="0">
+                <a:solidFill>
+                  <a:schemeClr val="tx1"/>
+                </a:solidFill>
+                <a:effectLst/>
+                <a:latin typeface="+mn-lt"/>
+                <a:ea typeface="+mn-ea"/>
+                <a:cs typeface="+mn-cs"/>
+              </a:rPr>
+              <a:t>Manejar y procesar grandes volúmenes de información diversa a alta velocidad. </a:t>
+            </a:r>
+            <a:endParaRPr lang="en-US" sz="1200" u="none" strike="noStrike" kern="1200" dirty="0" smtClean="0">
+              <a:solidFill>
+                <a:schemeClr val="tx1"/>
+              </a:solidFill>
+              <a:effectLst/>
+              <a:latin typeface="+mn-lt"/>
+              <a:ea typeface="+mn-ea"/>
+              <a:cs typeface="+mn-cs"/>
+            </a:endParaRPr>
+          </a:p>
+          <a:p>
+            <a:pPr lvl="0"/>
+            <a:r>
+              <a:rPr lang="es-AR" sz="1200" u="none" strike="noStrike" kern="1200" dirty="0" smtClean="0">
+                <a:solidFill>
+                  <a:schemeClr val="tx1"/>
+                </a:solidFill>
+                <a:effectLst/>
+                <a:latin typeface="+mn-lt"/>
+                <a:ea typeface="+mn-ea"/>
+                <a:cs typeface="+mn-cs"/>
+              </a:rPr>
+              <a:t>Analizar datos estructurados y no estructurados, tanto dentro como fuera de sus redes.</a:t>
+            </a:r>
+            <a:endParaRPr lang="en-US" sz="1200" u="none" strike="noStrike" kern="1200" dirty="0" smtClean="0">
+              <a:solidFill>
+                <a:schemeClr val="tx1"/>
+              </a:solidFill>
+              <a:effectLst/>
+              <a:latin typeface="+mn-lt"/>
+              <a:ea typeface="+mn-ea"/>
+              <a:cs typeface="+mn-cs"/>
+            </a:endParaRPr>
+          </a:p>
+          <a:p>
+            <a:pPr lvl="0"/>
+            <a:r>
+              <a:rPr lang="es-AR" sz="1200" u="none" strike="noStrike" kern="1200" dirty="0" smtClean="0">
+                <a:solidFill>
+                  <a:schemeClr val="tx1"/>
+                </a:solidFill>
+                <a:effectLst/>
+                <a:latin typeface="+mn-lt"/>
+                <a:ea typeface="+mn-ea"/>
+                <a:cs typeface="+mn-cs"/>
+              </a:rPr>
+              <a:t>Monitorear eventos en entornos de nube, móviles y virtuales.</a:t>
+            </a:r>
+            <a:endParaRPr lang="en-US" sz="1200" u="none" strike="noStrike" kern="1200" dirty="0" smtClean="0">
+              <a:solidFill>
+                <a:schemeClr val="tx1"/>
+              </a:solidFill>
+              <a:effectLst/>
+              <a:latin typeface="+mn-lt"/>
+              <a:ea typeface="+mn-ea"/>
+              <a:cs typeface="+mn-cs"/>
+            </a:endParaRPr>
+          </a:p>
+          <a:p>
+            <a:pPr lvl="0"/>
+            <a:r>
+              <a:rPr lang="es-AR" sz="1200" u="none" strike="noStrike" kern="1200" dirty="0" smtClean="0">
+                <a:solidFill>
+                  <a:schemeClr val="tx1"/>
+                </a:solidFill>
+                <a:effectLst/>
+                <a:latin typeface="+mn-lt"/>
+                <a:ea typeface="+mn-ea"/>
+                <a:cs typeface="+mn-cs"/>
+              </a:rPr>
+              <a:t>Adoptar acciones automáticamente cuando se detecta una amenaza.</a:t>
+            </a:r>
+            <a:endParaRPr lang="en-US" sz="1200" u="none" strike="noStrike" kern="1200" dirty="0" smtClean="0">
+              <a:solidFill>
+                <a:schemeClr val="tx1"/>
+              </a:solidFill>
+              <a:effectLst/>
+              <a:latin typeface="+mn-lt"/>
+              <a:ea typeface="+mn-ea"/>
+              <a:cs typeface="+mn-cs"/>
+            </a:endParaRPr>
+          </a:p>
+          <a:p>
+            <a:endParaRPr lang="en-US" dirty="0"/>
+          </a:p>
+        </p:txBody>
+      </p:sp>
+      <p:sp>
+        <p:nvSpPr>
+          <p:cNvPr id="4" name="Slide Number Placeholder 3"/>
+          <p:cNvSpPr>
+            <a:spLocks noGrp="1"/>
+          </p:cNvSpPr>
+          <p:nvPr>
+            <p:ph type="sldNum" sz="quarter" idx="10"/>
+          </p:nvPr>
+        </p:nvSpPr>
+        <p:spPr/>
+        <p:txBody>
+          <a:bodyPr/>
+          <a:lstStyle/>
+          <a:p>
+            <a:fld id="{F93199CD-3E1B-4AE6-990F-76F925F5EA9F}" type="slidenum">
+              <a:rPr lang="en-US" smtClean="0"/>
+              <a:pPr/>
+              <a:t>10</a:t>
+            </a:fld>
+            <a:endParaRPr lang="en-US"/>
+          </a:p>
+        </p:txBody>
+      </p:sp>
+    </p:spTree>
+    <p:extLst>
+      <p:ext uri="{BB962C8B-B14F-4D97-AF65-F5344CB8AC3E}">
+        <p14:creationId xmlns:p14="http://schemas.microsoft.com/office/powerpoint/2010/main" xmlns="" val="3805029774"/>
+      </p:ext>
+    </p:extLst>
+  </p:cSld>
+  <p:clrMapOvr>
+    <a:masterClrMapping/>
+  </p:clrMapOvr>
+</p:notes>
+</file>
+
+<file path=ppt/notesSlides/notesSlide8.xml><?xml version="1.0" encoding="utf-8"?>
+<p:notes xmlns:a="http://schemas.openxmlformats.org/drawingml/2006/main" xmlns:r="http://schemas.openxmlformats.org/officeDocument/2006/relationships" xmlns:p="http://schemas.openxmlformats.org/presentationml/2006/main">
+  <p:cSld>
+    <p:spTree>
+      <p:nvGrpSpPr>
+        <p:cNvPr id="1" name=""/>
+        <p:cNvGrpSpPr/>
+        <p:nvPr/>
+      </p:nvGrpSpPr>
+      <p:grpSpPr>
+        <a:xfrm>
+          <a:off x="0" y="0"/>
+          <a:ext cx="0" cy="0"/>
+          <a:chOff x="0" y="0"/>
+          <a:chExt cx="0" cy="0"/>
+        </a:xfrm>
+      </p:grpSpPr>
+      <p:sp>
+        <p:nvSpPr>
+          <p:cNvPr id="2" name="Slide Image Placeholder 1"/>
+          <p:cNvSpPr>
+            <a:spLocks noGrp="1" noRot="1" noChangeAspect="1"/>
+          </p:cNvSpPr>
+          <p:nvPr>
+            <p:ph type="sldImg"/>
+          </p:nvPr>
+        </p:nvSpPr>
+        <p:spPr/>
+      </p:sp>
+      <p:sp>
+        <p:nvSpPr>
+          <p:cNvPr id="3" name="Notes Placeholder 2"/>
+          <p:cNvSpPr>
+            <a:spLocks noGrp="1"/>
+          </p:cNvSpPr>
+          <p:nvPr>
+            <p:ph type="body" idx="1"/>
+          </p:nvPr>
+        </p:nvSpPr>
+        <p:spPr/>
+        <p:txBody>
+          <a:bodyPr/>
+          <a:lstStyle/>
+          <a:p>
+            <a:endParaRPr lang="en-US" dirty="0"/>
+          </a:p>
+        </p:txBody>
+      </p:sp>
+      <p:sp>
+        <p:nvSpPr>
+          <p:cNvPr id="4" name="Slide Number Placeholder 3"/>
+          <p:cNvSpPr>
+            <a:spLocks noGrp="1"/>
+          </p:cNvSpPr>
+          <p:nvPr>
+            <p:ph type="sldNum" sz="quarter" idx="10"/>
+          </p:nvPr>
+        </p:nvSpPr>
+        <p:spPr/>
+        <p:txBody>
+          <a:bodyPr/>
+          <a:lstStyle/>
+          <a:p>
+            <a:fld id="{F93199CD-3E1B-4AE6-990F-76F925F5EA9F}" type="slidenum">
+              <a:rPr lang="en-US" smtClean="0"/>
+              <a:pPr/>
+              <a:t>11</a:t>
+            </a:fld>
+            <a:endParaRPr lang="en-US"/>
+          </a:p>
+        </p:txBody>
+      </p:sp>
+    </p:spTree>
+    <p:extLst>
+      <p:ext uri="{BB962C8B-B14F-4D97-AF65-F5344CB8AC3E}">
+        <p14:creationId xmlns:p14="http://schemas.microsoft.com/office/powerpoint/2010/main" xmlns="" val="655676726"/>
+      </p:ext>
+    </p:extLst>
+  </p:cSld>
+  <p:clrMapOvr>
+    <a:masterClrMapping/>
+  </p:clrMapOvr>
+</p:notes>
+</file>
+
+<file path=ppt/notesSlides/notesSlide9.xml><?xml version="1.0" encoding="utf-8"?>
+<p:notes xmlns:a="http://schemas.openxmlformats.org/drawingml/2006/main" xmlns:r="http://schemas.openxmlformats.org/officeDocument/2006/relationships" xmlns:p="http://schemas.openxmlformats.org/presentationml/2006/main">
+  <p:cSld>
+    <p:spTree>
+      <p:nvGrpSpPr>
+        <p:cNvPr id="1" name=""/>
+        <p:cNvGrpSpPr/>
+        <p:nvPr/>
+      </p:nvGrpSpPr>
+      <p:grpSpPr>
+        <a:xfrm>
+          <a:off x="0" y="0"/>
+          <a:ext cx="0" cy="0"/>
+          <a:chOff x="0" y="0"/>
+          <a:chExt cx="0" cy="0"/>
+        </a:xfrm>
+      </p:grpSpPr>
+      <p:sp>
+        <p:nvSpPr>
+          <p:cNvPr id="2" name="Slide Image Placeholder 1"/>
+          <p:cNvSpPr>
+            <a:spLocks noGrp="1" noRot="1" noChangeAspect="1"/>
+          </p:cNvSpPr>
+          <p:nvPr>
+            <p:ph type="sldImg"/>
+          </p:nvPr>
+        </p:nvSpPr>
+        <p:spPr/>
+      </p:sp>
+      <p:sp>
+        <p:nvSpPr>
+          <p:cNvPr id="3" name="Notes Placeholder 2"/>
+          <p:cNvSpPr>
+            <a:spLocks noGrp="1"/>
+          </p:cNvSpPr>
+          <p:nvPr>
+            <p:ph type="body" idx="1"/>
+          </p:nvPr>
+        </p:nvSpPr>
+        <p:spPr/>
+        <p:txBody>
+          <a:bodyPr/>
+          <a:lstStyle/>
+          <a:p>
             <a:r>
               <a:rPr lang="es-AR" sz="1200" kern="1200" dirty="0" smtClean="0">
                 <a:solidFill>
@@ -3169,7 +3654,8 @@
           <a:p>
             <a:fld id="{F93199CD-3E1B-4AE6-990F-76F925F5EA9F}" type="slidenum">
               <a:rPr lang="en-US" smtClean="0"/>
-              <a:t>7</a:t>
+              <a:pPr/>
+              <a:t>12</a:t>
             </a:fld>
             <a:endParaRPr lang="en-US"/>
           </a:p>
@@ -3178,560 +3664,7 @@
     </p:spTree>
     <p:extLst>
       <p:ext uri="{BB962C8B-B14F-4D97-AF65-F5344CB8AC3E}">
-        <p14:creationId xmlns:p14="http://schemas.microsoft.com/office/powerpoint/2010/main" val="3164564061"/>
-      </p:ext>
-    </p:extLst>
-  </p:cSld>
-  <p:clrMapOvr>
-    <a:masterClrMapping/>
-  </p:clrMapOvr>
-</p:notes>
-</file>
-
-<file path=ppt/notesSlides/notesSlide7.xml><?xml version="1.0" encoding="utf-8"?>
-<p:notes xmlns:a="http://schemas.openxmlformats.org/drawingml/2006/main" xmlns:r="http://schemas.openxmlformats.org/officeDocument/2006/relationships" xmlns:p="http://schemas.openxmlformats.org/presentationml/2006/main">
-  <p:cSld>
-    <p:spTree>
-      <p:nvGrpSpPr>
-        <p:cNvPr id="1" name=""/>
-        <p:cNvGrpSpPr/>
-        <p:nvPr/>
-      </p:nvGrpSpPr>
-      <p:grpSpPr>
-        <a:xfrm>
-          <a:off x="0" y="0"/>
-          <a:ext cx="0" cy="0"/>
-          <a:chOff x="0" y="0"/>
-          <a:chExt cx="0" cy="0"/>
-        </a:xfrm>
-      </p:grpSpPr>
-      <p:sp>
-        <p:nvSpPr>
-          <p:cNvPr id="2" name="Slide Image Placeholder 1"/>
-          <p:cNvSpPr>
-            <a:spLocks noGrp="1" noRot="1" noChangeAspect="1"/>
-          </p:cNvSpPr>
-          <p:nvPr>
-            <p:ph type="sldImg"/>
-          </p:nvPr>
-        </p:nvSpPr>
-        <p:spPr/>
-      </p:sp>
-      <p:sp>
-        <p:nvSpPr>
-          <p:cNvPr id="3" name="Notes Placeholder 2"/>
-          <p:cNvSpPr>
-            <a:spLocks noGrp="1"/>
-          </p:cNvSpPr>
-          <p:nvPr>
-            <p:ph type="body" idx="1"/>
-          </p:nvPr>
-        </p:nvSpPr>
-        <p:spPr/>
-        <p:txBody>
-          <a:bodyPr/>
-          <a:lstStyle/>
-          <a:p>
-            <a:endParaRPr lang="en-US"/>
-          </a:p>
-        </p:txBody>
-      </p:sp>
-      <p:sp>
-        <p:nvSpPr>
-          <p:cNvPr id="4" name="Slide Number Placeholder 3"/>
-          <p:cNvSpPr>
-            <a:spLocks noGrp="1"/>
-          </p:cNvSpPr>
-          <p:nvPr>
-            <p:ph type="sldNum" sz="quarter" idx="10"/>
-          </p:nvPr>
-        </p:nvSpPr>
-        <p:spPr/>
-        <p:txBody>
-          <a:bodyPr/>
-          <a:lstStyle/>
-          <a:p>
-            <a:fld id="{F93199CD-3E1B-4AE6-990F-76F925F5EA9F}" type="slidenum">
-              <a:rPr lang="en-US" smtClean="0"/>
-              <a:t>8</a:t>
-            </a:fld>
-            <a:endParaRPr lang="en-US"/>
-          </a:p>
-        </p:txBody>
-      </p:sp>
-    </p:spTree>
-    <p:extLst>
-      <p:ext uri="{BB962C8B-B14F-4D97-AF65-F5344CB8AC3E}">
-        <p14:creationId xmlns:p14="http://schemas.microsoft.com/office/powerpoint/2010/main" val="1362585539"/>
-      </p:ext>
-    </p:extLst>
-  </p:cSld>
-  <p:clrMapOvr>
-    <a:masterClrMapping/>
-  </p:clrMapOvr>
-</p:notes>
-</file>
-
-<file path=ppt/notesSlides/notesSlide8.xml><?xml version="1.0" encoding="utf-8"?>
-<p:notes xmlns:a="http://schemas.openxmlformats.org/drawingml/2006/main" xmlns:r="http://schemas.openxmlformats.org/officeDocument/2006/relationships" xmlns:p="http://schemas.openxmlformats.org/presentationml/2006/main">
-  <p:cSld>
-    <p:spTree>
-      <p:nvGrpSpPr>
-        <p:cNvPr id="1" name=""/>
-        <p:cNvGrpSpPr/>
-        <p:nvPr/>
-      </p:nvGrpSpPr>
-      <p:grpSpPr>
-        <a:xfrm>
-          <a:off x="0" y="0"/>
-          <a:ext cx="0" cy="0"/>
-          <a:chOff x="0" y="0"/>
-          <a:chExt cx="0" cy="0"/>
-        </a:xfrm>
-      </p:grpSpPr>
-      <p:sp>
-        <p:nvSpPr>
-          <p:cNvPr id="2" name="Slide Image Placeholder 1"/>
-          <p:cNvSpPr>
-            <a:spLocks noGrp="1" noRot="1" noChangeAspect="1"/>
-          </p:cNvSpPr>
-          <p:nvPr>
-            <p:ph type="sldImg"/>
-          </p:nvPr>
-        </p:nvSpPr>
-        <p:spPr/>
-      </p:sp>
-      <p:sp>
-        <p:nvSpPr>
-          <p:cNvPr id="3" name="Notes Placeholder 2"/>
-          <p:cNvSpPr>
-            <a:spLocks noGrp="1"/>
-          </p:cNvSpPr>
-          <p:nvPr>
-            <p:ph type="body" idx="1"/>
-          </p:nvPr>
-        </p:nvSpPr>
-        <p:spPr/>
-        <p:txBody>
-          <a:bodyPr/>
-          <a:lstStyle/>
-          <a:p>
-            <a:pPr marL="0" marR="0" indent="0" algn="l" defTabSz="914400" rtl="0" eaLnBrk="1" fontAlgn="auto" latinLnBrk="0" hangingPunct="1">
-              <a:lnSpc>
-                <a:spcPct val="100000"/>
-              </a:lnSpc>
-              <a:spcBef>
-                <a:spcPts val="0"/>
-              </a:spcBef>
-              <a:spcAft>
-                <a:spcPts val="0"/>
-              </a:spcAft>
-              <a:buClrTx/>
-              <a:buSzTx/>
-              <a:buFontTx/>
-              <a:buNone/>
-              <a:tabLst/>
-              <a:defRPr/>
-            </a:pPr>
-            <a:r>
-              <a:rPr lang="es-AR" sz="1200" kern="1200" dirty="0" smtClean="0">
-                <a:solidFill>
-                  <a:schemeClr val="tx1"/>
-                </a:solidFill>
-                <a:effectLst/>
-                <a:latin typeface="+mn-lt"/>
-                <a:ea typeface="+mn-ea"/>
-                <a:cs typeface="+mn-cs"/>
-              </a:rPr>
-              <a:t>El siglo XXI se caracteriza por un cambio de la economía tradicional traída en la revolución industrial hacia una </a:t>
-            </a:r>
-            <a:r>
-              <a:rPr lang="es-AR" sz="1200" b="1" kern="1200" dirty="0" smtClean="0">
-                <a:solidFill>
-                  <a:schemeClr val="tx1"/>
-                </a:solidFill>
-                <a:effectLst/>
-                <a:latin typeface="+mn-lt"/>
-                <a:ea typeface="+mn-ea"/>
-                <a:cs typeface="+mn-cs"/>
-              </a:rPr>
-              <a:t>economía basada en la información.</a:t>
-            </a:r>
-            <a:r>
-              <a:rPr lang="es-AR" sz="1200" kern="1200" dirty="0" smtClean="0">
-                <a:solidFill>
-                  <a:schemeClr val="tx1"/>
-                </a:solidFill>
-                <a:effectLst/>
-                <a:latin typeface="+mn-lt"/>
-                <a:ea typeface="+mn-ea"/>
-                <a:cs typeface="+mn-cs"/>
-              </a:rPr>
-              <a:t> Durante esta era, la industria es capaz de explorar las necesidades personales de los consumidores, lo cual trae aparejado una reducción de costos tanto para los consumidores como para las empresas.</a:t>
-            </a:r>
-            <a:endParaRPr lang="en-US" sz="1200" kern="1200" dirty="0" smtClean="0">
-              <a:solidFill>
-                <a:schemeClr val="tx1"/>
-              </a:solidFill>
-              <a:effectLst/>
-              <a:latin typeface="+mn-lt"/>
-              <a:ea typeface="+mn-ea"/>
-              <a:cs typeface="+mn-cs"/>
-            </a:endParaRPr>
-          </a:p>
-          <a:p>
-            <a:r>
-              <a:rPr lang="es-AR" sz="1200" kern="1200" dirty="0" smtClean="0">
-                <a:solidFill>
-                  <a:schemeClr val="tx1"/>
-                </a:solidFill>
-                <a:effectLst/>
-                <a:latin typeface="+mn-lt"/>
-                <a:ea typeface="+mn-ea"/>
-                <a:cs typeface="+mn-cs"/>
-              </a:rPr>
-              <a:t>Durante este período, caracterizado por la miniaturización de las computadoras y la </a:t>
-            </a:r>
-            <a:r>
-              <a:rPr lang="es-AR" sz="1200" b="1" kern="1200" dirty="0" smtClean="0">
-                <a:solidFill>
-                  <a:schemeClr val="tx1"/>
-                </a:solidFill>
-                <a:effectLst/>
-                <a:latin typeface="+mn-lt"/>
-                <a:ea typeface="+mn-ea"/>
-                <a:cs typeface="+mn-cs"/>
-              </a:rPr>
-              <a:t>proliferación de internet </a:t>
-            </a:r>
-            <a:r>
-              <a:rPr lang="es-AR" sz="1200" kern="1200" dirty="0" smtClean="0">
-                <a:solidFill>
-                  <a:schemeClr val="tx1"/>
-                </a:solidFill>
-                <a:effectLst/>
-                <a:latin typeface="+mn-lt"/>
-                <a:ea typeface="+mn-ea"/>
-                <a:cs typeface="+mn-cs"/>
-              </a:rPr>
-              <a:t>desde el año 1990, la fuga de información se ve incrementada gracias a la rápida expansión de los medios de comunicación. Dado que existen más formas de comunicación que se utilizan dentro de las organizaciones, han emergido nuevas formas de fuga de información, como ser la mensajería instantánea, los correos electrónicos, la ingeniería social, etc.</a:t>
-            </a:r>
-            <a:endParaRPr lang="en-US" sz="1200" kern="1200" dirty="0" smtClean="0">
-              <a:solidFill>
-                <a:schemeClr val="tx1"/>
-              </a:solidFill>
-              <a:effectLst/>
-              <a:latin typeface="+mn-lt"/>
-              <a:ea typeface="+mn-ea"/>
-              <a:cs typeface="+mn-cs"/>
-            </a:endParaRPr>
-          </a:p>
-          <a:p>
-            <a:r>
-              <a:rPr lang="es-AR" sz="1200" kern="1200" dirty="0" smtClean="0">
-                <a:solidFill>
-                  <a:schemeClr val="tx1"/>
-                </a:solidFill>
-                <a:effectLst/>
-                <a:latin typeface="+mn-lt"/>
-                <a:ea typeface="+mn-ea"/>
-                <a:cs typeface="+mn-cs"/>
-              </a:rPr>
-              <a:t>En el campo de la </a:t>
-            </a:r>
-            <a:r>
-              <a:rPr lang="es-AR" sz="1200" b="1" kern="1200" dirty="0" smtClean="0">
-                <a:solidFill>
-                  <a:schemeClr val="tx1"/>
-                </a:solidFill>
-                <a:effectLst/>
-                <a:latin typeface="+mn-lt"/>
-                <a:ea typeface="+mn-ea"/>
-                <a:cs typeface="+mn-cs"/>
-              </a:rPr>
-              <a:t>medicina</a:t>
-            </a:r>
-            <a:r>
-              <a:rPr lang="es-AR" sz="1200" kern="1200" dirty="0" smtClean="0">
-                <a:solidFill>
-                  <a:schemeClr val="tx1"/>
-                </a:solidFill>
-                <a:effectLst/>
-                <a:latin typeface="+mn-lt"/>
-                <a:ea typeface="+mn-ea"/>
-                <a:cs typeface="+mn-cs"/>
-              </a:rPr>
-              <a:t>, la situación es crítica. La información clínica de los pacientes es almacenada electrónicamente, y esto permite que las autoridades envíen registros de enfermedades a investigadores; en muchas ocasiones esto incluye los nombres y direcciones de los pacientes, sin su consentimiento explícito.</a:t>
-            </a:r>
-            <a:endParaRPr lang="en-US" sz="1200" kern="1200" dirty="0" smtClean="0">
-              <a:solidFill>
-                <a:schemeClr val="tx1"/>
-              </a:solidFill>
-              <a:effectLst/>
-              <a:latin typeface="+mn-lt"/>
-              <a:ea typeface="+mn-ea"/>
-              <a:cs typeface="+mn-cs"/>
-            </a:endParaRPr>
-          </a:p>
-          <a:p>
-            <a:r>
-              <a:rPr lang="es-AR" sz="1200" kern="1200" dirty="0" smtClean="0">
-                <a:solidFill>
-                  <a:schemeClr val="tx1"/>
-                </a:solidFill>
-                <a:effectLst/>
-                <a:latin typeface="+mn-lt"/>
-                <a:ea typeface="+mn-ea"/>
-                <a:cs typeface="+mn-cs"/>
-              </a:rPr>
-              <a:t>El </a:t>
-            </a:r>
-            <a:r>
-              <a:rPr lang="es-AR" sz="1200" b="1" kern="1200" dirty="0" smtClean="0">
-                <a:solidFill>
-                  <a:schemeClr val="tx1"/>
-                </a:solidFill>
-                <a:effectLst/>
-                <a:latin typeface="+mn-lt"/>
-                <a:ea typeface="+mn-ea"/>
-                <a:cs typeface="+mn-cs"/>
-              </a:rPr>
-              <a:t>principal capital de las empresas tecnológicas</a:t>
-            </a:r>
-            <a:r>
-              <a:rPr lang="es-AR" sz="1200" kern="1200" dirty="0" smtClean="0">
-                <a:solidFill>
-                  <a:schemeClr val="tx1"/>
-                </a:solidFill>
-                <a:effectLst/>
-                <a:latin typeface="+mn-lt"/>
-                <a:ea typeface="+mn-ea"/>
-                <a:cs typeface="+mn-cs"/>
-              </a:rPr>
-              <a:t> lo conforman los bienes o activos intangibles: información, conocimientos, algoritmos, fórmulas, invenciones, procesos, estrategia comercial y bases de datos, entre otros. Las organizaciones del siglo XXI deben estar preparadas para los siguientes desafíos: </a:t>
-            </a:r>
-            <a:endParaRPr lang="en-US" sz="1200" kern="1200" dirty="0" smtClean="0">
-              <a:solidFill>
-                <a:schemeClr val="tx1"/>
-              </a:solidFill>
-              <a:effectLst/>
-              <a:latin typeface="+mn-lt"/>
-              <a:ea typeface="+mn-ea"/>
-              <a:cs typeface="+mn-cs"/>
-            </a:endParaRPr>
-          </a:p>
-          <a:p>
-            <a:pPr lvl="0"/>
-            <a:r>
-              <a:rPr lang="es-AR" sz="1200" u="none" strike="noStrike" kern="1200" dirty="0" smtClean="0">
-                <a:solidFill>
-                  <a:schemeClr val="tx1"/>
-                </a:solidFill>
-                <a:effectLst/>
-                <a:latin typeface="+mn-lt"/>
-                <a:ea typeface="+mn-ea"/>
-                <a:cs typeface="+mn-cs"/>
-              </a:rPr>
-              <a:t>Manejar y procesar grandes volúmenes de información diversa a alta velocidad. </a:t>
-            </a:r>
-            <a:endParaRPr lang="en-US" sz="1200" u="none" strike="noStrike" kern="1200" dirty="0" smtClean="0">
-              <a:solidFill>
-                <a:schemeClr val="tx1"/>
-              </a:solidFill>
-              <a:effectLst/>
-              <a:latin typeface="+mn-lt"/>
-              <a:ea typeface="+mn-ea"/>
-              <a:cs typeface="+mn-cs"/>
-            </a:endParaRPr>
-          </a:p>
-          <a:p>
-            <a:pPr lvl="0"/>
-            <a:r>
-              <a:rPr lang="es-AR" sz="1200" u="none" strike="noStrike" kern="1200" dirty="0" smtClean="0">
-                <a:solidFill>
-                  <a:schemeClr val="tx1"/>
-                </a:solidFill>
-                <a:effectLst/>
-                <a:latin typeface="+mn-lt"/>
-                <a:ea typeface="+mn-ea"/>
-                <a:cs typeface="+mn-cs"/>
-              </a:rPr>
-              <a:t>Analizar datos estructurados y no estructurados, tanto dentro como fuera de sus redes.</a:t>
-            </a:r>
-            <a:endParaRPr lang="en-US" sz="1200" u="none" strike="noStrike" kern="1200" dirty="0" smtClean="0">
-              <a:solidFill>
-                <a:schemeClr val="tx1"/>
-              </a:solidFill>
-              <a:effectLst/>
-              <a:latin typeface="+mn-lt"/>
-              <a:ea typeface="+mn-ea"/>
-              <a:cs typeface="+mn-cs"/>
-            </a:endParaRPr>
-          </a:p>
-          <a:p>
-            <a:pPr lvl="0"/>
-            <a:r>
-              <a:rPr lang="es-AR" sz="1200" u="none" strike="noStrike" kern="1200" dirty="0" smtClean="0">
-                <a:solidFill>
-                  <a:schemeClr val="tx1"/>
-                </a:solidFill>
-                <a:effectLst/>
-                <a:latin typeface="+mn-lt"/>
-                <a:ea typeface="+mn-ea"/>
-                <a:cs typeface="+mn-cs"/>
-              </a:rPr>
-              <a:t>Monitorear eventos en entornos de nube, móviles y virtuales.</a:t>
-            </a:r>
-            <a:endParaRPr lang="en-US" sz="1200" u="none" strike="noStrike" kern="1200" dirty="0" smtClean="0">
-              <a:solidFill>
-                <a:schemeClr val="tx1"/>
-              </a:solidFill>
-              <a:effectLst/>
-              <a:latin typeface="+mn-lt"/>
-              <a:ea typeface="+mn-ea"/>
-              <a:cs typeface="+mn-cs"/>
-            </a:endParaRPr>
-          </a:p>
-          <a:p>
-            <a:pPr lvl="0"/>
-            <a:r>
-              <a:rPr lang="es-AR" sz="1200" u="none" strike="noStrike" kern="1200" dirty="0" smtClean="0">
-                <a:solidFill>
-                  <a:schemeClr val="tx1"/>
-                </a:solidFill>
-                <a:effectLst/>
-                <a:latin typeface="+mn-lt"/>
-                <a:ea typeface="+mn-ea"/>
-                <a:cs typeface="+mn-cs"/>
-              </a:rPr>
-              <a:t>Adoptar acciones automáticamente cuando se detecta una amenaza.</a:t>
-            </a:r>
-            <a:endParaRPr lang="en-US" sz="1200" u="none" strike="noStrike" kern="1200" dirty="0" smtClean="0">
-              <a:solidFill>
-                <a:schemeClr val="tx1"/>
-              </a:solidFill>
-              <a:effectLst/>
-              <a:latin typeface="+mn-lt"/>
-              <a:ea typeface="+mn-ea"/>
-              <a:cs typeface="+mn-cs"/>
-            </a:endParaRPr>
-          </a:p>
-          <a:p>
-            <a:endParaRPr lang="en-US" dirty="0"/>
-          </a:p>
-        </p:txBody>
-      </p:sp>
-      <p:sp>
-        <p:nvSpPr>
-          <p:cNvPr id="4" name="Slide Number Placeholder 3"/>
-          <p:cNvSpPr>
-            <a:spLocks noGrp="1"/>
-          </p:cNvSpPr>
-          <p:nvPr>
-            <p:ph type="sldNum" sz="quarter" idx="10"/>
-          </p:nvPr>
-        </p:nvSpPr>
-        <p:spPr/>
-        <p:txBody>
-          <a:bodyPr/>
-          <a:lstStyle/>
-          <a:p>
-            <a:fld id="{F93199CD-3E1B-4AE6-990F-76F925F5EA9F}" type="slidenum">
-              <a:rPr lang="en-US" smtClean="0"/>
-              <a:t>9</a:t>
-            </a:fld>
-            <a:endParaRPr lang="en-US"/>
-          </a:p>
-        </p:txBody>
-      </p:sp>
-    </p:spTree>
-    <p:extLst>
-      <p:ext uri="{BB962C8B-B14F-4D97-AF65-F5344CB8AC3E}">
-        <p14:creationId xmlns:p14="http://schemas.microsoft.com/office/powerpoint/2010/main" val="3805029774"/>
-      </p:ext>
-    </p:extLst>
-  </p:cSld>
-  <p:clrMapOvr>
-    <a:masterClrMapping/>
-  </p:clrMapOvr>
-</p:notes>
-</file>
-
-<file path=ppt/notesSlides/notesSlide9.xml><?xml version="1.0" encoding="utf-8"?>
-<p:notes xmlns:a="http://schemas.openxmlformats.org/drawingml/2006/main" xmlns:r="http://schemas.openxmlformats.org/officeDocument/2006/relationships" xmlns:p="http://schemas.openxmlformats.org/presentationml/2006/main">
-  <p:cSld>
-    <p:spTree>
-      <p:nvGrpSpPr>
-        <p:cNvPr id="1" name=""/>
-        <p:cNvGrpSpPr/>
-        <p:nvPr/>
-      </p:nvGrpSpPr>
-      <p:grpSpPr>
-        <a:xfrm>
-          <a:off x="0" y="0"/>
-          <a:ext cx="0" cy="0"/>
-          <a:chOff x="0" y="0"/>
-          <a:chExt cx="0" cy="0"/>
-        </a:xfrm>
-      </p:grpSpPr>
-      <p:sp>
-        <p:nvSpPr>
-          <p:cNvPr id="2" name="Slide Image Placeholder 1"/>
-          <p:cNvSpPr>
-            <a:spLocks noGrp="1" noRot="1" noChangeAspect="1"/>
-          </p:cNvSpPr>
-          <p:nvPr>
-            <p:ph type="sldImg"/>
-          </p:nvPr>
-        </p:nvSpPr>
-        <p:spPr/>
-      </p:sp>
-      <p:sp>
-        <p:nvSpPr>
-          <p:cNvPr id="3" name="Notes Placeholder 2"/>
-          <p:cNvSpPr>
-            <a:spLocks noGrp="1"/>
-          </p:cNvSpPr>
-          <p:nvPr>
-            <p:ph type="body" idx="1"/>
-          </p:nvPr>
-        </p:nvSpPr>
-        <p:spPr/>
-        <p:txBody>
-          <a:bodyPr/>
-          <a:lstStyle/>
-          <a:p>
-            <a:endParaRPr lang="en-US" dirty="0"/>
-          </a:p>
-        </p:txBody>
-      </p:sp>
-      <p:sp>
-        <p:nvSpPr>
-          <p:cNvPr id="4" name="Slide Number Placeholder 3"/>
-          <p:cNvSpPr>
-            <a:spLocks noGrp="1"/>
-          </p:cNvSpPr>
-          <p:nvPr>
-            <p:ph type="sldNum" sz="quarter" idx="10"/>
-          </p:nvPr>
-        </p:nvSpPr>
-        <p:spPr/>
-        <p:txBody>
-          <a:bodyPr/>
-          <a:lstStyle/>
-          <a:p>
-            <a:fld id="{F93199CD-3E1B-4AE6-990F-76F925F5EA9F}" type="slidenum">
-              <a:rPr lang="en-US" smtClean="0"/>
-              <a:t>10</a:t>
-            </a:fld>
-            <a:endParaRPr lang="en-US"/>
-          </a:p>
-        </p:txBody>
-      </p:sp>
-    </p:spTree>
-    <p:extLst>
-      <p:ext uri="{BB962C8B-B14F-4D97-AF65-F5344CB8AC3E}">
-        <p14:creationId xmlns:p14="http://schemas.microsoft.com/office/powerpoint/2010/main" val="655676726"/>
+        <p14:creationId xmlns:p14="http://schemas.microsoft.com/office/powerpoint/2010/main" xmlns="" val="2488318766"/>
       </p:ext>
     </p:extLst>
   </p:cSld>
@@ -3747,7 +3680,7 @@
     <p:bg>
       <p:bgPr>
         <a:blipFill dpi="0" rotWithShape="1">
-          <a:blip r:embed="rId2">
+          <a:blip r:embed="rId2" cstate="print">
             <a:lum/>
           </a:blip>
           <a:srcRect/>
@@ -3938,20 +3871,20 @@
     </p:spTree>
     <p:extLst>
       <p:ext uri="{BB962C8B-B14F-4D97-AF65-F5344CB8AC3E}">
-        <p14:creationId xmlns:p14="http://schemas.microsoft.com/office/powerpoint/2010/main" val="94999051"/>
+        <p14:creationId xmlns:p14="http://schemas.microsoft.com/office/powerpoint/2010/main" xmlns="" val="94999051"/>
       </p:ext>
     </p:extLst>
   </p:cSld>
   <p:clrMapOvr>
     <a:masterClrMapping/>
   </p:clrMapOvr>
-  <mc:AlternateContent xmlns:mc="http://schemas.openxmlformats.org/markup-compatibility/2006" xmlns:p14="http://schemas.microsoft.com/office/powerpoint/2010/main">
-    <mc:Choice Requires="p14">
+  <mc:AlternateContent xmlns:mc="http://schemas.openxmlformats.org/markup-compatibility/2006">
+    <mc:Choice xmlns:p14="http://schemas.microsoft.com/office/powerpoint/2010/main" xmlns="" Requires="p14">
       <p:transition spd="med" p14:dur="700">
         <p:fade/>
       </p:transition>
     </mc:Choice>
-    <mc:Fallback xmlns="">
+    <mc:Fallback>
       <p:transition spd="med">
         <p:fade/>
       </p:transition>
@@ -4076,6 +4009,7 @@
           <a:p>
             <a:fld id="{03F41C87-7AD9-4845-A077-840E4A0F3F06}" type="datetimeFigureOut">
               <a:rPr lang="en-US"/>
+              <a:pPr/>
               <a:t>11/9/2014</a:t>
             </a:fld>
             <a:endParaRPr/>
@@ -4118,7 +4052,8 @@
           <a:p>
             <a:fld id="{2A013F82-EE5E-44EE-A61D-E31C6657F26F}" type="slidenum">
               <a:rPr/>
-              <a:t>‹#›</a:t>
+              <a:pPr/>
+              <a:t>‹Nº›</a:t>
             </a:fld>
             <a:endParaRPr/>
           </a:p>
@@ -4127,20 +4062,20 @@
     </p:spTree>
     <p:extLst>
       <p:ext uri="{BB962C8B-B14F-4D97-AF65-F5344CB8AC3E}">
-        <p14:creationId xmlns:p14="http://schemas.microsoft.com/office/powerpoint/2010/main" val="460095310"/>
+        <p14:creationId xmlns:p14="http://schemas.microsoft.com/office/powerpoint/2010/main" xmlns="" val="460095310"/>
       </p:ext>
     </p:extLst>
   </p:cSld>
   <p:clrMapOvr>
     <a:masterClrMapping/>
   </p:clrMapOvr>
-  <mc:AlternateContent xmlns:mc="http://schemas.openxmlformats.org/markup-compatibility/2006" xmlns:p14="http://schemas.microsoft.com/office/powerpoint/2010/main">
-    <mc:Choice Requires="p14">
+  <mc:AlternateContent xmlns:mc="http://schemas.openxmlformats.org/markup-compatibility/2006">
+    <mc:Choice xmlns:p14="http://schemas.microsoft.com/office/powerpoint/2010/main" xmlns="" Requires="p14">
       <p:transition spd="med" p14:dur="700">
         <p:fade/>
       </p:transition>
     </mc:Choice>
-    <mc:Fallback xmlns="">
+    <mc:Fallback>
       <p:transition spd="med">
         <p:fade/>
       </p:transition>
@@ -4275,6 +4210,7 @@
           <a:p>
             <a:fld id="{03F41C87-7AD9-4845-A077-840E4A0F3F06}" type="datetimeFigureOut">
               <a:rPr lang="en-US"/>
+              <a:pPr/>
               <a:t>11/9/2014</a:t>
             </a:fld>
             <a:endParaRPr/>
@@ -4317,7 +4253,8 @@
           <a:p>
             <a:fld id="{2A013F82-EE5E-44EE-A61D-E31C6657F26F}" type="slidenum">
               <a:rPr/>
-              <a:t>‹#›</a:t>
+              <a:pPr/>
+              <a:t>‹Nº›</a:t>
             </a:fld>
             <a:endParaRPr/>
           </a:p>
@@ -4326,20 +4263,20 @@
     </p:spTree>
     <p:extLst>
       <p:ext uri="{BB962C8B-B14F-4D97-AF65-F5344CB8AC3E}">
-        <p14:creationId xmlns:p14="http://schemas.microsoft.com/office/powerpoint/2010/main" val="4079035419"/>
+        <p14:creationId xmlns:p14="http://schemas.microsoft.com/office/powerpoint/2010/main" xmlns="" val="4079035419"/>
       </p:ext>
     </p:extLst>
   </p:cSld>
   <p:clrMapOvr>
     <a:masterClrMapping/>
   </p:clrMapOvr>
-  <mc:AlternateContent xmlns:mc="http://schemas.openxmlformats.org/markup-compatibility/2006" xmlns:p14="http://schemas.microsoft.com/office/powerpoint/2010/main">
-    <mc:Choice Requires="p14">
+  <mc:AlternateContent xmlns:mc="http://schemas.openxmlformats.org/markup-compatibility/2006">
+    <mc:Choice xmlns:p14="http://schemas.microsoft.com/office/powerpoint/2010/main" xmlns="" Requires="p14">
       <p:transition spd="med" p14:dur="700">
         <p:fade/>
       </p:transition>
     </mc:Choice>
-    <mc:Fallback xmlns="">
+    <mc:Fallback>
       <p:transition spd="med">
         <p:fade/>
       </p:transition>
@@ -4471,6 +4408,7 @@
           <a:p>
             <a:fld id="{03F41C87-7AD9-4845-A077-840E4A0F3F06}" type="datetimeFigureOut">
               <a:rPr lang="en-US"/>
+              <a:pPr/>
               <a:t>11/9/2014</a:t>
             </a:fld>
             <a:endParaRPr/>
@@ -4513,7 +4451,8 @@
           <a:p>
             <a:fld id="{2A013F82-EE5E-44EE-A61D-E31C6657F26F}" type="slidenum">
               <a:rPr/>
-              <a:t>‹#›</a:t>
+              <a:pPr/>
+              <a:t>‹Nº›</a:t>
             </a:fld>
             <a:endParaRPr/>
           </a:p>
@@ -4522,20 +4461,20 @@
     </p:spTree>
     <p:extLst>
       <p:ext uri="{BB962C8B-B14F-4D97-AF65-F5344CB8AC3E}">
-        <p14:creationId xmlns:p14="http://schemas.microsoft.com/office/powerpoint/2010/main" val="2738254095"/>
+        <p14:creationId xmlns:p14="http://schemas.microsoft.com/office/powerpoint/2010/main" xmlns="" val="2738254095"/>
       </p:ext>
     </p:extLst>
   </p:cSld>
   <p:clrMapOvr>
     <a:masterClrMapping/>
   </p:clrMapOvr>
-  <mc:AlternateContent xmlns:mc="http://schemas.openxmlformats.org/markup-compatibility/2006" xmlns:p14="http://schemas.microsoft.com/office/powerpoint/2010/main">
-    <mc:Choice Requires="p14">
+  <mc:AlternateContent xmlns:mc="http://schemas.openxmlformats.org/markup-compatibility/2006">
+    <mc:Choice xmlns:p14="http://schemas.microsoft.com/office/powerpoint/2010/main" xmlns="" Requires="p14">
       <p:transition spd="med" p14:dur="700">
         <p:fade/>
       </p:transition>
     </mc:Choice>
-    <mc:Fallback xmlns="">
+    <mc:Fallback>
       <p:transition spd="med">
         <p:fade/>
       </p:transition>
@@ -4557,7 +4496,7 @@
     <p:bg>
       <p:bgPr>
         <a:blipFill dpi="0" rotWithShape="1">
-          <a:blip r:embed="rId2">
+          <a:blip r:embed="rId2" cstate="print">
             <a:lum/>
           </a:blip>
           <a:srcRect/>
@@ -4758,6 +4697,7 @@
           <a:p>
             <a:fld id="{03F41C87-7AD9-4845-A077-840E4A0F3F06}" type="datetimeFigureOut">
               <a:rPr lang="en-US"/>
+              <a:pPr/>
               <a:t>11/9/2014</a:t>
             </a:fld>
             <a:endParaRPr/>
@@ -4800,7 +4740,8 @@
           <a:p>
             <a:fld id="{2A013F82-EE5E-44EE-A61D-E31C6657F26F}" type="slidenum">
               <a:rPr/>
-              <a:t>‹#›</a:t>
+              <a:pPr/>
+              <a:t>‹Nº›</a:t>
             </a:fld>
             <a:endParaRPr/>
           </a:p>
@@ -4809,20 +4750,20 @@
     </p:spTree>
     <p:extLst>
       <p:ext uri="{BB962C8B-B14F-4D97-AF65-F5344CB8AC3E}">
-        <p14:creationId xmlns:p14="http://schemas.microsoft.com/office/powerpoint/2010/main" val="1761813311"/>
+        <p14:creationId xmlns:p14="http://schemas.microsoft.com/office/powerpoint/2010/main" xmlns="" val="1761813311"/>
       </p:ext>
     </p:extLst>
   </p:cSld>
   <p:clrMapOvr>
     <a:masterClrMapping/>
   </p:clrMapOvr>
-  <mc:AlternateContent xmlns:mc="http://schemas.openxmlformats.org/markup-compatibility/2006" xmlns:p14="http://schemas.microsoft.com/office/powerpoint/2010/main">
-    <mc:Choice Requires="p14">
+  <mc:AlternateContent xmlns:mc="http://schemas.openxmlformats.org/markup-compatibility/2006">
+    <mc:Choice xmlns:p14="http://schemas.microsoft.com/office/powerpoint/2010/main" xmlns="" Requires="p14">
       <p:transition spd="med" p14:dur="700">
         <p:fade/>
       </p:transition>
     </mc:Choice>
-    <mc:Fallback xmlns="">
+    <mc:Fallback>
       <p:transition spd="med">
         <p:fade/>
       </p:transition>
@@ -5069,6 +5010,7 @@
           <a:p>
             <a:fld id="{03F41C87-7AD9-4845-A077-840E4A0F3F06}" type="datetimeFigureOut">
               <a:rPr lang="en-US"/>
+              <a:pPr/>
               <a:t>11/9/2014</a:t>
             </a:fld>
             <a:endParaRPr/>
@@ -5111,7 +5053,8 @@
           <a:p>
             <a:fld id="{2A013F82-EE5E-44EE-A61D-E31C6657F26F}" type="slidenum">
               <a:rPr/>
-              <a:t>‹#›</a:t>
+              <a:pPr/>
+              <a:t>‹Nº›</a:t>
             </a:fld>
             <a:endParaRPr/>
           </a:p>
@@ -5120,20 +5063,20 @@
     </p:spTree>
     <p:extLst>
       <p:ext uri="{BB962C8B-B14F-4D97-AF65-F5344CB8AC3E}">
-        <p14:creationId xmlns:p14="http://schemas.microsoft.com/office/powerpoint/2010/main" val="2825340762"/>
+        <p14:creationId xmlns:p14="http://schemas.microsoft.com/office/powerpoint/2010/main" xmlns="" val="2825340762"/>
       </p:ext>
     </p:extLst>
   </p:cSld>
   <p:clrMapOvr>
     <a:masterClrMapping/>
   </p:clrMapOvr>
-  <mc:AlternateContent xmlns:mc="http://schemas.openxmlformats.org/markup-compatibility/2006" xmlns:p14="http://schemas.microsoft.com/office/powerpoint/2010/main">
-    <mc:Choice Requires="p14">
+  <mc:AlternateContent xmlns:mc="http://schemas.openxmlformats.org/markup-compatibility/2006">
+    <mc:Choice xmlns:p14="http://schemas.microsoft.com/office/powerpoint/2010/main" xmlns="" Requires="p14">
       <p:transition spd="med" p14:dur="700">
         <p:fade/>
       </p:transition>
     </mc:Choice>
-    <mc:Fallback xmlns="">
+    <mc:Fallback>
       <p:transition spd="med">
         <p:fade/>
       </p:transition>
@@ -5532,6 +5475,7 @@
           <a:p>
             <a:fld id="{03F41C87-7AD9-4845-A077-840E4A0F3F06}" type="datetimeFigureOut">
               <a:rPr lang="en-US"/>
+              <a:pPr/>
               <a:t>11/9/2014</a:t>
             </a:fld>
             <a:endParaRPr/>
@@ -5574,7 +5518,8 @@
           <a:p>
             <a:fld id="{2A013F82-EE5E-44EE-A61D-E31C6657F26F}" type="slidenum">
               <a:rPr/>
-              <a:t>‹#›</a:t>
+              <a:pPr/>
+              <a:t>‹Nº›</a:t>
             </a:fld>
             <a:endParaRPr/>
           </a:p>
@@ -5583,20 +5528,20 @@
     </p:spTree>
     <p:extLst>
       <p:ext uri="{BB962C8B-B14F-4D97-AF65-F5344CB8AC3E}">
-        <p14:creationId xmlns:p14="http://schemas.microsoft.com/office/powerpoint/2010/main" val="4208419506"/>
+        <p14:creationId xmlns:p14="http://schemas.microsoft.com/office/powerpoint/2010/main" xmlns="" val="4208419506"/>
       </p:ext>
     </p:extLst>
   </p:cSld>
   <p:clrMapOvr>
     <a:masterClrMapping/>
   </p:clrMapOvr>
-  <mc:AlternateContent xmlns:mc="http://schemas.openxmlformats.org/markup-compatibility/2006" xmlns:p14="http://schemas.microsoft.com/office/powerpoint/2010/main">
-    <mc:Choice Requires="p14">
+  <mc:AlternateContent xmlns:mc="http://schemas.openxmlformats.org/markup-compatibility/2006">
+    <mc:Choice xmlns:p14="http://schemas.microsoft.com/office/powerpoint/2010/main" xmlns="" Requires="p14">
       <p:transition spd="med" p14:dur="700">
         <p:fade/>
       </p:transition>
     </mc:Choice>
-    <mc:Fallback xmlns="">
+    <mc:Fallback>
       <p:transition spd="med">
         <p:fade/>
       </p:transition>
@@ -5669,6 +5614,7 @@
           <a:p>
             <a:fld id="{03F41C87-7AD9-4845-A077-840E4A0F3F06}" type="datetimeFigureOut">
               <a:rPr lang="en-US"/>
+              <a:pPr/>
               <a:t>11/9/2014</a:t>
             </a:fld>
             <a:endParaRPr/>
@@ -5711,7 +5657,8 @@
           <a:p>
             <a:fld id="{2A013F82-EE5E-44EE-A61D-E31C6657F26F}" type="slidenum">
               <a:rPr/>
-              <a:t>‹#›</a:t>
+              <a:pPr/>
+              <a:t>‹Nº›</a:t>
             </a:fld>
             <a:endParaRPr/>
           </a:p>
@@ -5720,20 +5667,20 @@
     </p:spTree>
     <p:extLst>
       <p:ext uri="{BB962C8B-B14F-4D97-AF65-F5344CB8AC3E}">
-        <p14:creationId xmlns:p14="http://schemas.microsoft.com/office/powerpoint/2010/main" val="1626631400"/>
+        <p14:creationId xmlns:p14="http://schemas.microsoft.com/office/powerpoint/2010/main" xmlns="" val="1626631400"/>
       </p:ext>
     </p:extLst>
   </p:cSld>
   <p:clrMapOvr>
     <a:masterClrMapping/>
   </p:clrMapOvr>
-  <mc:AlternateContent xmlns:mc="http://schemas.openxmlformats.org/markup-compatibility/2006" xmlns:p14="http://schemas.microsoft.com/office/powerpoint/2010/main">
-    <mc:Choice Requires="p14">
+  <mc:AlternateContent xmlns:mc="http://schemas.openxmlformats.org/markup-compatibility/2006">
+    <mc:Choice xmlns:p14="http://schemas.microsoft.com/office/powerpoint/2010/main" xmlns="" Requires="p14">
       <p:transition spd="med" p14:dur="700">
         <p:fade/>
       </p:transition>
     </mc:Choice>
-    <mc:Fallback xmlns="">
+    <mc:Fallback>
       <p:transition spd="med">
         <p:fade/>
       </p:transition>
@@ -5791,6 +5738,7 @@
           <a:p>
             <a:fld id="{03F41C87-7AD9-4845-A077-840E4A0F3F06}" type="datetimeFigureOut">
               <a:rPr lang="en-US"/>
+              <a:pPr/>
               <a:t>11/9/2014</a:t>
             </a:fld>
             <a:endParaRPr/>
@@ -5833,7 +5781,8 @@
           <a:p>
             <a:fld id="{2A013F82-EE5E-44EE-A61D-E31C6657F26F}" type="slidenum">
               <a:rPr/>
-              <a:t>‹#›</a:t>
+              <a:pPr/>
+              <a:t>‹Nº›</a:t>
             </a:fld>
             <a:endParaRPr/>
           </a:p>
@@ -5842,20 +5791,20 @@
     </p:spTree>
     <p:extLst>
       <p:ext uri="{BB962C8B-B14F-4D97-AF65-F5344CB8AC3E}">
-        <p14:creationId xmlns:p14="http://schemas.microsoft.com/office/powerpoint/2010/main" val="3607540120"/>
+        <p14:creationId xmlns:p14="http://schemas.microsoft.com/office/powerpoint/2010/main" xmlns="" val="3607540120"/>
       </p:ext>
     </p:extLst>
   </p:cSld>
   <p:clrMapOvr>
     <a:masterClrMapping/>
   </p:clrMapOvr>
-  <mc:AlternateContent xmlns:mc="http://schemas.openxmlformats.org/markup-compatibility/2006" xmlns:p14="http://schemas.microsoft.com/office/powerpoint/2010/main">
-    <mc:Choice Requires="p14">
+  <mc:AlternateContent xmlns:mc="http://schemas.openxmlformats.org/markup-compatibility/2006">
+    <mc:Choice xmlns:p14="http://schemas.microsoft.com/office/powerpoint/2010/main" xmlns="" Requires="p14">
       <p:transition spd="med" p14:dur="700">
         <p:fade/>
       </p:transition>
     </mc:Choice>
-    <mc:Fallback xmlns="">
+    <mc:Fallback>
       <p:transition spd="med">
         <p:fade/>
       </p:transition>
@@ -5877,7 +5826,7 @@
     <p:bg>
       <p:bgPr>
         <a:blipFill dpi="0" rotWithShape="1">
-          <a:blip r:embed="rId2">
+          <a:blip r:embed="rId2" cstate="print">
             <a:lum/>
           </a:blip>
           <a:srcRect/>
@@ -6120,6 +6069,7 @@
           <a:p>
             <a:fld id="{03F41C87-7AD9-4845-A077-840E4A0F3F06}" type="datetimeFigureOut">
               <a:rPr lang="en-US"/>
+              <a:pPr/>
               <a:t>11/9/2014</a:t>
             </a:fld>
             <a:endParaRPr/>
@@ -6162,7 +6112,8 @@
           <a:p>
             <a:fld id="{2A013F82-EE5E-44EE-A61D-E31C6657F26F}" type="slidenum">
               <a:rPr/>
-              <a:t>‹#›</a:t>
+              <a:pPr/>
+              <a:t>‹Nº›</a:t>
             </a:fld>
             <a:endParaRPr/>
           </a:p>
@@ -6171,20 +6122,20 @@
     </p:spTree>
     <p:extLst>
       <p:ext uri="{BB962C8B-B14F-4D97-AF65-F5344CB8AC3E}">
-        <p14:creationId xmlns:p14="http://schemas.microsoft.com/office/powerpoint/2010/main" val="2544981540"/>
+        <p14:creationId xmlns:p14="http://schemas.microsoft.com/office/powerpoint/2010/main" xmlns="" val="2544981540"/>
       </p:ext>
     </p:extLst>
   </p:cSld>
   <p:clrMapOvr>
     <a:masterClrMapping/>
   </p:clrMapOvr>
-  <mc:AlternateContent xmlns:mc="http://schemas.openxmlformats.org/markup-compatibility/2006" xmlns:p14="http://schemas.microsoft.com/office/powerpoint/2010/main">
-    <mc:Choice Requires="p14">
+  <mc:AlternateContent xmlns:mc="http://schemas.openxmlformats.org/markup-compatibility/2006">
+    <mc:Choice xmlns:p14="http://schemas.microsoft.com/office/powerpoint/2010/main" xmlns="" Requires="p14">
       <p:transition spd="med" p14:dur="700">
         <p:fade/>
       </p:transition>
     </mc:Choice>
-    <mc:Fallback xmlns="">
+    <mc:Fallback>
       <p:transition spd="med">
         <p:fade/>
       </p:transition>
@@ -6206,7 +6157,7 @@
     <p:bg>
       <p:bgPr>
         <a:blipFill dpi="0" rotWithShape="1">
-          <a:blip r:embed="rId2">
+          <a:blip r:embed="rId2" cstate="print">
             <a:lum/>
           </a:blip>
           <a:srcRect/>
@@ -6482,7 +6433,7 @@
             <a:fld id="{2A013F82-EE5E-44EE-A61D-E31C6657F26F}" type="slidenum">
               <a:rPr/>
               <a:pPr/>
-              <a:t>‹#›</a:t>
+              <a:t>‹Nº›</a:t>
             </a:fld>
             <a:endParaRPr/>
           </a:p>
@@ -6491,20 +6442,20 @@
     </p:spTree>
     <p:extLst>
       <p:ext uri="{BB962C8B-B14F-4D97-AF65-F5344CB8AC3E}">
-        <p14:creationId xmlns:p14="http://schemas.microsoft.com/office/powerpoint/2010/main" val="2249172152"/>
+        <p14:creationId xmlns:p14="http://schemas.microsoft.com/office/powerpoint/2010/main" xmlns="" val="2249172152"/>
       </p:ext>
     </p:extLst>
   </p:cSld>
   <p:clrMapOvr>
     <a:masterClrMapping/>
   </p:clrMapOvr>
-  <mc:AlternateContent xmlns:mc="http://schemas.openxmlformats.org/markup-compatibility/2006" xmlns:p14="http://schemas.microsoft.com/office/powerpoint/2010/main">
-    <mc:Choice Requires="p14">
+  <mc:AlternateContent xmlns:mc="http://schemas.openxmlformats.org/markup-compatibility/2006">
+    <mc:Choice xmlns:p14="http://schemas.microsoft.com/office/powerpoint/2010/main" xmlns="" Requires="p14">
       <p:transition spd="med" p14:dur="700">
         <p:fade/>
       </p:transition>
     </mc:Choice>
-    <mc:Fallback xmlns="">
+    <mc:Fallback>
       <p:transition spd="med">
         <p:fade/>
       </p:transition>
@@ -6526,7 +6477,7 @@
     <p:bg>
       <p:bgPr>
         <a:blipFill dpi="0" rotWithShape="1">
-          <a:blip r:embed="rId13">
+          <a:blip r:embed="rId13" cstate="print">
             <a:lum/>
           </a:blip>
           <a:srcRect/>
@@ -6761,7 +6712,7 @@
             <a:fld id="{2A013F82-EE5E-44EE-A61D-E31C6657F26F}" type="slidenum">
               <a:rPr/>
               <a:pPr/>
-              <a:t>‹#›</a:t>
+              <a:t>‹Nº›</a:t>
             </a:fld>
             <a:endParaRPr/>
           </a:p>
@@ -6770,7 +6721,7 @@
     </p:spTree>
     <p:extLst>
       <p:ext uri="{BB962C8B-B14F-4D97-AF65-F5344CB8AC3E}">
-        <p14:creationId xmlns:p14="http://schemas.microsoft.com/office/powerpoint/2010/main" val="1403059996"/>
+        <p14:creationId xmlns:p14="http://schemas.microsoft.com/office/powerpoint/2010/main" xmlns="" val="1403059996"/>
       </p:ext>
     </p:extLst>
   </p:cSld>
@@ -6788,13 +6739,13 @@
     <p:sldLayoutId id="2147483658" r:id="rId10"/>
     <p:sldLayoutId id="2147483659" r:id="rId11"/>
   </p:sldLayoutIdLst>
-  <mc:AlternateContent xmlns:mc="http://schemas.openxmlformats.org/markup-compatibility/2006" xmlns:p14="http://schemas.microsoft.com/office/powerpoint/2010/main">
-    <mc:Choice Requires="p14">
+  <mc:AlternateContent xmlns:mc="http://schemas.openxmlformats.org/markup-compatibility/2006">
+    <mc:Choice xmlns:p14="http://schemas.microsoft.com/office/powerpoint/2010/main" xmlns="" Requires="p14">
       <p:transition spd="med" p14:dur="700">
         <p:fade/>
       </p:transition>
     </mc:Choice>
-    <mc:Fallback xmlns="">
+    <mc:Fallback>
       <p:transition spd="med">
         <p:fade/>
       </p:transition>
@@ -7107,9 +7058,9 @@
       </a:lvl9pPr>
     </p:otherStyle>
   </p:txStyles>
-  <p:extLst>
+  <p:extLst mod="1">
     <p:ext uri="{27BBF7A9-308A-43DC-89C8-2F10F3537804}">
-      <p15:sldGuideLst xmlns:p15="http://schemas.microsoft.com/office/powerpoint/2012/main">
+      <p15:sldGuideLst xmlns:p15="http://schemas.microsoft.com/office/powerpoint/2012/main" xmlns="">
         <p15:guide id="1" pos="3839" userDrawn="1">
           <p15:clr>
             <a:srgbClr val="F26B43"/>
@@ -7228,10 +7179,10 @@
           <p:nvPr/>
         </p:nvPicPr>
         <p:blipFill>
-          <a:blip r:embed="rId2">
+          <a:blip r:embed="rId2" cstate="print">
             <a:extLst>
               <a:ext uri="{28A0092B-C50C-407E-A947-70E740481C1C}">
-                <a14:useLocalDpi xmlns:a14="http://schemas.microsoft.com/office/drawing/2010/main" val="0"/>
+                <a14:useLocalDpi xmlns:a14="http://schemas.microsoft.com/office/drawing/2010/main" xmlns="" val="0"/>
               </a:ext>
             </a:extLst>
           </a:blip>
@@ -7251,7 +7202,7 @@
           <a:noFill/>
           <a:extLst>
             <a:ext uri="{909E8E84-426E-40DD-AFC4-6F175D3DCCD1}">
-              <a14:hiddenFill xmlns:a14="http://schemas.microsoft.com/office/drawing/2010/main">
+              <a14:hiddenFill xmlns:a14="http://schemas.microsoft.com/office/drawing/2010/main" xmlns="">
                 <a:solidFill>
                   <a:srgbClr val="FFFFFF"/>
                 </a:solidFill>
@@ -7263,20 +7214,20 @@
     </p:spTree>
     <p:extLst>
       <p:ext uri="{BB962C8B-B14F-4D97-AF65-F5344CB8AC3E}">
-        <p14:creationId xmlns:p14="http://schemas.microsoft.com/office/powerpoint/2010/main" val="2808920126"/>
+        <p14:creationId xmlns:p14="http://schemas.microsoft.com/office/powerpoint/2010/main" xmlns="" val="2808920126"/>
       </p:ext>
     </p:extLst>
   </p:cSld>
   <p:clrMapOvr>
     <a:masterClrMapping/>
   </p:clrMapOvr>
-  <mc:AlternateContent xmlns:mc="http://schemas.openxmlformats.org/markup-compatibility/2006" xmlns:p14="http://schemas.microsoft.com/office/powerpoint/2010/main">
-    <mc:Choice Requires="p14">
+  <mc:AlternateContent xmlns:mc="http://schemas.openxmlformats.org/markup-compatibility/2006">
+    <mc:Choice xmlns:p14="http://schemas.microsoft.com/office/powerpoint/2010/main" xmlns="" Requires="p14">
       <p:transition spd="med" p14:dur="700">
         <p:fade/>
       </p:transition>
     </mc:Choice>
-    <mc:Fallback xmlns="">
+    <mc:Fallback>
       <p:transition spd="med">
         <p:fade/>
       </p:transition>
@@ -7358,10 +7309,10 @@
                 <a:latin typeface="Segoe UI" panose="020B0502040204020203" pitchFamily="34" charset="0"/>
                 <a:cs typeface="Segoe UI" panose="020B0502040204020203" pitchFamily="34" charset="0"/>
               </a:rPr>
-              <a:t> XXI – </a:t>
-            </a:r>
-            <a:r>
-              <a:rPr lang="en-US" spc="0" dirty="0" err="1" smtClean="0">
+              <a:t> </a:t>
+            </a:r>
+            <a:r>
+              <a:rPr lang="en-US" spc="0" dirty="0">
                 <a:ln w="0"/>
                 <a:solidFill>
                   <a:schemeClr val="accent1"/>
@@ -7376,10 +7327,10 @@
                 <a:latin typeface="Segoe UI" panose="020B0502040204020203" pitchFamily="34" charset="0"/>
                 <a:cs typeface="Segoe UI" panose="020B0502040204020203" pitchFamily="34" charset="0"/>
               </a:rPr>
-              <a:t>Eventos</a:t>
-            </a:r>
-            <a:r>
-              <a:rPr lang="en-US" spc="0" dirty="0" smtClean="0">
+              <a:t>XXI – </a:t>
+            </a:r>
+            <a:r>
+              <a:rPr lang="en-US" spc="0" dirty="0" err="1" smtClean="0">
                 <a:ln w="0"/>
                 <a:solidFill>
                   <a:schemeClr val="accent1"/>
@@ -7394,25 +7345,7 @@
                 <a:latin typeface="Segoe UI" panose="020B0502040204020203" pitchFamily="34" charset="0"/>
                 <a:cs typeface="Segoe UI" panose="020B0502040204020203" pitchFamily="34" charset="0"/>
               </a:rPr>
-              <a:t> </a:t>
-            </a:r>
-            <a:r>
-              <a:rPr lang="en-US" spc="0" dirty="0" err="1" smtClean="0">
-                <a:ln w="0"/>
-                <a:solidFill>
-                  <a:schemeClr val="accent1"/>
-                </a:solidFill>
-                <a:effectLst>
-                  <a:outerShdw blurRad="38100" dist="25400" dir="5400000" algn="ctr" rotWithShape="0">
-                    <a:srgbClr val="6E747A">
-                      <a:alpha val="43000"/>
-                    </a:srgbClr>
-                  </a:outerShdw>
-                </a:effectLst>
-                <a:latin typeface="Segoe UI" panose="020B0502040204020203" pitchFamily="34" charset="0"/>
-                <a:cs typeface="Segoe UI" panose="020B0502040204020203" pitchFamily="34" charset="0"/>
-              </a:rPr>
-              <a:t>tecnológicos</a:t>
+              <a:t>Introducción</a:t>
             </a:r>
             <a:endParaRPr lang="en-US" spc="0" dirty="0">
               <a:ln w="0"/>
@@ -7442,6 +7375,260 @@
             <p:ph idx="1"/>
           </p:nvPr>
         </p:nvSpPr>
+        <p:spPr/>
+        <p:txBody>
+          <a:bodyPr>
+            <a:noAutofit/>
+          </a:bodyPr>
+          <a:lstStyle/>
+          <a:p>
+            <a:pPr lvl="0"/>
+            <a:r>
+              <a:rPr lang="es-AR" dirty="0" smtClean="0">
+                <a:latin typeface="Segoe UI" panose="020B0502040204020203" pitchFamily="34" charset="0"/>
+                <a:cs typeface="Segoe UI" panose="020B0502040204020203" pitchFamily="34" charset="0"/>
+              </a:rPr>
+              <a:t>Economía basada en la información</a:t>
+            </a:r>
+          </a:p>
+          <a:p>
+            <a:pPr lvl="1"/>
+            <a:r>
+              <a:rPr lang="es-AR" dirty="0" smtClean="0">
+                <a:latin typeface="Segoe UI" panose="020B0502040204020203" pitchFamily="34" charset="0"/>
+                <a:cs typeface="Segoe UI" panose="020B0502040204020203" pitchFamily="34" charset="0"/>
+              </a:rPr>
+              <a:t>Nuevos desafíos: </a:t>
+            </a:r>
+            <a:r>
+              <a:rPr lang="es-AR" dirty="0">
+                <a:latin typeface="Segoe UI" panose="020B0502040204020203" pitchFamily="34" charset="0"/>
+                <a:cs typeface="Segoe UI" panose="020B0502040204020203" pitchFamily="34" charset="0"/>
+              </a:rPr>
+              <a:t>m</a:t>
+            </a:r>
+            <a:r>
+              <a:rPr lang="es-AR" dirty="0" smtClean="0">
+                <a:latin typeface="Segoe UI" panose="020B0502040204020203" pitchFamily="34" charset="0"/>
+                <a:cs typeface="Segoe UI" panose="020B0502040204020203" pitchFamily="34" charset="0"/>
+              </a:rPr>
+              <a:t>anejar y procesar información de diversa índole, en grandes cantidades, a alta velocidad</a:t>
+            </a:r>
+          </a:p>
+          <a:p>
+            <a:pPr lvl="0"/>
+            <a:r>
+              <a:rPr lang="es-AR" dirty="0" smtClean="0">
+                <a:latin typeface="Segoe UI" panose="020B0502040204020203" pitchFamily="34" charset="0"/>
+                <a:cs typeface="Segoe UI" panose="020B0502040204020203" pitchFamily="34" charset="0"/>
+              </a:rPr>
+              <a:t>Información disponible de forma electrónica </a:t>
+            </a:r>
+          </a:p>
+          <a:p>
+            <a:pPr lvl="1"/>
+            <a:r>
+              <a:rPr lang="es-AR" dirty="0" smtClean="0">
+                <a:latin typeface="Segoe UI" panose="020B0502040204020203" pitchFamily="34" charset="0"/>
+                <a:cs typeface="Segoe UI" panose="020B0502040204020203" pitchFamily="34" charset="0"/>
+              </a:rPr>
+              <a:t>Información personal, datos médicos, datos financieros</a:t>
+            </a:r>
+          </a:p>
+          <a:p>
+            <a:pPr lvl="1"/>
+            <a:r>
+              <a:rPr lang="es-AR" dirty="0" smtClean="0">
+                <a:latin typeface="Segoe UI" panose="020B0502040204020203" pitchFamily="34" charset="0"/>
+                <a:cs typeface="Segoe UI" panose="020B0502040204020203" pitchFamily="34" charset="0"/>
+              </a:rPr>
+              <a:t>Espionaje informático</a:t>
+            </a:r>
+          </a:p>
+        </p:txBody>
+      </p:sp>
+    </p:spTree>
+    <p:extLst>
+      <p:ext uri="{BB962C8B-B14F-4D97-AF65-F5344CB8AC3E}">
+        <p14:creationId xmlns:p14="http://schemas.microsoft.com/office/powerpoint/2010/main" xmlns="" val="2675216716"/>
+      </p:ext>
+    </p:extLst>
+  </p:cSld>
+  <p:clrMapOvr>
+    <a:masterClrMapping/>
+  </p:clrMapOvr>
+  <mc:AlternateContent xmlns:mc="http://schemas.openxmlformats.org/markup-compatibility/2006">
+    <mc:Choice xmlns:p14="http://schemas.microsoft.com/office/powerpoint/2010/main" xmlns="" Requires="p14">
+      <p:transition spd="med" p14:dur="700">
+        <p:fade/>
+      </p:transition>
+    </mc:Choice>
+    <mc:Fallback>
+      <p:transition spd="med">
+        <p:fade/>
+      </p:transition>
+    </mc:Fallback>
+  </mc:AlternateContent>
+  <p:timing>
+    <p:tnLst>
+      <p:par>
+        <p:cTn id="1" dur="indefinite" restart="never" nodeType="tmRoot"/>
+      </p:par>
+    </p:tnLst>
+  </p:timing>
+</p:sld>
+</file>
+
+<file path=ppt/slides/slide11.xml><?xml version="1.0" encoding="utf-8"?>
+<p:sld xmlns:a="http://schemas.openxmlformats.org/drawingml/2006/main" xmlns:r="http://schemas.openxmlformats.org/officeDocument/2006/relationships" xmlns:p="http://schemas.openxmlformats.org/presentationml/2006/main">
+  <p:cSld>
+    <p:spTree>
+      <p:nvGrpSpPr>
+        <p:cNvPr id="1" name=""/>
+        <p:cNvGrpSpPr/>
+        <p:nvPr/>
+      </p:nvGrpSpPr>
+      <p:grpSpPr>
+        <a:xfrm>
+          <a:off x="0" y="0"/>
+          <a:ext cx="0" cy="0"/>
+          <a:chOff x="0" y="0"/>
+          <a:chExt cx="0" cy="0"/>
+        </a:xfrm>
+      </p:grpSpPr>
+      <p:sp>
+        <p:nvSpPr>
+          <p:cNvPr id="13" name="Title 12"/>
+          <p:cNvSpPr>
+            <a:spLocks noGrp="1"/>
+          </p:cNvSpPr>
+          <p:nvPr>
+            <p:ph type="title"/>
+          </p:nvPr>
+        </p:nvSpPr>
+        <p:spPr/>
+        <p:txBody>
+          <a:bodyPr/>
+          <a:lstStyle/>
+          <a:p>
+            <a:r>
+              <a:rPr lang="en-US" spc="0" dirty="0" err="1" smtClean="0">
+                <a:ln w="0"/>
+                <a:solidFill>
+                  <a:schemeClr val="accent1"/>
+                </a:solidFill>
+                <a:effectLst>
+                  <a:outerShdw blurRad="38100" dist="25400" dir="5400000" algn="ctr" rotWithShape="0">
+                    <a:srgbClr val="6E747A">
+                      <a:alpha val="43000"/>
+                    </a:srgbClr>
+                  </a:outerShdw>
+                </a:effectLst>
+                <a:latin typeface="Segoe UI" panose="020B0502040204020203" pitchFamily="34" charset="0"/>
+                <a:cs typeface="Segoe UI" panose="020B0502040204020203" pitchFamily="34" charset="0"/>
+              </a:rPr>
+              <a:t>Siglo</a:t>
+            </a:r>
+            <a:r>
+              <a:rPr lang="en-US" spc="0" dirty="0" smtClean="0">
+                <a:ln w="0"/>
+                <a:solidFill>
+                  <a:schemeClr val="accent1"/>
+                </a:solidFill>
+                <a:effectLst>
+                  <a:outerShdw blurRad="38100" dist="25400" dir="5400000" algn="ctr" rotWithShape="0">
+                    <a:srgbClr val="6E747A">
+                      <a:alpha val="43000"/>
+                    </a:srgbClr>
+                  </a:outerShdw>
+                </a:effectLst>
+                <a:latin typeface="Segoe UI" panose="020B0502040204020203" pitchFamily="34" charset="0"/>
+                <a:cs typeface="Segoe UI" panose="020B0502040204020203" pitchFamily="34" charset="0"/>
+              </a:rPr>
+              <a:t> XXI – </a:t>
+            </a:r>
+            <a:r>
+              <a:rPr lang="en-US" spc="0" dirty="0" err="1" smtClean="0">
+                <a:ln w="0"/>
+                <a:solidFill>
+                  <a:schemeClr val="accent1"/>
+                </a:solidFill>
+                <a:effectLst>
+                  <a:outerShdw blurRad="38100" dist="25400" dir="5400000" algn="ctr" rotWithShape="0">
+                    <a:srgbClr val="6E747A">
+                      <a:alpha val="43000"/>
+                    </a:srgbClr>
+                  </a:outerShdw>
+                </a:effectLst>
+                <a:latin typeface="Segoe UI" panose="020B0502040204020203" pitchFamily="34" charset="0"/>
+                <a:cs typeface="Segoe UI" panose="020B0502040204020203" pitchFamily="34" charset="0"/>
+              </a:rPr>
+              <a:t>Eventos</a:t>
+            </a:r>
+            <a:r>
+              <a:rPr lang="en-US" spc="0" dirty="0" smtClean="0">
+                <a:ln w="0"/>
+                <a:solidFill>
+                  <a:schemeClr val="accent1"/>
+                </a:solidFill>
+                <a:effectLst>
+                  <a:outerShdw blurRad="38100" dist="25400" dir="5400000" algn="ctr" rotWithShape="0">
+                    <a:srgbClr val="6E747A">
+                      <a:alpha val="43000"/>
+                    </a:srgbClr>
+                  </a:outerShdw>
+                </a:effectLst>
+                <a:latin typeface="Segoe UI" panose="020B0502040204020203" pitchFamily="34" charset="0"/>
+                <a:cs typeface="Segoe UI" panose="020B0502040204020203" pitchFamily="34" charset="0"/>
+              </a:rPr>
+              <a:t> </a:t>
+            </a:r>
+            <a:r>
+              <a:rPr lang="en-US" spc="0" dirty="0" err="1" smtClean="0">
+                <a:ln w="0"/>
+                <a:solidFill>
+                  <a:schemeClr val="accent1"/>
+                </a:solidFill>
+                <a:effectLst>
+                  <a:outerShdw blurRad="38100" dist="25400" dir="5400000" algn="ctr" rotWithShape="0">
+                    <a:srgbClr val="6E747A">
+                      <a:alpha val="43000"/>
+                    </a:srgbClr>
+                  </a:outerShdw>
+                </a:effectLst>
+                <a:latin typeface="Segoe UI" panose="020B0502040204020203" pitchFamily="34" charset="0"/>
+                <a:cs typeface="Segoe UI" panose="020B0502040204020203" pitchFamily="34" charset="0"/>
+              </a:rPr>
+              <a:t>tecnológicos</a:t>
+            </a:r>
+            <a:endParaRPr lang="en-US" spc="0" dirty="0">
+              <a:ln w="0"/>
+              <a:solidFill>
+                <a:schemeClr val="accent1"/>
+              </a:solidFill>
+              <a:effectLst>
+                <a:outerShdw blurRad="38100" dist="25400" dir="5400000" algn="ctr" rotWithShape="0">
+                  <a:srgbClr val="6E747A">
+                    <a:alpha val="43000"/>
+                  </a:srgbClr>
+                </a:outerShdw>
+              </a:effectLst>
+              <a:latin typeface="Segoe UI" panose="020B0502040204020203" pitchFamily="34" charset="0"/>
+              <a:cs typeface="Segoe UI" panose="020B0502040204020203" pitchFamily="34" charset="0"/>
+            </a:endParaRPr>
+          </a:p>
+        </p:txBody>
+      </p:sp>
+      <p:sp>
+        <p:nvSpPr>
+          <p:cNvPr id="2" name="Content Placeholder 1"/>
+          <p:cNvSpPr>
+            <a:spLocks noGrp="1"/>
+          </p:cNvSpPr>
+          <p:nvPr>
+            <p:ph idx="1"/>
+          </p:nvPr>
+        </p:nvSpPr>
         <p:spPr>
           <a:xfrm>
             <a:off x="1522413" y="1904999"/>
@@ -7676,14 +7863,7 @@
                 <a:latin typeface="Segoe UI" panose="020B0502040204020203" pitchFamily="34" charset="0"/>
                 <a:cs typeface="Segoe UI" panose="020B0502040204020203" pitchFamily="34" charset="0"/>
               </a:rPr>
-              <a:t>Apple</a:t>
-            </a:r>
-            <a:r>
-              <a:rPr lang="es-AR" sz="1800" dirty="0" smtClean="0">
-                <a:latin typeface="Segoe UI" panose="020B0502040204020203" pitchFamily="34" charset="0"/>
-                <a:cs typeface="Segoe UI" panose="020B0502040204020203" pitchFamily="34" charset="0"/>
-              </a:rPr>
-              <a:t>.</a:t>
+              <a:t>Apple.</a:t>
             </a:r>
           </a:p>
           <a:p>
@@ -7817,7 +7997,7 @@
           <a:blip r:embed="rId3" cstate="print">
             <a:extLst>
               <a:ext uri="{28A0092B-C50C-407E-A947-70E740481C1C}">
-                <a14:useLocalDpi xmlns:a14="http://schemas.microsoft.com/office/drawing/2010/main" val="0"/>
+                <a14:useLocalDpi xmlns:a14="http://schemas.microsoft.com/office/drawing/2010/main" xmlns="" val="0"/>
               </a:ext>
             </a:extLst>
           </a:blip>
@@ -7837,7 +8017,7 @@
           <a:noFill/>
           <a:extLst>
             <a:ext uri="{909E8E84-426E-40DD-AFC4-6F175D3DCCD1}">
-              <a14:hiddenFill xmlns:a14="http://schemas.microsoft.com/office/drawing/2010/main">
+              <a14:hiddenFill xmlns:a14="http://schemas.microsoft.com/office/drawing/2010/main" xmlns="">
                 <a:solidFill>
                   <a:srgbClr val="FFFFFF"/>
                 </a:solidFill>
@@ -7855,10 +8035,10 @@
           <p:nvPr/>
         </p:nvPicPr>
         <p:blipFill>
-          <a:blip r:embed="rId4">
+          <a:blip r:embed="rId4" cstate="print">
             <a:extLst>
               <a:ext uri="{28A0092B-C50C-407E-A947-70E740481C1C}">
-                <a14:useLocalDpi xmlns:a14="http://schemas.microsoft.com/office/drawing/2010/main" val="0"/>
+                <a14:useLocalDpi xmlns:a14="http://schemas.microsoft.com/office/drawing/2010/main" xmlns="" val="0"/>
               </a:ext>
             </a:extLst>
           </a:blip>
@@ -7878,7 +8058,7 @@
           <a:noFill/>
           <a:extLst>
             <a:ext uri="{909E8E84-426E-40DD-AFC4-6F175D3DCCD1}">
-              <a14:hiddenFill xmlns:a14="http://schemas.microsoft.com/office/drawing/2010/main">
+              <a14:hiddenFill xmlns:a14="http://schemas.microsoft.com/office/drawing/2010/main" xmlns="">
                 <a:solidFill>
                   <a:srgbClr val="FFFFFF"/>
                 </a:solidFill>
@@ -7899,7 +8079,7 @@
           <a:blip r:embed="rId5" cstate="print">
             <a:extLst>
               <a:ext uri="{28A0092B-C50C-407E-A947-70E740481C1C}">
-                <a14:useLocalDpi xmlns:a14="http://schemas.microsoft.com/office/drawing/2010/main" val="0"/>
+                <a14:useLocalDpi xmlns:a14="http://schemas.microsoft.com/office/drawing/2010/main" xmlns="" val="0"/>
               </a:ext>
             </a:extLst>
           </a:blip>
@@ -7919,7 +8099,7 @@
           <a:noFill/>
           <a:extLst>
             <a:ext uri="{909E8E84-426E-40DD-AFC4-6F175D3DCCD1}">
-              <a14:hiddenFill xmlns:a14="http://schemas.microsoft.com/office/drawing/2010/main">
+              <a14:hiddenFill xmlns:a14="http://schemas.microsoft.com/office/drawing/2010/main" xmlns="">
                 <a:solidFill>
                   <a:srgbClr val="FFFFFF"/>
                 </a:solidFill>
@@ -7940,7 +8120,7 @@
           <a:blip r:embed="rId6" cstate="print">
             <a:extLst>
               <a:ext uri="{28A0092B-C50C-407E-A947-70E740481C1C}">
-                <a14:useLocalDpi xmlns:a14="http://schemas.microsoft.com/office/drawing/2010/main" val="0"/>
+                <a14:useLocalDpi xmlns:a14="http://schemas.microsoft.com/office/drawing/2010/main" xmlns="" val="0"/>
               </a:ext>
             </a:extLst>
           </a:blip>
@@ -7960,7 +8140,7 @@
           <a:noFill/>
           <a:extLst>
             <a:ext uri="{909E8E84-426E-40DD-AFC4-6F175D3DCCD1}">
-              <a14:hiddenFill xmlns:a14="http://schemas.microsoft.com/office/drawing/2010/main">
+              <a14:hiddenFill xmlns:a14="http://schemas.microsoft.com/office/drawing/2010/main" xmlns="">
                 <a:solidFill>
                   <a:srgbClr val="FFFFFF"/>
                 </a:solidFill>
@@ -7972,359 +8152,20 @@
     </p:spTree>
     <p:extLst>
       <p:ext uri="{BB962C8B-B14F-4D97-AF65-F5344CB8AC3E}">
-        <p14:creationId xmlns:p14="http://schemas.microsoft.com/office/powerpoint/2010/main" val="2564182459"/>
+        <p14:creationId xmlns:p14="http://schemas.microsoft.com/office/powerpoint/2010/main" xmlns="" val="2564182459"/>
       </p:ext>
     </p:extLst>
   </p:cSld>
   <p:clrMapOvr>
     <a:masterClrMapping/>
   </p:clrMapOvr>
-  <mc:AlternateContent xmlns:mc="http://schemas.openxmlformats.org/markup-compatibility/2006" xmlns:p14="http://schemas.microsoft.com/office/powerpoint/2010/main">
-    <mc:Choice Requires="p14">
+  <mc:AlternateContent xmlns:mc="http://schemas.openxmlformats.org/markup-compatibility/2006">
+    <mc:Choice xmlns:p14="http://schemas.microsoft.com/office/powerpoint/2010/main" xmlns="" Requires="p14">
       <p:transition spd="med" p14:dur="700">
         <p:fade/>
       </p:transition>
     </mc:Choice>
-    <mc:Fallback xmlns="">
-      <p:transition spd="med">
-        <p:fade/>
-      </p:transition>
-    </mc:Fallback>
-  </mc:AlternateContent>
-  <p:timing>
-    <p:tnLst>
-      <p:par>
-        <p:cTn id="1" dur="indefinite" restart="never" nodeType="tmRoot"/>
-      </p:par>
-    </p:tnLst>
-  </p:timing>
-</p:sld>
-</file>
-
-<file path=ppt/slides/slide11.xml><?xml version="1.0" encoding="utf-8"?>
-<p:sld xmlns:a="http://schemas.openxmlformats.org/drawingml/2006/main" xmlns:r="http://schemas.openxmlformats.org/officeDocument/2006/relationships" xmlns:p="http://schemas.openxmlformats.org/presentationml/2006/main">
-  <p:cSld>
-    <p:spTree>
-      <p:nvGrpSpPr>
-        <p:cNvPr id="1" name=""/>
-        <p:cNvGrpSpPr/>
-        <p:nvPr/>
-      </p:nvGrpSpPr>
-      <p:grpSpPr>
-        <a:xfrm>
-          <a:off x="0" y="0"/>
-          <a:ext cx="0" cy="0"/>
-          <a:chOff x="0" y="0"/>
-          <a:chExt cx="0" cy="0"/>
-        </a:xfrm>
-      </p:grpSpPr>
-      <p:sp>
-        <p:nvSpPr>
-          <p:cNvPr id="13" name="Title 12"/>
-          <p:cNvSpPr>
-            <a:spLocks noGrp="1"/>
-          </p:cNvSpPr>
-          <p:nvPr>
-            <p:ph type="title"/>
-          </p:nvPr>
-        </p:nvSpPr>
-        <p:spPr/>
-        <p:txBody>
-          <a:bodyPr/>
-          <a:lstStyle/>
-          <a:p>
-            <a:r>
-              <a:rPr lang="en-US" spc="0" dirty="0" err="1" smtClean="0">
-                <a:ln w="0"/>
-                <a:solidFill>
-                  <a:schemeClr val="accent1"/>
-                </a:solidFill>
-                <a:effectLst>
-                  <a:outerShdw blurRad="38100" dist="25400" dir="5400000" algn="ctr" rotWithShape="0">
-                    <a:srgbClr val="6E747A">
-                      <a:alpha val="43000"/>
-                    </a:srgbClr>
-                  </a:outerShdw>
-                </a:effectLst>
-                <a:latin typeface="Segoe UI" panose="020B0502040204020203" pitchFamily="34" charset="0"/>
-                <a:cs typeface="Segoe UI" panose="020B0502040204020203" pitchFamily="34" charset="0"/>
-              </a:rPr>
-              <a:t>Siglo</a:t>
-            </a:r>
-            <a:r>
-              <a:rPr lang="en-US" spc="0" dirty="0" smtClean="0">
-                <a:ln w="0"/>
-                <a:solidFill>
-                  <a:schemeClr val="accent1"/>
-                </a:solidFill>
-                <a:effectLst>
-                  <a:outerShdw blurRad="38100" dist="25400" dir="5400000" algn="ctr" rotWithShape="0">
-                    <a:srgbClr val="6E747A">
-                      <a:alpha val="43000"/>
-                    </a:srgbClr>
-                  </a:outerShdw>
-                </a:effectLst>
-                <a:latin typeface="Segoe UI" panose="020B0502040204020203" pitchFamily="34" charset="0"/>
-                <a:cs typeface="Segoe UI" panose="020B0502040204020203" pitchFamily="34" charset="0"/>
-              </a:rPr>
-              <a:t> XXI – </a:t>
-            </a:r>
-            <a:r>
-              <a:rPr lang="en-US" spc="0" dirty="0" err="1" smtClean="0">
-                <a:ln w="0"/>
-                <a:solidFill>
-                  <a:schemeClr val="accent1"/>
-                </a:solidFill>
-                <a:effectLst>
-                  <a:outerShdw blurRad="38100" dist="25400" dir="5400000" algn="ctr" rotWithShape="0">
-                    <a:srgbClr val="6E747A">
-                      <a:alpha val="43000"/>
-                    </a:srgbClr>
-                  </a:outerShdw>
-                </a:effectLst>
-                <a:latin typeface="Segoe UI" panose="020B0502040204020203" pitchFamily="34" charset="0"/>
-                <a:cs typeface="Segoe UI" panose="020B0502040204020203" pitchFamily="34" charset="0"/>
-              </a:rPr>
-              <a:t>Mecanismos</a:t>
-            </a:r>
-            <a:r>
-              <a:rPr lang="en-US" spc="0" dirty="0" smtClean="0">
-                <a:ln w="0"/>
-                <a:solidFill>
-                  <a:schemeClr val="accent1"/>
-                </a:solidFill>
-                <a:effectLst>
-                  <a:outerShdw blurRad="38100" dist="25400" dir="5400000" algn="ctr" rotWithShape="0">
-                    <a:srgbClr val="6E747A">
-                      <a:alpha val="43000"/>
-                    </a:srgbClr>
-                  </a:outerShdw>
-                </a:effectLst>
-                <a:latin typeface="Segoe UI" panose="020B0502040204020203" pitchFamily="34" charset="0"/>
-                <a:cs typeface="Segoe UI" panose="020B0502040204020203" pitchFamily="34" charset="0"/>
-              </a:rPr>
-              <a:t> de </a:t>
-            </a:r>
-            <a:r>
-              <a:rPr lang="en-US" spc="0" dirty="0" err="1" smtClean="0">
-                <a:ln w="0"/>
-                <a:solidFill>
-                  <a:schemeClr val="accent1"/>
-                </a:solidFill>
-                <a:effectLst>
-                  <a:outerShdw blurRad="38100" dist="25400" dir="5400000" algn="ctr" rotWithShape="0">
-                    <a:srgbClr val="6E747A">
-                      <a:alpha val="43000"/>
-                    </a:srgbClr>
-                  </a:outerShdw>
-                </a:effectLst>
-                <a:latin typeface="Segoe UI" panose="020B0502040204020203" pitchFamily="34" charset="0"/>
-                <a:cs typeface="Segoe UI" panose="020B0502040204020203" pitchFamily="34" charset="0"/>
-              </a:rPr>
-              <a:t>defensa</a:t>
-            </a:r>
-            <a:endParaRPr lang="en-US" spc="0" dirty="0">
-              <a:ln w="0"/>
-              <a:solidFill>
-                <a:schemeClr val="accent1"/>
-              </a:solidFill>
-              <a:effectLst>
-                <a:outerShdw blurRad="38100" dist="25400" dir="5400000" algn="ctr" rotWithShape="0">
-                  <a:srgbClr val="6E747A">
-                    <a:alpha val="43000"/>
-                  </a:srgbClr>
-                </a:outerShdw>
-              </a:effectLst>
-              <a:latin typeface="Segoe UI" panose="020B0502040204020203" pitchFamily="34" charset="0"/>
-              <a:cs typeface="Segoe UI" panose="020B0502040204020203" pitchFamily="34" charset="0"/>
-            </a:endParaRPr>
-          </a:p>
-        </p:txBody>
-      </p:sp>
-      <p:sp>
-        <p:nvSpPr>
-          <p:cNvPr id="2" name="Content Placeholder 1"/>
-          <p:cNvSpPr>
-            <a:spLocks noGrp="1"/>
-          </p:cNvSpPr>
-          <p:nvPr>
-            <p:ph idx="1"/>
-          </p:nvPr>
-        </p:nvSpPr>
-        <p:spPr/>
-        <p:txBody>
-          <a:bodyPr>
-            <a:noAutofit/>
-          </a:bodyPr>
-          <a:lstStyle/>
-          <a:p>
-            <a:r>
-              <a:rPr lang="es-AR" dirty="0" smtClean="0">
-                <a:latin typeface="Segoe UI" panose="020B0502040204020203" pitchFamily="34" charset="0"/>
-                <a:cs typeface="Segoe UI" panose="020B0502040204020203" pitchFamily="34" charset="0"/>
-              </a:rPr>
-              <a:t>Registro de patentes</a:t>
-            </a:r>
-          </a:p>
-          <a:p>
-            <a:endParaRPr lang="es-AR" dirty="0" smtClean="0">
-              <a:latin typeface="Segoe UI" panose="020B0502040204020203" pitchFamily="34" charset="0"/>
-              <a:cs typeface="Segoe UI" panose="020B0502040204020203" pitchFamily="34" charset="0"/>
-            </a:endParaRPr>
-          </a:p>
-          <a:p>
-            <a:endParaRPr lang="es-AR" dirty="0" smtClean="0">
-              <a:latin typeface="Segoe UI" panose="020B0502040204020203" pitchFamily="34" charset="0"/>
-              <a:cs typeface="Segoe UI" panose="020B0502040204020203" pitchFamily="34" charset="0"/>
-            </a:endParaRPr>
-          </a:p>
-          <a:p>
-            <a:r>
-              <a:rPr lang="es-AR" dirty="0" smtClean="0">
-                <a:latin typeface="Segoe UI" panose="020B0502040204020203" pitchFamily="34" charset="0"/>
-                <a:cs typeface="Segoe UI" panose="020B0502040204020203" pitchFamily="34" charset="0"/>
-              </a:rPr>
-              <a:t>Controles informáticos</a:t>
-            </a:r>
-          </a:p>
-          <a:p>
-            <a:pPr lvl="1"/>
-            <a:r>
-              <a:rPr lang="es-AR" sz="1800" dirty="0" smtClean="0">
-                <a:latin typeface="Segoe UI" panose="020B0502040204020203" pitchFamily="34" charset="0"/>
-                <a:cs typeface="Segoe UI" panose="020B0502040204020203" pitchFamily="34" charset="0"/>
-              </a:rPr>
-              <a:t>Software desarrollado siguiendo estándares de seguridad (criptografía)</a:t>
-            </a:r>
-          </a:p>
-          <a:p>
-            <a:pPr lvl="1"/>
-            <a:r>
-              <a:rPr lang="es-AR" sz="1800" dirty="0" smtClean="0">
-                <a:latin typeface="Segoe UI" panose="020B0502040204020203" pitchFamily="34" charset="0"/>
-                <a:cs typeface="Segoe UI" panose="020B0502040204020203" pitchFamily="34" charset="0"/>
-              </a:rPr>
-              <a:t>Controles físicos sobre el hardware</a:t>
-            </a:r>
-          </a:p>
-          <a:p>
-            <a:pPr lvl="1"/>
-            <a:r>
-              <a:rPr lang="es-AR" sz="1800" dirty="0" smtClean="0">
-                <a:latin typeface="Segoe UI" panose="020B0502040204020203" pitchFamily="34" charset="0"/>
-                <a:cs typeface="Segoe UI" panose="020B0502040204020203" pitchFamily="34" charset="0"/>
-              </a:rPr>
-              <a:t>Políticas de contraseñas y perfiles de usuario</a:t>
-            </a:r>
-          </a:p>
-          <a:p>
-            <a:pPr lvl="1"/>
-            <a:r>
-              <a:rPr lang="es-AR" sz="1800" dirty="0" smtClean="0">
-                <a:latin typeface="Segoe UI" panose="020B0502040204020203" pitchFamily="34" charset="0"/>
-                <a:cs typeface="Segoe UI" panose="020B0502040204020203" pitchFamily="34" charset="0"/>
-              </a:rPr>
-              <a:t>Monitoreo de tráfico en las redes</a:t>
-            </a:r>
-          </a:p>
-          <a:p>
-            <a:pPr lvl="1"/>
-            <a:r>
-              <a:rPr lang="es-AR" sz="1800" dirty="0" smtClean="0">
-                <a:latin typeface="Segoe UI" panose="020B0502040204020203" pitchFamily="34" charset="0"/>
-                <a:cs typeface="Segoe UI" panose="020B0502040204020203" pitchFamily="34" charset="0"/>
-              </a:rPr>
-              <a:t>Uso de software de protección</a:t>
-            </a:r>
-          </a:p>
-          <a:p>
-            <a:pPr lvl="1"/>
-            <a:r>
-              <a:rPr lang="es-AR" sz="1800" dirty="0" smtClean="0">
-                <a:latin typeface="Segoe UI" panose="020B0502040204020203" pitchFamily="34" charset="0"/>
-                <a:cs typeface="Segoe UI" panose="020B0502040204020203" pitchFamily="34" charset="0"/>
-              </a:rPr>
-              <a:t>Creación de </a:t>
-            </a:r>
-            <a:r>
-              <a:rPr lang="es-AR" sz="1800" dirty="0" err="1" smtClean="0">
-                <a:latin typeface="Segoe UI" panose="020B0502040204020203" pitchFamily="34" charset="0"/>
-                <a:cs typeface="Segoe UI" panose="020B0502040204020203" pitchFamily="34" charset="0"/>
-              </a:rPr>
-              <a:t>backups</a:t>
-            </a:r>
-            <a:r>
-              <a:rPr lang="es-AR" sz="1800" dirty="0" smtClean="0">
-                <a:latin typeface="Segoe UI" panose="020B0502040204020203" pitchFamily="34" charset="0"/>
-                <a:cs typeface="Segoe UI" panose="020B0502040204020203" pitchFamily="34" charset="0"/>
-              </a:rPr>
-              <a:t> periódicos</a:t>
-            </a:r>
-            <a:endParaRPr lang="en-US" sz="1800" dirty="0">
-              <a:latin typeface="Segoe UI" panose="020B0502040204020203" pitchFamily="34" charset="0"/>
-              <a:cs typeface="Segoe UI" panose="020B0502040204020203" pitchFamily="34" charset="0"/>
-            </a:endParaRPr>
-          </a:p>
-        </p:txBody>
-      </p:sp>
-      <p:pic>
-        <p:nvPicPr>
-          <p:cNvPr id="4" name="Picture 2" descr="C:\Users\MIPARN~1\AppData\Local\Temp\SNAGHTML5cb90bb7.PNG"/>
-          <p:cNvPicPr>
-            <a:picLocks noChangeAspect="1" noChangeArrowheads="1"/>
-          </p:cNvPicPr>
-          <p:nvPr/>
-        </p:nvPicPr>
-        <p:blipFill>
-          <a:blip r:embed="rId3" cstate="print">
-            <a:extLst>
-              <a:ext uri="{28A0092B-C50C-407E-A947-70E740481C1C}">
-                <a14:useLocalDpi xmlns:a14="http://schemas.microsoft.com/office/drawing/2010/main" val="0"/>
-              </a:ext>
-            </a:extLst>
-          </a:blip>
-          <a:srcRect/>
-          <a:stretch>
-            <a:fillRect/>
-          </a:stretch>
-        </p:blipFill>
-        <p:spPr bwMode="auto">
-          <a:xfrm>
-            <a:off x="5014292" y="1988840"/>
-            <a:ext cx="2376264" cy="1477007"/>
-          </a:xfrm>
-          <a:prstGeom prst="rect">
-            <a:avLst/>
-          </a:prstGeom>
-          <a:noFill/>
-          <a:extLst>
-            <a:ext uri="{909E8E84-426E-40DD-AFC4-6F175D3DCCD1}">
-              <a14:hiddenFill xmlns:a14="http://schemas.microsoft.com/office/drawing/2010/main">
-                <a:solidFill>
-                  <a:srgbClr val="FFFFFF"/>
-                </a:solidFill>
-              </a14:hiddenFill>
-            </a:ext>
-          </a:extLst>
-        </p:spPr>
-      </p:pic>
-    </p:spTree>
-    <p:extLst>
-      <p:ext uri="{BB962C8B-B14F-4D97-AF65-F5344CB8AC3E}">
-        <p14:creationId xmlns:p14="http://schemas.microsoft.com/office/powerpoint/2010/main" val="3356351472"/>
-      </p:ext>
-    </p:extLst>
-  </p:cSld>
-  <p:clrMapOvr>
-    <a:masterClrMapping/>
-  </p:clrMapOvr>
-  <mc:AlternateContent xmlns:mc="http://schemas.openxmlformats.org/markup-compatibility/2006" xmlns:p14="http://schemas.microsoft.com/office/powerpoint/2010/main">
-    <mc:Choice Requires="p14">
-      <p:transition spd="med" p14:dur="700">
-        <p:fade/>
-      </p:transition>
-    </mc:Choice>
-    <mc:Fallback xmlns="">
+    <mc:Fallback>
       <p:transition spd="med">
         <p:fade/>
       </p:transition>
@@ -8369,9 +8210,7 @@
         </p:nvSpPr>
         <p:spPr/>
         <p:txBody>
-          <a:bodyPr>
-            <a:normAutofit/>
-          </a:bodyPr>
+          <a:bodyPr/>
           <a:lstStyle/>
           <a:p>
             <a:r>
@@ -8463,24 +8302,6 @@
                 <a:cs typeface="Segoe UI" panose="020B0502040204020203" pitchFamily="34" charset="0"/>
               </a:rPr>
               <a:t>defensa</a:t>
-            </a:r>
-            <a:r>
-              <a:rPr lang="en-US" spc="0" dirty="0" smtClean="0">
-                <a:ln w="0"/>
-                <a:solidFill>
-                  <a:schemeClr val="accent1"/>
-                </a:solidFill>
-                <a:effectLst>
-                  <a:outerShdw blurRad="38100" dist="25400" dir="5400000" algn="ctr" rotWithShape="0">
-                    <a:srgbClr val="6E747A">
-                      <a:alpha val="43000"/>
-                    </a:srgbClr>
-                  </a:outerShdw>
-                </a:effectLst>
-                <a:latin typeface="Segoe UI" panose="020B0502040204020203" pitchFamily="34" charset="0"/>
-                <a:cs typeface="Segoe UI" panose="020B0502040204020203" pitchFamily="34" charset="0"/>
-              </a:rPr>
-              <a:t> (cont.)</a:t>
             </a:r>
             <a:endParaRPr lang="en-US" spc="0" dirty="0">
               <a:ln w="0"/>
@@ -8518,19 +8339,24 @@
           <a:lstStyle/>
           <a:p>
             <a:r>
-              <a:rPr lang="es-AR" dirty="0">
-                <a:latin typeface="Segoe UI" panose="020B0502040204020203" pitchFamily="34" charset="0"/>
-                <a:cs typeface="Segoe UI" panose="020B0502040204020203" pitchFamily="34" charset="0"/>
-              </a:rPr>
-              <a:t>Auditoría de </a:t>
-            </a:r>
-            <a:r>
               <a:rPr lang="es-AR" dirty="0" smtClean="0">
                 <a:latin typeface="Segoe UI" panose="020B0502040204020203" pitchFamily="34" charset="0"/>
                 <a:cs typeface="Segoe UI" panose="020B0502040204020203" pitchFamily="34" charset="0"/>
               </a:rPr>
-              <a:t>operaciones</a:t>
-            </a:r>
+              <a:t>Registro de patentes</a:t>
+            </a:r>
+          </a:p>
+          <a:p>
+            <a:endParaRPr lang="es-AR" dirty="0" smtClean="0">
+              <a:latin typeface="Segoe UI" panose="020B0502040204020203" pitchFamily="34" charset="0"/>
+              <a:cs typeface="Segoe UI" panose="020B0502040204020203" pitchFamily="34" charset="0"/>
+            </a:endParaRPr>
+          </a:p>
+          <a:p>
+            <a:endParaRPr lang="es-AR" dirty="0" smtClean="0">
+              <a:latin typeface="Segoe UI" panose="020B0502040204020203" pitchFamily="34" charset="0"/>
+              <a:cs typeface="Segoe UI" panose="020B0502040204020203" pitchFamily="34" charset="0"/>
+            </a:endParaRPr>
           </a:p>
           <a:p>
             <a:r>
@@ -8538,7 +8364,7 @@
                 <a:latin typeface="Segoe UI" panose="020B0502040204020203" pitchFamily="34" charset="0"/>
                 <a:cs typeface="Segoe UI" panose="020B0502040204020203" pitchFamily="34" charset="0"/>
               </a:rPr>
-              <a:t>Normas de control</a:t>
+              <a:t>Controles informáticos</a:t>
             </a:r>
           </a:p>
           <a:p>
@@ -8548,37 +8374,82 @@
                 <a:latin typeface="Segoe UI" panose="020B0502040204020203" pitchFamily="34" charset="0"/>
                 <a:cs typeface="Segoe UI" panose="020B0502040204020203" pitchFamily="34" charset="0"/>
               </a:rPr>
-              <a:t>Normas ISO 2700, especialmente </a:t>
-            </a:r>
-            <a:r>
-              <a:rPr lang="es-AR" sz="1800" dirty="0">
-                <a:latin typeface="Segoe UI" panose="020B0502040204020203" pitchFamily="34" charset="0"/>
-                <a:cs typeface="Segoe UI" panose="020B0502040204020203" pitchFamily="34" charset="0"/>
-              </a:rPr>
-              <a:t>dedicada a seguridad de la </a:t>
-            </a:r>
+              <a:t>Software desarrollado siguiendo estándares de seguridad (criptografía)</a:t>
+            </a:r>
+          </a:p>
+          <a:p>
+            <a:pPr lvl="1"/>
             <a:r>
               <a:rPr lang="es-AR" sz="1800" dirty="0" smtClean="0">
                 <a:latin typeface="Segoe UI" panose="020B0502040204020203" pitchFamily="34" charset="0"/>
                 <a:cs typeface="Segoe UI" panose="020B0502040204020203" pitchFamily="34" charset="0"/>
               </a:rPr>
-              <a:t>información</a:t>
-            </a:r>
-          </a:p>
-          <a:p>
-            <a:r>
-              <a:rPr lang="es-AR" sz="2200" dirty="0" smtClean="0">
-                <a:latin typeface="Segoe UI" panose="020B0502040204020203" pitchFamily="34" charset="0"/>
-                <a:cs typeface="Segoe UI" panose="020B0502040204020203" pitchFamily="34" charset="0"/>
-              </a:rPr>
-              <a:t>Uso de nombres en clave para los proyectos tecnológicos</a:t>
-            </a:r>
+              <a:t>Controles físicos sobre el hardware</a:t>
+            </a:r>
+          </a:p>
+          <a:p>
+            <a:pPr lvl="1"/>
+            <a:r>
+              <a:rPr lang="es-AR" sz="1800" dirty="0" smtClean="0">
+                <a:latin typeface="Segoe UI" panose="020B0502040204020203" pitchFamily="34" charset="0"/>
+                <a:cs typeface="Segoe UI" panose="020B0502040204020203" pitchFamily="34" charset="0"/>
+              </a:rPr>
+              <a:t>Políticas de contraseñas y perfiles de usuario</a:t>
+            </a:r>
+          </a:p>
+          <a:p>
+            <a:pPr lvl="1"/>
+            <a:r>
+              <a:rPr lang="es-AR" sz="1800" dirty="0" smtClean="0">
+                <a:latin typeface="Segoe UI" panose="020B0502040204020203" pitchFamily="34" charset="0"/>
+                <a:cs typeface="Segoe UI" panose="020B0502040204020203" pitchFamily="34" charset="0"/>
+              </a:rPr>
+              <a:t>Monitoreo de tráfico en las redes</a:t>
+            </a:r>
+          </a:p>
+          <a:p>
+            <a:pPr lvl="1"/>
+            <a:r>
+              <a:rPr lang="es-AR" sz="1800" dirty="0" smtClean="0">
+                <a:latin typeface="Segoe UI" panose="020B0502040204020203" pitchFamily="34" charset="0"/>
+                <a:cs typeface="Segoe UI" panose="020B0502040204020203" pitchFamily="34" charset="0"/>
+              </a:rPr>
+              <a:t>Uso de software de protección</a:t>
+            </a:r>
+          </a:p>
+          <a:p>
+            <a:pPr lvl="1"/>
+            <a:r>
+              <a:rPr lang="es-AR" sz="1800" dirty="0" smtClean="0">
+                <a:latin typeface="Segoe UI" panose="020B0502040204020203" pitchFamily="34" charset="0"/>
+                <a:cs typeface="Segoe UI" panose="020B0502040204020203" pitchFamily="34" charset="0"/>
+              </a:rPr>
+              <a:t>Creación de </a:t>
+            </a:r>
+            <a:r>
+              <a:rPr lang="es-AR" sz="1800" dirty="0" err="1" smtClean="0">
+                <a:latin typeface="Segoe UI" panose="020B0502040204020203" pitchFamily="34" charset="0"/>
+                <a:cs typeface="Segoe UI" panose="020B0502040204020203" pitchFamily="34" charset="0"/>
+              </a:rPr>
+              <a:t>backups</a:t>
+            </a:r>
+            <a:r>
+              <a:rPr lang="es-AR" sz="1800" dirty="0" smtClean="0">
+                <a:latin typeface="Segoe UI" panose="020B0502040204020203" pitchFamily="34" charset="0"/>
+                <a:cs typeface="Segoe UI" panose="020B0502040204020203" pitchFamily="34" charset="0"/>
+              </a:rPr>
+              <a:t> periódicos</a:t>
+            </a:r>
+            <a:endParaRPr lang="en-US" sz="1800" dirty="0">
+              <a:latin typeface="Segoe UI" panose="020B0502040204020203" pitchFamily="34" charset="0"/>
+              <a:cs typeface="Segoe UI" panose="020B0502040204020203" pitchFamily="34" charset="0"/>
+            </a:endParaRPr>
           </a:p>
         </p:txBody>
       </p:sp>
       <p:pic>
         <p:nvPicPr>
-          <p:cNvPr id="3074" name="Picture 2" descr="http://www.whoa.com/wp-content/uploads/2014/05/ISO27001.png"/>
+          <p:cNvPr id="4" name="Picture 2" descr="C:\Users\MIPARN~1\AppData\Local\Temp\SNAGHTML5cb90bb7.PNG"/>
           <p:cNvPicPr>
             <a:picLocks noChangeAspect="1" noChangeArrowheads="1"/>
           </p:cNvPicPr>
@@ -8588,7 +8459,7 @@
           <a:blip r:embed="rId3" cstate="print">
             <a:extLst>
               <a:ext uri="{28A0092B-C50C-407E-A947-70E740481C1C}">
-                <a14:useLocalDpi xmlns:a14="http://schemas.microsoft.com/office/drawing/2010/main" val="0"/>
+                <a14:useLocalDpi xmlns:a14="http://schemas.microsoft.com/office/drawing/2010/main" xmlns="" val="0"/>
               </a:ext>
             </a:extLst>
           </a:blip>
@@ -8599,8 +8470,8 @@
         </p:blipFill>
         <p:spPr bwMode="auto">
           <a:xfrm>
-            <a:off x="2422004" y="3983194"/>
-            <a:ext cx="2204196" cy="2204196"/>
+            <a:off x="5014292" y="1988840"/>
+            <a:ext cx="2376264" cy="1477007"/>
           </a:xfrm>
           <a:prstGeom prst="rect">
             <a:avLst/>
@@ -8608,7 +8479,7 @@
           <a:noFill/>
           <a:extLst>
             <a:ext uri="{909E8E84-426E-40DD-AFC4-6F175D3DCCD1}">
-              <a14:hiddenFill xmlns:a14="http://schemas.microsoft.com/office/drawing/2010/main">
+              <a14:hiddenFill xmlns:a14="http://schemas.microsoft.com/office/drawing/2010/main" xmlns="">
                 <a:solidFill>
                   <a:srgbClr val="FFFFFF"/>
                 </a:solidFill>
@@ -8620,20 +8491,20 @@
     </p:spTree>
     <p:extLst>
       <p:ext uri="{BB962C8B-B14F-4D97-AF65-F5344CB8AC3E}">
-        <p14:creationId xmlns:p14="http://schemas.microsoft.com/office/powerpoint/2010/main" val="3374507202"/>
+        <p14:creationId xmlns:p14="http://schemas.microsoft.com/office/powerpoint/2010/main" xmlns="" val="3356351472"/>
       </p:ext>
     </p:extLst>
   </p:cSld>
   <p:clrMapOvr>
     <a:masterClrMapping/>
   </p:clrMapOvr>
-  <mc:AlternateContent xmlns:mc="http://schemas.openxmlformats.org/markup-compatibility/2006" xmlns:p14="http://schemas.microsoft.com/office/powerpoint/2010/main">
-    <mc:Choice Requires="p14">
+  <mc:AlternateContent xmlns:mc="http://schemas.openxmlformats.org/markup-compatibility/2006">
+    <mc:Choice xmlns:p14="http://schemas.microsoft.com/office/powerpoint/2010/main" xmlns="" Requires="p14">
       <p:transition spd="med" p14:dur="700">
         <p:fade/>
       </p:transition>
     </mc:Choice>
-    <mc:Fallback xmlns="">
+    <mc:Fallback>
       <p:transition spd="med">
         <p:fade/>
       </p:transition>
@@ -8678,11 +8549,13 @@
         </p:nvSpPr>
         <p:spPr/>
         <p:txBody>
-          <a:bodyPr/>
+          <a:bodyPr>
+            <a:normAutofit/>
+          </a:bodyPr>
           <a:lstStyle/>
           <a:p>
             <a:r>
-              <a:rPr lang="en-US" spc="0" dirty="0" err="1">
+              <a:rPr lang="en-US" spc="0" dirty="0" err="1" smtClean="0">
                 <a:ln w="0"/>
                 <a:solidFill>
                   <a:schemeClr val="accent1"/>
@@ -8700,7 +8573,7 @@
               <a:t>Siglo</a:t>
             </a:r>
             <a:r>
-              <a:rPr lang="en-US" spc="0" dirty="0">
+              <a:rPr lang="en-US" spc="0" dirty="0" smtClean="0">
                 <a:ln w="0"/>
                 <a:solidFill>
                   <a:schemeClr val="accent1"/>
@@ -8733,7 +8606,61 @@
                 <a:latin typeface="Segoe UI" panose="020B0502040204020203" pitchFamily="34" charset="0"/>
                 <a:cs typeface="Segoe UI" panose="020B0502040204020203" pitchFamily="34" charset="0"/>
               </a:rPr>
-              <a:t>Riesgos</a:t>
+              <a:t>Mecanismos</a:t>
+            </a:r>
+            <a:r>
+              <a:rPr lang="en-US" spc="0" dirty="0" smtClean="0">
+                <a:ln w="0"/>
+                <a:solidFill>
+                  <a:schemeClr val="accent1"/>
+                </a:solidFill>
+                <a:effectLst>
+                  <a:outerShdw blurRad="38100" dist="25400" dir="5400000" algn="ctr" rotWithShape="0">
+                    <a:srgbClr val="6E747A">
+                      <a:alpha val="43000"/>
+                    </a:srgbClr>
+                  </a:outerShdw>
+                </a:effectLst>
+                <a:latin typeface="Segoe UI" panose="020B0502040204020203" pitchFamily="34" charset="0"/>
+                <a:cs typeface="Segoe UI" panose="020B0502040204020203" pitchFamily="34" charset="0"/>
+              </a:rPr>
+              <a:t> de </a:t>
+            </a:r>
+            <a:r>
+              <a:rPr lang="en-US" spc="0" dirty="0" err="1" smtClean="0">
+                <a:ln w="0"/>
+                <a:solidFill>
+                  <a:schemeClr val="accent1"/>
+                </a:solidFill>
+                <a:effectLst>
+                  <a:outerShdw blurRad="38100" dist="25400" dir="5400000" algn="ctr" rotWithShape="0">
+                    <a:srgbClr val="6E747A">
+                      <a:alpha val="43000"/>
+                    </a:srgbClr>
+                  </a:outerShdw>
+                </a:effectLst>
+                <a:latin typeface="Segoe UI" panose="020B0502040204020203" pitchFamily="34" charset="0"/>
+                <a:cs typeface="Segoe UI" panose="020B0502040204020203" pitchFamily="34" charset="0"/>
+              </a:rPr>
+              <a:t>defensa</a:t>
+            </a:r>
+            <a:r>
+              <a:rPr lang="en-US" spc="0" dirty="0" smtClean="0">
+                <a:ln w="0"/>
+                <a:solidFill>
+                  <a:schemeClr val="accent1"/>
+                </a:solidFill>
+                <a:effectLst>
+                  <a:outerShdw blurRad="38100" dist="25400" dir="5400000" algn="ctr" rotWithShape="0">
+                    <a:srgbClr val="6E747A">
+                      <a:alpha val="43000"/>
+                    </a:srgbClr>
+                  </a:outerShdw>
+                </a:effectLst>
+                <a:latin typeface="Segoe UI" panose="020B0502040204020203" pitchFamily="34" charset="0"/>
+                <a:cs typeface="Segoe UI" panose="020B0502040204020203" pitchFamily="34" charset="0"/>
+              </a:rPr>
+              <a:t> (cont.)</a:t>
             </a:r>
             <a:endParaRPr lang="en-US" spc="0" dirty="0">
               <a:ln w="0"/>
@@ -8765,40 +8692,128 @@
         </p:nvSpPr>
         <p:spPr/>
         <p:txBody>
-          <a:bodyPr/>
+          <a:bodyPr>
+            <a:noAutofit/>
+          </a:bodyPr>
           <a:lstStyle/>
           <a:p>
             <a:r>
+              <a:rPr lang="es-AR" dirty="0">
+                <a:latin typeface="Segoe UI" panose="020B0502040204020203" pitchFamily="34" charset="0"/>
+                <a:cs typeface="Segoe UI" panose="020B0502040204020203" pitchFamily="34" charset="0"/>
+              </a:rPr>
+              <a:t>Auditoría de </a:t>
+            </a:r>
+            <a:r>
               <a:rPr lang="es-AR" dirty="0" smtClean="0">
                 <a:latin typeface="Segoe UI" panose="020B0502040204020203" pitchFamily="34" charset="0"/>
                 <a:cs typeface="Segoe UI" panose="020B0502040204020203" pitchFamily="34" charset="0"/>
               </a:rPr>
-              <a:t>(COMPLETAR)</a:t>
-            </a:r>
-            <a:endParaRPr lang="en-US" dirty="0">
-              <a:latin typeface="Segoe UI" panose="020B0502040204020203" pitchFamily="34" charset="0"/>
-              <a:cs typeface="Segoe UI" panose="020B0502040204020203" pitchFamily="34" charset="0"/>
-            </a:endParaRPr>
-          </a:p>
-        </p:txBody>
-      </p:sp>
+              <a:t>operaciones</a:t>
+            </a:r>
+          </a:p>
+          <a:p>
+            <a:r>
+              <a:rPr lang="es-AR" dirty="0" smtClean="0">
+                <a:latin typeface="Segoe UI" panose="020B0502040204020203" pitchFamily="34" charset="0"/>
+                <a:cs typeface="Segoe UI" panose="020B0502040204020203" pitchFamily="34" charset="0"/>
+              </a:rPr>
+              <a:t>Normas de control</a:t>
+            </a:r>
+          </a:p>
+          <a:p>
+            <a:pPr lvl="1"/>
+            <a:r>
+              <a:rPr lang="es-AR" sz="1800" dirty="0" smtClean="0">
+                <a:latin typeface="Segoe UI" panose="020B0502040204020203" pitchFamily="34" charset="0"/>
+                <a:cs typeface="Segoe UI" panose="020B0502040204020203" pitchFamily="34" charset="0"/>
+              </a:rPr>
+              <a:t>Normas ISO 2700, especialmente </a:t>
+            </a:r>
+            <a:r>
+              <a:rPr lang="es-AR" sz="1800" dirty="0">
+                <a:latin typeface="Segoe UI" panose="020B0502040204020203" pitchFamily="34" charset="0"/>
+                <a:cs typeface="Segoe UI" panose="020B0502040204020203" pitchFamily="34" charset="0"/>
+              </a:rPr>
+              <a:t>dedicada a seguridad de la </a:t>
+            </a:r>
+            <a:r>
+              <a:rPr lang="es-AR" sz="1800" dirty="0" smtClean="0">
+                <a:latin typeface="Segoe UI" panose="020B0502040204020203" pitchFamily="34" charset="0"/>
+                <a:cs typeface="Segoe UI" panose="020B0502040204020203" pitchFamily="34" charset="0"/>
+              </a:rPr>
+              <a:t>información</a:t>
+            </a:r>
+          </a:p>
+          <a:p>
+            <a:r>
+              <a:rPr lang="es-AR" sz="2200" dirty="0" smtClean="0">
+                <a:latin typeface="Segoe UI" panose="020B0502040204020203" pitchFamily="34" charset="0"/>
+                <a:cs typeface="Segoe UI" panose="020B0502040204020203" pitchFamily="34" charset="0"/>
+              </a:rPr>
+              <a:t>Uso de nombres en clave para los proyectos tecnológicos</a:t>
+            </a:r>
+          </a:p>
+        </p:txBody>
+      </p:sp>
+      <p:pic>
+        <p:nvPicPr>
+          <p:cNvPr id="3074" name="Picture 2" descr="http://www.whoa.com/wp-content/uploads/2014/05/ISO27001.png"/>
+          <p:cNvPicPr>
+            <a:picLocks noChangeAspect="1" noChangeArrowheads="1"/>
+          </p:cNvPicPr>
+          <p:nvPr/>
+        </p:nvPicPr>
+        <p:blipFill>
+          <a:blip r:embed="rId3" cstate="print">
+            <a:extLst>
+              <a:ext uri="{28A0092B-C50C-407E-A947-70E740481C1C}">
+                <a14:useLocalDpi xmlns:a14="http://schemas.microsoft.com/office/drawing/2010/main" xmlns="" val="0"/>
+              </a:ext>
+            </a:extLst>
+          </a:blip>
+          <a:srcRect/>
+          <a:stretch>
+            <a:fillRect/>
+          </a:stretch>
+        </p:blipFill>
+        <p:spPr bwMode="auto">
+          <a:xfrm>
+            <a:off x="2422004" y="3983194"/>
+            <a:ext cx="2204196" cy="2204196"/>
+          </a:xfrm>
+          <a:prstGeom prst="rect">
+            <a:avLst/>
+          </a:prstGeom>
+          <a:noFill/>
+          <a:extLst>
+            <a:ext uri="{909E8E84-426E-40DD-AFC4-6F175D3DCCD1}">
+              <a14:hiddenFill xmlns:a14="http://schemas.microsoft.com/office/drawing/2010/main" xmlns="">
+                <a:solidFill>
+                  <a:srgbClr val="FFFFFF"/>
+                </a:solidFill>
+              </a14:hiddenFill>
+            </a:ext>
+          </a:extLst>
+        </p:spPr>
+      </p:pic>
     </p:spTree>
     <p:extLst>
       <p:ext uri="{BB962C8B-B14F-4D97-AF65-F5344CB8AC3E}">
-        <p14:creationId xmlns:p14="http://schemas.microsoft.com/office/powerpoint/2010/main" val="2283345473"/>
+        <p14:creationId xmlns:p14="http://schemas.microsoft.com/office/powerpoint/2010/main" xmlns="" val="3374507202"/>
       </p:ext>
     </p:extLst>
   </p:cSld>
   <p:clrMapOvr>
     <a:masterClrMapping/>
   </p:clrMapOvr>
-  <mc:AlternateContent xmlns:mc="http://schemas.openxmlformats.org/markup-compatibility/2006" xmlns:p14="http://schemas.microsoft.com/office/powerpoint/2010/main">
-    <mc:Choice Requires="p14">
+  <mc:AlternateContent xmlns:mc="http://schemas.openxmlformats.org/markup-compatibility/2006">
+    <mc:Choice xmlns:p14="http://schemas.microsoft.com/office/powerpoint/2010/main" xmlns="" Requires="p14">
       <p:transition spd="med" p14:dur="700">
         <p:fade/>
       </p:transition>
     </mc:Choice>
-    <mc:Fallback xmlns="">
+    <mc:Fallback>
       <p:transition spd="med">
         <p:fade/>
       </p:transition>
@@ -8880,10 +8895,10 @@
                 <a:latin typeface="Segoe UI" panose="020B0502040204020203" pitchFamily="34" charset="0"/>
                 <a:cs typeface="Segoe UI" panose="020B0502040204020203" pitchFamily="34" charset="0"/>
               </a:rPr>
-              <a:t> </a:t>
-            </a:r>
-            <a:r>
-              <a:rPr lang="en-US" spc="0" dirty="0" smtClean="0">
+              <a:t> XXI – </a:t>
+            </a:r>
+            <a:r>
+              <a:rPr lang="en-US" spc="0" dirty="0" err="1" smtClean="0">
                 <a:ln w="0"/>
                 <a:solidFill>
                   <a:schemeClr val="accent1"/>
@@ -8898,61 +8913,7 @@
                 <a:latin typeface="Segoe UI" panose="020B0502040204020203" pitchFamily="34" charset="0"/>
                 <a:cs typeface="Segoe UI" panose="020B0502040204020203" pitchFamily="34" charset="0"/>
               </a:rPr>
-              <a:t>XXI – </a:t>
-            </a:r>
-            <a:r>
-              <a:rPr lang="en-US" spc="0" dirty="0" err="1" smtClean="0">
-                <a:ln w="0"/>
-                <a:solidFill>
-                  <a:schemeClr val="accent1"/>
-                </a:solidFill>
-                <a:effectLst>
-                  <a:outerShdw blurRad="38100" dist="25400" dir="5400000" algn="ctr" rotWithShape="0">
-                    <a:srgbClr val="6E747A">
-                      <a:alpha val="43000"/>
-                    </a:srgbClr>
-                  </a:outerShdw>
-                </a:effectLst>
-                <a:latin typeface="Segoe UI" panose="020B0502040204020203" pitchFamily="34" charset="0"/>
-                <a:cs typeface="Segoe UI" panose="020B0502040204020203" pitchFamily="34" charset="0"/>
-              </a:rPr>
-              <a:t>Casos</a:t>
-            </a:r>
-            <a:r>
-              <a:rPr lang="en-US" spc="0" dirty="0" smtClean="0">
-                <a:ln w="0"/>
-                <a:solidFill>
-                  <a:schemeClr val="accent1"/>
-                </a:solidFill>
-                <a:effectLst>
-                  <a:outerShdw blurRad="38100" dist="25400" dir="5400000" algn="ctr" rotWithShape="0">
-                    <a:srgbClr val="6E747A">
-                      <a:alpha val="43000"/>
-                    </a:srgbClr>
-                  </a:outerShdw>
-                </a:effectLst>
-                <a:latin typeface="Segoe UI" panose="020B0502040204020203" pitchFamily="34" charset="0"/>
-                <a:cs typeface="Segoe UI" panose="020B0502040204020203" pitchFamily="34" charset="0"/>
-              </a:rPr>
-              <a:t> </a:t>
-            </a:r>
-            <a:r>
-              <a:rPr lang="en-US" spc="0" dirty="0" err="1" smtClean="0">
-                <a:ln w="0"/>
-                <a:solidFill>
-                  <a:schemeClr val="accent1"/>
-                </a:solidFill>
-                <a:effectLst>
-                  <a:outerShdw blurRad="38100" dist="25400" dir="5400000" algn="ctr" rotWithShape="0">
-                    <a:srgbClr val="6E747A">
-                      <a:alpha val="43000"/>
-                    </a:srgbClr>
-                  </a:outerShdw>
-                </a:effectLst>
-                <a:latin typeface="Segoe UI" panose="020B0502040204020203" pitchFamily="34" charset="0"/>
-                <a:cs typeface="Segoe UI" panose="020B0502040204020203" pitchFamily="34" charset="0"/>
-              </a:rPr>
-              <a:t>reales</a:t>
+              <a:t>Riesgos</a:t>
             </a:r>
             <a:endParaRPr lang="en-US" spc="0" dirty="0">
               <a:ln w="0"/>
@@ -8984,218 +8945,40 @@
         </p:nvSpPr>
         <p:spPr/>
         <p:txBody>
-          <a:bodyPr>
-            <a:noAutofit/>
-          </a:bodyPr>
+          <a:bodyPr/>
           <a:lstStyle/>
           <a:p>
             <a:r>
-              <a:rPr lang="es-ES" sz="2000" dirty="0" smtClean="0">
-                <a:latin typeface="Segoe UI" panose="020B0502040204020203" pitchFamily="34" charset="0"/>
-                <a:cs typeface="Segoe UI" panose="020B0502040204020203" pitchFamily="34" charset="0"/>
-              </a:rPr>
-              <a:t>1996: </a:t>
-            </a:r>
-            <a:r>
-              <a:rPr lang="es-ES" sz="2000" dirty="0">
-                <a:latin typeface="Segoe UI" panose="020B0502040204020203" pitchFamily="34" charset="0"/>
-                <a:cs typeface="Segoe UI" panose="020B0502040204020203" pitchFamily="34" charset="0"/>
-              </a:rPr>
-              <a:t>se promulgó en Estados Unidos la ley HIPAA (</a:t>
-            </a:r>
-            <a:r>
-              <a:rPr lang="es-ES" sz="2000" dirty="0" err="1">
-                <a:latin typeface="Segoe UI" panose="020B0502040204020203" pitchFamily="34" charset="0"/>
-                <a:cs typeface="Segoe UI" panose="020B0502040204020203" pitchFamily="34" charset="0"/>
-              </a:rPr>
-              <a:t>Health</a:t>
-            </a:r>
-            <a:r>
-              <a:rPr lang="es-ES" sz="2000" dirty="0">
-                <a:latin typeface="Segoe UI" panose="020B0502040204020203" pitchFamily="34" charset="0"/>
-                <a:cs typeface="Segoe UI" panose="020B0502040204020203" pitchFamily="34" charset="0"/>
-              </a:rPr>
-              <a:t> </a:t>
-            </a:r>
-            <a:r>
-              <a:rPr lang="es-ES" sz="2000" dirty="0" err="1">
-                <a:latin typeface="Segoe UI" panose="020B0502040204020203" pitchFamily="34" charset="0"/>
-                <a:cs typeface="Segoe UI" panose="020B0502040204020203" pitchFamily="34" charset="0"/>
-              </a:rPr>
-              <a:t>Insurance</a:t>
-            </a:r>
-            <a:r>
-              <a:rPr lang="es-ES" sz="2000" dirty="0">
-                <a:latin typeface="Segoe UI" panose="020B0502040204020203" pitchFamily="34" charset="0"/>
-                <a:cs typeface="Segoe UI" panose="020B0502040204020203" pitchFamily="34" charset="0"/>
-              </a:rPr>
-              <a:t> </a:t>
-            </a:r>
-            <a:r>
-              <a:rPr lang="es-ES" sz="2000" dirty="0" err="1" smtClean="0">
-                <a:latin typeface="Segoe UI" panose="020B0502040204020203" pitchFamily="34" charset="0"/>
-                <a:cs typeface="Segoe UI" panose="020B0502040204020203" pitchFamily="34" charset="0"/>
-              </a:rPr>
-              <a:t>Portability</a:t>
-            </a:r>
-            <a:r>
-              <a:rPr lang="es-ES" sz="2000" dirty="0" smtClean="0">
-                <a:latin typeface="Segoe UI" panose="020B0502040204020203" pitchFamily="34" charset="0"/>
-                <a:cs typeface="Segoe UI" panose="020B0502040204020203" pitchFamily="34" charset="0"/>
-              </a:rPr>
-              <a:t> </a:t>
-            </a:r>
-            <a:r>
-              <a:rPr lang="es-ES" sz="2000" dirty="0">
-                <a:latin typeface="Segoe UI" panose="020B0502040204020203" pitchFamily="34" charset="0"/>
-                <a:cs typeface="Segoe UI" panose="020B0502040204020203" pitchFamily="34" charset="0"/>
-              </a:rPr>
-              <a:t>and </a:t>
-            </a:r>
-            <a:r>
-              <a:rPr lang="es-ES" sz="2000" dirty="0" err="1">
-                <a:latin typeface="Segoe UI" panose="020B0502040204020203" pitchFamily="34" charset="0"/>
-                <a:cs typeface="Segoe UI" panose="020B0502040204020203" pitchFamily="34" charset="0"/>
-              </a:rPr>
-              <a:t>Accountability</a:t>
-            </a:r>
-            <a:r>
-              <a:rPr lang="es-ES" sz="2000" dirty="0">
-                <a:latin typeface="Segoe UI" panose="020B0502040204020203" pitchFamily="34" charset="0"/>
-                <a:cs typeface="Segoe UI" panose="020B0502040204020203" pitchFamily="34" charset="0"/>
-              </a:rPr>
-              <a:t> </a:t>
-            </a:r>
-            <a:r>
-              <a:rPr lang="es-ES" sz="2000" dirty="0" err="1">
-                <a:latin typeface="Segoe UI" panose="020B0502040204020203" pitchFamily="34" charset="0"/>
-                <a:cs typeface="Segoe UI" panose="020B0502040204020203" pitchFamily="34" charset="0"/>
-              </a:rPr>
-              <a:t>Act</a:t>
-            </a:r>
-            <a:r>
-              <a:rPr lang="es-ES" sz="2000" dirty="0">
-                <a:latin typeface="Segoe UI" panose="020B0502040204020203" pitchFamily="34" charset="0"/>
-                <a:cs typeface="Segoe UI" panose="020B0502040204020203" pitchFamily="34" charset="0"/>
-              </a:rPr>
-              <a:t>), cuyo objetivo es asegurar la privacidad de los pacientes y la seguridad de la información relacionada a </a:t>
-            </a:r>
-            <a:r>
-              <a:rPr lang="es-ES" sz="2000" dirty="0" smtClean="0">
-                <a:latin typeface="Segoe UI" panose="020B0502040204020203" pitchFamily="34" charset="0"/>
-                <a:cs typeface="Segoe UI" panose="020B0502040204020203" pitchFamily="34" charset="0"/>
-              </a:rPr>
-              <a:t>ellos. </a:t>
-            </a:r>
-            <a:r>
-              <a:rPr lang="es-ES" sz="2000" dirty="0">
-                <a:latin typeface="Segoe UI" panose="020B0502040204020203" pitchFamily="34" charset="0"/>
-                <a:cs typeface="Segoe UI" panose="020B0502040204020203" pitchFamily="34" charset="0"/>
-              </a:rPr>
-              <a:t>En el año 2004 se produjo el primer caso de violación a esta ley, cuando un empleado de una asociación de enfermos de cáncer utilizó información de pacientes para obtener tarjetas de crédito.</a:t>
-            </a:r>
-            <a:endParaRPr lang="es-ES" sz="2000" dirty="0" smtClean="0">
+              <a:rPr lang="es-AR" dirty="0" smtClean="0">
+                <a:latin typeface="Segoe UI" panose="020B0502040204020203" pitchFamily="34" charset="0"/>
+                <a:cs typeface="Segoe UI" panose="020B0502040204020203" pitchFamily="34" charset="0"/>
+              </a:rPr>
+              <a:t>(COMPLETAR)</a:t>
+            </a:r>
+            <a:endParaRPr lang="en-US" dirty="0">
               <a:latin typeface="Segoe UI" panose="020B0502040204020203" pitchFamily="34" charset="0"/>
               <a:cs typeface="Segoe UI" panose="020B0502040204020203" pitchFamily="34" charset="0"/>
             </a:endParaRPr>
           </a:p>
-          <a:p>
-            <a:r>
-              <a:rPr lang="es-ES" sz="2000" dirty="0" smtClean="0">
-                <a:latin typeface="Segoe UI" panose="020B0502040204020203" pitchFamily="34" charset="0"/>
-                <a:cs typeface="Segoe UI" panose="020B0502040204020203" pitchFamily="34" charset="0"/>
-              </a:rPr>
-              <a:t>2010:  </a:t>
-            </a:r>
-            <a:r>
-              <a:rPr lang="es-ES" sz="2000" dirty="0">
-                <a:latin typeface="Segoe UI" panose="020B0502040204020203" pitchFamily="34" charset="0"/>
-                <a:cs typeface="Segoe UI" panose="020B0502040204020203" pitchFamily="34" charset="0"/>
-              </a:rPr>
-              <a:t>Google detectó que había sido víctima de un ataque desde China, que robó información de su propiedad intelectual. El ataque logró entrar a correos de un grupo de activistas chinos, así como también empresas financieras, tecnológicas, tecnológicas, y medios y químicos.</a:t>
-            </a:r>
-          </a:p>
-          <a:p>
-            <a:r>
-              <a:rPr lang="es-ES" sz="2000" dirty="0" smtClean="0">
-                <a:latin typeface="Segoe UI" panose="020B0502040204020203" pitchFamily="34" charset="0"/>
-                <a:cs typeface="Segoe UI" panose="020B0502040204020203" pitchFamily="34" charset="0"/>
-              </a:rPr>
-              <a:t>2014: </a:t>
-            </a:r>
-            <a:r>
-              <a:rPr lang="es-AR" sz="2000" dirty="0" smtClean="0">
-                <a:latin typeface="Segoe UI" panose="020B0502040204020203" pitchFamily="34" charset="0"/>
-                <a:cs typeface="Segoe UI" panose="020B0502040204020203" pitchFamily="34" charset="0"/>
-              </a:rPr>
-              <a:t>Edward </a:t>
-            </a:r>
-            <a:r>
-              <a:rPr lang="es-AR" sz="2000" dirty="0" err="1" smtClean="0">
-                <a:latin typeface="Segoe UI" panose="020B0502040204020203" pitchFamily="34" charset="0"/>
-                <a:cs typeface="Segoe UI" panose="020B0502040204020203" pitchFamily="34" charset="0"/>
-              </a:rPr>
-              <a:t>Snowden</a:t>
-            </a:r>
-            <a:r>
-              <a:rPr lang="es-AR" sz="2000" dirty="0" smtClean="0">
-                <a:latin typeface="Segoe UI" panose="020B0502040204020203" pitchFamily="34" charset="0"/>
-                <a:cs typeface="Segoe UI" panose="020B0502040204020203" pitchFamily="34" charset="0"/>
-              </a:rPr>
-              <a:t> revela cómo la Casa Blanca y sus organismos espían las comunicaciones en Internet. </a:t>
-            </a:r>
-            <a:r>
-              <a:rPr lang="es-AR" sz="2000" dirty="0" err="1" smtClean="0">
-                <a:latin typeface="Segoe UI" panose="020B0502040204020203" pitchFamily="34" charset="0"/>
-                <a:cs typeface="Segoe UI" panose="020B0502040204020203" pitchFamily="34" charset="0"/>
-              </a:rPr>
-              <a:t>Snowden</a:t>
-            </a:r>
-            <a:r>
-              <a:rPr lang="es-AR" sz="2000" dirty="0">
-                <a:latin typeface="Segoe UI" panose="020B0502040204020203" pitchFamily="34" charset="0"/>
-                <a:cs typeface="Segoe UI" panose="020B0502040204020203" pitchFamily="34" charset="0"/>
-              </a:rPr>
-              <a:t>, asilado político en Rusia, filtró documentos sobre las prácticas de espionaje del Gobierno empleando unidades de memoria USB (“</a:t>
-            </a:r>
-            <a:r>
-              <a:rPr lang="es-AR" sz="2000" dirty="0" err="1">
-                <a:latin typeface="Segoe UI" panose="020B0502040204020203" pitchFamily="34" charset="0"/>
-                <a:cs typeface="Segoe UI" panose="020B0502040204020203" pitchFamily="34" charset="0"/>
-              </a:rPr>
-              <a:t>pendrives</a:t>
-            </a:r>
-            <a:r>
-              <a:rPr lang="es-AR" sz="2000" dirty="0" smtClean="0">
-                <a:latin typeface="Segoe UI" panose="020B0502040204020203" pitchFamily="34" charset="0"/>
-                <a:cs typeface="Segoe UI" panose="020B0502040204020203" pitchFamily="34" charset="0"/>
-              </a:rPr>
-              <a:t>”).</a:t>
-            </a:r>
-            <a:endParaRPr lang="en-US" sz="2000" dirty="0">
-              <a:latin typeface="Segoe UI" panose="020B0502040204020203" pitchFamily="34" charset="0"/>
-              <a:cs typeface="Segoe UI" panose="020B0502040204020203" pitchFamily="34" charset="0"/>
-            </a:endParaRPr>
-          </a:p>
         </p:txBody>
       </p:sp>
     </p:spTree>
     <p:extLst>
       <p:ext uri="{BB962C8B-B14F-4D97-AF65-F5344CB8AC3E}">
-        <p14:creationId xmlns:p14="http://schemas.microsoft.com/office/powerpoint/2010/main" val="659291744"/>
+        <p14:creationId xmlns:p14="http://schemas.microsoft.com/office/powerpoint/2010/main" xmlns="" val="2283345473"/>
       </p:ext>
     </p:extLst>
   </p:cSld>
   <p:clrMapOvr>
     <a:masterClrMapping/>
   </p:clrMapOvr>
-  <mc:AlternateContent xmlns:mc="http://schemas.openxmlformats.org/markup-compatibility/2006" xmlns:p14="http://schemas.microsoft.com/office/powerpoint/2010/main">
-    <mc:Choice Requires="p14">
+  <mc:AlternateContent xmlns:mc="http://schemas.openxmlformats.org/markup-compatibility/2006">
+    <mc:Choice xmlns:p14="http://schemas.microsoft.com/office/powerpoint/2010/main" xmlns="" Requires="p14">
       <p:transition spd="med" p14:dur="700">
         <p:fade/>
       </p:transition>
     </mc:Choice>
-    <mc:Fallback xmlns="">
+    <mc:Fallback>
       <p:transition spd="med">
         <p:fade/>
       </p:transition>
@@ -9230,7 +9013,7 @@
       </p:grpSpPr>
       <p:sp>
         <p:nvSpPr>
-          <p:cNvPr id="3" name="Title 2"/>
+          <p:cNvPr id="13" name="Title 12"/>
           <p:cNvSpPr>
             <a:spLocks noGrp="1"/>
           </p:cNvSpPr>
@@ -9240,19 +9023,129 @@
         </p:nvSpPr>
         <p:spPr/>
         <p:txBody>
-          <a:bodyPr>
-            <a:normAutofit/>
-          </a:bodyPr>
+          <a:bodyPr/>
           <a:lstStyle/>
           <a:p>
             <a:r>
-              <a:rPr lang="es-AR" sz="6600" dirty="0" smtClean="0">
-                <a:latin typeface="Segoe UI" panose="020B0502040204020203" pitchFamily="34" charset="0"/>
-                <a:cs typeface="Segoe UI" panose="020B0502040204020203" pitchFamily="34" charset="0"/>
-              </a:rPr>
-              <a:t>Fin</a:t>
-            </a:r>
-            <a:endParaRPr lang="en-US" sz="6600" dirty="0">
+              <a:rPr lang="en-US" spc="0" dirty="0" err="1">
+                <a:ln w="0"/>
+                <a:solidFill>
+                  <a:schemeClr val="accent1"/>
+                </a:solidFill>
+                <a:effectLst>
+                  <a:outerShdw blurRad="38100" dist="25400" dir="5400000" algn="ctr" rotWithShape="0">
+                    <a:srgbClr val="6E747A">
+                      <a:alpha val="43000"/>
+                    </a:srgbClr>
+                  </a:outerShdw>
+                </a:effectLst>
+                <a:latin typeface="Segoe UI" panose="020B0502040204020203" pitchFamily="34" charset="0"/>
+                <a:cs typeface="Segoe UI" panose="020B0502040204020203" pitchFamily="34" charset="0"/>
+              </a:rPr>
+              <a:t>Siglo</a:t>
+            </a:r>
+            <a:r>
+              <a:rPr lang="en-US" spc="0" dirty="0">
+                <a:ln w="0"/>
+                <a:solidFill>
+                  <a:schemeClr val="accent1"/>
+                </a:solidFill>
+                <a:effectLst>
+                  <a:outerShdw blurRad="38100" dist="25400" dir="5400000" algn="ctr" rotWithShape="0">
+                    <a:srgbClr val="6E747A">
+                      <a:alpha val="43000"/>
+                    </a:srgbClr>
+                  </a:outerShdw>
+                </a:effectLst>
+                <a:latin typeface="Segoe UI" panose="020B0502040204020203" pitchFamily="34" charset="0"/>
+                <a:cs typeface="Segoe UI" panose="020B0502040204020203" pitchFamily="34" charset="0"/>
+              </a:rPr>
+              <a:t> </a:t>
+            </a:r>
+            <a:r>
+              <a:rPr lang="en-US" spc="0" dirty="0" smtClean="0">
+                <a:ln w="0"/>
+                <a:solidFill>
+                  <a:schemeClr val="accent1"/>
+                </a:solidFill>
+                <a:effectLst>
+                  <a:outerShdw blurRad="38100" dist="25400" dir="5400000" algn="ctr" rotWithShape="0">
+                    <a:srgbClr val="6E747A">
+                      <a:alpha val="43000"/>
+                    </a:srgbClr>
+                  </a:outerShdw>
+                </a:effectLst>
+                <a:latin typeface="Segoe UI" panose="020B0502040204020203" pitchFamily="34" charset="0"/>
+                <a:cs typeface="Segoe UI" panose="020B0502040204020203" pitchFamily="34" charset="0"/>
+              </a:rPr>
+              <a:t>XXI – </a:t>
+            </a:r>
+            <a:r>
+              <a:rPr lang="en-US" spc="0" dirty="0" err="1" smtClean="0">
+                <a:ln w="0"/>
+                <a:solidFill>
+                  <a:schemeClr val="accent1"/>
+                </a:solidFill>
+                <a:effectLst>
+                  <a:outerShdw blurRad="38100" dist="25400" dir="5400000" algn="ctr" rotWithShape="0">
+                    <a:srgbClr val="6E747A">
+                      <a:alpha val="43000"/>
+                    </a:srgbClr>
+                  </a:outerShdw>
+                </a:effectLst>
+                <a:latin typeface="Segoe UI" panose="020B0502040204020203" pitchFamily="34" charset="0"/>
+                <a:cs typeface="Segoe UI" panose="020B0502040204020203" pitchFamily="34" charset="0"/>
+              </a:rPr>
+              <a:t>Casos</a:t>
+            </a:r>
+            <a:r>
+              <a:rPr lang="en-US" spc="0" dirty="0" smtClean="0">
+                <a:ln w="0"/>
+                <a:solidFill>
+                  <a:schemeClr val="accent1"/>
+                </a:solidFill>
+                <a:effectLst>
+                  <a:outerShdw blurRad="38100" dist="25400" dir="5400000" algn="ctr" rotWithShape="0">
+                    <a:srgbClr val="6E747A">
+                      <a:alpha val="43000"/>
+                    </a:srgbClr>
+                  </a:outerShdw>
+                </a:effectLst>
+                <a:latin typeface="Segoe UI" panose="020B0502040204020203" pitchFamily="34" charset="0"/>
+                <a:cs typeface="Segoe UI" panose="020B0502040204020203" pitchFamily="34" charset="0"/>
+              </a:rPr>
+              <a:t> </a:t>
+            </a:r>
+            <a:r>
+              <a:rPr lang="en-US" spc="0" dirty="0" err="1" smtClean="0">
+                <a:ln w="0"/>
+                <a:solidFill>
+                  <a:schemeClr val="accent1"/>
+                </a:solidFill>
+                <a:effectLst>
+                  <a:outerShdw blurRad="38100" dist="25400" dir="5400000" algn="ctr" rotWithShape="0">
+                    <a:srgbClr val="6E747A">
+                      <a:alpha val="43000"/>
+                    </a:srgbClr>
+                  </a:outerShdw>
+                </a:effectLst>
+                <a:latin typeface="Segoe UI" panose="020B0502040204020203" pitchFamily="34" charset="0"/>
+                <a:cs typeface="Segoe UI" panose="020B0502040204020203" pitchFamily="34" charset="0"/>
+              </a:rPr>
+              <a:t>reales</a:t>
+            </a:r>
+            <a:endParaRPr lang="en-US" spc="0" dirty="0">
+              <a:ln w="0"/>
+              <a:solidFill>
+                <a:schemeClr val="accent1"/>
+              </a:solidFill>
+              <a:effectLst>
+                <a:outerShdw blurRad="38100" dist="25400" dir="5400000" algn="ctr" rotWithShape="0">
+                  <a:srgbClr val="6E747A">
+                    <a:alpha val="43000"/>
+                  </a:srgbClr>
+                </a:outerShdw>
+              </a:effectLst>
               <a:latin typeface="Segoe UI" panose="020B0502040204020203" pitchFamily="34" charset="0"/>
               <a:cs typeface="Segoe UI" panose="020B0502040204020203" pitchFamily="34" charset="0"/>
             </a:endParaRPr>
@@ -9261,52 +9154,339 @@
       </p:sp>
       <p:sp>
         <p:nvSpPr>
-          <p:cNvPr id="4" name="Text Placeholder 3"/>
-          <p:cNvSpPr>
-            <a:spLocks noGrp="1"/>
-          </p:cNvSpPr>
-          <p:nvPr>
-            <p:ph type="body" sz="half" idx="2"/>
+          <p:cNvPr id="2" name="Content Placeholder 1"/>
+          <p:cNvSpPr>
+            <a:spLocks noGrp="1"/>
+          </p:cNvSpPr>
+          <p:nvPr>
+            <p:ph idx="1"/>
           </p:nvPr>
         </p:nvSpPr>
         <p:spPr/>
         <p:txBody>
           <a:bodyPr>
-            <a:normAutofit/>
+            <a:noAutofit/>
           </a:bodyPr>
           <a:lstStyle/>
           <a:p>
             <a:r>
-              <a:rPr lang="es-AR" sz="3600" dirty="0" smtClean="0">
-                <a:latin typeface="Segoe UI" panose="020B0502040204020203" pitchFamily="34" charset="0"/>
-                <a:cs typeface="Segoe UI" panose="020B0502040204020203" pitchFamily="34" charset="0"/>
-              </a:rPr>
-              <a:t>¿Preguntas?</a:t>
-            </a:r>
-            <a:endParaRPr lang="en-US" sz="3600" dirty="0">
+              <a:rPr lang="es-ES" sz="2000" dirty="0" smtClean="0">
+                <a:latin typeface="Segoe UI" panose="020B0502040204020203" pitchFamily="34" charset="0"/>
+                <a:cs typeface="Segoe UI" panose="020B0502040204020203" pitchFamily="34" charset="0"/>
+              </a:rPr>
+              <a:t>1996: </a:t>
+            </a:r>
+            <a:r>
+              <a:rPr lang="es-ES" sz="2000" dirty="0">
+                <a:latin typeface="Segoe UI" panose="020B0502040204020203" pitchFamily="34" charset="0"/>
+                <a:cs typeface="Segoe UI" panose="020B0502040204020203" pitchFamily="34" charset="0"/>
+              </a:rPr>
+              <a:t>se promulgó en Estados Unidos la ley HIPAA (</a:t>
+            </a:r>
+            <a:r>
+              <a:rPr lang="es-ES" sz="2000" dirty="0" err="1">
+                <a:latin typeface="Segoe UI" panose="020B0502040204020203" pitchFamily="34" charset="0"/>
+                <a:cs typeface="Segoe UI" panose="020B0502040204020203" pitchFamily="34" charset="0"/>
+              </a:rPr>
+              <a:t>Health</a:t>
+            </a:r>
+            <a:r>
+              <a:rPr lang="es-ES" sz="2000" dirty="0">
+                <a:latin typeface="Segoe UI" panose="020B0502040204020203" pitchFamily="34" charset="0"/>
+                <a:cs typeface="Segoe UI" panose="020B0502040204020203" pitchFamily="34" charset="0"/>
+              </a:rPr>
+              <a:t> </a:t>
+            </a:r>
+            <a:r>
+              <a:rPr lang="es-ES" sz="2000" dirty="0" err="1">
+                <a:latin typeface="Segoe UI" panose="020B0502040204020203" pitchFamily="34" charset="0"/>
+                <a:cs typeface="Segoe UI" panose="020B0502040204020203" pitchFamily="34" charset="0"/>
+              </a:rPr>
+              <a:t>Insurance</a:t>
+            </a:r>
+            <a:r>
+              <a:rPr lang="es-ES" sz="2000" dirty="0">
+                <a:latin typeface="Segoe UI" panose="020B0502040204020203" pitchFamily="34" charset="0"/>
+                <a:cs typeface="Segoe UI" panose="020B0502040204020203" pitchFamily="34" charset="0"/>
+              </a:rPr>
+              <a:t> </a:t>
+            </a:r>
+            <a:r>
+              <a:rPr lang="es-ES" sz="2000" dirty="0" err="1" smtClean="0">
+                <a:latin typeface="Segoe UI" panose="020B0502040204020203" pitchFamily="34" charset="0"/>
+                <a:cs typeface="Segoe UI" panose="020B0502040204020203" pitchFamily="34" charset="0"/>
+              </a:rPr>
+              <a:t>Portability</a:t>
+            </a:r>
+            <a:r>
+              <a:rPr lang="es-ES" sz="2000" dirty="0" smtClean="0">
+                <a:latin typeface="Segoe UI" panose="020B0502040204020203" pitchFamily="34" charset="0"/>
+                <a:cs typeface="Segoe UI" panose="020B0502040204020203" pitchFamily="34" charset="0"/>
+              </a:rPr>
+              <a:t> </a:t>
+            </a:r>
+            <a:r>
+              <a:rPr lang="es-ES" sz="2000" dirty="0">
+                <a:latin typeface="Segoe UI" panose="020B0502040204020203" pitchFamily="34" charset="0"/>
+                <a:cs typeface="Segoe UI" panose="020B0502040204020203" pitchFamily="34" charset="0"/>
+              </a:rPr>
+              <a:t>and </a:t>
+            </a:r>
+            <a:r>
+              <a:rPr lang="es-ES" sz="2000" dirty="0" err="1">
+                <a:latin typeface="Segoe UI" panose="020B0502040204020203" pitchFamily="34" charset="0"/>
+                <a:cs typeface="Segoe UI" panose="020B0502040204020203" pitchFamily="34" charset="0"/>
+              </a:rPr>
+              <a:t>Accountability</a:t>
+            </a:r>
+            <a:r>
+              <a:rPr lang="es-ES" sz="2000" dirty="0">
+                <a:latin typeface="Segoe UI" panose="020B0502040204020203" pitchFamily="34" charset="0"/>
+                <a:cs typeface="Segoe UI" panose="020B0502040204020203" pitchFamily="34" charset="0"/>
+              </a:rPr>
+              <a:t> </a:t>
+            </a:r>
+            <a:r>
+              <a:rPr lang="es-ES" sz="2000" dirty="0" err="1">
+                <a:latin typeface="Segoe UI" panose="020B0502040204020203" pitchFamily="34" charset="0"/>
+                <a:cs typeface="Segoe UI" panose="020B0502040204020203" pitchFamily="34" charset="0"/>
+              </a:rPr>
+              <a:t>Act</a:t>
+            </a:r>
+            <a:r>
+              <a:rPr lang="es-ES" sz="2000" dirty="0">
+                <a:latin typeface="Segoe UI" panose="020B0502040204020203" pitchFamily="34" charset="0"/>
+                <a:cs typeface="Segoe UI" panose="020B0502040204020203" pitchFamily="34" charset="0"/>
+              </a:rPr>
+              <a:t>), cuyo objetivo es asegurar la privacidad de los pacientes y la seguridad de la información relacionada a </a:t>
+            </a:r>
+            <a:r>
+              <a:rPr lang="es-ES" sz="2000" dirty="0" smtClean="0">
+                <a:latin typeface="Segoe UI" panose="020B0502040204020203" pitchFamily="34" charset="0"/>
+                <a:cs typeface="Segoe UI" panose="020B0502040204020203" pitchFamily="34" charset="0"/>
+              </a:rPr>
+              <a:t>ellos. </a:t>
+            </a:r>
+            <a:r>
+              <a:rPr lang="es-ES" sz="2000" dirty="0">
+                <a:latin typeface="Segoe UI" panose="020B0502040204020203" pitchFamily="34" charset="0"/>
+                <a:cs typeface="Segoe UI" panose="020B0502040204020203" pitchFamily="34" charset="0"/>
+              </a:rPr>
+              <a:t>En el año 2004 se produjo el primer caso de violación a esta ley, cuando un empleado de una asociación de enfermos de cáncer utilizó información de pacientes para obtener tarjetas de crédito.</a:t>
+            </a:r>
+            <a:endParaRPr lang="es-ES" sz="2000" dirty="0" smtClean="0">
               <a:latin typeface="Segoe UI" panose="020B0502040204020203" pitchFamily="34" charset="0"/>
               <a:cs typeface="Segoe UI" panose="020B0502040204020203" pitchFamily="34" charset="0"/>
             </a:endParaRPr>
           </a:p>
+          <a:p>
+            <a:r>
+              <a:rPr lang="es-ES" sz="2000" dirty="0" smtClean="0">
+                <a:latin typeface="Segoe UI" panose="020B0502040204020203" pitchFamily="34" charset="0"/>
+                <a:cs typeface="Segoe UI" panose="020B0502040204020203" pitchFamily="34" charset="0"/>
+              </a:rPr>
+              <a:t>2010:  </a:t>
+            </a:r>
+            <a:r>
+              <a:rPr lang="es-ES" sz="2000" dirty="0">
+                <a:latin typeface="Segoe UI" panose="020B0502040204020203" pitchFamily="34" charset="0"/>
+                <a:cs typeface="Segoe UI" panose="020B0502040204020203" pitchFamily="34" charset="0"/>
+              </a:rPr>
+              <a:t>Google detectó que había sido víctima de un ataque desde China, que robó información de su propiedad intelectual. El ataque logró entrar a correos de un grupo de activistas chinos, así como también empresas financieras, tecnológicas, tecnológicas, y medios y químicos.</a:t>
+            </a:r>
+          </a:p>
+          <a:p>
+            <a:r>
+              <a:rPr lang="es-ES" sz="2000" dirty="0" smtClean="0">
+                <a:latin typeface="Segoe UI" panose="020B0502040204020203" pitchFamily="34" charset="0"/>
+                <a:cs typeface="Segoe UI" panose="020B0502040204020203" pitchFamily="34" charset="0"/>
+              </a:rPr>
+              <a:t>2014: </a:t>
+            </a:r>
+            <a:r>
+              <a:rPr lang="es-AR" sz="2000" dirty="0" smtClean="0">
+                <a:latin typeface="Segoe UI" panose="020B0502040204020203" pitchFamily="34" charset="0"/>
+                <a:cs typeface="Segoe UI" panose="020B0502040204020203" pitchFamily="34" charset="0"/>
+              </a:rPr>
+              <a:t>Edward </a:t>
+            </a:r>
+            <a:r>
+              <a:rPr lang="es-AR" sz="2000" dirty="0" err="1" smtClean="0">
+                <a:latin typeface="Segoe UI" panose="020B0502040204020203" pitchFamily="34" charset="0"/>
+                <a:cs typeface="Segoe UI" panose="020B0502040204020203" pitchFamily="34" charset="0"/>
+              </a:rPr>
+              <a:t>Snowden</a:t>
+            </a:r>
+            <a:r>
+              <a:rPr lang="es-AR" sz="2000" dirty="0" smtClean="0">
+                <a:latin typeface="Segoe UI" panose="020B0502040204020203" pitchFamily="34" charset="0"/>
+                <a:cs typeface="Segoe UI" panose="020B0502040204020203" pitchFamily="34" charset="0"/>
+              </a:rPr>
+              <a:t> revela cómo la Casa Blanca y sus organismos espían las comunicaciones en Internet. </a:t>
+            </a:r>
+            <a:r>
+              <a:rPr lang="es-AR" sz="2000" dirty="0" err="1" smtClean="0">
+                <a:latin typeface="Segoe UI" panose="020B0502040204020203" pitchFamily="34" charset="0"/>
+                <a:cs typeface="Segoe UI" panose="020B0502040204020203" pitchFamily="34" charset="0"/>
+              </a:rPr>
+              <a:t>Snowden</a:t>
+            </a:r>
+            <a:r>
+              <a:rPr lang="es-AR" sz="2000" dirty="0">
+                <a:latin typeface="Segoe UI" panose="020B0502040204020203" pitchFamily="34" charset="0"/>
+                <a:cs typeface="Segoe UI" panose="020B0502040204020203" pitchFamily="34" charset="0"/>
+              </a:rPr>
+              <a:t>, asilado político en Rusia, filtró documentos sobre las prácticas de espionaje del Gobierno empleando unidades de memoria USB (“</a:t>
+            </a:r>
+            <a:r>
+              <a:rPr lang="es-AR" sz="2000" dirty="0" err="1">
+                <a:latin typeface="Segoe UI" panose="020B0502040204020203" pitchFamily="34" charset="0"/>
+                <a:cs typeface="Segoe UI" panose="020B0502040204020203" pitchFamily="34" charset="0"/>
+              </a:rPr>
+              <a:t>pendrives</a:t>
+            </a:r>
+            <a:r>
+              <a:rPr lang="es-AR" sz="2000" dirty="0" smtClean="0">
+                <a:latin typeface="Segoe UI" panose="020B0502040204020203" pitchFamily="34" charset="0"/>
+                <a:cs typeface="Segoe UI" panose="020B0502040204020203" pitchFamily="34" charset="0"/>
+              </a:rPr>
+              <a:t>”).</a:t>
+            </a:r>
+            <a:endParaRPr lang="en-US" sz="2000" dirty="0">
+              <a:latin typeface="Segoe UI" panose="020B0502040204020203" pitchFamily="34" charset="0"/>
+              <a:cs typeface="Segoe UI" panose="020B0502040204020203" pitchFamily="34" charset="0"/>
+            </a:endParaRPr>
+          </a:p>
         </p:txBody>
       </p:sp>
     </p:spTree>
     <p:extLst>
       <p:ext uri="{BB962C8B-B14F-4D97-AF65-F5344CB8AC3E}">
-        <p14:creationId xmlns:p14="http://schemas.microsoft.com/office/powerpoint/2010/main" val="1108506989"/>
+        <p14:creationId xmlns:p14="http://schemas.microsoft.com/office/powerpoint/2010/main" xmlns="" val="659291744"/>
       </p:ext>
     </p:extLst>
   </p:cSld>
   <p:clrMapOvr>
     <a:masterClrMapping/>
   </p:clrMapOvr>
-  <mc:AlternateContent xmlns:mc="http://schemas.openxmlformats.org/markup-compatibility/2006" xmlns:p14="http://schemas.microsoft.com/office/powerpoint/2010/main">
-    <mc:Choice Requires="p14">
+  <mc:AlternateContent xmlns:mc="http://schemas.openxmlformats.org/markup-compatibility/2006">
+    <mc:Choice xmlns:p14="http://schemas.microsoft.com/office/powerpoint/2010/main" xmlns="" Requires="p14">
       <p:transition spd="med" p14:dur="700">
         <p:fade/>
       </p:transition>
     </mc:Choice>
-    <mc:Fallback xmlns="">
+    <mc:Fallback>
+      <p:transition spd="med">
+        <p:fade/>
+      </p:transition>
+    </mc:Fallback>
+  </mc:AlternateContent>
+  <p:timing>
+    <p:tnLst>
+      <p:par>
+        <p:cTn id="1" dur="indefinite" restart="never" nodeType="tmRoot"/>
+      </p:par>
+    </p:tnLst>
+  </p:timing>
+</p:sld>
+</file>
+
+<file path=ppt/slides/slide16.xml><?xml version="1.0" encoding="utf-8"?>
+<p:sld xmlns:a="http://schemas.openxmlformats.org/drawingml/2006/main" xmlns:r="http://schemas.openxmlformats.org/officeDocument/2006/relationships" xmlns:p="http://schemas.openxmlformats.org/presentationml/2006/main">
+  <p:cSld>
+    <p:spTree>
+      <p:nvGrpSpPr>
+        <p:cNvPr id="1" name=""/>
+        <p:cNvGrpSpPr/>
+        <p:nvPr/>
+      </p:nvGrpSpPr>
+      <p:grpSpPr>
+        <a:xfrm>
+          <a:off x="0" y="0"/>
+          <a:ext cx="0" cy="0"/>
+          <a:chOff x="0" y="0"/>
+          <a:chExt cx="0" cy="0"/>
+        </a:xfrm>
+      </p:grpSpPr>
+      <p:sp>
+        <p:nvSpPr>
+          <p:cNvPr id="3" name="Title 2"/>
+          <p:cNvSpPr>
+            <a:spLocks noGrp="1"/>
+          </p:cNvSpPr>
+          <p:nvPr>
+            <p:ph type="title"/>
+          </p:nvPr>
+        </p:nvSpPr>
+        <p:spPr/>
+        <p:txBody>
+          <a:bodyPr>
+            <a:normAutofit/>
+          </a:bodyPr>
+          <a:lstStyle/>
+          <a:p>
+            <a:r>
+              <a:rPr lang="es-AR" sz="6600" dirty="0" smtClean="0">
+                <a:latin typeface="Segoe UI" panose="020B0502040204020203" pitchFamily="34" charset="0"/>
+                <a:cs typeface="Segoe UI" panose="020B0502040204020203" pitchFamily="34" charset="0"/>
+              </a:rPr>
+              <a:t>Fin</a:t>
+            </a:r>
+            <a:endParaRPr lang="en-US" sz="6600" dirty="0">
+              <a:latin typeface="Segoe UI" panose="020B0502040204020203" pitchFamily="34" charset="0"/>
+              <a:cs typeface="Segoe UI" panose="020B0502040204020203" pitchFamily="34" charset="0"/>
+            </a:endParaRPr>
+          </a:p>
+        </p:txBody>
+      </p:sp>
+      <p:sp>
+        <p:nvSpPr>
+          <p:cNvPr id="4" name="Text Placeholder 3"/>
+          <p:cNvSpPr>
+            <a:spLocks noGrp="1"/>
+          </p:cNvSpPr>
+          <p:nvPr>
+            <p:ph type="body" sz="half" idx="2"/>
+          </p:nvPr>
+        </p:nvSpPr>
+        <p:spPr/>
+        <p:txBody>
+          <a:bodyPr>
+            <a:normAutofit/>
+          </a:bodyPr>
+          <a:lstStyle/>
+          <a:p>
+            <a:r>
+              <a:rPr lang="es-AR" sz="3600" dirty="0" smtClean="0">
+                <a:latin typeface="Segoe UI" panose="020B0502040204020203" pitchFamily="34" charset="0"/>
+                <a:cs typeface="Segoe UI" panose="020B0502040204020203" pitchFamily="34" charset="0"/>
+              </a:rPr>
+              <a:t>¿Preguntas?</a:t>
+            </a:r>
+            <a:endParaRPr lang="en-US" sz="3600" dirty="0">
+              <a:latin typeface="Segoe UI" panose="020B0502040204020203" pitchFamily="34" charset="0"/>
+              <a:cs typeface="Segoe UI" panose="020B0502040204020203" pitchFamily="34" charset="0"/>
+            </a:endParaRPr>
+          </a:p>
+        </p:txBody>
+      </p:sp>
+    </p:spTree>
+    <p:extLst>
+      <p:ext uri="{BB962C8B-B14F-4D97-AF65-F5344CB8AC3E}">
+        <p14:creationId xmlns:p14="http://schemas.microsoft.com/office/powerpoint/2010/main" xmlns="" val="1108506989"/>
+      </p:ext>
+    </p:extLst>
+  </p:cSld>
+  <p:clrMapOvr>
+    <a:masterClrMapping/>
+  </p:clrMapOvr>
+  <mc:AlternateContent xmlns:mc="http://schemas.openxmlformats.org/markup-compatibility/2006">
+    <mc:Choice xmlns:p14="http://schemas.microsoft.com/office/powerpoint/2010/main" xmlns="" Requires="p14">
+      <p:transition spd="med" p14:dur="700">
+        <p:fade/>
+      </p:transition>
+    </mc:Choice>
+    <mc:Fallback>
       <p:transition spd="med">
         <p:fade/>
       </p:transition>
@@ -9458,20 +9638,20 @@
     </p:spTree>
     <p:extLst>
       <p:ext uri="{BB962C8B-B14F-4D97-AF65-F5344CB8AC3E}">
-        <p14:creationId xmlns:p14="http://schemas.microsoft.com/office/powerpoint/2010/main" val="2139132589"/>
+        <p14:creationId xmlns:p14="http://schemas.microsoft.com/office/powerpoint/2010/main" xmlns="" val="2139132589"/>
       </p:ext>
     </p:extLst>
   </p:cSld>
   <p:clrMapOvr>
     <a:masterClrMapping/>
   </p:clrMapOvr>
-  <mc:AlternateContent xmlns:mc="http://schemas.openxmlformats.org/markup-compatibility/2006" xmlns:p14="http://schemas.microsoft.com/office/powerpoint/2010/main">
-    <mc:Choice Requires="p14">
+  <mc:AlternateContent xmlns:mc="http://schemas.openxmlformats.org/markup-compatibility/2006">
+    <mc:Choice xmlns:p14="http://schemas.microsoft.com/office/powerpoint/2010/main" xmlns="" Requires="p14">
       <p:transition spd="med" p14:dur="700">
         <p:fade/>
       </p:transition>
     </mc:Choice>
-    <mc:Fallback xmlns="">
+    <mc:Fallback>
       <p:transition spd="med">
         <p:fade/>
       </p:transition>
@@ -9648,20 +9828,20 @@
     </p:spTree>
     <p:extLst>
       <p:ext uri="{BB962C8B-B14F-4D97-AF65-F5344CB8AC3E}">
-        <p14:creationId xmlns:p14="http://schemas.microsoft.com/office/powerpoint/2010/main" val="3106206852"/>
+        <p14:creationId xmlns:p14="http://schemas.microsoft.com/office/powerpoint/2010/main" xmlns="" val="3106206852"/>
       </p:ext>
     </p:extLst>
   </p:cSld>
   <p:clrMapOvr>
     <a:masterClrMapping/>
   </p:clrMapOvr>
-  <mc:AlternateContent xmlns:mc="http://schemas.openxmlformats.org/markup-compatibility/2006" xmlns:p14="http://schemas.microsoft.com/office/powerpoint/2010/main">
-    <mc:Choice Requires="p14">
+  <mc:AlternateContent xmlns:mc="http://schemas.openxmlformats.org/markup-compatibility/2006">
+    <mc:Choice xmlns:p14="http://schemas.microsoft.com/office/powerpoint/2010/main" xmlns="" Requires="p14">
       <p:transition spd="med" p14:dur="700">
         <p:fade/>
       </p:transition>
     </mc:Choice>
-    <mc:Fallback xmlns="">
+    <mc:Fallback>
       <p:transition spd="med">
         <p:fade/>
       </p:transition>
@@ -9813,20 +9993,20 @@
     </p:spTree>
     <p:extLst>
       <p:ext uri="{BB962C8B-B14F-4D97-AF65-F5344CB8AC3E}">
-        <p14:creationId xmlns:p14="http://schemas.microsoft.com/office/powerpoint/2010/main" val="1838456528"/>
+        <p14:creationId xmlns:p14="http://schemas.microsoft.com/office/powerpoint/2010/main" xmlns="" val="1838456528"/>
       </p:ext>
     </p:extLst>
   </p:cSld>
   <p:clrMapOvr>
     <a:masterClrMapping/>
   </p:clrMapOvr>
-  <mc:AlternateContent xmlns:mc="http://schemas.openxmlformats.org/markup-compatibility/2006" xmlns:p14="http://schemas.microsoft.com/office/powerpoint/2010/main">
-    <mc:Choice Requires="p14">
+  <mc:AlternateContent xmlns:mc="http://schemas.openxmlformats.org/markup-compatibility/2006">
+    <mc:Choice xmlns:p14="http://schemas.microsoft.com/office/powerpoint/2010/main" xmlns="" Requires="p14">
       <p:transition spd="med" p14:dur="700">
         <p:fade/>
       </p:transition>
     </mc:Choice>
-    <mc:Fallback xmlns="">
+    <mc:Fallback>
       <p:transition spd="med">
         <p:fade/>
       </p:transition>
@@ -9843,207 +10023,6 @@
 </file>
 
 <file path=ppt/slides/slide5.xml><?xml version="1.0" encoding="utf-8"?>
-<p:sld xmlns:a="http://schemas.openxmlformats.org/drawingml/2006/main" xmlns:r="http://schemas.openxmlformats.org/officeDocument/2006/relationships" xmlns:p="http://schemas.openxmlformats.org/presentationml/2006/main">
-  <p:cSld>
-    <p:spTree>
-      <p:nvGrpSpPr>
-        <p:cNvPr id="1" name=""/>
-        <p:cNvGrpSpPr/>
-        <p:nvPr/>
-      </p:nvGrpSpPr>
-      <p:grpSpPr>
-        <a:xfrm>
-          <a:off x="0" y="0"/>
-          <a:ext cx="0" cy="0"/>
-          <a:chOff x="0" y="0"/>
-          <a:chExt cx="0" cy="0"/>
-        </a:xfrm>
-      </p:grpSpPr>
-      <p:sp>
-        <p:nvSpPr>
-          <p:cNvPr id="13" name="Title 12"/>
-          <p:cNvSpPr>
-            <a:spLocks noGrp="1"/>
-          </p:cNvSpPr>
-          <p:nvPr>
-            <p:ph type="title"/>
-          </p:nvPr>
-        </p:nvSpPr>
-        <p:spPr/>
-        <p:txBody>
-          <a:bodyPr/>
-          <a:lstStyle/>
-          <a:p>
-            <a:r>
-              <a:rPr lang="en-US" spc="0" dirty="0" err="1">
-                <a:ln w="0"/>
-                <a:solidFill>
-                  <a:schemeClr val="accent1"/>
-                </a:solidFill>
-                <a:effectLst>
-                  <a:outerShdw blurRad="38100" dist="25400" dir="5400000" algn="ctr" rotWithShape="0">
-                    <a:srgbClr val="6E747A">
-                      <a:alpha val="43000"/>
-                    </a:srgbClr>
-                  </a:outerShdw>
-                </a:effectLst>
-                <a:latin typeface="Segoe UI" panose="020B0502040204020203" pitchFamily="34" charset="0"/>
-                <a:cs typeface="Segoe UI" panose="020B0502040204020203" pitchFamily="34" charset="0"/>
-              </a:rPr>
-              <a:t>Siglo</a:t>
-            </a:r>
-            <a:r>
-              <a:rPr lang="en-US" spc="0" dirty="0">
-                <a:ln w="0"/>
-                <a:solidFill>
-                  <a:schemeClr val="accent1"/>
-                </a:solidFill>
-                <a:effectLst>
-                  <a:outerShdw blurRad="38100" dist="25400" dir="5400000" algn="ctr" rotWithShape="0">
-                    <a:srgbClr val="6E747A">
-                      <a:alpha val="43000"/>
-                    </a:srgbClr>
-                  </a:outerShdw>
-                </a:effectLst>
-                <a:latin typeface="Segoe UI" panose="020B0502040204020203" pitchFamily="34" charset="0"/>
-                <a:cs typeface="Segoe UI" panose="020B0502040204020203" pitchFamily="34" charset="0"/>
-              </a:rPr>
-              <a:t> XIX – </a:t>
-            </a:r>
-            <a:r>
-              <a:rPr lang="en-US" spc="0" dirty="0" err="1" smtClean="0">
-                <a:ln w="0"/>
-                <a:solidFill>
-                  <a:schemeClr val="accent1"/>
-                </a:solidFill>
-                <a:effectLst>
-                  <a:outerShdw blurRad="38100" dist="25400" dir="5400000" algn="ctr" rotWithShape="0">
-                    <a:srgbClr val="6E747A">
-                      <a:alpha val="43000"/>
-                    </a:srgbClr>
-                  </a:outerShdw>
-                </a:effectLst>
-                <a:latin typeface="Segoe UI" panose="020B0502040204020203" pitchFamily="34" charset="0"/>
-                <a:cs typeface="Segoe UI" panose="020B0502040204020203" pitchFamily="34" charset="0"/>
-              </a:rPr>
-              <a:t>Casos</a:t>
-            </a:r>
-            <a:r>
-              <a:rPr lang="en-US" spc="0" dirty="0" smtClean="0">
-                <a:ln w="0"/>
-                <a:solidFill>
-                  <a:schemeClr val="accent1"/>
-                </a:solidFill>
-                <a:effectLst>
-                  <a:outerShdw blurRad="38100" dist="25400" dir="5400000" algn="ctr" rotWithShape="0">
-                    <a:srgbClr val="6E747A">
-                      <a:alpha val="43000"/>
-                    </a:srgbClr>
-                  </a:outerShdw>
-                </a:effectLst>
-                <a:latin typeface="Segoe UI" panose="020B0502040204020203" pitchFamily="34" charset="0"/>
-                <a:cs typeface="Segoe UI" panose="020B0502040204020203" pitchFamily="34" charset="0"/>
-              </a:rPr>
-              <a:t> </a:t>
-            </a:r>
-            <a:r>
-              <a:rPr lang="en-US" spc="0" dirty="0" err="1" smtClean="0">
-                <a:ln w="0"/>
-                <a:solidFill>
-                  <a:schemeClr val="accent1"/>
-                </a:solidFill>
-                <a:effectLst>
-                  <a:outerShdw blurRad="38100" dist="25400" dir="5400000" algn="ctr" rotWithShape="0">
-                    <a:srgbClr val="6E747A">
-                      <a:alpha val="43000"/>
-                    </a:srgbClr>
-                  </a:outerShdw>
-                </a:effectLst>
-                <a:latin typeface="Segoe UI" panose="020B0502040204020203" pitchFamily="34" charset="0"/>
-                <a:cs typeface="Segoe UI" panose="020B0502040204020203" pitchFamily="34" charset="0"/>
-              </a:rPr>
-              <a:t>reales</a:t>
-            </a:r>
-            <a:endParaRPr lang="en-US" spc="0" dirty="0">
-              <a:ln w="0"/>
-              <a:solidFill>
-                <a:schemeClr val="accent1"/>
-              </a:solidFill>
-              <a:effectLst>
-                <a:outerShdw blurRad="38100" dist="25400" dir="5400000" algn="ctr" rotWithShape="0">
-                  <a:srgbClr val="6E747A">
-                    <a:alpha val="43000"/>
-                  </a:srgbClr>
-                </a:outerShdw>
-              </a:effectLst>
-              <a:latin typeface="Segoe UI" panose="020B0502040204020203" pitchFamily="34" charset="0"/>
-              <a:cs typeface="Segoe UI" panose="020B0502040204020203" pitchFamily="34" charset="0"/>
-            </a:endParaRPr>
-          </a:p>
-        </p:txBody>
-      </p:sp>
-      <p:sp>
-        <p:nvSpPr>
-          <p:cNvPr id="2" name="Content Placeholder 1"/>
-          <p:cNvSpPr>
-            <a:spLocks noGrp="1"/>
-          </p:cNvSpPr>
-          <p:nvPr>
-            <p:ph idx="1"/>
-          </p:nvPr>
-        </p:nvSpPr>
-        <p:spPr/>
-        <p:txBody>
-          <a:bodyPr/>
-          <a:lstStyle/>
-          <a:p>
-            <a:r>
-              <a:rPr lang="es-AR" dirty="0" smtClean="0">
-                <a:latin typeface="Segoe UI" panose="020B0502040204020203" pitchFamily="34" charset="0"/>
-                <a:cs typeface="Segoe UI" panose="020B0502040204020203" pitchFamily="34" charset="0"/>
-              </a:rPr>
-              <a:t>(COMPLETAR)</a:t>
-            </a:r>
-            <a:endParaRPr lang="en-US" dirty="0">
-              <a:latin typeface="Segoe UI" panose="020B0502040204020203" pitchFamily="34" charset="0"/>
-              <a:cs typeface="Segoe UI" panose="020B0502040204020203" pitchFamily="34" charset="0"/>
-            </a:endParaRPr>
-          </a:p>
-        </p:txBody>
-      </p:sp>
-    </p:spTree>
-    <p:extLst>
-      <p:ext uri="{BB962C8B-B14F-4D97-AF65-F5344CB8AC3E}">
-        <p14:creationId xmlns:p14="http://schemas.microsoft.com/office/powerpoint/2010/main" val="2616027559"/>
-      </p:ext>
-    </p:extLst>
-  </p:cSld>
-  <p:clrMapOvr>
-    <a:masterClrMapping/>
-  </p:clrMapOvr>
-  <mc:AlternateContent xmlns:mc="http://schemas.openxmlformats.org/markup-compatibility/2006" xmlns:p14="http://schemas.microsoft.com/office/powerpoint/2010/main">
-    <mc:Choice Requires="p14">
-      <p:transition spd="med" p14:dur="700">
-        <p:fade/>
-      </p:transition>
-    </mc:Choice>
-    <mc:Fallback xmlns="">
-      <p:transition spd="med">
-        <p:fade/>
-      </p:transition>
-    </mc:Fallback>
-  </mc:AlternateContent>
-  <p:timing>
-    <p:tnLst>
-      <p:par>
-        <p:cTn id="1" dur="indefinite" restart="never" nodeType="tmRoot"/>
-      </p:par>
-    </p:tnLst>
-  </p:timing>
-</p:sld>
-</file>
-
-<file path=ppt/slides/slide6.xml><?xml version="1.0" encoding="utf-8"?>
 <p:sld xmlns:a="http://schemas.openxmlformats.org/drawingml/2006/main" xmlns:r="http://schemas.openxmlformats.org/officeDocument/2006/relationships" xmlns:p="http://schemas.openxmlformats.org/presentationml/2006/main">
   <p:cSld>
     <p:spTree>
@@ -10470,20 +10449,288 @@
     </p:spTree>
     <p:extLst>
       <p:ext uri="{BB962C8B-B14F-4D97-AF65-F5344CB8AC3E}">
-        <p14:creationId xmlns:p14="http://schemas.microsoft.com/office/powerpoint/2010/main" val="4013840088"/>
+        <p14:creationId xmlns:p14="http://schemas.microsoft.com/office/powerpoint/2010/main" xmlns="" val="4013840088"/>
       </p:ext>
     </p:extLst>
   </p:cSld>
   <p:clrMapOvr>
     <a:masterClrMapping/>
   </p:clrMapOvr>
-  <mc:AlternateContent xmlns:mc="http://schemas.openxmlformats.org/markup-compatibility/2006" xmlns:p14="http://schemas.microsoft.com/office/powerpoint/2010/main">
-    <mc:Choice Requires="p14">
+  <mc:AlternateContent xmlns:mc="http://schemas.openxmlformats.org/markup-compatibility/2006">
+    <mc:Choice xmlns:p14="http://schemas.microsoft.com/office/powerpoint/2010/main" xmlns="" Requires="p14">
       <p:transition spd="med" p14:dur="700">
         <p:fade/>
       </p:transition>
     </mc:Choice>
-    <mc:Fallback xmlns="">
+    <mc:Fallback>
+      <p:transition spd="med">
+        <p:fade/>
+      </p:transition>
+    </mc:Fallback>
+  </mc:AlternateContent>
+  <p:timing>
+    <p:tnLst>
+      <p:par>
+        <p:cTn id="1" dur="indefinite" restart="never" nodeType="tmRoot"/>
+      </p:par>
+    </p:tnLst>
+  </p:timing>
+</p:sld>
+</file>
+
+<file path=ppt/slides/slide6.xml><?xml version="1.0" encoding="utf-8"?>
+<p:sld xmlns:a="http://schemas.openxmlformats.org/drawingml/2006/main" xmlns:r="http://schemas.openxmlformats.org/officeDocument/2006/relationships" xmlns:p="http://schemas.openxmlformats.org/presentationml/2006/main">
+  <p:cSld>
+    <p:spTree>
+      <p:nvGrpSpPr>
+        <p:cNvPr id="1" name=""/>
+        <p:cNvGrpSpPr/>
+        <p:nvPr/>
+      </p:nvGrpSpPr>
+      <p:grpSpPr>
+        <a:xfrm>
+          <a:off x="0" y="0"/>
+          <a:ext cx="0" cy="0"/>
+          <a:chOff x="0" y="0"/>
+          <a:chExt cx="0" cy="0"/>
+        </a:xfrm>
+      </p:grpSpPr>
+      <p:sp>
+        <p:nvSpPr>
+          <p:cNvPr id="13" name="Title 12"/>
+          <p:cNvSpPr>
+            <a:spLocks noGrp="1"/>
+          </p:cNvSpPr>
+          <p:nvPr>
+            <p:ph type="title"/>
+          </p:nvPr>
+        </p:nvSpPr>
+        <p:spPr/>
+        <p:txBody>
+          <a:bodyPr/>
+          <a:lstStyle/>
+          <a:p>
+            <a:r>
+              <a:rPr lang="en-US" spc="0" dirty="0" err="1" smtClean="0">
+                <a:ln w="0"/>
+                <a:solidFill>
+                  <a:schemeClr val="accent1"/>
+                </a:solidFill>
+                <a:effectLst>
+                  <a:outerShdw blurRad="38100" dist="25400" dir="5400000" algn="ctr" rotWithShape="0">
+                    <a:srgbClr val="6E747A">
+                      <a:alpha val="43000"/>
+                    </a:srgbClr>
+                  </a:outerShdw>
+                </a:effectLst>
+                <a:latin typeface="Segoe UI" panose="020B0502040204020203" pitchFamily="34" charset="0"/>
+                <a:cs typeface="Segoe UI" panose="020B0502040204020203" pitchFamily="34" charset="0"/>
+              </a:rPr>
+              <a:t>Siglo</a:t>
+            </a:r>
+            <a:r>
+              <a:rPr lang="en-US" spc="0" dirty="0" smtClean="0">
+                <a:ln w="0"/>
+                <a:solidFill>
+                  <a:schemeClr val="accent1"/>
+                </a:solidFill>
+                <a:effectLst>
+                  <a:outerShdw blurRad="38100" dist="25400" dir="5400000" algn="ctr" rotWithShape="0">
+                    <a:srgbClr val="6E747A">
+                      <a:alpha val="43000"/>
+                    </a:srgbClr>
+                  </a:outerShdw>
+                </a:effectLst>
+                <a:latin typeface="Segoe UI" panose="020B0502040204020203" pitchFamily="34" charset="0"/>
+                <a:cs typeface="Segoe UI" panose="020B0502040204020203" pitchFamily="34" charset="0"/>
+              </a:rPr>
+              <a:t> XIX – </a:t>
+            </a:r>
+            <a:r>
+              <a:rPr lang="en-US" spc="0" dirty="0" err="1" smtClean="0">
+                <a:ln w="0"/>
+                <a:solidFill>
+                  <a:schemeClr val="accent1"/>
+                </a:solidFill>
+                <a:effectLst>
+                  <a:outerShdw blurRad="38100" dist="25400" dir="5400000" algn="ctr" rotWithShape="0">
+                    <a:srgbClr val="6E747A">
+                      <a:alpha val="43000"/>
+                    </a:srgbClr>
+                  </a:outerShdw>
+                </a:effectLst>
+                <a:latin typeface="Segoe UI" panose="020B0502040204020203" pitchFamily="34" charset="0"/>
+                <a:cs typeface="Segoe UI" panose="020B0502040204020203" pitchFamily="34" charset="0"/>
+              </a:rPr>
+              <a:t>Mecanismos</a:t>
+            </a:r>
+            <a:r>
+              <a:rPr lang="en-US" spc="0" dirty="0" smtClean="0">
+                <a:ln w="0"/>
+                <a:solidFill>
+                  <a:schemeClr val="accent1"/>
+                </a:solidFill>
+                <a:effectLst>
+                  <a:outerShdw blurRad="38100" dist="25400" dir="5400000" algn="ctr" rotWithShape="0">
+                    <a:srgbClr val="6E747A">
+                      <a:alpha val="43000"/>
+                    </a:srgbClr>
+                  </a:outerShdw>
+                </a:effectLst>
+                <a:latin typeface="Segoe UI" panose="020B0502040204020203" pitchFamily="34" charset="0"/>
+                <a:cs typeface="Segoe UI" panose="020B0502040204020203" pitchFamily="34" charset="0"/>
+              </a:rPr>
+              <a:t> de </a:t>
+            </a:r>
+            <a:r>
+              <a:rPr lang="en-US" spc="0" dirty="0" err="1" smtClean="0">
+                <a:ln w="0"/>
+                <a:solidFill>
+                  <a:schemeClr val="accent1"/>
+                </a:solidFill>
+                <a:effectLst>
+                  <a:outerShdw blurRad="38100" dist="25400" dir="5400000" algn="ctr" rotWithShape="0">
+                    <a:srgbClr val="6E747A">
+                      <a:alpha val="43000"/>
+                    </a:srgbClr>
+                  </a:outerShdw>
+                </a:effectLst>
+                <a:latin typeface="Segoe UI" panose="020B0502040204020203" pitchFamily="34" charset="0"/>
+                <a:cs typeface="Segoe UI" panose="020B0502040204020203" pitchFamily="34" charset="0"/>
+              </a:rPr>
+              <a:t>defensa</a:t>
+            </a:r>
+            <a:endParaRPr lang="en-US" spc="0" dirty="0">
+              <a:ln w="0"/>
+              <a:solidFill>
+                <a:schemeClr val="accent1"/>
+              </a:solidFill>
+              <a:effectLst>
+                <a:outerShdw blurRad="38100" dist="25400" dir="5400000" algn="ctr" rotWithShape="0">
+                  <a:srgbClr val="6E747A">
+                    <a:alpha val="43000"/>
+                  </a:srgbClr>
+                </a:outerShdw>
+              </a:effectLst>
+              <a:latin typeface="Segoe UI" panose="020B0502040204020203" pitchFamily="34" charset="0"/>
+              <a:cs typeface="Segoe UI" panose="020B0502040204020203" pitchFamily="34" charset="0"/>
+            </a:endParaRPr>
+          </a:p>
+        </p:txBody>
+      </p:sp>
+      <p:sp>
+        <p:nvSpPr>
+          <p:cNvPr id="2" name="Content Placeholder 1"/>
+          <p:cNvSpPr>
+            <a:spLocks noGrp="1"/>
+          </p:cNvSpPr>
+          <p:nvPr>
+            <p:ph idx="1"/>
+          </p:nvPr>
+        </p:nvSpPr>
+        <p:spPr/>
+        <p:txBody>
+          <a:bodyPr>
+            <a:noAutofit/>
+          </a:bodyPr>
+          <a:lstStyle/>
+          <a:p>
+            <a:r>
+              <a:rPr lang="es-AR" dirty="0" smtClean="0">
+                <a:latin typeface="Segoe UI" panose="020B0502040204020203" pitchFamily="34" charset="0"/>
+                <a:cs typeface="Segoe UI" panose="020B0502040204020203" pitchFamily="34" charset="0"/>
+              </a:rPr>
+              <a:t>Esteganografía</a:t>
+            </a:r>
+          </a:p>
+          <a:p>
+            <a:pPr lvl="1"/>
+            <a:r>
+              <a:rPr lang="es-AR" dirty="0" smtClean="0">
+                <a:latin typeface="Segoe UI" panose="020B0502040204020203" pitchFamily="34" charset="0"/>
+                <a:cs typeface="Segoe UI" panose="020B0502040204020203" pitchFamily="34" charset="0"/>
+              </a:rPr>
+              <a:t>Ocultar mensajes dentro de otros mensajes</a:t>
+            </a:r>
+          </a:p>
+          <a:p>
+            <a:r>
+              <a:rPr lang="es-AR" dirty="0" smtClean="0">
+                <a:latin typeface="Segoe UI" panose="020B0502040204020203" pitchFamily="34" charset="0"/>
+                <a:cs typeface="Segoe UI" panose="020B0502040204020203" pitchFamily="34" charset="0"/>
+              </a:rPr>
+              <a:t>Criptografía</a:t>
+            </a:r>
+          </a:p>
+          <a:p>
+            <a:pPr lvl="1"/>
+            <a:r>
+              <a:rPr lang="es-AR" dirty="0" smtClean="0">
+                <a:latin typeface="Segoe UI" panose="020B0502040204020203" pitchFamily="34" charset="0"/>
+                <a:cs typeface="Segoe UI" panose="020B0502040204020203" pitchFamily="34" charset="0"/>
+              </a:rPr>
+              <a:t>Método </a:t>
+            </a:r>
+            <a:r>
+              <a:rPr lang="es-AR" dirty="0" err="1" smtClean="0">
+                <a:latin typeface="Segoe UI" panose="020B0502040204020203" pitchFamily="34" charset="0"/>
+                <a:cs typeface="Segoe UI" panose="020B0502040204020203" pitchFamily="34" charset="0"/>
+              </a:rPr>
+              <a:t>Playfair</a:t>
+            </a:r>
+            <a:r>
+              <a:rPr lang="es-AR" dirty="0" smtClean="0">
+                <a:latin typeface="Segoe UI" panose="020B0502040204020203" pitchFamily="34" charset="0"/>
+                <a:cs typeface="Segoe UI" panose="020B0502040204020203" pitchFamily="34" charset="0"/>
+              </a:rPr>
+              <a:t> (1854)</a:t>
+            </a:r>
+            <a:endParaRPr lang="es-AR" dirty="0">
+              <a:latin typeface="Segoe UI" panose="020B0502040204020203" pitchFamily="34" charset="0"/>
+              <a:cs typeface="Segoe UI" panose="020B0502040204020203" pitchFamily="34" charset="0"/>
+            </a:endParaRPr>
+          </a:p>
+          <a:p>
+            <a:r>
+              <a:rPr lang="es-AR" dirty="0" smtClean="0">
+                <a:latin typeface="Segoe UI" panose="020B0502040204020203" pitchFamily="34" charset="0"/>
+                <a:cs typeface="Segoe UI" panose="020B0502040204020203" pitchFamily="34" charset="0"/>
+              </a:rPr>
+              <a:t>Patentes de invención</a:t>
+            </a:r>
+          </a:p>
+          <a:p>
+            <a:r>
+              <a:rPr lang="es-AR" dirty="0" smtClean="0">
+                <a:latin typeface="Segoe UI" panose="020B0502040204020203" pitchFamily="34" charset="0"/>
+                <a:cs typeface="Segoe UI" panose="020B0502040204020203" pitchFamily="34" charset="0"/>
+              </a:rPr>
+              <a:t>Cajas de seguridad</a:t>
+            </a:r>
+            <a:endParaRPr lang="en-US" dirty="0">
+              <a:latin typeface="Segoe UI" panose="020B0502040204020203" pitchFamily="34" charset="0"/>
+              <a:cs typeface="Segoe UI" panose="020B0502040204020203" pitchFamily="34" charset="0"/>
+            </a:endParaRPr>
+          </a:p>
+        </p:txBody>
+      </p:sp>
+    </p:spTree>
+    <p:extLst>
+      <p:ext uri="{BB962C8B-B14F-4D97-AF65-F5344CB8AC3E}">
+        <p14:creationId xmlns:p14="http://schemas.microsoft.com/office/powerpoint/2010/main" xmlns="" val="3258954794"/>
+      </p:ext>
+    </p:extLst>
+  </p:cSld>
+  <p:clrMapOvr>
+    <a:masterClrMapping/>
+  </p:clrMapOvr>
+  <mc:AlternateContent xmlns:mc="http://schemas.openxmlformats.org/markup-compatibility/2006">
+    <mc:Choice xmlns:p14="http://schemas.microsoft.com/office/powerpoint/2010/main" xmlns="" Requires="p14">
+      <p:transition spd="med" p14:dur="700">
+        <p:fade/>
+      </p:transition>
+    </mc:Choice>
+    <mc:Fallback>
       <p:transition spd="med">
         <p:fade/>
       </p:transition>
@@ -10532,7 +10779,7 @@
           <a:lstStyle/>
           <a:p>
             <a:r>
-              <a:rPr lang="en-US" spc="0" dirty="0" err="1" smtClean="0">
+              <a:rPr lang="en-US" spc="0" dirty="0" err="1">
                 <a:ln w="0"/>
                 <a:solidFill>
                   <a:schemeClr val="accent1"/>
@@ -10550,7 +10797,7 @@
               <a:t>Siglo</a:t>
             </a:r>
             <a:r>
-              <a:rPr lang="en-US" spc="0" dirty="0" smtClean="0">
+              <a:rPr lang="en-US" spc="0" dirty="0">
                 <a:ln w="0"/>
                 <a:solidFill>
                   <a:schemeClr val="accent1"/>
@@ -10583,43 +10830,7 @@
                 <a:latin typeface="Segoe UI" panose="020B0502040204020203" pitchFamily="34" charset="0"/>
                 <a:cs typeface="Segoe UI" panose="020B0502040204020203" pitchFamily="34" charset="0"/>
               </a:rPr>
-              <a:t>Mecanismos</a:t>
-            </a:r>
-            <a:r>
-              <a:rPr lang="en-US" spc="0" dirty="0" smtClean="0">
-                <a:ln w="0"/>
-                <a:solidFill>
-                  <a:schemeClr val="accent1"/>
-                </a:solidFill>
-                <a:effectLst>
-                  <a:outerShdw blurRad="38100" dist="25400" dir="5400000" algn="ctr" rotWithShape="0">
-                    <a:srgbClr val="6E747A">
-                      <a:alpha val="43000"/>
-                    </a:srgbClr>
-                  </a:outerShdw>
-                </a:effectLst>
-                <a:latin typeface="Segoe UI" panose="020B0502040204020203" pitchFamily="34" charset="0"/>
-                <a:cs typeface="Segoe UI" panose="020B0502040204020203" pitchFamily="34" charset="0"/>
-              </a:rPr>
-              <a:t> de </a:t>
-            </a:r>
-            <a:r>
-              <a:rPr lang="en-US" spc="0" dirty="0" err="1" smtClean="0">
-                <a:ln w="0"/>
-                <a:solidFill>
-                  <a:schemeClr val="accent1"/>
-                </a:solidFill>
-                <a:effectLst>
-                  <a:outerShdw blurRad="38100" dist="25400" dir="5400000" algn="ctr" rotWithShape="0">
-                    <a:srgbClr val="6E747A">
-                      <a:alpha val="43000"/>
-                    </a:srgbClr>
-                  </a:outerShdw>
-                </a:effectLst>
-                <a:latin typeface="Segoe UI" panose="020B0502040204020203" pitchFamily="34" charset="0"/>
-                <a:cs typeface="Segoe UI" panose="020B0502040204020203" pitchFamily="34" charset="0"/>
-              </a:rPr>
-              <a:t>defensa</a:t>
+              <a:t>Riesgos</a:t>
             </a:r>
             <a:endParaRPr lang="en-US" spc="0" dirty="0">
               <a:ln w="0"/>
@@ -10651,86 +10862,103 @@
         </p:nvSpPr>
         <p:spPr/>
         <p:txBody>
-          <a:bodyPr>
-            <a:noAutofit/>
-          </a:bodyPr>
+          <a:bodyPr/>
           <a:lstStyle/>
           <a:p>
             <a:r>
               <a:rPr lang="es-AR" dirty="0" smtClean="0">
-                <a:latin typeface="Segoe UI" panose="020B0502040204020203" pitchFamily="34" charset="0"/>
-                <a:cs typeface="Segoe UI" panose="020B0502040204020203" pitchFamily="34" charset="0"/>
-              </a:rPr>
-              <a:t>Esteganografía</a:t>
+                <a:latin typeface="Segoe UI" pitchFamily="34" charset="0"/>
+                <a:ea typeface="Segoe UI" pitchFamily="34" charset="0"/>
+                <a:cs typeface="Segoe UI" pitchFamily="34" charset="0"/>
+              </a:rPr>
+              <a:t>Riesgo a que otro patente el activo propio</a:t>
+            </a:r>
+          </a:p>
+          <a:p>
+            <a:r>
+              <a:rPr lang="es-AR" dirty="0" smtClean="0">
+                <a:latin typeface="Segoe UI" pitchFamily="34" charset="0"/>
+                <a:ea typeface="Segoe UI" pitchFamily="34" charset="0"/>
+                <a:cs typeface="Segoe UI" pitchFamily="34" charset="0"/>
+              </a:rPr>
+              <a:t>Comercialización de activo propio por parte de otras organizaciones</a:t>
+            </a:r>
+          </a:p>
+          <a:p>
+            <a:r>
+              <a:rPr lang="es-AR" dirty="0" smtClean="0">
+                <a:latin typeface="Segoe UI" pitchFamily="34" charset="0"/>
+                <a:ea typeface="Segoe UI" pitchFamily="34" charset="0"/>
+                <a:cs typeface="Segoe UI" pitchFamily="34" charset="0"/>
+              </a:rPr>
+              <a:t>Copia de patentes en el extranjero</a:t>
+            </a:r>
+          </a:p>
+          <a:p>
+            <a:r>
+              <a:rPr lang="es-AR" dirty="0" smtClean="0">
+                <a:latin typeface="Segoe UI" pitchFamily="34" charset="0"/>
+                <a:ea typeface="Segoe UI" pitchFamily="34" charset="0"/>
+                <a:cs typeface="Segoe UI" pitchFamily="34" charset="0"/>
+              </a:rPr>
+              <a:t>Robo de </a:t>
+            </a:r>
+            <a:r>
+              <a:rPr lang="es-AR" dirty="0" smtClean="0">
+                <a:latin typeface="Segoe UI" pitchFamily="34" charset="0"/>
+                <a:ea typeface="Segoe UI" pitchFamily="34" charset="0"/>
+                <a:cs typeface="Segoe UI" pitchFamily="34" charset="0"/>
+              </a:rPr>
+              <a:t>documentación</a:t>
+            </a:r>
+          </a:p>
+          <a:p>
+            <a:r>
+              <a:rPr lang="es-AR" dirty="0" smtClean="0">
+                <a:latin typeface="Segoe UI" pitchFamily="34" charset="0"/>
+                <a:ea typeface="Segoe UI" pitchFamily="34" charset="0"/>
+                <a:cs typeface="Segoe UI" pitchFamily="34" charset="0"/>
+              </a:rPr>
+              <a:t>Información clave en manos del enemigo</a:t>
+            </a:r>
+            <a:endParaRPr lang="es-AR" dirty="0" smtClean="0">
+              <a:latin typeface="Segoe UI" pitchFamily="34" charset="0"/>
+              <a:ea typeface="Segoe UI" pitchFamily="34" charset="0"/>
+              <a:cs typeface="Segoe UI" pitchFamily="34" charset="0"/>
+            </a:endParaRPr>
+          </a:p>
+          <a:p>
+            <a:r>
+              <a:rPr lang="es-AR" dirty="0" smtClean="0">
+                <a:latin typeface="Segoe UI" pitchFamily="34" charset="0"/>
+                <a:ea typeface="Segoe UI" pitchFamily="34" charset="0"/>
+                <a:cs typeface="Segoe UI" pitchFamily="34" charset="0"/>
+              </a:rPr>
+              <a:t>Pérdida de </a:t>
+            </a:r>
+            <a:r>
+              <a:rPr lang="es-AR" dirty="0" smtClean="0">
+                <a:latin typeface="Segoe UI" pitchFamily="34" charset="0"/>
+                <a:ea typeface="Segoe UI" pitchFamily="34" charset="0"/>
+                <a:cs typeface="Segoe UI" pitchFamily="34" charset="0"/>
+              </a:rPr>
+              <a:t>información</a:t>
             </a:r>
           </a:p>
           <a:p>
             <a:pPr lvl="1"/>
             <a:r>
               <a:rPr lang="es-AR" dirty="0" smtClean="0">
-                <a:latin typeface="Segoe UI" panose="020B0502040204020203" pitchFamily="34" charset="0"/>
-                <a:cs typeface="Segoe UI" panose="020B0502040204020203" pitchFamily="34" charset="0"/>
-              </a:rPr>
-              <a:t>Ocultar mensajes dentro de otros mensajes</a:t>
-            </a:r>
-          </a:p>
-          <a:p>
-            <a:r>
-              <a:rPr lang="es-AR" dirty="0" smtClean="0">
-                <a:latin typeface="Segoe UI" panose="020B0502040204020203" pitchFamily="34" charset="0"/>
-                <a:cs typeface="Segoe UI" panose="020B0502040204020203" pitchFamily="34" charset="0"/>
-              </a:rPr>
-              <a:t>Criptografía</a:t>
-            </a:r>
-          </a:p>
-          <a:p>
-            <a:pPr lvl="1"/>
-            <a:r>
-              <a:rPr lang="es-AR" dirty="0" smtClean="0">
-                <a:latin typeface="Segoe UI" panose="020B0502040204020203" pitchFamily="34" charset="0"/>
-                <a:cs typeface="Segoe UI" panose="020B0502040204020203" pitchFamily="34" charset="0"/>
-              </a:rPr>
-              <a:t>Método </a:t>
-            </a:r>
-            <a:r>
-              <a:rPr lang="es-AR" dirty="0" err="1" smtClean="0">
-                <a:latin typeface="Segoe UI" panose="020B0502040204020203" pitchFamily="34" charset="0"/>
-                <a:cs typeface="Segoe UI" panose="020B0502040204020203" pitchFamily="34" charset="0"/>
-              </a:rPr>
-              <a:t>Playfair</a:t>
-            </a:r>
-            <a:r>
-              <a:rPr lang="es-AR" dirty="0" smtClean="0">
-                <a:latin typeface="Segoe UI" panose="020B0502040204020203" pitchFamily="34" charset="0"/>
-                <a:cs typeface="Segoe UI" panose="020B0502040204020203" pitchFamily="34" charset="0"/>
-              </a:rPr>
-              <a:t> (1854)</a:t>
-            </a:r>
-            <a:endParaRPr lang="es-AR" dirty="0">
-              <a:latin typeface="Segoe UI" panose="020B0502040204020203" pitchFamily="34" charset="0"/>
-              <a:cs typeface="Segoe UI" panose="020B0502040204020203" pitchFamily="34" charset="0"/>
-            </a:endParaRPr>
-          </a:p>
-          <a:p>
-            <a:r>
-              <a:rPr lang="es-AR" dirty="0" smtClean="0">
-                <a:latin typeface="Segoe UI" panose="020B0502040204020203" pitchFamily="34" charset="0"/>
-                <a:cs typeface="Segoe UI" panose="020B0502040204020203" pitchFamily="34" charset="0"/>
-              </a:rPr>
-              <a:t>Patentes de invención</a:t>
-            </a:r>
-          </a:p>
-          <a:p>
-            <a:r>
-              <a:rPr lang="es-AR" dirty="0" smtClean="0">
-                <a:latin typeface="Segoe UI" panose="020B0502040204020203" pitchFamily="34" charset="0"/>
-                <a:cs typeface="Segoe UI" panose="020B0502040204020203" pitchFamily="34" charset="0"/>
-              </a:rPr>
-              <a:t>Cajas de seguridad</a:t>
-            </a:r>
-            <a:endParaRPr lang="en-US" dirty="0">
-              <a:latin typeface="Segoe UI" panose="020B0502040204020203" pitchFamily="34" charset="0"/>
-              <a:cs typeface="Segoe UI" panose="020B0502040204020203" pitchFamily="34" charset="0"/>
+                <a:latin typeface="Segoe UI" pitchFamily="34" charset="0"/>
+                <a:ea typeface="Segoe UI" pitchFamily="34" charset="0"/>
+                <a:cs typeface="Segoe UI" pitchFamily="34" charset="0"/>
+              </a:rPr>
+              <a:t>Siniestros</a:t>
+            </a:r>
+            <a:endParaRPr lang="es-AR" dirty="0" smtClean="0">
+              <a:latin typeface="Segoe UI" pitchFamily="34" charset="0"/>
+              <a:ea typeface="Segoe UI" pitchFamily="34" charset="0"/>
+              <a:cs typeface="Segoe UI" pitchFamily="34" charset="0"/>
             </a:endParaRPr>
           </a:p>
         </p:txBody>
@@ -10738,20 +10966,20 @@
     </p:spTree>
     <p:extLst>
       <p:ext uri="{BB962C8B-B14F-4D97-AF65-F5344CB8AC3E}">
-        <p14:creationId xmlns:p14="http://schemas.microsoft.com/office/powerpoint/2010/main" val="3258954794"/>
+        <p14:creationId xmlns:p14="http://schemas.microsoft.com/office/powerpoint/2010/main" xmlns="" val="1679218424"/>
       </p:ext>
     </p:extLst>
   </p:cSld>
   <p:clrMapOvr>
     <a:masterClrMapping/>
   </p:clrMapOvr>
-  <mc:AlternateContent xmlns:mc="http://schemas.openxmlformats.org/markup-compatibility/2006" xmlns:p14="http://schemas.microsoft.com/office/powerpoint/2010/main">
-    <mc:Choice Requires="p14">
+  <mc:AlternateContent xmlns:mc="http://schemas.openxmlformats.org/markup-compatibility/2006">
+    <mc:Choice xmlns:p14="http://schemas.microsoft.com/office/powerpoint/2010/main" xmlns="" Requires="p14">
       <p:transition spd="med" p14:dur="700">
         <p:fade/>
       </p:transition>
     </mc:Choice>
-    <mc:Fallback xmlns="">
+    <mc:Fallback>
       <p:transition spd="med">
         <p:fade/>
       </p:transition>
@@ -10786,7 +11014,7 @@
       </p:grpSpPr>
       <p:sp>
         <p:nvSpPr>
-          <p:cNvPr id="13" name="Title 12"/>
+          <p:cNvPr id="2" name="1 Título"/>
           <p:cNvSpPr>
             <a:spLocks noGrp="1"/>
           </p:cNvSpPr>
@@ -10800,7 +11028,7 @@
           <a:lstStyle/>
           <a:p>
             <a:r>
-              <a:rPr lang="en-US" spc="0" dirty="0" err="1">
+              <a:rPr lang="en-US" spc="0" dirty="0" err="1" smtClean="0">
                 <a:ln w="0"/>
                 <a:solidFill>
                   <a:schemeClr val="accent1"/>
@@ -10818,7 +11046,7 @@
               <a:t>Siglo</a:t>
             </a:r>
             <a:r>
-              <a:rPr lang="en-US" spc="0" dirty="0">
+              <a:rPr lang="en-US" spc="0" dirty="0" smtClean="0">
                 <a:ln w="0"/>
                 <a:solidFill>
                   <a:schemeClr val="accent1"/>
@@ -10851,29 +11079,51 @@
                 <a:latin typeface="Segoe UI" panose="020B0502040204020203" pitchFamily="34" charset="0"/>
                 <a:cs typeface="Segoe UI" panose="020B0502040204020203" pitchFamily="34" charset="0"/>
               </a:rPr>
-              <a:t>Riesgos</a:t>
-            </a:r>
-            <a:endParaRPr lang="en-US" spc="0" dirty="0">
-              <a:ln w="0"/>
-              <a:solidFill>
-                <a:schemeClr val="accent1"/>
-              </a:solidFill>
-              <a:effectLst>
-                <a:outerShdw blurRad="38100" dist="25400" dir="5400000" algn="ctr" rotWithShape="0">
-                  <a:srgbClr val="6E747A">
-                    <a:alpha val="43000"/>
-                  </a:srgbClr>
-                </a:outerShdw>
-              </a:effectLst>
-              <a:latin typeface="Segoe UI" panose="020B0502040204020203" pitchFamily="34" charset="0"/>
-              <a:cs typeface="Segoe UI" panose="020B0502040204020203" pitchFamily="34" charset="0"/>
-            </a:endParaRPr>
-          </a:p>
-        </p:txBody>
-      </p:sp>
-      <p:sp>
-        <p:nvSpPr>
-          <p:cNvPr id="2" name="Content Placeholder 1"/>
+              <a:t>Casos</a:t>
+            </a:r>
+            <a:r>
+              <a:rPr lang="en-US" spc="0" dirty="0" smtClean="0">
+                <a:ln w="0"/>
+                <a:solidFill>
+                  <a:schemeClr val="accent1"/>
+                </a:solidFill>
+                <a:effectLst>
+                  <a:outerShdw blurRad="38100" dist="25400" dir="5400000" algn="ctr" rotWithShape="0">
+                    <a:srgbClr val="6E747A">
+                      <a:alpha val="43000"/>
+                    </a:srgbClr>
+                  </a:outerShdw>
+                </a:effectLst>
+                <a:latin typeface="Segoe UI" panose="020B0502040204020203" pitchFamily="34" charset="0"/>
+                <a:cs typeface="Segoe UI" panose="020B0502040204020203" pitchFamily="34" charset="0"/>
+              </a:rPr>
+              <a:t> </a:t>
+            </a:r>
+            <a:r>
+              <a:rPr lang="en-US" spc="0" dirty="0" err="1" smtClean="0">
+                <a:ln w="0"/>
+                <a:solidFill>
+                  <a:schemeClr val="accent1"/>
+                </a:solidFill>
+                <a:effectLst>
+                  <a:outerShdw blurRad="38100" dist="25400" dir="5400000" algn="ctr" rotWithShape="0">
+                    <a:srgbClr val="6E747A">
+                      <a:alpha val="43000"/>
+                    </a:srgbClr>
+                  </a:outerShdw>
+                </a:effectLst>
+                <a:latin typeface="Segoe UI" panose="020B0502040204020203" pitchFamily="34" charset="0"/>
+                <a:cs typeface="Segoe UI" panose="020B0502040204020203" pitchFamily="34" charset="0"/>
+              </a:rPr>
+              <a:t>reales</a:t>
+            </a:r>
+            <a:endParaRPr lang="es-AR" dirty="0"/>
+          </a:p>
+        </p:txBody>
+      </p:sp>
+      <p:sp>
+        <p:nvSpPr>
+          <p:cNvPr id="3" name="2 Marcador de contenido"/>
           <p:cNvSpPr>
             <a:spLocks noGrp="1"/>
           </p:cNvSpPr>
@@ -10888,47 +11138,97 @@
           <a:p>
             <a:r>
               <a:rPr lang="es-AR" dirty="0" smtClean="0">
-                <a:latin typeface="Segoe UI" panose="020B0502040204020203" pitchFamily="34" charset="0"/>
-                <a:cs typeface="Segoe UI" panose="020B0502040204020203" pitchFamily="34" charset="0"/>
-              </a:rPr>
-              <a:t>(COMPLETAR)</a:t>
-            </a:r>
-            <a:endParaRPr lang="en-US" dirty="0">
-              <a:latin typeface="Segoe UI" panose="020B0502040204020203" pitchFamily="34" charset="0"/>
-              <a:cs typeface="Segoe UI" panose="020B0502040204020203" pitchFamily="34" charset="0"/>
-            </a:endParaRPr>
+                <a:latin typeface="Segoe UI" pitchFamily="34" charset="0"/>
+                <a:ea typeface="Segoe UI" pitchFamily="34" charset="0"/>
+                <a:cs typeface="Segoe UI" pitchFamily="34" charset="0"/>
+              </a:rPr>
+              <a:t>Guerra Civil Americana</a:t>
+            </a:r>
+          </a:p>
+          <a:p>
+            <a:pPr lvl="1"/>
+            <a:r>
+              <a:rPr lang="es-AR" dirty="0" smtClean="0">
+                <a:latin typeface="Segoe UI" pitchFamily="34" charset="0"/>
+                <a:ea typeface="Segoe UI" pitchFamily="34" charset="0"/>
+                <a:cs typeface="Segoe UI" pitchFamily="34" charset="0"/>
+              </a:rPr>
+              <a:t>Unión – Sustitución + Transposición</a:t>
+            </a:r>
+          </a:p>
+          <a:p>
+            <a:pPr lvl="1"/>
+            <a:r>
+              <a:rPr lang="es-AR" dirty="0" smtClean="0">
+                <a:latin typeface="Segoe UI" pitchFamily="34" charset="0"/>
+                <a:ea typeface="Segoe UI" pitchFamily="34" charset="0"/>
+                <a:cs typeface="Segoe UI" pitchFamily="34" charset="0"/>
+              </a:rPr>
+              <a:t>Confederados - Vigenère </a:t>
+            </a:r>
+          </a:p>
+          <a:p>
+            <a:r>
+              <a:rPr lang="es-AR" dirty="0" smtClean="0">
+                <a:latin typeface="Segoe UI" pitchFamily="34" charset="0"/>
+                <a:ea typeface="Segoe UI" pitchFamily="34" charset="0"/>
+                <a:cs typeface="Segoe UI" pitchFamily="34" charset="0"/>
+              </a:rPr>
+              <a:t>Telegrama Zimmermann</a:t>
+            </a:r>
+          </a:p>
+          <a:p>
+            <a:r>
+              <a:rPr lang="es-AR" dirty="0" smtClean="0">
+                <a:latin typeface="Segoe UI" pitchFamily="34" charset="0"/>
+                <a:ea typeface="Segoe UI" pitchFamily="34" charset="0"/>
+                <a:cs typeface="Segoe UI" pitchFamily="34" charset="0"/>
+              </a:rPr>
+              <a:t>Máquina de Colossus</a:t>
+            </a:r>
+          </a:p>
+          <a:p>
+            <a:r>
+              <a:rPr lang="es-AR" dirty="0" smtClean="0">
+                <a:latin typeface="Segoe UI" pitchFamily="34" charset="0"/>
+                <a:ea typeface="Segoe UI" pitchFamily="34" charset="0"/>
+                <a:cs typeface="Segoe UI" pitchFamily="34" charset="0"/>
+              </a:rPr>
+              <a:t>Coca Cola - 1886</a:t>
+            </a:r>
+          </a:p>
+          <a:p>
+            <a:r>
+              <a:rPr lang="es-AR" dirty="0" smtClean="0">
+                <a:latin typeface="Segoe UI" pitchFamily="34" charset="0"/>
+                <a:ea typeface="Segoe UI" pitchFamily="34" charset="0"/>
+                <a:cs typeface="Segoe UI" pitchFamily="34" charset="0"/>
+              </a:rPr>
+              <a:t>Automóvil</a:t>
+            </a:r>
+          </a:p>
+          <a:p>
+            <a:endParaRPr lang="es-AR" dirty="0"/>
           </a:p>
         </p:txBody>
       </p:sp>
     </p:spTree>
-    <p:extLst>
-      <p:ext uri="{BB962C8B-B14F-4D97-AF65-F5344CB8AC3E}">
-        <p14:creationId xmlns:p14="http://schemas.microsoft.com/office/powerpoint/2010/main" val="1679218424"/>
-      </p:ext>
-    </p:extLst>
   </p:cSld>
   <p:clrMapOvr>
     <a:masterClrMapping/>
   </p:clrMapOvr>
-  <mc:AlternateContent xmlns:mc="http://schemas.openxmlformats.org/markup-compatibility/2006" xmlns:p14="http://schemas.microsoft.com/office/powerpoint/2010/main">
-    <mc:Choice Requires="p14">
+  <mc:AlternateContent xmlns:mc="http://schemas.openxmlformats.org/markup-compatibility/2006">
+    <mc:Choice xmlns:p14="http://schemas.microsoft.com/office/powerpoint/2010/main" xmlns="" Requires="p14">
       <p:transition spd="med" p14:dur="700">
         <p:fade/>
       </p:transition>
     </mc:Choice>
-    <mc:Fallback xmlns="">
+    <mc:Fallback>
       <p:transition spd="med">
         <p:fade/>
       </p:transition>
     </mc:Fallback>
   </mc:AlternateContent>
-  <p:timing>
-    <p:tnLst>
-      <p:par>
-        <p:cTn id="1" dur="indefinite" restart="never" nodeType="tmRoot"/>
-      </p:par>
-    </p:tnLst>
-  </p:timing>
 </p:sld>
 </file>
 
@@ -10951,7 +11251,7 @@
       </p:grpSpPr>
       <p:sp>
         <p:nvSpPr>
-          <p:cNvPr id="13" name="Title 12"/>
+          <p:cNvPr id="2" name="1 Título"/>
           <p:cNvSpPr>
             <a:spLocks noGrp="1"/>
           </p:cNvSpPr>
@@ -10998,10 +11298,10 @@
                 <a:latin typeface="Segoe UI" panose="020B0502040204020203" pitchFamily="34" charset="0"/>
                 <a:cs typeface="Segoe UI" panose="020B0502040204020203" pitchFamily="34" charset="0"/>
               </a:rPr>
-              <a:t> </a:t>
-            </a:r>
-            <a:r>
-              <a:rPr lang="en-US" spc="0" dirty="0">
+              <a:t> XIX – </a:t>
+            </a:r>
+            <a:r>
+              <a:rPr lang="en-US" spc="0" dirty="0" err="1" smtClean="0">
                 <a:ln w="0"/>
                 <a:solidFill>
                   <a:schemeClr val="accent1"/>
@@ -11016,10 +11316,10 @@
                 <a:latin typeface="Segoe UI" panose="020B0502040204020203" pitchFamily="34" charset="0"/>
                 <a:cs typeface="Segoe UI" panose="020B0502040204020203" pitchFamily="34" charset="0"/>
               </a:rPr>
-              <a:t>XXI – </a:t>
-            </a:r>
-            <a:r>
-              <a:rPr lang="en-US" spc="0" dirty="0" err="1" smtClean="0">
+              <a:t>Casos</a:t>
+            </a:r>
+            <a:r>
+              <a:rPr lang="en-US" spc="0" dirty="0" smtClean="0">
                 <a:ln w="0"/>
                 <a:solidFill>
                   <a:schemeClr val="accent1"/>
@@ -11034,29 +11334,51 @@
                 <a:latin typeface="Segoe UI" panose="020B0502040204020203" pitchFamily="34" charset="0"/>
                 <a:cs typeface="Segoe UI" panose="020B0502040204020203" pitchFamily="34" charset="0"/>
               </a:rPr>
-              <a:t>Introducción</a:t>
-            </a:r>
-            <a:endParaRPr lang="en-US" spc="0" dirty="0">
-              <a:ln w="0"/>
-              <a:solidFill>
-                <a:schemeClr val="accent1"/>
-              </a:solidFill>
-              <a:effectLst>
-                <a:outerShdw blurRad="38100" dist="25400" dir="5400000" algn="ctr" rotWithShape="0">
-                  <a:srgbClr val="6E747A">
-                    <a:alpha val="43000"/>
-                  </a:srgbClr>
-                </a:outerShdw>
-              </a:effectLst>
-              <a:latin typeface="Segoe UI" panose="020B0502040204020203" pitchFamily="34" charset="0"/>
-              <a:cs typeface="Segoe UI" panose="020B0502040204020203" pitchFamily="34" charset="0"/>
-            </a:endParaRPr>
-          </a:p>
-        </p:txBody>
-      </p:sp>
-      <p:sp>
-        <p:nvSpPr>
-          <p:cNvPr id="2" name="Content Placeholder 1"/>
+              <a:t> </a:t>
+            </a:r>
+            <a:r>
+              <a:rPr lang="en-US" spc="0" dirty="0" err="1" smtClean="0">
+                <a:ln w="0"/>
+                <a:solidFill>
+                  <a:schemeClr val="accent1"/>
+                </a:solidFill>
+                <a:effectLst>
+                  <a:outerShdw blurRad="38100" dist="25400" dir="5400000" algn="ctr" rotWithShape="0">
+                    <a:srgbClr val="6E747A">
+                      <a:alpha val="43000"/>
+                    </a:srgbClr>
+                  </a:outerShdw>
+                </a:effectLst>
+                <a:latin typeface="Segoe UI" panose="020B0502040204020203" pitchFamily="34" charset="0"/>
+                <a:cs typeface="Segoe UI" panose="020B0502040204020203" pitchFamily="34" charset="0"/>
+              </a:rPr>
+              <a:t>reales</a:t>
+            </a:r>
+            <a:r>
+              <a:rPr lang="en-US" spc="0" dirty="0" smtClean="0">
+                <a:ln w="0"/>
+                <a:solidFill>
+                  <a:schemeClr val="accent1"/>
+                </a:solidFill>
+                <a:effectLst>
+                  <a:outerShdw blurRad="38100" dist="25400" dir="5400000" algn="ctr" rotWithShape="0">
+                    <a:srgbClr val="6E747A">
+                      <a:alpha val="43000"/>
+                    </a:srgbClr>
+                  </a:outerShdw>
+                </a:effectLst>
+                <a:latin typeface="Segoe UI" panose="020B0502040204020203" pitchFamily="34" charset="0"/>
+                <a:cs typeface="Segoe UI" panose="020B0502040204020203" pitchFamily="34" charset="0"/>
+              </a:rPr>
+              <a:t> (cont.)</a:t>
+            </a:r>
+            <a:endParaRPr lang="es-AR" dirty="0"/>
+          </a:p>
+        </p:txBody>
+      </p:sp>
+      <p:sp>
+        <p:nvSpPr>
+          <p:cNvPr id="3" name="2 Marcador de contenido"/>
           <p:cNvSpPr>
             <a:spLocks noGrp="1"/>
           </p:cNvSpPr>
@@ -11066,105 +11388,70 @@
         </p:nvSpPr>
         <p:spPr/>
         <p:txBody>
-          <a:bodyPr>
-            <a:noAutofit/>
-          </a:bodyPr>
+          <a:bodyPr/>
           <a:lstStyle/>
           <a:p>
-            <a:pPr lvl="0"/>
             <a:r>
               <a:rPr lang="es-AR" dirty="0" smtClean="0">
-                <a:latin typeface="Segoe UI" panose="020B0502040204020203" pitchFamily="34" charset="0"/>
-                <a:cs typeface="Segoe UI" panose="020B0502040204020203" pitchFamily="34" charset="0"/>
-              </a:rPr>
-              <a:t>Economía basada en la información</a:t>
-            </a:r>
-          </a:p>
-          <a:p>
-            <a:pPr lvl="1"/>
+                <a:latin typeface="Segoe UI" pitchFamily="34" charset="0"/>
+                <a:ea typeface="Segoe UI" pitchFamily="34" charset="0"/>
+                <a:cs typeface="Segoe UI" pitchFamily="34" charset="0"/>
+              </a:rPr>
+              <a:t>Radiografía</a:t>
+            </a:r>
+          </a:p>
+          <a:p>
             <a:r>
               <a:rPr lang="es-AR" dirty="0" smtClean="0">
-                <a:latin typeface="Segoe UI" panose="020B0502040204020203" pitchFamily="34" charset="0"/>
-                <a:cs typeface="Segoe UI" panose="020B0502040204020203" pitchFamily="34" charset="0"/>
-              </a:rPr>
-              <a:t>Nuevos desafíos: </a:t>
-            </a:r>
-            <a:r>
-              <a:rPr lang="es-AR" dirty="0">
-                <a:latin typeface="Segoe UI" panose="020B0502040204020203" pitchFamily="34" charset="0"/>
-                <a:cs typeface="Segoe UI" panose="020B0502040204020203" pitchFamily="34" charset="0"/>
-              </a:rPr>
-              <a:t>m</a:t>
-            </a:r>
+                <a:latin typeface="Segoe UI" pitchFamily="34" charset="0"/>
+                <a:ea typeface="Segoe UI" pitchFamily="34" charset="0"/>
+                <a:cs typeface="Segoe UI" pitchFamily="34" charset="0"/>
+              </a:rPr>
+              <a:t>Filmaciones o Imágenes en Movimiento</a:t>
+            </a:r>
+          </a:p>
+          <a:p>
             <a:r>
               <a:rPr lang="es-AR" dirty="0" smtClean="0">
-                <a:latin typeface="Segoe UI" panose="020B0502040204020203" pitchFamily="34" charset="0"/>
-                <a:cs typeface="Segoe UI" panose="020B0502040204020203" pitchFamily="34" charset="0"/>
-              </a:rPr>
-              <a:t>anejar y procesar información de diversa índole, en grandes cantidades, a alta velocidad</a:t>
-            </a:r>
-          </a:p>
-          <a:p>
-            <a:pPr lvl="0"/>
+                <a:latin typeface="Segoe UI" pitchFamily="34" charset="0"/>
+                <a:ea typeface="Segoe UI" pitchFamily="34" charset="0"/>
+                <a:cs typeface="Segoe UI" pitchFamily="34" charset="0"/>
+              </a:rPr>
+              <a:t>Teléfono</a:t>
+            </a:r>
+          </a:p>
+          <a:p>
             <a:r>
               <a:rPr lang="es-AR" dirty="0" smtClean="0">
-                <a:latin typeface="Segoe UI" panose="020B0502040204020203" pitchFamily="34" charset="0"/>
-                <a:cs typeface="Segoe UI" panose="020B0502040204020203" pitchFamily="34" charset="0"/>
-              </a:rPr>
-              <a:t>Información disponible de forma electrónica </a:t>
-            </a:r>
-          </a:p>
-          <a:p>
-            <a:pPr lvl="1"/>
-            <a:r>
-              <a:rPr lang="es-AR" dirty="0" smtClean="0">
-                <a:latin typeface="Segoe UI" panose="020B0502040204020203" pitchFamily="34" charset="0"/>
-                <a:cs typeface="Segoe UI" panose="020B0502040204020203" pitchFamily="34" charset="0"/>
-              </a:rPr>
-              <a:t>Información personal, datos médicos, datos financieros</a:t>
-            </a:r>
-          </a:p>
-          <a:p>
-            <a:pPr lvl="1"/>
-            <a:r>
-              <a:rPr lang="es-AR" dirty="0" smtClean="0">
-                <a:latin typeface="Segoe UI" panose="020B0502040204020203" pitchFamily="34" charset="0"/>
-                <a:cs typeface="Segoe UI" panose="020B0502040204020203" pitchFamily="34" charset="0"/>
-              </a:rPr>
-              <a:t>Espionaje informático</a:t>
-            </a:r>
+                <a:latin typeface="Segoe UI" pitchFamily="34" charset="0"/>
+                <a:ea typeface="Segoe UI" pitchFamily="34" charset="0"/>
+                <a:cs typeface="Segoe UI" pitchFamily="34" charset="0"/>
+              </a:rPr>
+              <a:t>Bombilla Eléctrica</a:t>
+            </a:r>
+          </a:p>
+          <a:p>
+            <a:endParaRPr lang="es-AR" dirty="0"/>
           </a:p>
         </p:txBody>
       </p:sp>
     </p:spTree>
-    <p:extLst>
-      <p:ext uri="{BB962C8B-B14F-4D97-AF65-F5344CB8AC3E}">
-        <p14:creationId xmlns:p14="http://schemas.microsoft.com/office/powerpoint/2010/main" val="2675216716"/>
-      </p:ext>
-    </p:extLst>
   </p:cSld>
   <p:clrMapOvr>
     <a:masterClrMapping/>
   </p:clrMapOvr>
-  <mc:AlternateContent xmlns:mc="http://schemas.openxmlformats.org/markup-compatibility/2006" xmlns:p14="http://schemas.microsoft.com/office/powerpoint/2010/main">
-    <mc:Choice Requires="p14">
+  <mc:AlternateContent xmlns:mc="http://schemas.openxmlformats.org/markup-compatibility/2006">
+    <mc:Choice xmlns:p14="http://schemas.microsoft.com/office/powerpoint/2010/main" xmlns="" Requires="p14">
       <p:transition spd="med" p14:dur="700">
         <p:fade/>
       </p:transition>
     </mc:Choice>
-    <mc:Fallback xmlns="">
+    <mc:Fallback>
       <p:transition spd="med">
         <p:fade/>
       </p:transition>
     </mc:Fallback>
   </mc:AlternateContent>
-  <p:timing>
-    <p:tnLst>
-      <p:par>
-        <p:cTn id="1" dur="indefinite" restart="never" nodeType="tmRoot"/>
-      </p:par>
-    </p:tnLst>
-  </p:timing>
 </p:sld>
 </file>
 
